--- a/Workshops/Workshop4.pptx
+++ b/Workshops/Workshop4.pptx
@@ -231,7 +231,7 @@
           <a:p>
             <a:fld id="{0F9C1CCF-B725-44A7-AA57-5E433BD85C9F}" type="datetimeFigureOut">
               <a:rPr lang="en-US" smtClean="0"/>
-              <a:t>4/5/2019</a:t>
+              <a:t>2/17/2018</a:t>
             </a:fld>
             <a:endParaRPr lang="en-US"/>
           </a:p>
@@ -770,7 +770,7 @@
           <a:p>
             <a:fld id="{18BDFEC3-8487-43E8-A154-7C12CBC1FFF2}" type="slidenum">
               <a:rPr lang="en-US"/>
-              <a:t>9</a:t>
+              <a:t>8</a:t>
             </a:fld>
             <a:endParaRPr lang="en-US"/>
           </a:p>
@@ -972,7 +972,7 @@
           <a:p>
             <a:fld id="{18BDFEC3-8487-43E8-A154-7C12CBC1FFF2}" type="slidenum">
               <a:rPr lang="en-US"/>
-              <a:t>10</a:t>
+              <a:t>9</a:t>
             </a:fld>
             <a:endParaRPr lang="en-US"/>
           </a:p>
@@ -1102,7 +1102,7 @@
           <a:p>
             <a:fld id="{18BDFEC3-8487-43E8-A154-7C12CBC1FFF2}" type="slidenum">
               <a:rPr lang="en-US"/>
-              <a:t>11</a:t>
+              <a:t>10</a:t>
             </a:fld>
             <a:endParaRPr lang="en-US"/>
           </a:p>
@@ -1266,7 +1266,7 @@
           <a:p>
             <a:fld id="{18BDFEC3-8487-43E8-A154-7C12CBC1FFF2}" type="slidenum">
               <a:rPr lang="en-US"/>
-              <a:t>12</a:t>
+              <a:t>11</a:t>
             </a:fld>
             <a:endParaRPr lang="en-US"/>
           </a:p>
@@ -1380,7 +1380,7 @@
           <a:p>
             <a:fld id="{18BDFEC3-8487-43E8-A154-7C12CBC1FFF2}" type="slidenum">
               <a:rPr lang="en-US"/>
-              <a:t>13</a:t>
+              <a:t>12</a:t>
             </a:fld>
             <a:endParaRPr lang="en-US"/>
           </a:p>
@@ -1534,7 +1534,7 @@
           <a:p>
             <a:fld id="{18BDFEC3-8487-43E8-A154-7C12CBC1FFF2}" type="slidenum">
               <a:rPr lang="en-US"/>
-              <a:t>28</a:t>
+              <a:t>27</a:t>
             </a:fld>
             <a:endParaRPr lang="en-US"/>
           </a:p>
@@ -1648,7 +1648,7 @@
           <a:p>
             <a:fld id="{18BDFEC3-8487-43E8-A154-7C12CBC1FFF2}" type="slidenum">
               <a:rPr lang="en-US"/>
-              <a:t>31</a:t>
+              <a:t>30</a:t>
             </a:fld>
             <a:endParaRPr lang="en-US"/>
           </a:p>
@@ -4912,7 +4912,7 @@
             </a:r>
             <a:r>
               <a:rPr/>
-              <a:t>Wrangling</a:t>
+              <a:t>wrangling</a:t>
             </a:r>
           </a:p>
         </p:txBody>
@@ -4999,7 +4999,31 @@
             </a:pPr>
             <a:r>
               <a:rPr/>
-              <a:t>Logical</a:t>
+              <a:t>Example</a:t>
+            </a:r>
+            <a:r>
+              <a:rPr/>
+              <a:t> </a:t>
+            </a:r>
+            <a:r>
+              <a:rPr/>
+              <a:t>of</a:t>
+            </a:r>
+            <a:r>
+              <a:rPr/>
+              <a:t> </a:t>
+            </a:r>
+            <a:r>
+              <a:rPr/>
+              <a:t>using</a:t>
+            </a:r>
+            <a:r>
+              <a:rPr/>
+              <a:t> </a:t>
+            </a:r>
+            <a:r>
+              <a:rPr/>
+              <a:t>logical</a:t>
             </a:r>
             <a:r>
               <a:rPr/>
@@ -5033,108 +5057,267 @@
           <a:bodyPr/>
           <a:lstStyle/>
           <a:p>
-            <a:pPr lvl="1"/>
-            <a:r>
-              <a:rPr/>
-              <a:t>You use them to compare values</a:t>
-            </a:r>
-          </a:p>
-          <a:p>
-            <a:pPr lvl="2"/>
-            <a:r>
-              <a:rPr sz="1800">
-                <a:latin typeface="Courier"/>
-              </a:rPr>
-              <a:t>==</a:t>
-            </a:r>
-            <a:r>
-              <a:rPr/>
-              <a:t> (equal to)</a:t>
-            </a:r>
-          </a:p>
-          <a:p>
-            <a:pPr lvl="2"/>
-            <a:r>
-              <a:rPr sz="1800">
-                <a:latin typeface="Courier"/>
-              </a:rPr>
-              <a:t>!=</a:t>
-            </a:r>
-            <a:r>
-              <a:rPr/>
-              <a:t> (not equal to)</a:t>
-            </a:r>
-          </a:p>
-          <a:p>
-            <a:pPr lvl="2"/>
-            <a:r>
-              <a:rPr sz="1800">
-                <a:latin typeface="Courier"/>
-              </a:rPr>
-              <a:t>&gt;, &lt;</a:t>
-            </a:r>
-            <a:r>
-              <a:rPr/>
-              <a:t> (greater than, less than)</a:t>
-            </a:r>
-          </a:p>
-          <a:p>
-            <a:pPr lvl="2"/>
-            <a:r>
-              <a:rPr sz="1800">
-                <a:latin typeface="Courier"/>
-              </a:rPr>
-              <a:t>&gt;=, &lt;=</a:t>
-            </a:r>
-            <a:r>
-              <a:rPr/>
-              <a:t> (greater than or equal to, less than or equal to)</a:t>
-            </a:r>
-          </a:p>
-          <a:p>
-            <a:pPr lvl="2"/>
-            <a:r>
-              <a:rPr sz="1800">
-                <a:latin typeface="Courier"/>
-              </a:rPr>
-              <a:t>is.na()</a:t>
-            </a:r>
-            <a:r>
-              <a:rPr/>
-              <a:t> (is the value missing)</a:t>
-            </a:r>
-          </a:p>
-          <a:p>
-            <a:pPr lvl="1"/>
-            <a:r>
-              <a:rPr/>
-              <a:t>More than one condition?</a:t>
-            </a:r>
-          </a:p>
-          <a:p>
-            <a:pPr lvl="2"/>
-            <a:r>
-              <a:rPr sz="1800">
-                <a:latin typeface="Courier"/>
-              </a:rPr>
-              <a:t>&amp;</a:t>
-            </a:r>
-            <a:r>
-              <a:rPr/>
-              <a:t> (and)</a:t>
-            </a:r>
-          </a:p>
-          <a:p>
-            <a:pPr lvl="2"/>
-            <a:r>
-              <a:rPr sz="1800">
-                <a:latin typeface="Courier"/>
-              </a:rPr>
-              <a:t>|</a:t>
-            </a:r>
-            <a:r>
-              <a:rPr/>
-              <a:t> (or)</a:t>
+            <a:pPr lvl="0" marL="0" indent="0">
+              <a:buNone/>
+            </a:pPr>
+            <a:r>
+              <a:rPr/>
+              <a:t>Try running:</a:t>
+            </a:r>
+          </a:p>
+          <a:p>
+            <a:pPr lvl="0" marL="1270000" indent="0">
+              <a:buNone/>
+            </a:pPr>
+            <a:r>
+              <a:rPr sz="1800">
+                <a:latin typeface="Courier"/>
+              </a:rPr>
+              <a:t>test_age &lt;-</a:t>
+            </a:r>
+            <a:r>
+              <a:rPr sz="1800">
+                <a:solidFill>
+                  <a:srgbClr val="4070A0"/>
+                </a:solidFill>
+                <a:latin typeface="Courier"/>
+              </a:rPr>
+              <a:t> </a:t>
+            </a:r>
+            <a:r>
+              <a:rPr sz="1800" b="1">
+                <a:solidFill>
+                  <a:srgbClr val="007020"/>
+                </a:solidFill>
+                <a:latin typeface="Courier"/>
+              </a:rPr>
+              <a:t>c</a:t>
+            </a:r>
+            <a:r>
+              <a:rPr sz="1800">
+                <a:latin typeface="Courier"/>
+              </a:rPr>
+              <a:t>(</a:t>
+            </a:r>
+            <a:r>
+              <a:rPr sz="1800">
+                <a:solidFill>
+                  <a:srgbClr val="40A070"/>
+                </a:solidFill>
+                <a:latin typeface="Courier"/>
+              </a:rPr>
+              <a:t>50</a:t>
+            </a:r>
+            <a:r>
+              <a:rPr sz="1800">
+                <a:latin typeface="Courier"/>
+              </a:rPr>
+              <a:t>, </a:t>
+            </a:r>
+            <a:r>
+              <a:rPr sz="1800">
+                <a:solidFill>
+                  <a:srgbClr val="40A070"/>
+                </a:solidFill>
+                <a:latin typeface="Courier"/>
+              </a:rPr>
+              <a:t>25</a:t>
+            </a:r>
+            <a:r>
+              <a:rPr sz="1800">
+                <a:latin typeface="Courier"/>
+              </a:rPr>
+              <a:t>, </a:t>
+            </a:r>
+            <a:r>
+              <a:rPr sz="1800">
+                <a:solidFill>
+                  <a:srgbClr val="40A070"/>
+                </a:solidFill>
+                <a:latin typeface="Courier"/>
+              </a:rPr>
+              <a:t>32</a:t>
+            </a:r>
+            <a:r>
+              <a:rPr sz="1800">
+                <a:latin typeface="Courier"/>
+              </a:rPr>
+              <a:t>, </a:t>
+            </a:r>
+            <a:r>
+              <a:rPr sz="1800">
+                <a:solidFill>
+                  <a:srgbClr val="40A070"/>
+                </a:solidFill>
+                <a:latin typeface="Courier"/>
+              </a:rPr>
+              <a:t>67</a:t>
+            </a:r>
+            <a:r>
+              <a:rPr sz="1800">
+                <a:latin typeface="Courier"/>
+              </a:rPr>
+              <a:t>, </a:t>
+            </a:r>
+            <a:r>
+              <a:rPr sz="1800">
+                <a:solidFill>
+                  <a:srgbClr val="40A070"/>
+                </a:solidFill>
+                <a:latin typeface="Courier"/>
+              </a:rPr>
+              <a:t>46</a:t>
+            </a:r>
+            <a:r>
+              <a:rPr sz="1800">
+                <a:latin typeface="Courier"/>
+              </a:rPr>
+              <a:t>, </a:t>
+            </a:r>
+            <a:r>
+              <a:rPr sz="1800">
+                <a:solidFill>
+                  <a:srgbClr val="40A070"/>
+                </a:solidFill>
+                <a:latin typeface="Courier"/>
+              </a:rPr>
+              <a:t>19</a:t>
+            </a:r>
+            <a:r>
+              <a:rPr sz="1800">
+                <a:latin typeface="Courier"/>
+              </a:rPr>
+              <a:t>)</a:t>
+            </a:r>
+            <a:br/>
+            <a:br/>
+            <a:r>
+              <a:rPr sz="1800" i="1">
+                <a:solidFill>
+                  <a:srgbClr val="60A0B0"/>
+                </a:solidFill>
+                <a:latin typeface="Courier"/>
+              </a:rPr>
+              <a:t># What elements in the vector are &gt;= 65?</a:t>
+            </a:r>
+            <a:br/>
+            <a:r>
+              <a:rPr sz="1800">
+                <a:latin typeface="Courier"/>
+              </a:rPr>
+              <a:t>test_age </a:t>
+            </a:r>
+            <a:r>
+              <a:rPr sz="1800">
+                <a:solidFill>
+                  <a:srgbClr val="666666"/>
+                </a:solidFill>
+                <a:latin typeface="Courier"/>
+              </a:rPr>
+              <a:t>&gt;=</a:t>
+            </a:r>
+            <a:r>
+              <a:rPr sz="1800">
+                <a:solidFill>
+                  <a:srgbClr val="4070A0"/>
+                </a:solidFill>
+                <a:latin typeface="Courier"/>
+              </a:rPr>
+              <a:t> </a:t>
+            </a:r>
+            <a:r>
+              <a:rPr sz="1800">
+                <a:solidFill>
+                  <a:srgbClr val="40A070"/>
+                </a:solidFill>
+                <a:latin typeface="Courier"/>
+              </a:rPr>
+              <a:t>65</a:t>
+            </a:r>
+          </a:p>
+          <a:p>
+            <a:pPr lvl="0" marL="1270000" indent="0">
+              <a:buNone/>
+            </a:pPr>
+            <a:r>
+              <a:rPr sz="1800">
+                <a:latin typeface="Courier"/>
+              </a:rPr>
+              <a:t>## [1] FALSE FALSE FALSE  TRUE FALSE FALSE</a:t>
+            </a:r>
+          </a:p>
+          <a:p>
+            <a:pPr lvl="0" marL="0" indent="0">
+              <a:buNone/>
+            </a:pPr>
+            <a:r>
+              <a:rPr/>
+              <a:t>It should return a logical vector. This can then be used to filter your vector.</a:t>
+            </a:r>
+          </a:p>
+          <a:p>
+            <a:pPr lvl="0" marL="1270000" indent="0">
+              <a:buNone/>
+            </a:pPr>
+            <a:r>
+              <a:rPr sz="1800" i="1">
+                <a:solidFill>
+                  <a:srgbClr val="60A0B0"/>
+                </a:solidFill>
+                <a:latin typeface="Courier"/>
+              </a:rPr>
+              <a:t># Extract elements of vector which are &gt;= 65</a:t>
+            </a:r>
+            <a:br/>
+            <a:r>
+              <a:rPr sz="1800">
+                <a:latin typeface="Courier"/>
+              </a:rPr>
+              <a:t>test_age[test_age </a:t>
+            </a:r>
+            <a:r>
+              <a:rPr sz="1800">
+                <a:solidFill>
+                  <a:srgbClr val="666666"/>
+                </a:solidFill>
+                <a:latin typeface="Courier"/>
+              </a:rPr>
+              <a:t>&gt;=</a:t>
+            </a:r>
+            <a:r>
+              <a:rPr sz="1800">
+                <a:solidFill>
+                  <a:srgbClr val="4070A0"/>
+                </a:solidFill>
+                <a:latin typeface="Courier"/>
+              </a:rPr>
+              <a:t> </a:t>
+            </a:r>
+            <a:r>
+              <a:rPr sz="1800">
+                <a:solidFill>
+                  <a:srgbClr val="40A070"/>
+                </a:solidFill>
+                <a:latin typeface="Courier"/>
+              </a:rPr>
+              <a:t>65</a:t>
+            </a:r>
+            <a:r>
+              <a:rPr sz="1800">
+                <a:latin typeface="Courier"/>
+              </a:rPr>
+              <a:t>]</a:t>
+            </a:r>
+          </a:p>
+          <a:p>
+            <a:pPr lvl="0" marL="1270000" indent="0">
+              <a:buNone/>
+            </a:pPr>
+            <a:r>
+              <a:rPr sz="1800">
+                <a:latin typeface="Courier"/>
+              </a:rPr>
+              <a:t>## [1] 67</a:t>
             </a:r>
           </a:p>
         </p:txBody>
@@ -5187,39 +5370,7 @@
             </a:pPr>
             <a:r>
               <a:rPr/>
-              <a:t>Example</a:t>
-            </a:r>
-            <a:r>
-              <a:rPr/>
-              <a:t> </a:t>
-            </a:r>
-            <a:r>
-              <a:rPr/>
-              <a:t>of</a:t>
-            </a:r>
-            <a:r>
-              <a:rPr/>
-              <a:t> </a:t>
-            </a:r>
-            <a:r>
-              <a:rPr/>
-              <a:t>using</a:t>
-            </a:r>
-            <a:r>
-              <a:rPr/>
-              <a:t> </a:t>
-            </a:r>
-            <a:r>
-              <a:rPr/>
-              <a:t>logical</a:t>
-            </a:r>
-            <a:r>
-              <a:rPr/>
-              <a:t> </a:t>
-            </a:r>
-            <a:r>
-              <a:rPr/>
-              <a:t>operators</a:t>
+              <a:t>Filter</a:t>
             </a:r>
           </a:p>
         </p:txBody>
@@ -5245,21 +5396,114 @@
           <a:bodyPr/>
           <a:lstStyle/>
           <a:p>
-            <a:pPr lvl="1"/>
-            <a:r>
-              <a:rPr sz="1800">
-                <a:latin typeface="Courier"/>
-              </a:rPr>
-              <a:t>age &gt;= 18</a:t>
-            </a:r>
-          </a:p>
-          <a:p>
-            <a:pPr lvl="1"/>
-            <a:r>
-              <a:rPr sz="1800">
-                <a:latin typeface="Courier"/>
-              </a:rPr>
-              <a:t>age &gt;= 18 &amp; age &lt;= 60</a:t>
+            <a:pPr lvl="0" marL="0" indent="0">
+              <a:buNone/>
+            </a:pPr>
+            <a:r>
+              <a:rPr/>
+              <a:t>Choose rows based on the conditions you specify.</a:t>
+            </a:r>
+          </a:p>
+          <a:p>
+            <a:pPr lvl="0" marL="1270000" indent="0">
+              <a:buNone/>
+            </a:pPr>
+            <a:r>
+              <a:rPr sz="1800">
+                <a:latin typeface="Courier"/>
+              </a:rPr>
+              <a:t>cchic </a:t>
+            </a:r>
+            <a:r>
+              <a:rPr sz="1800">
+                <a:solidFill>
+                  <a:srgbClr val="666666"/>
+                </a:solidFill>
+                <a:latin typeface="Courier"/>
+              </a:rPr>
+              <a:t>%&gt;%</a:t>
+            </a:r>
+            <a:br/>
+            <a:r>
+              <a:rPr sz="1800">
+                <a:solidFill>
+                  <a:srgbClr val="4070A0"/>
+                </a:solidFill>
+                <a:latin typeface="Courier"/>
+              </a:rPr>
+              <a:t>  </a:t>
+            </a:r>
+            <a:r>
+              <a:rPr sz="1800">
+                <a:latin typeface="Courier"/>
+              </a:rPr>
+              <a:t>dplyr</a:t>
+            </a:r>
+            <a:r>
+              <a:rPr sz="1800">
+                <a:solidFill>
+                  <a:srgbClr val="666666"/>
+                </a:solidFill>
+                <a:latin typeface="Courier"/>
+              </a:rPr>
+              <a:t>::</a:t>
+            </a:r>
+            <a:r>
+              <a:rPr sz="1800" b="1">
+                <a:solidFill>
+                  <a:srgbClr val="007020"/>
+                </a:solidFill>
+                <a:latin typeface="Courier"/>
+              </a:rPr>
+              <a:t>filter</a:t>
+            </a:r>
+            <a:r>
+              <a:rPr sz="1800">
+                <a:latin typeface="Courier"/>
+              </a:rPr>
+              <a:t>(age_years </a:t>
+            </a:r>
+            <a:r>
+              <a:rPr sz="1800">
+                <a:solidFill>
+                  <a:srgbClr val="666666"/>
+                </a:solidFill>
+                <a:latin typeface="Courier"/>
+              </a:rPr>
+              <a:t>&gt;=</a:t>
+            </a:r>
+            <a:r>
+              <a:rPr sz="1800">
+                <a:solidFill>
+                  <a:srgbClr val="4070A0"/>
+                </a:solidFill>
+                <a:latin typeface="Courier"/>
+              </a:rPr>
+              <a:t> </a:t>
+            </a:r>
+            <a:r>
+              <a:rPr sz="1800">
+                <a:solidFill>
+                  <a:srgbClr val="40A070"/>
+                </a:solidFill>
+                <a:latin typeface="Courier"/>
+              </a:rPr>
+              <a:t>65</a:t>
+            </a:r>
+            <a:r>
+              <a:rPr sz="1800">
+                <a:latin typeface="Courier"/>
+              </a:rPr>
+              <a:t>)</a:t>
+            </a:r>
+          </a:p>
+          <a:p>
+            <a:pPr lvl="0" marL="0" indent="0">
+              <a:buNone/>
+            </a:pPr>
+            <a:r>
+              <a:rPr/>
+              <a:t>The output is a data frame where all patients are 65 years or older.</a:t>
             </a:r>
           </a:p>
         </p:txBody>
@@ -5312,7 +5556,7 @@
             </a:pPr>
             <a:r>
               <a:rPr/>
-              <a:t>Filter</a:t>
+              <a:t>Select</a:t>
             </a:r>
           </a:p>
         </p:txBody>
@@ -5343,7 +5587,7 @@
             </a:pPr>
             <a:r>
               <a:rPr/>
-              <a:t>Choose rows based on the conditions you specify.</a:t>
+              <a:t>Allows you to choose specific variables from your dataset.</a:t>
             </a:r>
           </a:p>
           <a:p>
@@ -5376,52 +5620,34 @@
               <a:t>  </a:t>
             </a:r>
             <a:r>
+              <a:rPr sz="1800">
+                <a:latin typeface="Courier"/>
+              </a:rPr>
+              <a:t>dplyr</a:t>
+            </a:r>
+            <a:r>
+              <a:rPr sz="1800">
+                <a:solidFill>
+                  <a:srgbClr val="666666"/>
+                </a:solidFill>
+                <a:latin typeface="Courier"/>
+              </a:rPr>
+              <a:t>::</a:t>
+            </a:r>
+            <a:r>
               <a:rPr sz="1800" b="1">
                 <a:solidFill>
                   <a:srgbClr val="007020"/>
                 </a:solidFill>
                 <a:latin typeface="Courier"/>
               </a:rPr>
-              <a:t>filter</a:t>
-            </a:r>
-            <a:r>
-              <a:rPr sz="1800">
-                <a:latin typeface="Courier"/>
-              </a:rPr>
-              <a:t>(age_years </a:t>
-            </a:r>
-            <a:r>
-              <a:rPr sz="1800">
-                <a:solidFill>
-                  <a:srgbClr val="666666"/>
-                </a:solidFill>
-                <a:latin typeface="Courier"/>
-              </a:rPr>
-              <a:t>&gt;=</a:t>
-            </a:r>
-            <a:r>
-              <a:rPr sz="1800">
-                <a:solidFill>
-                  <a:srgbClr val="4070A0"/>
-                </a:solidFill>
-                <a:latin typeface="Courier"/>
-              </a:rPr>
-              <a:t> </a:t>
-            </a:r>
-            <a:r>
-              <a:rPr sz="1800">
-                <a:solidFill>
-                  <a:srgbClr val="40A070"/>
-                </a:solidFill>
-                <a:latin typeface="Courier"/>
-              </a:rPr>
-              <a:t>65</a:t>
-            </a:r>
-            <a:r>
-              <a:rPr sz="1800">
-                <a:latin typeface="Courier"/>
-              </a:rPr>
-              <a:t>)</a:t>
+              <a:t>select</a:t>
+            </a:r>
+            <a:r>
+              <a:rPr sz="1800">
+                <a:latin typeface="Courier"/>
+              </a:rPr>
+              <a:t>(sex)</a:t>
             </a:r>
           </a:p>
           <a:p>
@@ -5430,7 +5656,7 @@
             </a:pPr>
             <a:r>
               <a:rPr/>
-              <a:t>The output is a data frame where all patients are 65 years or older.</a:t>
+              <a:t>Output is a data frame with the gender of all patients.</a:t>
             </a:r>
           </a:p>
         </p:txBody>
@@ -5483,7 +5709,39 @@
             </a:pPr>
             <a:r>
               <a:rPr/>
-              <a:t>Select</a:t>
+              <a:t>Using</a:t>
+            </a:r>
+            <a:r>
+              <a:rPr/>
+              <a:t> </a:t>
+            </a:r>
+            <a:r>
+              <a:rPr/>
+              <a:t>filter</a:t>
+            </a:r>
+            <a:r>
+              <a:rPr/>
+              <a:t> </a:t>
+            </a:r>
+            <a:r>
+              <a:rPr/>
+              <a:t>and</a:t>
+            </a:r>
+            <a:r>
+              <a:rPr/>
+              <a:t> </a:t>
+            </a:r>
+            <a:r>
+              <a:rPr/>
+              <a:t>select</a:t>
+            </a:r>
+            <a:r>
+              <a:rPr/>
+              <a:t> </a:t>
+            </a:r>
+            <a:r>
+              <a:rPr/>
+              <a:t>together</a:t>
             </a:r>
           </a:p>
         </p:txBody>
@@ -5509,57 +5767,183 @@
           <a:bodyPr/>
           <a:lstStyle/>
           <a:p>
+            <a:pPr lvl="0" marL="1270000" indent="0">
+              <a:buNone/>
+            </a:pPr>
+            <a:r>
+              <a:rPr sz="1800">
+                <a:latin typeface="Courier"/>
+              </a:rPr>
+              <a:t>cchic </a:t>
+            </a:r>
+            <a:r>
+              <a:rPr sz="1800">
+                <a:solidFill>
+                  <a:srgbClr val="666666"/>
+                </a:solidFill>
+                <a:latin typeface="Courier"/>
+              </a:rPr>
+              <a:t>%&gt;%</a:t>
+            </a:r>
+            <a:br/>
+            <a:r>
+              <a:rPr sz="1800">
+                <a:solidFill>
+                  <a:srgbClr val="4070A0"/>
+                </a:solidFill>
+                <a:latin typeface="Courier"/>
+              </a:rPr>
+              <a:t>  </a:t>
+            </a:r>
+            <a:r>
+              <a:rPr sz="1800">
+                <a:latin typeface="Courier"/>
+              </a:rPr>
+              <a:t>dplyr</a:t>
+            </a:r>
+            <a:r>
+              <a:rPr sz="1800">
+                <a:solidFill>
+                  <a:srgbClr val="666666"/>
+                </a:solidFill>
+                <a:latin typeface="Courier"/>
+              </a:rPr>
+              <a:t>::</a:t>
+            </a:r>
+            <a:r>
+              <a:rPr sz="1800" b="1">
+                <a:solidFill>
+                  <a:srgbClr val="007020"/>
+                </a:solidFill>
+                <a:latin typeface="Courier"/>
+              </a:rPr>
+              <a:t>filter</a:t>
+            </a:r>
+            <a:r>
+              <a:rPr sz="1800">
+                <a:latin typeface="Courier"/>
+              </a:rPr>
+              <a:t>(age_years </a:t>
+            </a:r>
+            <a:r>
+              <a:rPr sz="1800">
+                <a:solidFill>
+                  <a:srgbClr val="666666"/>
+                </a:solidFill>
+                <a:latin typeface="Courier"/>
+              </a:rPr>
+              <a:t>&gt;=</a:t>
+            </a:r>
+            <a:r>
+              <a:rPr sz="1800">
+                <a:solidFill>
+                  <a:srgbClr val="4070A0"/>
+                </a:solidFill>
+                <a:latin typeface="Courier"/>
+              </a:rPr>
+              <a:t> </a:t>
+            </a:r>
+            <a:r>
+              <a:rPr sz="1800">
+                <a:solidFill>
+                  <a:srgbClr val="40A070"/>
+                </a:solidFill>
+                <a:latin typeface="Courier"/>
+              </a:rPr>
+              <a:t>65</a:t>
+            </a:r>
+            <a:r>
+              <a:rPr sz="1800">
+                <a:latin typeface="Courier"/>
+              </a:rPr>
+              <a:t>) </a:t>
+            </a:r>
+            <a:r>
+              <a:rPr sz="1800">
+                <a:solidFill>
+                  <a:srgbClr val="666666"/>
+                </a:solidFill>
+                <a:latin typeface="Courier"/>
+              </a:rPr>
+              <a:t>%&gt;%</a:t>
+            </a:r>
+            <a:br/>
+            <a:r>
+              <a:rPr sz="1800">
+                <a:solidFill>
+                  <a:srgbClr val="4070A0"/>
+                </a:solidFill>
+                <a:latin typeface="Courier"/>
+              </a:rPr>
+              <a:t>  </a:t>
+            </a:r>
+            <a:r>
+              <a:rPr sz="1800">
+                <a:latin typeface="Courier"/>
+              </a:rPr>
+              <a:t>dplyr</a:t>
+            </a:r>
+            <a:r>
+              <a:rPr sz="1800">
+                <a:solidFill>
+                  <a:srgbClr val="666666"/>
+                </a:solidFill>
+                <a:latin typeface="Courier"/>
+              </a:rPr>
+              <a:t>::</a:t>
+            </a:r>
+            <a:r>
+              <a:rPr sz="1800" b="1">
+                <a:solidFill>
+                  <a:srgbClr val="007020"/>
+                </a:solidFill>
+                <a:latin typeface="Courier"/>
+              </a:rPr>
+              <a:t>select</a:t>
+            </a:r>
+            <a:r>
+              <a:rPr sz="1800">
+                <a:latin typeface="Courier"/>
+              </a:rPr>
+              <a:t>(sex)</a:t>
+            </a:r>
+          </a:p>
+          <a:p>
             <a:pPr lvl="0" marL="0" indent="0">
               <a:buNone/>
             </a:pPr>
             <a:r>
               <a:rPr/>
-              <a:t>Allows you to choose specific variables from your dataset.</a:t>
-            </a:r>
-          </a:p>
-          <a:p>
-            <a:pPr lvl="0" marL="1270000" indent="0">
+              <a:t>Output is the gender of patients who are 65 years or older.</a:t>
+            </a:r>
+          </a:p>
+          <a:p>
+            <a:pPr lvl="0" marL="0" indent="0">
               <a:buNone/>
             </a:pPr>
             <a:r>
-              <a:rPr sz="1800">
-                <a:latin typeface="Courier"/>
-              </a:rPr>
-              <a:t>cchic </a:t>
-            </a:r>
-            <a:r>
-              <a:rPr sz="1800">
-                <a:solidFill>
-                  <a:srgbClr val="666666"/>
-                </a:solidFill>
-                <a:latin typeface="Courier"/>
-              </a:rPr>
-              <a:t>%&gt;%</a:t>
-            </a:r>
-            <a:br/>
-            <a:r>
-              <a:rPr sz="1800">
-                <a:solidFill>
-                  <a:srgbClr val="4070A0"/>
-                </a:solidFill>
-                <a:latin typeface="Courier"/>
-              </a:rPr>
-              <a:t>  </a:t>
-            </a:r>
-            <a:r>
-              <a:rPr sz="1800" b="1">
-                <a:solidFill>
-                  <a:srgbClr val="007020"/>
-                </a:solidFill>
-                <a:latin typeface="Courier"/>
-              </a:rPr>
-              <a:t>select</a:t>
-            </a:r>
-            <a:r>
-              <a:rPr sz="1800">
-                <a:latin typeface="Courier"/>
-              </a:rPr>
-              <a:t>(sex)</a:t>
+              <a:rPr/>
+              <a:t>What happens if you do </a:t>
+            </a:r>
+            <a:r>
+              <a:rPr sz="1800">
+                <a:latin typeface="Courier"/>
+              </a:rPr>
+              <a:t>select()</a:t>
+            </a:r>
+            <a:r>
+              <a:rPr/>
+              <a:t> and then </a:t>
+            </a:r>
+            <a:r>
+              <a:rPr sz="1800">
+                <a:latin typeface="Courier"/>
+              </a:rPr>
+              <a:t>filter()</a:t>
+            </a:r>
+            <a:r>
+              <a:rPr/>
+              <a:t>?</a:t>
             </a:r>
           </a:p>
           <a:p>
@@ -5568,7 +5952,7 @@
             </a:pPr>
             <a:r>
               <a:rPr/>
-              <a:t>Output is a data frame with the gender of all patients.</a:t>
+              <a:t>You have removed the age variable from the dataset, so you can’t filter based on age.</a:t>
             </a:r>
           </a:p>
         </p:txBody>
@@ -5621,39 +6005,31 @@
             </a:pPr>
             <a:r>
               <a:rPr/>
-              <a:t>Using</a:t>
-            </a:r>
-            <a:r>
-              <a:rPr/>
-              <a:t> </a:t>
-            </a:r>
-            <a:r>
-              <a:rPr/>
-              <a:t>filter</a:t>
-            </a:r>
-            <a:r>
-              <a:rPr/>
-              <a:t> </a:t>
-            </a:r>
-            <a:r>
-              <a:rPr/>
-              <a:t>and</a:t>
-            </a:r>
-            <a:r>
-              <a:rPr/>
-              <a:t> </a:t>
-            </a:r>
-            <a:r>
-              <a:rPr/>
-              <a:t>select</a:t>
-            </a:r>
-            <a:r>
-              <a:rPr/>
-              <a:t> </a:t>
-            </a:r>
-            <a:r>
-              <a:rPr/>
-              <a:t>together</a:t>
+              <a:t>Piped</a:t>
+            </a:r>
+            <a:r>
+              <a:rPr/>
+              <a:t> </a:t>
+            </a:r>
+            <a:r>
+              <a:rPr/>
+              <a:t>data</a:t>
+            </a:r>
+            <a:r>
+              <a:rPr/>
+              <a:t> </a:t>
+            </a:r>
+            <a:r>
+              <a:rPr/>
+              <a:t>with</a:t>
+            </a:r>
+            <a:r>
+              <a:rPr/>
+              <a:t> </a:t>
+            </a:r>
+            <a:r>
+              <a:rPr/>
+              <a:t>functions</a:t>
             </a:r>
           </a:p>
         </p:txBody>
@@ -5679,6 +6055,15 @@
           <a:bodyPr/>
           <a:lstStyle/>
           <a:p>
+            <a:pPr lvl="0" marL="0" indent="0">
+              <a:buNone/>
+            </a:pPr>
+            <a:r>
+              <a:rPr/>
+              <a:t>Piped data can be passed on to almost any function in R</a:t>
+            </a:r>
+          </a:p>
+          <a:p>
             <a:pPr lvl="0" marL="1270000" indent="0">
               <a:buNone/>
             </a:pPr>
@@ -5708,6 +6093,21 @@
               <a:t>  </a:t>
             </a:r>
             <a:r>
+              <a:rPr sz="1800">
+                <a:latin typeface="Courier"/>
+              </a:rPr>
+              <a:t>dplyr</a:t>
+            </a:r>
+            <a:r>
+              <a:rPr sz="1800">
+                <a:solidFill>
+                  <a:srgbClr val="666666"/>
+                </a:solidFill>
+                <a:latin typeface="Courier"/>
+              </a:rPr>
+              <a:t>::</a:t>
+            </a:r>
+            <a:r>
               <a:rPr sz="1800" b="1">
                 <a:solidFill>
                   <a:srgbClr val="007020"/>
@@ -5775,6 +6175,21 @@
               <a:t>  </a:t>
             </a:r>
             <a:r>
+              <a:rPr sz="1800">
+                <a:latin typeface="Courier"/>
+              </a:rPr>
+              <a:t>dplyr</a:t>
+            </a:r>
+            <a:r>
+              <a:rPr sz="1800">
+                <a:solidFill>
+                  <a:srgbClr val="666666"/>
+                </a:solidFill>
+                <a:latin typeface="Courier"/>
+              </a:rPr>
+              <a:t>::</a:t>
+            </a:r>
+            <a:r>
               <a:rPr sz="1800" b="1">
                 <a:solidFill>
                   <a:srgbClr val="007020"/>
@@ -5787,7 +6202,41 @@
               <a:rPr sz="1800">
                 <a:latin typeface="Courier"/>
               </a:rPr>
-              <a:t>(sex)</a:t>
+              <a:t>(sex) </a:t>
+            </a:r>
+            <a:r>
+              <a:rPr sz="1800">
+                <a:solidFill>
+                  <a:srgbClr val="666666"/>
+                </a:solidFill>
+                <a:latin typeface="Courier"/>
+              </a:rPr>
+              <a:t>%&gt;%</a:t>
+            </a:r>
+            <a:br/>
+            <a:r>
+              <a:rPr sz="1800">
+                <a:solidFill>
+                  <a:srgbClr val="4070A0"/>
+                </a:solidFill>
+                <a:latin typeface="Courier"/>
+              </a:rPr>
+              <a:t>  </a:t>
+            </a:r>
+            <a:r>
+              <a:rPr sz="1800" b="1">
+                <a:solidFill>
+                  <a:srgbClr val="007020"/>
+                </a:solidFill>
+                <a:latin typeface="Courier"/>
+              </a:rPr>
+              <a:t>summary</a:t>
+            </a:r>
+            <a:r>
+              <a:rPr sz="1800">
+                <a:latin typeface="Courier"/>
+              </a:rPr>
+              <a:t>()</a:t>
             </a:r>
           </a:p>
           <a:p>
@@ -5796,36 +6245,7 @@
             </a:pPr>
             <a:r>
               <a:rPr/>
-              <a:t>Output is the gender of patients who are 65 years or older.</a:t>
-            </a:r>
-          </a:p>
-          <a:p>
-            <a:pPr lvl="0" marL="0" indent="0">
-              <a:buNone/>
-            </a:pPr>
-            <a:r>
-              <a:rPr/>
-              <a:t>What happens if you do </a:t>
-            </a:r>
-            <a:r>
-              <a:rPr sz="1800">
-                <a:latin typeface="Courier"/>
-              </a:rPr>
-              <a:t>select()</a:t>
-            </a:r>
-            <a:r>
-              <a:rPr/>
-              <a:t> and then </a:t>
-            </a:r>
-            <a:r>
-              <a:rPr sz="1800">
-                <a:latin typeface="Courier"/>
-              </a:rPr>
-              <a:t>filter()</a:t>
-            </a:r>
-            <a:r>
-              <a:rPr/>
-              <a:t>? You have removed the age variable from the dataset, so you can’t filter based on age.</a:t>
+              <a:t>Gives information on gender for patients older than 65.</a:t>
             </a:r>
           </a:p>
         </p:txBody>
@@ -5878,31 +6298,31 @@
             </a:pPr>
             <a:r>
               <a:rPr/>
-              <a:t>Piped</a:t>
-            </a:r>
-            <a:r>
-              <a:rPr/>
-              <a:t> </a:t>
-            </a:r>
-            <a:r>
-              <a:rPr/>
-              <a:t>data</a:t>
-            </a:r>
-            <a:r>
-              <a:rPr/>
-              <a:t> </a:t>
-            </a:r>
-            <a:r>
-              <a:rPr/>
-              <a:t>with</a:t>
-            </a:r>
-            <a:r>
-              <a:rPr/>
-              <a:t> </a:t>
-            </a:r>
-            <a:r>
-              <a:rPr/>
-              <a:t>functions</a:t>
+              <a:t>Other</a:t>
+            </a:r>
+            <a:r>
+              <a:rPr/>
+              <a:t> </a:t>
+            </a:r>
+            <a:r>
+              <a:rPr/>
+              <a:t>dplyr</a:t>
+            </a:r>
+            <a:r>
+              <a:rPr/>
+              <a:t> </a:t>
+            </a:r>
+            <a:r>
+              <a:rPr/>
+              <a:t>wrangling</a:t>
+            </a:r>
+            <a:r>
+              <a:rPr/>
+              <a:t> </a:t>
+            </a:r>
+            <a:r>
+              <a:rPr/>
+              <a:t>verbs</a:t>
             </a:r>
           </a:p>
         </p:txBody>
@@ -5928,167 +6348,21 @@
           <a:bodyPr/>
           <a:lstStyle/>
           <a:p>
-            <a:pPr lvl="0" marL="0" indent="0">
-              <a:buNone/>
-            </a:pPr>
-            <a:r>
-              <a:rPr/>
-              <a:t>Piped data can be passed on to almost any function in R</a:t>
-            </a:r>
-          </a:p>
-          <a:p>
-            <a:pPr lvl="0" marL="1270000" indent="0">
-              <a:buNone/>
-            </a:pPr>
-            <a:r>
-              <a:rPr sz="1800">
-                <a:latin typeface="Courier"/>
-              </a:rPr>
-              <a:t>cchic </a:t>
-            </a:r>
-            <a:r>
-              <a:rPr sz="1800">
-                <a:solidFill>
-                  <a:srgbClr val="666666"/>
-                </a:solidFill>
-                <a:latin typeface="Courier"/>
-              </a:rPr>
-              <a:t>%&gt;%</a:t>
-            </a:r>
-            <a:br/>
-            <a:r>
-              <a:rPr sz="1800">
-                <a:solidFill>
-                  <a:srgbClr val="4070A0"/>
-                </a:solidFill>
-                <a:latin typeface="Courier"/>
-              </a:rPr>
-              <a:t>  </a:t>
-            </a:r>
-            <a:r>
-              <a:rPr sz="1800" b="1">
-                <a:solidFill>
-                  <a:srgbClr val="007020"/>
-                </a:solidFill>
-                <a:latin typeface="Courier"/>
-              </a:rPr>
-              <a:t>filter</a:t>
-            </a:r>
-            <a:r>
-              <a:rPr sz="1800">
-                <a:latin typeface="Courier"/>
-              </a:rPr>
-              <a:t>(age_years </a:t>
-            </a:r>
-            <a:r>
-              <a:rPr sz="1800">
-                <a:solidFill>
-                  <a:srgbClr val="666666"/>
-                </a:solidFill>
-                <a:latin typeface="Courier"/>
-              </a:rPr>
-              <a:t>&gt;=</a:t>
-            </a:r>
-            <a:r>
-              <a:rPr sz="1800">
-                <a:solidFill>
-                  <a:srgbClr val="4070A0"/>
-                </a:solidFill>
-                <a:latin typeface="Courier"/>
-              </a:rPr>
-              <a:t> </a:t>
-            </a:r>
-            <a:r>
-              <a:rPr sz="1800">
-                <a:solidFill>
-                  <a:srgbClr val="40A070"/>
-                </a:solidFill>
-                <a:latin typeface="Courier"/>
-              </a:rPr>
-              <a:t>65</a:t>
-            </a:r>
-            <a:r>
-              <a:rPr sz="1800">
-                <a:latin typeface="Courier"/>
-              </a:rPr>
-              <a:t>) </a:t>
-            </a:r>
-            <a:r>
-              <a:rPr sz="1800">
-                <a:solidFill>
-                  <a:srgbClr val="666666"/>
-                </a:solidFill>
-                <a:latin typeface="Courier"/>
-              </a:rPr>
-              <a:t>%&gt;%</a:t>
-            </a:r>
-            <a:br/>
-            <a:r>
-              <a:rPr sz="1800">
-                <a:solidFill>
-                  <a:srgbClr val="4070A0"/>
-                </a:solidFill>
-                <a:latin typeface="Courier"/>
-              </a:rPr>
-              <a:t>  </a:t>
-            </a:r>
-            <a:r>
-              <a:rPr sz="1800" b="1">
-                <a:solidFill>
-                  <a:srgbClr val="007020"/>
-                </a:solidFill>
-                <a:latin typeface="Courier"/>
-              </a:rPr>
-              <a:t>select</a:t>
-            </a:r>
-            <a:r>
-              <a:rPr sz="1800">
-                <a:latin typeface="Courier"/>
-              </a:rPr>
-              <a:t>(sex) </a:t>
-            </a:r>
-            <a:r>
-              <a:rPr sz="1800">
-                <a:solidFill>
-                  <a:srgbClr val="666666"/>
-                </a:solidFill>
-                <a:latin typeface="Courier"/>
-              </a:rPr>
-              <a:t>%&gt;%</a:t>
-            </a:r>
-            <a:br/>
-            <a:r>
-              <a:rPr sz="1800">
-                <a:solidFill>
-                  <a:srgbClr val="4070A0"/>
-                </a:solidFill>
-                <a:latin typeface="Courier"/>
-              </a:rPr>
-              <a:t>  </a:t>
-            </a:r>
-            <a:r>
-              <a:rPr sz="1800" b="1">
-                <a:solidFill>
-                  <a:srgbClr val="007020"/>
-                </a:solidFill>
-                <a:latin typeface="Courier"/>
-              </a:rPr>
-              <a:t>summary</a:t>
-            </a:r>
-            <a:r>
-              <a:rPr sz="1800">
-                <a:latin typeface="Courier"/>
-              </a:rPr>
-              <a:t>()</a:t>
-            </a:r>
-          </a:p>
-          <a:p>
-            <a:pPr lvl="0" marL="0" indent="0">
-              <a:buNone/>
-            </a:pPr>
-            <a:r>
-              <a:rPr/>
-              <a:t>Gives information on gender for patients older than 65.</a:t>
+            <a:pPr lvl="1"/>
+            <a:r>
+              <a:rPr sz="1800">
+                <a:latin typeface="Courier"/>
+              </a:rPr>
+              <a:t>group_by()</a:t>
+            </a:r>
+          </a:p>
+          <a:p>
+            <a:pPr lvl="1"/>
+            <a:r>
+              <a:rPr sz="1800">
+                <a:latin typeface="Courier"/>
+              </a:rPr>
+              <a:t>summarise()</a:t>
             </a:r>
           </a:p>
         </p:txBody>
@@ -6141,31 +6415,55 @@
             </a:pPr>
             <a:r>
               <a:rPr/>
-              <a:t>Other</a:t>
-            </a:r>
-            <a:r>
-              <a:rPr/>
-              <a:t> </a:t>
-            </a:r>
-            <a:r>
-              <a:rPr/>
-              <a:t>dplyr</a:t>
-            </a:r>
-            <a:r>
-              <a:rPr/>
-              <a:t> </a:t>
-            </a:r>
-            <a:r>
-              <a:rPr/>
-              <a:t>wrangling</a:t>
-            </a:r>
-            <a:r>
-              <a:rPr/>
-              <a:t> </a:t>
-            </a:r>
-            <a:r>
-              <a:rPr/>
-              <a:t>verbs</a:t>
+              <a:t>Example</a:t>
+            </a:r>
+            <a:r>
+              <a:rPr/>
+              <a:t> </a:t>
+            </a:r>
+            <a:r>
+              <a:rPr/>
+              <a:t>of</a:t>
+            </a:r>
+            <a:r>
+              <a:rPr/>
+              <a:t> </a:t>
+            </a:r>
+            <a:r>
+              <a:rPr/>
+              <a:t>using</a:t>
+            </a:r>
+            <a:r>
+              <a:rPr/>
+              <a:t> </a:t>
+            </a:r>
+            <a:r>
+              <a:rPr/>
+              <a:t>group</a:t>
+            </a:r>
+            <a:r>
+              <a:rPr/>
+              <a:t> </a:t>
+            </a:r>
+            <a:r>
+              <a:rPr/>
+              <a:t>by</a:t>
+            </a:r>
+            <a:r>
+              <a:rPr/>
+              <a:t> </a:t>
+            </a:r>
+            <a:r>
+              <a:rPr/>
+              <a:t>and</a:t>
+            </a:r>
+            <a:r>
+              <a:rPr/>
+              <a:t> </a:t>
+            </a:r>
+            <a:r>
+              <a:rPr/>
+              <a:t>summarise</a:t>
             </a:r>
           </a:p>
         </p:txBody>
@@ -6191,39 +6489,180 @@
           <a:bodyPr/>
           <a:lstStyle/>
           <a:p>
-            <a:pPr lvl="1"/>
-            <a:r>
-              <a:rPr sz="1800">
-                <a:latin typeface="Courier"/>
-              </a:rPr>
-              <a:t>filter()</a:t>
-            </a:r>
-          </a:p>
-          <a:p>
-            <a:pPr lvl="1"/>
-            <a:r>
-              <a:rPr sz="1800">
-                <a:latin typeface="Courier"/>
-              </a:rPr>
-              <a:t>select()</a:t>
-            </a:r>
-          </a:p>
-          <a:p>
-            <a:pPr lvl="1"/>
-            <a:r>
-              <a:rPr sz="1800">
-                <a:latin typeface="Courier"/>
-              </a:rPr>
-              <a:t>group_by()</a:t>
-            </a:r>
-          </a:p>
-          <a:p>
-            <a:pPr lvl="1"/>
-            <a:r>
-              <a:rPr sz="1800">
-                <a:latin typeface="Courier"/>
-              </a:rPr>
-              <a:t>summarise()</a:t>
+            <a:pPr lvl="0" marL="0" indent="0">
+              <a:buNone/>
+            </a:pPr>
+            <a:r>
+              <a:rPr/>
+              <a:t>Try this.</a:t>
+            </a:r>
+          </a:p>
+          <a:p>
+            <a:pPr lvl="0" marL="1270000" indent="0">
+              <a:buNone/>
+            </a:pPr>
+            <a:r>
+              <a:rPr sz="1800">
+                <a:latin typeface="Courier"/>
+              </a:rPr>
+              <a:t>cchic </a:t>
+            </a:r>
+            <a:r>
+              <a:rPr sz="1800">
+                <a:solidFill>
+                  <a:srgbClr val="666666"/>
+                </a:solidFill>
+                <a:latin typeface="Courier"/>
+              </a:rPr>
+              <a:t>%&gt;%</a:t>
+            </a:r>
+            <a:br/>
+            <a:r>
+              <a:rPr sz="1800">
+                <a:solidFill>
+                  <a:srgbClr val="4070A0"/>
+                </a:solidFill>
+                <a:latin typeface="Courier"/>
+              </a:rPr>
+              <a:t>  </a:t>
+            </a:r>
+            <a:r>
+              <a:rPr sz="1800">
+                <a:latin typeface="Courier"/>
+              </a:rPr>
+              <a:t>dplyr</a:t>
+            </a:r>
+            <a:r>
+              <a:rPr sz="1800">
+                <a:solidFill>
+                  <a:srgbClr val="666666"/>
+                </a:solidFill>
+                <a:latin typeface="Courier"/>
+              </a:rPr>
+              <a:t>::</a:t>
+            </a:r>
+            <a:r>
+              <a:rPr sz="1800" b="1">
+                <a:solidFill>
+                  <a:srgbClr val="007020"/>
+                </a:solidFill>
+                <a:latin typeface="Courier"/>
+              </a:rPr>
+              <a:t>group_by</a:t>
+            </a:r>
+            <a:r>
+              <a:rPr sz="1800">
+                <a:latin typeface="Courier"/>
+              </a:rPr>
+              <a:t>(sex) </a:t>
+            </a:r>
+            <a:r>
+              <a:rPr sz="1800">
+                <a:solidFill>
+                  <a:srgbClr val="666666"/>
+                </a:solidFill>
+                <a:latin typeface="Courier"/>
+              </a:rPr>
+              <a:t>%&gt;%</a:t>
+            </a:r>
+            <a:br/>
+            <a:r>
+              <a:rPr sz="1800">
+                <a:solidFill>
+                  <a:srgbClr val="4070A0"/>
+                </a:solidFill>
+                <a:latin typeface="Courier"/>
+              </a:rPr>
+              <a:t>  </a:t>
+            </a:r>
+            <a:r>
+              <a:rPr sz="1800">
+                <a:latin typeface="Courier"/>
+              </a:rPr>
+              <a:t>dplyr</a:t>
+            </a:r>
+            <a:r>
+              <a:rPr sz="1800">
+                <a:solidFill>
+                  <a:srgbClr val="666666"/>
+                </a:solidFill>
+                <a:latin typeface="Courier"/>
+              </a:rPr>
+              <a:t>::</a:t>
+            </a:r>
+            <a:r>
+              <a:rPr sz="1800" b="1">
+                <a:solidFill>
+                  <a:srgbClr val="007020"/>
+                </a:solidFill>
+                <a:latin typeface="Courier"/>
+              </a:rPr>
+              <a:t>summarise</a:t>
+            </a:r>
+            <a:r>
+              <a:rPr sz="1800">
+                <a:latin typeface="Courier"/>
+              </a:rPr>
+              <a:t>(</a:t>
+            </a:r>
+            <a:r>
+              <a:rPr sz="1800">
+                <a:solidFill>
+                  <a:srgbClr val="902000"/>
+                </a:solidFill>
+                <a:latin typeface="Courier"/>
+              </a:rPr>
+              <a:t>mean_urea =</a:t>
+            </a:r>
+            <a:r>
+              <a:rPr sz="1800">
+                <a:latin typeface="Courier"/>
+              </a:rPr>
+              <a:t> </a:t>
+            </a:r>
+            <a:r>
+              <a:rPr sz="1800" b="1">
+                <a:solidFill>
+                  <a:srgbClr val="007020"/>
+                </a:solidFill>
+                <a:latin typeface="Courier"/>
+              </a:rPr>
+              <a:t>mean</a:t>
+            </a:r>
+            <a:r>
+              <a:rPr sz="1800">
+                <a:latin typeface="Courier"/>
+              </a:rPr>
+              <a:t>(urea))</a:t>
+            </a:r>
+          </a:p>
+          <a:p>
+            <a:pPr lvl="0" marL="0" indent="0">
+              <a:buNone/>
+            </a:pPr>
+            <a:r>
+              <a:rPr/>
+              <a:t>What is the output? Hint – check for missing values in </a:t>
+            </a:r>
+            <a:r>
+              <a:rPr sz="1800">
+                <a:latin typeface="Courier"/>
+              </a:rPr>
+              <a:t>cchic$urea</a:t>
+            </a:r>
+            <a:r>
+              <a:rPr/>
+              <a:t>. You made need to add an additional argument in the function </a:t>
+            </a:r>
+            <a:r>
+              <a:rPr sz="1800">
+                <a:latin typeface="Courier"/>
+              </a:rPr>
+              <a:t>mean</a:t>
+            </a:r>
+            <a:r>
+              <a:rPr/>
+              <a:t>, which removes missing values.</a:t>
             </a:r>
           </a:p>
         </p:txBody>
@@ -6276,55 +6715,23 @@
             </a:pPr>
             <a:r>
               <a:rPr/>
-              <a:t>Example</a:t>
-            </a:r>
-            <a:r>
-              <a:rPr/>
-              <a:t> </a:t>
-            </a:r>
-            <a:r>
-              <a:rPr/>
-              <a:t>of</a:t>
-            </a:r>
-            <a:r>
-              <a:rPr/>
-              <a:t> </a:t>
-            </a:r>
-            <a:r>
-              <a:rPr/>
-              <a:t>using</a:t>
-            </a:r>
-            <a:r>
-              <a:rPr/>
-              <a:t> </a:t>
-            </a:r>
-            <a:r>
-              <a:rPr/>
-              <a:t>group</a:t>
-            </a:r>
-            <a:r>
-              <a:rPr/>
-              <a:t> </a:t>
-            </a:r>
-            <a:r>
-              <a:rPr/>
-              <a:t>by</a:t>
-            </a:r>
-            <a:r>
-              <a:rPr/>
-              <a:t> </a:t>
-            </a:r>
-            <a:r>
-              <a:rPr/>
-              <a:t>and</a:t>
-            </a:r>
-            <a:r>
-              <a:rPr/>
-              <a:t> </a:t>
-            </a:r>
-            <a:r>
-              <a:rPr/>
-              <a:t>summarise</a:t>
+              <a:t>Make</a:t>
+            </a:r>
+            <a:r>
+              <a:rPr/>
+              <a:t> </a:t>
+            </a:r>
+            <a:r>
+              <a:rPr/>
+              <a:t>it</a:t>
+            </a:r>
+            <a:r>
+              <a:rPr/>
+              <a:t> </a:t>
+            </a:r>
+            <a:r>
+              <a:rPr/>
+              <a:t>work</a:t>
             </a:r>
           </a:p>
         </p:txBody>
@@ -6350,136 +6757,203 @@
           <a:bodyPr/>
           <a:lstStyle/>
           <a:p>
+            <a:pPr lvl="0" marL="1270000" indent="0">
+              <a:buNone/>
+            </a:pPr>
+            <a:r>
+              <a:rPr sz="1800">
+                <a:latin typeface="Courier"/>
+              </a:rPr>
+              <a:t>cchic </a:t>
+            </a:r>
+            <a:r>
+              <a:rPr sz="1800">
+                <a:solidFill>
+                  <a:srgbClr val="666666"/>
+                </a:solidFill>
+                <a:latin typeface="Courier"/>
+              </a:rPr>
+              <a:t>%&gt;%</a:t>
+            </a:r>
+            <a:br/>
+            <a:r>
+              <a:rPr sz="1800">
+                <a:solidFill>
+                  <a:srgbClr val="4070A0"/>
+                </a:solidFill>
+                <a:latin typeface="Courier"/>
+              </a:rPr>
+              <a:t>  </a:t>
+            </a:r>
+            <a:r>
+              <a:rPr sz="1800">
+                <a:latin typeface="Courier"/>
+              </a:rPr>
+              <a:t>dplyr</a:t>
+            </a:r>
+            <a:r>
+              <a:rPr sz="1800">
+                <a:solidFill>
+                  <a:srgbClr val="666666"/>
+                </a:solidFill>
+                <a:latin typeface="Courier"/>
+              </a:rPr>
+              <a:t>::</a:t>
+            </a:r>
+            <a:r>
+              <a:rPr sz="1800" b="1">
+                <a:solidFill>
+                  <a:srgbClr val="007020"/>
+                </a:solidFill>
+                <a:latin typeface="Courier"/>
+              </a:rPr>
+              <a:t>group_by</a:t>
+            </a:r>
+            <a:r>
+              <a:rPr sz="1800">
+                <a:latin typeface="Courier"/>
+              </a:rPr>
+              <a:t>(sex) </a:t>
+            </a:r>
+            <a:r>
+              <a:rPr sz="1800">
+                <a:solidFill>
+                  <a:srgbClr val="666666"/>
+                </a:solidFill>
+                <a:latin typeface="Courier"/>
+              </a:rPr>
+              <a:t>%&gt;%</a:t>
+            </a:r>
+            <a:br/>
+            <a:r>
+              <a:rPr sz="1800">
+                <a:solidFill>
+                  <a:srgbClr val="4070A0"/>
+                </a:solidFill>
+                <a:latin typeface="Courier"/>
+              </a:rPr>
+              <a:t>  </a:t>
+            </a:r>
+            <a:r>
+              <a:rPr sz="1800">
+                <a:latin typeface="Courier"/>
+              </a:rPr>
+              <a:t>dplyr</a:t>
+            </a:r>
+            <a:r>
+              <a:rPr sz="1800">
+                <a:solidFill>
+                  <a:srgbClr val="666666"/>
+                </a:solidFill>
+                <a:latin typeface="Courier"/>
+              </a:rPr>
+              <a:t>::</a:t>
+            </a:r>
+            <a:r>
+              <a:rPr sz="1800" b="1">
+                <a:solidFill>
+                  <a:srgbClr val="007020"/>
+                </a:solidFill>
+                <a:latin typeface="Courier"/>
+              </a:rPr>
+              <a:t>summarise</a:t>
+            </a:r>
+            <a:r>
+              <a:rPr sz="1800">
+                <a:latin typeface="Courier"/>
+              </a:rPr>
+              <a:t>(</a:t>
+            </a:r>
+            <a:r>
+              <a:rPr sz="1800">
+                <a:solidFill>
+                  <a:srgbClr val="902000"/>
+                </a:solidFill>
+                <a:latin typeface="Courier"/>
+              </a:rPr>
+              <a:t>mean_urea =</a:t>
+            </a:r>
+            <a:r>
+              <a:rPr sz="1800">
+                <a:latin typeface="Courier"/>
+              </a:rPr>
+              <a:t> </a:t>
+            </a:r>
+            <a:r>
+              <a:rPr sz="1800" b="1">
+                <a:solidFill>
+                  <a:srgbClr val="007020"/>
+                </a:solidFill>
+                <a:latin typeface="Courier"/>
+              </a:rPr>
+              <a:t>mean</a:t>
+            </a:r>
+            <a:r>
+              <a:rPr sz="1800">
+                <a:latin typeface="Courier"/>
+              </a:rPr>
+              <a:t>(urea,</a:t>
+            </a:r>
+            <a:br/>
+            <a:r>
+              <a:rPr sz="1800">
+                <a:latin typeface="Courier"/>
+              </a:rPr>
+              <a:t>                                    </a:t>
+            </a:r>
+            <a:r>
+              <a:rPr sz="1800">
+                <a:solidFill>
+                  <a:srgbClr val="902000"/>
+                </a:solidFill>
+                <a:latin typeface="Courier"/>
+              </a:rPr>
+              <a:t>na.rm =</a:t>
+            </a:r>
+            <a:r>
+              <a:rPr sz="1800">
+                <a:latin typeface="Courier"/>
+              </a:rPr>
+              <a:t> </a:t>
+            </a:r>
+            <a:r>
+              <a:rPr sz="1800">
+                <a:solidFill>
+                  <a:srgbClr val="007020"/>
+                </a:solidFill>
+                <a:latin typeface="Courier"/>
+              </a:rPr>
+              <a:t>TRUE</a:t>
+            </a:r>
+            <a:r>
+              <a:rPr sz="1800">
+                <a:latin typeface="Courier"/>
+              </a:rPr>
+              <a:t>))</a:t>
+            </a:r>
+          </a:p>
+          <a:p>
+            <a:pPr lvl="0" marL="1270000" indent="0">
+              <a:buNone/>
+            </a:pPr>
+            <a:r>
+              <a:rPr sz="1800">
+                <a:latin typeface="Courier"/>
+              </a:rPr>
+              <a:t>## # A tibble: 2 x 2
+##   sex   mean_urea
+##   &lt;chr&gt;     &lt;dbl&gt;
+## 1 F          7.49
+## 2 M          8.82</a:t>
+            </a:r>
+          </a:p>
+          <a:p>
             <a:pPr lvl="0" marL="0" indent="0">
               <a:buNone/>
             </a:pPr>
             <a:r>
               <a:rPr/>
-              <a:t>Try this.</a:t>
-            </a:r>
-          </a:p>
-          <a:p>
-            <a:pPr lvl="0" marL="1270000" indent="0">
-              <a:buNone/>
-            </a:pPr>
-            <a:r>
-              <a:rPr sz="1800">
-                <a:latin typeface="Courier"/>
-              </a:rPr>
-              <a:t>cchic </a:t>
-            </a:r>
-            <a:r>
-              <a:rPr sz="1800">
-                <a:solidFill>
-                  <a:srgbClr val="666666"/>
-                </a:solidFill>
-                <a:latin typeface="Courier"/>
-              </a:rPr>
-              <a:t>%&gt;%</a:t>
-            </a:r>
-            <a:br/>
-            <a:r>
-              <a:rPr sz="1800">
-                <a:solidFill>
-                  <a:srgbClr val="4070A0"/>
-                </a:solidFill>
-                <a:latin typeface="Courier"/>
-              </a:rPr>
-              <a:t>  </a:t>
-            </a:r>
-            <a:r>
-              <a:rPr sz="1800" b="1">
-                <a:solidFill>
-                  <a:srgbClr val="007020"/>
-                </a:solidFill>
-                <a:latin typeface="Courier"/>
-              </a:rPr>
-              <a:t>group_by</a:t>
-            </a:r>
-            <a:r>
-              <a:rPr sz="1800">
-                <a:latin typeface="Courier"/>
-              </a:rPr>
-              <a:t>(sex) </a:t>
-            </a:r>
-            <a:r>
-              <a:rPr sz="1800">
-                <a:solidFill>
-                  <a:srgbClr val="666666"/>
-                </a:solidFill>
-                <a:latin typeface="Courier"/>
-              </a:rPr>
-              <a:t>%&gt;%</a:t>
-            </a:r>
-            <a:br/>
-            <a:r>
-              <a:rPr sz="1800">
-                <a:solidFill>
-                  <a:srgbClr val="4070A0"/>
-                </a:solidFill>
-                <a:latin typeface="Courier"/>
-              </a:rPr>
-              <a:t>  </a:t>
-            </a:r>
-            <a:r>
-              <a:rPr sz="1800" b="1">
-                <a:solidFill>
-                  <a:srgbClr val="007020"/>
-                </a:solidFill>
-                <a:latin typeface="Courier"/>
-              </a:rPr>
-              <a:t>summarise</a:t>
-            </a:r>
-            <a:r>
-              <a:rPr sz="1800">
-                <a:latin typeface="Courier"/>
-              </a:rPr>
-              <a:t>(</a:t>
-            </a:r>
-            <a:r>
-              <a:rPr sz="1800">
-                <a:solidFill>
-                  <a:srgbClr val="902000"/>
-                </a:solidFill>
-                <a:latin typeface="Courier"/>
-              </a:rPr>
-              <a:t>mean_urea =</a:t>
-            </a:r>
-            <a:r>
-              <a:rPr sz="1800">
-                <a:latin typeface="Courier"/>
-              </a:rPr>
-              <a:t> </a:t>
-            </a:r>
-            <a:r>
-              <a:rPr sz="1800" b="1">
-                <a:solidFill>
-                  <a:srgbClr val="007020"/>
-                </a:solidFill>
-                <a:latin typeface="Courier"/>
-              </a:rPr>
-              <a:t>mean</a:t>
-            </a:r>
-            <a:r>
-              <a:rPr sz="1800">
-                <a:latin typeface="Courier"/>
-              </a:rPr>
-              <a:t>(urea))</a:t>
-            </a:r>
-          </a:p>
-          <a:p>
-            <a:pPr lvl="0" marL="0" indent="0">
-              <a:buNone/>
-            </a:pPr>
-            <a:r>
-              <a:rPr/>
-              <a:t>What is the output? Hint – check for missing values in </a:t>
-            </a:r>
-            <a:r>
-              <a:rPr sz="1800">
-                <a:latin typeface="Courier"/>
-              </a:rPr>
-              <a:t>cchic$urea</a:t>
+              <a:t>An alternative is to filter out the missing values of urea.</a:t>
             </a:r>
           </a:p>
         </p:txBody>
@@ -6532,23 +7006,39 @@
             </a:pPr>
             <a:r>
               <a:rPr/>
-              <a:t>Make</a:t>
-            </a:r>
-            <a:r>
-              <a:rPr/>
-              <a:t> </a:t>
-            </a:r>
-            <a:r>
-              <a:rPr/>
-              <a:t>it</a:t>
-            </a:r>
-            <a:r>
-              <a:rPr/>
-              <a:t> </a:t>
-            </a:r>
-            <a:r>
-              <a:rPr/>
-              <a:t>work</a:t>
+              <a:t>Take</a:t>
+            </a:r>
+            <a:r>
+              <a:rPr/>
+              <a:t> </a:t>
+            </a:r>
+            <a:r>
+              <a:rPr/>
+              <a:t>a</a:t>
+            </a:r>
+            <a:r>
+              <a:rPr/>
+              <a:t> </a:t>
+            </a:r>
+            <a:r>
+              <a:rPr/>
+              <a:t>break.</a:t>
+            </a:r>
+            <a:r>
+              <a:rPr/>
+              <a:t> </a:t>
+            </a:r>
+            <a:r>
+              <a:rPr/>
+              <a:t>Any</a:t>
+            </a:r>
+            <a:r>
+              <a:rPr/>
+              <a:t> </a:t>
+            </a:r>
+            <a:r>
+              <a:rPr/>
+              <a:t>questions?</a:t>
             </a:r>
           </a:p>
         </p:txBody>
@@ -6574,175 +7064,48 @@
           <a:bodyPr/>
           <a:lstStyle/>
           <a:p>
-            <a:pPr lvl="0" marL="1270000" indent="0">
+            <a:pPr lvl="0" marL="0" indent="0">
               <a:buNone/>
             </a:pPr>
             <a:r>
-              <a:rPr sz="1800">
-                <a:latin typeface="Courier"/>
-              </a:rPr>
-              <a:t>cchic </a:t>
-            </a:r>
-            <a:r>
-              <a:rPr sz="1800">
-                <a:solidFill>
-                  <a:srgbClr val="666666"/>
-                </a:solidFill>
-                <a:latin typeface="Courier"/>
-              </a:rPr>
-              <a:t>%&gt;%</a:t>
-            </a:r>
-            <a:br/>
-            <a:r>
-              <a:rPr sz="1800">
-                <a:solidFill>
-                  <a:srgbClr val="4070A0"/>
-                </a:solidFill>
-                <a:latin typeface="Courier"/>
-              </a:rPr>
-              <a:t>  </a:t>
-            </a:r>
-            <a:r>
-              <a:rPr sz="1800" b="1">
-                <a:solidFill>
-                  <a:srgbClr val="007020"/>
-                </a:solidFill>
-                <a:latin typeface="Courier"/>
-              </a:rPr>
-              <a:t>group_by</a:t>
-            </a:r>
-            <a:r>
-              <a:rPr sz="1800">
-                <a:latin typeface="Courier"/>
-              </a:rPr>
-              <a:t>(sex) </a:t>
-            </a:r>
-            <a:r>
-              <a:rPr sz="1800">
-                <a:solidFill>
-                  <a:srgbClr val="666666"/>
-                </a:solidFill>
-                <a:latin typeface="Courier"/>
-              </a:rPr>
-              <a:t>%&gt;%</a:t>
-            </a:r>
-            <a:br/>
-            <a:r>
-              <a:rPr sz="1800">
-                <a:solidFill>
-                  <a:srgbClr val="4070A0"/>
-                </a:solidFill>
-                <a:latin typeface="Courier"/>
-              </a:rPr>
-              <a:t>  </a:t>
-            </a:r>
-            <a:r>
-              <a:rPr sz="1800" b="1">
-                <a:solidFill>
-                  <a:srgbClr val="007020"/>
-                </a:solidFill>
-                <a:latin typeface="Courier"/>
-              </a:rPr>
-              <a:t>summarise</a:t>
-            </a:r>
-            <a:r>
-              <a:rPr sz="1800">
-                <a:latin typeface="Courier"/>
-              </a:rPr>
-              <a:t>(</a:t>
-            </a:r>
-            <a:r>
-              <a:rPr sz="1800">
-                <a:solidFill>
-                  <a:srgbClr val="902000"/>
-                </a:solidFill>
-                <a:latin typeface="Courier"/>
-              </a:rPr>
-              <a:t>mean_urea =</a:t>
-            </a:r>
-            <a:r>
-              <a:rPr sz="1800">
-                <a:latin typeface="Courier"/>
-              </a:rPr>
-              <a:t> </a:t>
-            </a:r>
-            <a:r>
-              <a:rPr sz="1800" b="1">
-                <a:solidFill>
-                  <a:srgbClr val="007020"/>
-                </a:solidFill>
-                <a:latin typeface="Courier"/>
-              </a:rPr>
-              <a:t>mean</a:t>
-            </a:r>
-            <a:r>
-              <a:rPr sz="1800">
-                <a:latin typeface="Courier"/>
-              </a:rPr>
-              <a:t>(urea,</a:t>
-            </a:r>
-            <a:br/>
-            <a:r>
-              <a:rPr sz="1800">
-                <a:latin typeface="Courier"/>
-              </a:rPr>
-              <a:t>    </a:t>
-            </a:r>
-            <a:r>
-              <a:rPr sz="1800">
-                <a:solidFill>
-                  <a:srgbClr val="902000"/>
-                </a:solidFill>
-                <a:latin typeface="Courier"/>
-              </a:rPr>
-              <a:t>na.rm =</a:t>
-            </a:r>
-            <a:br/>
-            <a:r>
-              <a:rPr sz="1800">
-                <a:latin typeface="Courier"/>
-              </a:rPr>
-              <a:t>      </a:t>
-            </a:r>
-            <a:r>
-              <a:rPr sz="1800">
-                <a:solidFill>
-                  <a:srgbClr val="007020"/>
-                </a:solidFill>
-                <a:latin typeface="Courier"/>
-              </a:rPr>
-              <a:t>TRUE</a:t>
-            </a:r>
-            <a:br/>
-            <a:r>
-              <a:rPr sz="1800">
-                <a:latin typeface="Courier"/>
-              </a:rPr>
-              <a:t>  ))</a:t>
-            </a:r>
-          </a:p>
-          <a:p>
-            <a:pPr lvl="0" marL="1270000" indent="0">
-              <a:buNone/>
-            </a:pPr>
-            <a:r>
-              <a:rPr sz="1800">
-                <a:latin typeface="Courier"/>
-              </a:rPr>
-              <a:t>## # A tibble: 2 x 2
-##   sex   mean_urea
-##   &lt;chr&gt;     &lt;dbl&gt;
-## 1 F          7.49
-## 2 M          8.82</a:t>
-            </a:r>
-          </a:p>
-          <a:p>
-            <a:pPr lvl="0" marL="0" indent="0">
-              <a:buNone/>
-            </a:pPr>
-            <a:r>
-              <a:rPr/>
-              <a:t>An alternative is to filter out the missing values of urea.</a:t>
+              <a:rPr/>
+              <a:t>Make sure you are happy running</a:t>
+            </a:r>
+          </a:p>
+          <a:p>
+            <a:pPr lvl="1"/>
+            <a:r>
+              <a:rPr sz="1800">
+                <a:latin typeface="Courier"/>
+              </a:rPr>
+              <a:t>filter()</a:t>
+            </a:r>
+          </a:p>
+          <a:p>
+            <a:pPr lvl="1"/>
+            <a:r>
+              <a:rPr sz="1800">
+                <a:latin typeface="Courier"/>
+              </a:rPr>
+              <a:t>select()</a:t>
+            </a:r>
+          </a:p>
+          <a:p>
+            <a:pPr lvl="1"/>
+            <a:r>
+              <a:rPr sz="1800">
+                <a:latin typeface="Courier"/>
+              </a:rPr>
+              <a:t>group_by()</a:t>
+            </a:r>
+          </a:p>
+          <a:p>
+            <a:pPr lvl="1"/>
+            <a:r>
+              <a:rPr sz="1800">
+                <a:latin typeface="Courier"/>
+              </a:rPr>
+              <a:t>summarise()</a:t>
             </a:r>
           </a:p>
         </p:txBody>
@@ -6795,39 +7158,39 @@
             </a:pPr>
             <a:r>
               <a:rPr/>
-              <a:t>Take</a:t>
-            </a:r>
-            <a:r>
-              <a:rPr/>
-              <a:t> </a:t>
-            </a:r>
-            <a:r>
-              <a:rPr/>
-              <a:t>a</a:t>
-            </a:r>
-            <a:r>
-              <a:rPr/>
-              <a:t> </a:t>
-            </a:r>
-            <a:r>
-              <a:rPr/>
-              <a:t>break.</a:t>
-            </a:r>
-            <a:r>
-              <a:rPr/>
-              <a:t> </a:t>
-            </a:r>
-            <a:r>
-              <a:rPr/>
-              <a:t>Any</a:t>
-            </a:r>
-            <a:r>
-              <a:rPr/>
-              <a:t> </a:t>
-            </a:r>
-            <a:r>
-              <a:rPr/>
-              <a:t>questions?</a:t>
+              <a:t>Favourite</a:t>
+            </a:r>
+            <a:r>
+              <a:rPr/>
+              <a:t> </a:t>
+            </a:r>
+            <a:r>
+              <a:rPr/>
+              <a:t>data</a:t>
+            </a:r>
+            <a:r>
+              <a:rPr/>
+              <a:t> </a:t>
+            </a:r>
+            <a:r>
+              <a:rPr/>
+              <a:t>tidying</a:t>
+            </a:r>
+            <a:r>
+              <a:rPr/>
+              <a:t> </a:t>
+            </a:r>
+            <a:r>
+              <a:rPr/>
+              <a:t>‘</a:t>
+            </a:r>
+            <a:r>
+              <a:rPr/>
+              <a:t>recipes</a:t>
+            </a:r>
+            <a:r>
+              <a:rPr/>
+              <a:t>’</a:t>
             </a:r>
           </a:p>
         </p:txBody>
@@ -6853,48 +7216,66 @@
           <a:bodyPr/>
           <a:lstStyle/>
           <a:p>
-            <a:pPr lvl="0" marL="0" indent="0">
-              <a:buNone/>
+            <a:pPr lvl="1">
+              <a:buAutoNum type="arabicPeriod"/>
             </a:pPr>
             <a:r>
               <a:rPr/>
-              <a:t>Make sure you are happy running</a:t>
-            </a:r>
-          </a:p>
-          <a:p>
-            <a:pPr lvl="1"/>
-            <a:r>
-              <a:rPr sz="1800">
-                <a:latin typeface="Courier"/>
-              </a:rPr>
-              <a:t>filter()</a:t>
-            </a:r>
-          </a:p>
-          <a:p>
-            <a:pPr lvl="1"/>
-            <a:r>
-              <a:rPr sz="1800">
-                <a:latin typeface="Courier"/>
-              </a:rPr>
-              <a:t>select()</a:t>
-            </a:r>
-          </a:p>
-          <a:p>
-            <a:pPr lvl="1"/>
-            <a:r>
-              <a:rPr sz="1800">
-                <a:latin typeface="Courier"/>
-              </a:rPr>
-              <a:t>group_by()</a:t>
-            </a:r>
-          </a:p>
-          <a:p>
-            <a:pPr lvl="1"/>
-            <a:r>
-              <a:rPr sz="1800">
-                <a:latin typeface="Courier"/>
-              </a:rPr>
-              <a:t>summarise()</a:t>
+              <a:t>Rename a variable</a:t>
+            </a:r>
+          </a:p>
+          <a:p>
+            <a:pPr lvl="1">
+              <a:buAutoNum type="arabicPeriod"/>
+            </a:pPr>
+            <a:r>
+              <a:rPr/>
+              <a:t>Create a new variable</a:t>
+            </a:r>
+          </a:p>
+          <a:p>
+            <a:pPr lvl="1">
+              <a:buAutoNum type="arabicPeriod"/>
+            </a:pPr>
+            <a:r>
+              <a:rPr/>
+              <a:t>Extract numbers</a:t>
+            </a:r>
+          </a:p>
+          <a:p>
+            <a:pPr lvl="1">
+              <a:buAutoNum type="arabicPeriod"/>
+            </a:pPr>
+            <a:r>
+              <a:rPr/>
+              <a:t>Extract strings</a:t>
+            </a:r>
+          </a:p>
+          <a:p>
+            <a:pPr lvl="1">
+              <a:buAutoNum type="arabicPeriod"/>
+            </a:pPr>
+            <a:r>
+              <a:rPr/>
+              <a:t>Parse dates</a:t>
+            </a:r>
+          </a:p>
+          <a:p>
+            <a:pPr lvl="1">
+              <a:buAutoNum type="arabicPeriod"/>
+            </a:pPr>
+            <a:r>
+              <a:rPr/>
+              <a:t>Convert columns to rows and back again</a:t>
+            </a:r>
+          </a:p>
+          <a:p>
+            <a:pPr lvl="1">
+              <a:buAutoNum type="arabicPeriod"/>
+            </a:pPr>
+            <a:r>
+              <a:rPr/>
+              <a:t>Delete columns</a:t>
             </a:r>
           </a:p>
         </p:txBody>
@@ -6999,39 +7380,31 @@
             </a:pPr>
             <a:r>
               <a:rPr/>
-              <a:t>Favourite</a:t>
-            </a:r>
-            <a:r>
-              <a:rPr/>
-              <a:t> </a:t>
-            </a:r>
-            <a:r>
-              <a:rPr/>
-              <a:t>data</a:t>
-            </a:r>
-            <a:r>
-              <a:rPr/>
-              <a:t> </a:t>
-            </a:r>
-            <a:r>
-              <a:rPr/>
-              <a:t>tidying</a:t>
-            </a:r>
-            <a:r>
-              <a:rPr/>
-              <a:t> </a:t>
-            </a:r>
-            <a:r>
-              <a:rPr/>
-              <a:t>‘</a:t>
-            </a:r>
-            <a:r>
-              <a:rPr/>
-              <a:t>recipies</a:t>
-            </a:r>
-            <a:r>
-              <a:rPr/>
-              <a:t>’</a:t>
+              <a:t>1.</a:t>
+            </a:r>
+            <a:r>
+              <a:rPr/>
+              <a:t> </a:t>
+            </a:r>
+            <a:r>
+              <a:rPr/>
+              <a:t>Rename</a:t>
+            </a:r>
+            <a:r>
+              <a:rPr/>
+              <a:t> </a:t>
+            </a:r>
+            <a:r>
+              <a:rPr/>
+              <a:t>a</a:t>
+            </a:r>
+            <a:r>
+              <a:rPr/>
+              <a:t> </a:t>
+            </a:r>
+            <a:r>
+              <a:rPr/>
+              <a:t>variable</a:t>
             </a:r>
           </a:p>
         </p:txBody>
@@ -7057,66 +7430,132 @@
           <a:bodyPr/>
           <a:lstStyle/>
           <a:p>
-            <a:pPr lvl="1">
-              <a:buAutoNum type="arabicPeriod"/>
+            <a:pPr lvl="0" marL="1270000" indent="0">
+              <a:buNone/>
             </a:pPr>
             <a:r>
-              <a:rPr/>
-              <a:t>Rename a variable</a:t>
-            </a:r>
-          </a:p>
-          <a:p>
-            <a:pPr lvl="1">
-              <a:buAutoNum type="arabicPeriod"/>
+              <a:rPr sz="1800" b="1">
+                <a:solidFill>
+                  <a:srgbClr val="007020"/>
+                </a:solidFill>
+                <a:latin typeface="Courier"/>
+              </a:rPr>
+              <a:t>names</a:t>
+            </a:r>
+            <a:r>
+              <a:rPr sz="1800">
+                <a:latin typeface="Courier"/>
+              </a:rPr>
+              <a:t>(cchic)</a:t>
+            </a:r>
+          </a:p>
+          <a:p>
+            <a:pPr lvl="0" marL="0" indent="0">
+              <a:buNone/>
             </a:pPr>
             <a:r>
               <a:rPr/>
-              <a:t>Create a new variable</a:t>
-            </a:r>
-          </a:p>
-          <a:p>
-            <a:pPr lvl="1">
-              <a:buAutoNum type="arabicPeriod"/>
+              <a:t>The variable called </a:t>
+            </a:r>
+            <a:r>
+              <a:rPr sz="1800">
+                <a:latin typeface="Courier"/>
+              </a:rPr>
+              <a:t>na</a:t>
+            </a:r>
+            <a:r>
+              <a:rPr/>
+              <a:t> is very confusing</a:t>
+            </a:r>
+          </a:p>
+          <a:p>
+            <a:pPr lvl="0" marL="1270000" indent="0">
+              <a:buNone/>
             </a:pPr>
             <a:r>
-              <a:rPr/>
-              <a:t>Extract numbers</a:t>
-            </a:r>
-          </a:p>
-          <a:p>
-            <a:pPr lvl="1">
-              <a:buAutoNum type="arabicPeriod"/>
-            </a:pPr>
-            <a:r>
-              <a:rPr/>
-              <a:t>Extract strings</a:t>
-            </a:r>
-          </a:p>
-          <a:p>
-            <a:pPr lvl="1">
-              <a:buAutoNum type="arabicPeriod"/>
-            </a:pPr>
-            <a:r>
-              <a:rPr/>
-              <a:t>Parse dates</a:t>
-            </a:r>
-          </a:p>
-          <a:p>
-            <a:pPr lvl="1">
-              <a:buAutoNum type="arabicPeriod"/>
-            </a:pPr>
-            <a:r>
-              <a:rPr/>
-              <a:t>Convert columns to rows and back again</a:t>
-            </a:r>
-          </a:p>
-          <a:p>
-            <a:pPr lvl="1">
-              <a:buAutoNum type="arabicPeriod"/>
-            </a:pPr>
-            <a:r>
-              <a:rPr/>
-              <a:t>Delete columns</a:t>
+              <a:rPr sz="1800">
+                <a:latin typeface="Courier"/>
+              </a:rPr>
+              <a:t>cchic &lt;-</a:t>
+            </a:r>
+            <a:r>
+              <a:rPr sz="1800">
+                <a:solidFill>
+                  <a:srgbClr val="4070A0"/>
+                </a:solidFill>
+                <a:latin typeface="Courier"/>
+              </a:rPr>
+              <a:t> </a:t>
+            </a:r>
+            <a:r>
+              <a:rPr sz="1800">
+                <a:latin typeface="Courier"/>
+              </a:rPr>
+              <a:t>cchic </a:t>
+            </a:r>
+            <a:r>
+              <a:rPr sz="1800">
+                <a:solidFill>
+                  <a:srgbClr val="666666"/>
+                </a:solidFill>
+                <a:latin typeface="Courier"/>
+              </a:rPr>
+              <a:t>%&gt;%</a:t>
+            </a:r>
+            <a:br/>
+            <a:r>
+              <a:rPr sz="1800">
+                <a:solidFill>
+                  <a:srgbClr val="4070A0"/>
+                </a:solidFill>
+                <a:latin typeface="Courier"/>
+              </a:rPr>
+              <a:t>  </a:t>
+            </a:r>
+            <a:r>
+              <a:rPr sz="1800">
+                <a:latin typeface="Courier"/>
+              </a:rPr>
+              <a:t>dplyr</a:t>
+            </a:r>
+            <a:r>
+              <a:rPr sz="1800">
+                <a:solidFill>
+                  <a:srgbClr val="666666"/>
+                </a:solidFill>
+                <a:latin typeface="Courier"/>
+              </a:rPr>
+              <a:t>::</a:t>
+            </a:r>
+            <a:r>
+              <a:rPr sz="1800" b="1">
+                <a:solidFill>
+                  <a:srgbClr val="007020"/>
+                </a:solidFill>
+                <a:latin typeface="Courier"/>
+              </a:rPr>
+              <a:t>rename</a:t>
+            </a:r>
+            <a:r>
+              <a:rPr sz="1800">
+                <a:latin typeface="Courier"/>
+              </a:rPr>
+              <a:t>(</a:t>
+            </a:r>
+            <a:r>
+              <a:rPr sz="1800">
+                <a:solidFill>
+                  <a:srgbClr val="902000"/>
+                </a:solidFill>
+                <a:latin typeface="Courier"/>
+              </a:rPr>
+              <a:t>sodium =</a:t>
+            </a:r>
+            <a:r>
+              <a:rPr sz="1800">
+                <a:latin typeface="Courier"/>
+              </a:rPr>
+              <a:t> na)</a:t>
             </a:r>
           </a:p>
         </p:txBody>
@@ -7169,15 +7608,15 @@
             </a:pPr>
             <a:r>
               <a:rPr/>
-              <a:t>1.</a:t>
-            </a:r>
-            <a:r>
-              <a:rPr/>
-              <a:t> </a:t>
-            </a:r>
-            <a:r>
-              <a:rPr/>
-              <a:t>Rename</a:t>
+              <a:t>2.</a:t>
+            </a:r>
+            <a:r>
+              <a:rPr/>
+              <a:t> </a:t>
+            </a:r>
+            <a:r>
+              <a:rPr/>
+              <a:t>Create</a:t>
             </a:r>
             <a:r>
               <a:rPr/>
@@ -7186,6 +7625,14 @@
             <a:r>
               <a:rPr/>
               <a:t>a</a:t>
+            </a:r>
+            <a:r>
+              <a:rPr/>
+              <a:t> </a:t>
+            </a:r>
+            <a:r>
+              <a:rPr/>
+              <a:t>new</a:t>
             </a:r>
             <a:r>
               <a:rPr/>
@@ -7219,53 +7666,121 @@
           <a:bodyPr/>
           <a:lstStyle/>
           <a:p>
+            <a:pPr lvl="0" marL="0" indent="0">
+              <a:buNone/>
+            </a:pPr>
+            <a:r>
+              <a:rPr/>
+              <a:t>Use the </a:t>
+            </a:r>
+            <a:r>
+              <a:rPr sz="1800">
+                <a:latin typeface="Courier"/>
+              </a:rPr>
+              <a:t>mutate</a:t>
+            </a:r>
+            <a:r>
+              <a:rPr/>
+              <a:t> function</a:t>
+            </a:r>
+          </a:p>
+          <a:p>
             <a:pPr lvl="0" marL="1270000" indent="0">
               <a:buNone/>
             </a:pPr>
             <a:r>
+              <a:rPr sz="1800">
+                <a:latin typeface="Courier"/>
+              </a:rPr>
+              <a:t>cchic &lt;-</a:t>
+            </a:r>
+            <a:r>
+              <a:rPr sz="1800">
+                <a:solidFill>
+                  <a:srgbClr val="4070A0"/>
+                </a:solidFill>
+                <a:latin typeface="Courier"/>
+              </a:rPr>
+              <a:t> </a:t>
+            </a:r>
+            <a:r>
+              <a:rPr sz="1800">
+                <a:latin typeface="Courier"/>
+              </a:rPr>
+              <a:t>cchic </a:t>
+            </a:r>
+            <a:r>
+              <a:rPr sz="1800">
+                <a:solidFill>
+                  <a:srgbClr val="666666"/>
+                </a:solidFill>
+                <a:latin typeface="Courier"/>
+              </a:rPr>
+              <a:t>%&gt;%</a:t>
+            </a:r>
+            <a:br/>
+            <a:r>
+              <a:rPr sz="1800">
+                <a:solidFill>
+                  <a:srgbClr val="4070A0"/>
+                </a:solidFill>
+                <a:latin typeface="Courier"/>
+              </a:rPr>
+              <a:t>  </a:t>
+            </a:r>
+            <a:r>
+              <a:rPr sz="1800">
+                <a:latin typeface="Courier"/>
+              </a:rPr>
+              <a:t>dplyr</a:t>
+            </a:r>
+            <a:r>
+              <a:rPr sz="1800">
+                <a:solidFill>
+                  <a:srgbClr val="666666"/>
+                </a:solidFill>
+                <a:latin typeface="Courier"/>
+              </a:rPr>
+              <a:t>::</a:t>
+            </a:r>
+            <a:r>
               <a:rPr sz="1800" b="1">
                 <a:solidFill>
                   <a:srgbClr val="007020"/>
                 </a:solidFill>
                 <a:latin typeface="Courier"/>
               </a:rPr>
-              <a:t>names</a:t>
-            </a:r>
-            <a:r>
-              <a:rPr sz="1800">
-                <a:latin typeface="Courier"/>
-              </a:rPr>
-              <a:t>(cchic)</a:t>
-            </a:r>
-          </a:p>
-          <a:p>
-            <a:pPr lvl="0" marL="0" indent="0">
-              <a:buNone/>
-            </a:pPr>
-            <a:r>
-              <a:rPr/>
-              <a:t>The variable called </a:t>
-            </a:r>
-            <a:r>
-              <a:rPr sz="1800">
-                <a:latin typeface="Courier"/>
-              </a:rPr>
-              <a:t>na</a:t>
-            </a:r>
-            <a:r>
-              <a:rPr/>
-              <a:t> is very confusing</a:t>
-            </a:r>
-          </a:p>
-          <a:p>
-            <a:pPr lvl="0" marL="1270000" indent="0">
-              <a:buNone/>
-            </a:pPr>
-            <a:r>
-              <a:rPr sz="1800">
-                <a:latin typeface="Courier"/>
-              </a:rPr>
-              <a:t>cchic &lt;-</a:t>
+              <a:t>mutate</a:t>
+            </a:r>
+            <a:r>
+              <a:rPr sz="1800">
+                <a:latin typeface="Courier"/>
+              </a:rPr>
+              <a:t>(</a:t>
+            </a:r>
+            <a:r>
+              <a:rPr sz="1800">
+                <a:solidFill>
+                  <a:srgbClr val="902000"/>
+                </a:solidFill>
+                <a:latin typeface="Courier"/>
+              </a:rPr>
+              <a:t>bmi =</a:t>
+            </a:r>
+            <a:r>
+              <a:rPr sz="1800">
+                <a:latin typeface="Courier"/>
+              </a:rPr>
+              <a:t> (weight </a:t>
+            </a:r>
+            <a:r>
+              <a:rPr sz="1800">
+                <a:solidFill>
+                  <a:srgbClr val="666666"/>
+                </a:solidFill>
+                <a:latin typeface="Courier"/>
+              </a:rPr>
+              <a:t>/</a:t>
             </a:r>
             <a:r>
               <a:rPr sz="1800">
@@ -7280,7 +7795,7 @@
               <a:rPr sz="1800">
                 <a:latin typeface="Courier"/>
               </a:rPr>
-              <a:t>cchic </a:t>
+              <a:t>(height </a:t>
             </a:r>
             <a:r>
               <a:rPr sz="1800">
@@ -7289,9 +7804,8 @@
                 </a:solidFill>
                 <a:latin typeface="Courier"/>
               </a:rPr>
-              <a:t>%&gt;%</a:t>
-            </a:r>
-            <a:br/>
+              <a:t>/</a:t>
+            </a:r>
             <a:r>
               <a:rPr sz="1800">
                 <a:solidFill>
@@ -7299,37 +7813,46 @@
                 </a:solidFill>
                 <a:latin typeface="Courier"/>
               </a:rPr>
-              <a:t>  </a:t>
-            </a:r>
-            <a:r>
-              <a:rPr sz="1800" b="1">
-                <a:solidFill>
-                  <a:srgbClr val="007020"/>
-                </a:solidFill>
-                <a:latin typeface="Courier"/>
-              </a:rPr>
-              <a:t>rename</a:t>
-            </a:r>
-            <a:r>
-              <a:rPr sz="1800">
-                <a:latin typeface="Courier"/>
-              </a:rPr>
-              <a:t>(</a:t>
-            </a:r>
-            <a:r>
-              <a:rPr sz="1800">
-                <a:solidFill>
-                  <a:srgbClr val="902000"/>
-                </a:solidFill>
-                <a:latin typeface="Courier"/>
-              </a:rPr>
-              <a:t>sodium =</a:t>
-            </a:r>
-            <a:r>
-              <a:rPr sz="1800">
-                <a:latin typeface="Courier"/>
-              </a:rPr>
-              <a:t> na)</a:t>
+              <a:t> </a:t>
+            </a:r>
+            <a:r>
+              <a:rPr sz="1800">
+                <a:solidFill>
+                  <a:srgbClr val="40A070"/>
+                </a:solidFill>
+                <a:latin typeface="Courier"/>
+              </a:rPr>
+              <a:t>100</a:t>
+            </a:r>
+            <a:r>
+              <a:rPr sz="1800">
+                <a:latin typeface="Courier"/>
+              </a:rPr>
+              <a:t>)</a:t>
+            </a:r>
+            <a:r>
+              <a:rPr sz="1800">
+                <a:solidFill>
+                  <a:srgbClr val="666666"/>
+                </a:solidFill>
+                <a:latin typeface="Courier"/>
+              </a:rPr>
+              <a:t>^</a:t>
+            </a:r>
+            <a:r>
+              <a:rPr sz="1800">
+                <a:solidFill>
+                  <a:srgbClr val="40A070"/>
+                </a:solidFill>
+                <a:latin typeface="Courier"/>
+              </a:rPr>
+              <a:t>2</a:t>
+            </a:r>
+            <a:r>
+              <a:rPr sz="1800">
+                <a:latin typeface="Courier"/>
+              </a:rPr>
+              <a:t>))</a:t>
             </a:r>
           </a:p>
         </p:txBody>
@@ -7382,39 +7905,23 @@
             </a:pPr>
             <a:r>
               <a:rPr/>
-              <a:t>2.</a:t>
-            </a:r>
-            <a:r>
-              <a:rPr/>
-              <a:t> </a:t>
-            </a:r>
-            <a:r>
-              <a:rPr/>
-              <a:t>Create</a:t>
-            </a:r>
-            <a:r>
-              <a:rPr/>
-              <a:t> </a:t>
-            </a:r>
-            <a:r>
-              <a:rPr/>
-              <a:t>a</a:t>
-            </a:r>
-            <a:r>
-              <a:rPr/>
-              <a:t> </a:t>
-            </a:r>
-            <a:r>
-              <a:rPr/>
-              <a:t>new</a:t>
-            </a:r>
-            <a:r>
-              <a:rPr/>
-              <a:t> </a:t>
-            </a:r>
-            <a:r>
-              <a:rPr/>
-              <a:t>variable</a:t>
+              <a:t>3.</a:t>
+            </a:r>
+            <a:r>
+              <a:rPr/>
+              <a:t> </a:t>
+            </a:r>
+            <a:r>
+              <a:rPr/>
+              <a:t>Extract</a:t>
+            </a:r>
+            <a:r>
+              <a:rPr/>
+              <a:t> </a:t>
+            </a:r>
+            <a:r>
+              <a:rPr/>
+              <a:t>numbers</a:t>
             </a:r>
           </a:p>
         </p:txBody>
@@ -7445,17 +7952,17 @@
             </a:pPr>
             <a:r>
               <a:rPr/>
-              <a:t>Use the </a:t>
-            </a:r>
-            <a:r>
-              <a:rPr sz="1800">
-                <a:latin typeface="Courier"/>
-              </a:rPr>
-              <a:t>mutate</a:t>
-            </a:r>
-            <a:r>
-              <a:rPr/>
-              <a:t> function</a:t>
+              <a:t>Parse numbers from text using the </a:t>
+            </a:r>
+            <a:r>
+              <a:rPr sz="1800">
+                <a:latin typeface="Courier"/>
+              </a:rPr>
+              <a:t>readr</a:t>
+            </a:r>
+            <a:r>
+              <a:rPr/>
+              <a:t> package.</a:t>
             </a:r>
           </a:p>
           <a:p>
@@ -7463,10 +7970,39 @@
               <a:buNone/>
             </a:pPr>
             <a:r>
-              <a:rPr sz="1800">
-                <a:latin typeface="Courier"/>
-              </a:rPr>
-              <a:t>cchic &lt;-</a:t>
+              <a:rPr sz="1800" b="1">
+                <a:solidFill>
+                  <a:srgbClr val="007020"/>
+                </a:solidFill>
+                <a:latin typeface="Courier"/>
+              </a:rPr>
+              <a:t>library</a:t>
+            </a:r>
+            <a:r>
+              <a:rPr sz="1800">
+                <a:latin typeface="Courier"/>
+              </a:rPr>
+              <a:t>(readr)</a:t>
+            </a:r>
+          </a:p>
+          <a:p>
+            <a:pPr lvl="0" marL="0" indent="0">
+              <a:buNone/>
+            </a:pPr>
+            <a:r>
+              <a:rPr/>
+              <a:t>Create a vector where the unit has been included as part of the value. You can’t do maths on this vector.</a:t>
+            </a:r>
+          </a:p>
+          <a:p>
+            <a:pPr lvl="0" marL="1270000" indent="0">
+              <a:buNone/>
+            </a:pPr>
+            <a:r>
+              <a:rPr sz="1800">
+                <a:latin typeface="Courier"/>
+              </a:rPr>
+              <a:t>weight &lt;-</a:t>
             </a:r>
             <a:r>
               <a:rPr sz="1800">
@@ -7478,10 +8014,117 @@
               <a:t> </a:t>
             </a:r>
             <a:r>
-              <a:rPr sz="1800">
-                <a:latin typeface="Courier"/>
-              </a:rPr>
-              <a:t>cchic </a:t>
+              <a:rPr sz="1800" b="1">
+                <a:solidFill>
+                  <a:srgbClr val="007020"/>
+                </a:solidFill>
+                <a:latin typeface="Courier"/>
+              </a:rPr>
+              <a:t>c</a:t>
+            </a:r>
+            <a:r>
+              <a:rPr sz="1800">
+                <a:latin typeface="Courier"/>
+              </a:rPr>
+              <a:t>(</a:t>
+            </a:r>
+            <a:r>
+              <a:rPr sz="1800">
+                <a:solidFill>
+                  <a:srgbClr val="4070A0"/>
+                </a:solidFill>
+                <a:latin typeface="Courier"/>
+              </a:rPr>
+              <a:t>"70kg"</a:t>
+            </a:r>
+            <a:r>
+              <a:rPr sz="1800">
+                <a:latin typeface="Courier"/>
+              </a:rPr>
+              <a:t>, </a:t>
+            </a:r>
+            <a:r>
+              <a:rPr sz="1800">
+                <a:solidFill>
+                  <a:srgbClr val="4070A0"/>
+                </a:solidFill>
+                <a:latin typeface="Courier"/>
+              </a:rPr>
+              <a:t>"80 kg"</a:t>
+            </a:r>
+            <a:r>
+              <a:rPr sz="1800">
+                <a:latin typeface="Courier"/>
+              </a:rPr>
+              <a:t>, </a:t>
+            </a:r>
+            <a:r>
+              <a:rPr sz="1800">
+                <a:solidFill>
+                  <a:srgbClr val="4070A0"/>
+                </a:solidFill>
+                <a:latin typeface="Courier"/>
+              </a:rPr>
+              <a:t>"82 kg"</a:t>
+            </a:r>
+            <a:r>
+              <a:rPr sz="1800">
+                <a:latin typeface="Courier"/>
+              </a:rPr>
+              <a:t>, </a:t>
+            </a:r>
+            <a:r>
+              <a:rPr sz="1800">
+                <a:solidFill>
+                  <a:srgbClr val="4070A0"/>
+                </a:solidFill>
+                <a:latin typeface="Courier"/>
+              </a:rPr>
+              <a:t>"74"</a:t>
+            </a:r>
+            <a:r>
+              <a:rPr sz="1800">
+                <a:latin typeface="Courier"/>
+              </a:rPr>
+              <a:t>, </a:t>
+            </a:r>
+            <a:r>
+              <a:rPr sz="1800">
+                <a:solidFill>
+                  <a:srgbClr val="4070A0"/>
+                </a:solidFill>
+                <a:latin typeface="Courier"/>
+              </a:rPr>
+              <a:t>"39"</a:t>
+            </a:r>
+            <a:r>
+              <a:rPr sz="1800">
+                <a:latin typeface="Courier"/>
+              </a:rPr>
+              <a:t>)</a:t>
+            </a:r>
+            <a:br/>
+            <a:br/>
+            <a:r>
+              <a:rPr sz="1800">
+                <a:latin typeface="Courier"/>
+              </a:rPr>
+              <a:t>weight &lt;-</a:t>
+            </a:r>
+            <a:r>
+              <a:rPr sz="1800">
+                <a:solidFill>
+                  <a:srgbClr val="4070A0"/>
+                </a:solidFill>
+                <a:latin typeface="Courier"/>
+              </a:rPr>
+              <a:t> </a:t>
+            </a:r>
+            <a:r>
+              <a:rPr sz="1800">
+                <a:latin typeface="Courier"/>
+              </a:rPr>
+              <a:t>readr</a:t>
             </a:r>
             <a:r>
               <a:rPr sz="1800">
@@ -7490,128 +8133,49 @@
                 </a:solidFill>
                 <a:latin typeface="Courier"/>
               </a:rPr>
-              <a:t>%&gt;%</a:t>
+              <a:t>::</a:t>
+            </a:r>
+            <a:r>
+              <a:rPr sz="1800" b="1">
+                <a:solidFill>
+                  <a:srgbClr val="007020"/>
+                </a:solidFill>
+                <a:latin typeface="Courier"/>
+              </a:rPr>
+              <a:t>parse_number</a:t>
+            </a:r>
+            <a:r>
+              <a:rPr sz="1800">
+                <a:latin typeface="Courier"/>
+              </a:rPr>
+              <a:t>(weight)</a:t>
             </a:r>
             <a:br/>
             <a:r>
-              <a:rPr sz="1800">
-                <a:solidFill>
-                  <a:srgbClr val="4070A0"/>
-                </a:solidFill>
-                <a:latin typeface="Courier"/>
-              </a:rPr>
-              <a:t>  </a:t>
-            </a:r>
-            <a:r>
               <a:rPr sz="1800" b="1">
                 <a:solidFill>
                   <a:srgbClr val="007020"/>
                 </a:solidFill>
                 <a:latin typeface="Courier"/>
               </a:rPr>
-              <a:t>mutate</a:t>
-            </a:r>
-            <a:r>
-              <a:rPr sz="1800">
-                <a:latin typeface="Courier"/>
-              </a:rPr>
-              <a:t>(</a:t>
-            </a:r>
-            <a:r>
-              <a:rPr sz="1800">
-                <a:solidFill>
-                  <a:srgbClr val="902000"/>
-                </a:solidFill>
-                <a:latin typeface="Courier"/>
-              </a:rPr>
-              <a:t>bmi =</a:t>
-            </a:r>
-            <a:r>
-              <a:rPr sz="1800">
-                <a:latin typeface="Courier"/>
-              </a:rPr>
-              <a:t> (weight </a:t>
-            </a:r>
-            <a:r>
-              <a:rPr sz="1800">
-                <a:solidFill>
-                  <a:srgbClr val="666666"/>
-                </a:solidFill>
-                <a:latin typeface="Courier"/>
-              </a:rPr>
-              <a:t>/</a:t>
-            </a:r>
-            <a:r>
-              <a:rPr sz="1800">
-                <a:solidFill>
-                  <a:srgbClr val="4070A0"/>
-                </a:solidFill>
-                <a:latin typeface="Courier"/>
-              </a:rPr>
-              <a:t> </a:t>
-            </a:r>
-            <a:r>
-              <a:rPr sz="1800">
-                <a:latin typeface="Courier"/>
-              </a:rPr>
-              <a:t>(height </a:t>
-            </a:r>
-            <a:r>
-              <a:rPr sz="1800">
-                <a:solidFill>
-                  <a:srgbClr val="666666"/>
-                </a:solidFill>
-                <a:latin typeface="Courier"/>
-              </a:rPr>
-              <a:t>/</a:t>
-            </a:r>
-            <a:r>
-              <a:rPr sz="1800">
-                <a:solidFill>
-                  <a:srgbClr val="4070A0"/>
-                </a:solidFill>
-                <a:latin typeface="Courier"/>
-              </a:rPr>
-              <a:t> </a:t>
-            </a:r>
-            <a:r>
-              <a:rPr sz="1800">
-                <a:solidFill>
-                  <a:srgbClr val="40A070"/>
-                </a:solidFill>
-                <a:latin typeface="Courier"/>
-              </a:rPr>
-              <a:t>100</a:t>
-            </a:r>
-            <a:r>
-              <a:rPr sz="1800">
-                <a:latin typeface="Courier"/>
-              </a:rPr>
-              <a:t>)</a:t>
-            </a:r>
-            <a:r>
-              <a:rPr sz="1800">
-                <a:solidFill>
-                  <a:srgbClr val="666666"/>
-                </a:solidFill>
-                <a:latin typeface="Courier"/>
-              </a:rPr>
-              <a:t>^</a:t>
-            </a:r>
-            <a:r>
-              <a:rPr sz="1800">
-                <a:solidFill>
-                  <a:srgbClr val="40A070"/>
-                </a:solidFill>
-                <a:latin typeface="Courier"/>
-              </a:rPr>
-              <a:t>2</a:t>
-            </a:r>
-            <a:r>
-              <a:rPr sz="1800">
-                <a:latin typeface="Courier"/>
-              </a:rPr>
-              <a:t>))</a:t>
+              <a:t>str</a:t>
+            </a:r>
+            <a:r>
+              <a:rPr sz="1800">
+                <a:latin typeface="Courier"/>
+              </a:rPr>
+              <a:t>(weight)</a:t>
+            </a:r>
+          </a:p>
+          <a:p>
+            <a:pPr lvl="0" marL="1270000" indent="0">
+              <a:buNone/>
+            </a:pPr>
+            <a:r>
+              <a:rPr sz="1800">
+                <a:latin typeface="Courier"/>
+              </a:rPr>
+              <a:t>##  num [1:5] 70 80 82 74 39</a:t>
             </a:r>
           </a:p>
         </p:txBody>
@@ -7664,23 +8228,23 @@
             </a:pPr>
             <a:r>
               <a:rPr/>
-              <a:t>3.</a:t>
-            </a:r>
-            <a:r>
-              <a:rPr/>
-              <a:t> </a:t>
-            </a:r>
-            <a:r>
-              <a:rPr/>
-              <a:t>Extract</a:t>
-            </a:r>
-            <a:r>
-              <a:rPr/>
-              <a:t> </a:t>
-            </a:r>
-            <a:r>
-              <a:rPr/>
-              <a:t>numbers</a:t>
+              <a:t>4.</a:t>
+            </a:r>
+            <a:r>
+              <a:rPr/>
+              <a:t> </a:t>
+            </a:r>
+            <a:r>
+              <a:rPr/>
+              <a:t>Manipulate</a:t>
+            </a:r>
+            <a:r>
+              <a:rPr/>
+              <a:t> </a:t>
+            </a:r>
+            <a:r>
+              <a:rPr/>
+              <a:t>strings</a:t>
             </a:r>
           </a:p>
         </p:txBody>
@@ -7706,22 +8270,142 @@
           <a:bodyPr/>
           <a:lstStyle/>
           <a:p>
+            <a:pPr lvl="0" marL="1270000" indent="0">
+              <a:buNone/>
+            </a:pPr>
+            <a:r>
+              <a:rPr sz="1800" b="1">
+                <a:solidFill>
+                  <a:srgbClr val="007020"/>
+                </a:solidFill>
+                <a:latin typeface="Courier"/>
+              </a:rPr>
+              <a:t>library</a:t>
+            </a:r>
+            <a:r>
+              <a:rPr sz="1800">
+                <a:latin typeface="Courier"/>
+              </a:rPr>
+              <a:t>(stringr)</a:t>
+            </a:r>
+            <a:br/>
+            <a:r>
+              <a:rPr sz="1800">
+                <a:latin typeface="Courier"/>
+              </a:rPr>
+              <a:t>test_gender &lt;-</a:t>
+            </a:r>
+            <a:r>
+              <a:rPr sz="1800">
+                <a:solidFill>
+                  <a:srgbClr val="4070A0"/>
+                </a:solidFill>
+                <a:latin typeface="Courier"/>
+              </a:rPr>
+              <a:t> </a:t>
+            </a:r>
+            <a:r>
+              <a:rPr sz="1800" b="1">
+                <a:solidFill>
+                  <a:srgbClr val="007020"/>
+                </a:solidFill>
+                <a:latin typeface="Courier"/>
+              </a:rPr>
+              <a:t>c</a:t>
+            </a:r>
+            <a:r>
+              <a:rPr sz="1800">
+                <a:latin typeface="Courier"/>
+              </a:rPr>
+              <a:t>(</a:t>
+            </a:r>
+            <a:r>
+              <a:rPr sz="1800">
+                <a:solidFill>
+                  <a:srgbClr val="4070A0"/>
+                </a:solidFill>
+                <a:latin typeface="Courier"/>
+              </a:rPr>
+              <a:t>"f"</a:t>
+            </a:r>
+            <a:r>
+              <a:rPr sz="1800">
+                <a:latin typeface="Courier"/>
+              </a:rPr>
+              <a:t>, </a:t>
+            </a:r>
+            <a:r>
+              <a:rPr sz="1800">
+                <a:solidFill>
+                  <a:srgbClr val="4070A0"/>
+                </a:solidFill>
+                <a:latin typeface="Courier"/>
+              </a:rPr>
+              <a:t>"F"</a:t>
+            </a:r>
+            <a:r>
+              <a:rPr sz="1800">
+                <a:latin typeface="Courier"/>
+              </a:rPr>
+              <a:t>, </a:t>
+            </a:r>
+            <a:r>
+              <a:rPr sz="1800">
+                <a:solidFill>
+                  <a:srgbClr val="4070A0"/>
+                </a:solidFill>
+                <a:latin typeface="Courier"/>
+              </a:rPr>
+              <a:t>"M"</a:t>
+            </a:r>
+            <a:r>
+              <a:rPr sz="1800">
+                <a:latin typeface="Courier"/>
+              </a:rPr>
+              <a:t>, </a:t>
+            </a:r>
+            <a:r>
+              <a:rPr sz="1800">
+                <a:solidFill>
+                  <a:srgbClr val="4070A0"/>
+                </a:solidFill>
+                <a:latin typeface="Courier"/>
+              </a:rPr>
+              <a:t>"f"</a:t>
+            </a:r>
+            <a:r>
+              <a:rPr sz="1800">
+                <a:latin typeface="Courier"/>
+              </a:rPr>
+              <a:t>)</a:t>
+            </a:r>
+          </a:p>
+          <a:p>
             <a:pPr lvl="0" marL="0" indent="0">
               <a:buNone/>
             </a:pPr>
             <a:r>
               <a:rPr/>
-              <a:t>Parse numbers from text using the </a:t>
-            </a:r>
-            <a:r>
-              <a:rPr sz="1800">
-                <a:latin typeface="Courier"/>
-              </a:rPr>
-              <a:t>readr</a:t>
-            </a:r>
-            <a:r>
-              <a:rPr/>
-              <a:t> package.</a:t>
+              <a:t>Notice that </a:t>
+            </a:r>
+            <a:r>
+              <a:rPr sz="1800">
+                <a:latin typeface="Courier"/>
+              </a:rPr>
+              <a:t>female</a:t>
+            </a:r>
+            <a:r>
+              <a:rPr/>
+              <a:t> is coded in 2 different ways</a:t>
+            </a:r>
+          </a:p>
+          <a:p>
+            <a:pPr lvl="0" marL="0" indent="0">
+              <a:buNone/>
+            </a:pPr>
+            <a:r>
+              <a:rPr/>
+              <a:t>We can change all of the letters to uppercase.</a:t>
             </a:r>
           </a:p>
           <a:p>
@@ -7729,19 +8413,67 @@
               <a:buNone/>
             </a:pPr>
             <a:r>
+              <a:rPr sz="1800">
+                <a:latin typeface="Courier"/>
+              </a:rPr>
+              <a:t>test_gender &lt;-</a:t>
+            </a:r>
+            <a:r>
+              <a:rPr sz="1800">
+                <a:solidFill>
+                  <a:srgbClr val="4070A0"/>
+                </a:solidFill>
+                <a:latin typeface="Courier"/>
+              </a:rPr>
+              <a:t> </a:t>
+            </a:r>
+            <a:r>
+              <a:rPr sz="1800">
+                <a:latin typeface="Courier"/>
+              </a:rPr>
+              <a:t>stringr</a:t>
+            </a:r>
+            <a:r>
+              <a:rPr sz="1800">
+                <a:solidFill>
+                  <a:srgbClr val="666666"/>
+                </a:solidFill>
+                <a:latin typeface="Courier"/>
+              </a:rPr>
+              <a:t>::</a:t>
+            </a:r>
+            <a:r>
               <a:rPr sz="1800" b="1">
                 <a:solidFill>
                   <a:srgbClr val="007020"/>
                 </a:solidFill>
                 <a:latin typeface="Courier"/>
               </a:rPr>
-              <a:t>library</a:t>
-            </a:r>
-            <a:r>
-              <a:rPr sz="1800">
-                <a:latin typeface="Courier"/>
-              </a:rPr>
-              <a:t>(readr)</a:t>
+              <a:t>str_to_upper</a:t>
+            </a:r>
+            <a:r>
+              <a:rPr sz="1800">
+                <a:latin typeface="Courier"/>
+              </a:rPr>
+              <a:t>(test_gender)</a:t>
+            </a:r>
+            <a:br/>
+            <a:r>
+              <a:rPr sz="1800">
+                <a:latin typeface="Courier"/>
+              </a:rPr>
+              <a:t>test_gender</a:t>
+            </a:r>
+          </a:p>
+          <a:p>
+            <a:pPr lvl="0" marL="1270000" indent="0">
+              <a:buNone/>
+            </a:pPr>
+            <a:r>
+              <a:rPr sz="1800">
+                <a:latin typeface="Courier"/>
+              </a:rPr>
+              <a:t>## [1] "F" "F" "M" "F"</a:t>
             </a:r>
           </a:p>
           <a:p>
@@ -7750,176 +8482,17 @@
             </a:pPr>
             <a:r>
               <a:rPr/>
-              <a:t>Create a vector where the unit has been included as part of the value. You can’t do maths on this vector.</a:t>
-            </a:r>
-          </a:p>
-          <a:p>
-            <a:pPr lvl="0" marL="1270000" indent="0">
-              <a:buNone/>
-            </a:pPr>
-            <a:r>
-              <a:rPr sz="1800">
-                <a:latin typeface="Courier"/>
-              </a:rPr>
-              <a:t>weight &lt;-</a:t>
-            </a:r>
-            <a:r>
-              <a:rPr sz="1800">
-                <a:solidFill>
-                  <a:srgbClr val="4070A0"/>
-                </a:solidFill>
-                <a:latin typeface="Courier"/>
-              </a:rPr>
-              <a:t> </a:t>
-            </a:r>
-            <a:r>
-              <a:rPr sz="1800" b="1">
-                <a:solidFill>
-                  <a:srgbClr val="007020"/>
-                </a:solidFill>
-                <a:latin typeface="Courier"/>
-              </a:rPr>
-              <a:t>c</a:t>
-            </a:r>
-            <a:r>
-              <a:rPr sz="1800">
-                <a:latin typeface="Courier"/>
-              </a:rPr>
-              <a:t>(</a:t>
-            </a:r>
-            <a:r>
-              <a:rPr sz="1800">
-                <a:solidFill>
-                  <a:srgbClr val="4070A0"/>
-                </a:solidFill>
-                <a:latin typeface="Courier"/>
-              </a:rPr>
-              <a:t>"70kg"</a:t>
-            </a:r>
-            <a:r>
-              <a:rPr sz="1800">
-                <a:latin typeface="Courier"/>
-              </a:rPr>
-              <a:t>, </a:t>
-            </a:r>
-            <a:r>
-              <a:rPr sz="1800">
-                <a:solidFill>
-                  <a:srgbClr val="4070A0"/>
-                </a:solidFill>
-                <a:latin typeface="Courier"/>
-              </a:rPr>
-              <a:t>"80 kg"</a:t>
-            </a:r>
-            <a:r>
-              <a:rPr sz="1800">
-                <a:latin typeface="Courier"/>
-              </a:rPr>
-              <a:t>, </a:t>
-            </a:r>
-            <a:r>
-              <a:rPr sz="1800">
-                <a:solidFill>
-                  <a:srgbClr val="4070A0"/>
-                </a:solidFill>
-                <a:latin typeface="Courier"/>
-              </a:rPr>
-              <a:t>"82 kg"</a:t>
-            </a:r>
-            <a:r>
-              <a:rPr sz="1800">
-                <a:latin typeface="Courier"/>
-              </a:rPr>
-              <a:t>, </a:t>
-            </a:r>
-            <a:r>
-              <a:rPr sz="1800">
-                <a:solidFill>
-                  <a:srgbClr val="4070A0"/>
-                </a:solidFill>
-                <a:latin typeface="Courier"/>
-              </a:rPr>
-              <a:t>"74"</a:t>
-            </a:r>
-            <a:r>
-              <a:rPr sz="1800">
-                <a:latin typeface="Courier"/>
-              </a:rPr>
-              <a:t>, </a:t>
-            </a:r>
-            <a:r>
-              <a:rPr sz="1800">
-                <a:solidFill>
-                  <a:srgbClr val="4070A0"/>
-                </a:solidFill>
-                <a:latin typeface="Courier"/>
-              </a:rPr>
-              <a:t>"39"</a:t>
-            </a:r>
-            <a:r>
-              <a:rPr sz="1800">
-                <a:latin typeface="Courier"/>
-              </a:rPr>
-              <a:t>)</a:t>
-            </a:r>
-            <a:br/>
-            <a:br/>
-            <a:r>
-              <a:rPr sz="1800">
-                <a:latin typeface="Courier"/>
-              </a:rPr>
-              <a:t>weight &lt;-</a:t>
-            </a:r>
-            <a:r>
-              <a:rPr sz="1800">
-                <a:solidFill>
-                  <a:srgbClr val="4070A0"/>
-                </a:solidFill>
-                <a:latin typeface="Courier"/>
-              </a:rPr>
-              <a:t> </a:t>
-            </a:r>
-            <a:r>
-              <a:rPr sz="1800" b="1">
-                <a:solidFill>
-                  <a:srgbClr val="007020"/>
-                </a:solidFill>
-                <a:latin typeface="Courier"/>
-              </a:rPr>
-              <a:t>parse_number</a:t>
-            </a:r>
-            <a:r>
-              <a:rPr sz="1800">
-                <a:latin typeface="Courier"/>
-              </a:rPr>
-              <a:t>(weight)</a:t>
-            </a:r>
-            <a:br/>
-            <a:r>
-              <a:rPr sz="1800" b="1">
-                <a:solidFill>
-                  <a:srgbClr val="007020"/>
-                </a:solidFill>
-                <a:latin typeface="Courier"/>
-              </a:rPr>
-              <a:t>str</a:t>
-            </a:r>
-            <a:r>
-              <a:rPr sz="1800">
-                <a:latin typeface="Courier"/>
-              </a:rPr>
-              <a:t>(weight)</a:t>
-            </a:r>
-          </a:p>
-          <a:p>
-            <a:pPr lvl="0" marL="1270000" indent="0">
-              <a:buNone/>
-            </a:pPr>
-            <a:r>
-              <a:rPr sz="1800">
-                <a:latin typeface="Courier"/>
-              </a:rPr>
-              <a:t>##  num [1:5] 70 80 82 74 39</a:t>
+              <a:t>Look at the manipulate strings cheat sheet (</a:t>
+            </a:r>
+            <a:r>
+              <a:rPr>
+                <a:hlinkClick r:id="rId2"/>
+              </a:rPr>
+              <a:t>https://resources.rstudio.com/rstudio-developed/strings</a:t>
+            </a:r>
+            <a:r>
+              <a:rPr/>
+              <a:t>) for other functions you can use.</a:t>
             </a:r>
           </a:p>
         </p:txBody>
@@ -7972,23 +8545,31 @@
             </a:pPr>
             <a:r>
               <a:rPr/>
-              <a:t>4.</a:t>
-            </a:r>
-            <a:r>
-              <a:rPr/>
-              <a:t> </a:t>
-            </a:r>
-            <a:r>
-              <a:rPr/>
-              <a:t>Manipulate</a:t>
-            </a:r>
-            <a:r>
-              <a:rPr/>
-              <a:t> </a:t>
-            </a:r>
-            <a:r>
-              <a:rPr/>
-              <a:t>strings</a:t>
+              <a:t>5.</a:t>
+            </a:r>
+            <a:r>
+              <a:rPr/>
+              <a:t> </a:t>
+            </a:r>
+            <a:r>
+              <a:rPr/>
+              <a:t>Working</a:t>
+            </a:r>
+            <a:r>
+              <a:rPr/>
+              <a:t> </a:t>
+            </a:r>
+            <a:r>
+              <a:rPr/>
+              <a:t>with</a:t>
+            </a:r>
+            <a:r>
+              <a:rPr/>
+              <a:t> </a:t>
+            </a:r>
+            <a:r>
+              <a:rPr/>
+              <a:t>dates</a:t>
             </a:r>
           </a:p>
         </p:txBody>
@@ -8014,6 +8595,15 @@
           <a:bodyPr/>
           <a:lstStyle/>
           <a:p>
+            <a:pPr lvl="0" marL="0" indent="0">
+              <a:buNone/>
+            </a:pPr>
+            <a:r>
+              <a:rPr/>
+              <a:t>R treats dates as characters unless you tell it not to.</a:t>
+            </a:r>
+          </a:p>
+          <a:p>
             <a:pPr lvl="0" marL="1270000" indent="0">
               <a:buNone/>
             </a:pPr>
@@ -8030,14 +8620,15 @@
               <a:rPr sz="1800">
                 <a:latin typeface="Courier"/>
               </a:rPr>
-              <a:t>(stringr)</a:t>
+              <a:t>(lubridate)</a:t>
             </a:r>
             <a:br/>
-            <a:r>
-              <a:rPr sz="1800">
-                <a:latin typeface="Courier"/>
-              </a:rPr>
-              <a:t>test_gender &lt;-</a:t>
+            <a:br/>
+            <a:r>
+              <a:rPr sz="1800">
+                <a:latin typeface="Courier"/>
+              </a:rPr>
+              <a:t>test_dates &lt;-</a:t>
             </a:r>
             <a:r>
               <a:rPr sz="1800">
@@ -8070,7 +8661,7 @@
                 </a:solidFill>
                 <a:latin typeface="Courier"/>
               </a:rPr>
-              <a:t>"f"</a:t>
+              <a:t>"02-01-12"</a:t>
             </a:r>
             <a:r>
               <a:rPr sz="1800">
@@ -8085,7 +8676,7 @@
                 </a:solidFill>
                 <a:latin typeface="Courier"/>
               </a:rPr>
-              <a:t>"F"</a:t>
+              <a:t>"03-04-15"</a:t>
             </a:r>
             <a:r>
               <a:rPr sz="1800">
@@ -8100,13 +8691,33 @@
                 </a:solidFill>
                 <a:latin typeface="Courier"/>
               </a:rPr>
-              <a:t>"M"</a:t>
-            </a:r>
-            <a:r>
-              <a:rPr sz="1800">
-                <a:latin typeface="Courier"/>
-              </a:rPr>
-              <a:t>, </a:t>
+              <a:t>"15-06-02"</a:t>
+            </a:r>
+            <a:r>
+              <a:rPr sz="1800">
+                <a:latin typeface="Courier"/>
+              </a:rPr>
+              <a:t>)</a:t>
+            </a:r>
+          </a:p>
+          <a:p>
+            <a:pPr lvl="0" marL="0" indent="0">
+              <a:buNone/>
+            </a:pPr>
+            <a:r>
+              <a:rPr/>
+              <a:t>Convert these characters to dates.</a:t>
+            </a:r>
+          </a:p>
+          <a:p>
+            <a:pPr lvl="0" marL="1270000" indent="0">
+              <a:buNone/>
+            </a:pPr>
+            <a:r>
+              <a:rPr sz="1800">
+                <a:latin typeface="Courier"/>
+              </a:rPr>
+              <a:t>test_dates &lt;-</a:t>
             </a:r>
             <a:r>
               <a:rPr sz="1800">
@@ -8115,103 +8726,55 @@
                 </a:solidFill>
                 <a:latin typeface="Courier"/>
               </a:rPr>
-              <a:t>"f"</a:t>
-            </a:r>
-            <a:r>
-              <a:rPr sz="1800">
-                <a:latin typeface="Courier"/>
-              </a:rPr>
-              <a:t>)</a:t>
-            </a:r>
-          </a:p>
-          <a:p>
-            <a:pPr lvl="0" marL="0" indent="0">
+              <a:t> </a:t>
+            </a:r>
+            <a:r>
+              <a:rPr sz="1800">
+                <a:latin typeface="Courier"/>
+              </a:rPr>
+              <a:t>lubridate</a:t>
+            </a:r>
+            <a:r>
+              <a:rPr sz="1800">
+                <a:solidFill>
+                  <a:srgbClr val="666666"/>
+                </a:solidFill>
+                <a:latin typeface="Courier"/>
+              </a:rPr>
+              <a:t>::</a:t>
+            </a:r>
+            <a:r>
+              <a:rPr sz="1800" b="1">
+                <a:solidFill>
+                  <a:srgbClr val="007020"/>
+                </a:solidFill>
+                <a:latin typeface="Courier"/>
+              </a:rPr>
+              <a:t>dmy</a:t>
+            </a:r>
+            <a:r>
+              <a:rPr sz="1800">
+                <a:latin typeface="Courier"/>
+              </a:rPr>
+              <a:t>(test_dates)</a:t>
+            </a:r>
+            <a:br/>
+            <a:r>
+              <a:rPr sz="1800">
+                <a:latin typeface="Courier"/>
+              </a:rPr>
+              <a:t>test_dates</a:t>
+            </a:r>
+          </a:p>
+          <a:p>
+            <a:pPr lvl="0" marL="1270000" indent="0">
               <a:buNone/>
             </a:pPr>
             <a:r>
-              <a:rPr/>
-              <a:t>Notice that </a:t>
-            </a:r>
-            <a:r>
-              <a:rPr sz="1800">
-                <a:latin typeface="Courier"/>
-              </a:rPr>
-              <a:t>female</a:t>
-            </a:r>
-            <a:r>
-              <a:rPr/>
-              <a:t> is coded in 2 different ways</a:t>
-            </a:r>
-          </a:p>
-          <a:p>
-            <a:pPr lvl="0" marL="0" indent="0">
-              <a:buNone/>
-            </a:pPr>
-            <a:r>
-              <a:rPr/>
-              <a:t>We can change all of the letters to uppercase.</a:t>
-            </a:r>
-          </a:p>
-          <a:p>
-            <a:pPr lvl="0" marL="1270000" indent="0">
-              <a:buNone/>
-            </a:pPr>
-            <a:r>
-              <a:rPr sz="1800">
-                <a:latin typeface="Courier"/>
-              </a:rPr>
-              <a:t>test_gender &lt;-</a:t>
-            </a:r>
-            <a:r>
-              <a:rPr sz="1800">
-                <a:solidFill>
-                  <a:srgbClr val="4070A0"/>
-                </a:solidFill>
-                <a:latin typeface="Courier"/>
-              </a:rPr>
-              <a:t> </a:t>
-            </a:r>
-            <a:r>
-              <a:rPr sz="1800" b="1">
-                <a:solidFill>
-                  <a:srgbClr val="007020"/>
-                </a:solidFill>
-                <a:latin typeface="Courier"/>
-              </a:rPr>
-              <a:t>str_to_upper</a:t>
-            </a:r>
-            <a:r>
-              <a:rPr sz="1800">
-                <a:latin typeface="Courier"/>
-              </a:rPr>
-              <a:t>(test_gender)</a:t>
-            </a:r>
-            <a:br/>
-            <a:r>
-              <a:rPr sz="1800">
-                <a:latin typeface="Courier"/>
-              </a:rPr>
-              <a:t>test_gender</a:t>
-            </a:r>
-          </a:p>
-          <a:p>
-            <a:pPr lvl="0" marL="1270000" indent="0">
-              <a:buNone/>
-            </a:pPr>
-            <a:r>
-              <a:rPr sz="1800">
-                <a:latin typeface="Courier"/>
-              </a:rPr>
-              <a:t>## [1] "F" "F" "M" "F"</a:t>
-            </a:r>
-          </a:p>
-          <a:p>
-            <a:pPr lvl="0" marL="0" indent="0">
-              <a:buNone/>
-            </a:pPr>
-            <a:r>
-              <a:rPr/>
-              <a:t>Look at the manipulate strings cheat sheet for other functions you can use.</a:t>
+              <a:rPr sz="1800">
+                <a:latin typeface="Courier"/>
+              </a:rPr>
+              <a:t>## [1] "2012-01-02" "2015-04-03" "2002-06-15"</a:t>
             </a:r>
           </a:p>
         </p:txBody>
@@ -8264,31 +8827,15 @@
             </a:pPr>
             <a:r>
               <a:rPr/>
-              <a:t>5.</a:t>
-            </a:r>
-            <a:r>
-              <a:rPr/>
-              <a:t> </a:t>
-            </a:r>
-            <a:r>
-              <a:rPr/>
-              <a:t>Working</a:t>
-            </a:r>
-            <a:r>
-              <a:rPr/>
-              <a:t> </a:t>
-            </a:r>
-            <a:r>
-              <a:rPr/>
-              <a:t>with</a:t>
-            </a:r>
-            <a:r>
-              <a:rPr/>
-              <a:t> </a:t>
-            </a:r>
-            <a:r>
-              <a:rPr/>
-              <a:t>dates</a:t>
+              <a:t>Parsing</a:t>
+            </a:r>
+            <a:r>
+              <a:rPr/>
+              <a:t> </a:t>
+            </a:r>
+            <a:r>
+              <a:rPr/>
+              <a:t>dates.</a:t>
             </a:r>
           </a:p>
         </p:txBody>
@@ -8319,7 +8866,16 @@
             </a:pPr>
             <a:r>
               <a:rPr/>
-              <a:t>R treats dates as characters unless you tell it not to.</a:t>
+              <a:t>We can extract components of dates.</a:t>
+            </a:r>
+          </a:p>
+          <a:p>
+            <a:pPr lvl="0" marL="0" indent="0">
+              <a:buNone/>
+            </a:pPr>
+            <a:r>
+              <a:rPr/>
+              <a:t>Extracting years</a:t>
             </a:r>
           </a:p>
           <a:p>
@@ -8327,27 +8883,180 @@
               <a:buNone/>
             </a:pPr>
             <a:r>
+              <a:rPr sz="1800">
+                <a:latin typeface="Courier"/>
+              </a:rPr>
+              <a:t>cchic &lt;-</a:t>
+            </a:r>
+            <a:r>
+              <a:rPr sz="1800">
+                <a:solidFill>
+                  <a:srgbClr val="4070A0"/>
+                </a:solidFill>
+                <a:latin typeface="Courier"/>
+              </a:rPr>
+              <a:t> </a:t>
+            </a:r>
+            <a:r>
+              <a:rPr sz="1800">
+                <a:latin typeface="Courier"/>
+              </a:rPr>
+              <a:t>cchic </a:t>
+            </a:r>
+            <a:r>
+              <a:rPr sz="1800">
+                <a:solidFill>
+                  <a:srgbClr val="666666"/>
+                </a:solidFill>
+                <a:latin typeface="Courier"/>
+              </a:rPr>
+              <a:t>%&gt;%</a:t>
+            </a:r>
+            <a:r>
+              <a:rPr sz="1800">
+                <a:solidFill>
+                  <a:srgbClr val="4070A0"/>
+                </a:solidFill>
+                <a:latin typeface="Courier"/>
+              </a:rPr>
+              <a:t> </a:t>
+            </a:r>
+            <a:br/>
+            <a:r>
+              <a:rPr sz="1800">
+                <a:solidFill>
+                  <a:srgbClr val="4070A0"/>
+                </a:solidFill>
+                <a:latin typeface="Courier"/>
+              </a:rPr>
+              <a:t>  </a:t>
+            </a:r>
+            <a:r>
+              <a:rPr sz="1800">
+                <a:latin typeface="Courier"/>
+              </a:rPr>
+              <a:t>dplyr</a:t>
+            </a:r>
+            <a:r>
+              <a:rPr sz="1800">
+                <a:solidFill>
+                  <a:srgbClr val="666666"/>
+                </a:solidFill>
+                <a:latin typeface="Courier"/>
+              </a:rPr>
+              <a:t>::</a:t>
+            </a:r>
+            <a:r>
               <a:rPr sz="1800" b="1">
                 <a:solidFill>
                   <a:srgbClr val="007020"/>
                 </a:solidFill>
                 <a:latin typeface="Courier"/>
               </a:rPr>
-              <a:t>library</a:t>
-            </a:r>
-            <a:r>
-              <a:rPr sz="1800">
-                <a:latin typeface="Courier"/>
-              </a:rPr>
-              <a:t>(lubridate)</a:t>
+              <a:t>mutate</a:t>
+            </a:r>
+            <a:r>
+              <a:rPr sz="1800">
+                <a:latin typeface="Courier"/>
+              </a:rPr>
+              <a:t>(</a:t>
+            </a:r>
+            <a:r>
+              <a:rPr sz="1800">
+                <a:solidFill>
+                  <a:srgbClr val="902000"/>
+                </a:solidFill>
+                <a:latin typeface="Courier"/>
+              </a:rPr>
+              <a:t>year_born =</a:t>
+            </a:r>
+            <a:r>
+              <a:rPr sz="1800">
+                <a:latin typeface="Courier"/>
+              </a:rPr>
+              <a:t> </a:t>
+            </a:r>
+            <a:r>
+              <a:rPr sz="1800" b="1">
+                <a:solidFill>
+                  <a:srgbClr val="007020"/>
+                </a:solidFill>
+                <a:latin typeface="Courier"/>
+              </a:rPr>
+              <a:t>year</a:t>
+            </a:r>
+            <a:r>
+              <a:rPr sz="1800">
+                <a:latin typeface="Courier"/>
+              </a:rPr>
+              <a:t>(</a:t>
+            </a:r>
+            <a:r>
+              <a:rPr sz="1800" b="1">
+                <a:solidFill>
+                  <a:srgbClr val="007020"/>
+                </a:solidFill>
+                <a:latin typeface="Courier"/>
+              </a:rPr>
+              <a:t>ymd</a:t>
+            </a:r>
+            <a:r>
+              <a:rPr sz="1800">
+                <a:latin typeface="Courier"/>
+              </a:rPr>
+              <a:t>(dob)))</a:t>
             </a:r>
             <a:br/>
             <a:br/>
             <a:r>
-              <a:rPr sz="1800">
-                <a:latin typeface="Courier"/>
-              </a:rPr>
-              <a:t>test_dates &lt;-</a:t>
+              <a:rPr sz="1800" b="1">
+                <a:solidFill>
+                  <a:srgbClr val="007020"/>
+                </a:solidFill>
+                <a:latin typeface="Courier"/>
+              </a:rPr>
+              <a:t>str</a:t>
+            </a:r>
+            <a:r>
+              <a:rPr sz="1800">
+                <a:latin typeface="Courier"/>
+              </a:rPr>
+              <a:t>(cchic</a:t>
+            </a:r>
+            <a:r>
+              <a:rPr sz="1800">
+                <a:solidFill>
+                  <a:srgbClr val="666666"/>
+                </a:solidFill>
+                <a:latin typeface="Courier"/>
+              </a:rPr>
+              <a:t>$</a:t>
+            </a:r>
+            <a:r>
+              <a:rPr sz="1800">
+                <a:latin typeface="Courier"/>
+              </a:rPr>
+              <a:t>year_born)</a:t>
+            </a:r>
+          </a:p>
+          <a:p>
+            <a:pPr lvl="0" marL="0" indent="0">
+              <a:buNone/>
+            </a:pPr>
+            <a:r>
+              <a:rPr/>
+              <a:t>Extracting days</a:t>
+            </a:r>
+          </a:p>
+          <a:p>
+            <a:pPr lvl="0" marL="1270000" indent="0">
+              <a:buNone/>
+            </a:pPr>
+            <a:r>
+              <a:rPr sz="1800">
+                <a:latin typeface="Courier"/>
+              </a:rPr>
+              <a:t>cchic &lt;-</a:t>
             </a:r>
             <a:r>
               <a:rPr sz="1800">
@@ -8359,13 +9068,62 @@
               <a:t> </a:t>
             </a:r>
             <a:r>
+              <a:rPr sz="1800">
+                <a:latin typeface="Courier"/>
+              </a:rPr>
+              <a:t>cchic </a:t>
+            </a:r>
+            <a:r>
+              <a:rPr sz="1800">
+                <a:solidFill>
+                  <a:srgbClr val="666666"/>
+                </a:solidFill>
+                <a:latin typeface="Courier"/>
+              </a:rPr>
+              <a:t>%&gt;%</a:t>
+            </a:r>
+            <a:r>
+              <a:rPr sz="1800">
+                <a:solidFill>
+                  <a:srgbClr val="4070A0"/>
+                </a:solidFill>
+                <a:latin typeface="Courier"/>
+              </a:rPr>
+              <a:t> </a:t>
+            </a:r>
+            <a:br/>
+            <a:r>
+              <a:rPr sz="1800">
+                <a:solidFill>
+                  <a:srgbClr val="4070A0"/>
+                </a:solidFill>
+                <a:latin typeface="Courier"/>
+              </a:rPr>
+              <a:t>  </a:t>
+            </a:r>
+            <a:r>
+              <a:rPr sz="1800">
+                <a:latin typeface="Courier"/>
+              </a:rPr>
+              <a:t>dplyr</a:t>
+            </a:r>
+            <a:r>
+              <a:rPr sz="1800">
+                <a:solidFill>
+                  <a:srgbClr val="666666"/>
+                </a:solidFill>
+                <a:latin typeface="Courier"/>
+              </a:rPr>
+              <a:t>::</a:t>
+            </a:r>
+            <a:r>
               <a:rPr sz="1800" b="1">
                 <a:solidFill>
                   <a:srgbClr val="007020"/>
                 </a:solidFill>
                 <a:latin typeface="Courier"/>
               </a:rPr>
-              <a:t>c</a:t>
+              <a:t>mutate</a:t>
             </a:r>
             <a:r>
               <a:rPr sz="1800">
@@ -8376,73 +9134,14 @@
             <a:r>
               <a:rPr sz="1800">
                 <a:solidFill>
-                  <a:srgbClr val="4070A0"/>
-                </a:solidFill>
-                <a:latin typeface="Courier"/>
-              </a:rPr>
-              <a:t>"02-01-12"</a:t>
-            </a:r>
-            <a:r>
-              <a:rPr sz="1800">
-                <a:latin typeface="Courier"/>
-              </a:rPr>
-              <a:t>, </a:t>
-            </a:r>
-            <a:r>
-              <a:rPr sz="1800">
-                <a:solidFill>
-                  <a:srgbClr val="4070A0"/>
-                </a:solidFill>
-                <a:latin typeface="Courier"/>
-              </a:rPr>
-              <a:t>"03-04-15"</a:t>
-            </a:r>
-            <a:r>
-              <a:rPr sz="1800">
-                <a:latin typeface="Courier"/>
-              </a:rPr>
-              <a:t>, </a:t>
-            </a:r>
-            <a:r>
-              <a:rPr sz="1800">
-                <a:solidFill>
-                  <a:srgbClr val="4070A0"/>
-                </a:solidFill>
-                <a:latin typeface="Courier"/>
-              </a:rPr>
-              <a:t>"15-06-02"</a:t>
-            </a:r>
-            <a:r>
-              <a:rPr sz="1800">
-                <a:latin typeface="Courier"/>
-              </a:rPr>
-              <a:t>)</a:t>
-            </a:r>
-          </a:p>
-          <a:p>
-            <a:pPr lvl="0" marL="0" indent="0">
-              <a:buNone/>
-            </a:pPr>
-            <a:r>
-              <a:rPr/>
-              <a:t>Convert these characters to dates.</a:t>
-            </a:r>
-          </a:p>
-          <a:p>
-            <a:pPr lvl="0" marL="1270000" indent="0">
-              <a:buNone/>
-            </a:pPr>
-            <a:r>
-              <a:rPr sz="1800">
-                <a:latin typeface="Courier"/>
-              </a:rPr>
-              <a:t>test_dates &lt;-</a:t>
-            </a:r>
-            <a:r>
-              <a:rPr sz="1800">
-                <a:solidFill>
-                  <a:srgbClr val="4070A0"/>
-                </a:solidFill>
+                  <a:srgbClr val="902000"/>
+                </a:solidFill>
+                <a:latin typeface="Courier"/>
+              </a:rPr>
+              <a:t>discharge_day =</a:t>
+            </a:r>
+            <a:r>
+              <a:rPr sz="1800">
                 <a:latin typeface="Courier"/>
               </a:rPr>
               <a:t> </a:t>
@@ -8454,31 +9153,75 @@
                 </a:solidFill>
                 <a:latin typeface="Courier"/>
               </a:rPr>
-              <a:t>dmy</a:t>
-            </a:r>
-            <a:r>
-              <a:rPr sz="1800">
-                <a:latin typeface="Courier"/>
-              </a:rPr>
-              <a:t>(test_dates)</a:t>
+              <a:t>day</a:t>
+            </a:r>
+            <a:r>
+              <a:rPr sz="1800">
+                <a:latin typeface="Courier"/>
+              </a:rPr>
+              <a:t>(</a:t>
+            </a:r>
+            <a:r>
+              <a:rPr sz="1800" b="1">
+                <a:solidFill>
+                  <a:srgbClr val="007020"/>
+                </a:solidFill>
+                <a:latin typeface="Courier"/>
+              </a:rPr>
+              <a:t>ymd_hms</a:t>
+            </a:r>
+            <a:r>
+              <a:rPr sz="1800">
+                <a:latin typeface="Courier"/>
+              </a:rPr>
+              <a:t>(cchic</a:t>
+            </a:r>
+            <a:r>
+              <a:rPr sz="1800">
+                <a:solidFill>
+                  <a:srgbClr val="666666"/>
+                </a:solidFill>
+                <a:latin typeface="Courier"/>
+              </a:rPr>
+              <a:t>$</a:t>
+            </a:r>
+            <a:r>
+              <a:rPr sz="1800">
+                <a:latin typeface="Courier"/>
+              </a:rPr>
+              <a:t>discharge_dttm)))</a:t>
             </a:r>
             <a:br/>
-            <a:r>
-              <a:rPr sz="1800">
-                <a:latin typeface="Courier"/>
-              </a:rPr>
-              <a:t>test_dates</a:t>
-            </a:r>
-          </a:p>
-          <a:p>
-            <a:pPr lvl="0" marL="1270000" indent="0">
-              <a:buNone/>
-            </a:pPr>
-            <a:r>
-              <a:rPr sz="1800">
-                <a:latin typeface="Courier"/>
-              </a:rPr>
-              <a:t>## [1] "2012-01-02" "2015-04-03" "2002-06-15"</a:t>
+            <a:br/>
+            <a:r>
+              <a:rPr sz="1800" b="1">
+                <a:solidFill>
+                  <a:srgbClr val="007020"/>
+                </a:solidFill>
+                <a:latin typeface="Courier"/>
+              </a:rPr>
+              <a:t>str</a:t>
+            </a:r>
+            <a:r>
+              <a:rPr sz="1800">
+                <a:latin typeface="Courier"/>
+              </a:rPr>
+              <a:t>(cchic</a:t>
+            </a:r>
+            <a:r>
+              <a:rPr sz="1800">
+                <a:solidFill>
+                  <a:srgbClr val="666666"/>
+                </a:solidFill>
+                <a:latin typeface="Courier"/>
+              </a:rPr>
+              <a:t>$</a:t>
+            </a:r>
+            <a:r>
+              <a:rPr sz="1800">
+                <a:latin typeface="Courier"/>
+              </a:rPr>
+              <a:t>discharge_day)</a:t>
             </a:r>
           </a:p>
         </p:txBody>
@@ -8531,15 +9274,15 @@
             </a:pPr>
             <a:r>
               <a:rPr/>
-              <a:t>Parsing</a:t>
-            </a:r>
-            <a:r>
-              <a:rPr/>
-              <a:t> </a:t>
-            </a:r>
-            <a:r>
-              <a:rPr/>
-              <a:t>dates.</a:t>
+              <a:t>Date</a:t>
+            </a:r>
+            <a:r>
+              <a:rPr/>
+              <a:t> </a:t>
+            </a:r>
+            <a:r>
+              <a:rPr/>
+              <a:t>intervals</a:t>
             </a:r>
           </a:p>
         </p:txBody>
@@ -8570,23 +9313,14 @@
             </a:pPr>
             <a:r>
               <a:rPr/>
-              <a:t>We can extract components of dates.</a:t>
-            </a:r>
-          </a:p>
-          <a:p>
-            <a:pPr lvl="0" marL="0" indent="0">
+              <a:t>We often want to calculate the difference between two dates or times. Let’s calculate the length of stay of patients admitted to the ICU.</a:t>
+            </a:r>
+          </a:p>
+          <a:p>
+            <a:pPr lvl="0" marL="1270000" indent="0">
               <a:buNone/>
             </a:pPr>
             <a:r>
-              <a:rPr/>
-              <a:t>Extracting years</a:t>
-            </a:r>
-          </a:p>
-          <a:p>
-            <a:pPr lvl="0" marL="1270000" indent="0">
-              <a:buNone/>
-            </a:pPr>
-            <a:r>
               <a:rPr sz="1800">
                 <a:latin typeface="Courier"/>
               </a:rPr>
@@ -8616,6 +9350,7 @@
               </a:rPr>
               <a:t>%&gt;%</a:t>
             </a:r>
+            <a:br/>
             <a:r>
               <a:rPr sz="1800">
                 <a:solidFill>
@@ -8623,279 +9358,134 @@
                 </a:solidFill>
                 <a:latin typeface="Courier"/>
               </a:rPr>
-              <a:t> </a:t>
+              <a:t>  </a:t>
+            </a:r>
+            <a:r>
+              <a:rPr sz="1800">
+                <a:latin typeface="Courier"/>
+              </a:rPr>
+              <a:t>dplyr</a:t>
+            </a:r>
+            <a:r>
+              <a:rPr sz="1800">
+                <a:solidFill>
+                  <a:srgbClr val="666666"/>
+                </a:solidFill>
+                <a:latin typeface="Courier"/>
+              </a:rPr>
+              <a:t>::</a:t>
+            </a:r>
+            <a:r>
+              <a:rPr sz="1800" b="1">
+                <a:solidFill>
+                  <a:srgbClr val="007020"/>
+                </a:solidFill>
+                <a:latin typeface="Courier"/>
+              </a:rPr>
+              <a:t>mutate</a:t>
+            </a:r>
+            <a:r>
+              <a:rPr sz="1800">
+                <a:latin typeface="Courier"/>
+              </a:rPr>
+              <a:t>(</a:t>
+            </a:r>
+            <a:r>
+              <a:rPr sz="1800">
+                <a:solidFill>
+                  <a:srgbClr val="902000"/>
+                </a:solidFill>
+                <a:latin typeface="Courier"/>
+              </a:rPr>
+              <a:t>los =</a:t>
+            </a:r>
+            <a:r>
+              <a:rPr sz="1800">
+                <a:latin typeface="Courier"/>
+              </a:rPr>
+              <a:t> </a:t>
+            </a:r>
+            <a:r>
+              <a:rPr sz="1800" b="1">
+                <a:solidFill>
+                  <a:srgbClr val="007020"/>
+                </a:solidFill>
+                <a:latin typeface="Courier"/>
+              </a:rPr>
+              <a:t>difftime</a:t>
+            </a:r>
+            <a:r>
+              <a:rPr sz="1800">
+                <a:latin typeface="Courier"/>
+              </a:rPr>
+              <a:t>(</a:t>
+            </a:r>
+            <a:r>
+              <a:rPr sz="1800" b="1">
+                <a:solidFill>
+                  <a:srgbClr val="007020"/>
+                </a:solidFill>
+                <a:latin typeface="Courier"/>
+              </a:rPr>
+              <a:t>ymd_hms</a:t>
+            </a:r>
+            <a:r>
+              <a:rPr sz="1800">
+                <a:latin typeface="Courier"/>
+              </a:rPr>
+              <a:t>(discharge_dttm),</a:t>
             </a:r>
             <a:br/>
             <a:r>
               <a:rPr sz="1800">
+                <a:latin typeface="Courier"/>
+              </a:rPr>
+              <a:t>                        </a:t>
+            </a:r>
+            <a:r>
+              <a:rPr sz="1800" b="1">
+                <a:solidFill>
+                  <a:srgbClr val="007020"/>
+                </a:solidFill>
+                <a:latin typeface="Courier"/>
+              </a:rPr>
+              <a:t>ymd_hms</a:t>
+            </a:r>
+            <a:r>
+              <a:rPr sz="1800">
+                <a:latin typeface="Courier"/>
+              </a:rPr>
+              <a:t>(arrival_dttm), </a:t>
+            </a:r>
+            <a:r>
+              <a:rPr sz="1800">
+                <a:solidFill>
+                  <a:srgbClr val="902000"/>
+                </a:solidFill>
+                <a:latin typeface="Courier"/>
+              </a:rPr>
+              <a:t>units =</a:t>
+            </a:r>
+            <a:r>
+              <a:rPr sz="1800">
+                <a:latin typeface="Courier"/>
+              </a:rPr>
+              <a:t> </a:t>
+            </a:r>
+            <a:r>
+              <a:rPr sz="1800">
                 <a:solidFill>
                   <a:srgbClr val="4070A0"/>
                 </a:solidFill>
                 <a:latin typeface="Courier"/>
               </a:rPr>
-              <a:t>  </a:t>
-            </a:r>
-            <a:r>
-              <a:rPr sz="1800" b="1">
-                <a:solidFill>
-                  <a:srgbClr val="007020"/>
-                </a:solidFill>
-                <a:latin typeface="Courier"/>
-              </a:rPr>
-              <a:t>mutate</a:t>
-            </a:r>
-            <a:r>
-              <a:rPr sz="1800">
-                <a:latin typeface="Courier"/>
-              </a:rPr>
-              <a:t>(</a:t>
-            </a:r>
-            <a:r>
-              <a:rPr sz="1800">
-                <a:solidFill>
-                  <a:srgbClr val="902000"/>
-                </a:solidFill>
-                <a:latin typeface="Courier"/>
-              </a:rPr>
-              <a:t>year_born =</a:t>
-            </a:r>
-            <a:r>
-              <a:rPr sz="1800">
-                <a:latin typeface="Courier"/>
-              </a:rPr>
-              <a:t> </a:t>
-            </a:r>
-            <a:r>
-              <a:rPr sz="1800" b="1">
-                <a:solidFill>
-                  <a:srgbClr val="007020"/>
-                </a:solidFill>
-                <a:latin typeface="Courier"/>
-              </a:rPr>
-              <a:t>year</a:t>
-            </a:r>
-            <a:r>
-              <a:rPr sz="1800">
-                <a:latin typeface="Courier"/>
-              </a:rPr>
-              <a:t>(</a:t>
-            </a:r>
-            <a:r>
-              <a:rPr sz="1800" b="1">
-                <a:solidFill>
-                  <a:srgbClr val="007020"/>
-                </a:solidFill>
-                <a:latin typeface="Courier"/>
-              </a:rPr>
-              <a:t>ymd</a:t>
-            </a:r>
-            <a:r>
-              <a:rPr sz="1800">
-                <a:latin typeface="Courier"/>
-              </a:rPr>
-              <a:t>(dob)))</a:t>
-            </a:r>
-            <a:br/>
-            <a:br/>
-            <a:r>
-              <a:rPr sz="1800" b="1">
-                <a:solidFill>
-                  <a:srgbClr val="007020"/>
-                </a:solidFill>
-                <a:latin typeface="Courier"/>
-              </a:rPr>
-              <a:t>str</a:t>
-            </a:r>
-            <a:r>
-              <a:rPr sz="1800">
-                <a:latin typeface="Courier"/>
-              </a:rPr>
-              <a:t>(cchic</a:t>
-            </a:r>
-            <a:r>
-              <a:rPr sz="1800">
-                <a:solidFill>
-                  <a:srgbClr val="666666"/>
-                </a:solidFill>
-                <a:latin typeface="Courier"/>
-              </a:rPr>
-              <a:t>$</a:t>
-            </a:r>
-            <a:r>
-              <a:rPr sz="1800">
-                <a:latin typeface="Courier"/>
-              </a:rPr>
-              <a:t>year_born)</a:t>
-            </a:r>
-          </a:p>
-          <a:p>
-            <a:pPr lvl="0" marL="0" indent="0">
-              <a:buNone/>
-            </a:pPr>
-            <a:r>
-              <a:rPr/>
-              <a:t>Extracting days</a:t>
-            </a:r>
-          </a:p>
-          <a:p>
-            <a:pPr lvl="0" marL="1270000" indent="0">
-              <a:buNone/>
-            </a:pPr>
-            <a:r>
-              <a:rPr sz="1800">
-                <a:latin typeface="Courier"/>
-              </a:rPr>
-              <a:t>cchic &lt;-</a:t>
-            </a:r>
-            <a:r>
-              <a:rPr sz="1800">
-                <a:solidFill>
-                  <a:srgbClr val="4070A0"/>
-                </a:solidFill>
-                <a:latin typeface="Courier"/>
-              </a:rPr>
-              <a:t> </a:t>
-            </a:r>
-            <a:r>
-              <a:rPr sz="1800">
-                <a:latin typeface="Courier"/>
-              </a:rPr>
-              <a:t>cchic </a:t>
-            </a:r>
-            <a:r>
-              <a:rPr sz="1800">
-                <a:solidFill>
-                  <a:srgbClr val="666666"/>
-                </a:solidFill>
-                <a:latin typeface="Courier"/>
-              </a:rPr>
-              <a:t>%&gt;%</a:t>
-            </a:r>
-            <a:r>
-              <a:rPr sz="1800">
-                <a:solidFill>
-                  <a:srgbClr val="4070A0"/>
-                </a:solidFill>
-                <a:latin typeface="Courier"/>
-              </a:rPr>
-              <a:t> </a:t>
-            </a:r>
-            <a:br/>
-            <a:r>
-              <a:rPr sz="1800">
-                <a:solidFill>
-                  <a:srgbClr val="4070A0"/>
-                </a:solidFill>
-                <a:latin typeface="Courier"/>
-              </a:rPr>
-              <a:t>  </a:t>
-            </a:r>
-            <a:r>
-              <a:rPr sz="1800" b="1">
-                <a:solidFill>
-                  <a:srgbClr val="007020"/>
-                </a:solidFill>
-                <a:latin typeface="Courier"/>
-              </a:rPr>
-              <a:t>mutate</a:t>
-            </a:r>
-            <a:r>
-              <a:rPr sz="1800">
-                <a:latin typeface="Courier"/>
-              </a:rPr>
-              <a:t>(</a:t>
-            </a:r>
-            <a:r>
-              <a:rPr sz="1800">
-                <a:solidFill>
-                  <a:srgbClr val="902000"/>
-                </a:solidFill>
-                <a:latin typeface="Courier"/>
-              </a:rPr>
-              <a:t>discharge_day =</a:t>
-            </a:r>
-            <a:r>
-              <a:rPr sz="1800">
-                <a:latin typeface="Courier"/>
-              </a:rPr>
-              <a:t> </a:t>
-            </a:r>
-            <a:r>
-              <a:rPr sz="1800" b="1">
-                <a:solidFill>
-                  <a:srgbClr val="007020"/>
-                </a:solidFill>
-                <a:latin typeface="Courier"/>
-              </a:rPr>
-              <a:t>day</a:t>
-            </a:r>
-            <a:r>
-              <a:rPr sz="1800">
-                <a:latin typeface="Courier"/>
-              </a:rPr>
-              <a:t>(</a:t>
-            </a:r>
-            <a:r>
-              <a:rPr sz="1800" b="1">
-                <a:solidFill>
-                  <a:srgbClr val="007020"/>
-                </a:solidFill>
-                <a:latin typeface="Courier"/>
-              </a:rPr>
-              <a:t>ymd_hms</a:t>
-            </a:r>
-            <a:r>
-              <a:rPr sz="1800">
-                <a:latin typeface="Courier"/>
-              </a:rPr>
-              <a:t>(cchic</a:t>
-            </a:r>
-            <a:r>
-              <a:rPr sz="1800">
-                <a:solidFill>
-                  <a:srgbClr val="666666"/>
-                </a:solidFill>
-                <a:latin typeface="Courier"/>
-              </a:rPr>
-              <a:t>$</a:t>
-            </a:r>
-            <a:r>
-              <a:rPr sz="1800">
-                <a:latin typeface="Courier"/>
-              </a:rPr>
-              <a:t>discharge_dttm)))</a:t>
-            </a:r>
-            <a:br/>
-            <a:br/>
-            <a:r>
-              <a:rPr sz="1800" b="1">
-                <a:solidFill>
-                  <a:srgbClr val="007020"/>
-                </a:solidFill>
-                <a:latin typeface="Courier"/>
-              </a:rPr>
-              <a:t>str</a:t>
-            </a:r>
-            <a:r>
-              <a:rPr sz="1800">
-                <a:latin typeface="Courier"/>
-              </a:rPr>
-              <a:t>(cchic</a:t>
-            </a:r>
-            <a:r>
-              <a:rPr sz="1800">
-                <a:solidFill>
-                  <a:srgbClr val="666666"/>
-                </a:solidFill>
-                <a:latin typeface="Courier"/>
-              </a:rPr>
-              <a:t>$</a:t>
-            </a:r>
-            <a:r>
-              <a:rPr sz="1800">
-                <a:latin typeface="Courier"/>
-              </a:rPr>
-              <a:t>discharge_day)</a:t>
+              <a:t>"days"</a:t>
+            </a:r>
+            <a:r>
+              <a:rPr sz="1800">
+                <a:latin typeface="Courier"/>
+              </a:rPr>
+              <a:t>))</a:t>
             </a:r>
           </a:p>
         </p:txBody>
@@ -8948,255 +9538,6 @@
             </a:pPr>
             <a:r>
               <a:rPr/>
-              <a:t>Date</a:t>
-            </a:r>
-            <a:r>
-              <a:rPr/>
-              <a:t> </a:t>
-            </a:r>
-            <a:r>
-              <a:rPr/>
-              <a:t>intervals</a:t>
-            </a:r>
-          </a:p>
-        </p:txBody>
-      </p:sp>
-      <p:sp>
-        <p:nvSpPr>
-          <p:cNvPr id="3" name="Content Placeholder 2">
-            <a:extLst>
-              <a:ext uri="{FF2B5EF4-FFF2-40B4-BE49-F238E27FC236}">
-                <a16:creationId xmlns:a16="http://schemas.microsoft.com/office/drawing/2014/main" id="{D10DDA37-E46B-B641-BC9F-636CB92A2C08}"/>
-              </a:ext>
-            </a:extLst>
-          </p:cNvPr>
-          <p:cNvSpPr>
-            <a:spLocks noGrp="1"/>
-          </p:cNvSpPr>
-          <p:nvPr>
-            <p:ph idx="1"/>
-          </p:nvPr>
-        </p:nvSpPr>
-        <p:spPr/>
-        <p:txBody>
-          <a:bodyPr/>
-          <a:lstStyle/>
-          <a:p>
-            <a:pPr lvl="0" marL="0" indent="0">
-              <a:buNone/>
-            </a:pPr>
-            <a:r>
-              <a:rPr/>
-              <a:t>We often want to calculate the difference between two dates or times. Let’s calculate the length of stay of patients admitted to the ICU.</a:t>
-            </a:r>
-          </a:p>
-          <a:p>
-            <a:pPr lvl="0" marL="1270000" indent="0">
-              <a:buNone/>
-            </a:pPr>
-            <a:r>
-              <a:rPr sz="1800">
-                <a:latin typeface="Courier"/>
-              </a:rPr>
-              <a:t>cchic &lt;-</a:t>
-            </a:r>
-            <a:r>
-              <a:rPr sz="1800">
-                <a:solidFill>
-                  <a:srgbClr val="4070A0"/>
-                </a:solidFill>
-                <a:latin typeface="Courier"/>
-              </a:rPr>
-              <a:t> </a:t>
-            </a:r>
-            <a:r>
-              <a:rPr sz="1800">
-                <a:latin typeface="Courier"/>
-              </a:rPr>
-              <a:t>cchic </a:t>
-            </a:r>
-            <a:r>
-              <a:rPr sz="1800">
-                <a:solidFill>
-                  <a:srgbClr val="666666"/>
-                </a:solidFill>
-                <a:latin typeface="Courier"/>
-              </a:rPr>
-              <a:t>%&gt;%</a:t>
-            </a:r>
-            <a:br/>
-            <a:r>
-              <a:rPr sz="1800">
-                <a:solidFill>
-                  <a:srgbClr val="4070A0"/>
-                </a:solidFill>
-                <a:latin typeface="Courier"/>
-              </a:rPr>
-              <a:t>  </a:t>
-            </a:r>
-            <a:r>
-              <a:rPr sz="1800" b="1">
-                <a:solidFill>
-                  <a:srgbClr val="007020"/>
-                </a:solidFill>
-                <a:latin typeface="Courier"/>
-              </a:rPr>
-              <a:t>mutate</a:t>
-            </a:r>
-            <a:r>
-              <a:rPr sz="1800">
-                <a:latin typeface="Courier"/>
-              </a:rPr>
-              <a:t>(</a:t>
-            </a:r>
-            <a:r>
-              <a:rPr sz="1800">
-                <a:solidFill>
-                  <a:srgbClr val="902000"/>
-                </a:solidFill>
-                <a:latin typeface="Courier"/>
-              </a:rPr>
-              <a:t>los =</a:t>
-            </a:r>
-            <a:r>
-              <a:rPr sz="1800">
-                <a:latin typeface="Courier"/>
-              </a:rPr>
-              <a:t> </a:t>
-            </a:r>
-            <a:r>
-              <a:rPr sz="1800" b="1">
-                <a:solidFill>
-                  <a:srgbClr val="007020"/>
-                </a:solidFill>
-                <a:latin typeface="Courier"/>
-              </a:rPr>
-              <a:t>difftime</a:t>
-            </a:r>
-            <a:r>
-              <a:rPr sz="1800">
-                <a:latin typeface="Courier"/>
-              </a:rPr>
-              <a:t>(</a:t>
-            </a:r>
-            <a:r>
-              <a:rPr sz="1800" b="1">
-                <a:solidFill>
-                  <a:srgbClr val="007020"/>
-                </a:solidFill>
-                <a:latin typeface="Courier"/>
-              </a:rPr>
-              <a:t>ymd_hms</a:t>
-            </a:r>
-            <a:r>
-              <a:rPr sz="1800">
-                <a:latin typeface="Courier"/>
-              </a:rPr>
-              <a:t>(discharge_dttm),</a:t>
-            </a:r>
-            <a:br/>
-            <a:r>
-              <a:rPr sz="1800">
-                <a:latin typeface="Courier"/>
-              </a:rPr>
-              <a:t>                        </a:t>
-            </a:r>
-            <a:r>
-              <a:rPr sz="1800" b="1">
-                <a:solidFill>
-                  <a:srgbClr val="007020"/>
-                </a:solidFill>
-                <a:latin typeface="Courier"/>
-              </a:rPr>
-              <a:t>ymd_hms</a:t>
-            </a:r>
-            <a:r>
-              <a:rPr sz="1800">
-                <a:latin typeface="Courier"/>
-              </a:rPr>
-              <a:t>(arrival_dttm), </a:t>
-            </a:r>
-            <a:r>
-              <a:rPr sz="1800">
-                <a:solidFill>
-                  <a:srgbClr val="902000"/>
-                </a:solidFill>
-                <a:latin typeface="Courier"/>
-              </a:rPr>
-              <a:t>units =</a:t>
-            </a:r>
-            <a:r>
-              <a:rPr sz="1800">
-                <a:latin typeface="Courier"/>
-              </a:rPr>
-              <a:t> </a:t>
-            </a:r>
-            <a:r>
-              <a:rPr sz="1800">
-                <a:solidFill>
-                  <a:srgbClr val="4070A0"/>
-                </a:solidFill>
-                <a:latin typeface="Courier"/>
-              </a:rPr>
-              <a:t>"days"</a:t>
-            </a:r>
-            <a:r>
-              <a:rPr sz="1800">
-                <a:latin typeface="Courier"/>
-              </a:rPr>
-              <a:t>))</a:t>
-            </a:r>
-          </a:p>
-        </p:txBody>
-      </p:sp>
-    </p:spTree>
-  </p:cSld>
-</p:sld>
-</file>
-
-<file path=ppt/slides/slide28.xml><?xml version="1.0" encoding="utf-8"?>
-<p:sld xmlns:a="http://schemas.openxmlformats.org/drawingml/2006/main" xmlns:r="http://schemas.openxmlformats.org/officeDocument/2006/relationships" xmlns:p="http://schemas.openxmlformats.org/presentationml/2006/main">
-  <p:cSld>
-    <p:spTree>
-      <p:nvGrpSpPr>
-        <p:cNvPr id="1" name=""/>
-        <p:cNvGrpSpPr/>
-        <p:nvPr/>
-      </p:nvGrpSpPr>
-      <p:grpSpPr>
-        <a:xfrm>
-          <a:off x="0" y="0"/>
-          <a:ext cx="0" cy="0"/>
-          <a:chOff x="0" y="0"/>
-          <a:chExt cx="0" cy="0"/>
-        </a:xfrm>
-      </p:grpSpPr>
-      <p:sp>
-        <p:nvSpPr>
-          <p:cNvPr id="2" name="Title 1">
-            <a:extLst>
-              <a:ext uri="{FF2B5EF4-FFF2-40B4-BE49-F238E27FC236}">
-                <a16:creationId xmlns:a16="http://schemas.microsoft.com/office/drawing/2014/main" id="{5567D468-EE70-CD4E-A3AC-039CC11EF1FB}"/>
-              </a:ext>
-            </a:extLst>
-          </p:cNvPr>
-          <p:cNvSpPr>
-            <a:spLocks noGrp="1"/>
-          </p:cNvSpPr>
-          <p:nvPr>
-            <p:ph type="title"/>
-          </p:nvPr>
-        </p:nvSpPr>
-        <p:spPr/>
-        <p:txBody>
-          <a:bodyPr/>
-          <a:lstStyle/>
-          <a:p>
-            <a:pPr lvl="0" marL="0" indent="0">
-              <a:buNone/>
-            </a:pPr>
-            <a:r>
-              <a:rPr/>
               <a:t>6.</a:t>
             </a:r>
             <a:r>
@@ -9221,7 +9562,31 @@
             </a:r>
             <a:r>
               <a:rPr/>
-              <a:t>rows.</a:t>
+              <a:t>rows</a:t>
+            </a:r>
+            <a:r>
+              <a:rPr/>
+              <a:t> </a:t>
+            </a:r>
+            <a:r>
+              <a:rPr/>
+              <a:t>and</a:t>
+            </a:r>
+            <a:r>
+              <a:rPr/>
+              <a:t> </a:t>
+            </a:r>
+            <a:r>
+              <a:rPr/>
+              <a:t>back</a:t>
+            </a:r>
+            <a:r>
+              <a:rPr/>
+              <a:t> </a:t>
+            </a:r>
+            <a:r>
+              <a:rPr/>
+              <a:t>again</a:t>
             </a:r>
           </a:p>
         </p:txBody>
@@ -9363,6 +9728,118 @@
 </p:sld>
 </file>
 
+<file path=ppt/slides/slide28.xml><?xml version="1.0" encoding="utf-8"?>
+<p:sld xmlns:a="http://schemas.openxmlformats.org/drawingml/2006/main" xmlns:r="http://schemas.openxmlformats.org/officeDocument/2006/relationships" xmlns:p="http://schemas.openxmlformats.org/presentationml/2006/main">
+  <p:cSld>
+    <p:spTree>
+      <p:nvGrpSpPr>
+        <p:cNvPr id="1" name=""/>
+        <p:cNvGrpSpPr/>
+        <p:nvPr/>
+      </p:nvGrpSpPr>
+      <p:grpSpPr>
+        <a:xfrm>
+          <a:off x="0" y="0"/>
+          <a:ext cx="0" cy="0"/>
+          <a:chOff x="0" y="0"/>
+          <a:chExt cx="0" cy="0"/>
+        </a:xfrm>
+      </p:grpSpPr>
+      <p:sp>
+        <p:nvSpPr>
+          <p:cNvPr id="2" name="Title 1">
+            <a:extLst>
+              <a:ext uri="{FF2B5EF4-FFF2-40B4-BE49-F238E27FC236}">
+                <a16:creationId xmlns:a16="http://schemas.microsoft.com/office/drawing/2014/main" id="{5567D468-EE70-CD4E-A3AC-039CC11EF1FB}"/>
+              </a:ext>
+            </a:extLst>
+          </p:cNvPr>
+          <p:cNvSpPr>
+            <a:spLocks noGrp="1"/>
+          </p:cNvSpPr>
+          <p:nvPr>
+            <p:ph type="title"/>
+          </p:nvPr>
+        </p:nvSpPr>
+        <p:spPr/>
+        <p:txBody>
+          <a:bodyPr/>
+          <a:lstStyle/>
+          <a:p>
+            <a:pPr lvl="0" marL="0" indent="0">
+              <a:buNone/>
+            </a:pPr>
+            <a:r>
+              <a:rPr/>
+              <a:t>Why</a:t>
+            </a:r>
+            <a:r>
+              <a:rPr/>
+              <a:t> </a:t>
+            </a:r>
+            <a:r>
+              <a:rPr/>
+              <a:t>do</a:t>
+            </a:r>
+            <a:r>
+              <a:rPr/>
+              <a:t> </a:t>
+            </a:r>
+            <a:r>
+              <a:rPr/>
+              <a:t>this?</a:t>
+            </a:r>
+          </a:p>
+        </p:txBody>
+      </p:sp>
+      <p:sp>
+        <p:nvSpPr>
+          <p:cNvPr id="3" name="Content Placeholder 2">
+            <a:extLst>
+              <a:ext uri="{FF2B5EF4-FFF2-40B4-BE49-F238E27FC236}">
+                <a16:creationId xmlns:a16="http://schemas.microsoft.com/office/drawing/2014/main" id="{D10DDA37-E46B-B641-BC9F-636CB92A2C08}"/>
+              </a:ext>
+            </a:extLst>
+          </p:cNvPr>
+          <p:cNvSpPr>
+            <a:spLocks noGrp="1"/>
+          </p:cNvSpPr>
+          <p:nvPr>
+            <p:ph idx="1"/>
+          </p:nvPr>
+        </p:nvSpPr>
+        <p:spPr/>
+        <p:txBody>
+          <a:bodyPr/>
+          <a:lstStyle/>
+          <a:p>
+            <a:pPr lvl="1"/>
+            <a:r>
+              <a:rPr/>
+              <a:t>You may want to calculate the mean and standard deviation of all temperatures, and don’t care about the source.</a:t>
+            </a:r>
+          </a:p>
+          <a:p>
+            <a:pPr lvl="1"/>
+            <a:r>
+              <a:rPr/>
+              <a:t>You may want to plot all temperatures on a graph.</a:t>
+            </a:r>
+          </a:p>
+          <a:p>
+            <a:pPr lvl="1"/>
+            <a:r>
+              <a:rPr/>
+              <a:t>Instead of temperature area, you may have temperature on day 1, 2 etc.</a:t>
+            </a:r>
+          </a:p>
+        </p:txBody>
+      </p:sp>
+    </p:spTree>
+  </p:cSld>
+</p:sld>
+</file>
+
 <file path=ppt/slides/slide29.xml><?xml version="1.0" encoding="utf-8"?>
 <p:sld xmlns:a="http://schemas.openxmlformats.org/drawingml/2006/main" xmlns:r="http://schemas.openxmlformats.org/officeDocument/2006/relationships" xmlns:p="http://schemas.openxmlformats.org/presentationml/2006/main">
   <p:cSld>
@@ -9406,23 +9883,23 @@
             </a:pPr>
             <a:r>
               <a:rPr/>
-              <a:t>Why</a:t>
-            </a:r>
-            <a:r>
-              <a:rPr/>
-              <a:t> </a:t>
-            </a:r>
-            <a:r>
-              <a:rPr/>
-              <a:t>do</a:t>
-            </a:r>
-            <a:r>
-              <a:rPr/>
-              <a:t> </a:t>
-            </a:r>
-            <a:r>
-              <a:rPr/>
-              <a:t>this?</a:t>
+              <a:t>Converting</a:t>
+            </a:r>
+            <a:r>
+              <a:rPr/>
+              <a:t> </a:t>
+            </a:r>
+            <a:r>
+              <a:rPr/>
+              <a:t>the</a:t>
+            </a:r>
+            <a:r>
+              <a:rPr/>
+              <a:t> </a:t>
+            </a:r>
+            <a:r>
+              <a:rPr/>
+              <a:t>data</a:t>
             </a:r>
           </a:p>
         </p:txBody>
@@ -9448,24 +9925,208 @@
           <a:bodyPr/>
           <a:lstStyle/>
           <a:p>
-            <a:pPr lvl="1"/>
-            <a:r>
-              <a:rPr/>
-              <a:t>You may want to calculate the mean and standard deviation of all temperatures, and don’t care about the source.</a:t>
-            </a:r>
-          </a:p>
-          <a:p>
-            <a:pPr lvl="1"/>
-            <a:r>
-              <a:rPr/>
-              <a:t>You may want to plot all temperatures on a graph.</a:t>
-            </a:r>
-          </a:p>
-          <a:p>
-            <a:pPr lvl="1"/>
-            <a:r>
-              <a:rPr/>
-              <a:t>Instead of temperature area, you may have temperature on day 1, 2 etc.</a:t>
+            <a:pPr lvl="0" marL="1270000" indent="0">
+              <a:buNone/>
+            </a:pPr>
+            <a:r>
+              <a:rPr sz="1800" b="1">
+                <a:solidFill>
+                  <a:srgbClr val="007020"/>
+                </a:solidFill>
+                <a:latin typeface="Courier"/>
+              </a:rPr>
+              <a:t>library</a:t>
+            </a:r>
+            <a:r>
+              <a:rPr sz="1800">
+                <a:latin typeface="Courier"/>
+              </a:rPr>
+              <a:t>(tidyr)</a:t>
+            </a:r>
+            <a:br/>
+            <a:r>
+              <a:rPr sz="1800">
+                <a:latin typeface="Courier"/>
+              </a:rPr>
+              <a:t>cchic</a:t>
+            </a:r>
+            <a:br/>
+            <a:br/>
+            <a:r>
+              <a:rPr sz="1800">
+                <a:latin typeface="Courier"/>
+              </a:rPr>
+              <a:t>cchic_long &lt;-</a:t>
+            </a:r>
+            <a:r>
+              <a:rPr sz="1800">
+                <a:solidFill>
+                  <a:srgbClr val="4070A0"/>
+                </a:solidFill>
+                <a:latin typeface="Courier"/>
+              </a:rPr>
+              <a:t> </a:t>
+            </a:r>
+            <a:r>
+              <a:rPr sz="1800">
+                <a:latin typeface="Courier"/>
+              </a:rPr>
+              <a:t>cchic </a:t>
+            </a:r>
+            <a:r>
+              <a:rPr sz="1800">
+                <a:solidFill>
+                  <a:srgbClr val="666666"/>
+                </a:solidFill>
+                <a:latin typeface="Courier"/>
+              </a:rPr>
+              <a:t>%&gt;%</a:t>
+            </a:r>
+            <a:br/>
+            <a:r>
+              <a:rPr sz="1800">
+                <a:solidFill>
+                  <a:srgbClr val="4070A0"/>
+                </a:solidFill>
+                <a:latin typeface="Courier"/>
+              </a:rPr>
+              <a:t>  </a:t>
+            </a:r>
+            <a:r>
+              <a:rPr sz="1800">
+                <a:latin typeface="Courier"/>
+              </a:rPr>
+              <a:t>tidyr</a:t>
+            </a:r>
+            <a:r>
+              <a:rPr sz="1800">
+                <a:solidFill>
+                  <a:srgbClr val="666666"/>
+                </a:solidFill>
+                <a:latin typeface="Courier"/>
+              </a:rPr>
+              <a:t>::</a:t>
+            </a:r>
+            <a:r>
+              <a:rPr sz="1800" b="1">
+                <a:solidFill>
+                  <a:srgbClr val="007020"/>
+                </a:solidFill>
+                <a:latin typeface="Courier"/>
+              </a:rPr>
+              <a:t>gather</a:t>
+            </a:r>
+            <a:r>
+              <a:rPr sz="1800">
+                <a:latin typeface="Courier"/>
+              </a:rPr>
+              <a:t>(</a:t>
+            </a:r>
+            <a:r>
+              <a:rPr sz="1800">
+                <a:solidFill>
+                  <a:srgbClr val="902000"/>
+                </a:solidFill>
+                <a:latin typeface="Courier"/>
+              </a:rPr>
+              <a:t>key =</a:t>
+            </a:r>
+            <a:r>
+              <a:rPr sz="1800">
+                <a:latin typeface="Courier"/>
+              </a:rPr>
+              <a:t> </a:t>
+            </a:r>
+            <a:r>
+              <a:rPr sz="1800">
+                <a:solidFill>
+                  <a:srgbClr val="4070A0"/>
+                </a:solidFill>
+                <a:latin typeface="Courier"/>
+              </a:rPr>
+              <a:t>"temp_point"</a:t>
+            </a:r>
+            <a:r>
+              <a:rPr sz="1800">
+                <a:latin typeface="Courier"/>
+              </a:rPr>
+              <a:t>, </a:t>
+            </a:r>
+            <a:br/>
+            <a:r>
+              <a:rPr sz="1800">
+                <a:latin typeface="Courier"/>
+              </a:rPr>
+              <a:t>                </a:t>
+            </a:r>
+            <a:r>
+              <a:rPr sz="1800">
+                <a:solidFill>
+                  <a:srgbClr val="902000"/>
+                </a:solidFill>
+                <a:latin typeface="Courier"/>
+              </a:rPr>
+              <a:t>value =</a:t>
+            </a:r>
+            <a:r>
+              <a:rPr sz="1800">
+                <a:latin typeface="Courier"/>
+              </a:rPr>
+              <a:t> </a:t>
+            </a:r>
+            <a:r>
+              <a:rPr sz="1800">
+                <a:solidFill>
+                  <a:srgbClr val="4070A0"/>
+                </a:solidFill>
+                <a:latin typeface="Courier"/>
+              </a:rPr>
+              <a:t>"temperature"</a:t>
+            </a:r>
+            <a:r>
+              <a:rPr sz="1800">
+                <a:latin typeface="Courier"/>
+              </a:rPr>
+              <a:t>, </a:t>
+            </a:r>
+            <a:br/>
+            <a:r>
+              <a:rPr sz="1800">
+                <a:latin typeface="Courier"/>
+              </a:rPr>
+              <a:t>                temp_c</a:t>
+            </a:r>
+            <a:r>
+              <a:rPr sz="1800">
+                <a:solidFill>
+                  <a:srgbClr val="666666"/>
+                </a:solidFill>
+                <a:latin typeface="Courier"/>
+              </a:rPr>
+              <a:t>:</a:t>
+            </a:r>
+            <a:r>
+              <a:rPr sz="1800">
+                <a:latin typeface="Courier"/>
+              </a:rPr>
+              <a:t>temp_nc)</a:t>
+            </a:r>
+            <a:br/>
+            <a:br/>
+            <a:r>
+              <a:rPr sz="1800" b="1">
+                <a:solidFill>
+                  <a:srgbClr val="007020"/>
+                </a:solidFill>
+                <a:latin typeface="Courier"/>
+              </a:rPr>
+              <a:t>names</a:t>
+            </a:r>
+            <a:r>
+              <a:rPr sz="1800">
+                <a:latin typeface="Courier"/>
+              </a:rPr>
+              <a:t>(cchic_long)</a:t>
             </a:r>
           </a:p>
         </p:txBody>
@@ -9564,14 +10225,14 @@
             <a:pPr lvl="1"/>
             <a:r>
               <a:rPr/>
-              <a:t>Standard methods for selecting data</a:t>
+              <a:t>Standard methods for selecting data.</a:t>
             </a:r>
           </a:p>
           <a:p>
             <a:pPr lvl="1"/>
             <a:r>
               <a:rPr/>
-              <a:t>Recipies to perform common operations</a:t>
+              <a:t>Recipes to perform common operations, such as:</a:t>
             </a:r>
           </a:p>
           <a:p>
@@ -9645,7 +10306,47 @@
             </a:pPr>
             <a:r>
               <a:rPr/>
-              <a:t>Converting</a:t>
+              <a:t>This</a:t>
+            </a:r>
+            <a:r>
+              <a:rPr/>
+              <a:t> </a:t>
+            </a:r>
+            <a:r>
+              <a:rPr/>
+              <a:t>is</a:t>
+            </a:r>
+            <a:r>
+              <a:rPr/>
+              <a:t> </a:t>
+            </a:r>
+            <a:r>
+              <a:rPr/>
+              <a:t>why</a:t>
+            </a:r>
+            <a:r>
+              <a:rPr/>
+              <a:t> </a:t>
+            </a:r>
+            <a:r>
+              <a:rPr/>
+              <a:t>we</a:t>
+            </a:r>
+            <a:r>
+              <a:rPr/>
+              <a:t> </a:t>
+            </a:r>
+            <a:r>
+              <a:rPr/>
+              <a:t>‘</a:t>
+            </a:r>
+            <a:r>
+              <a:rPr/>
+              <a:t>gathered</a:t>
+            </a:r>
+            <a:r>
+              <a:rPr/>
+              <a:t>’</a:t>
             </a:r>
             <a:r>
               <a:rPr/>
@@ -9703,23 +10404,134 @@
               <a:rPr sz="1800">
                 <a:latin typeface="Courier"/>
               </a:rPr>
-              <a:t>(tidyr)</a:t>
+              <a:t>(ggplot2)</a:t>
             </a:r>
             <a:br/>
             <a:r>
               <a:rPr sz="1800">
                 <a:latin typeface="Courier"/>
               </a:rPr>
-              <a:t>cchic</a:t>
+              <a:t>cchic_long </a:t>
+            </a:r>
+            <a:r>
+              <a:rPr sz="1800">
+                <a:solidFill>
+                  <a:srgbClr val="666666"/>
+                </a:solidFill>
+                <a:latin typeface="Courier"/>
+              </a:rPr>
+              <a:t>%&gt;%</a:t>
             </a:r>
             <a:br/>
+            <a:r>
+              <a:rPr sz="1800">
+                <a:solidFill>
+                  <a:srgbClr val="4070A0"/>
+                </a:solidFill>
+                <a:latin typeface="Courier"/>
+              </a:rPr>
+              <a:t>  </a:t>
+            </a:r>
+            <a:r>
+              <a:rPr sz="1800" b="1">
+                <a:solidFill>
+                  <a:srgbClr val="007020"/>
+                </a:solidFill>
+                <a:latin typeface="Courier"/>
+              </a:rPr>
+              <a:t>ggplot</a:t>
+            </a:r>
+            <a:r>
+              <a:rPr sz="1800">
+                <a:latin typeface="Courier"/>
+              </a:rPr>
+              <a:t>(</a:t>
+            </a:r>
+            <a:r>
+              <a:rPr sz="1800" b="1">
+                <a:solidFill>
+                  <a:srgbClr val="007020"/>
+                </a:solidFill>
+                <a:latin typeface="Courier"/>
+              </a:rPr>
+              <a:t>aes</a:t>
+            </a:r>
+            <a:r>
+              <a:rPr sz="1800">
+                <a:latin typeface="Courier"/>
+              </a:rPr>
+              <a:t>(</a:t>
+            </a:r>
             <a:br/>
             <a:r>
               <a:rPr sz="1800">
                 <a:latin typeface="Courier"/>
               </a:rPr>
-              <a:t>cchic_long &lt;-</a:t>
-            </a:r>
+              <a:t>    </a:t>
+            </a:r>
+            <a:r>
+              <a:rPr sz="1800">
+                <a:solidFill>
+                  <a:srgbClr val="902000"/>
+                </a:solidFill>
+                <a:latin typeface="Courier"/>
+              </a:rPr>
+              <a:t>x =</a:t>
+            </a:r>
+            <a:r>
+              <a:rPr sz="1800">
+                <a:latin typeface="Courier"/>
+              </a:rPr>
+              <a:t> temp_point, </a:t>
+            </a:r>
+            <a:r>
+              <a:rPr sz="1800">
+                <a:solidFill>
+                  <a:srgbClr val="902000"/>
+                </a:solidFill>
+                <a:latin typeface="Courier"/>
+              </a:rPr>
+              <a:t>y =</a:t>
+            </a:r>
+            <a:br/>
+            <a:r>
+              <a:rPr sz="1800">
+                <a:latin typeface="Courier"/>
+              </a:rPr>
+              <a:t>      </a:t>
+            </a:r>
+            <a:r>
+              <a:rPr sz="1800" b="1">
+                <a:solidFill>
+                  <a:srgbClr val="007020"/>
+                </a:solidFill>
+                <a:latin typeface="Courier"/>
+              </a:rPr>
+              <a:t>as.numeric</a:t>
+            </a:r>
+            <a:r>
+              <a:rPr sz="1800">
+                <a:latin typeface="Courier"/>
+              </a:rPr>
+              <a:t>(temperature)</a:t>
+            </a:r>
+            <a:br/>
+            <a:r>
+              <a:rPr sz="1800">
+                <a:latin typeface="Courier"/>
+              </a:rPr>
+              <a:t>  )) </a:t>
+            </a:r>
+            <a:r>
+              <a:rPr sz="1800">
+                <a:solidFill>
+                  <a:srgbClr val="666666"/>
+                </a:solidFill>
+                <a:latin typeface="Courier"/>
+              </a:rPr>
+              <a:t>+</a:t>
+            </a:r>
+            <a:br/>
             <a:r>
               <a:rPr sz="1800">
                 <a:solidFill>
@@ -9727,31 +10539,6 @@
                 </a:solidFill>
                 <a:latin typeface="Courier"/>
               </a:rPr>
-              <a:t> </a:t>
-            </a:r>
-            <a:r>
-              <a:rPr sz="1800">
-                <a:latin typeface="Courier"/>
-              </a:rPr>
-              <a:t>cchic </a:t>
-            </a:r>
-            <a:r>
-              <a:rPr sz="1800">
-                <a:solidFill>
-                  <a:srgbClr val="666666"/>
-                </a:solidFill>
-                <a:latin typeface="Courier"/>
-              </a:rPr>
-              <a:t>%&gt;%</a:t>
-            </a:r>
-            <a:br/>
-            <a:r>
-              <a:rPr sz="1800">
-                <a:solidFill>
-                  <a:srgbClr val="4070A0"/>
-                </a:solidFill>
-                <a:latin typeface="Courier"/>
-              </a:rPr>
               <a:t>  </a:t>
             </a:r>
             <a:r>
@@ -9761,96 +10548,13 @@
                 </a:solidFill>
                 <a:latin typeface="Courier"/>
               </a:rPr>
-              <a:t>gather</a:t>
-            </a:r>
-            <a:r>
-              <a:rPr sz="1800">
-                <a:latin typeface="Courier"/>
-              </a:rPr>
-              <a:t>(</a:t>
-            </a:r>
-            <a:br/>
-            <a:r>
-              <a:rPr sz="1800">
-                <a:latin typeface="Courier"/>
-              </a:rPr>
-              <a:t>    </a:t>
-            </a:r>
-            <a:r>
-              <a:rPr sz="1800">
-                <a:solidFill>
-                  <a:srgbClr val="4070A0"/>
-                </a:solidFill>
-                <a:latin typeface="Courier"/>
-              </a:rPr>
-              <a:t>"temp_point"</a:t>
-            </a:r>
-            <a:r>
-              <a:rPr sz="1800">
-                <a:latin typeface="Courier"/>
-              </a:rPr>
-              <a:t>, </a:t>
-            </a:r>
-            <a:r>
-              <a:rPr sz="1800">
-                <a:solidFill>
-                  <a:srgbClr val="4070A0"/>
-                </a:solidFill>
-                <a:latin typeface="Courier"/>
-              </a:rPr>
-              <a:t>"temperature"</a:t>
-            </a:r>
-            <a:r>
-              <a:rPr sz="1800">
-                <a:latin typeface="Courier"/>
-              </a:rPr>
-              <a:t>,</a:t>
-            </a:r>
-            <a:br/>
-            <a:r>
-              <a:rPr sz="1800">
-                <a:latin typeface="Courier"/>
-              </a:rPr>
-              <a:t>    temp_c</a:t>
-            </a:r>
-            <a:r>
-              <a:rPr sz="1800">
-                <a:solidFill>
-                  <a:srgbClr val="666666"/>
-                </a:solidFill>
-                <a:latin typeface="Courier"/>
-              </a:rPr>
-              <a:t>:</a:t>
-            </a:r>
-            <a:r>
-              <a:rPr sz="1800">
-                <a:latin typeface="Courier"/>
-              </a:rPr>
-              <a:t>temp_nc</a:t>
-            </a:r>
-            <a:br/>
-            <a:r>
-              <a:rPr sz="1800">
-                <a:latin typeface="Courier"/>
-              </a:rPr>
-              <a:t>  )</a:t>
-            </a:r>
-            <a:br/>
-            <a:br/>
-            <a:r>
-              <a:rPr sz="1800" b="1">
-                <a:solidFill>
-                  <a:srgbClr val="007020"/>
-                </a:solidFill>
-                <a:latin typeface="Courier"/>
-              </a:rPr>
-              <a:t>names</a:t>
-            </a:r>
-            <a:r>
-              <a:rPr sz="1800">
-                <a:latin typeface="Courier"/>
-              </a:rPr>
-              <a:t>(cchic_long)</a:t>
+              <a:t>geom_boxplot</a:t>
+            </a:r>
+            <a:r>
+              <a:rPr sz="1800">
+                <a:latin typeface="Courier"/>
+              </a:rPr>
+              <a:t>()</a:t>
             </a:r>
           </a:p>
         </p:txBody>
@@ -9903,23 +10607,15 @@
             </a:pPr>
             <a:r>
               <a:rPr/>
-              <a:t>This</a:t>
-            </a:r>
-            <a:r>
-              <a:rPr/>
-              <a:t> </a:t>
-            </a:r>
-            <a:r>
-              <a:rPr/>
-              <a:t>is</a:t>
-            </a:r>
-            <a:r>
-              <a:rPr/>
-              <a:t> </a:t>
-            </a:r>
-            <a:r>
-              <a:rPr/>
-              <a:t>why</a:t>
+              <a:t>What</a:t>
+            </a:r>
+            <a:r>
+              <a:rPr/>
+              <a:t> </a:t>
+            </a:r>
+            <a:r>
+              <a:rPr/>
+              <a:t>if</a:t>
             </a:r>
             <a:r>
               <a:rPr/>
@@ -9935,31 +10631,39 @@
             </a:r>
             <a:r>
               <a:rPr/>
-              <a:t>‘</a:t>
-            </a:r>
-            <a:r>
-              <a:rPr/>
-              <a:t>gathered</a:t>
-            </a:r>
-            <a:r>
-              <a:rPr/>
-              <a:t>’</a:t>
-            </a:r>
-            <a:r>
-              <a:rPr/>
-              <a:t> </a:t>
-            </a:r>
-            <a:r>
-              <a:rPr/>
-              <a:t>the</a:t>
-            </a:r>
-            <a:r>
-              <a:rPr/>
-              <a:t> </a:t>
-            </a:r>
-            <a:r>
-              <a:rPr/>
-              <a:t>data</a:t>
+              <a:t>want</a:t>
+            </a:r>
+            <a:r>
+              <a:rPr/>
+              <a:t> </a:t>
+            </a:r>
+            <a:r>
+              <a:rPr/>
+              <a:t>to</a:t>
+            </a:r>
+            <a:r>
+              <a:rPr/>
+              <a:t> </a:t>
+            </a:r>
+            <a:r>
+              <a:rPr/>
+              <a:t>convert</a:t>
+            </a:r>
+            <a:r>
+              <a:rPr/>
+              <a:t> </a:t>
+            </a:r>
+            <a:r>
+              <a:rPr/>
+              <a:t>it</a:t>
+            </a:r>
+            <a:r>
+              <a:rPr/>
+              <a:t> </a:t>
+            </a:r>
+            <a:r>
+              <a:rPr/>
+              <a:t>back?</a:t>
             </a:r>
           </a:p>
         </p:txBody>
@@ -9985,50 +10689,177 @@
           <a:bodyPr/>
           <a:lstStyle/>
           <a:p>
+            <a:pPr lvl="0" marL="0" indent="0">
+              <a:buNone/>
+            </a:pPr>
+            <a:r>
+              <a:rPr/>
+              <a:t>We can use the </a:t>
+            </a:r>
+            <a:r>
+              <a:rPr sz="1800">
+                <a:latin typeface="Courier"/>
+              </a:rPr>
+              <a:t>tidyr</a:t>
+            </a:r>
+            <a:r>
+              <a:rPr/>
+              <a:t> function, </a:t>
+            </a:r>
+            <a:r>
+              <a:rPr sz="1800">
+                <a:latin typeface="Courier"/>
+              </a:rPr>
+              <a:t>spread()</a:t>
+            </a:r>
+            <a:r>
+              <a:rPr/>
+              <a:t>.</a:t>
+            </a:r>
+          </a:p>
+          <a:p>
             <a:pPr lvl="0" marL="1270000" indent="0">
               <a:buNone/>
             </a:pPr>
             <a:r>
+              <a:rPr sz="1800">
+                <a:latin typeface="Courier"/>
+              </a:rPr>
+              <a:t>cchic_reverted &lt;-</a:t>
+            </a:r>
+            <a:r>
+              <a:rPr sz="1800">
+                <a:solidFill>
+                  <a:srgbClr val="4070A0"/>
+                </a:solidFill>
+                <a:latin typeface="Courier"/>
+              </a:rPr>
+              <a:t> </a:t>
+            </a:r>
+            <a:r>
+              <a:rPr sz="1800">
+                <a:latin typeface="Courier"/>
+              </a:rPr>
+              <a:t>cchic_long </a:t>
+            </a:r>
+            <a:r>
+              <a:rPr sz="1800">
+                <a:solidFill>
+                  <a:srgbClr val="666666"/>
+                </a:solidFill>
+                <a:latin typeface="Courier"/>
+              </a:rPr>
+              <a:t>%&gt;%</a:t>
+            </a:r>
+            <a:br/>
+            <a:r>
+              <a:rPr sz="1800">
+                <a:solidFill>
+                  <a:srgbClr val="4070A0"/>
+                </a:solidFill>
+                <a:latin typeface="Courier"/>
+              </a:rPr>
+              <a:t>  </a:t>
+            </a:r>
+            <a:r>
+              <a:rPr sz="1800">
+                <a:latin typeface="Courier"/>
+              </a:rPr>
+              <a:t>tidyr</a:t>
+            </a:r>
+            <a:r>
+              <a:rPr sz="1800">
+                <a:solidFill>
+                  <a:srgbClr val="666666"/>
+                </a:solidFill>
+                <a:latin typeface="Courier"/>
+              </a:rPr>
+              <a:t>::</a:t>
+            </a:r>
+            <a:r>
               <a:rPr sz="1800" b="1">
                 <a:solidFill>
                   <a:srgbClr val="007020"/>
                 </a:solidFill>
                 <a:latin typeface="Courier"/>
               </a:rPr>
-              <a:t>library</a:t>
-            </a:r>
-            <a:r>
-              <a:rPr sz="1800">
-                <a:latin typeface="Courier"/>
-              </a:rPr>
-              <a:t>(ggplot2)</a:t>
+              <a:t>spread</a:t>
+            </a:r>
+            <a:r>
+              <a:rPr sz="1800">
+                <a:latin typeface="Courier"/>
+              </a:rPr>
+              <a:t>(</a:t>
+            </a:r>
+            <a:r>
+              <a:rPr sz="1800">
+                <a:solidFill>
+                  <a:srgbClr val="902000"/>
+                </a:solidFill>
+                <a:latin typeface="Courier"/>
+              </a:rPr>
+              <a:t>key =</a:t>
+            </a:r>
+            <a:r>
+              <a:rPr sz="1800">
+                <a:latin typeface="Courier"/>
+              </a:rPr>
+              <a:t> </a:t>
+            </a:r>
+            <a:r>
+              <a:rPr sz="1800">
+                <a:solidFill>
+                  <a:srgbClr val="4070A0"/>
+                </a:solidFill>
+                <a:latin typeface="Courier"/>
+              </a:rPr>
+              <a:t>"temp_point"</a:t>
+            </a:r>
+            <a:r>
+              <a:rPr sz="1800">
+                <a:latin typeface="Courier"/>
+              </a:rPr>
+              <a:t>, </a:t>
             </a:r>
             <a:br/>
             <a:r>
               <a:rPr sz="1800">
                 <a:latin typeface="Courier"/>
               </a:rPr>
-              <a:t>cchic_long </a:t>
-            </a:r>
-            <a:r>
-              <a:rPr sz="1800">
-                <a:solidFill>
-                  <a:srgbClr val="666666"/>
-                </a:solidFill>
-                <a:latin typeface="Courier"/>
-              </a:rPr>
-              <a:t>%&gt;%</a:t>
+              <a:t>                </a:t>
+            </a:r>
+            <a:r>
+              <a:rPr sz="1800">
+                <a:solidFill>
+                  <a:srgbClr val="902000"/>
+                </a:solidFill>
+                <a:latin typeface="Courier"/>
+              </a:rPr>
+              <a:t>value =</a:t>
+            </a:r>
+            <a:r>
+              <a:rPr sz="1800">
+                <a:latin typeface="Courier"/>
+              </a:rPr>
+              <a:t> </a:t>
+            </a:r>
+            <a:r>
+              <a:rPr sz="1800">
+                <a:solidFill>
+                  <a:srgbClr val="4070A0"/>
+                </a:solidFill>
+                <a:latin typeface="Courier"/>
+              </a:rPr>
+              <a:t>"temperature"</a:t>
+            </a:r>
+            <a:r>
+              <a:rPr sz="1800">
+                <a:latin typeface="Courier"/>
+              </a:rPr>
+              <a:t>)</a:t>
             </a:r>
             <a:br/>
-            <a:r>
-              <a:rPr sz="1800">
-                <a:solidFill>
-                  <a:srgbClr val="4070A0"/>
-                </a:solidFill>
-                <a:latin typeface="Courier"/>
-              </a:rPr>
-              <a:t>  </a:t>
-            </a:r>
+            <a:br/>
             <a:r>
               <a:rPr sz="1800" b="1">
                 <a:solidFill>
@@ -10036,122 +10867,22 @@
                 </a:solidFill>
                 <a:latin typeface="Courier"/>
               </a:rPr>
-              <a:t>ggplot</a:t>
-            </a:r>
-            <a:r>
-              <a:rPr sz="1800">
-                <a:latin typeface="Courier"/>
-              </a:rPr>
-              <a:t>(</a:t>
-            </a:r>
-            <a:r>
-              <a:rPr sz="1800" b="1">
-                <a:solidFill>
-                  <a:srgbClr val="007020"/>
-                </a:solidFill>
-                <a:latin typeface="Courier"/>
-              </a:rPr>
-              <a:t>aes</a:t>
-            </a:r>
-            <a:r>
-              <a:rPr sz="1800">
-                <a:latin typeface="Courier"/>
-              </a:rPr>
-              <a:t>(</a:t>
-            </a:r>
-            <a:br/>
-            <a:r>
-              <a:rPr sz="1800">
-                <a:latin typeface="Courier"/>
-              </a:rPr>
-              <a:t>    </a:t>
-            </a:r>
-            <a:r>
-              <a:rPr sz="1800">
-                <a:solidFill>
-                  <a:srgbClr val="902000"/>
-                </a:solidFill>
-                <a:latin typeface="Courier"/>
-              </a:rPr>
-              <a:t>x =</a:t>
-            </a:r>
-            <a:r>
-              <a:rPr sz="1800">
-                <a:latin typeface="Courier"/>
-              </a:rPr>
-              <a:t> temp_point, </a:t>
-            </a:r>
-            <a:r>
-              <a:rPr sz="1800">
-                <a:solidFill>
-                  <a:srgbClr val="902000"/>
-                </a:solidFill>
-                <a:latin typeface="Courier"/>
-              </a:rPr>
-              <a:t>y =</a:t>
-            </a:r>
-            <a:br/>
-            <a:r>
-              <a:rPr sz="1800">
-                <a:latin typeface="Courier"/>
-              </a:rPr>
-              <a:t>      </a:t>
-            </a:r>
-            <a:r>
-              <a:rPr sz="1800" b="1">
-                <a:solidFill>
-                  <a:srgbClr val="007020"/>
-                </a:solidFill>
-                <a:latin typeface="Courier"/>
-              </a:rPr>
-              <a:t>as.numeric</a:t>
-            </a:r>
-            <a:r>
-              <a:rPr sz="1800">
-                <a:latin typeface="Courier"/>
-              </a:rPr>
-              <a:t>(temperature)</a:t>
-            </a:r>
-            <a:br/>
-            <a:r>
-              <a:rPr sz="1800">
-                <a:latin typeface="Courier"/>
-              </a:rPr>
-              <a:t>  )) </a:t>
-            </a:r>
-            <a:r>
-              <a:rPr sz="1800">
-                <a:solidFill>
-                  <a:srgbClr val="666666"/>
-                </a:solidFill>
-                <a:latin typeface="Courier"/>
-              </a:rPr>
-              <a:t>+</a:t>
-            </a:r>
-            <a:br/>
-            <a:r>
-              <a:rPr sz="1800">
-                <a:solidFill>
-                  <a:srgbClr val="4070A0"/>
-                </a:solidFill>
-                <a:latin typeface="Courier"/>
-              </a:rPr>
-              <a:t>  </a:t>
-            </a:r>
-            <a:r>
-              <a:rPr sz="1800" b="1">
-                <a:solidFill>
-                  <a:srgbClr val="007020"/>
-                </a:solidFill>
-                <a:latin typeface="Courier"/>
-              </a:rPr>
-              <a:t>geom_boxplot</a:t>
-            </a:r>
-            <a:r>
-              <a:rPr sz="1800">
-                <a:latin typeface="Courier"/>
-              </a:rPr>
-              <a:t>()</a:t>
+              <a:t>names</a:t>
+            </a:r>
+            <a:r>
+              <a:rPr sz="1800">
+                <a:latin typeface="Courier"/>
+              </a:rPr>
+              <a:t>(cchic_reverted)</a:t>
+            </a:r>
+          </a:p>
+          <a:p>
+            <a:pPr lvl="0" marL="0" indent="0">
+              <a:buNone/>
+            </a:pPr>
+            <a:r>
+              <a:rPr/>
+              <a:t>Notice that the variables “temp_c” and “temp_nc” are seperate again.</a:t>
             </a:r>
           </a:p>
         </p:txBody>
@@ -10294,6 +11025,21 @@
               <a:t>  </a:t>
             </a:r>
             <a:r>
+              <a:rPr sz="1800">
+                <a:latin typeface="Courier"/>
+              </a:rPr>
+              <a:t>dplyr</a:t>
+            </a:r>
+            <a:r>
+              <a:rPr sz="1800">
+                <a:solidFill>
+                  <a:srgbClr val="666666"/>
+                </a:solidFill>
+                <a:latin typeface="Courier"/>
+              </a:rPr>
+              <a:t>::</a:t>
+            </a:r>
+            <a:r>
               <a:rPr sz="1800" b="1">
                 <a:solidFill>
                   <a:srgbClr val="007020"/>
@@ -10440,7 +11186,7 @@
             <a:pPr lvl="2"/>
             <a:r>
               <a:rPr/>
-              <a:t>Hint- look at the </a:t>
+              <a:t>Hint - look at the </a:t>
             </a:r>
             <a:r>
               <a:rPr sz="1800">
@@ -10646,6 +11392,21 @@
               <a:t>  </a:t>
             </a:r>
             <a:r>
+              <a:rPr sz="1800">
+                <a:latin typeface="Courier"/>
+              </a:rPr>
+              <a:t>dplyr</a:t>
+            </a:r>
+            <a:r>
+              <a:rPr sz="1800">
+                <a:solidFill>
+                  <a:srgbClr val="666666"/>
+                </a:solidFill>
+                <a:latin typeface="Courier"/>
+              </a:rPr>
+              <a:t>::</a:t>
+            </a:r>
+            <a:r>
               <a:rPr sz="1800" b="1">
                 <a:solidFill>
                   <a:srgbClr val="007020"/>
@@ -10711,6 +11472,21 @@
                 <a:latin typeface="Courier"/>
               </a:rPr>
               <a:t>  </a:t>
+            </a:r>
+            <a:r>
+              <a:rPr sz="1800">
+                <a:latin typeface="Courier"/>
+              </a:rPr>
+              <a:t>dplyr</a:t>
+            </a:r>
+            <a:r>
+              <a:rPr sz="1800">
+                <a:solidFill>
+                  <a:srgbClr val="666666"/>
+                </a:solidFill>
+                <a:latin typeface="Courier"/>
+              </a:rPr>
+              <a:t>::</a:t>
             </a:r>
             <a:r>
               <a:rPr sz="1800" b="1">
@@ -10951,6 +11727,21 @@
               <a:t>  </a:t>
             </a:r>
             <a:r>
+              <a:rPr sz="1800">
+                <a:latin typeface="Courier"/>
+              </a:rPr>
+              <a:t>dplyr</a:t>
+            </a:r>
+            <a:r>
+              <a:rPr sz="1800">
+                <a:solidFill>
+                  <a:srgbClr val="666666"/>
+                </a:solidFill>
+                <a:latin typeface="Courier"/>
+              </a:rPr>
+              <a:t>::</a:t>
+            </a:r>
+            <a:r>
               <a:rPr sz="1800" b="1">
                 <a:solidFill>
                   <a:srgbClr val="007020"/>
@@ -11018,6 +11809,21 @@
               <a:t>  </a:t>
             </a:r>
             <a:r>
+              <a:rPr sz="1800">
+                <a:latin typeface="Courier"/>
+              </a:rPr>
+              <a:t>dplyr</a:t>
+            </a:r>
+            <a:r>
+              <a:rPr sz="1800">
+                <a:solidFill>
+                  <a:srgbClr val="666666"/>
+                </a:solidFill>
+                <a:latin typeface="Courier"/>
+              </a:rPr>
+              <a:t>::</a:t>
+            </a:r>
+            <a:r>
               <a:rPr sz="1800" b="1">
                 <a:solidFill>
                   <a:srgbClr val="007020"/>
@@ -11133,6 +11939,21 @@
               <a:t>  </a:t>
             </a:r>
             <a:r>
+              <a:rPr sz="1800">
+                <a:latin typeface="Courier"/>
+              </a:rPr>
+              <a:t>dplyr</a:t>
+            </a:r>
+            <a:r>
+              <a:rPr sz="1800">
+                <a:solidFill>
+                  <a:srgbClr val="666666"/>
+                </a:solidFill>
+                <a:latin typeface="Courier"/>
+              </a:rPr>
+              <a:t>::</a:t>
+            </a:r>
+            <a:r>
               <a:rPr sz="1800" b="1">
                 <a:solidFill>
                   <a:srgbClr val="007020"/>
@@ -11198,6 +12019,21 @@
                 <a:latin typeface="Courier"/>
               </a:rPr>
               <a:t>  </a:t>
+            </a:r>
+            <a:r>
+              <a:rPr sz="1800">
+                <a:latin typeface="Courier"/>
+              </a:rPr>
+              <a:t>dplyr</a:t>
+            </a:r>
+            <a:r>
+              <a:rPr sz="1800">
+                <a:solidFill>
+                  <a:srgbClr val="666666"/>
+                </a:solidFill>
+                <a:latin typeface="Courier"/>
+              </a:rPr>
+              <a:t>::</a:t>
             </a:r>
             <a:r>
               <a:rPr sz="1800" b="1">
@@ -11365,21 +12201,21 @@
             <a:pPr lvl="1"/>
             <a:r>
               <a:rPr/>
-              <a:t>Transforming raw data into a form you can use for analysis</a:t>
+              <a:t>The process of transforming raw data into a form you can use for analysis.</a:t>
             </a:r>
           </a:p>
           <a:p>
             <a:pPr lvl="1"/>
             <a:r>
               <a:rPr/>
-              <a:t>Includes</a:t>
+              <a:t>Steps include:</a:t>
             </a:r>
           </a:p>
           <a:p>
             <a:pPr lvl="2"/>
             <a:r>
               <a:rPr/>
-              <a:t>Cleaning data (Workshop 2)</a:t>
+              <a:t>Cleaning the data (Workshop 2) - as tempting as it might be to do this in Excel, for reproducibility, always try to do this in R.</a:t>
             </a:r>
           </a:p>
           <a:p>
@@ -11393,14 +12229,14 @@
             <a:pPr lvl="2"/>
             <a:r>
               <a:rPr/>
-              <a:t>Creating derived variables from raw data</a:t>
+              <a:t>Creating derived variables from raw data.</a:t>
             </a:r>
           </a:p>
           <a:p>
             <a:pPr lvl="2"/>
             <a:r>
               <a:rPr/>
-              <a:t>Validating the data</a:t>
+              <a:t>Validating the data.</a:t>
             </a:r>
           </a:p>
         </p:txBody>
@@ -11432,7 +12268,7 @@
           <p:cNvPr id="2" name="Title 1">
             <a:extLst>
               <a:ext uri="{FF2B5EF4-FFF2-40B4-BE49-F238E27FC236}">
-                <a16:creationId xmlns:a16="http://schemas.microsoft.com/office/drawing/2014/main" id="{5567D468-EE70-CD4E-A3AC-039CC11EF1FB}"/>
+                <a16:creationId xmlns:a16="http://schemas.microsoft.com/office/drawing/2014/main" id="{0CF11FE2-61CD-2E40-A43A-EED9A845FF8A}"/>
               </a:ext>
             </a:extLst>
           </p:cNvPr>
@@ -11503,7 +12339,7 @@
           <p:cNvPr id="3" name="Content Placeholder 2">
             <a:extLst>
               <a:ext uri="{FF2B5EF4-FFF2-40B4-BE49-F238E27FC236}">
-                <a16:creationId xmlns:a16="http://schemas.microsoft.com/office/drawing/2014/main" id="{D10DDA37-E46B-B641-BC9F-636CB92A2C08}"/>
+                <a16:creationId xmlns:a16="http://schemas.microsoft.com/office/drawing/2014/main" id="{C1CB83AA-6B3D-8243-8929-B2C82ECF02B5}"/>
               </a:ext>
             </a:extLst>
           </p:cNvPr>
@@ -11511,7 +12347,7 @@
             <a:spLocks noGrp="1"/>
           </p:cNvSpPr>
           <p:nvPr>
-            <p:ph idx="1"/>
+            <p:ph sz="half" idx="1"/>
           </p:nvPr>
         </p:nvSpPr>
         <p:spPr/>
@@ -11536,11 +12372,41 @@
             <a:pPr lvl="1"/>
             <a:r>
               <a:rPr/>
-              <a:t>You can then use your processed data for analysis</a:t>
-            </a:r>
-          </a:p>
-        </p:txBody>
-      </p:sp>
+              <a:t>Using the processed data for analysis</a:t>
+            </a:r>
+          </a:p>
+        </p:txBody>
+      </p:sp>
+      <p:pic>
+        <p:nvPicPr>
+          <p:cNvPr descr="../Images/PipelineWrangling.png" id="0" name="Picture 1"/>
+          <p:cNvPicPr>
+            <a:picLocks noGrp="1" noChangeAspect="1"/>
+          </p:cNvPicPr>
+          <p:nvPr/>
+        </p:nvPicPr>
+        <p:blipFill>
+          <a:blip r:embed="rId2"/>
+          <a:stretch>
+            <a:fillRect/>
+          </a:stretch>
+        </p:blipFill>
+        <p:spPr bwMode="auto">
+          <a:xfrm>
+            <a:off x="6172200" y="3162300"/>
+            <a:ext cx="5181600" cy="1663700"/>
+          </a:xfrm>
+          <a:prstGeom prst="rect">
+            <a:avLst/>
+          </a:prstGeom>
+          <a:noFill/>
+          <a:ln w="9525">
+            <a:noFill/>
+            <a:headEnd/>
+            <a:tailEnd/>
+          </a:ln>
+        </p:spPr>
+      </p:pic>
     </p:spTree>
   </p:cSld>
 </p:sld>
@@ -11563,36 +12429,139 @@
           <a:chExt cx="0" cy="0"/>
         </a:xfrm>
       </p:grpSpPr>
-      <p:pic>
-        <p:nvPicPr>
-          <p:cNvPr descr="../Images/PipelineWrangling.png" id="0" name="Picture 1"/>
-          <p:cNvPicPr>
-            <a:picLocks noGrp="1" noChangeAspect="1"/>
-          </p:cNvPicPr>
-          <p:nvPr/>
-        </p:nvPicPr>
-        <p:blipFill>
-          <a:blip r:embed="rId2"/>
-          <a:stretch>
-            <a:fillRect/>
-          </a:stretch>
-        </p:blipFill>
-        <p:spPr bwMode="auto">
-          <a:xfrm>
-            <a:off x="838200" y="2298700"/>
-            <a:ext cx="10515600" cy="3365500"/>
-          </a:xfrm>
-          <a:prstGeom prst="rect">
-            <a:avLst/>
-          </a:prstGeom>
-          <a:noFill/>
-          <a:ln w="9525">
-            <a:noFill/>
-            <a:headEnd/>
-            <a:tailEnd/>
-          </a:ln>
-        </p:spPr>
-      </p:pic>
+      <p:sp>
+        <p:nvSpPr>
+          <p:cNvPr id="2" name="Title 1">
+            <a:extLst>
+              <a:ext uri="{FF2B5EF4-FFF2-40B4-BE49-F238E27FC236}">
+                <a16:creationId xmlns:a16="http://schemas.microsoft.com/office/drawing/2014/main" id="{5567D468-EE70-CD4E-A3AC-039CC11EF1FB}"/>
+              </a:ext>
+            </a:extLst>
+          </p:cNvPr>
+          <p:cNvSpPr>
+            <a:spLocks noGrp="1"/>
+          </p:cNvSpPr>
+          <p:nvPr>
+            <p:ph type="title"/>
+          </p:nvPr>
+        </p:nvSpPr>
+        <p:spPr/>
+        <p:txBody>
+          <a:bodyPr/>
+          <a:lstStyle/>
+          <a:p>
+            <a:pPr lvl="0" marL="0" indent="0">
+              <a:buNone/>
+            </a:pPr>
+            <a:r>
+              <a:rPr/>
+              <a:t>Load</a:t>
+            </a:r>
+            <a:r>
+              <a:rPr/>
+              <a:t> </a:t>
+            </a:r>
+            <a:r>
+              <a:rPr/>
+              <a:t>dplyr</a:t>
+            </a:r>
+          </a:p>
+        </p:txBody>
+      </p:sp>
+      <p:sp>
+        <p:nvSpPr>
+          <p:cNvPr id="3" name="Content Placeholder 2">
+            <a:extLst>
+              <a:ext uri="{FF2B5EF4-FFF2-40B4-BE49-F238E27FC236}">
+                <a16:creationId xmlns:a16="http://schemas.microsoft.com/office/drawing/2014/main" id="{D10DDA37-E46B-B641-BC9F-636CB92A2C08}"/>
+              </a:ext>
+            </a:extLst>
+          </p:cNvPr>
+          <p:cNvSpPr>
+            <a:spLocks noGrp="1"/>
+          </p:cNvSpPr>
+          <p:nvPr>
+            <p:ph idx="1"/>
+          </p:nvPr>
+        </p:nvSpPr>
+        <p:spPr/>
+        <p:txBody>
+          <a:bodyPr/>
+          <a:lstStyle/>
+          <a:p>
+            <a:pPr lvl="0" marL="1270000" indent="0">
+              <a:buNone/>
+            </a:pPr>
+            <a:r>
+              <a:rPr sz="1800" i="1">
+                <a:solidFill>
+                  <a:srgbClr val="60A0B0"/>
+                </a:solidFill>
+                <a:latin typeface="Courier"/>
+              </a:rPr>
+              <a:t># You only need to install the package once.</a:t>
+            </a:r>
+            <a:br/>
+            <a:r>
+              <a:rPr sz="1800" b="1">
+                <a:solidFill>
+                  <a:srgbClr val="007020"/>
+                </a:solidFill>
+                <a:latin typeface="Courier"/>
+              </a:rPr>
+              <a:t>install.packages</a:t>
+            </a:r>
+            <a:r>
+              <a:rPr sz="1800">
+                <a:latin typeface="Courier"/>
+              </a:rPr>
+              <a:t>(</a:t>
+            </a:r>
+            <a:r>
+              <a:rPr sz="1800">
+                <a:solidFill>
+                  <a:srgbClr val="4070A0"/>
+                </a:solidFill>
+                <a:latin typeface="Courier"/>
+              </a:rPr>
+              <a:t>"dplyr"</a:t>
+            </a:r>
+            <a:r>
+              <a:rPr sz="1800">
+                <a:latin typeface="Courier"/>
+              </a:rPr>
+              <a:t>)</a:t>
+            </a:r>
+            <a:br/>
+            <a:br/>
+            <a:r>
+              <a:rPr sz="1800" i="1">
+                <a:solidFill>
+                  <a:srgbClr val="60A0B0"/>
+                </a:solidFill>
+                <a:latin typeface="Courier"/>
+              </a:rPr>
+              <a:t># You need to load the package each time you open R.</a:t>
+            </a:r>
+            <a:br/>
+            <a:r>
+              <a:rPr sz="1800" b="1">
+                <a:solidFill>
+                  <a:srgbClr val="007020"/>
+                </a:solidFill>
+                <a:latin typeface="Courier"/>
+              </a:rPr>
+              <a:t>library</a:t>
+            </a:r>
+            <a:r>
+              <a:rPr sz="1800">
+                <a:latin typeface="Courier"/>
+              </a:rPr>
+              <a:t>(dplyr)</a:t>
+            </a:r>
+          </a:p>
+        </p:txBody>
+      </p:sp>
     </p:spTree>
   </p:cSld>
 </p:sld>
@@ -11649,7 +12618,7 @@
             </a:r>
             <a:r>
               <a:rPr/>
-              <a:t>dplyr</a:t>
+              <a:t>data</a:t>
             </a:r>
           </a:p>
         </p:txBody>
@@ -11675,75 +12644,18 @@
           <a:bodyPr/>
           <a:lstStyle/>
           <a:p>
-            <a:pPr lvl="0" marL="1270000" indent="0">
+            <a:pPr lvl="0" marL="0" indent="0">
               <a:buNone/>
             </a:pPr>
             <a:r>
-              <a:rPr sz="1800" i="1">
-                <a:solidFill>
-                  <a:srgbClr val="60A0B0"/>
-                </a:solidFill>
-                <a:latin typeface="Courier"/>
-              </a:rPr>
-              <a:t># You only need to install the package once.</a:t>
-            </a:r>
-            <a:br/>
-            <a:r>
-              <a:rPr sz="1800" b="1">
-                <a:solidFill>
-                  <a:srgbClr val="007020"/>
-                </a:solidFill>
-                <a:latin typeface="Courier"/>
-              </a:rPr>
-              <a:t>install.packages</a:t>
-            </a:r>
-            <a:r>
-              <a:rPr sz="1800">
-                <a:latin typeface="Courier"/>
-              </a:rPr>
-              <a:t>(</a:t>
-            </a:r>
-            <a:r>
-              <a:rPr sz="1800">
-                <a:solidFill>
-                  <a:srgbClr val="4070A0"/>
-                </a:solidFill>
-                <a:latin typeface="Courier"/>
-              </a:rPr>
-              <a:t>"dplyr"</a:t>
-            </a:r>
-            <a:r>
-              <a:rPr sz="1800">
-                <a:latin typeface="Courier"/>
-              </a:rPr>
-              <a:t>)</a:t>
-            </a:r>
-            <a:br/>
-            <a:br/>
-            <a:r>
-              <a:rPr sz="1800" i="1">
-                <a:solidFill>
-                  <a:srgbClr val="60A0B0"/>
-                </a:solidFill>
-                <a:latin typeface="Courier"/>
-              </a:rPr>
-              <a:t># You need to load the package each time you open R.</a:t>
-            </a:r>
-            <a:br/>
-            <a:r>
-              <a:rPr sz="1800" b="1">
-                <a:solidFill>
-                  <a:srgbClr val="007020"/>
-                </a:solidFill>
-                <a:latin typeface="Courier"/>
-              </a:rPr>
-              <a:t>library</a:t>
-            </a:r>
-            <a:r>
-              <a:rPr sz="1800">
-                <a:latin typeface="Courier"/>
-              </a:rPr>
-              <a:t>(dplyr)</a:t>
+              <a:rPr/>
+              <a:t>Load data from the file you created earlier. The data frame should be called </a:t>
+            </a:r>
+            <a:r>
+              <a:rPr sz="1800">
+                <a:latin typeface="Courier"/>
+              </a:rPr>
+              <a:t>cchic</a:t>
             </a:r>
           </a:p>
         </p:txBody>
@@ -11775,104 +12687,6 @@
           <p:cNvPr id="2" name="Title 1">
             <a:extLst>
               <a:ext uri="{FF2B5EF4-FFF2-40B4-BE49-F238E27FC236}">
-                <a16:creationId xmlns:a16="http://schemas.microsoft.com/office/drawing/2014/main" id="{5567D468-EE70-CD4E-A3AC-039CC11EF1FB}"/>
-              </a:ext>
-            </a:extLst>
-          </p:cNvPr>
-          <p:cNvSpPr>
-            <a:spLocks noGrp="1"/>
-          </p:cNvSpPr>
-          <p:nvPr>
-            <p:ph type="title"/>
-          </p:nvPr>
-        </p:nvSpPr>
-        <p:spPr/>
-        <p:txBody>
-          <a:bodyPr/>
-          <a:lstStyle/>
-          <a:p>
-            <a:pPr lvl="0" marL="0" indent="0">
-              <a:buNone/>
-            </a:pPr>
-            <a:r>
-              <a:rPr/>
-              <a:t>Load</a:t>
-            </a:r>
-            <a:r>
-              <a:rPr/>
-              <a:t> </a:t>
-            </a:r>
-            <a:r>
-              <a:rPr/>
-              <a:t>data</a:t>
-            </a:r>
-          </a:p>
-        </p:txBody>
-      </p:sp>
-      <p:sp>
-        <p:nvSpPr>
-          <p:cNvPr id="3" name="Content Placeholder 2">
-            <a:extLst>
-              <a:ext uri="{FF2B5EF4-FFF2-40B4-BE49-F238E27FC236}">
-                <a16:creationId xmlns:a16="http://schemas.microsoft.com/office/drawing/2014/main" id="{D10DDA37-E46B-B641-BC9F-636CB92A2C08}"/>
-              </a:ext>
-            </a:extLst>
-          </p:cNvPr>
-          <p:cNvSpPr>
-            <a:spLocks noGrp="1"/>
-          </p:cNvSpPr>
-          <p:nvPr>
-            <p:ph idx="1"/>
-          </p:nvPr>
-        </p:nvSpPr>
-        <p:spPr/>
-        <p:txBody>
-          <a:bodyPr/>
-          <a:lstStyle/>
-          <a:p>
-            <a:pPr lvl="0" marL="0" indent="0">
-              <a:buNone/>
-            </a:pPr>
-            <a:r>
-              <a:rPr/>
-              <a:t>Load data from the file you created earlier. The data frame should be called </a:t>
-            </a:r>
-            <a:r>
-              <a:rPr sz="1800">
-                <a:latin typeface="Courier"/>
-              </a:rPr>
-              <a:t>cchic</a:t>
-            </a:r>
-          </a:p>
-        </p:txBody>
-      </p:sp>
-    </p:spTree>
-  </p:cSld>
-</p:sld>
-</file>
-
-<file path=ppt/slides/slide9.xml><?xml version="1.0" encoding="utf-8"?>
-<p:sld xmlns:a="http://schemas.openxmlformats.org/drawingml/2006/main" xmlns:r="http://schemas.openxmlformats.org/officeDocument/2006/relationships" xmlns:p="http://schemas.openxmlformats.org/presentationml/2006/main">
-  <p:cSld>
-    <p:spTree>
-      <p:nvGrpSpPr>
-        <p:cNvPr id="1" name=""/>
-        <p:cNvGrpSpPr/>
-        <p:nvPr/>
-      </p:nvGrpSpPr>
-      <p:grpSpPr>
-        <a:xfrm>
-          <a:off x="0" y="0"/>
-          <a:ext cx="0" cy="0"/>
-          <a:chOff x="0" y="0"/>
-          <a:chExt cx="0" cy="0"/>
-        </a:xfrm>
-      </p:grpSpPr>
-      <p:sp>
-        <p:nvSpPr>
-          <p:cNvPr id="2" name="Title 1">
-            <a:extLst>
-              <a:ext uri="{FF2B5EF4-FFF2-40B4-BE49-F238E27FC236}">
                 <a16:creationId xmlns:a16="http://schemas.microsoft.com/office/drawing/2014/main" id="{0CF11FE2-61CD-2E40-A43A-EED9A845FF8A}"/>
               </a:ext>
             </a:extLst>
@@ -11931,23 +12745,126 @@
             <a:pPr lvl="1"/>
             <a:r>
               <a:rPr/>
-              <a:t>Takes whatever you did before, and passes it on to the next function</a:t>
+              <a:t>Takes whatever you did before, and passes it on to the next function.</a:t>
             </a:r>
           </a:p>
           <a:p>
             <a:pPr lvl="1"/>
             <a:r>
               <a:rPr/>
-              <a:t>Whenever you see it, think of the word ‘then’</a:t>
-            </a:r>
-          </a:p>
-          <a:p>
-            <a:pPr lvl="1"/>
-            <a:r>
-              <a:rPr sz="1800">
-                <a:latin typeface="Courier"/>
-              </a:rPr>
-              <a:t>data_frame_name %&gt;%  [select certain patients/rows] %&gt;%  [function]</a:t>
+              <a:t>Whenever you see it, think of the word ‘then’.</a:t>
+            </a:r>
+          </a:p>
+          <a:p>
+            <a:pPr lvl="0" marL="1270000" indent="0">
+              <a:buNone/>
+            </a:pPr>
+            <a:r>
+              <a:rPr sz="1800">
+                <a:latin typeface="Courier"/>
+              </a:rPr>
+              <a:t>data_frame_name </a:t>
+            </a:r>
+            <a:r>
+              <a:rPr sz="1800">
+                <a:solidFill>
+                  <a:srgbClr val="666666"/>
+                </a:solidFill>
+                <a:latin typeface="Courier"/>
+              </a:rPr>
+              <a:t>%&gt;%</a:t>
+            </a:r>
+            <a:r>
+              <a:rPr sz="1800">
+                <a:solidFill>
+                  <a:srgbClr val="4070A0"/>
+                </a:solidFill>
+                <a:latin typeface="Courier"/>
+              </a:rPr>
+              <a:t> </a:t>
+            </a:r>
+            <a:br/>
+            <a:r>
+              <a:rPr sz="1800">
+                <a:solidFill>
+                  <a:srgbClr val="4070A0"/>
+                </a:solidFill>
+                <a:latin typeface="Courier"/>
+              </a:rPr>
+              <a:t>  </a:t>
+            </a:r>
+            <a:r>
+              <a:rPr sz="1800">
+                <a:latin typeface="Courier"/>
+              </a:rPr>
+              <a:t>dplyr</a:t>
+            </a:r>
+            <a:r>
+              <a:rPr sz="1800">
+                <a:solidFill>
+                  <a:srgbClr val="666666"/>
+                </a:solidFill>
+                <a:latin typeface="Courier"/>
+              </a:rPr>
+              <a:t>::</a:t>
+            </a:r>
+            <a:r>
+              <a:rPr sz="1800" b="1">
+                <a:solidFill>
+                  <a:srgbClr val="007020"/>
+                </a:solidFill>
+                <a:latin typeface="Courier"/>
+              </a:rPr>
+              <a:t>select</a:t>
+            </a:r>
+            <a:r>
+              <a:rPr sz="1800">
+                <a:latin typeface="Courier"/>
+              </a:rPr>
+              <a:t>(column_name) </a:t>
+            </a:r>
+            <a:r>
+              <a:rPr sz="1800">
+                <a:solidFill>
+                  <a:srgbClr val="666666"/>
+                </a:solidFill>
+                <a:latin typeface="Courier"/>
+              </a:rPr>
+              <a:t>%&gt;%</a:t>
+            </a:r>
+            <a:r>
+              <a:rPr sz="1800">
+                <a:solidFill>
+                  <a:srgbClr val="4070A0"/>
+                </a:solidFill>
+                <a:latin typeface="Courier"/>
+              </a:rPr>
+              <a:t> </a:t>
+            </a:r>
+            <a:br/>
+            <a:r>
+              <a:rPr sz="1800">
+                <a:solidFill>
+                  <a:srgbClr val="4070A0"/>
+                </a:solidFill>
+                <a:latin typeface="Courier"/>
+              </a:rPr>
+              <a:t>  </a:t>
+            </a:r>
+            <a:r>
+              <a:rPr sz="1800" b="1">
+                <a:solidFill>
+                  <a:srgbClr val="007020"/>
+                </a:solidFill>
+                <a:latin typeface="Courier"/>
+              </a:rPr>
+              <a:t>mean</a:t>
+            </a:r>
+            <a:r>
+              <a:rPr sz="1800">
+                <a:latin typeface="Courier"/>
+              </a:rPr>
+              <a:t>()</a:t>
             </a:r>
           </a:p>
           <a:p>
@@ -12009,6 +12926,220 @@
           </a:ln>
         </p:spPr>
       </p:pic>
+    </p:spTree>
+  </p:cSld>
+</p:sld>
+</file>
+
+<file path=ppt/slides/slide9.xml><?xml version="1.0" encoding="utf-8"?>
+<p:sld xmlns:a="http://schemas.openxmlformats.org/drawingml/2006/main" xmlns:r="http://schemas.openxmlformats.org/officeDocument/2006/relationships" xmlns:p="http://schemas.openxmlformats.org/presentationml/2006/main">
+  <p:cSld>
+    <p:spTree>
+      <p:nvGrpSpPr>
+        <p:cNvPr id="1" name=""/>
+        <p:cNvGrpSpPr/>
+        <p:nvPr/>
+      </p:nvGrpSpPr>
+      <p:grpSpPr>
+        <a:xfrm>
+          <a:off x="0" y="0"/>
+          <a:ext cx="0" cy="0"/>
+          <a:chOff x="0" y="0"/>
+          <a:chExt cx="0" cy="0"/>
+        </a:xfrm>
+      </p:grpSpPr>
+      <p:sp>
+        <p:nvSpPr>
+          <p:cNvPr id="2" name="Title 1">
+            <a:extLst>
+              <a:ext uri="{FF2B5EF4-FFF2-40B4-BE49-F238E27FC236}">
+                <a16:creationId xmlns:a16="http://schemas.microsoft.com/office/drawing/2014/main" id="{5567D468-EE70-CD4E-A3AC-039CC11EF1FB}"/>
+              </a:ext>
+            </a:extLst>
+          </p:cNvPr>
+          <p:cNvSpPr>
+            <a:spLocks noGrp="1"/>
+          </p:cNvSpPr>
+          <p:nvPr>
+            <p:ph type="title"/>
+          </p:nvPr>
+        </p:nvSpPr>
+        <p:spPr/>
+        <p:txBody>
+          <a:bodyPr/>
+          <a:lstStyle/>
+          <a:p>
+            <a:pPr lvl="0" marL="0" indent="0">
+              <a:buNone/>
+            </a:pPr>
+            <a:r>
+              <a:rPr/>
+              <a:t>Logical</a:t>
+            </a:r>
+            <a:r>
+              <a:rPr/>
+              <a:t> </a:t>
+            </a:r>
+            <a:r>
+              <a:rPr/>
+              <a:t>operators</a:t>
+            </a:r>
+          </a:p>
+        </p:txBody>
+      </p:sp>
+      <p:sp>
+        <p:nvSpPr>
+          <p:cNvPr id="3" name="Content Placeholder 2">
+            <a:extLst>
+              <a:ext uri="{FF2B5EF4-FFF2-40B4-BE49-F238E27FC236}">
+                <a16:creationId xmlns:a16="http://schemas.microsoft.com/office/drawing/2014/main" id="{D10DDA37-E46B-B641-BC9F-636CB92A2C08}"/>
+              </a:ext>
+            </a:extLst>
+          </p:cNvPr>
+          <p:cNvSpPr>
+            <a:spLocks noGrp="1"/>
+          </p:cNvSpPr>
+          <p:nvPr>
+            <p:ph idx="1"/>
+          </p:nvPr>
+        </p:nvSpPr>
+        <p:spPr/>
+        <p:txBody>
+          <a:bodyPr/>
+          <a:lstStyle/>
+          <a:p>
+            <a:pPr lvl="1"/>
+            <a:r>
+              <a:rPr/>
+              <a:t>You use them to compare values</a:t>
+            </a:r>
+          </a:p>
+          <a:p>
+            <a:pPr lvl="2"/>
+            <a:r>
+              <a:rPr sz="1800">
+                <a:latin typeface="Courier"/>
+              </a:rPr>
+              <a:t>==</a:t>
+            </a:r>
+            <a:r>
+              <a:rPr/>
+              <a:t> (equal to)</a:t>
+            </a:r>
+          </a:p>
+          <a:p>
+            <a:pPr lvl="2"/>
+            <a:r>
+              <a:rPr sz="1800">
+                <a:latin typeface="Courier"/>
+              </a:rPr>
+              <a:t>!=</a:t>
+            </a:r>
+            <a:r>
+              <a:rPr/>
+              <a:t> (not equal to)</a:t>
+            </a:r>
+          </a:p>
+          <a:p>
+            <a:pPr lvl="2"/>
+            <a:r>
+              <a:rPr sz="1800">
+                <a:latin typeface="Courier"/>
+              </a:rPr>
+              <a:t>&gt;</a:t>
+            </a:r>
+            <a:r>
+              <a:rPr/>
+              <a:t> (greater than)</a:t>
+            </a:r>
+          </a:p>
+          <a:p>
+            <a:pPr lvl="2"/>
+            <a:r>
+              <a:rPr sz="1800">
+                <a:latin typeface="Courier"/>
+              </a:rPr>
+              <a:t>&lt;</a:t>
+            </a:r>
+            <a:r>
+              <a:rPr/>
+              <a:t> (less than)</a:t>
+            </a:r>
+          </a:p>
+          <a:p>
+            <a:pPr lvl="2"/>
+            <a:r>
+              <a:rPr sz="1800">
+                <a:latin typeface="Courier"/>
+              </a:rPr>
+              <a:t>&gt;=</a:t>
+            </a:r>
+            <a:r>
+              <a:rPr/>
+              <a:t> (greater than or equal to)</a:t>
+            </a:r>
+          </a:p>
+          <a:p>
+            <a:pPr lvl="2"/>
+            <a:r>
+              <a:rPr sz="1800">
+                <a:latin typeface="Courier"/>
+              </a:rPr>
+              <a:t>&lt;=</a:t>
+            </a:r>
+            <a:r>
+              <a:rPr/>
+              <a:t> (less than or equal to)</a:t>
+            </a:r>
+          </a:p>
+          <a:p>
+            <a:pPr lvl="2"/>
+            <a:r>
+              <a:rPr sz="1800">
+                <a:latin typeface="Courier"/>
+              </a:rPr>
+              <a:t>is.na()</a:t>
+            </a:r>
+            <a:r>
+              <a:rPr/>
+              <a:t> (is the value missing)</a:t>
+            </a:r>
+          </a:p>
+          <a:p>
+            <a:pPr lvl="1"/>
+            <a:r>
+              <a:rPr/>
+              <a:t>More than one condition?</a:t>
+            </a:r>
+          </a:p>
+          <a:p>
+            <a:pPr lvl="2"/>
+            <a:r>
+              <a:rPr sz="1800">
+                <a:latin typeface="Courier"/>
+              </a:rPr>
+              <a:t>&amp;</a:t>
+            </a:r>
+            <a:r>
+              <a:rPr/>
+              <a:t> (and)</a:t>
+            </a:r>
+          </a:p>
+          <a:p>
+            <a:pPr lvl="2"/>
+            <a:r>
+              <a:rPr sz="1800">
+                <a:latin typeface="Courier"/>
+              </a:rPr>
+              <a:t>|</a:t>
+            </a:r>
+            <a:r>
+              <a:rPr/>
+              <a:t> (or)</a:t>
+            </a:r>
+          </a:p>
+        </p:txBody>
+      </p:sp>
     </p:spTree>
   </p:cSld>
 </p:sld>

--- a/Workshops/Workshop4.pptx
+++ b/Workshops/Workshop4.pptx
@@ -9593,7 +9593,7 @@
       </p:sp>
       <p:pic>
         <p:nvPicPr>
-          <p:cNvPr descr="../Images/WideToLong.png" id="0" name="Picture 1"/>
+          <p:cNvPr descr="../Images/gatherspread.png" id="0" name="Picture 1"/>
           <p:cNvPicPr>
             <a:picLocks noGrp="1" noChangeAspect="1"/>
           </p:cNvPicPr>
@@ -9607,8 +9607,8 @@
         </p:blipFill>
         <p:spPr bwMode="auto">
           <a:xfrm>
-            <a:off x="838200" y="2413000"/>
-            <a:ext cx="10515600" cy="2641600"/>
+            <a:off x="2692400" y="1816100"/>
+            <a:ext cx="6819900" cy="3835400"/>
           </a:xfrm>
           <a:prstGeom prst="rect">
             <a:avLst/>

--- a/Workshops/Workshop4.pptx
+++ b/Workshops/Workshop4.pptx
@@ -8835,7 +8835,7 @@
             </a:r>
             <a:r>
               <a:rPr/>
-              <a:t>dates.</a:t>
+              <a:t>dates</a:t>
             </a:r>
           </a:p>
         </p:txBody>

--- a/Workshops/Workshop4.pptx
+++ b/Workshops/Workshop4.pptx
@@ -5,7 +5,7 @@
     <p:sldMasterId id="2147483648" r:id="rId1"/>
   </p:sldMasterIdLst>
   <p:notesMasterIdLst>
-    <p:NotesMasterId r:id="rId37"/>
+    <p:NotesMasterId r:id="rId39"/>
   </p:notesMasterIdLst>
   <p:sldIdLst>
     <p:sldId id="256" r:id="rId2"/>
@@ -43,6 +43,8 @@
     <p:sldId id="288" r:id="rId34"/>
     <p:sldId id="289" r:id="rId35"/>
     <p:sldId id="290" r:id="rId36"/>
+    <p:sldId id="291" r:id="rId37"/>
+    <p:sldId id="292" r:id="rId38"/>
   </p:sldIdLst>
   <p:sldSz cx="12192000" cy="6858000"/>
   <p:notesSz cx="6858000" cy="9144000"/>
@@ -231,7 +233,7 @@
           <a:p>
             <a:fld id="{0F9C1CCF-B725-44A7-AA57-5E433BD85C9F}" type="datetimeFigureOut">
               <a:rPr lang="en-US" smtClean="0"/>
-              <a:t>2/17/2018</a:t>
+              <a:t>4/5/2019</a:t>
             </a:fld>
             <a:endParaRPr lang="en-US"/>
           </a:p>
@@ -770,7 +772,7 @@
           <a:p>
             <a:fld id="{18BDFEC3-8487-43E8-A154-7C12CBC1FFF2}" type="slidenum">
               <a:rPr lang="en-US"/>
-              <a:t>8</a:t>
+              <a:t>9</a:t>
             </a:fld>
             <a:endParaRPr lang="en-US"/>
           </a:p>
@@ -972,7 +974,7 @@
           <a:p>
             <a:fld id="{18BDFEC3-8487-43E8-A154-7C12CBC1FFF2}" type="slidenum">
               <a:rPr lang="en-US"/>
-              <a:t>9</a:t>
+              <a:t>10</a:t>
             </a:fld>
             <a:endParaRPr lang="en-US"/>
           </a:p>
@@ -1032,55 +1034,89 @@
             </a:pPr>
             <a:r>
               <a:rPr/>
-              <a:t>For</a:t>
-            </a:r>
-            <a:r>
-              <a:rPr/>
-              <a:t> </a:t>
-            </a:r>
-            <a:r>
-              <a:rPr/>
-              <a:t>instance,</a:t>
-            </a:r>
-            <a:r>
-              <a:rPr/>
-              <a:t> </a:t>
-            </a:r>
-            <a:r>
-              <a:rPr/>
-              <a:t>when</a:t>
-            </a:r>
-            <a:r>
-              <a:rPr/>
-              <a:t> </a:t>
-            </a:r>
-            <a:r>
-              <a:rPr/>
-              <a:t>you</a:t>
-            </a:r>
-            <a:r>
-              <a:rPr/>
-              <a:t> </a:t>
-            </a:r>
-            <a:r>
-              <a:rPr/>
-              <a:t>are</a:t>
-            </a:r>
-            <a:r>
-              <a:rPr/>
-              <a:t> </a:t>
-            </a:r>
-            <a:r>
-              <a:rPr/>
-              <a:t>selecting</a:t>
-            </a:r>
-            <a:r>
-              <a:rPr/>
-              <a:t> </a:t>
-            </a:r>
-            <a:r>
-              <a:rPr/>
-              <a:t>something</a:t>
+              <a:t>Dplyr</a:t>
+            </a:r>
+            <a:r>
+              <a:rPr/>
+              <a:t> </a:t>
+            </a:r>
+            <a:r>
+              <a:rPr/>
+              <a:t>works</a:t>
+            </a:r>
+            <a:r>
+              <a:rPr/>
+              <a:t> </a:t>
+            </a:r>
+            <a:r>
+              <a:rPr/>
+              <a:t>using</a:t>
+            </a:r>
+            <a:r>
+              <a:rPr/>
+              <a:t> </a:t>
+            </a:r>
+            <a:r>
+              <a:rPr/>
+              <a:t>‘</a:t>
+            </a:r>
+            <a:r>
+              <a:rPr/>
+              <a:t>verbs</a:t>
+            </a:r>
+            <a:r>
+              <a:rPr/>
+              <a:t>’</a:t>
+            </a:r>
+            <a:r>
+              <a:rPr/>
+              <a:t>.</a:t>
+            </a:r>
+            <a:r>
+              <a:rPr/>
+              <a:t> </a:t>
+            </a:r>
+            <a:r>
+              <a:rPr/>
+              <a:t>The</a:t>
+            </a:r>
+            <a:r>
+              <a:rPr/>
+              <a:t> </a:t>
+            </a:r>
+            <a:r>
+              <a:rPr/>
+              <a:t>first</a:t>
+            </a:r>
+            <a:r>
+              <a:rPr/>
+              <a:t> </a:t>
+            </a:r>
+            <a:r>
+              <a:rPr/>
+              <a:t>one</a:t>
+            </a:r>
+            <a:r>
+              <a:rPr/>
+              <a:t> </a:t>
+            </a:r>
+            <a:r>
+              <a:rPr/>
+              <a:t>is</a:t>
+            </a:r>
+            <a:r>
+              <a:rPr/>
+              <a:t> </a:t>
+            </a:r>
+            <a:r>
+              <a:rPr sz="1800">
+                <a:latin typeface="Courier"/>
+              </a:rPr>
+              <a:t>filter</a:t>
+            </a:r>
+            <a:r>
+              <a:rPr/>
+              <a:t>.</a:t>
             </a:r>
           </a:p>
         </p:txBody>
@@ -1102,7 +1138,7 @@
           <a:p>
             <a:fld id="{18BDFEC3-8487-43E8-A154-7C12CBC1FFF2}" type="slidenum">
               <a:rPr lang="en-US"/>
-              <a:t>10</a:t>
+              <a:t>12</a:t>
             </a:fld>
             <a:endParaRPr lang="en-US"/>
           </a:p>
@@ -1162,50 +1198,6 @@
             </a:pPr>
             <a:r>
               <a:rPr/>
-              <a:t>Dplyr</a:t>
-            </a:r>
-            <a:r>
-              <a:rPr/>
-              <a:t> </a:t>
-            </a:r>
-            <a:r>
-              <a:rPr/>
-              <a:t>works</a:t>
-            </a:r>
-            <a:r>
-              <a:rPr/>
-              <a:t> </a:t>
-            </a:r>
-            <a:r>
-              <a:rPr/>
-              <a:t>using</a:t>
-            </a:r>
-            <a:r>
-              <a:rPr/>
-              <a:t> </a:t>
-            </a:r>
-            <a:r>
-              <a:rPr/>
-              <a:t>‘</a:t>
-            </a:r>
-            <a:r>
-              <a:rPr/>
-              <a:t>verbs</a:t>
-            </a:r>
-            <a:r>
-              <a:rPr/>
-              <a:t>’</a:t>
-            </a:r>
-            <a:r>
-              <a:rPr/>
-              <a:t>.</a:t>
-            </a:r>
-            <a:r>
-              <a:rPr/>
-              <a:t> </a:t>
-            </a:r>
-            <a:r>
-              <a:rPr/>
               <a:t>The</a:t>
             </a:r>
             <a:r>
@@ -1214,15 +1206,15 @@
             </a:r>
             <a:r>
               <a:rPr/>
-              <a:t>first</a:t>
-            </a:r>
-            <a:r>
-              <a:rPr/>
-              <a:t> </a:t>
-            </a:r>
-            <a:r>
-              <a:rPr/>
-              <a:t>one</a:t>
+              <a:t>second</a:t>
+            </a:r>
+            <a:r>
+              <a:rPr/>
+              <a:t> </a:t>
+            </a:r>
+            <a:r>
+              <a:rPr/>
+              <a:t>verb</a:t>
             </a:r>
             <a:r>
               <a:rPr/>
@@ -1237,14 +1229,8 @@
               <a:t> </a:t>
             </a:r>
             <a:r>
-              <a:rPr sz="1800">
-                <a:latin typeface="Courier"/>
-              </a:rPr>
-              <a:t>filter</a:t>
-            </a:r>
-            <a:r>
-              <a:rPr/>
-              <a:t>.</a:t>
+              <a:rPr/>
+              <a:t>select.</a:t>
             </a:r>
           </a:p>
         </p:txBody>
@@ -1266,7 +1252,7 @@
           <a:p>
             <a:fld id="{18BDFEC3-8487-43E8-A154-7C12CBC1FFF2}" type="slidenum">
               <a:rPr lang="en-US"/>
-              <a:t>11</a:t>
+              <a:t>13</a:t>
             </a:fld>
             <a:endParaRPr lang="en-US"/>
           </a:p>
@@ -1326,39 +1312,79 @@
             </a:pPr>
             <a:r>
               <a:rPr/>
-              <a:t>The</a:t>
-            </a:r>
-            <a:r>
-              <a:rPr/>
-              <a:t> </a:t>
-            </a:r>
-            <a:r>
-              <a:rPr/>
-              <a:t>second</a:t>
-            </a:r>
-            <a:r>
-              <a:rPr/>
-              <a:t> </a:t>
-            </a:r>
-            <a:r>
-              <a:rPr/>
-              <a:t>verb</a:t>
-            </a:r>
-            <a:r>
-              <a:rPr/>
-              <a:t> </a:t>
-            </a:r>
-            <a:r>
-              <a:rPr/>
-              <a:t>is</a:t>
-            </a:r>
-            <a:r>
-              <a:rPr/>
-              <a:t> </a:t>
-            </a:r>
-            <a:r>
-              <a:rPr/>
-              <a:t>select.</a:t>
+              <a:t>Warn</a:t>
+            </a:r>
+            <a:r>
+              <a:rPr/>
+              <a:t> </a:t>
+            </a:r>
+            <a:r>
+              <a:rPr/>
+              <a:t>them</a:t>
+            </a:r>
+            <a:r>
+              <a:rPr/>
+              <a:t> </a:t>
+            </a:r>
+            <a:r>
+              <a:rPr/>
+              <a:t>that</a:t>
+            </a:r>
+            <a:r>
+              <a:rPr/>
+              <a:t> </a:t>
+            </a:r>
+            <a:r>
+              <a:rPr/>
+              <a:t>this</a:t>
+            </a:r>
+            <a:r>
+              <a:rPr/>
+              <a:t> </a:t>
+            </a:r>
+            <a:r>
+              <a:rPr/>
+              <a:t>concept</a:t>
+            </a:r>
+            <a:r>
+              <a:rPr/>
+              <a:t> </a:t>
+            </a:r>
+            <a:r>
+              <a:rPr/>
+              <a:t>takes</a:t>
+            </a:r>
+            <a:r>
+              <a:rPr/>
+              <a:t> </a:t>
+            </a:r>
+            <a:r>
+              <a:rPr/>
+              <a:t>a</a:t>
+            </a:r>
+            <a:r>
+              <a:rPr/>
+              <a:t> </a:t>
+            </a:r>
+            <a:r>
+              <a:rPr/>
+              <a:t>while</a:t>
+            </a:r>
+            <a:r>
+              <a:rPr/>
+              <a:t> </a:t>
+            </a:r>
+            <a:r>
+              <a:rPr/>
+              <a:t>to</a:t>
+            </a:r>
+            <a:r>
+              <a:rPr/>
+              <a:t> </a:t>
+            </a:r>
+            <a:r>
+              <a:rPr/>
+              <a:t>grasp.</a:t>
             </a:r>
           </a:p>
         </p:txBody>
@@ -1380,7 +1406,7 @@
           <a:p>
             <a:fld id="{18BDFEC3-8487-43E8-A154-7C12CBC1FFF2}" type="slidenum">
               <a:rPr lang="en-US"/>
-              <a:t>12</a:t>
+              <a:t>29</a:t>
             </a:fld>
             <a:endParaRPr lang="en-US"/>
           </a:p>
@@ -1440,7 +1466,7 @@
             </a:pPr>
             <a:r>
               <a:rPr/>
-              <a:t>Warn</a:t>
+              <a:t>Get</a:t>
             </a:r>
             <a:r>
               <a:rPr/>
@@ -1456,54 +1482,6 @@
             </a:r>
             <a:r>
               <a:rPr/>
-              <a:t>that</a:t>
-            </a:r>
-            <a:r>
-              <a:rPr/>
-              <a:t> </a:t>
-            </a:r>
-            <a:r>
-              <a:rPr/>
-              <a:t>this</a:t>
-            </a:r>
-            <a:r>
-              <a:rPr/>
-              <a:t> </a:t>
-            </a:r>
-            <a:r>
-              <a:rPr/>
-              <a:t>concept</a:t>
-            </a:r>
-            <a:r>
-              <a:rPr/>
-              <a:t> </a:t>
-            </a:r>
-            <a:r>
-              <a:rPr/>
-              <a:t>takes</a:t>
-            </a:r>
-            <a:r>
-              <a:rPr/>
-              <a:t> </a:t>
-            </a:r>
-            <a:r>
-              <a:rPr/>
-              <a:t>a</a:t>
-            </a:r>
-            <a:r>
-              <a:rPr/>
-              <a:t> </a:t>
-            </a:r>
-            <a:r>
-              <a:rPr/>
-              <a:t>while</a:t>
-            </a:r>
-            <a:r>
-              <a:rPr/>
-              <a:t> </a:t>
-            </a:r>
-            <a:r>
-              <a:rPr/>
               <a:t>to</a:t>
             </a:r>
             <a:r>
@@ -1512,7 +1490,15 @@
             </a:r>
             <a:r>
               <a:rPr/>
-              <a:t>grasp.</a:t>
+              <a:t>do</a:t>
+            </a:r>
+            <a:r>
+              <a:rPr/>
+              <a:t> </a:t>
+            </a:r>
+            <a:r>
+              <a:rPr/>
+              <a:t>this.</a:t>
             </a:r>
           </a:p>
         </p:txBody>
@@ -1534,121 +1520,7 @@
           <a:p>
             <a:fld id="{18BDFEC3-8487-43E8-A154-7C12CBC1FFF2}" type="slidenum">
               <a:rPr lang="en-US"/>
-              <a:t>27</a:t>
-            </a:fld>
-            <a:endParaRPr lang="en-US"/>
-          </a:p>
-        </p:txBody>
-      </p:sp>
-    </p:spTree>
-  </p:cSld>
-</p:notes>
-</file>
-
-<file path=ppt/notesSlides/notesSlide7.xml><?xml version="1.0" encoding="utf-8"?>
-<p:notes xmlns:a="http://schemas.openxmlformats.org/drawingml/2006/main" xmlns:r="http://schemas.openxmlformats.org/officeDocument/2006/relationships" xmlns:p="http://schemas.openxmlformats.org/presentationml/2006/main">
-  <p:cSld>
-    <p:spTree>
-      <p:nvGrpSpPr>
-        <p:cNvPr id="1" name=""/>
-        <p:cNvGrpSpPr/>
-        <p:nvPr/>
-      </p:nvGrpSpPr>
-      <p:grpSpPr>
-        <a:xfrm>
-          <a:off x="0" y="0"/>
-          <a:ext cx="0" cy="0"/>
-          <a:chOff x="0" y="0"/>
-          <a:chExt cx="0" cy="0"/>
-        </a:xfrm>
-      </p:grpSpPr>
-      <p:sp>
-        <p:nvSpPr>
-          <p:cNvPr id="2" name="Slide Image Placeholder 1"/>
-          <p:cNvSpPr>
-            <a:spLocks noGrp="1" noRot="1" noChangeAspect="1"/>
-          </p:cNvSpPr>
-          <p:nvPr>
-            <p:ph type="sldImg"/>
-          </p:nvPr>
-        </p:nvSpPr>
-        <p:spPr/>
-      </p:sp>
-      <p:sp>
-        <p:nvSpPr>
-          <p:cNvPr id="3" name="Notes Placeholder 2"/>
-          <p:cNvSpPr>
-            <a:spLocks noGrp="1"/>
-          </p:cNvSpPr>
-          <p:nvPr>
-            <p:ph type="body" idx="1"/>
-          </p:nvPr>
-        </p:nvSpPr>
-        <p:spPr/>
-        <p:txBody>
-          <a:bodyPr/>
-          <a:lstStyle/>
-          <a:p>
-            <a:pPr lvl="0" marL="0" indent="0">
-              <a:buNone/>
-            </a:pPr>
-            <a:r>
-              <a:rPr/>
-              <a:t>Get</a:t>
-            </a:r>
-            <a:r>
-              <a:rPr/>
-              <a:t> </a:t>
-            </a:r>
-            <a:r>
-              <a:rPr/>
-              <a:t>them</a:t>
-            </a:r>
-            <a:r>
-              <a:rPr/>
-              <a:t> </a:t>
-            </a:r>
-            <a:r>
-              <a:rPr/>
-              <a:t>to</a:t>
-            </a:r>
-            <a:r>
-              <a:rPr/>
-              <a:t> </a:t>
-            </a:r>
-            <a:r>
-              <a:rPr/>
-              <a:t>do</a:t>
-            </a:r>
-            <a:r>
-              <a:rPr/>
-              <a:t> </a:t>
-            </a:r>
-            <a:r>
-              <a:rPr/>
-              <a:t>this.</a:t>
-            </a:r>
-          </a:p>
-        </p:txBody>
-      </p:sp>
-      <p:sp>
-        <p:nvSpPr>
-          <p:cNvPr id="4" name="Slide Number Placeholder 3"/>
-          <p:cNvSpPr>
-            <a:spLocks noGrp="1"/>
-          </p:cNvSpPr>
-          <p:nvPr>
-            <p:ph type="sldNum" sz="quarter" idx="10"/>
-          </p:nvPr>
-        </p:nvSpPr>
-        <p:spPr/>
-        <p:txBody>
-          <a:bodyPr/>
-          <a:lstStyle/>
-          <a:p>
-            <a:fld id="{18BDFEC3-8487-43E8-A154-7C12CBC1FFF2}" type="slidenum">
-              <a:rPr lang="en-US"/>
-              <a:t>30</a:t>
+              <a:t>32</a:t>
             </a:fld>
             <a:endParaRPr lang="en-US"/>
           </a:p>
@@ -4999,31 +4871,7 @@
             </a:pPr>
             <a:r>
               <a:rPr/>
-              <a:t>Example</a:t>
-            </a:r>
-            <a:r>
-              <a:rPr/>
-              <a:t> </a:t>
-            </a:r>
-            <a:r>
-              <a:rPr/>
-              <a:t>of</a:t>
-            </a:r>
-            <a:r>
-              <a:rPr/>
-              <a:t> </a:t>
-            </a:r>
-            <a:r>
-              <a:rPr/>
-              <a:t>using</a:t>
-            </a:r>
-            <a:r>
-              <a:rPr/>
-              <a:t> </a:t>
-            </a:r>
-            <a:r>
-              <a:rPr/>
-              <a:t>logical</a:t>
+              <a:t>Logical</a:t>
             </a:r>
             <a:r>
               <a:rPr/>
@@ -5057,267 +4905,134 @@
           <a:bodyPr/>
           <a:lstStyle/>
           <a:p>
-            <a:pPr lvl="0" marL="0" indent="0">
-              <a:buNone/>
-            </a:pPr>
-            <a:r>
-              <a:rPr/>
-              <a:t>Try running:</a:t>
-            </a:r>
-          </a:p>
-          <a:p>
-            <a:pPr lvl="0" marL="1270000" indent="0">
-              <a:buNone/>
-            </a:pPr>
-            <a:r>
-              <a:rPr sz="1800">
-                <a:latin typeface="Courier"/>
-              </a:rPr>
-              <a:t>test_age &lt;-</a:t>
-            </a:r>
-            <a:r>
-              <a:rPr sz="1800">
-                <a:solidFill>
-                  <a:srgbClr val="4070A0"/>
-                </a:solidFill>
-                <a:latin typeface="Courier"/>
-              </a:rPr>
-              <a:t> </a:t>
-            </a:r>
-            <a:r>
-              <a:rPr sz="1800" b="1">
-                <a:solidFill>
-                  <a:srgbClr val="007020"/>
-                </a:solidFill>
-                <a:latin typeface="Courier"/>
-              </a:rPr>
-              <a:t>c</a:t>
-            </a:r>
-            <a:r>
-              <a:rPr sz="1800">
-                <a:latin typeface="Courier"/>
-              </a:rPr>
-              <a:t>(</a:t>
-            </a:r>
-            <a:r>
-              <a:rPr sz="1800">
-                <a:solidFill>
-                  <a:srgbClr val="40A070"/>
-                </a:solidFill>
-                <a:latin typeface="Courier"/>
-              </a:rPr>
-              <a:t>50</a:t>
-            </a:r>
-            <a:r>
-              <a:rPr sz="1800">
-                <a:latin typeface="Courier"/>
-              </a:rPr>
-              <a:t>, </a:t>
-            </a:r>
-            <a:r>
-              <a:rPr sz="1800">
-                <a:solidFill>
-                  <a:srgbClr val="40A070"/>
-                </a:solidFill>
-                <a:latin typeface="Courier"/>
-              </a:rPr>
-              <a:t>25</a:t>
-            </a:r>
-            <a:r>
-              <a:rPr sz="1800">
-                <a:latin typeface="Courier"/>
-              </a:rPr>
-              <a:t>, </a:t>
-            </a:r>
-            <a:r>
-              <a:rPr sz="1800">
-                <a:solidFill>
-                  <a:srgbClr val="40A070"/>
-                </a:solidFill>
-                <a:latin typeface="Courier"/>
-              </a:rPr>
-              <a:t>32</a:t>
-            </a:r>
-            <a:r>
-              <a:rPr sz="1800">
-                <a:latin typeface="Courier"/>
-              </a:rPr>
-              <a:t>, </a:t>
-            </a:r>
-            <a:r>
-              <a:rPr sz="1800">
-                <a:solidFill>
-                  <a:srgbClr val="40A070"/>
-                </a:solidFill>
-                <a:latin typeface="Courier"/>
-              </a:rPr>
-              <a:t>67</a:t>
-            </a:r>
-            <a:r>
-              <a:rPr sz="1800">
-                <a:latin typeface="Courier"/>
-              </a:rPr>
-              <a:t>, </a:t>
-            </a:r>
-            <a:r>
-              <a:rPr sz="1800">
-                <a:solidFill>
-                  <a:srgbClr val="40A070"/>
-                </a:solidFill>
-                <a:latin typeface="Courier"/>
-              </a:rPr>
-              <a:t>46</a:t>
-            </a:r>
-            <a:r>
-              <a:rPr sz="1800">
-                <a:latin typeface="Courier"/>
-              </a:rPr>
-              <a:t>, </a:t>
-            </a:r>
-            <a:r>
-              <a:rPr sz="1800">
-                <a:solidFill>
-                  <a:srgbClr val="40A070"/>
-                </a:solidFill>
-                <a:latin typeface="Courier"/>
-              </a:rPr>
-              <a:t>19</a:t>
-            </a:r>
-            <a:r>
-              <a:rPr sz="1800">
-                <a:latin typeface="Courier"/>
-              </a:rPr>
-              <a:t>)</a:t>
-            </a:r>
-            <a:br/>
-            <a:br/>
-            <a:r>
-              <a:rPr sz="1800" i="1">
-                <a:solidFill>
-                  <a:srgbClr val="60A0B0"/>
-                </a:solidFill>
-                <a:latin typeface="Courier"/>
-              </a:rPr>
-              <a:t># What elements in the vector are &gt;= 65?</a:t>
-            </a:r>
-            <a:br/>
-            <a:r>
-              <a:rPr sz="1800">
-                <a:latin typeface="Courier"/>
-              </a:rPr>
-              <a:t>test_age </a:t>
-            </a:r>
-            <a:r>
-              <a:rPr sz="1800">
-                <a:solidFill>
-                  <a:srgbClr val="666666"/>
-                </a:solidFill>
+            <a:pPr lvl="1"/>
+            <a:r>
+              <a:rPr/>
+              <a:t>You use them to compare values</a:t>
+            </a:r>
+          </a:p>
+          <a:p>
+            <a:pPr lvl="2"/>
+            <a:r>
+              <a:rPr sz="1800">
+                <a:latin typeface="Courier"/>
+              </a:rPr>
+              <a:t>==</a:t>
+            </a:r>
+            <a:r>
+              <a:rPr/>
+              <a:t> (equal to)</a:t>
+            </a:r>
+          </a:p>
+          <a:p>
+            <a:pPr lvl="2"/>
+            <a:r>
+              <a:rPr sz="1800">
+                <a:latin typeface="Courier"/>
+              </a:rPr>
+              <a:t>!=</a:t>
+            </a:r>
+            <a:r>
+              <a:rPr/>
+              <a:t> (not equal to)</a:t>
+            </a:r>
+          </a:p>
+          <a:p>
+            <a:pPr lvl="2"/>
+            <a:r>
+              <a:rPr sz="1800">
+                <a:latin typeface="Courier"/>
+              </a:rPr>
+              <a:t>&gt;</a:t>
+            </a:r>
+            <a:r>
+              <a:rPr/>
+              <a:t> (greater than)</a:t>
+            </a:r>
+          </a:p>
+          <a:p>
+            <a:pPr lvl="2"/>
+            <a:r>
+              <a:rPr sz="1800">
+                <a:latin typeface="Courier"/>
+              </a:rPr>
+              <a:t>&lt;</a:t>
+            </a:r>
+            <a:r>
+              <a:rPr/>
+              <a:t> (less than)</a:t>
+            </a:r>
+          </a:p>
+          <a:p>
+            <a:pPr lvl="2"/>
+            <a:r>
+              <a:rPr sz="1800">
                 <a:latin typeface="Courier"/>
               </a:rPr>
               <a:t>&gt;=</a:t>
             </a:r>
             <a:r>
-              <a:rPr sz="1800">
-                <a:solidFill>
-                  <a:srgbClr val="4070A0"/>
-                </a:solidFill>
-                <a:latin typeface="Courier"/>
-              </a:rPr>
-              <a:t> </a:t>
-            </a:r>
-            <a:r>
-              <a:rPr sz="1800">
-                <a:solidFill>
-                  <a:srgbClr val="40A070"/>
-                </a:solidFill>
-                <a:latin typeface="Courier"/>
-              </a:rPr>
-              <a:t>65</a:t>
-            </a:r>
-          </a:p>
-          <a:p>
-            <a:pPr lvl="0" marL="1270000" indent="0">
-              <a:buNone/>
-            </a:pPr>
-            <a:r>
-              <a:rPr sz="1800">
-                <a:latin typeface="Courier"/>
-              </a:rPr>
-              <a:t>## [1] FALSE FALSE FALSE  TRUE FALSE FALSE</a:t>
-            </a:r>
-          </a:p>
-          <a:p>
-            <a:pPr lvl="0" marL="0" indent="0">
-              <a:buNone/>
-            </a:pPr>
-            <a:r>
-              <a:rPr/>
-              <a:t>It should return a logical vector. This can then be used to filter your vector.</a:t>
-            </a:r>
-          </a:p>
-          <a:p>
-            <a:pPr lvl="0" marL="1270000" indent="0">
-              <a:buNone/>
-            </a:pPr>
-            <a:r>
-              <a:rPr sz="1800" i="1">
-                <a:solidFill>
-                  <a:srgbClr val="60A0B0"/>
-                </a:solidFill>
-                <a:latin typeface="Courier"/>
-              </a:rPr>
-              <a:t># Extract elements of vector which are &gt;= 65</a:t>
-            </a:r>
-            <a:br/>
-            <a:r>
-              <a:rPr sz="1800">
-                <a:latin typeface="Courier"/>
-              </a:rPr>
-              <a:t>test_age[test_age </a:t>
-            </a:r>
-            <a:r>
-              <a:rPr sz="1800">
-                <a:solidFill>
-                  <a:srgbClr val="666666"/>
-                </a:solidFill>
-                <a:latin typeface="Courier"/>
-              </a:rPr>
-              <a:t>&gt;=</a:t>
-            </a:r>
-            <a:r>
-              <a:rPr sz="1800">
-                <a:solidFill>
-                  <a:srgbClr val="4070A0"/>
-                </a:solidFill>
-                <a:latin typeface="Courier"/>
-              </a:rPr>
-              <a:t> </a:t>
-            </a:r>
-            <a:r>
-              <a:rPr sz="1800">
-                <a:solidFill>
-                  <a:srgbClr val="40A070"/>
-                </a:solidFill>
-                <a:latin typeface="Courier"/>
-              </a:rPr>
-              <a:t>65</a:t>
-            </a:r>
-            <a:r>
-              <a:rPr sz="1800">
-                <a:latin typeface="Courier"/>
-              </a:rPr>
-              <a:t>]</a:t>
-            </a:r>
-          </a:p>
-          <a:p>
-            <a:pPr lvl="0" marL="1270000" indent="0">
-              <a:buNone/>
-            </a:pPr>
-            <a:r>
-              <a:rPr sz="1800">
-                <a:latin typeface="Courier"/>
-              </a:rPr>
-              <a:t>## [1] 67</a:t>
+              <a:rPr/>
+              <a:t> (greater than or equal to)</a:t>
+            </a:r>
+          </a:p>
+          <a:p>
+            <a:pPr lvl="2"/>
+            <a:r>
+              <a:rPr sz="1800">
+                <a:latin typeface="Courier"/>
+              </a:rPr>
+              <a:t>&lt;=</a:t>
+            </a:r>
+            <a:r>
+              <a:rPr/>
+              <a:t> (less than or equal to)</a:t>
+            </a:r>
+          </a:p>
+          <a:p>
+            <a:pPr lvl="2"/>
+            <a:r>
+              <a:rPr sz="1800">
+                <a:latin typeface="Courier"/>
+              </a:rPr>
+              <a:t>is.na()</a:t>
+            </a:r>
+            <a:r>
+              <a:rPr/>
+              <a:t> (is the value missing)</a:t>
+            </a:r>
+          </a:p>
+          <a:p>
+            <a:pPr lvl="1"/>
+            <a:r>
+              <a:rPr/>
+              <a:t>More than one condition?</a:t>
+            </a:r>
+          </a:p>
+          <a:p>
+            <a:pPr lvl="2"/>
+            <a:r>
+              <a:rPr sz="1800">
+                <a:latin typeface="Courier"/>
+              </a:rPr>
+              <a:t>&amp;</a:t>
+            </a:r>
+            <a:r>
+              <a:rPr/>
+              <a:t> (and)</a:t>
+            </a:r>
+          </a:p>
+          <a:p>
+            <a:pPr lvl="2"/>
+            <a:r>
+              <a:rPr sz="1800">
+                <a:latin typeface="Courier"/>
+              </a:rPr>
+              <a:t>|</a:t>
+            </a:r>
+            <a:r>
+              <a:rPr/>
+              <a:t> (or)</a:t>
             </a:r>
           </a:p>
         </p:txBody>
@@ -5370,7 +5085,39 @@
             </a:pPr>
             <a:r>
               <a:rPr/>
-              <a:t>Filter</a:t>
+              <a:t>Example</a:t>
+            </a:r>
+            <a:r>
+              <a:rPr/>
+              <a:t> </a:t>
+            </a:r>
+            <a:r>
+              <a:rPr/>
+              <a:t>of</a:t>
+            </a:r>
+            <a:r>
+              <a:rPr/>
+              <a:t> </a:t>
+            </a:r>
+            <a:r>
+              <a:rPr/>
+              <a:t>using</a:t>
+            </a:r>
+            <a:r>
+              <a:rPr/>
+              <a:t> </a:t>
+            </a:r>
+            <a:r>
+              <a:rPr/>
+              <a:t>logical</a:t>
+            </a:r>
+            <a:r>
+              <a:rPr/>
+              <a:t> </a:t>
+            </a:r>
+            <a:r>
+              <a:rPr/>
+              <a:t>operators</a:t>
             </a:r>
           </a:p>
         </p:txBody>
@@ -5401,7 +5148,7 @@
             </a:pPr>
             <a:r>
               <a:rPr/>
-              <a:t>Choose rows based on the conditions you specify.</a:t>
+              <a:t>Try running:</a:t>
             </a:r>
           </a:p>
           <a:p>
@@ -5412,7 +5159,139 @@
               <a:rPr sz="1800">
                 <a:latin typeface="Courier"/>
               </a:rPr>
-              <a:t>cchic </a:t>
+              <a:t>test_age &lt;-</a:t>
+            </a:r>
+            <a:r>
+              <a:rPr sz="1800">
+                <a:solidFill>
+                  <a:srgbClr val="4070A0"/>
+                </a:solidFill>
+                <a:latin typeface="Courier"/>
+              </a:rPr>
+              <a:t> </a:t>
+            </a:r>
+            <a:r>
+              <a:rPr sz="1800" b="1">
+                <a:solidFill>
+                  <a:srgbClr val="007020"/>
+                </a:solidFill>
+                <a:latin typeface="Courier"/>
+              </a:rPr>
+              <a:t>c</a:t>
+            </a:r>
+            <a:r>
+              <a:rPr sz="1800">
+                <a:latin typeface="Courier"/>
+              </a:rPr>
+              <a:t>(</a:t>
+            </a:r>
+            <a:r>
+              <a:rPr sz="1800">
+                <a:solidFill>
+                  <a:srgbClr val="40A070"/>
+                </a:solidFill>
+                <a:latin typeface="Courier"/>
+              </a:rPr>
+              <a:t>50</a:t>
+            </a:r>
+            <a:r>
+              <a:rPr sz="1800">
+                <a:latin typeface="Courier"/>
+              </a:rPr>
+              <a:t>, </a:t>
+            </a:r>
+            <a:r>
+              <a:rPr sz="1800">
+                <a:solidFill>
+                  <a:srgbClr val="40A070"/>
+                </a:solidFill>
+                <a:latin typeface="Courier"/>
+              </a:rPr>
+              <a:t>25</a:t>
+            </a:r>
+            <a:r>
+              <a:rPr sz="1800">
+                <a:latin typeface="Courier"/>
+              </a:rPr>
+              <a:t>, </a:t>
+            </a:r>
+            <a:r>
+              <a:rPr sz="1800">
+                <a:solidFill>
+                  <a:srgbClr val="40A070"/>
+                </a:solidFill>
+                <a:latin typeface="Courier"/>
+              </a:rPr>
+              <a:t>32</a:t>
+            </a:r>
+            <a:r>
+              <a:rPr sz="1800">
+                <a:latin typeface="Courier"/>
+              </a:rPr>
+              <a:t>, </a:t>
+            </a:r>
+            <a:r>
+              <a:rPr sz="1800">
+                <a:solidFill>
+                  <a:srgbClr val="40A070"/>
+                </a:solidFill>
+                <a:latin typeface="Courier"/>
+              </a:rPr>
+              <a:t>67</a:t>
+            </a:r>
+            <a:r>
+              <a:rPr sz="1800">
+                <a:latin typeface="Courier"/>
+              </a:rPr>
+              <a:t>, </a:t>
+            </a:r>
+            <a:r>
+              <a:rPr sz="1800">
+                <a:solidFill>
+                  <a:srgbClr val="40A070"/>
+                </a:solidFill>
+                <a:latin typeface="Courier"/>
+              </a:rPr>
+              <a:t>46</a:t>
+            </a:r>
+            <a:r>
+              <a:rPr sz="1800">
+                <a:latin typeface="Courier"/>
+              </a:rPr>
+              <a:t>, </a:t>
+            </a:r>
+            <a:r>
+              <a:rPr sz="1800">
+                <a:solidFill>
+                  <a:srgbClr val="40A070"/>
+                </a:solidFill>
+                <a:latin typeface="Courier"/>
+              </a:rPr>
+              <a:t>19</a:t>
+            </a:r>
+            <a:r>
+              <a:rPr sz="1800">
+                <a:latin typeface="Courier"/>
+              </a:rPr>
+              <a:t>)</a:t>
+            </a:r>
+            <a:br/>
+            <a:br/>
+            <a:r>
+              <a:rPr sz="1800" i="1">
+                <a:solidFill>
+                  <a:srgbClr val="60A0B0"/>
+                </a:solidFill>
+                <a:latin typeface="Courier"/>
+              </a:rPr>
+              <a:t># What elements in the vector are &gt;= 65?</a:t>
+            </a:r>
+            <a:br/>
+            <a:r>
+              <a:rPr sz="1800">
+                <a:latin typeface="Courier"/>
+              </a:rPr>
+              <a:t>test_age </a:t>
             </a:r>
             <a:r>
               <a:rPr sz="1800">
@@ -5421,64 +5300,83 @@
                 </a:solidFill>
                 <a:latin typeface="Courier"/>
               </a:rPr>
-              <a:t>%&gt;%</a:t>
+              <a:t>&gt;=</a:t>
+            </a:r>
+            <a:r>
+              <a:rPr sz="1800">
+                <a:solidFill>
+                  <a:srgbClr val="4070A0"/>
+                </a:solidFill>
+                <a:latin typeface="Courier"/>
+              </a:rPr>
+              <a:t> </a:t>
+            </a:r>
+            <a:r>
+              <a:rPr sz="1800">
+                <a:solidFill>
+                  <a:srgbClr val="40A070"/>
+                </a:solidFill>
+                <a:latin typeface="Courier"/>
+              </a:rPr>
+              <a:t>65</a:t>
+            </a:r>
+          </a:p>
+          <a:p>
+            <a:pPr lvl="0" marL="1270000" indent="0">
+              <a:buNone/>
+            </a:pPr>
+            <a:r>
+              <a:rPr sz="1800">
+                <a:latin typeface="Courier"/>
+              </a:rPr>
+              <a:t>## [1] FALSE FALSE FALSE  TRUE FALSE FALSE</a:t>
+            </a:r>
+          </a:p>
+          <a:p>
+            <a:pPr lvl="0" marL="0" indent="0">
+              <a:buNone/>
+            </a:pPr>
+            <a:r>
+              <a:rPr/>
+              <a:t>It should return a logical vector. This can then be used to filter your vector.</a:t>
+            </a:r>
+          </a:p>
+          <a:p>
+            <a:pPr lvl="0" marL="1270000" indent="0">
+              <a:buNone/>
+            </a:pPr>
+            <a:r>
+              <a:rPr sz="1800" i="1">
+                <a:solidFill>
+                  <a:srgbClr val="60A0B0"/>
+                </a:solidFill>
+                <a:latin typeface="Courier"/>
+              </a:rPr>
+              <a:t># Extract elements of vector which are &gt;= 65</a:t>
             </a:r>
             <a:br/>
             <a:r>
               <a:rPr sz="1800">
+                <a:latin typeface="Courier"/>
+              </a:rPr>
+              <a:t>test_age[test_age </a:t>
+            </a:r>
+            <a:r>
+              <a:rPr sz="1800">
+                <a:solidFill>
+                  <a:srgbClr val="666666"/>
+                </a:solidFill>
+                <a:latin typeface="Courier"/>
+              </a:rPr>
+              <a:t>&gt;=</a:t>
+            </a:r>
+            <a:r>
+              <a:rPr sz="1800">
                 <a:solidFill>
                   <a:srgbClr val="4070A0"/>
                 </a:solidFill>
                 <a:latin typeface="Courier"/>
               </a:rPr>
-              <a:t>  </a:t>
-            </a:r>
-            <a:r>
-              <a:rPr sz="1800">
-                <a:latin typeface="Courier"/>
-              </a:rPr>
-              <a:t>dplyr</a:t>
-            </a:r>
-            <a:r>
-              <a:rPr sz="1800">
-                <a:solidFill>
-                  <a:srgbClr val="666666"/>
-                </a:solidFill>
-                <a:latin typeface="Courier"/>
-              </a:rPr>
-              <a:t>::</a:t>
-            </a:r>
-            <a:r>
-              <a:rPr sz="1800" b="1">
-                <a:solidFill>
-                  <a:srgbClr val="007020"/>
-                </a:solidFill>
-                <a:latin typeface="Courier"/>
-              </a:rPr>
-              <a:t>filter</a:t>
-            </a:r>
-            <a:r>
-              <a:rPr sz="1800">
-                <a:latin typeface="Courier"/>
-              </a:rPr>
-              <a:t>(age_years </a:t>
-            </a:r>
-            <a:r>
-              <a:rPr sz="1800">
-                <a:solidFill>
-                  <a:srgbClr val="666666"/>
-                </a:solidFill>
-                <a:latin typeface="Courier"/>
-              </a:rPr>
-              <a:t>&gt;=</a:t>
-            </a:r>
-            <a:r>
-              <a:rPr sz="1800">
-                <a:solidFill>
-                  <a:srgbClr val="4070A0"/>
-                </a:solidFill>
-                <a:latin typeface="Courier"/>
-              </a:rPr>
               <a:t> </a:t>
             </a:r>
             <a:r>
@@ -5494,16 +5392,18 @@
               <a:rPr sz="1800">
                 <a:latin typeface="Courier"/>
               </a:rPr>
-              <a:t>)</a:t>
-            </a:r>
-          </a:p>
-          <a:p>
-            <a:pPr lvl="0" marL="0" indent="0">
+              <a:t>]</a:t>
+            </a:r>
+          </a:p>
+          <a:p>
+            <a:pPr lvl="0" marL="1270000" indent="0">
               <a:buNone/>
             </a:pPr>
             <a:r>
-              <a:rPr/>
-              <a:t>The output is a data frame where all patients are 65 years or older.</a:t>
+              <a:rPr sz="1800">
+                <a:latin typeface="Courier"/>
+              </a:rPr>
+              <a:t>## [1] 67</a:t>
             </a:r>
           </a:p>
         </p:txBody>
@@ -5556,7 +5456,7 @@
             </a:pPr>
             <a:r>
               <a:rPr/>
-              <a:t>Select</a:t>
+              <a:t>filter()</a:t>
             </a:r>
           </a:p>
         </p:txBody>
@@ -5587,7 +5487,7 @@
             </a:pPr>
             <a:r>
               <a:rPr/>
-              <a:t>Allows you to choose specific variables from your dataset.</a:t>
+              <a:t>Choose rows based on the conditions you specify.</a:t>
             </a:r>
           </a:p>
           <a:p>
@@ -5641,13 +5541,46 @@
                 </a:solidFill>
                 <a:latin typeface="Courier"/>
               </a:rPr>
-              <a:t>select</a:t>
-            </a:r>
-            <a:r>
-              <a:rPr sz="1800">
-                <a:latin typeface="Courier"/>
-              </a:rPr>
-              <a:t>(sex)</a:t>
+              <a:t>filter</a:t>
+            </a:r>
+            <a:r>
+              <a:rPr sz="1800">
+                <a:latin typeface="Courier"/>
+              </a:rPr>
+              <a:t>(age_years </a:t>
+            </a:r>
+            <a:r>
+              <a:rPr sz="1800">
+                <a:solidFill>
+                  <a:srgbClr val="666666"/>
+                </a:solidFill>
+                <a:latin typeface="Courier"/>
+              </a:rPr>
+              <a:t>&gt;=</a:t>
+            </a:r>
+            <a:r>
+              <a:rPr sz="1800">
+                <a:solidFill>
+                  <a:srgbClr val="4070A0"/>
+                </a:solidFill>
+                <a:latin typeface="Courier"/>
+              </a:rPr>
+              <a:t> </a:t>
+            </a:r>
+            <a:r>
+              <a:rPr sz="1800">
+                <a:solidFill>
+                  <a:srgbClr val="40A070"/>
+                </a:solidFill>
+                <a:latin typeface="Courier"/>
+              </a:rPr>
+              <a:t>65</a:t>
+            </a:r>
+            <a:r>
+              <a:rPr sz="1800">
+                <a:latin typeface="Courier"/>
+              </a:rPr>
+              <a:t>)</a:t>
             </a:r>
           </a:p>
           <a:p>
@@ -5656,7 +5589,7 @@
             </a:pPr>
             <a:r>
               <a:rPr/>
-              <a:t>Output is a data frame with the gender of all patients.</a:t>
+              <a:t>The output is a data frame where all patients are 65 years or older.</a:t>
             </a:r>
           </a:p>
         </p:txBody>
@@ -5709,39 +5642,7 @@
             </a:pPr>
             <a:r>
               <a:rPr/>
-              <a:t>Using</a:t>
-            </a:r>
-            <a:r>
-              <a:rPr/>
-              <a:t> </a:t>
-            </a:r>
-            <a:r>
-              <a:rPr/>
-              <a:t>filter</a:t>
-            </a:r>
-            <a:r>
-              <a:rPr/>
-              <a:t> </a:t>
-            </a:r>
-            <a:r>
-              <a:rPr/>
-              <a:t>and</a:t>
-            </a:r>
-            <a:r>
-              <a:rPr/>
-              <a:t> </a:t>
-            </a:r>
-            <a:r>
-              <a:rPr/>
-              <a:t>select</a:t>
-            </a:r>
-            <a:r>
-              <a:rPr/>
-              <a:t> </a:t>
-            </a:r>
-            <a:r>
-              <a:rPr/>
-              <a:t>together</a:t>
+              <a:t>select()</a:t>
             </a:r>
           </a:p>
         </p:txBody>
@@ -5767,6 +5668,15 @@
           <a:bodyPr/>
           <a:lstStyle/>
           <a:p>
+            <a:pPr lvl="0" marL="0" indent="0">
+              <a:buNone/>
+            </a:pPr>
+            <a:r>
+              <a:rPr/>
+              <a:t>Allows you to choose specific variables from your dataset.</a:t>
+            </a:r>
+          </a:p>
+          <a:p>
             <a:pPr lvl="0" marL="1270000" indent="0">
               <a:buNone/>
             </a:pPr>
@@ -5817,88 +5727,6 @@
                 </a:solidFill>
                 <a:latin typeface="Courier"/>
               </a:rPr>
-              <a:t>filter</a:t>
-            </a:r>
-            <a:r>
-              <a:rPr sz="1800">
-                <a:latin typeface="Courier"/>
-              </a:rPr>
-              <a:t>(age_years </a:t>
-            </a:r>
-            <a:r>
-              <a:rPr sz="1800">
-                <a:solidFill>
-                  <a:srgbClr val="666666"/>
-                </a:solidFill>
-                <a:latin typeface="Courier"/>
-              </a:rPr>
-              <a:t>&gt;=</a:t>
-            </a:r>
-            <a:r>
-              <a:rPr sz="1800">
-                <a:solidFill>
-                  <a:srgbClr val="4070A0"/>
-                </a:solidFill>
-                <a:latin typeface="Courier"/>
-              </a:rPr>
-              <a:t> </a:t>
-            </a:r>
-            <a:r>
-              <a:rPr sz="1800">
-                <a:solidFill>
-                  <a:srgbClr val="40A070"/>
-                </a:solidFill>
-                <a:latin typeface="Courier"/>
-              </a:rPr>
-              <a:t>65</a:t>
-            </a:r>
-            <a:r>
-              <a:rPr sz="1800">
-                <a:latin typeface="Courier"/>
-              </a:rPr>
-              <a:t>) </a:t>
-            </a:r>
-            <a:r>
-              <a:rPr sz="1800">
-                <a:solidFill>
-                  <a:srgbClr val="666666"/>
-                </a:solidFill>
-                <a:latin typeface="Courier"/>
-              </a:rPr>
-              <a:t>%&gt;%</a:t>
-            </a:r>
-            <a:br/>
-            <a:r>
-              <a:rPr sz="1800">
-                <a:solidFill>
-                  <a:srgbClr val="4070A0"/>
-                </a:solidFill>
-                <a:latin typeface="Courier"/>
-              </a:rPr>
-              <a:t>  </a:t>
-            </a:r>
-            <a:r>
-              <a:rPr sz="1800">
-                <a:latin typeface="Courier"/>
-              </a:rPr>
-              <a:t>dplyr</a:t>
-            </a:r>
-            <a:r>
-              <a:rPr sz="1800">
-                <a:solidFill>
-                  <a:srgbClr val="666666"/>
-                </a:solidFill>
-                <a:latin typeface="Courier"/>
-              </a:rPr>
-              <a:t>::</a:t>
-            </a:r>
-            <a:r>
-              <a:rPr sz="1800" b="1">
-                <a:solidFill>
-                  <a:srgbClr val="007020"/>
-                </a:solidFill>
-                <a:latin typeface="Courier"/>
-              </a:rPr>
               <a:t>select</a:t>
             </a:r>
             <a:r>
@@ -5914,45 +5742,7 @@
             </a:pPr>
             <a:r>
               <a:rPr/>
-              <a:t>Output is the gender of patients who are 65 years or older.</a:t>
-            </a:r>
-          </a:p>
-          <a:p>
-            <a:pPr lvl="0" marL="0" indent="0">
-              <a:buNone/>
-            </a:pPr>
-            <a:r>
-              <a:rPr/>
-              <a:t>What happens if you do </a:t>
-            </a:r>
-            <a:r>
-              <a:rPr sz="1800">
-                <a:latin typeface="Courier"/>
-              </a:rPr>
-              <a:t>select()</a:t>
-            </a:r>
-            <a:r>
-              <a:rPr/>
-              <a:t> and then </a:t>
-            </a:r>
-            <a:r>
-              <a:rPr sz="1800">
-                <a:latin typeface="Courier"/>
-              </a:rPr>
-              <a:t>filter()</a:t>
-            </a:r>
-            <a:r>
-              <a:rPr/>
-              <a:t>?</a:t>
-            </a:r>
-          </a:p>
-          <a:p>
-            <a:pPr lvl="0" marL="0" indent="0">
-              <a:buNone/>
-            </a:pPr>
-            <a:r>
-              <a:rPr/>
-              <a:t>You have removed the age variable from the dataset, so you can’t filter based on age.</a:t>
+              <a:t>Output is a data frame with the gender of all patients.</a:t>
             </a:r>
           </a:p>
         </p:txBody>
@@ -6005,31 +5795,39 @@
             </a:pPr>
             <a:r>
               <a:rPr/>
-              <a:t>Piped</a:t>
-            </a:r>
-            <a:r>
-              <a:rPr/>
-              <a:t> </a:t>
-            </a:r>
-            <a:r>
-              <a:rPr/>
-              <a:t>data</a:t>
-            </a:r>
-            <a:r>
-              <a:rPr/>
-              <a:t> </a:t>
-            </a:r>
-            <a:r>
-              <a:rPr/>
-              <a:t>with</a:t>
-            </a:r>
-            <a:r>
-              <a:rPr/>
-              <a:t> </a:t>
-            </a:r>
-            <a:r>
-              <a:rPr/>
-              <a:t>functions</a:t>
+              <a:t>Using</a:t>
+            </a:r>
+            <a:r>
+              <a:rPr/>
+              <a:t> </a:t>
+            </a:r>
+            <a:r>
+              <a:rPr/>
+              <a:t>filter()</a:t>
+            </a:r>
+            <a:r>
+              <a:rPr/>
+              <a:t> </a:t>
+            </a:r>
+            <a:r>
+              <a:rPr/>
+              <a:t>and</a:t>
+            </a:r>
+            <a:r>
+              <a:rPr/>
+              <a:t> </a:t>
+            </a:r>
+            <a:r>
+              <a:rPr/>
+              <a:t>select()</a:t>
+            </a:r>
+            <a:r>
+              <a:rPr/>
+              <a:t> </a:t>
+            </a:r>
+            <a:r>
+              <a:rPr/>
+              <a:t>together</a:t>
             </a:r>
           </a:p>
         </p:txBody>
@@ -6055,197 +5853,187 @@
           <a:bodyPr/>
           <a:lstStyle/>
           <a:p>
+            <a:pPr lvl="0" marL="1270000" indent="0">
+              <a:buNone/>
+            </a:pPr>
+            <a:r>
+              <a:rPr sz="1800">
+                <a:latin typeface="Courier"/>
+              </a:rPr>
+              <a:t>cchic </a:t>
+            </a:r>
+            <a:r>
+              <a:rPr sz="1800">
+                <a:solidFill>
+                  <a:srgbClr val="666666"/>
+                </a:solidFill>
+                <a:latin typeface="Courier"/>
+              </a:rPr>
+              <a:t>%&gt;%</a:t>
+            </a:r>
+            <a:br/>
+            <a:r>
+              <a:rPr sz="1800">
+                <a:solidFill>
+                  <a:srgbClr val="4070A0"/>
+                </a:solidFill>
+                <a:latin typeface="Courier"/>
+              </a:rPr>
+              <a:t>  </a:t>
+            </a:r>
+            <a:r>
+              <a:rPr sz="1800">
+                <a:latin typeface="Courier"/>
+              </a:rPr>
+              <a:t>dplyr</a:t>
+            </a:r>
+            <a:r>
+              <a:rPr sz="1800">
+                <a:solidFill>
+                  <a:srgbClr val="666666"/>
+                </a:solidFill>
+                <a:latin typeface="Courier"/>
+              </a:rPr>
+              <a:t>::</a:t>
+            </a:r>
+            <a:r>
+              <a:rPr sz="1800" b="1">
+                <a:solidFill>
+                  <a:srgbClr val="007020"/>
+                </a:solidFill>
+                <a:latin typeface="Courier"/>
+              </a:rPr>
+              <a:t>filter</a:t>
+            </a:r>
+            <a:r>
+              <a:rPr sz="1800">
+                <a:latin typeface="Courier"/>
+              </a:rPr>
+              <a:t>(age_years </a:t>
+            </a:r>
+            <a:r>
+              <a:rPr sz="1800">
+                <a:solidFill>
+                  <a:srgbClr val="666666"/>
+                </a:solidFill>
+                <a:latin typeface="Courier"/>
+              </a:rPr>
+              <a:t>&gt;=</a:t>
+            </a:r>
+            <a:r>
+              <a:rPr sz="1800">
+                <a:solidFill>
+                  <a:srgbClr val="4070A0"/>
+                </a:solidFill>
+                <a:latin typeface="Courier"/>
+              </a:rPr>
+              <a:t> </a:t>
+            </a:r>
+            <a:r>
+              <a:rPr sz="1800">
+                <a:solidFill>
+                  <a:srgbClr val="40A070"/>
+                </a:solidFill>
+                <a:latin typeface="Courier"/>
+              </a:rPr>
+              <a:t>65</a:t>
+            </a:r>
+            <a:r>
+              <a:rPr sz="1800">
+                <a:latin typeface="Courier"/>
+              </a:rPr>
+              <a:t>) </a:t>
+            </a:r>
+            <a:r>
+              <a:rPr sz="1800">
+                <a:solidFill>
+                  <a:srgbClr val="666666"/>
+                </a:solidFill>
+                <a:latin typeface="Courier"/>
+              </a:rPr>
+              <a:t>%&gt;%</a:t>
+            </a:r>
+            <a:br/>
+            <a:r>
+              <a:rPr sz="1800">
+                <a:solidFill>
+                  <a:srgbClr val="4070A0"/>
+                </a:solidFill>
+                <a:latin typeface="Courier"/>
+              </a:rPr>
+              <a:t>  </a:t>
+            </a:r>
+            <a:r>
+              <a:rPr sz="1800">
+                <a:latin typeface="Courier"/>
+              </a:rPr>
+              <a:t>dplyr</a:t>
+            </a:r>
+            <a:r>
+              <a:rPr sz="1800">
+                <a:solidFill>
+                  <a:srgbClr val="666666"/>
+                </a:solidFill>
+                <a:latin typeface="Courier"/>
+              </a:rPr>
+              <a:t>::</a:t>
+            </a:r>
+            <a:r>
+              <a:rPr sz="1800" b="1">
+                <a:solidFill>
+                  <a:srgbClr val="007020"/>
+                </a:solidFill>
+                <a:latin typeface="Courier"/>
+              </a:rPr>
+              <a:t>select</a:t>
+            </a:r>
+            <a:r>
+              <a:rPr sz="1800">
+                <a:latin typeface="Courier"/>
+              </a:rPr>
+              <a:t>(sex)</a:t>
+            </a:r>
+          </a:p>
+          <a:p>
             <a:pPr lvl="0" marL="0" indent="0">
               <a:buNone/>
             </a:pPr>
             <a:r>
               <a:rPr/>
-              <a:t>Piped data can be passed on to almost any function in R</a:t>
-            </a:r>
-          </a:p>
-          <a:p>
-            <a:pPr lvl="0" marL="1270000" indent="0">
+              <a:t>Output is the gender of patients who are 65 years or older.</a:t>
+            </a:r>
+          </a:p>
+          <a:p>
+            <a:pPr lvl="0" marL="0" indent="0">
               <a:buNone/>
             </a:pPr>
             <a:r>
-              <a:rPr sz="1800">
-                <a:latin typeface="Courier"/>
-              </a:rPr>
-              <a:t>cchic </a:t>
-            </a:r>
-            <a:r>
-              <a:rPr sz="1800">
-                <a:solidFill>
-                  <a:srgbClr val="666666"/>
-                </a:solidFill>
-                <a:latin typeface="Courier"/>
-              </a:rPr>
-              <a:t>%&gt;%</a:t>
-            </a:r>
-            <a:br/>
-            <a:r>
-              <a:rPr sz="1800">
-                <a:solidFill>
-                  <a:srgbClr val="4070A0"/>
-                </a:solidFill>
-                <a:latin typeface="Courier"/>
-              </a:rPr>
-              <a:t>  </a:t>
-            </a:r>
-            <a:r>
-              <a:rPr sz="1800">
-                <a:latin typeface="Courier"/>
-              </a:rPr>
-              <a:t>dplyr</a:t>
-            </a:r>
-            <a:r>
-              <a:rPr sz="1800">
-                <a:solidFill>
-                  <a:srgbClr val="666666"/>
-                </a:solidFill>
-                <a:latin typeface="Courier"/>
-              </a:rPr>
-              <a:t>::</a:t>
-            </a:r>
-            <a:r>
-              <a:rPr sz="1800" b="1">
-                <a:solidFill>
-                  <a:srgbClr val="007020"/>
-                </a:solidFill>
-                <a:latin typeface="Courier"/>
-              </a:rPr>
-              <a:t>filter</a:t>
-            </a:r>
-            <a:r>
-              <a:rPr sz="1800">
-                <a:latin typeface="Courier"/>
-              </a:rPr>
-              <a:t>(age_years </a:t>
-            </a:r>
-            <a:r>
-              <a:rPr sz="1800">
-                <a:solidFill>
-                  <a:srgbClr val="666666"/>
-                </a:solidFill>
-                <a:latin typeface="Courier"/>
-              </a:rPr>
-              <a:t>&gt;=</a:t>
-            </a:r>
-            <a:r>
-              <a:rPr sz="1800">
-                <a:solidFill>
-                  <a:srgbClr val="4070A0"/>
-                </a:solidFill>
-                <a:latin typeface="Courier"/>
-              </a:rPr>
-              <a:t> </a:t>
-            </a:r>
-            <a:r>
-              <a:rPr sz="1800">
-                <a:solidFill>
-                  <a:srgbClr val="40A070"/>
-                </a:solidFill>
-                <a:latin typeface="Courier"/>
-              </a:rPr>
-              <a:t>65</a:t>
-            </a:r>
-            <a:r>
-              <a:rPr sz="1800">
-                <a:latin typeface="Courier"/>
-              </a:rPr>
-              <a:t>) </a:t>
-            </a:r>
-            <a:r>
-              <a:rPr sz="1800">
-                <a:solidFill>
-                  <a:srgbClr val="666666"/>
-                </a:solidFill>
-                <a:latin typeface="Courier"/>
-              </a:rPr>
-              <a:t>%&gt;%</a:t>
-            </a:r>
-            <a:br/>
-            <a:r>
-              <a:rPr sz="1800">
-                <a:solidFill>
-                  <a:srgbClr val="4070A0"/>
-                </a:solidFill>
-                <a:latin typeface="Courier"/>
-              </a:rPr>
-              <a:t>  </a:t>
-            </a:r>
-            <a:r>
-              <a:rPr sz="1800">
-                <a:latin typeface="Courier"/>
-              </a:rPr>
-              <a:t>dplyr</a:t>
-            </a:r>
-            <a:r>
-              <a:rPr sz="1800">
-                <a:solidFill>
-                  <a:srgbClr val="666666"/>
-                </a:solidFill>
-                <a:latin typeface="Courier"/>
-              </a:rPr>
-              <a:t>::</a:t>
-            </a:r>
-            <a:r>
-              <a:rPr sz="1800" b="1">
-                <a:solidFill>
-                  <a:srgbClr val="007020"/>
-                </a:solidFill>
-                <a:latin typeface="Courier"/>
-              </a:rPr>
-              <a:t>select</a:t>
-            </a:r>
-            <a:r>
-              <a:rPr sz="1800">
-                <a:latin typeface="Courier"/>
-              </a:rPr>
-              <a:t>(sex) </a:t>
-            </a:r>
-            <a:r>
-              <a:rPr sz="1800">
-                <a:solidFill>
-                  <a:srgbClr val="666666"/>
-                </a:solidFill>
-                <a:latin typeface="Courier"/>
-              </a:rPr>
-              <a:t>%&gt;%</a:t>
-            </a:r>
-            <a:br/>
-            <a:r>
-              <a:rPr sz="1800">
-                <a:solidFill>
-                  <a:srgbClr val="4070A0"/>
-                </a:solidFill>
-                <a:latin typeface="Courier"/>
-              </a:rPr>
-              <a:t>  </a:t>
-            </a:r>
-            <a:r>
-              <a:rPr sz="1800" b="1">
-                <a:solidFill>
-                  <a:srgbClr val="007020"/>
-                </a:solidFill>
-                <a:latin typeface="Courier"/>
-              </a:rPr>
-              <a:t>summary</a:t>
-            </a:r>
-            <a:r>
-              <a:rPr sz="1800">
-                <a:latin typeface="Courier"/>
-              </a:rPr>
-              <a:t>()</a:t>
-            </a:r>
-          </a:p>
-          <a:p>
-            <a:pPr lvl="0" marL="0" indent="0">
-              <a:buNone/>
-            </a:pPr>
-            <a:r>
-              <a:rPr/>
-              <a:t>Gives information on gender for patients older than 65.</a:t>
+              <a:rPr b="1"/>
+              <a:t>Question</a:t>
+            </a:r>
+            <a:r>
+              <a:rPr/>
+              <a:t>:What happens if you do </a:t>
+            </a:r>
+            <a:r>
+              <a:rPr sz="1800">
+                <a:latin typeface="Courier"/>
+              </a:rPr>
+              <a:t>select()</a:t>
+            </a:r>
+            <a:r>
+              <a:rPr/>
+              <a:t> and then </a:t>
+            </a:r>
+            <a:r>
+              <a:rPr sz="1800">
+                <a:latin typeface="Courier"/>
+              </a:rPr>
+              <a:t>filter()</a:t>
+            </a:r>
+            <a:r>
+              <a:rPr/>
+              <a:t>?</a:t>
             </a:r>
           </a:p>
         </p:txBody>
@@ -6298,31 +6086,39 @@
             </a:pPr>
             <a:r>
               <a:rPr/>
-              <a:t>Other</a:t>
-            </a:r>
-            <a:r>
-              <a:rPr/>
-              <a:t> </a:t>
-            </a:r>
-            <a:r>
-              <a:rPr/>
-              <a:t>dplyr</a:t>
-            </a:r>
-            <a:r>
-              <a:rPr/>
-              <a:t> </a:t>
-            </a:r>
-            <a:r>
-              <a:rPr/>
-              <a:t>wrangling</a:t>
-            </a:r>
-            <a:r>
-              <a:rPr/>
-              <a:t> </a:t>
-            </a:r>
-            <a:r>
-              <a:rPr/>
-              <a:t>verbs</a:t>
+              <a:t>Using</a:t>
+            </a:r>
+            <a:r>
+              <a:rPr/>
+              <a:t> </a:t>
+            </a:r>
+            <a:r>
+              <a:rPr/>
+              <a:t>filter()</a:t>
+            </a:r>
+            <a:r>
+              <a:rPr/>
+              <a:t> </a:t>
+            </a:r>
+            <a:r>
+              <a:rPr/>
+              <a:t>and</a:t>
+            </a:r>
+            <a:r>
+              <a:rPr/>
+              <a:t> </a:t>
+            </a:r>
+            <a:r>
+              <a:rPr/>
+              <a:t>select()</a:t>
+            </a:r>
+            <a:r>
+              <a:rPr/>
+              <a:t> </a:t>
+            </a:r>
+            <a:r>
+              <a:rPr/>
+              <a:t>together</a:t>
             </a:r>
           </a:p>
         </p:txBody>
@@ -6348,21 +6144,45 @@
           <a:bodyPr/>
           <a:lstStyle/>
           <a:p>
-            <a:pPr lvl="1"/>
-            <a:r>
-              <a:rPr sz="1800">
-                <a:latin typeface="Courier"/>
-              </a:rPr>
-              <a:t>group_by()</a:t>
-            </a:r>
-          </a:p>
-          <a:p>
-            <a:pPr lvl="1"/>
-            <a:r>
-              <a:rPr sz="1800">
-                <a:latin typeface="Courier"/>
-              </a:rPr>
-              <a:t>summarise()</a:t>
+            <a:pPr lvl="0" marL="0" indent="0">
+              <a:buNone/>
+            </a:pPr>
+            <a:r>
+              <a:rPr b="1"/>
+              <a:t>Question</a:t>
+            </a:r>
+            <a:r>
+              <a:rPr/>
+              <a:t>:What happens if you do </a:t>
+            </a:r>
+            <a:r>
+              <a:rPr sz="1800">
+                <a:latin typeface="Courier"/>
+              </a:rPr>
+              <a:t>select()</a:t>
+            </a:r>
+            <a:r>
+              <a:rPr/>
+              <a:t> and then </a:t>
+            </a:r>
+            <a:r>
+              <a:rPr sz="1800">
+                <a:latin typeface="Courier"/>
+              </a:rPr>
+              <a:t>filter()</a:t>
+            </a:r>
+            <a:r>
+              <a:rPr/>
+              <a:t>?</a:t>
+            </a:r>
+          </a:p>
+          <a:p>
+            <a:pPr lvl="0" marL="0" indent="0">
+              <a:buNone/>
+            </a:pPr>
+            <a:r>
+              <a:rPr i="1"/>
+              <a:t>You have removed the age variable from the dataset, so you can’t filter based on age.</a:t>
             </a:r>
           </a:p>
         </p:txBody>
@@ -6415,55 +6235,31 @@
             </a:pPr>
             <a:r>
               <a:rPr/>
-              <a:t>Example</a:t>
-            </a:r>
-            <a:r>
-              <a:rPr/>
-              <a:t> </a:t>
-            </a:r>
-            <a:r>
-              <a:rPr/>
-              <a:t>of</a:t>
-            </a:r>
-            <a:r>
-              <a:rPr/>
-              <a:t> </a:t>
-            </a:r>
-            <a:r>
-              <a:rPr/>
-              <a:t>using</a:t>
-            </a:r>
-            <a:r>
-              <a:rPr/>
-              <a:t> </a:t>
-            </a:r>
-            <a:r>
-              <a:rPr/>
-              <a:t>group</a:t>
-            </a:r>
-            <a:r>
-              <a:rPr/>
-              <a:t> </a:t>
-            </a:r>
-            <a:r>
-              <a:rPr/>
-              <a:t>by</a:t>
-            </a:r>
-            <a:r>
-              <a:rPr/>
-              <a:t> </a:t>
-            </a:r>
-            <a:r>
-              <a:rPr/>
-              <a:t>and</a:t>
-            </a:r>
-            <a:r>
-              <a:rPr/>
-              <a:t> </a:t>
-            </a:r>
-            <a:r>
-              <a:rPr/>
-              <a:t>summarise</a:t>
+              <a:t>Piped</a:t>
+            </a:r>
+            <a:r>
+              <a:rPr/>
+              <a:t> </a:t>
+            </a:r>
+            <a:r>
+              <a:rPr/>
+              <a:t>data</a:t>
+            </a:r>
+            <a:r>
+              <a:rPr/>
+              <a:t> </a:t>
+            </a:r>
+            <a:r>
+              <a:rPr/>
+              <a:t>with</a:t>
+            </a:r>
+            <a:r>
+              <a:rPr/>
+              <a:t> </a:t>
+            </a:r>
+            <a:r>
+              <a:rPr/>
+              <a:t>functions</a:t>
             </a:r>
           </a:p>
         </p:txBody>
@@ -6494,7 +6290,7 @@
             </a:pPr>
             <a:r>
               <a:rPr/>
-              <a:t>Try this.</a:t>
+              <a:t>Piped data can be passed on to almost any function in R</a:t>
             </a:r>
           </a:p>
           <a:p>
@@ -6548,7 +6344,89 @@
                 </a:solidFill>
                 <a:latin typeface="Courier"/>
               </a:rPr>
-              <a:t>group_by</a:t>
+              <a:t>filter</a:t>
+            </a:r>
+            <a:r>
+              <a:rPr sz="1800">
+                <a:latin typeface="Courier"/>
+              </a:rPr>
+              <a:t>(age_years </a:t>
+            </a:r>
+            <a:r>
+              <a:rPr sz="1800">
+                <a:solidFill>
+                  <a:srgbClr val="666666"/>
+                </a:solidFill>
+                <a:latin typeface="Courier"/>
+              </a:rPr>
+              <a:t>&gt;=</a:t>
+            </a:r>
+            <a:r>
+              <a:rPr sz="1800">
+                <a:solidFill>
+                  <a:srgbClr val="4070A0"/>
+                </a:solidFill>
+                <a:latin typeface="Courier"/>
+              </a:rPr>
+              <a:t> </a:t>
+            </a:r>
+            <a:r>
+              <a:rPr sz="1800">
+                <a:solidFill>
+                  <a:srgbClr val="40A070"/>
+                </a:solidFill>
+                <a:latin typeface="Courier"/>
+              </a:rPr>
+              <a:t>65</a:t>
+            </a:r>
+            <a:r>
+              <a:rPr sz="1800">
+                <a:latin typeface="Courier"/>
+              </a:rPr>
+              <a:t>) </a:t>
+            </a:r>
+            <a:r>
+              <a:rPr sz="1800">
+                <a:solidFill>
+                  <a:srgbClr val="666666"/>
+                </a:solidFill>
+                <a:latin typeface="Courier"/>
+              </a:rPr>
+              <a:t>%&gt;%</a:t>
+            </a:r>
+            <a:br/>
+            <a:r>
+              <a:rPr sz="1800">
+                <a:solidFill>
+                  <a:srgbClr val="4070A0"/>
+                </a:solidFill>
+                <a:latin typeface="Courier"/>
+              </a:rPr>
+              <a:t>  </a:t>
+            </a:r>
+            <a:r>
+              <a:rPr sz="1800">
+                <a:latin typeface="Courier"/>
+              </a:rPr>
+              <a:t>dplyr</a:t>
+            </a:r>
+            <a:r>
+              <a:rPr sz="1800">
+                <a:solidFill>
+                  <a:srgbClr val="666666"/>
+                </a:solidFill>
+                <a:latin typeface="Courier"/>
+              </a:rPr>
+              <a:t>::</a:t>
+            </a:r>
+            <a:r>
+              <a:rPr sz="1800" b="1">
+                <a:solidFill>
+                  <a:srgbClr val="007020"/>
+                </a:solidFill>
+                <a:latin typeface="Courier"/>
+              </a:rPr>
+              <a:t>select</a:t>
             </a:r>
             <a:r>
               <a:rPr sz="1800">
@@ -6576,64 +6454,19 @@
               <a:t>  </a:t>
             </a:r>
             <a:r>
-              <a:rPr sz="1800">
-                <a:latin typeface="Courier"/>
-              </a:rPr>
-              <a:t>dplyr</a:t>
-            </a:r>
-            <a:r>
-              <a:rPr sz="1800">
-                <a:solidFill>
-                  <a:srgbClr val="666666"/>
-                </a:solidFill>
-                <a:latin typeface="Courier"/>
-              </a:rPr>
-              <a:t>::</a:t>
-            </a:r>
-            <a:r>
               <a:rPr sz="1800" b="1">
                 <a:solidFill>
                   <a:srgbClr val="007020"/>
                 </a:solidFill>
                 <a:latin typeface="Courier"/>
               </a:rPr>
-              <a:t>summarise</a:t>
-            </a:r>
-            <a:r>
-              <a:rPr sz="1800">
-                <a:latin typeface="Courier"/>
-              </a:rPr>
-              <a:t>(</a:t>
-            </a:r>
-            <a:r>
-              <a:rPr sz="1800">
-                <a:solidFill>
-                  <a:srgbClr val="902000"/>
-                </a:solidFill>
-                <a:latin typeface="Courier"/>
-              </a:rPr>
-              <a:t>mean_urea =</a:t>
-            </a:r>
-            <a:r>
-              <a:rPr sz="1800">
-                <a:latin typeface="Courier"/>
-              </a:rPr>
-              <a:t> </a:t>
-            </a:r>
-            <a:r>
-              <a:rPr sz="1800" b="1">
-                <a:solidFill>
-                  <a:srgbClr val="007020"/>
-                </a:solidFill>
-                <a:latin typeface="Courier"/>
-              </a:rPr>
-              <a:t>mean</a:t>
-            </a:r>
-            <a:r>
-              <a:rPr sz="1800">
-                <a:latin typeface="Courier"/>
-              </a:rPr>
-              <a:t>(urea))</a:t>
+              <a:t>summary</a:t>
+            </a:r>
+            <a:r>
+              <a:rPr sz="1800">
+                <a:latin typeface="Courier"/>
+              </a:rPr>
+              <a:t>()</a:t>
             </a:r>
           </a:p>
           <a:p>
@@ -6642,27 +6475,7 @@
             </a:pPr>
             <a:r>
               <a:rPr/>
-              <a:t>What is the output? Hint – check for missing values in </a:t>
-            </a:r>
-            <a:r>
-              <a:rPr sz="1800">
-                <a:latin typeface="Courier"/>
-              </a:rPr>
-              <a:t>cchic$urea</a:t>
-            </a:r>
-            <a:r>
-              <a:rPr/>
-              <a:t>. You made need to add an additional argument in the function </a:t>
-            </a:r>
-            <a:r>
-              <a:rPr sz="1800">
-                <a:latin typeface="Courier"/>
-              </a:rPr>
-              <a:t>mean</a:t>
-            </a:r>
-            <a:r>
-              <a:rPr/>
-              <a:t>, which removes missing values.</a:t>
+              <a:t>Gives information on gender for patients older than 65.</a:t>
             </a:r>
           </a:p>
         </p:txBody>
@@ -6715,23 +6528,31 @@
             </a:pPr>
             <a:r>
               <a:rPr/>
-              <a:t>Make</a:t>
-            </a:r>
-            <a:r>
-              <a:rPr/>
-              <a:t> </a:t>
-            </a:r>
-            <a:r>
-              <a:rPr/>
-              <a:t>it</a:t>
-            </a:r>
-            <a:r>
-              <a:rPr/>
-              <a:t> </a:t>
-            </a:r>
-            <a:r>
-              <a:rPr/>
-              <a:t>work</a:t>
+              <a:t>Other</a:t>
+            </a:r>
+            <a:r>
+              <a:rPr/>
+              <a:t> </a:t>
+            </a:r>
+            <a:r>
+              <a:rPr/>
+              <a:t>dplyr</a:t>
+            </a:r>
+            <a:r>
+              <a:rPr/>
+              <a:t> </a:t>
+            </a:r>
+            <a:r>
+              <a:rPr/>
+              <a:t>wrangling</a:t>
+            </a:r>
+            <a:r>
+              <a:rPr/>
+              <a:t> </a:t>
+            </a:r>
+            <a:r>
+              <a:rPr/>
+              <a:t>verbs</a:t>
             </a:r>
           </a:p>
         </p:txBody>
@@ -6757,203 +6578,21 @@
           <a:bodyPr/>
           <a:lstStyle/>
           <a:p>
-            <a:pPr lvl="0" marL="1270000" indent="0">
-              <a:buNone/>
-            </a:pPr>
-            <a:r>
-              <a:rPr sz="1800">
-                <a:latin typeface="Courier"/>
-              </a:rPr>
-              <a:t>cchic </a:t>
-            </a:r>
-            <a:r>
-              <a:rPr sz="1800">
-                <a:solidFill>
-                  <a:srgbClr val="666666"/>
-                </a:solidFill>
-                <a:latin typeface="Courier"/>
-              </a:rPr>
-              <a:t>%&gt;%</a:t>
-            </a:r>
-            <a:br/>
-            <a:r>
-              <a:rPr sz="1800">
-                <a:solidFill>
-                  <a:srgbClr val="4070A0"/>
-                </a:solidFill>
-                <a:latin typeface="Courier"/>
-              </a:rPr>
-              <a:t>  </a:t>
-            </a:r>
-            <a:r>
-              <a:rPr sz="1800">
-                <a:latin typeface="Courier"/>
-              </a:rPr>
-              <a:t>dplyr</a:t>
-            </a:r>
-            <a:r>
-              <a:rPr sz="1800">
-                <a:solidFill>
-                  <a:srgbClr val="666666"/>
-                </a:solidFill>
-                <a:latin typeface="Courier"/>
-              </a:rPr>
-              <a:t>::</a:t>
-            </a:r>
-            <a:r>
-              <a:rPr sz="1800" b="1">
-                <a:solidFill>
-                  <a:srgbClr val="007020"/>
-                </a:solidFill>
-                <a:latin typeface="Courier"/>
-              </a:rPr>
-              <a:t>group_by</a:t>
-            </a:r>
-            <a:r>
-              <a:rPr sz="1800">
-                <a:latin typeface="Courier"/>
-              </a:rPr>
-              <a:t>(sex) </a:t>
-            </a:r>
-            <a:r>
-              <a:rPr sz="1800">
-                <a:solidFill>
-                  <a:srgbClr val="666666"/>
-                </a:solidFill>
-                <a:latin typeface="Courier"/>
-              </a:rPr>
-              <a:t>%&gt;%</a:t>
-            </a:r>
-            <a:br/>
-            <a:r>
-              <a:rPr sz="1800">
-                <a:solidFill>
-                  <a:srgbClr val="4070A0"/>
-                </a:solidFill>
-                <a:latin typeface="Courier"/>
-              </a:rPr>
-              <a:t>  </a:t>
-            </a:r>
-            <a:r>
-              <a:rPr sz="1800">
-                <a:latin typeface="Courier"/>
-              </a:rPr>
-              <a:t>dplyr</a:t>
-            </a:r>
-            <a:r>
-              <a:rPr sz="1800">
-                <a:solidFill>
-                  <a:srgbClr val="666666"/>
-                </a:solidFill>
-                <a:latin typeface="Courier"/>
-              </a:rPr>
-              <a:t>::</a:t>
-            </a:r>
-            <a:r>
-              <a:rPr sz="1800" b="1">
-                <a:solidFill>
-                  <a:srgbClr val="007020"/>
-                </a:solidFill>
-                <a:latin typeface="Courier"/>
-              </a:rPr>
-              <a:t>summarise</a:t>
-            </a:r>
-            <a:r>
-              <a:rPr sz="1800">
-                <a:latin typeface="Courier"/>
-              </a:rPr>
-              <a:t>(</a:t>
-            </a:r>
-            <a:r>
-              <a:rPr sz="1800">
-                <a:solidFill>
-                  <a:srgbClr val="902000"/>
-                </a:solidFill>
-                <a:latin typeface="Courier"/>
-              </a:rPr>
-              <a:t>mean_urea =</a:t>
-            </a:r>
-            <a:r>
-              <a:rPr sz="1800">
-                <a:latin typeface="Courier"/>
-              </a:rPr>
-              <a:t> </a:t>
-            </a:r>
-            <a:r>
-              <a:rPr sz="1800" b="1">
-                <a:solidFill>
-                  <a:srgbClr val="007020"/>
-                </a:solidFill>
-                <a:latin typeface="Courier"/>
-              </a:rPr>
-              <a:t>mean</a:t>
-            </a:r>
-            <a:r>
-              <a:rPr sz="1800">
-                <a:latin typeface="Courier"/>
-              </a:rPr>
-              <a:t>(urea,</a:t>
-            </a:r>
-            <a:br/>
-            <a:r>
-              <a:rPr sz="1800">
-                <a:latin typeface="Courier"/>
-              </a:rPr>
-              <a:t>                                    </a:t>
-            </a:r>
-            <a:r>
-              <a:rPr sz="1800">
-                <a:solidFill>
-                  <a:srgbClr val="902000"/>
-                </a:solidFill>
-                <a:latin typeface="Courier"/>
-              </a:rPr>
-              <a:t>na.rm =</a:t>
-            </a:r>
-            <a:r>
-              <a:rPr sz="1800">
-                <a:latin typeface="Courier"/>
-              </a:rPr>
-              <a:t> </a:t>
-            </a:r>
-            <a:r>
-              <a:rPr sz="1800">
-                <a:solidFill>
-                  <a:srgbClr val="007020"/>
-                </a:solidFill>
-                <a:latin typeface="Courier"/>
-              </a:rPr>
-              <a:t>TRUE</a:t>
-            </a:r>
-            <a:r>
-              <a:rPr sz="1800">
-                <a:latin typeface="Courier"/>
-              </a:rPr>
-              <a:t>))</a:t>
-            </a:r>
-          </a:p>
-          <a:p>
-            <a:pPr lvl="0" marL="1270000" indent="0">
-              <a:buNone/>
-            </a:pPr>
-            <a:r>
-              <a:rPr sz="1800">
-                <a:latin typeface="Courier"/>
-              </a:rPr>
-              <a:t>## # A tibble: 2 x 2
-##   sex   mean_urea
-##   &lt;chr&gt;     &lt;dbl&gt;
-## 1 F          7.49
-## 2 M          8.82</a:t>
-            </a:r>
-          </a:p>
-          <a:p>
-            <a:pPr lvl="0" marL="0" indent="0">
-              <a:buNone/>
-            </a:pPr>
-            <a:r>
-              <a:rPr/>
-              <a:t>An alternative is to filter out the missing values of urea.</a:t>
+            <a:pPr lvl="1"/>
+            <a:r>
+              <a:rPr sz="1800">
+                <a:latin typeface="Courier"/>
+              </a:rPr>
+              <a:t>group_by()</a:t>
+            </a:r>
+          </a:p>
+          <a:p>
+            <a:pPr lvl="1"/>
+            <a:r>
+              <a:rPr sz="1800">
+                <a:latin typeface="Courier"/>
+              </a:rPr>
+              <a:t>summarise()</a:t>
             </a:r>
           </a:p>
         </p:txBody>
@@ -7006,39 +6645,39 @@
             </a:pPr>
             <a:r>
               <a:rPr/>
-              <a:t>Take</a:t>
-            </a:r>
-            <a:r>
-              <a:rPr/>
-              <a:t> </a:t>
-            </a:r>
-            <a:r>
-              <a:rPr/>
-              <a:t>a</a:t>
-            </a:r>
-            <a:r>
-              <a:rPr/>
-              <a:t> </a:t>
-            </a:r>
-            <a:r>
-              <a:rPr/>
-              <a:t>break.</a:t>
-            </a:r>
-            <a:r>
-              <a:rPr/>
-              <a:t> </a:t>
-            </a:r>
-            <a:r>
-              <a:rPr/>
-              <a:t>Any</a:t>
-            </a:r>
-            <a:r>
-              <a:rPr/>
-              <a:t> </a:t>
-            </a:r>
-            <a:r>
-              <a:rPr/>
-              <a:t>questions?</a:t>
+              <a:t>Exercise:</a:t>
+            </a:r>
+            <a:r>
+              <a:rPr/>
+              <a:t> </a:t>
+            </a:r>
+            <a:r>
+              <a:rPr/>
+              <a:t>Using</a:t>
+            </a:r>
+            <a:r>
+              <a:rPr/>
+              <a:t> </a:t>
+            </a:r>
+            <a:r>
+              <a:rPr/>
+              <a:t>group_by()</a:t>
+            </a:r>
+            <a:r>
+              <a:rPr/>
+              <a:t> </a:t>
+            </a:r>
+            <a:r>
+              <a:rPr/>
+              <a:t>and</a:t>
+            </a:r>
+            <a:r>
+              <a:rPr/>
+              <a:t> </a:t>
+            </a:r>
+            <a:r>
+              <a:rPr/>
+              <a:t>summarise()</a:t>
             </a:r>
           </a:p>
         </p:txBody>
@@ -7068,44 +6707,181 @@
               <a:buNone/>
             </a:pPr>
             <a:r>
-              <a:rPr/>
-              <a:t>Make sure you are happy running</a:t>
+              <a:rPr b="1"/>
+              <a:t>Try this.</a:t>
+            </a:r>
+          </a:p>
+          <a:p>
+            <a:pPr lvl="0" marL="1270000" indent="0">
+              <a:buNone/>
+            </a:pPr>
+            <a:r>
+              <a:rPr sz="1800">
+                <a:latin typeface="Courier"/>
+              </a:rPr>
+              <a:t>cchic </a:t>
+            </a:r>
+            <a:r>
+              <a:rPr sz="1800">
+                <a:solidFill>
+                  <a:srgbClr val="666666"/>
+                </a:solidFill>
+                <a:latin typeface="Courier"/>
+              </a:rPr>
+              <a:t>%&gt;%</a:t>
+            </a:r>
+            <a:br/>
+            <a:r>
+              <a:rPr sz="1800">
+                <a:solidFill>
+                  <a:srgbClr val="4070A0"/>
+                </a:solidFill>
+                <a:latin typeface="Courier"/>
+              </a:rPr>
+              <a:t>  </a:t>
+            </a:r>
+            <a:r>
+              <a:rPr sz="1800">
+                <a:latin typeface="Courier"/>
+              </a:rPr>
+              <a:t>dplyr</a:t>
+            </a:r>
+            <a:r>
+              <a:rPr sz="1800">
+                <a:solidFill>
+                  <a:srgbClr val="666666"/>
+                </a:solidFill>
+                <a:latin typeface="Courier"/>
+              </a:rPr>
+              <a:t>::</a:t>
+            </a:r>
+            <a:r>
+              <a:rPr sz="1800" b="1">
+                <a:solidFill>
+                  <a:srgbClr val="007020"/>
+                </a:solidFill>
+                <a:latin typeface="Courier"/>
+              </a:rPr>
+              <a:t>group_by</a:t>
+            </a:r>
+            <a:r>
+              <a:rPr sz="1800">
+                <a:latin typeface="Courier"/>
+              </a:rPr>
+              <a:t>(sex) </a:t>
+            </a:r>
+            <a:r>
+              <a:rPr sz="1800">
+                <a:solidFill>
+                  <a:srgbClr val="666666"/>
+                </a:solidFill>
+                <a:latin typeface="Courier"/>
+              </a:rPr>
+              <a:t>%&gt;%</a:t>
+            </a:r>
+            <a:br/>
+            <a:r>
+              <a:rPr sz="1800">
+                <a:solidFill>
+                  <a:srgbClr val="4070A0"/>
+                </a:solidFill>
+                <a:latin typeface="Courier"/>
+              </a:rPr>
+              <a:t>  </a:t>
+            </a:r>
+            <a:r>
+              <a:rPr sz="1800">
+                <a:latin typeface="Courier"/>
+              </a:rPr>
+              <a:t>dplyr</a:t>
+            </a:r>
+            <a:r>
+              <a:rPr sz="1800">
+                <a:solidFill>
+                  <a:srgbClr val="666666"/>
+                </a:solidFill>
+                <a:latin typeface="Courier"/>
+              </a:rPr>
+              <a:t>::</a:t>
+            </a:r>
+            <a:r>
+              <a:rPr sz="1800" b="1">
+                <a:solidFill>
+                  <a:srgbClr val="007020"/>
+                </a:solidFill>
+                <a:latin typeface="Courier"/>
+              </a:rPr>
+              <a:t>summarise</a:t>
+            </a:r>
+            <a:r>
+              <a:rPr sz="1800">
+                <a:latin typeface="Courier"/>
+              </a:rPr>
+              <a:t>(</a:t>
+            </a:r>
+            <a:r>
+              <a:rPr sz="1800">
+                <a:solidFill>
+                  <a:srgbClr val="902000"/>
+                </a:solidFill>
+                <a:latin typeface="Courier"/>
+              </a:rPr>
+              <a:t>mean_urea =</a:t>
+            </a:r>
+            <a:r>
+              <a:rPr sz="1800">
+                <a:latin typeface="Courier"/>
+              </a:rPr>
+              <a:t> </a:t>
+            </a:r>
+            <a:r>
+              <a:rPr sz="1800" b="1">
+                <a:solidFill>
+                  <a:srgbClr val="007020"/>
+                </a:solidFill>
+                <a:latin typeface="Courier"/>
+              </a:rPr>
+              <a:t>mean</a:t>
+            </a:r>
+            <a:r>
+              <a:rPr sz="1800">
+                <a:latin typeface="Courier"/>
+              </a:rPr>
+              <a:t>(urea))</a:t>
             </a:r>
           </a:p>
           <a:p>
             <a:pPr lvl="1"/>
             <a:r>
-              <a:rPr sz="1800">
-                <a:latin typeface="Courier"/>
-              </a:rPr>
-              <a:t>filter()</a:t>
+              <a:rPr/>
+              <a:t>What is the output?</a:t>
             </a:r>
           </a:p>
           <a:p>
             <a:pPr lvl="1"/>
             <a:r>
-              <a:rPr sz="1800">
-                <a:latin typeface="Courier"/>
-              </a:rPr>
-              <a:t>select()</a:t>
-            </a:r>
-          </a:p>
-          <a:p>
-            <a:pPr lvl="1"/>
-            <a:r>
-              <a:rPr sz="1800">
-                <a:latin typeface="Courier"/>
-              </a:rPr>
-              <a:t>group_by()</a:t>
-            </a:r>
-          </a:p>
-          <a:p>
-            <a:pPr lvl="1"/>
-            <a:r>
-              <a:rPr sz="1800">
-                <a:latin typeface="Courier"/>
-              </a:rPr>
-              <a:t>summarise()</a:t>
+              <a:rPr/>
+              <a:t>Hint – check for missing values in </a:t>
+            </a:r>
+            <a:r>
+              <a:rPr sz="1800">
+                <a:latin typeface="Courier"/>
+              </a:rPr>
+              <a:t>cchic$urea</a:t>
+            </a:r>
+            <a:r>
+              <a:rPr/>
+              <a:t>. You made need to add an additional argument in the function </a:t>
+            </a:r>
+            <a:r>
+              <a:rPr sz="1800">
+                <a:latin typeface="Courier"/>
+              </a:rPr>
+              <a:t>mean</a:t>
+            </a:r>
+            <a:r>
+              <a:rPr/>
+              <a:t>, which removes missing values.</a:t>
             </a:r>
           </a:p>
         </p:txBody>
@@ -7158,39 +6934,39 @@
             </a:pPr>
             <a:r>
               <a:rPr/>
-              <a:t>Favourite</a:t>
-            </a:r>
-            <a:r>
-              <a:rPr/>
-              <a:t> </a:t>
-            </a:r>
-            <a:r>
-              <a:rPr/>
-              <a:t>data</a:t>
-            </a:r>
-            <a:r>
-              <a:rPr/>
-              <a:t> </a:t>
-            </a:r>
-            <a:r>
-              <a:rPr/>
-              <a:t>tidying</a:t>
-            </a:r>
-            <a:r>
-              <a:rPr/>
-              <a:t> </a:t>
-            </a:r>
-            <a:r>
-              <a:rPr/>
-              <a:t>‘</a:t>
-            </a:r>
-            <a:r>
-              <a:rPr/>
-              <a:t>recipes</a:t>
-            </a:r>
-            <a:r>
-              <a:rPr/>
-              <a:t>’</a:t>
+              <a:t>Solution:</a:t>
+            </a:r>
+            <a:r>
+              <a:rPr/>
+              <a:t> </a:t>
+            </a:r>
+            <a:r>
+              <a:rPr/>
+              <a:t>Using</a:t>
+            </a:r>
+            <a:r>
+              <a:rPr/>
+              <a:t> </a:t>
+            </a:r>
+            <a:r>
+              <a:rPr/>
+              <a:t>group_by()</a:t>
+            </a:r>
+            <a:r>
+              <a:rPr/>
+              <a:t> </a:t>
+            </a:r>
+            <a:r>
+              <a:rPr/>
+              <a:t>and</a:t>
+            </a:r>
+            <a:r>
+              <a:rPr/>
+              <a:t> </a:t>
+            </a:r>
+            <a:r>
+              <a:rPr/>
+              <a:t>summarise()</a:t>
             </a:r>
           </a:p>
         </p:txBody>
@@ -7216,66 +6992,203 @@
           <a:bodyPr/>
           <a:lstStyle/>
           <a:p>
-            <a:pPr lvl="1">
-              <a:buAutoNum type="arabicPeriod"/>
+            <a:pPr lvl="0" marL="1270000" indent="0">
+              <a:buNone/>
             </a:pPr>
             <a:r>
-              <a:rPr/>
-              <a:t>Rename a variable</a:t>
-            </a:r>
-          </a:p>
-          <a:p>
-            <a:pPr lvl="1">
-              <a:buAutoNum type="arabicPeriod"/>
+              <a:rPr sz="1800">
+                <a:latin typeface="Courier"/>
+              </a:rPr>
+              <a:t>cchic </a:t>
+            </a:r>
+            <a:r>
+              <a:rPr sz="1800">
+                <a:solidFill>
+                  <a:srgbClr val="666666"/>
+                </a:solidFill>
+                <a:latin typeface="Courier"/>
+              </a:rPr>
+              <a:t>%&gt;%</a:t>
+            </a:r>
+            <a:br/>
+            <a:r>
+              <a:rPr sz="1800">
+                <a:solidFill>
+                  <a:srgbClr val="4070A0"/>
+                </a:solidFill>
+                <a:latin typeface="Courier"/>
+              </a:rPr>
+              <a:t>  </a:t>
+            </a:r>
+            <a:r>
+              <a:rPr sz="1800">
+                <a:latin typeface="Courier"/>
+              </a:rPr>
+              <a:t>dplyr</a:t>
+            </a:r>
+            <a:r>
+              <a:rPr sz="1800">
+                <a:solidFill>
+                  <a:srgbClr val="666666"/>
+                </a:solidFill>
+                <a:latin typeface="Courier"/>
+              </a:rPr>
+              <a:t>::</a:t>
+            </a:r>
+            <a:r>
+              <a:rPr sz="1800" b="1">
+                <a:solidFill>
+                  <a:srgbClr val="007020"/>
+                </a:solidFill>
+                <a:latin typeface="Courier"/>
+              </a:rPr>
+              <a:t>group_by</a:t>
+            </a:r>
+            <a:r>
+              <a:rPr sz="1800">
+                <a:latin typeface="Courier"/>
+              </a:rPr>
+              <a:t>(sex) </a:t>
+            </a:r>
+            <a:r>
+              <a:rPr sz="1800">
+                <a:solidFill>
+                  <a:srgbClr val="666666"/>
+                </a:solidFill>
+                <a:latin typeface="Courier"/>
+              </a:rPr>
+              <a:t>%&gt;%</a:t>
+            </a:r>
+            <a:br/>
+            <a:r>
+              <a:rPr sz="1800">
+                <a:solidFill>
+                  <a:srgbClr val="4070A0"/>
+                </a:solidFill>
+                <a:latin typeface="Courier"/>
+              </a:rPr>
+              <a:t>  </a:t>
+            </a:r>
+            <a:r>
+              <a:rPr sz="1800">
+                <a:latin typeface="Courier"/>
+              </a:rPr>
+              <a:t>dplyr</a:t>
+            </a:r>
+            <a:r>
+              <a:rPr sz="1800">
+                <a:solidFill>
+                  <a:srgbClr val="666666"/>
+                </a:solidFill>
+                <a:latin typeface="Courier"/>
+              </a:rPr>
+              <a:t>::</a:t>
+            </a:r>
+            <a:r>
+              <a:rPr sz="1800" b="1">
+                <a:solidFill>
+                  <a:srgbClr val="007020"/>
+                </a:solidFill>
+                <a:latin typeface="Courier"/>
+              </a:rPr>
+              <a:t>summarise</a:t>
+            </a:r>
+            <a:r>
+              <a:rPr sz="1800">
+                <a:latin typeface="Courier"/>
+              </a:rPr>
+              <a:t>(</a:t>
+            </a:r>
+            <a:r>
+              <a:rPr sz="1800">
+                <a:solidFill>
+                  <a:srgbClr val="902000"/>
+                </a:solidFill>
+                <a:latin typeface="Courier"/>
+              </a:rPr>
+              <a:t>mean_urea =</a:t>
+            </a:r>
+            <a:r>
+              <a:rPr sz="1800">
+                <a:latin typeface="Courier"/>
+              </a:rPr>
+              <a:t> </a:t>
+            </a:r>
+            <a:r>
+              <a:rPr sz="1800" b="1">
+                <a:solidFill>
+                  <a:srgbClr val="007020"/>
+                </a:solidFill>
+                <a:latin typeface="Courier"/>
+              </a:rPr>
+              <a:t>mean</a:t>
+            </a:r>
+            <a:r>
+              <a:rPr sz="1800">
+                <a:latin typeface="Courier"/>
+              </a:rPr>
+              <a:t>(urea,</a:t>
+            </a:r>
+            <a:br/>
+            <a:r>
+              <a:rPr sz="1800">
+                <a:latin typeface="Courier"/>
+              </a:rPr>
+              <a:t>                                    </a:t>
+            </a:r>
+            <a:r>
+              <a:rPr sz="1800">
+                <a:solidFill>
+                  <a:srgbClr val="902000"/>
+                </a:solidFill>
+                <a:latin typeface="Courier"/>
+              </a:rPr>
+              <a:t>na.rm =</a:t>
+            </a:r>
+            <a:r>
+              <a:rPr sz="1800">
+                <a:latin typeface="Courier"/>
+              </a:rPr>
+              <a:t> </a:t>
+            </a:r>
+            <a:r>
+              <a:rPr sz="1800">
+                <a:solidFill>
+                  <a:srgbClr val="007020"/>
+                </a:solidFill>
+                <a:latin typeface="Courier"/>
+              </a:rPr>
+              <a:t>TRUE</a:t>
+            </a:r>
+            <a:r>
+              <a:rPr sz="1800">
+                <a:latin typeface="Courier"/>
+              </a:rPr>
+              <a:t>))</a:t>
+            </a:r>
+          </a:p>
+          <a:p>
+            <a:pPr lvl="0" marL="1270000" indent="0">
+              <a:buNone/>
             </a:pPr>
             <a:r>
-              <a:rPr/>
-              <a:t>Create a new variable</a:t>
-            </a:r>
-          </a:p>
-          <a:p>
-            <a:pPr lvl="1">
-              <a:buAutoNum type="arabicPeriod"/>
+              <a:rPr sz="1800">
+                <a:latin typeface="Courier"/>
+              </a:rPr>
+              <a:t>## # A tibble: 2 x 2
+##   sex   mean_urea
+##   &lt;chr&gt;     &lt;dbl&gt;
+## 1 F          7.49
+## 2 M          8.82</a:t>
+            </a:r>
+          </a:p>
+          <a:p>
+            <a:pPr lvl="0" marL="0" indent="0">
+              <a:buNone/>
             </a:pPr>
             <a:r>
               <a:rPr/>
-              <a:t>Extract numbers</a:t>
-            </a:r>
-          </a:p>
-          <a:p>
-            <a:pPr lvl="1">
-              <a:buAutoNum type="arabicPeriod"/>
-            </a:pPr>
-            <a:r>
-              <a:rPr/>
-              <a:t>Extract strings</a:t>
-            </a:r>
-          </a:p>
-          <a:p>
-            <a:pPr lvl="1">
-              <a:buAutoNum type="arabicPeriod"/>
-            </a:pPr>
-            <a:r>
-              <a:rPr/>
-              <a:t>Parse dates</a:t>
-            </a:r>
-          </a:p>
-          <a:p>
-            <a:pPr lvl="1">
-              <a:buAutoNum type="arabicPeriod"/>
-            </a:pPr>
-            <a:r>
-              <a:rPr/>
-              <a:t>Convert columns to rows and back again</a:t>
-            </a:r>
-          </a:p>
-          <a:p>
-            <a:pPr lvl="1">
-              <a:buAutoNum type="arabicPeriod"/>
-            </a:pPr>
-            <a:r>
-              <a:rPr/>
-              <a:t>Delete columns</a:t>
+              <a:t>An alternative is to filter out the missing values of urea.</a:t>
             </a:r>
           </a:p>
         </p:txBody>
@@ -7304,7 +7217,7 @@
       </p:grpSpPr>
       <p:pic>
         <p:nvPicPr>
-          <p:cNvPr descr="../Images/Clinician%20Coders%20Branding_FINAL_CMYK_Colour.png" id="0" name="Picture 1"/>
+          <p:cNvPr descr="../Images/ClinicianCodersBranding_FINAL_CMYK_Colour.png" id="0" name="Picture 1"/>
           <p:cNvPicPr>
             <a:picLocks noGrp="1" noChangeAspect="1"/>
           </p:cNvPicPr>
@@ -7380,15 +7293,7 @@
             </a:pPr>
             <a:r>
               <a:rPr/>
-              <a:t>1.</a:t>
-            </a:r>
-            <a:r>
-              <a:rPr/>
-              <a:t> </a:t>
-            </a:r>
-            <a:r>
-              <a:rPr/>
-              <a:t>Rename</a:t>
+              <a:t>Take</a:t>
             </a:r>
             <a:r>
               <a:rPr/>
@@ -7404,7 +7309,23 @@
             </a:r>
             <a:r>
               <a:rPr/>
-              <a:t>variable</a:t>
+              <a:t>break.</a:t>
+            </a:r>
+            <a:r>
+              <a:rPr/>
+              <a:t> </a:t>
+            </a:r>
+            <a:r>
+              <a:rPr/>
+              <a:t>Any</a:t>
+            </a:r>
+            <a:r>
+              <a:rPr/>
+              <a:t> </a:t>
+            </a:r>
+            <a:r>
+              <a:rPr/>
+              <a:t>questions?</a:t>
             </a:r>
           </a:p>
         </p:txBody>
@@ -7430,132 +7351,48 @@
           <a:bodyPr/>
           <a:lstStyle/>
           <a:p>
-            <a:pPr lvl="0" marL="1270000" indent="0">
+            <a:pPr lvl="0" marL="0" indent="0">
               <a:buNone/>
             </a:pPr>
             <a:r>
-              <a:rPr sz="1800" b="1">
-                <a:solidFill>
-                  <a:srgbClr val="007020"/>
-                </a:solidFill>
-                <a:latin typeface="Courier"/>
-              </a:rPr>
-              <a:t>names</a:t>
-            </a:r>
-            <a:r>
-              <a:rPr sz="1800">
-                <a:latin typeface="Courier"/>
-              </a:rPr>
-              <a:t>(cchic)</a:t>
-            </a:r>
-          </a:p>
-          <a:p>
-            <a:pPr lvl="0" marL="0" indent="0">
-              <a:buNone/>
-            </a:pPr>
-            <a:r>
-              <a:rPr/>
-              <a:t>The variable called </a:t>
-            </a:r>
-            <a:r>
-              <a:rPr sz="1800">
-                <a:latin typeface="Courier"/>
-              </a:rPr>
-              <a:t>na</a:t>
-            </a:r>
-            <a:r>
-              <a:rPr/>
-              <a:t> is very confusing</a:t>
-            </a:r>
-          </a:p>
-          <a:p>
-            <a:pPr lvl="0" marL="1270000" indent="0">
-              <a:buNone/>
-            </a:pPr>
-            <a:r>
-              <a:rPr sz="1800">
-                <a:latin typeface="Courier"/>
-              </a:rPr>
-              <a:t>cchic &lt;-</a:t>
-            </a:r>
-            <a:r>
-              <a:rPr sz="1800">
-                <a:solidFill>
-                  <a:srgbClr val="4070A0"/>
-                </a:solidFill>
-                <a:latin typeface="Courier"/>
-              </a:rPr>
-              <a:t> </a:t>
-            </a:r>
-            <a:r>
-              <a:rPr sz="1800">
-                <a:latin typeface="Courier"/>
-              </a:rPr>
-              <a:t>cchic </a:t>
-            </a:r>
-            <a:r>
-              <a:rPr sz="1800">
-                <a:solidFill>
-                  <a:srgbClr val="666666"/>
-                </a:solidFill>
-                <a:latin typeface="Courier"/>
-              </a:rPr>
-              <a:t>%&gt;%</a:t>
-            </a:r>
-            <a:br/>
-            <a:r>
-              <a:rPr sz="1800">
-                <a:solidFill>
-                  <a:srgbClr val="4070A0"/>
-                </a:solidFill>
-                <a:latin typeface="Courier"/>
-              </a:rPr>
-              <a:t>  </a:t>
-            </a:r>
-            <a:r>
-              <a:rPr sz="1800">
-                <a:latin typeface="Courier"/>
-              </a:rPr>
-              <a:t>dplyr</a:t>
-            </a:r>
-            <a:r>
-              <a:rPr sz="1800">
-                <a:solidFill>
-                  <a:srgbClr val="666666"/>
-                </a:solidFill>
-                <a:latin typeface="Courier"/>
-              </a:rPr>
-              <a:t>::</a:t>
-            </a:r>
-            <a:r>
-              <a:rPr sz="1800" b="1">
-                <a:solidFill>
-                  <a:srgbClr val="007020"/>
-                </a:solidFill>
-                <a:latin typeface="Courier"/>
-              </a:rPr>
-              <a:t>rename</a:t>
-            </a:r>
-            <a:r>
-              <a:rPr sz="1800">
-                <a:latin typeface="Courier"/>
-              </a:rPr>
-              <a:t>(</a:t>
-            </a:r>
-            <a:r>
-              <a:rPr sz="1800">
-                <a:solidFill>
-                  <a:srgbClr val="902000"/>
-                </a:solidFill>
-                <a:latin typeface="Courier"/>
-              </a:rPr>
-              <a:t>sodium =</a:t>
-            </a:r>
-            <a:r>
-              <a:rPr sz="1800">
-                <a:latin typeface="Courier"/>
-              </a:rPr>
-              <a:t> na)</a:t>
+              <a:rPr/>
+              <a:t>Make sure you are happy running</a:t>
+            </a:r>
+          </a:p>
+          <a:p>
+            <a:pPr lvl="1"/>
+            <a:r>
+              <a:rPr sz="1800">
+                <a:latin typeface="Courier"/>
+              </a:rPr>
+              <a:t>filter()</a:t>
+            </a:r>
+          </a:p>
+          <a:p>
+            <a:pPr lvl="1"/>
+            <a:r>
+              <a:rPr sz="1800">
+                <a:latin typeface="Courier"/>
+              </a:rPr>
+              <a:t>select()</a:t>
+            </a:r>
+          </a:p>
+          <a:p>
+            <a:pPr lvl="1"/>
+            <a:r>
+              <a:rPr sz="1800">
+                <a:latin typeface="Courier"/>
+              </a:rPr>
+              <a:t>group_by()</a:t>
+            </a:r>
+          </a:p>
+          <a:p>
+            <a:pPr lvl="1"/>
+            <a:r>
+              <a:rPr sz="1800">
+                <a:latin typeface="Courier"/>
+              </a:rPr>
+              <a:t>summarise()</a:t>
             </a:r>
           </a:p>
         </p:txBody>
@@ -7608,39 +7445,39 @@
             </a:pPr>
             <a:r>
               <a:rPr/>
-              <a:t>2.</a:t>
-            </a:r>
-            <a:r>
-              <a:rPr/>
-              <a:t> </a:t>
-            </a:r>
-            <a:r>
-              <a:rPr/>
-              <a:t>Create</a:t>
-            </a:r>
-            <a:r>
-              <a:rPr/>
-              <a:t> </a:t>
-            </a:r>
-            <a:r>
-              <a:rPr/>
-              <a:t>a</a:t>
-            </a:r>
-            <a:r>
-              <a:rPr/>
-              <a:t> </a:t>
-            </a:r>
-            <a:r>
-              <a:rPr/>
-              <a:t>new</a:t>
-            </a:r>
-            <a:r>
-              <a:rPr/>
-              <a:t> </a:t>
-            </a:r>
-            <a:r>
-              <a:rPr/>
-              <a:t>variable</a:t>
+              <a:t>Favourite</a:t>
+            </a:r>
+            <a:r>
+              <a:rPr/>
+              <a:t> </a:t>
+            </a:r>
+            <a:r>
+              <a:rPr/>
+              <a:t>data</a:t>
+            </a:r>
+            <a:r>
+              <a:rPr/>
+              <a:t> </a:t>
+            </a:r>
+            <a:r>
+              <a:rPr/>
+              <a:t>tidying</a:t>
+            </a:r>
+            <a:r>
+              <a:rPr/>
+              <a:t> </a:t>
+            </a:r>
+            <a:r>
+              <a:rPr/>
+              <a:t>‘</a:t>
+            </a:r>
+            <a:r>
+              <a:rPr/>
+              <a:t>recipes</a:t>
+            </a:r>
+            <a:r>
+              <a:rPr/>
+              <a:t>’</a:t>
             </a:r>
           </a:p>
         </p:txBody>
@@ -7666,193 +7503,66 @@
           <a:bodyPr/>
           <a:lstStyle/>
           <a:p>
-            <a:pPr lvl="0" marL="0" indent="0">
-              <a:buNone/>
+            <a:pPr lvl="1">
+              <a:buAutoNum type="arabicPeriod"/>
             </a:pPr>
             <a:r>
               <a:rPr/>
-              <a:t>Use the </a:t>
-            </a:r>
-            <a:r>
-              <a:rPr sz="1800">
-                <a:latin typeface="Courier"/>
-              </a:rPr>
-              <a:t>mutate</a:t>
-            </a:r>
-            <a:r>
-              <a:rPr/>
-              <a:t> function</a:t>
-            </a:r>
-          </a:p>
-          <a:p>
-            <a:pPr lvl="0" marL="1270000" indent="0">
-              <a:buNone/>
+              <a:t>Rename a variable</a:t>
+            </a:r>
+          </a:p>
+          <a:p>
+            <a:pPr lvl="1">
+              <a:buAutoNum type="arabicPeriod"/>
             </a:pPr>
             <a:r>
-              <a:rPr sz="1800">
-                <a:latin typeface="Courier"/>
-              </a:rPr>
-              <a:t>cchic &lt;-</a:t>
-            </a:r>
-            <a:r>
-              <a:rPr sz="1800">
-                <a:solidFill>
-                  <a:srgbClr val="4070A0"/>
-                </a:solidFill>
-                <a:latin typeface="Courier"/>
-              </a:rPr>
-              <a:t> </a:t>
-            </a:r>
-            <a:r>
-              <a:rPr sz="1800">
-                <a:latin typeface="Courier"/>
-              </a:rPr>
-              <a:t>cchic </a:t>
-            </a:r>
-            <a:r>
-              <a:rPr sz="1800">
-                <a:solidFill>
-                  <a:srgbClr val="666666"/>
-                </a:solidFill>
-                <a:latin typeface="Courier"/>
-              </a:rPr>
-              <a:t>%&gt;%</a:t>
-            </a:r>
-            <a:br/>
-            <a:r>
-              <a:rPr sz="1800">
-                <a:solidFill>
-                  <a:srgbClr val="4070A0"/>
-                </a:solidFill>
-                <a:latin typeface="Courier"/>
-              </a:rPr>
-              <a:t>  </a:t>
-            </a:r>
-            <a:r>
-              <a:rPr sz="1800">
-                <a:latin typeface="Courier"/>
-              </a:rPr>
-              <a:t>dplyr</a:t>
-            </a:r>
-            <a:r>
-              <a:rPr sz="1800">
-                <a:solidFill>
-                  <a:srgbClr val="666666"/>
-                </a:solidFill>
-                <a:latin typeface="Courier"/>
-              </a:rPr>
-              <a:t>::</a:t>
-            </a:r>
-            <a:r>
-              <a:rPr sz="1800" b="1">
-                <a:solidFill>
-                  <a:srgbClr val="007020"/>
-                </a:solidFill>
-                <a:latin typeface="Courier"/>
-              </a:rPr>
-              <a:t>mutate</a:t>
-            </a:r>
-            <a:r>
-              <a:rPr sz="1800">
-                <a:latin typeface="Courier"/>
-              </a:rPr>
-              <a:t>(</a:t>
-            </a:r>
-            <a:r>
-              <a:rPr sz="1800">
-                <a:solidFill>
-                  <a:srgbClr val="902000"/>
-                </a:solidFill>
-                <a:latin typeface="Courier"/>
-              </a:rPr>
-              <a:t>bmi =</a:t>
-            </a:r>
-            <a:r>
-              <a:rPr sz="1800">
-                <a:latin typeface="Courier"/>
-              </a:rPr>
-              <a:t> (weight </a:t>
-            </a:r>
-            <a:r>
-              <a:rPr sz="1800">
-                <a:solidFill>
-                  <a:srgbClr val="666666"/>
-                </a:solidFill>
-                <a:latin typeface="Courier"/>
-              </a:rPr>
-              <a:t>/</a:t>
-            </a:r>
-            <a:r>
-              <a:rPr sz="1800">
-                <a:solidFill>
-                  <a:srgbClr val="4070A0"/>
-                </a:solidFill>
-                <a:latin typeface="Courier"/>
-              </a:rPr>
-              <a:t> </a:t>
-            </a:r>
-            <a:r>
-              <a:rPr sz="1800">
-                <a:latin typeface="Courier"/>
-              </a:rPr>
-              <a:t>(height </a:t>
-            </a:r>
-            <a:r>
-              <a:rPr sz="1800">
-                <a:solidFill>
-                  <a:srgbClr val="666666"/>
-                </a:solidFill>
-                <a:latin typeface="Courier"/>
-              </a:rPr>
-              <a:t>/</a:t>
-            </a:r>
-            <a:r>
-              <a:rPr sz="1800">
-                <a:solidFill>
-                  <a:srgbClr val="4070A0"/>
-                </a:solidFill>
-                <a:latin typeface="Courier"/>
-              </a:rPr>
-              <a:t> </a:t>
-            </a:r>
-            <a:r>
-              <a:rPr sz="1800">
-                <a:solidFill>
-                  <a:srgbClr val="40A070"/>
-                </a:solidFill>
-                <a:latin typeface="Courier"/>
-              </a:rPr>
-              <a:t>100</a:t>
-            </a:r>
-            <a:r>
-              <a:rPr sz="1800">
-                <a:latin typeface="Courier"/>
-              </a:rPr>
-              <a:t>)</a:t>
-            </a:r>
-            <a:r>
-              <a:rPr sz="1800">
-                <a:solidFill>
-                  <a:srgbClr val="666666"/>
-                </a:solidFill>
-                <a:latin typeface="Courier"/>
-              </a:rPr>
-              <a:t>^</a:t>
-            </a:r>
-            <a:r>
-              <a:rPr sz="1800">
-                <a:solidFill>
-                  <a:srgbClr val="40A070"/>
-                </a:solidFill>
-                <a:latin typeface="Courier"/>
-              </a:rPr>
-              <a:t>2</a:t>
-            </a:r>
-            <a:r>
-              <a:rPr sz="1800">
-                <a:latin typeface="Courier"/>
-              </a:rPr>
-              <a:t>))</a:t>
+              <a:rPr/>
+              <a:t>Create a new variable</a:t>
+            </a:r>
+          </a:p>
+          <a:p>
+            <a:pPr lvl="1">
+              <a:buAutoNum type="arabicPeriod"/>
+            </a:pPr>
+            <a:r>
+              <a:rPr/>
+              <a:t>Extract numbers</a:t>
+            </a:r>
+          </a:p>
+          <a:p>
+            <a:pPr lvl="1">
+              <a:buAutoNum type="arabicPeriod"/>
+            </a:pPr>
+            <a:r>
+              <a:rPr/>
+              <a:t>Extract strings</a:t>
+            </a:r>
+          </a:p>
+          <a:p>
+            <a:pPr lvl="1">
+              <a:buAutoNum type="arabicPeriod"/>
+            </a:pPr>
+            <a:r>
+              <a:rPr/>
+              <a:t>Parse dates</a:t>
+            </a:r>
+          </a:p>
+          <a:p>
+            <a:pPr lvl="1">
+              <a:buAutoNum type="arabicPeriod"/>
+            </a:pPr>
+            <a:r>
+              <a:rPr/>
+              <a:t>Convert columns to rows and back again</a:t>
+            </a:r>
+          </a:p>
+          <a:p>
+            <a:pPr lvl="1">
+              <a:buAutoNum type="arabicPeriod"/>
+            </a:pPr>
+            <a:r>
+              <a:rPr/>
+              <a:t>Delete columns</a:t>
             </a:r>
           </a:p>
         </p:txBody>
@@ -7905,23 +7615,31 @@
             </a:pPr>
             <a:r>
               <a:rPr/>
-              <a:t>3.</a:t>
-            </a:r>
-            <a:r>
-              <a:rPr/>
-              <a:t> </a:t>
-            </a:r>
-            <a:r>
-              <a:rPr/>
-              <a:t>Extract</a:t>
-            </a:r>
-            <a:r>
-              <a:rPr/>
-              <a:t> </a:t>
-            </a:r>
-            <a:r>
-              <a:rPr/>
-              <a:t>numbers</a:t>
+              <a:t>1.</a:t>
+            </a:r>
+            <a:r>
+              <a:rPr/>
+              <a:t> </a:t>
+            </a:r>
+            <a:r>
+              <a:rPr/>
+              <a:t>Rename</a:t>
+            </a:r>
+            <a:r>
+              <a:rPr/>
+              <a:t> </a:t>
+            </a:r>
+            <a:r>
+              <a:rPr/>
+              <a:t>a</a:t>
+            </a:r>
+            <a:r>
+              <a:rPr/>
+              <a:t> </a:t>
+            </a:r>
+            <a:r>
+              <a:rPr/>
+              <a:t>variable</a:t>
             </a:r>
           </a:p>
         </p:txBody>
@@ -7947,22 +7665,42 @@
           <a:bodyPr/>
           <a:lstStyle/>
           <a:p>
+            <a:pPr lvl="0" marL="1270000" indent="0">
+              <a:buNone/>
+            </a:pPr>
+            <a:r>
+              <a:rPr sz="1800" b="1">
+                <a:solidFill>
+                  <a:srgbClr val="007020"/>
+                </a:solidFill>
+                <a:latin typeface="Courier"/>
+              </a:rPr>
+              <a:t>names</a:t>
+            </a:r>
+            <a:r>
+              <a:rPr sz="1800">
+                <a:latin typeface="Courier"/>
+              </a:rPr>
+              <a:t>(cchic)</a:t>
+            </a:r>
+          </a:p>
+          <a:p>
             <a:pPr lvl="0" marL="0" indent="0">
               <a:buNone/>
             </a:pPr>
             <a:r>
               <a:rPr/>
-              <a:t>Parse numbers from text using the </a:t>
-            </a:r>
-            <a:r>
-              <a:rPr sz="1800">
-                <a:latin typeface="Courier"/>
-              </a:rPr>
-              <a:t>readr</a:t>
-            </a:r>
-            <a:r>
-              <a:rPr/>
-              <a:t> package.</a:t>
+              <a:t>The variable called </a:t>
+            </a:r>
+            <a:r>
+              <a:rPr sz="1800">
+                <a:latin typeface="Courier"/>
+              </a:rPr>
+              <a:t>na</a:t>
+            </a:r>
+            <a:r>
+              <a:rPr/>
+              <a:t> is very confusing</a:t>
             </a:r>
           </a:p>
           <a:p>
@@ -7970,57 +7708,68 @@
               <a:buNone/>
             </a:pPr>
             <a:r>
+              <a:rPr sz="1800">
+                <a:latin typeface="Courier"/>
+              </a:rPr>
+              <a:t>cchic &lt;-</a:t>
+            </a:r>
+            <a:r>
+              <a:rPr sz="1800">
+                <a:solidFill>
+                  <a:srgbClr val="4070A0"/>
+                </a:solidFill>
+                <a:latin typeface="Courier"/>
+              </a:rPr>
+              <a:t> </a:t>
+            </a:r>
+            <a:r>
+              <a:rPr sz="1800">
+                <a:latin typeface="Courier"/>
+              </a:rPr>
+              <a:t>cchic </a:t>
+            </a:r>
+            <a:r>
+              <a:rPr sz="1800">
+                <a:solidFill>
+                  <a:srgbClr val="666666"/>
+                </a:solidFill>
+                <a:latin typeface="Courier"/>
+              </a:rPr>
+              <a:t>%&gt;%</a:t>
+            </a:r>
+            <a:br/>
+            <a:r>
+              <a:rPr sz="1800">
+                <a:solidFill>
+                  <a:srgbClr val="4070A0"/>
+                </a:solidFill>
+                <a:latin typeface="Courier"/>
+              </a:rPr>
+              <a:t>  </a:t>
+            </a:r>
+            <a:r>
+              <a:rPr sz="1800">
+                <a:latin typeface="Courier"/>
+              </a:rPr>
+              <a:t>dplyr</a:t>
+            </a:r>
+            <a:r>
+              <a:rPr sz="1800">
+                <a:solidFill>
+                  <a:srgbClr val="666666"/>
+                </a:solidFill>
+                <a:latin typeface="Courier"/>
+              </a:rPr>
+              <a:t>::</a:t>
+            </a:r>
+            <a:r>
               <a:rPr sz="1800" b="1">
                 <a:solidFill>
                   <a:srgbClr val="007020"/>
                 </a:solidFill>
                 <a:latin typeface="Courier"/>
               </a:rPr>
-              <a:t>library</a:t>
-            </a:r>
-            <a:r>
-              <a:rPr sz="1800">
-                <a:latin typeface="Courier"/>
-              </a:rPr>
-              <a:t>(readr)</a:t>
-            </a:r>
-          </a:p>
-          <a:p>
-            <a:pPr lvl="0" marL="0" indent="0">
-              <a:buNone/>
-            </a:pPr>
-            <a:r>
-              <a:rPr/>
-              <a:t>Create a vector where the unit has been included as part of the value. You can’t do maths on this vector.</a:t>
-            </a:r>
-          </a:p>
-          <a:p>
-            <a:pPr lvl="0" marL="1270000" indent="0">
-              <a:buNone/>
-            </a:pPr>
-            <a:r>
-              <a:rPr sz="1800">
-                <a:latin typeface="Courier"/>
-              </a:rPr>
-              <a:t>weight &lt;-</a:t>
-            </a:r>
-            <a:r>
-              <a:rPr sz="1800">
-                <a:solidFill>
-                  <a:srgbClr val="4070A0"/>
-                </a:solidFill>
-                <a:latin typeface="Courier"/>
-              </a:rPr>
-              <a:t> </a:t>
-            </a:r>
-            <a:r>
-              <a:rPr sz="1800" b="1">
-                <a:solidFill>
-                  <a:srgbClr val="007020"/>
-                </a:solidFill>
-                <a:latin typeface="Courier"/>
-              </a:rPr>
-              <a:t>c</a:t>
+              <a:t>rename</a:t>
             </a:r>
             <a:r>
               <a:rPr sz="1800">
@@ -8031,151 +7780,17 @@
             <a:r>
               <a:rPr sz="1800">
                 <a:solidFill>
-                  <a:srgbClr val="4070A0"/>
-                </a:solidFill>
-                <a:latin typeface="Courier"/>
-              </a:rPr>
-              <a:t>"70kg"</a:t>
-            </a:r>
-            <a:r>
-              <a:rPr sz="1800">
-                <a:latin typeface="Courier"/>
-              </a:rPr>
-              <a:t>, </a:t>
-            </a:r>
-            <a:r>
-              <a:rPr sz="1800">
-                <a:solidFill>
-                  <a:srgbClr val="4070A0"/>
-                </a:solidFill>
-                <a:latin typeface="Courier"/>
-              </a:rPr>
-              <a:t>"80 kg"</a:t>
-            </a:r>
-            <a:r>
-              <a:rPr sz="1800">
-                <a:latin typeface="Courier"/>
-              </a:rPr>
-              <a:t>, </a:t>
-            </a:r>
-            <a:r>
-              <a:rPr sz="1800">
-                <a:solidFill>
-                  <a:srgbClr val="4070A0"/>
-                </a:solidFill>
-                <a:latin typeface="Courier"/>
-              </a:rPr>
-              <a:t>"82 kg"</a:t>
-            </a:r>
-            <a:r>
-              <a:rPr sz="1800">
-                <a:latin typeface="Courier"/>
-              </a:rPr>
-              <a:t>, </a:t>
-            </a:r>
-            <a:r>
-              <a:rPr sz="1800">
-                <a:solidFill>
-                  <a:srgbClr val="4070A0"/>
-                </a:solidFill>
-                <a:latin typeface="Courier"/>
-              </a:rPr>
-              <a:t>"74"</a:t>
-            </a:r>
-            <a:r>
-              <a:rPr sz="1800">
-                <a:latin typeface="Courier"/>
-              </a:rPr>
-              <a:t>, </a:t>
-            </a:r>
-            <a:r>
-              <a:rPr sz="1800">
-                <a:solidFill>
-                  <a:srgbClr val="4070A0"/>
-                </a:solidFill>
-                <a:latin typeface="Courier"/>
-              </a:rPr>
-              <a:t>"39"</a:t>
-            </a:r>
-            <a:r>
-              <a:rPr sz="1800">
-                <a:latin typeface="Courier"/>
-              </a:rPr>
-              <a:t>)</a:t>
-            </a:r>
-            <a:br/>
-            <a:br/>
-            <a:r>
-              <a:rPr sz="1800">
-                <a:latin typeface="Courier"/>
-              </a:rPr>
-              <a:t>weight &lt;-</a:t>
-            </a:r>
-            <a:r>
-              <a:rPr sz="1800">
-                <a:solidFill>
-                  <a:srgbClr val="4070A0"/>
-                </a:solidFill>
-                <a:latin typeface="Courier"/>
-              </a:rPr>
-              <a:t> </a:t>
-            </a:r>
-            <a:r>
-              <a:rPr sz="1800">
-                <a:latin typeface="Courier"/>
-              </a:rPr>
-              <a:t>readr</a:t>
-            </a:r>
-            <a:r>
-              <a:rPr sz="1800">
-                <a:solidFill>
-                  <a:srgbClr val="666666"/>
-                </a:solidFill>
-                <a:latin typeface="Courier"/>
-              </a:rPr>
-              <a:t>::</a:t>
-            </a:r>
-            <a:r>
-              <a:rPr sz="1800" b="1">
-                <a:solidFill>
-                  <a:srgbClr val="007020"/>
-                </a:solidFill>
-                <a:latin typeface="Courier"/>
-              </a:rPr>
-              <a:t>parse_number</a:t>
-            </a:r>
-            <a:r>
-              <a:rPr sz="1800">
-                <a:latin typeface="Courier"/>
-              </a:rPr>
-              <a:t>(weight)</a:t>
-            </a:r>
-            <a:br/>
-            <a:r>
-              <a:rPr sz="1800" b="1">
-                <a:solidFill>
-                  <a:srgbClr val="007020"/>
-                </a:solidFill>
-                <a:latin typeface="Courier"/>
-              </a:rPr>
-              <a:t>str</a:t>
-            </a:r>
-            <a:r>
-              <a:rPr sz="1800">
-                <a:latin typeface="Courier"/>
-              </a:rPr>
-              <a:t>(weight)</a:t>
-            </a:r>
-          </a:p>
-          <a:p>
-            <a:pPr lvl="0" marL="1270000" indent="0">
-              <a:buNone/>
-            </a:pPr>
-            <a:r>
-              <a:rPr sz="1800">
-                <a:latin typeface="Courier"/>
-              </a:rPr>
-              <a:t>##  num [1:5] 70 80 82 74 39</a:t>
+                  <a:srgbClr val="902000"/>
+                </a:solidFill>
+                <a:latin typeface="Courier"/>
+              </a:rPr>
+              <a:t>sodium =</a:t>
+            </a:r>
+            <a:r>
+              <a:rPr sz="1800">
+                <a:latin typeface="Courier"/>
+              </a:rPr>
+              <a:t> na)</a:t>
             </a:r>
           </a:p>
         </p:txBody>
@@ -8228,23 +7843,39 @@
             </a:pPr>
             <a:r>
               <a:rPr/>
-              <a:t>4.</a:t>
-            </a:r>
-            <a:r>
-              <a:rPr/>
-              <a:t> </a:t>
-            </a:r>
-            <a:r>
-              <a:rPr/>
-              <a:t>Manipulate</a:t>
-            </a:r>
-            <a:r>
-              <a:rPr/>
-              <a:t> </a:t>
-            </a:r>
-            <a:r>
-              <a:rPr/>
-              <a:t>strings</a:t>
+              <a:t>2.</a:t>
+            </a:r>
+            <a:r>
+              <a:rPr/>
+              <a:t> </a:t>
+            </a:r>
+            <a:r>
+              <a:rPr/>
+              <a:t>Create</a:t>
+            </a:r>
+            <a:r>
+              <a:rPr/>
+              <a:t> </a:t>
+            </a:r>
+            <a:r>
+              <a:rPr/>
+              <a:t>a</a:t>
+            </a:r>
+            <a:r>
+              <a:rPr/>
+              <a:t> </a:t>
+            </a:r>
+            <a:r>
+              <a:rPr/>
+              <a:t>new</a:t>
+            </a:r>
+            <a:r>
+              <a:rPr/>
+              <a:t> </a:t>
+            </a:r>
+            <a:r>
+              <a:rPr/>
+              <a:t>variable</a:t>
             </a:r>
           </a:p>
         </p:txBody>
@@ -8270,30 +7901,121 @@
           <a:bodyPr/>
           <a:lstStyle/>
           <a:p>
+            <a:pPr lvl="0" marL="0" indent="0">
+              <a:buNone/>
+            </a:pPr>
+            <a:r>
+              <a:rPr/>
+              <a:t>Use the </a:t>
+            </a:r>
+            <a:r>
+              <a:rPr sz="1800">
+                <a:latin typeface="Courier"/>
+              </a:rPr>
+              <a:t>mutate()</a:t>
+            </a:r>
+            <a:r>
+              <a:rPr/>
+              <a:t> function</a:t>
+            </a:r>
+          </a:p>
+          <a:p>
             <a:pPr lvl="0" marL="1270000" indent="0">
               <a:buNone/>
             </a:pPr>
             <a:r>
+              <a:rPr sz="1800">
+                <a:latin typeface="Courier"/>
+              </a:rPr>
+              <a:t>cchic &lt;-</a:t>
+            </a:r>
+            <a:r>
+              <a:rPr sz="1800">
+                <a:solidFill>
+                  <a:srgbClr val="4070A0"/>
+                </a:solidFill>
+                <a:latin typeface="Courier"/>
+              </a:rPr>
+              <a:t> </a:t>
+            </a:r>
+            <a:r>
+              <a:rPr sz="1800">
+                <a:latin typeface="Courier"/>
+              </a:rPr>
+              <a:t>cchic </a:t>
+            </a:r>
+            <a:r>
+              <a:rPr sz="1800">
+                <a:solidFill>
+                  <a:srgbClr val="666666"/>
+                </a:solidFill>
+                <a:latin typeface="Courier"/>
+              </a:rPr>
+              <a:t>%&gt;%</a:t>
+            </a:r>
+            <a:br/>
+            <a:r>
+              <a:rPr sz="1800">
+                <a:solidFill>
+                  <a:srgbClr val="4070A0"/>
+                </a:solidFill>
+                <a:latin typeface="Courier"/>
+              </a:rPr>
+              <a:t>  </a:t>
+            </a:r>
+            <a:r>
+              <a:rPr sz="1800">
+                <a:latin typeface="Courier"/>
+              </a:rPr>
+              <a:t>dplyr</a:t>
+            </a:r>
+            <a:r>
+              <a:rPr sz="1800">
+                <a:solidFill>
+                  <a:srgbClr val="666666"/>
+                </a:solidFill>
+                <a:latin typeface="Courier"/>
+              </a:rPr>
+              <a:t>::</a:t>
+            </a:r>
+            <a:r>
               <a:rPr sz="1800" b="1">
                 <a:solidFill>
                   <a:srgbClr val="007020"/>
                 </a:solidFill>
                 <a:latin typeface="Courier"/>
               </a:rPr>
-              <a:t>library</a:t>
-            </a:r>
-            <a:r>
-              <a:rPr sz="1800">
-                <a:latin typeface="Courier"/>
-              </a:rPr>
-              <a:t>(stringr)</a:t>
-            </a:r>
-            <a:br/>
-            <a:r>
-              <a:rPr sz="1800">
-                <a:latin typeface="Courier"/>
-              </a:rPr>
-              <a:t>test_gender &lt;-</a:t>
+              <a:t>mutate</a:t>
+            </a:r>
+            <a:r>
+              <a:rPr sz="1800">
+                <a:latin typeface="Courier"/>
+              </a:rPr>
+              <a:t>(</a:t>
+            </a:r>
+            <a:r>
+              <a:rPr sz="1800">
+                <a:solidFill>
+                  <a:srgbClr val="902000"/>
+                </a:solidFill>
+                <a:latin typeface="Courier"/>
+              </a:rPr>
+              <a:t>bmi =</a:t>
+            </a:r>
+            <a:r>
+              <a:rPr sz="1800">
+                <a:latin typeface="Courier"/>
+              </a:rPr>
+              <a:t> (weight </a:t>
+            </a:r>
+            <a:r>
+              <a:rPr sz="1800">
+                <a:solidFill>
+                  <a:srgbClr val="666666"/>
+                </a:solidFill>
+                <a:latin typeface="Courier"/>
+              </a:rPr>
+              <a:t>/</a:t>
             </a:r>
             <a:r>
               <a:rPr sz="1800">
@@ -8305,19 +8027,19 @@
               <a:t> </a:t>
             </a:r>
             <a:r>
-              <a:rPr sz="1800" b="1">
-                <a:solidFill>
-                  <a:srgbClr val="007020"/>
-                </a:solidFill>
-                <a:latin typeface="Courier"/>
-              </a:rPr>
-              <a:t>c</a:t>
-            </a:r>
-            <a:r>
-              <a:rPr sz="1800">
-                <a:latin typeface="Courier"/>
-              </a:rPr>
-              <a:t>(</a:t>
+              <a:rPr sz="1800">
+                <a:latin typeface="Courier"/>
+              </a:rPr>
+              <a:t>(height </a:t>
+            </a:r>
+            <a:r>
+              <a:rPr sz="1800">
+                <a:solidFill>
+                  <a:srgbClr val="666666"/>
+                </a:solidFill>
+                <a:latin typeface="Courier"/>
+              </a:rPr>
+              <a:t>/</a:t>
             </a:r>
             <a:r>
               <a:rPr sz="1800">
@@ -8326,52 +8048,16 @@
                 </a:solidFill>
                 <a:latin typeface="Courier"/>
               </a:rPr>
-              <a:t>"f"</a:t>
-            </a:r>
-            <a:r>
-              <a:rPr sz="1800">
-                <a:latin typeface="Courier"/>
-              </a:rPr>
-              <a:t>, </a:t>
-            </a:r>
-            <a:r>
-              <a:rPr sz="1800">
-                <a:solidFill>
-                  <a:srgbClr val="4070A0"/>
-                </a:solidFill>
-                <a:latin typeface="Courier"/>
-              </a:rPr>
-              <a:t>"F"</a:t>
-            </a:r>
-            <a:r>
-              <a:rPr sz="1800">
-                <a:latin typeface="Courier"/>
-              </a:rPr>
-              <a:t>, </a:t>
-            </a:r>
-            <a:r>
-              <a:rPr sz="1800">
-                <a:solidFill>
-                  <a:srgbClr val="4070A0"/>
-                </a:solidFill>
-                <a:latin typeface="Courier"/>
-              </a:rPr>
-              <a:t>"M"</a:t>
-            </a:r>
-            <a:r>
-              <a:rPr sz="1800">
-                <a:latin typeface="Courier"/>
-              </a:rPr>
-              <a:t>, </a:t>
-            </a:r>
-            <a:r>
-              <a:rPr sz="1800">
-                <a:solidFill>
-                  <a:srgbClr val="4070A0"/>
-                </a:solidFill>
-                <a:latin typeface="Courier"/>
-              </a:rPr>
-              <a:t>"f"</a:t>
+              <a:t> </a:t>
+            </a:r>
+            <a:r>
+              <a:rPr sz="1800">
+                <a:solidFill>
+                  <a:srgbClr val="40A070"/>
+                </a:solidFill>
+                <a:latin typeface="Courier"/>
+              </a:rPr>
+              <a:t>100</a:t>
             </a:r>
             <a:r>
               <a:rPr sz="1800">
@@ -8379,60 +8065,6 @@
               </a:rPr>
               <a:t>)</a:t>
             </a:r>
-          </a:p>
-          <a:p>
-            <a:pPr lvl="0" marL="0" indent="0">
-              <a:buNone/>
-            </a:pPr>
-            <a:r>
-              <a:rPr/>
-              <a:t>Notice that </a:t>
-            </a:r>
-            <a:r>
-              <a:rPr sz="1800">
-                <a:latin typeface="Courier"/>
-              </a:rPr>
-              <a:t>female</a:t>
-            </a:r>
-            <a:r>
-              <a:rPr/>
-              <a:t> is coded in 2 different ways</a:t>
-            </a:r>
-          </a:p>
-          <a:p>
-            <a:pPr lvl="0" marL="0" indent="0">
-              <a:buNone/>
-            </a:pPr>
-            <a:r>
-              <a:rPr/>
-              <a:t>We can change all of the letters to uppercase.</a:t>
-            </a:r>
-          </a:p>
-          <a:p>
-            <a:pPr lvl="0" marL="1270000" indent="0">
-              <a:buNone/>
-            </a:pPr>
-            <a:r>
-              <a:rPr sz="1800">
-                <a:latin typeface="Courier"/>
-              </a:rPr>
-              <a:t>test_gender &lt;-</a:t>
-            </a:r>
-            <a:r>
-              <a:rPr sz="1800">
-                <a:solidFill>
-                  <a:srgbClr val="4070A0"/>
-                </a:solidFill>
-                <a:latin typeface="Courier"/>
-              </a:rPr>
-              <a:t> </a:t>
-            </a:r>
-            <a:r>
-              <a:rPr sz="1800">
-                <a:latin typeface="Courier"/>
-              </a:rPr>
-              <a:t>stringr</a:t>
-            </a:r>
             <a:r>
               <a:rPr sz="1800">
                 <a:solidFill>
@@ -8440,59 +8072,22 @@
                 </a:solidFill>
                 <a:latin typeface="Courier"/>
               </a:rPr>
-              <a:t>::</a:t>
-            </a:r>
-            <a:r>
-              <a:rPr sz="1800" b="1">
-                <a:solidFill>
-                  <a:srgbClr val="007020"/>
-                </a:solidFill>
-                <a:latin typeface="Courier"/>
-              </a:rPr>
-              <a:t>str_to_upper</a:t>
-            </a:r>
-            <a:r>
-              <a:rPr sz="1800">
-                <a:latin typeface="Courier"/>
-              </a:rPr>
-              <a:t>(test_gender)</a:t>
-            </a:r>
-            <a:br/>
-            <a:r>
-              <a:rPr sz="1800">
-                <a:latin typeface="Courier"/>
-              </a:rPr>
-              <a:t>test_gender</a:t>
-            </a:r>
-          </a:p>
-          <a:p>
-            <a:pPr lvl="0" marL="1270000" indent="0">
-              <a:buNone/>
-            </a:pPr>
-            <a:r>
-              <a:rPr sz="1800">
-                <a:latin typeface="Courier"/>
-              </a:rPr>
-              <a:t>## [1] "F" "F" "M" "F"</a:t>
-            </a:r>
-          </a:p>
-          <a:p>
-            <a:pPr lvl="0" marL="0" indent="0">
-              <a:buNone/>
-            </a:pPr>
-            <a:r>
-              <a:rPr/>
-              <a:t>Look at the manipulate strings cheat sheet (</a:t>
-            </a:r>
-            <a:r>
-              <a:rPr>
-                <a:hlinkClick r:id="rId2"/>
-              </a:rPr>
-              <a:t>https://resources.rstudio.com/rstudio-developed/strings</a:t>
-            </a:r>
-            <a:r>
-              <a:rPr/>
-              <a:t>) for other functions you can use.</a:t>
+              <a:t>^</a:t>
+            </a:r>
+            <a:r>
+              <a:rPr sz="1800">
+                <a:solidFill>
+                  <a:srgbClr val="40A070"/>
+                </a:solidFill>
+                <a:latin typeface="Courier"/>
+              </a:rPr>
+              <a:t>2</a:t>
+            </a:r>
+            <a:r>
+              <a:rPr sz="1800">
+                <a:latin typeface="Courier"/>
+              </a:rPr>
+              <a:t>))</a:t>
             </a:r>
           </a:p>
         </p:txBody>
@@ -8545,31 +8140,23 @@
             </a:pPr>
             <a:r>
               <a:rPr/>
-              <a:t>5.</a:t>
-            </a:r>
-            <a:r>
-              <a:rPr/>
-              <a:t> </a:t>
-            </a:r>
-            <a:r>
-              <a:rPr/>
-              <a:t>Working</a:t>
-            </a:r>
-            <a:r>
-              <a:rPr/>
-              <a:t> </a:t>
-            </a:r>
-            <a:r>
-              <a:rPr/>
-              <a:t>with</a:t>
-            </a:r>
-            <a:r>
-              <a:rPr/>
-              <a:t> </a:t>
-            </a:r>
-            <a:r>
-              <a:rPr/>
-              <a:t>dates</a:t>
+              <a:t>3.</a:t>
+            </a:r>
+            <a:r>
+              <a:rPr/>
+              <a:t> </a:t>
+            </a:r>
+            <a:r>
+              <a:rPr/>
+              <a:t>Extract</a:t>
+            </a:r>
+            <a:r>
+              <a:rPr/>
+              <a:t> </a:t>
+            </a:r>
+            <a:r>
+              <a:rPr/>
+              <a:t>numbers</a:t>
             </a:r>
           </a:p>
         </p:txBody>
@@ -8600,7 +8187,17 @@
             </a:pPr>
             <a:r>
               <a:rPr/>
-              <a:t>R treats dates as characters unless you tell it not to.</a:t>
+              <a:t>Parse numbers from text using the </a:t>
+            </a:r>
+            <a:r>
+              <a:rPr sz="1800">
+                <a:latin typeface="Courier"/>
+              </a:rPr>
+              <a:t>readr</a:t>
+            </a:r>
+            <a:r>
+              <a:rPr/>
+              <a:t> package.</a:t>
             </a:r>
           </a:p>
           <a:p>
@@ -8620,7 +8217,126 @@
               <a:rPr sz="1800">
                 <a:latin typeface="Courier"/>
               </a:rPr>
-              <a:t>(lubridate)</a:t>
+              <a:t>(readr)</a:t>
+            </a:r>
+          </a:p>
+          <a:p>
+            <a:pPr lvl="0" marL="0" indent="0">
+              <a:buNone/>
+            </a:pPr>
+            <a:r>
+              <a:rPr/>
+              <a:t>Create a vector where the unit has been included as part of the value. You can’t do maths on this vector.</a:t>
+            </a:r>
+          </a:p>
+          <a:p>
+            <a:pPr lvl="0" marL="1270000" indent="0">
+              <a:buNone/>
+            </a:pPr>
+            <a:r>
+              <a:rPr sz="1800">
+                <a:latin typeface="Courier"/>
+              </a:rPr>
+              <a:t>weight &lt;-</a:t>
+            </a:r>
+            <a:r>
+              <a:rPr sz="1800">
+                <a:solidFill>
+                  <a:srgbClr val="4070A0"/>
+                </a:solidFill>
+                <a:latin typeface="Courier"/>
+              </a:rPr>
+              <a:t> </a:t>
+            </a:r>
+            <a:r>
+              <a:rPr sz="1800" b="1">
+                <a:solidFill>
+                  <a:srgbClr val="007020"/>
+                </a:solidFill>
+                <a:latin typeface="Courier"/>
+              </a:rPr>
+              <a:t>c</a:t>
+            </a:r>
+            <a:r>
+              <a:rPr sz="1800">
+                <a:latin typeface="Courier"/>
+              </a:rPr>
+              <a:t>(</a:t>
+            </a:r>
+            <a:r>
+              <a:rPr sz="1800">
+                <a:solidFill>
+                  <a:srgbClr val="4070A0"/>
+                </a:solidFill>
+                <a:latin typeface="Courier"/>
+              </a:rPr>
+              <a:t>"70kg"</a:t>
+            </a:r>
+            <a:r>
+              <a:rPr sz="1800">
+                <a:latin typeface="Courier"/>
+              </a:rPr>
+              <a:t>, </a:t>
+            </a:r>
+            <a:r>
+              <a:rPr sz="1800">
+                <a:solidFill>
+                  <a:srgbClr val="4070A0"/>
+                </a:solidFill>
+                <a:latin typeface="Courier"/>
+              </a:rPr>
+              <a:t>"80 kg"</a:t>
+            </a:r>
+            <a:r>
+              <a:rPr sz="1800">
+                <a:latin typeface="Courier"/>
+              </a:rPr>
+              <a:t>, </a:t>
+            </a:r>
+            <a:r>
+              <a:rPr sz="1800">
+                <a:solidFill>
+                  <a:srgbClr val="4070A0"/>
+                </a:solidFill>
+                <a:latin typeface="Courier"/>
+              </a:rPr>
+              <a:t>"82 kg"</a:t>
+            </a:r>
+            <a:r>
+              <a:rPr sz="1800">
+                <a:latin typeface="Courier"/>
+              </a:rPr>
+              <a:t>, </a:t>
+            </a:r>
+            <a:r>
+              <a:rPr sz="1800">
+                <a:solidFill>
+                  <a:srgbClr val="4070A0"/>
+                </a:solidFill>
+                <a:latin typeface="Courier"/>
+              </a:rPr>
+              <a:t>"74"</a:t>
+            </a:r>
+            <a:r>
+              <a:rPr sz="1800">
+                <a:latin typeface="Courier"/>
+              </a:rPr>
+              <a:t>, </a:t>
+            </a:r>
+            <a:r>
+              <a:rPr sz="1800">
+                <a:solidFill>
+                  <a:srgbClr val="4070A0"/>
+                </a:solidFill>
+                <a:latin typeface="Courier"/>
+              </a:rPr>
+              <a:t>"39"</a:t>
+            </a:r>
+            <a:r>
+              <a:rPr sz="1800">
+                <a:latin typeface="Courier"/>
+              </a:rPr>
+              <a:t>)</a:t>
             </a:r>
             <a:br/>
             <a:br/>
@@ -8628,7 +8344,7 @@
               <a:rPr sz="1800">
                 <a:latin typeface="Courier"/>
               </a:rPr>
-              <a:t>test_dates &lt;-</a:t>
+              <a:t>weight &lt;-</a:t>
             </a:r>
             <a:r>
               <a:rPr sz="1800">
@@ -8640,141 +8356,61 @@
               <a:t> </a:t>
             </a:r>
             <a:r>
+              <a:rPr sz="1800">
+                <a:latin typeface="Courier"/>
+              </a:rPr>
+              <a:t>readr</a:t>
+            </a:r>
+            <a:r>
+              <a:rPr sz="1800">
+                <a:solidFill>
+                  <a:srgbClr val="666666"/>
+                </a:solidFill>
+                <a:latin typeface="Courier"/>
+              </a:rPr>
+              <a:t>::</a:t>
+            </a:r>
+            <a:r>
               <a:rPr sz="1800" b="1">
                 <a:solidFill>
                   <a:srgbClr val="007020"/>
                 </a:solidFill>
                 <a:latin typeface="Courier"/>
               </a:rPr>
-              <a:t>c</a:t>
-            </a:r>
-            <a:r>
-              <a:rPr sz="1800">
-                <a:latin typeface="Courier"/>
-              </a:rPr>
-              <a:t>(</a:t>
-            </a:r>
-            <a:r>
-              <a:rPr sz="1800">
-                <a:solidFill>
-                  <a:srgbClr val="4070A0"/>
-                </a:solidFill>
-                <a:latin typeface="Courier"/>
-              </a:rPr>
-              <a:t>"02-01-12"</a:t>
-            </a:r>
-            <a:r>
-              <a:rPr sz="1800">
-                <a:latin typeface="Courier"/>
-              </a:rPr>
-              <a:t>, </a:t>
-            </a:r>
-            <a:r>
-              <a:rPr sz="1800">
-                <a:solidFill>
-                  <a:srgbClr val="4070A0"/>
-                </a:solidFill>
-                <a:latin typeface="Courier"/>
-              </a:rPr>
-              <a:t>"03-04-15"</a:t>
-            </a:r>
-            <a:r>
-              <a:rPr sz="1800">
-                <a:latin typeface="Courier"/>
-              </a:rPr>
-              <a:t>, </a:t>
-            </a:r>
-            <a:r>
-              <a:rPr sz="1800">
-                <a:solidFill>
-                  <a:srgbClr val="4070A0"/>
-                </a:solidFill>
-                <a:latin typeface="Courier"/>
-              </a:rPr>
-              <a:t>"15-06-02"</a:t>
-            </a:r>
-            <a:r>
-              <a:rPr sz="1800">
-                <a:latin typeface="Courier"/>
-              </a:rPr>
-              <a:t>)</a:t>
-            </a:r>
-          </a:p>
-          <a:p>
-            <a:pPr lvl="0" marL="0" indent="0">
+              <a:t>parse_number</a:t>
+            </a:r>
+            <a:r>
+              <a:rPr sz="1800">
+                <a:latin typeface="Courier"/>
+              </a:rPr>
+              <a:t>(weight)</a:t>
+            </a:r>
+            <a:br/>
+            <a:r>
+              <a:rPr sz="1800" b="1">
+                <a:solidFill>
+                  <a:srgbClr val="007020"/>
+                </a:solidFill>
+                <a:latin typeface="Courier"/>
+              </a:rPr>
+              <a:t>str</a:t>
+            </a:r>
+            <a:r>
+              <a:rPr sz="1800">
+                <a:latin typeface="Courier"/>
+              </a:rPr>
+              <a:t>(weight)</a:t>
+            </a:r>
+          </a:p>
+          <a:p>
+            <a:pPr lvl="0" marL="1270000" indent="0">
               <a:buNone/>
             </a:pPr>
             <a:r>
-              <a:rPr/>
-              <a:t>Convert these characters to dates.</a:t>
-            </a:r>
-          </a:p>
-          <a:p>
-            <a:pPr lvl="0" marL="1270000" indent="0">
-              <a:buNone/>
-            </a:pPr>
-            <a:r>
-              <a:rPr sz="1800">
-                <a:latin typeface="Courier"/>
-              </a:rPr>
-              <a:t>test_dates &lt;-</a:t>
-            </a:r>
-            <a:r>
-              <a:rPr sz="1800">
-                <a:solidFill>
-                  <a:srgbClr val="4070A0"/>
-                </a:solidFill>
-                <a:latin typeface="Courier"/>
-              </a:rPr>
-              <a:t> </a:t>
-            </a:r>
-            <a:r>
-              <a:rPr sz="1800">
-                <a:latin typeface="Courier"/>
-              </a:rPr>
-              <a:t>lubridate</a:t>
-            </a:r>
-            <a:r>
-              <a:rPr sz="1800">
-                <a:solidFill>
-                  <a:srgbClr val="666666"/>
-                </a:solidFill>
-                <a:latin typeface="Courier"/>
-              </a:rPr>
-              <a:t>::</a:t>
-            </a:r>
-            <a:r>
-              <a:rPr sz="1800" b="1">
-                <a:solidFill>
-                  <a:srgbClr val="007020"/>
-                </a:solidFill>
-                <a:latin typeface="Courier"/>
-              </a:rPr>
-              <a:t>dmy</a:t>
-            </a:r>
-            <a:r>
-              <a:rPr sz="1800">
-                <a:latin typeface="Courier"/>
-              </a:rPr>
-              <a:t>(test_dates)</a:t>
-            </a:r>
-            <a:br/>
-            <a:r>
-              <a:rPr sz="1800">
-                <a:latin typeface="Courier"/>
-              </a:rPr>
-              <a:t>test_dates</a:t>
-            </a:r>
-          </a:p>
-          <a:p>
-            <a:pPr lvl="0" marL="1270000" indent="0">
-              <a:buNone/>
-            </a:pPr>
-            <a:r>
-              <a:rPr sz="1800">
-                <a:latin typeface="Courier"/>
-              </a:rPr>
-              <a:t>## [1] "2012-01-02" "2015-04-03" "2002-06-15"</a:t>
+              <a:rPr sz="1800">
+                <a:latin typeface="Courier"/>
+              </a:rPr>
+              <a:t>##  num [1:5] 70 80 82 74 39</a:t>
             </a:r>
           </a:p>
         </p:txBody>
@@ -8827,15 +8463,23 @@
             </a:pPr>
             <a:r>
               <a:rPr/>
-              <a:t>Parsing</a:t>
-            </a:r>
-            <a:r>
-              <a:rPr/>
-              <a:t> </a:t>
-            </a:r>
-            <a:r>
-              <a:rPr/>
-              <a:t>dates</a:t>
+              <a:t>4.</a:t>
+            </a:r>
+            <a:r>
+              <a:rPr/>
+              <a:t> </a:t>
+            </a:r>
+            <a:r>
+              <a:rPr/>
+              <a:t>Manipulate</a:t>
+            </a:r>
+            <a:r>
+              <a:rPr/>
+              <a:t> </a:t>
+            </a:r>
+            <a:r>
+              <a:rPr/>
+              <a:t>strings</a:t>
             </a:r>
           </a:p>
         </p:txBody>
@@ -8861,12 +8505,133 @@
           <a:bodyPr/>
           <a:lstStyle/>
           <a:p>
+            <a:pPr lvl="0" marL="1270000" indent="0">
+              <a:buNone/>
+            </a:pPr>
+            <a:r>
+              <a:rPr sz="1800" b="1">
+                <a:solidFill>
+                  <a:srgbClr val="007020"/>
+                </a:solidFill>
+                <a:latin typeface="Courier"/>
+              </a:rPr>
+              <a:t>library</a:t>
+            </a:r>
+            <a:r>
+              <a:rPr sz="1800">
+                <a:latin typeface="Courier"/>
+              </a:rPr>
+              <a:t>(stringr)</a:t>
+            </a:r>
+            <a:br/>
+            <a:r>
+              <a:rPr sz="1800">
+                <a:latin typeface="Courier"/>
+              </a:rPr>
+              <a:t>test_gender &lt;-</a:t>
+            </a:r>
+            <a:r>
+              <a:rPr sz="1800">
+                <a:solidFill>
+                  <a:srgbClr val="4070A0"/>
+                </a:solidFill>
+                <a:latin typeface="Courier"/>
+              </a:rPr>
+              <a:t> </a:t>
+            </a:r>
+            <a:r>
+              <a:rPr sz="1800" b="1">
+                <a:solidFill>
+                  <a:srgbClr val="007020"/>
+                </a:solidFill>
+                <a:latin typeface="Courier"/>
+              </a:rPr>
+              <a:t>c</a:t>
+            </a:r>
+            <a:r>
+              <a:rPr sz="1800">
+                <a:latin typeface="Courier"/>
+              </a:rPr>
+              <a:t>(</a:t>
+            </a:r>
+            <a:r>
+              <a:rPr sz="1800">
+                <a:solidFill>
+                  <a:srgbClr val="4070A0"/>
+                </a:solidFill>
+                <a:latin typeface="Courier"/>
+              </a:rPr>
+              <a:t>"f"</a:t>
+            </a:r>
+            <a:r>
+              <a:rPr sz="1800">
+                <a:latin typeface="Courier"/>
+              </a:rPr>
+              <a:t>, </a:t>
+            </a:r>
+            <a:r>
+              <a:rPr sz="1800">
+                <a:solidFill>
+                  <a:srgbClr val="4070A0"/>
+                </a:solidFill>
+                <a:latin typeface="Courier"/>
+              </a:rPr>
+              <a:t>"F"</a:t>
+            </a:r>
+            <a:r>
+              <a:rPr sz="1800">
+                <a:latin typeface="Courier"/>
+              </a:rPr>
+              <a:t>, </a:t>
+            </a:r>
+            <a:r>
+              <a:rPr sz="1800">
+                <a:solidFill>
+                  <a:srgbClr val="4070A0"/>
+                </a:solidFill>
+                <a:latin typeface="Courier"/>
+              </a:rPr>
+              <a:t>"M"</a:t>
+            </a:r>
+            <a:r>
+              <a:rPr sz="1800">
+                <a:latin typeface="Courier"/>
+              </a:rPr>
+              <a:t>, </a:t>
+            </a:r>
+            <a:r>
+              <a:rPr sz="1800">
+                <a:solidFill>
+                  <a:srgbClr val="4070A0"/>
+                </a:solidFill>
+                <a:latin typeface="Courier"/>
+              </a:rPr>
+              <a:t>"f"</a:t>
+            </a:r>
+            <a:r>
+              <a:rPr sz="1800">
+                <a:latin typeface="Courier"/>
+              </a:rPr>
+              <a:t>)</a:t>
+            </a:r>
+          </a:p>
+          <a:p>
             <a:pPr lvl="0" marL="0" indent="0">
               <a:buNone/>
             </a:pPr>
             <a:r>
               <a:rPr/>
-              <a:t>We can extract components of dates.</a:t>
+              <a:t>Notice that </a:t>
+            </a:r>
+            <a:r>
+              <a:rPr sz="1800">
+                <a:latin typeface="Courier"/>
+              </a:rPr>
+              <a:t>female</a:t>
+            </a:r>
+            <a:r>
+              <a:rPr/>
+              <a:t> is coded in 2 different ways</a:t>
             </a:r>
           </a:p>
           <a:p>
@@ -8875,7 +8640,7 @@
             </a:pPr>
             <a:r>
               <a:rPr/>
-              <a:t>Extracting years</a:t>
+              <a:t>We can change all of the letters to uppercase.</a:t>
             </a:r>
           </a:p>
           <a:p>
@@ -8886,7 +8651,7 @@
               <a:rPr sz="1800">
                 <a:latin typeface="Courier"/>
               </a:rPr>
-              <a:t>cchic &lt;-</a:t>
+              <a:t>test_gender &lt;-</a:t>
             </a:r>
             <a:r>
               <a:rPr sz="1800">
@@ -8901,7 +8666,7 @@
               <a:rPr sz="1800">
                 <a:latin typeface="Courier"/>
               </a:rPr>
-              <a:t>cchic </a:t>
+              <a:t>stringr</a:t>
             </a:r>
             <a:r>
               <a:rPr sz="1800">
@@ -8910,133 +8675,40 @@
                 </a:solidFill>
                 <a:latin typeface="Courier"/>
               </a:rPr>
-              <a:t>%&gt;%</a:t>
-            </a:r>
-            <a:r>
-              <a:rPr sz="1800">
-                <a:solidFill>
-                  <a:srgbClr val="4070A0"/>
-                </a:solidFill>
-                <a:latin typeface="Courier"/>
-              </a:rPr>
-              <a:t> </a:t>
+              <a:t>::</a:t>
+            </a:r>
+            <a:r>
+              <a:rPr sz="1800" b="1">
+                <a:solidFill>
+                  <a:srgbClr val="007020"/>
+                </a:solidFill>
+                <a:latin typeface="Courier"/>
+              </a:rPr>
+              <a:t>str_to_upper</a:t>
+            </a:r>
+            <a:r>
+              <a:rPr sz="1800">
+                <a:latin typeface="Courier"/>
+              </a:rPr>
+              <a:t>(test_gender)</a:t>
             </a:r>
             <a:br/>
             <a:r>
               <a:rPr sz="1800">
-                <a:solidFill>
-                  <a:srgbClr val="4070A0"/>
-                </a:solidFill>
-                <a:latin typeface="Courier"/>
-              </a:rPr>
-              <a:t>  </a:t>
-            </a:r>
-            <a:r>
-              <a:rPr sz="1800">
-                <a:latin typeface="Courier"/>
-              </a:rPr>
-              <a:t>dplyr</a:t>
-            </a:r>
-            <a:r>
-              <a:rPr sz="1800">
-                <a:solidFill>
-                  <a:srgbClr val="666666"/>
-                </a:solidFill>
-                <a:latin typeface="Courier"/>
-              </a:rPr>
-              <a:t>::</a:t>
-            </a:r>
-            <a:r>
-              <a:rPr sz="1800" b="1">
-                <a:solidFill>
-                  <a:srgbClr val="007020"/>
-                </a:solidFill>
-                <a:latin typeface="Courier"/>
-              </a:rPr>
-              <a:t>mutate</a:t>
-            </a:r>
-            <a:r>
-              <a:rPr sz="1800">
-                <a:latin typeface="Courier"/>
-              </a:rPr>
-              <a:t>(</a:t>
-            </a:r>
-            <a:r>
-              <a:rPr sz="1800">
-                <a:solidFill>
-                  <a:srgbClr val="902000"/>
-                </a:solidFill>
-                <a:latin typeface="Courier"/>
-              </a:rPr>
-              <a:t>year_born =</a:t>
-            </a:r>
-            <a:r>
-              <a:rPr sz="1800">
-                <a:latin typeface="Courier"/>
-              </a:rPr>
-              <a:t> </a:t>
-            </a:r>
-            <a:r>
-              <a:rPr sz="1800" b="1">
-                <a:solidFill>
-                  <a:srgbClr val="007020"/>
-                </a:solidFill>
-                <a:latin typeface="Courier"/>
-              </a:rPr>
-              <a:t>year</a:t>
-            </a:r>
-            <a:r>
-              <a:rPr sz="1800">
-                <a:latin typeface="Courier"/>
-              </a:rPr>
-              <a:t>(</a:t>
-            </a:r>
-            <a:r>
-              <a:rPr sz="1800" b="1">
-                <a:solidFill>
-                  <a:srgbClr val="007020"/>
-                </a:solidFill>
-                <a:latin typeface="Courier"/>
-              </a:rPr>
-              <a:t>ymd</a:t>
-            </a:r>
-            <a:r>
-              <a:rPr sz="1800">
-                <a:latin typeface="Courier"/>
-              </a:rPr>
-              <a:t>(dob)))</a:t>
-            </a:r>
-            <a:br/>
-            <a:br/>
-            <a:r>
-              <a:rPr sz="1800" b="1">
-                <a:solidFill>
-                  <a:srgbClr val="007020"/>
-                </a:solidFill>
-                <a:latin typeface="Courier"/>
-              </a:rPr>
-              <a:t>str</a:t>
-            </a:r>
-            <a:r>
-              <a:rPr sz="1800">
-                <a:latin typeface="Courier"/>
-              </a:rPr>
-              <a:t>(cchic</a:t>
-            </a:r>
-            <a:r>
-              <a:rPr sz="1800">
-                <a:solidFill>
-                  <a:srgbClr val="666666"/>
-                </a:solidFill>
-                <a:latin typeface="Courier"/>
-              </a:rPr>
-              <a:t>$</a:t>
-            </a:r>
-            <a:r>
-              <a:rPr sz="1800">
-                <a:latin typeface="Courier"/>
-              </a:rPr>
-              <a:t>year_born)</a:t>
+                <a:latin typeface="Courier"/>
+              </a:rPr>
+              <a:t>test_gender</a:t>
+            </a:r>
+          </a:p>
+          <a:p>
+            <a:pPr lvl="0" marL="1270000" indent="0">
+              <a:buNone/>
+            </a:pPr>
+            <a:r>
+              <a:rPr sz="1800">
+                <a:latin typeface="Courier"/>
+              </a:rPr>
+              <a:t>## [1] "F" "F" "M" "F"</a:t>
             </a:r>
           </a:p>
           <a:p>
@@ -9045,183 +8717,17 @@
             </a:pPr>
             <a:r>
               <a:rPr/>
-              <a:t>Extracting days</a:t>
-            </a:r>
-          </a:p>
-          <a:p>
-            <a:pPr lvl="0" marL="1270000" indent="0">
-              <a:buNone/>
-            </a:pPr>
-            <a:r>
-              <a:rPr sz="1800">
-                <a:latin typeface="Courier"/>
-              </a:rPr>
-              <a:t>cchic &lt;-</a:t>
-            </a:r>
-            <a:r>
-              <a:rPr sz="1800">
-                <a:solidFill>
-                  <a:srgbClr val="4070A0"/>
-                </a:solidFill>
-                <a:latin typeface="Courier"/>
-              </a:rPr>
-              <a:t> </a:t>
-            </a:r>
-            <a:r>
-              <a:rPr sz="1800">
-                <a:latin typeface="Courier"/>
-              </a:rPr>
-              <a:t>cchic </a:t>
-            </a:r>
-            <a:r>
-              <a:rPr sz="1800">
-                <a:solidFill>
-                  <a:srgbClr val="666666"/>
-                </a:solidFill>
-                <a:latin typeface="Courier"/>
-              </a:rPr>
-              <a:t>%&gt;%</a:t>
-            </a:r>
-            <a:r>
-              <a:rPr sz="1800">
-                <a:solidFill>
-                  <a:srgbClr val="4070A0"/>
-                </a:solidFill>
-                <a:latin typeface="Courier"/>
-              </a:rPr>
-              <a:t> </a:t>
-            </a:r>
-            <a:br/>
-            <a:r>
-              <a:rPr sz="1800">
-                <a:solidFill>
-                  <a:srgbClr val="4070A0"/>
-                </a:solidFill>
-                <a:latin typeface="Courier"/>
-              </a:rPr>
-              <a:t>  </a:t>
-            </a:r>
-            <a:r>
-              <a:rPr sz="1800">
-                <a:latin typeface="Courier"/>
-              </a:rPr>
-              <a:t>dplyr</a:t>
-            </a:r>
-            <a:r>
-              <a:rPr sz="1800">
-                <a:solidFill>
-                  <a:srgbClr val="666666"/>
-                </a:solidFill>
-                <a:latin typeface="Courier"/>
-              </a:rPr>
-              <a:t>::</a:t>
-            </a:r>
-            <a:r>
-              <a:rPr sz="1800" b="1">
-                <a:solidFill>
-                  <a:srgbClr val="007020"/>
-                </a:solidFill>
-                <a:latin typeface="Courier"/>
-              </a:rPr>
-              <a:t>mutate</a:t>
-            </a:r>
-            <a:r>
-              <a:rPr sz="1800">
-                <a:latin typeface="Courier"/>
-              </a:rPr>
-              <a:t>(</a:t>
-            </a:r>
-            <a:r>
-              <a:rPr sz="1800">
-                <a:solidFill>
-                  <a:srgbClr val="902000"/>
-                </a:solidFill>
-                <a:latin typeface="Courier"/>
-              </a:rPr>
-              <a:t>discharge_day =</a:t>
-            </a:r>
-            <a:r>
-              <a:rPr sz="1800">
-                <a:latin typeface="Courier"/>
-              </a:rPr>
-              <a:t> </a:t>
-            </a:r>
-            <a:r>
-              <a:rPr sz="1800" b="1">
-                <a:solidFill>
-                  <a:srgbClr val="007020"/>
-                </a:solidFill>
-                <a:latin typeface="Courier"/>
-              </a:rPr>
-              <a:t>day</a:t>
-            </a:r>
-            <a:r>
-              <a:rPr sz="1800">
-                <a:latin typeface="Courier"/>
-              </a:rPr>
-              <a:t>(</a:t>
-            </a:r>
-            <a:r>
-              <a:rPr sz="1800" b="1">
-                <a:solidFill>
-                  <a:srgbClr val="007020"/>
-                </a:solidFill>
-                <a:latin typeface="Courier"/>
-              </a:rPr>
-              <a:t>ymd_hms</a:t>
-            </a:r>
-            <a:r>
-              <a:rPr sz="1800">
-                <a:latin typeface="Courier"/>
-              </a:rPr>
-              <a:t>(cchic</a:t>
-            </a:r>
-            <a:r>
-              <a:rPr sz="1800">
-                <a:solidFill>
-                  <a:srgbClr val="666666"/>
-                </a:solidFill>
-                <a:latin typeface="Courier"/>
-              </a:rPr>
-              <a:t>$</a:t>
-            </a:r>
-            <a:r>
-              <a:rPr sz="1800">
-                <a:latin typeface="Courier"/>
-              </a:rPr>
-              <a:t>discharge_dttm)))</a:t>
-            </a:r>
-            <a:br/>
-            <a:br/>
-            <a:r>
-              <a:rPr sz="1800" b="1">
-                <a:solidFill>
-                  <a:srgbClr val="007020"/>
-                </a:solidFill>
-                <a:latin typeface="Courier"/>
-              </a:rPr>
-              <a:t>str</a:t>
-            </a:r>
-            <a:r>
-              <a:rPr sz="1800">
-                <a:latin typeface="Courier"/>
-              </a:rPr>
-              <a:t>(cchic</a:t>
-            </a:r>
-            <a:r>
-              <a:rPr sz="1800">
-                <a:solidFill>
-                  <a:srgbClr val="666666"/>
-                </a:solidFill>
-                <a:latin typeface="Courier"/>
-              </a:rPr>
-              <a:t>$</a:t>
-            </a:r>
-            <a:r>
-              <a:rPr sz="1800">
-                <a:latin typeface="Courier"/>
-              </a:rPr>
-              <a:t>discharge_day)</a:t>
+              <a:t>Look at the manipulate strings cheat sheet (</a:t>
+            </a:r>
+            <a:r>
+              <a:rPr>
+                <a:hlinkClick r:id="rId2"/>
+              </a:rPr>
+              <a:t>https://resources.rstudio.com/rstudio-developed/strings</a:t>
+            </a:r>
+            <a:r>
+              <a:rPr/>
+              <a:t>) for other functions you can use.</a:t>
             </a:r>
           </a:p>
         </p:txBody>
@@ -9274,15 +8780,31 @@
             </a:pPr>
             <a:r>
               <a:rPr/>
-              <a:t>Date</a:t>
-            </a:r>
-            <a:r>
-              <a:rPr/>
-              <a:t> </a:t>
-            </a:r>
-            <a:r>
-              <a:rPr/>
-              <a:t>intervals</a:t>
+              <a:t>5.</a:t>
+            </a:r>
+            <a:r>
+              <a:rPr/>
+              <a:t> </a:t>
+            </a:r>
+            <a:r>
+              <a:rPr/>
+              <a:t>Working</a:t>
+            </a:r>
+            <a:r>
+              <a:rPr/>
+              <a:t> </a:t>
+            </a:r>
+            <a:r>
+              <a:rPr/>
+              <a:t>with</a:t>
+            </a:r>
+            <a:r>
+              <a:rPr/>
+              <a:t> </a:t>
+            </a:r>
+            <a:r>
+              <a:rPr/>
+              <a:t>dates</a:t>
             </a:r>
           </a:p>
         </p:txBody>
@@ -9313,7 +8835,7 @@
             </a:pPr>
             <a:r>
               <a:rPr/>
-              <a:t>We often want to calculate the difference between two dates or times. Let’s calculate the length of stay of patients admitted to the ICU.</a:t>
+              <a:t>R treats dates as characters unless you tell it not to.</a:t>
             </a:r>
           </a:p>
           <a:p>
@@ -9321,10 +8843,27 @@
               <a:buNone/>
             </a:pPr>
             <a:r>
-              <a:rPr sz="1800">
-                <a:latin typeface="Courier"/>
-              </a:rPr>
-              <a:t>cchic &lt;-</a:t>
+              <a:rPr sz="1800" b="1">
+                <a:solidFill>
+                  <a:srgbClr val="007020"/>
+                </a:solidFill>
+                <a:latin typeface="Courier"/>
+              </a:rPr>
+              <a:t>library</a:t>
+            </a:r>
+            <a:r>
+              <a:rPr sz="1800">
+                <a:latin typeface="Courier"/>
+              </a:rPr>
+              <a:t>(lubridate)</a:t>
+            </a:r>
+            <a:br/>
+            <a:br/>
+            <a:r>
+              <a:rPr sz="1800">
+                <a:latin typeface="Courier"/>
+              </a:rPr>
+              <a:t>test_dates &lt;-</a:t>
             </a:r>
             <a:r>
               <a:rPr sz="1800">
@@ -9336,10 +8875,99 @@
               <a:t> </a:t>
             </a:r>
             <a:r>
-              <a:rPr sz="1800">
-                <a:latin typeface="Courier"/>
-              </a:rPr>
-              <a:t>cchic </a:t>
+              <a:rPr sz="1800" b="1">
+                <a:solidFill>
+                  <a:srgbClr val="007020"/>
+                </a:solidFill>
+                <a:latin typeface="Courier"/>
+              </a:rPr>
+              <a:t>c</a:t>
+            </a:r>
+            <a:r>
+              <a:rPr sz="1800">
+                <a:latin typeface="Courier"/>
+              </a:rPr>
+              <a:t>(</a:t>
+            </a:r>
+            <a:r>
+              <a:rPr sz="1800">
+                <a:solidFill>
+                  <a:srgbClr val="4070A0"/>
+                </a:solidFill>
+                <a:latin typeface="Courier"/>
+              </a:rPr>
+              <a:t>"02-01-12"</a:t>
+            </a:r>
+            <a:r>
+              <a:rPr sz="1800">
+                <a:latin typeface="Courier"/>
+              </a:rPr>
+              <a:t>, </a:t>
+            </a:r>
+            <a:r>
+              <a:rPr sz="1800">
+                <a:solidFill>
+                  <a:srgbClr val="4070A0"/>
+                </a:solidFill>
+                <a:latin typeface="Courier"/>
+              </a:rPr>
+              <a:t>"03-04-15"</a:t>
+            </a:r>
+            <a:r>
+              <a:rPr sz="1800">
+                <a:latin typeface="Courier"/>
+              </a:rPr>
+              <a:t>, </a:t>
+            </a:r>
+            <a:r>
+              <a:rPr sz="1800">
+                <a:solidFill>
+                  <a:srgbClr val="4070A0"/>
+                </a:solidFill>
+                <a:latin typeface="Courier"/>
+              </a:rPr>
+              <a:t>"15-06-02"</a:t>
+            </a:r>
+            <a:r>
+              <a:rPr sz="1800">
+                <a:latin typeface="Courier"/>
+              </a:rPr>
+              <a:t>)</a:t>
+            </a:r>
+          </a:p>
+          <a:p>
+            <a:pPr lvl="0" marL="0" indent="0">
+              <a:buNone/>
+            </a:pPr>
+            <a:r>
+              <a:rPr/>
+              <a:t>Convert these characters to dates.</a:t>
+            </a:r>
+          </a:p>
+          <a:p>
+            <a:pPr lvl="0" marL="1270000" indent="0">
+              <a:buNone/>
+            </a:pPr>
+            <a:r>
+              <a:rPr sz="1800">
+                <a:latin typeface="Courier"/>
+              </a:rPr>
+              <a:t>test_dates &lt;-</a:t>
+            </a:r>
+            <a:r>
+              <a:rPr sz="1800">
+                <a:solidFill>
+                  <a:srgbClr val="4070A0"/>
+                </a:solidFill>
+                <a:latin typeface="Courier"/>
+              </a:rPr>
+              <a:t> </a:t>
+            </a:r>
+            <a:r>
+              <a:rPr sz="1800">
+                <a:latin typeface="Courier"/>
+              </a:rPr>
+              <a:t>lubridate</a:t>
             </a:r>
             <a:r>
               <a:rPr sz="1800">
@@ -9348,144 +8976,40 @@
                 </a:solidFill>
                 <a:latin typeface="Courier"/>
               </a:rPr>
-              <a:t>%&gt;%</a:t>
+              <a:t>::</a:t>
+            </a:r>
+            <a:r>
+              <a:rPr sz="1800" b="1">
+                <a:solidFill>
+                  <a:srgbClr val="007020"/>
+                </a:solidFill>
+                <a:latin typeface="Courier"/>
+              </a:rPr>
+              <a:t>dmy</a:t>
+            </a:r>
+            <a:r>
+              <a:rPr sz="1800">
+                <a:latin typeface="Courier"/>
+              </a:rPr>
+              <a:t>(test_dates)</a:t>
             </a:r>
             <a:br/>
             <a:r>
               <a:rPr sz="1800">
-                <a:solidFill>
-                  <a:srgbClr val="4070A0"/>
-                </a:solidFill>
-                <a:latin typeface="Courier"/>
-              </a:rPr>
-              <a:t>  </a:t>
-            </a:r>
-            <a:r>
-              <a:rPr sz="1800">
-                <a:latin typeface="Courier"/>
-              </a:rPr>
-              <a:t>dplyr</a:t>
-            </a:r>
-            <a:r>
-              <a:rPr sz="1800">
-                <a:solidFill>
-                  <a:srgbClr val="666666"/>
-                </a:solidFill>
-                <a:latin typeface="Courier"/>
-              </a:rPr>
-              <a:t>::</a:t>
-            </a:r>
-            <a:r>
-              <a:rPr sz="1800" b="1">
-                <a:solidFill>
-                  <a:srgbClr val="007020"/>
-                </a:solidFill>
-                <a:latin typeface="Courier"/>
-              </a:rPr>
-              <a:t>mutate</a:t>
-            </a:r>
-            <a:r>
-              <a:rPr sz="1800">
-                <a:latin typeface="Courier"/>
-              </a:rPr>
-              <a:t>(</a:t>
-            </a:r>
-            <a:r>
-              <a:rPr sz="1800">
-                <a:solidFill>
-                  <a:srgbClr val="902000"/>
-                </a:solidFill>
-                <a:latin typeface="Courier"/>
-              </a:rPr>
-              <a:t>los =</a:t>
-            </a:r>
-            <a:r>
-              <a:rPr sz="1800">
-                <a:latin typeface="Courier"/>
-              </a:rPr>
-              <a:t> </a:t>
-            </a:r>
-            <a:r>
-              <a:rPr sz="1800" b="1">
-                <a:solidFill>
-                  <a:srgbClr val="007020"/>
-                </a:solidFill>
-                <a:latin typeface="Courier"/>
-              </a:rPr>
-              <a:t>difftime</a:t>
-            </a:r>
-            <a:r>
-              <a:rPr sz="1800">
-                <a:latin typeface="Courier"/>
-              </a:rPr>
-              <a:t>(</a:t>
-            </a:r>
-            <a:r>
-              <a:rPr sz="1800" b="1">
-                <a:solidFill>
-                  <a:srgbClr val="007020"/>
-                </a:solidFill>
-                <a:latin typeface="Courier"/>
-              </a:rPr>
-              <a:t>ymd_hms</a:t>
-            </a:r>
-            <a:r>
-              <a:rPr sz="1800">
-                <a:latin typeface="Courier"/>
-              </a:rPr>
-              <a:t>(discharge_dttm),</a:t>
-            </a:r>
-            <a:br/>
-            <a:r>
-              <a:rPr sz="1800">
-                <a:latin typeface="Courier"/>
-              </a:rPr>
-              <a:t>                        </a:t>
-            </a:r>
-            <a:r>
-              <a:rPr sz="1800" b="1">
-                <a:solidFill>
-                  <a:srgbClr val="007020"/>
-                </a:solidFill>
-                <a:latin typeface="Courier"/>
-              </a:rPr>
-              <a:t>ymd_hms</a:t>
-            </a:r>
-            <a:r>
-              <a:rPr sz="1800">
-                <a:latin typeface="Courier"/>
-              </a:rPr>
-              <a:t>(arrival_dttm), </a:t>
-            </a:r>
-            <a:r>
-              <a:rPr sz="1800">
-                <a:solidFill>
-                  <a:srgbClr val="902000"/>
-                </a:solidFill>
-                <a:latin typeface="Courier"/>
-              </a:rPr>
-              <a:t>units =</a:t>
-            </a:r>
-            <a:r>
-              <a:rPr sz="1800">
-                <a:latin typeface="Courier"/>
-              </a:rPr>
-              <a:t> </a:t>
-            </a:r>
-            <a:r>
-              <a:rPr sz="1800">
-                <a:solidFill>
-                  <a:srgbClr val="4070A0"/>
-                </a:solidFill>
-                <a:latin typeface="Courier"/>
-              </a:rPr>
-              <a:t>"days"</a:t>
-            </a:r>
-            <a:r>
-              <a:rPr sz="1800">
-                <a:latin typeface="Courier"/>
-              </a:rPr>
-              <a:t>))</a:t>
+                <a:latin typeface="Courier"/>
+              </a:rPr>
+              <a:t>test_dates</a:t>
+            </a:r>
+          </a:p>
+          <a:p>
+            <a:pPr lvl="0" marL="1270000" indent="0">
+              <a:buNone/>
+            </a:pPr>
+            <a:r>
+              <a:rPr sz="1800">
+                <a:latin typeface="Courier"/>
+              </a:rPr>
+              <a:t>## [1] "2012-01-02" "2015-04-03" "2002-06-15"</a:t>
             </a:r>
           </a:p>
         </p:txBody>
@@ -9496,6 +9020,797 @@
 </file>
 
 <file path=ppt/slides/slide27.xml><?xml version="1.0" encoding="utf-8"?>
+<p:sld xmlns:a="http://schemas.openxmlformats.org/drawingml/2006/main" xmlns:r="http://schemas.openxmlformats.org/officeDocument/2006/relationships" xmlns:p="http://schemas.openxmlformats.org/presentationml/2006/main">
+  <p:cSld>
+    <p:spTree>
+      <p:nvGrpSpPr>
+        <p:cNvPr id="1" name=""/>
+        <p:cNvGrpSpPr/>
+        <p:nvPr/>
+      </p:nvGrpSpPr>
+      <p:grpSpPr>
+        <a:xfrm>
+          <a:off x="0" y="0"/>
+          <a:ext cx="0" cy="0"/>
+          <a:chOff x="0" y="0"/>
+          <a:chExt cx="0" cy="0"/>
+        </a:xfrm>
+      </p:grpSpPr>
+      <p:sp>
+        <p:nvSpPr>
+          <p:cNvPr id="2" name="Title 1">
+            <a:extLst>
+              <a:ext uri="{FF2B5EF4-FFF2-40B4-BE49-F238E27FC236}">
+                <a16:creationId xmlns:a16="http://schemas.microsoft.com/office/drawing/2014/main" id="{5567D468-EE70-CD4E-A3AC-039CC11EF1FB}"/>
+              </a:ext>
+            </a:extLst>
+          </p:cNvPr>
+          <p:cNvSpPr>
+            <a:spLocks noGrp="1"/>
+          </p:cNvSpPr>
+          <p:nvPr>
+            <p:ph type="title"/>
+          </p:nvPr>
+        </p:nvSpPr>
+        <p:spPr/>
+        <p:txBody>
+          <a:bodyPr/>
+          <a:lstStyle/>
+          <a:p>
+            <a:pPr lvl="0" marL="0" indent="0">
+              <a:buNone/>
+            </a:pPr>
+            <a:r>
+              <a:rPr/>
+              <a:t>5.</a:t>
+            </a:r>
+            <a:r>
+              <a:rPr/>
+              <a:t> </a:t>
+            </a:r>
+            <a:r>
+              <a:rPr/>
+              <a:t>Working</a:t>
+            </a:r>
+            <a:r>
+              <a:rPr/>
+              <a:t> </a:t>
+            </a:r>
+            <a:r>
+              <a:rPr/>
+              <a:t>with</a:t>
+            </a:r>
+            <a:r>
+              <a:rPr/>
+              <a:t> </a:t>
+            </a:r>
+            <a:r>
+              <a:rPr/>
+              <a:t>dates</a:t>
+            </a:r>
+            <a:r>
+              <a:rPr/>
+              <a:t> </a:t>
+            </a:r>
+            <a:r>
+              <a:rPr/>
+              <a:t>-</a:t>
+            </a:r>
+            <a:r>
+              <a:rPr/>
+              <a:t> </a:t>
+            </a:r>
+            <a:r>
+              <a:rPr/>
+              <a:t>parsing</a:t>
+            </a:r>
+            <a:r>
+              <a:rPr/>
+              <a:t> </a:t>
+            </a:r>
+            <a:r>
+              <a:rPr/>
+              <a:t>dates</a:t>
+            </a:r>
+          </a:p>
+        </p:txBody>
+      </p:sp>
+      <p:sp>
+        <p:nvSpPr>
+          <p:cNvPr id="3" name="Content Placeholder 2">
+            <a:extLst>
+              <a:ext uri="{FF2B5EF4-FFF2-40B4-BE49-F238E27FC236}">
+                <a16:creationId xmlns:a16="http://schemas.microsoft.com/office/drawing/2014/main" id="{D10DDA37-E46B-B641-BC9F-636CB92A2C08}"/>
+              </a:ext>
+            </a:extLst>
+          </p:cNvPr>
+          <p:cNvSpPr>
+            <a:spLocks noGrp="1"/>
+          </p:cNvSpPr>
+          <p:nvPr>
+            <p:ph idx="1"/>
+          </p:nvPr>
+        </p:nvSpPr>
+        <p:spPr/>
+        <p:txBody>
+          <a:bodyPr/>
+          <a:lstStyle/>
+          <a:p>
+            <a:pPr lvl="0" marL="0" indent="0">
+              <a:buNone/>
+            </a:pPr>
+            <a:r>
+              <a:rPr/>
+              <a:t>We can extract components of dates.</a:t>
+            </a:r>
+          </a:p>
+          <a:p>
+            <a:pPr lvl="0" marL="0" indent="0">
+              <a:buNone/>
+            </a:pPr>
+            <a:r>
+              <a:rPr/>
+              <a:t>Extracting years</a:t>
+            </a:r>
+          </a:p>
+          <a:p>
+            <a:pPr lvl="0" marL="1270000" indent="0">
+              <a:buNone/>
+            </a:pPr>
+            <a:r>
+              <a:rPr sz="1800">
+                <a:latin typeface="Courier"/>
+              </a:rPr>
+              <a:t>cchic &lt;-</a:t>
+            </a:r>
+            <a:r>
+              <a:rPr sz="1800">
+                <a:solidFill>
+                  <a:srgbClr val="4070A0"/>
+                </a:solidFill>
+                <a:latin typeface="Courier"/>
+              </a:rPr>
+              <a:t> </a:t>
+            </a:r>
+            <a:r>
+              <a:rPr sz="1800">
+                <a:latin typeface="Courier"/>
+              </a:rPr>
+              <a:t>cchic </a:t>
+            </a:r>
+            <a:r>
+              <a:rPr sz="1800">
+                <a:solidFill>
+                  <a:srgbClr val="666666"/>
+                </a:solidFill>
+                <a:latin typeface="Courier"/>
+              </a:rPr>
+              <a:t>%&gt;%</a:t>
+            </a:r>
+            <a:r>
+              <a:rPr sz="1800">
+                <a:solidFill>
+                  <a:srgbClr val="4070A0"/>
+                </a:solidFill>
+                <a:latin typeface="Courier"/>
+              </a:rPr>
+              <a:t> </a:t>
+            </a:r>
+            <a:br/>
+            <a:r>
+              <a:rPr sz="1800">
+                <a:solidFill>
+                  <a:srgbClr val="4070A0"/>
+                </a:solidFill>
+                <a:latin typeface="Courier"/>
+              </a:rPr>
+              <a:t>  </a:t>
+            </a:r>
+            <a:r>
+              <a:rPr sz="1800">
+                <a:latin typeface="Courier"/>
+              </a:rPr>
+              <a:t>dplyr</a:t>
+            </a:r>
+            <a:r>
+              <a:rPr sz="1800">
+                <a:solidFill>
+                  <a:srgbClr val="666666"/>
+                </a:solidFill>
+                <a:latin typeface="Courier"/>
+              </a:rPr>
+              <a:t>::</a:t>
+            </a:r>
+            <a:r>
+              <a:rPr sz="1800" b="1">
+                <a:solidFill>
+                  <a:srgbClr val="007020"/>
+                </a:solidFill>
+                <a:latin typeface="Courier"/>
+              </a:rPr>
+              <a:t>mutate</a:t>
+            </a:r>
+            <a:r>
+              <a:rPr sz="1800">
+                <a:latin typeface="Courier"/>
+              </a:rPr>
+              <a:t>(</a:t>
+            </a:r>
+            <a:r>
+              <a:rPr sz="1800">
+                <a:solidFill>
+                  <a:srgbClr val="902000"/>
+                </a:solidFill>
+                <a:latin typeface="Courier"/>
+              </a:rPr>
+              <a:t>year_born =</a:t>
+            </a:r>
+            <a:r>
+              <a:rPr sz="1800">
+                <a:latin typeface="Courier"/>
+              </a:rPr>
+              <a:t> </a:t>
+            </a:r>
+            <a:r>
+              <a:rPr sz="1800" b="1">
+                <a:solidFill>
+                  <a:srgbClr val="007020"/>
+                </a:solidFill>
+                <a:latin typeface="Courier"/>
+              </a:rPr>
+              <a:t>year</a:t>
+            </a:r>
+            <a:r>
+              <a:rPr sz="1800">
+                <a:latin typeface="Courier"/>
+              </a:rPr>
+              <a:t>(</a:t>
+            </a:r>
+            <a:r>
+              <a:rPr sz="1800" b="1">
+                <a:solidFill>
+                  <a:srgbClr val="007020"/>
+                </a:solidFill>
+                <a:latin typeface="Courier"/>
+              </a:rPr>
+              <a:t>ymd</a:t>
+            </a:r>
+            <a:r>
+              <a:rPr sz="1800">
+                <a:latin typeface="Courier"/>
+              </a:rPr>
+              <a:t>(dob)))</a:t>
+            </a:r>
+            <a:br/>
+            <a:br/>
+            <a:r>
+              <a:rPr sz="1800" b="1">
+                <a:solidFill>
+                  <a:srgbClr val="007020"/>
+                </a:solidFill>
+                <a:latin typeface="Courier"/>
+              </a:rPr>
+              <a:t>str</a:t>
+            </a:r>
+            <a:r>
+              <a:rPr sz="1800">
+                <a:latin typeface="Courier"/>
+              </a:rPr>
+              <a:t>(cchic</a:t>
+            </a:r>
+            <a:r>
+              <a:rPr sz="1800">
+                <a:solidFill>
+                  <a:srgbClr val="666666"/>
+                </a:solidFill>
+                <a:latin typeface="Courier"/>
+              </a:rPr>
+              <a:t>$</a:t>
+            </a:r>
+            <a:r>
+              <a:rPr sz="1800">
+                <a:latin typeface="Courier"/>
+              </a:rPr>
+              <a:t>year_born)</a:t>
+            </a:r>
+          </a:p>
+          <a:p>
+            <a:pPr lvl="0" marL="0" indent="0">
+              <a:buNone/>
+            </a:pPr>
+            <a:r>
+              <a:rPr/>
+              <a:t>Extracting days</a:t>
+            </a:r>
+          </a:p>
+          <a:p>
+            <a:pPr lvl="0" marL="1270000" indent="0">
+              <a:buNone/>
+            </a:pPr>
+            <a:r>
+              <a:rPr sz="1800">
+                <a:latin typeface="Courier"/>
+              </a:rPr>
+              <a:t>cchic &lt;-</a:t>
+            </a:r>
+            <a:r>
+              <a:rPr sz="1800">
+                <a:solidFill>
+                  <a:srgbClr val="4070A0"/>
+                </a:solidFill>
+                <a:latin typeface="Courier"/>
+              </a:rPr>
+              <a:t> </a:t>
+            </a:r>
+            <a:r>
+              <a:rPr sz="1800">
+                <a:latin typeface="Courier"/>
+              </a:rPr>
+              <a:t>cchic </a:t>
+            </a:r>
+            <a:r>
+              <a:rPr sz="1800">
+                <a:solidFill>
+                  <a:srgbClr val="666666"/>
+                </a:solidFill>
+                <a:latin typeface="Courier"/>
+              </a:rPr>
+              <a:t>%&gt;%</a:t>
+            </a:r>
+            <a:r>
+              <a:rPr sz="1800">
+                <a:solidFill>
+                  <a:srgbClr val="4070A0"/>
+                </a:solidFill>
+                <a:latin typeface="Courier"/>
+              </a:rPr>
+              <a:t> </a:t>
+            </a:r>
+            <a:br/>
+            <a:r>
+              <a:rPr sz="1800">
+                <a:solidFill>
+                  <a:srgbClr val="4070A0"/>
+                </a:solidFill>
+                <a:latin typeface="Courier"/>
+              </a:rPr>
+              <a:t>  </a:t>
+            </a:r>
+            <a:r>
+              <a:rPr sz="1800">
+                <a:latin typeface="Courier"/>
+              </a:rPr>
+              <a:t>dplyr</a:t>
+            </a:r>
+            <a:r>
+              <a:rPr sz="1800">
+                <a:solidFill>
+                  <a:srgbClr val="666666"/>
+                </a:solidFill>
+                <a:latin typeface="Courier"/>
+              </a:rPr>
+              <a:t>::</a:t>
+            </a:r>
+            <a:r>
+              <a:rPr sz="1800" b="1">
+                <a:solidFill>
+                  <a:srgbClr val="007020"/>
+                </a:solidFill>
+                <a:latin typeface="Courier"/>
+              </a:rPr>
+              <a:t>mutate</a:t>
+            </a:r>
+            <a:r>
+              <a:rPr sz="1800">
+                <a:latin typeface="Courier"/>
+              </a:rPr>
+              <a:t>(</a:t>
+            </a:r>
+            <a:r>
+              <a:rPr sz="1800">
+                <a:solidFill>
+                  <a:srgbClr val="902000"/>
+                </a:solidFill>
+                <a:latin typeface="Courier"/>
+              </a:rPr>
+              <a:t>discharge_day =</a:t>
+            </a:r>
+            <a:r>
+              <a:rPr sz="1800">
+                <a:latin typeface="Courier"/>
+              </a:rPr>
+              <a:t> </a:t>
+            </a:r>
+            <a:r>
+              <a:rPr sz="1800" b="1">
+                <a:solidFill>
+                  <a:srgbClr val="007020"/>
+                </a:solidFill>
+                <a:latin typeface="Courier"/>
+              </a:rPr>
+              <a:t>day</a:t>
+            </a:r>
+            <a:r>
+              <a:rPr sz="1800">
+                <a:latin typeface="Courier"/>
+              </a:rPr>
+              <a:t>(</a:t>
+            </a:r>
+            <a:r>
+              <a:rPr sz="1800" b="1">
+                <a:solidFill>
+                  <a:srgbClr val="007020"/>
+                </a:solidFill>
+                <a:latin typeface="Courier"/>
+              </a:rPr>
+              <a:t>ymd_hms</a:t>
+            </a:r>
+            <a:r>
+              <a:rPr sz="1800">
+                <a:latin typeface="Courier"/>
+              </a:rPr>
+              <a:t>(cchic</a:t>
+            </a:r>
+            <a:r>
+              <a:rPr sz="1800">
+                <a:solidFill>
+                  <a:srgbClr val="666666"/>
+                </a:solidFill>
+                <a:latin typeface="Courier"/>
+              </a:rPr>
+              <a:t>$</a:t>
+            </a:r>
+            <a:r>
+              <a:rPr sz="1800">
+                <a:latin typeface="Courier"/>
+              </a:rPr>
+              <a:t>discharge_dttm)))</a:t>
+            </a:r>
+            <a:br/>
+            <a:br/>
+            <a:r>
+              <a:rPr sz="1800" b="1">
+                <a:solidFill>
+                  <a:srgbClr val="007020"/>
+                </a:solidFill>
+                <a:latin typeface="Courier"/>
+              </a:rPr>
+              <a:t>str</a:t>
+            </a:r>
+            <a:r>
+              <a:rPr sz="1800">
+                <a:latin typeface="Courier"/>
+              </a:rPr>
+              <a:t>(cchic</a:t>
+            </a:r>
+            <a:r>
+              <a:rPr sz="1800">
+                <a:solidFill>
+                  <a:srgbClr val="666666"/>
+                </a:solidFill>
+                <a:latin typeface="Courier"/>
+              </a:rPr>
+              <a:t>$</a:t>
+            </a:r>
+            <a:r>
+              <a:rPr sz="1800">
+                <a:latin typeface="Courier"/>
+              </a:rPr>
+              <a:t>discharge_day)</a:t>
+            </a:r>
+          </a:p>
+        </p:txBody>
+      </p:sp>
+    </p:spTree>
+  </p:cSld>
+</p:sld>
+</file>
+
+<file path=ppt/slides/slide28.xml><?xml version="1.0" encoding="utf-8"?>
+<p:sld xmlns:a="http://schemas.openxmlformats.org/drawingml/2006/main" xmlns:r="http://schemas.openxmlformats.org/officeDocument/2006/relationships" xmlns:p="http://schemas.openxmlformats.org/presentationml/2006/main">
+  <p:cSld>
+    <p:spTree>
+      <p:nvGrpSpPr>
+        <p:cNvPr id="1" name=""/>
+        <p:cNvGrpSpPr/>
+        <p:nvPr/>
+      </p:nvGrpSpPr>
+      <p:grpSpPr>
+        <a:xfrm>
+          <a:off x="0" y="0"/>
+          <a:ext cx="0" cy="0"/>
+          <a:chOff x="0" y="0"/>
+          <a:chExt cx="0" cy="0"/>
+        </a:xfrm>
+      </p:grpSpPr>
+      <p:sp>
+        <p:nvSpPr>
+          <p:cNvPr id="2" name="Title 1">
+            <a:extLst>
+              <a:ext uri="{FF2B5EF4-FFF2-40B4-BE49-F238E27FC236}">
+                <a16:creationId xmlns:a16="http://schemas.microsoft.com/office/drawing/2014/main" id="{5567D468-EE70-CD4E-A3AC-039CC11EF1FB}"/>
+              </a:ext>
+            </a:extLst>
+          </p:cNvPr>
+          <p:cNvSpPr>
+            <a:spLocks noGrp="1"/>
+          </p:cNvSpPr>
+          <p:nvPr>
+            <p:ph type="title"/>
+          </p:nvPr>
+        </p:nvSpPr>
+        <p:spPr/>
+        <p:txBody>
+          <a:bodyPr/>
+          <a:lstStyle/>
+          <a:p>
+            <a:pPr lvl="0" marL="0" indent="0">
+              <a:buNone/>
+            </a:pPr>
+            <a:r>
+              <a:rPr/>
+              <a:t>5.</a:t>
+            </a:r>
+            <a:r>
+              <a:rPr/>
+              <a:t> </a:t>
+            </a:r>
+            <a:r>
+              <a:rPr/>
+              <a:t>Working</a:t>
+            </a:r>
+            <a:r>
+              <a:rPr/>
+              <a:t> </a:t>
+            </a:r>
+            <a:r>
+              <a:rPr/>
+              <a:t>with</a:t>
+            </a:r>
+            <a:r>
+              <a:rPr/>
+              <a:t> </a:t>
+            </a:r>
+            <a:r>
+              <a:rPr/>
+              <a:t>dates</a:t>
+            </a:r>
+            <a:r>
+              <a:rPr/>
+              <a:t> </a:t>
+            </a:r>
+            <a:r>
+              <a:rPr/>
+              <a:t>-</a:t>
+            </a:r>
+            <a:r>
+              <a:rPr/>
+              <a:t> </a:t>
+            </a:r>
+            <a:r>
+              <a:rPr/>
+              <a:t>date</a:t>
+            </a:r>
+            <a:r>
+              <a:rPr/>
+              <a:t> </a:t>
+            </a:r>
+            <a:r>
+              <a:rPr/>
+              <a:t>intervals</a:t>
+            </a:r>
+          </a:p>
+        </p:txBody>
+      </p:sp>
+      <p:sp>
+        <p:nvSpPr>
+          <p:cNvPr id="3" name="Content Placeholder 2">
+            <a:extLst>
+              <a:ext uri="{FF2B5EF4-FFF2-40B4-BE49-F238E27FC236}">
+                <a16:creationId xmlns:a16="http://schemas.microsoft.com/office/drawing/2014/main" id="{D10DDA37-E46B-B641-BC9F-636CB92A2C08}"/>
+              </a:ext>
+            </a:extLst>
+          </p:cNvPr>
+          <p:cNvSpPr>
+            <a:spLocks noGrp="1"/>
+          </p:cNvSpPr>
+          <p:nvPr>
+            <p:ph idx="1"/>
+          </p:nvPr>
+        </p:nvSpPr>
+        <p:spPr/>
+        <p:txBody>
+          <a:bodyPr/>
+          <a:lstStyle/>
+          <a:p>
+            <a:pPr lvl="0" marL="0" indent="0">
+              <a:buNone/>
+            </a:pPr>
+            <a:r>
+              <a:rPr/>
+              <a:t>We often want to calculate the difference between two dates or times. Let’s calculate the length of stay of patients admitted to the ICU.</a:t>
+            </a:r>
+          </a:p>
+          <a:p>
+            <a:pPr lvl="0" marL="1270000" indent="0">
+              <a:buNone/>
+            </a:pPr>
+            <a:r>
+              <a:rPr sz="1800">
+                <a:latin typeface="Courier"/>
+              </a:rPr>
+              <a:t>cchic &lt;-</a:t>
+            </a:r>
+            <a:r>
+              <a:rPr sz="1800">
+                <a:solidFill>
+                  <a:srgbClr val="4070A0"/>
+                </a:solidFill>
+                <a:latin typeface="Courier"/>
+              </a:rPr>
+              <a:t> </a:t>
+            </a:r>
+            <a:r>
+              <a:rPr sz="1800">
+                <a:latin typeface="Courier"/>
+              </a:rPr>
+              <a:t>cchic </a:t>
+            </a:r>
+            <a:r>
+              <a:rPr sz="1800">
+                <a:solidFill>
+                  <a:srgbClr val="666666"/>
+                </a:solidFill>
+                <a:latin typeface="Courier"/>
+              </a:rPr>
+              <a:t>%&gt;%</a:t>
+            </a:r>
+            <a:br/>
+            <a:r>
+              <a:rPr sz="1800">
+                <a:solidFill>
+                  <a:srgbClr val="4070A0"/>
+                </a:solidFill>
+                <a:latin typeface="Courier"/>
+              </a:rPr>
+              <a:t>  </a:t>
+            </a:r>
+            <a:r>
+              <a:rPr sz="1800">
+                <a:latin typeface="Courier"/>
+              </a:rPr>
+              <a:t>dplyr</a:t>
+            </a:r>
+            <a:r>
+              <a:rPr sz="1800">
+                <a:solidFill>
+                  <a:srgbClr val="666666"/>
+                </a:solidFill>
+                <a:latin typeface="Courier"/>
+              </a:rPr>
+              <a:t>::</a:t>
+            </a:r>
+            <a:r>
+              <a:rPr sz="1800" b="1">
+                <a:solidFill>
+                  <a:srgbClr val="007020"/>
+                </a:solidFill>
+                <a:latin typeface="Courier"/>
+              </a:rPr>
+              <a:t>mutate</a:t>
+            </a:r>
+            <a:r>
+              <a:rPr sz="1800">
+                <a:latin typeface="Courier"/>
+              </a:rPr>
+              <a:t>(</a:t>
+            </a:r>
+            <a:r>
+              <a:rPr sz="1800">
+                <a:solidFill>
+                  <a:srgbClr val="902000"/>
+                </a:solidFill>
+                <a:latin typeface="Courier"/>
+              </a:rPr>
+              <a:t>los =</a:t>
+            </a:r>
+            <a:r>
+              <a:rPr sz="1800">
+                <a:latin typeface="Courier"/>
+              </a:rPr>
+              <a:t> </a:t>
+            </a:r>
+            <a:r>
+              <a:rPr sz="1800" b="1">
+                <a:solidFill>
+                  <a:srgbClr val="007020"/>
+                </a:solidFill>
+                <a:latin typeface="Courier"/>
+              </a:rPr>
+              <a:t>difftime</a:t>
+            </a:r>
+            <a:r>
+              <a:rPr sz="1800">
+                <a:latin typeface="Courier"/>
+              </a:rPr>
+              <a:t>(</a:t>
+            </a:r>
+            <a:r>
+              <a:rPr sz="1800" b="1">
+                <a:solidFill>
+                  <a:srgbClr val="007020"/>
+                </a:solidFill>
+                <a:latin typeface="Courier"/>
+              </a:rPr>
+              <a:t>ymd_hms</a:t>
+            </a:r>
+            <a:r>
+              <a:rPr sz="1800">
+                <a:latin typeface="Courier"/>
+              </a:rPr>
+              <a:t>(discharge_dttm),</a:t>
+            </a:r>
+            <a:br/>
+            <a:r>
+              <a:rPr sz="1800">
+                <a:latin typeface="Courier"/>
+              </a:rPr>
+              <a:t>                        </a:t>
+            </a:r>
+            <a:r>
+              <a:rPr sz="1800" b="1">
+                <a:solidFill>
+                  <a:srgbClr val="007020"/>
+                </a:solidFill>
+                <a:latin typeface="Courier"/>
+              </a:rPr>
+              <a:t>ymd_hms</a:t>
+            </a:r>
+            <a:r>
+              <a:rPr sz="1800">
+                <a:latin typeface="Courier"/>
+              </a:rPr>
+              <a:t>(arrival_dttm), </a:t>
+            </a:r>
+            <a:r>
+              <a:rPr sz="1800">
+                <a:solidFill>
+                  <a:srgbClr val="902000"/>
+                </a:solidFill>
+                <a:latin typeface="Courier"/>
+              </a:rPr>
+              <a:t>units =</a:t>
+            </a:r>
+            <a:r>
+              <a:rPr sz="1800">
+                <a:latin typeface="Courier"/>
+              </a:rPr>
+              <a:t> </a:t>
+            </a:r>
+            <a:r>
+              <a:rPr sz="1800">
+                <a:solidFill>
+                  <a:srgbClr val="4070A0"/>
+                </a:solidFill>
+                <a:latin typeface="Courier"/>
+              </a:rPr>
+              <a:t>"days"</a:t>
+            </a:r>
+            <a:r>
+              <a:rPr sz="1800">
+                <a:latin typeface="Courier"/>
+              </a:rPr>
+              <a:t>))</a:t>
+            </a:r>
+          </a:p>
+        </p:txBody>
+      </p:sp>
+    </p:spTree>
+  </p:cSld>
+</p:sld>
+</file>
+
+<file path=ppt/slides/slide29.xml><?xml version="1.0" encoding="utf-8"?>
 <p:sld xmlns:a="http://schemas.openxmlformats.org/drawingml/2006/main" xmlns:r="http://schemas.openxmlformats.org/officeDocument/2006/relationships" xmlns:p="http://schemas.openxmlformats.org/presentationml/2006/main">
   <p:cSld>
     <p:spTree>
@@ -9728,414 +10043,6 @@
 </p:sld>
 </file>
 
-<file path=ppt/slides/slide28.xml><?xml version="1.0" encoding="utf-8"?>
-<p:sld xmlns:a="http://schemas.openxmlformats.org/drawingml/2006/main" xmlns:r="http://schemas.openxmlformats.org/officeDocument/2006/relationships" xmlns:p="http://schemas.openxmlformats.org/presentationml/2006/main">
-  <p:cSld>
-    <p:spTree>
-      <p:nvGrpSpPr>
-        <p:cNvPr id="1" name=""/>
-        <p:cNvGrpSpPr/>
-        <p:nvPr/>
-      </p:nvGrpSpPr>
-      <p:grpSpPr>
-        <a:xfrm>
-          <a:off x="0" y="0"/>
-          <a:ext cx="0" cy="0"/>
-          <a:chOff x="0" y="0"/>
-          <a:chExt cx="0" cy="0"/>
-        </a:xfrm>
-      </p:grpSpPr>
-      <p:sp>
-        <p:nvSpPr>
-          <p:cNvPr id="2" name="Title 1">
-            <a:extLst>
-              <a:ext uri="{FF2B5EF4-FFF2-40B4-BE49-F238E27FC236}">
-                <a16:creationId xmlns:a16="http://schemas.microsoft.com/office/drawing/2014/main" id="{5567D468-EE70-CD4E-A3AC-039CC11EF1FB}"/>
-              </a:ext>
-            </a:extLst>
-          </p:cNvPr>
-          <p:cNvSpPr>
-            <a:spLocks noGrp="1"/>
-          </p:cNvSpPr>
-          <p:nvPr>
-            <p:ph type="title"/>
-          </p:nvPr>
-        </p:nvSpPr>
-        <p:spPr/>
-        <p:txBody>
-          <a:bodyPr/>
-          <a:lstStyle/>
-          <a:p>
-            <a:pPr lvl="0" marL="0" indent="0">
-              <a:buNone/>
-            </a:pPr>
-            <a:r>
-              <a:rPr/>
-              <a:t>Why</a:t>
-            </a:r>
-            <a:r>
-              <a:rPr/>
-              <a:t> </a:t>
-            </a:r>
-            <a:r>
-              <a:rPr/>
-              <a:t>do</a:t>
-            </a:r>
-            <a:r>
-              <a:rPr/>
-              <a:t> </a:t>
-            </a:r>
-            <a:r>
-              <a:rPr/>
-              <a:t>this?</a:t>
-            </a:r>
-          </a:p>
-        </p:txBody>
-      </p:sp>
-      <p:sp>
-        <p:nvSpPr>
-          <p:cNvPr id="3" name="Content Placeholder 2">
-            <a:extLst>
-              <a:ext uri="{FF2B5EF4-FFF2-40B4-BE49-F238E27FC236}">
-                <a16:creationId xmlns:a16="http://schemas.microsoft.com/office/drawing/2014/main" id="{D10DDA37-E46B-B641-BC9F-636CB92A2C08}"/>
-              </a:ext>
-            </a:extLst>
-          </p:cNvPr>
-          <p:cNvSpPr>
-            <a:spLocks noGrp="1"/>
-          </p:cNvSpPr>
-          <p:nvPr>
-            <p:ph idx="1"/>
-          </p:nvPr>
-        </p:nvSpPr>
-        <p:spPr/>
-        <p:txBody>
-          <a:bodyPr/>
-          <a:lstStyle/>
-          <a:p>
-            <a:pPr lvl="1"/>
-            <a:r>
-              <a:rPr/>
-              <a:t>You may want to calculate the mean and standard deviation of all temperatures, and don’t care about the source.</a:t>
-            </a:r>
-          </a:p>
-          <a:p>
-            <a:pPr lvl="1"/>
-            <a:r>
-              <a:rPr/>
-              <a:t>You may want to plot all temperatures on a graph.</a:t>
-            </a:r>
-          </a:p>
-          <a:p>
-            <a:pPr lvl="1"/>
-            <a:r>
-              <a:rPr/>
-              <a:t>Instead of temperature area, you may have temperature on day 1, 2 etc.</a:t>
-            </a:r>
-          </a:p>
-        </p:txBody>
-      </p:sp>
-    </p:spTree>
-  </p:cSld>
-</p:sld>
-</file>
-
-<file path=ppt/slides/slide29.xml><?xml version="1.0" encoding="utf-8"?>
-<p:sld xmlns:a="http://schemas.openxmlformats.org/drawingml/2006/main" xmlns:r="http://schemas.openxmlformats.org/officeDocument/2006/relationships" xmlns:p="http://schemas.openxmlformats.org/presentationml/2006/main">
-  <p:cSld>
-    <p:spTree>
-      <p:nvGrpSpPr>
-        <p:cNvPr id="1" name=""/>
-        <p:cNvGrpSpPr/>
-        <p:nvPr/>
-      </p:nvGrpSpPr>
-      <p:grpSpPr>
-        <a:xfrm>
-          <a:off x="0" y="0"/>
-          <a:ext cx="0" cy="0"/>
-          <a:chOff x="0" y="0"/>
-          <a:chExt cx="0" cy="0"/>
-        </a:xfrm>
-      </p:grpSpPr>
-      <p:sp>
-        <p:nvSpPr>
-          <p:cNvPr id="2" name="Title 1">
-            <a:extLst>
-              <a:ext uri="{FF2B5EF4-FFF2-40B4-BE49-F238E27FC236}">
-                <a16:creationId xmlns:a16="http://schemas.microsoft.com/office/drawing/2014/main" id="{5567D468-EE70-CD4E-A3AC-039CC11EF1FB}"/>
-              </a:ext>
-            </a:extLst>
-          </p:cNvPr>
-          <p:cNvSpPr>
-            <a:spLocks noGrp="1"/>
-          </p:cNvSpPr>
-          <p:nvPr>
-            <p:ph type="title"/>
-          </p:nvPr>
-        </p:nvSpPr>
-        <p:spPr/>
-        <p:txBody>
-          <a:bodyPr/>
-          <a:lstStyle/>
-          <a:p>
-            <a:pPr lvl="0" marL="0" indent="0">
-              <a:buNone/>
-            </a:pPr>
-            <a:r>
-              <a:rPr/>
-              <a:t>Converting</a:t>
-            </a:r>
-            <a:r>
-              <a:rPr/>
-              <a:t> </a:t>
-            </a:r>
-            <a:r>
-              <a:rPr/>
-              <a:t>the</a:t>
-            </a:r>
-            <a:r>
-              <a:rPr/>
-              <a:t> </a:t>
-            </a:r>
-            <a:r>
-              <a:rPr/>
-              <a:t>data</a:t>
-            </a:r>
-          </a:p>
-        </p:txBody>
-      </p:sp>
-      <p:sp>
-        <p:nvSpPr>
-          <p:cNvPr id="3" name="Content Placeholder 2">
-            <a:extLst>
-              <a:ext uri="{FF2B5EF4-FFF2-40B4-BE49-F238E27FC236}">
-                <a16:creationId xmlns:a16="http://schemas.microsoft.com/office/drawing/2014/main" id="{D10DDA37-E46B-B641-BC9F-636CB92A2C08}"/>
-              </a:ext>
-            </a:extLst>
-          </p:cNvPr>
-          <p:cNvSpPr>
-            <a:spLocks noGrp="1"/>
-          </p:cNvSpPr>
-          <p:nvPr>
-            <p:ph idx="1"/>
-          </p:nvPr>
-        </p:nvSpPr>
-        <p:spPr/>
-        <p:txBody>
-          <a:bodyPr/>
-          <a:lstStyle/>
-          <a:p>
-            <a:pPr lvl="0" marL="1270000" indent="0">
-              <a:buNone/>
-            </a:pPr>
-            <a:r>
-              <a:rPr sz="1800" b="1">
-                <a:solidFill>
-                  <a:srgbClr val="007020"/>
-                </a:solidFill>
-                <a:latin typeface="Courier"/>
-              </a:rPr>
-              <a:t>library</a:t>
-            </a:r>
-            <a:r>
-              <a:rPr sz="1800">
-                <a:latin typeface="Courier"/>
-              </a:rPr>
-              <a:t>(tidyr)</a:t>
-            </a:r>
-            <a:br/>
-            <a:r>
-              <a:rPr sz="1800">
-                <a:latin typeface="Courier"/>
-              </a:rPr>
-              <a:t>cchic</a:t>
-            </a:r>
-            <a:br/>
-            <a:br/>
-            <a:r>
-              <a:rPr sz="1800">
-                <a:latin typeface="Courier"/>
-              </a:rPr>
-              <a:t>cchic_long &lt;-</a:t>
-            </a:r>
-            <a:r>
-              <a:rPr sz="1800">
-                <a:solidFill>
-                  <a:srgbClr val="4070A0"/>
-                </a:solidFill>
-                <a:latin typeface="Courier"/>
-              </a:rPr>
-              <a:t> </a:t>
-            </a:r>
-            <a:r>
-              <a:rPr sz="1800">
-                <a:latin typeface="Courier"/>
-              </a:rPr>
-              <a:t>cchic </a:t>
-            </a:r>
-            <a:r>
-              <a:rPr sz="1800">
-                <a:solidFill>
-                  <a:srgbClr val="666666"/>
-                </a:solidFill>
-                <a:latin typeface="Courier"/>
-              </a:rPr>
-              <a:t>%&gt;%</a:t>
-            </a:r>
-            <a:br/>
-            <a:r>
-              <a:rPr sz="1800">
-                <a:solidFill>
-                  <a:srgbClr val="4070A0"/>
-                </a:solidFill>
-                <a:latin typeface="Courier"/>
-              </a:rPr>
-              <a:t>  </a:t>
-            </a:r>
-            <a:r>
-              <a:rPr sz="1800">
-                <a:latin typeface="Courier"/>
-              </a:rPr>
-              <a:t>tidyr</a:t>
-            </a:r>
-            <a:r>
-              <a:rPr sz="1800">
-                <a:solidFill>
-                  <a:srgbClr val="666666"/>
-                </a:solidFill>
-                <a:latin typeface="Courier"/>
-              </a:rPr>
-              <a:t>::</a:t>
-            </a:r>
-            <a:r>
-              <a:rPr sz="1800" b="1">
-                <a:solidFill>
-                  <a:srgbClr val="007020"/>
-                </a:solidFill>
-                <a:latin typeface="Courier"/>
-              </a:rPr>
-              <a:t>gather</a:t>
-            </a:r>
-            <a:r>
-              <a:rPr sz="1800">
-                <a:latin typeface="Courier"/>
-              </a:rPr>
-              <a:t>(</a:t>
-            </a:r>
-            <a:r>
-              <a:rPr sz="1800">
-                <a:solidFill>
-                  <a:srgbClr val="902000"/>
-                </a:solidFill>
-                <a:latin typeface="Courier"/>
-              </a:rPr>
-              <a:t>key =</a:t>
-            </a:r>
-            <a:r>
-              <a:rPr sz="1800">
-                <a:latin typeface="Courier"/>
-              </a:rPr>
-              <a:t> </a:t>
-            </a:r>
-            <a:r>
-              <a:rPr sz="1800">
-                <a:solidFill>
-                  <a:srgbClr val="4070A0"/>
-                </a:solidFill>
-                <a:latin typeface="Courier"/>
-              </a:rPr>
-              <a:t>"temp_point"</a:t>
-            </a:r>
-            <a:r>
-              <a:rPr sz="1800">
-                <a:latin typeface="Courier"/>
-              </a:rPr>
-              <a:t>, </a:t>
-            </a:r>
-            <a:br/>
-            <a:r>
-              <a:rPr sz="1800">
-                <a:latin typeface="Courier"/>
-              </a:rPr>
-              <a:t>                </a:t>
-            </a:r>
-            <a:r>
-              <a:rPr sz="1800">
-                <a:solidFill>
-                  <a:srgbClr val="902000"/>
-                </a:solidFill>
-                <a:latin typeface="Courier"/>
-              </a:rPr>
-              <a:t>value =</a:t>
-            </a:r>
-            <a:r>
-              <a:rPr sz="1800">
-                <a:latin typeface="Courier"/>
-              </a:rPr>
-              <a:t> </a:t>
-            </a:r>
-            <a:r>
-              <a:rPr sz="1800">
-                <a:solidFill>
-                  <a:srgbClr val="4070A0"/>
-                </a:solidFill>
-                <a:latin typeface="Courier"/>
-              </a:rPr>
-              <a:t>"temperature"</a:t>
-            </a:r>
-            <a:r>
-              <a:rPr sz="1800">
-                <a:latin typeface="Courier"/>
-              </a:rPr>
-              <a:t>, </a:t>
-            </a:r>
-            <a:br/>
-            <a:r>
-              <a:rPr sz="1800">
-                <a:latin typeface="Courier"/>
-              </a:rPr>
-              <a:t>                temp_c</a:t>
-            </a:r>
-            <a:r>
-              <a:rPr sz="1800">
-                <a:solidFill>
-                  <a:srgbClr val="666666"/>
-                </a:solidFill>
-                <a:latin typeface="Courier"/>
-              </a:rPr>
-              <a:t>:</a:t>
-            </a:r>
-            <a:r>
-              <a:rPr sz="1800">
-                <a:latin typeface="Courier"/>
-              </a:rPr>
-              <a:t>temp_nc)</a:t>
-            </a:r>
-            <a:br/>
-            <a:br/>
-            <a:r>
-              <a:rPr sz="1800" b="1">
-                <a:solidFill>
-                  <a:srgbClr val="007020"/>
-                </a:solidFill>
-                <a:latin typeface="Courier"/>
-              </a:rPr>
-              <a:t>names</a:t>
-            </a:r>
-            <a:r>
-              <a:rPr sz="1800">
-                <a:latin typeface="Courier"/>
-              </a:rPr>
-              <a:t>(cchic_long)</a:t>
-            </a:r>
-          </a:p>
-        </p:txBody>
-      </p:sp>
-    </p:spTree>
-  </p:cSld>
-</p:sld>
-</file>
-
 <file path=ppt/slides/slide3.xml><?xml version="1.0" encoding="utf-8"?>
 <p:sld xmlns:a="http://schemas.openxmlformats.org/drawingml/2006/main" xmlns:r="http://schemas.openxmlformats.org/officeDocument/2006/relationships" xmlns:p="http://schemas.openxmlformats.org/presentationml/2006/main">
   <p:cSld>
@@ -10306,63 +10213,23 @@
             </a:pPr>
             <a:r>
               <a:rPr/>
-              <a:t>This</a:t>
-            </a:r>
-            <a:r>
-              <a:rPr/>
-              <a:t> </a:t>
-            </a:r>
-            <a:r>
-              <a:rPr/>
-              <a:t>is</a:t>
-            </a:r>
-            <a:r>
-              <a:rPr/>
-              <a:t> </a:t>
-            </a:r>
-            <a:r>
-              <a:rPr/>
-              <a:t>why</a:t>
-            </a:r>
-            <a:r>
-              <a:rPr/>
-              <a:t> </a:t>
-            </a:r>
-            <a:r>
-              <a:rPr/>
-              <a:t>we</a:t>
-            </a:r>
-            <a:r>
-              <a:rPr/>
-              <a:t> </a:t>
-            </a:r>
-            <a:r>
-              <a:rPr/>
-              <a:t>‘</a:t>
-            </a:r>
-            <a:r>
-              <a:rPr/>
-              <a:t>gathered</a:t>
-            </a:r>
-            <a:r>
-              <a:rPr/>
-              <a:t>’</a:t>
-            </a:r>
-            <a:r>
-              <a:rPr/>
-              <a:t> </a:t>
-            </a:r>
-            <a:r>
-              <a:rPr/>
-              <a:t>the</a:t>
-            </a:r>
-            <a:r>
-              <a:rPr/>
-              <a:t> </a:t>
-            </a:r>
-            <a:r>
-              <a:rPr/>
-              <a:t>data</a:t>
+              <a:t>Why</a:t>
+            </a:r>
+            <a:r>
+              <a:rPr/>
+              <a:t> </a:t>
+            </a:r>
+            <a:r>
+              <a:rPr/>
+              <a:t>do</a:t>
+            </a:r>
+            <a:r>
+              <a:rPr/>
+              <a:t> </a:t>
+            </a:r>
+            <a:r>
+              <a:rPr/>
+              <a:t>this?</a:t>
             </a:r>
           </a:p>
         </p:txBody>
@@ -10388,173 +10255,24 @@
           <a:bodyPr/>
           <a:lstStyle/>
           <a:p>
-            <a:pPr lvl="0" marL="1270000" indent="0">
-              <a:buNone/>
-            </a:pPr>
-            <a:r>
-              <a:rPr sz="1800" b="1">
-                <a:solidFill>
-                  <a:srgbClr val="007020"/>
-                </a:solidFill>
-                <a:latin typeface="Courier"/>
-              </a:rPr>
-              <a:t>library</a:t>
-            </a:r>
-            <a:r>
-              <a:rPr sz="1800">
-                <a:latin typeface="Courier"/>
-              </a:rPr>
-              <a:t>(ggplot2)</a:t>
-            </a:r>
-            <a:br/>
-            <a:r>
-              <a:rPr sz="1800">
-                <a:latin typeface="Courier"/>
-              </a:rPr>
-              <a:t>cchic_long </a:t>
-            </a:r>
-            <a:r>
-              <a:rPr sz="1800">
-                <a:solidFill>
-                  <a:srgbClr val="666666"/>
-                </a:solidFill>
-                <a:latin typeface="Courier"/>
-              </a:rPr>
-              <a:t>%&gt;%</a:t>
-            </a:r>
-            <a:br/>
-            <a:r>
-              <a:rPr sz="1800">
-                <a:solidFill>
-                  <a:srgbClr val="4070A0"/>
-                </a:solidFill>
-                <a:latin typeface="Courier"/>
-              </a:rPr>
-              <a:t>  </a:t>
-            </a:r>
-            <a:r>
-              <a:rPr sz="1800" b="1">
-                <a:solidFill>
-                  <a:srgbClr val="007020"/>
-                </a:solidFill>
-                <a:latin typeface="Courier"/>
-              </a:rPr>
-              <a:t>ggplot</a:t>
-            </a:r>
-            <a:r>
-              <a:rPr sz="1800">
-                <a:latin typeface="Courier"/>
-              </a:rPr>
-              <a:t>(</a:t>
-            </a:r>
-            <a:r>
-              <a:rPr sz="1800" b="1">
-                <a:solidFill>
-                  <a:srgbClr val="007020"/>
-                </a:solidFill>
-                <a:latin typeface="Courier"/>
-              </a:rPr>
-              <a:t>aes</a:t>
-            </a:r>
-            <a:r>
-              <a:rPr sz="1800">
-                <a:latin typeface="Courier"/>
-              </a:rPr>
-              <a:t>(</a:t>
-            </a:r>
-            <a:br/>
-            <a:r>
-              <a:rPr sz="1800">
-                <a:latin typeface="Courier"/>
-              </a:rPr>
-              <a:t>    </a:t>
-            </a:r>
-            <a:r>
-              <a:rPr sz="1800">
-                <a:solidFill>
-                  <a:srgbClr val="902000"/>
-                </a:solidFill>
-                <a:latin typeface="Courier"/>
-              </a:rPr>
-              <a:t>x =</a:t>
-            </a:r>
-            <a:r>
-              <a:rPr sz="1800">
-                <a:latin typeface="Courier"/>
-              </a:rPr>
-              <a:t> temp_point, </a:t>
-            </a:r>
-            <a:r>
-              <a:rPr sz="1800">
-                <a:solidFill>
-                  <a:srgbClr val="902000"/>
-                </a:solidFill>
-                <a:latin typeface="Courier"/>
-              </a:rPr>
-              <a:t>y =</a:t>
-            </a:r>
-            <a:br/>
-            <a:r>
-              <a:rPr sz="1800">
-                <a:latin typeface="Courier"/>
-              </a:rPr>
-              <a:t>      </a:t>
-            </a:r>
-            <a:r>
-              <a:rPr sz="1800" b="1">
-                <a:solidFill>
-                  <a:srgbClr val="007020"/>
-                </a:solidFill>
-                <a:latin typeface="Courier"/>
-              </a:rPr>
-              <a:t>as.numeric</a:t>
-            </a:r>
-            <a:r>
-              <a:rPr sz="1800">
-                <a:latin typeface="Courier"/>
-              </a:rPr>
-              <a:t>(temperature)</a:t>
-            </a:r>
-            <a:br/>
-            <a:r>
-              <a:rPr sz="1800">
-                <a:latin typeface="Courier"/>
-              </a:rPr>
-              <a:t>  )) </a:t>
-            </a:r>
-            <a:r>
-              <a:rPr sz="1800">
-                <a:solidFill>
-                  <a:srgbClr val="666666"/>
-                </a:solidFill>
-                <a:latin typeface="Courier"/>
-              </a:rPr>
-              <a:t>+</a:t>
-            </a:r>
-            <a:br/>
-            <a:r>
-              <a:rPr sz="1800">
-                <a:solidFill>
-                  <a:srgbClr val="4070A0"/>
-                </a:solidFill>
-                <a:latin typeface="Courier"/>
-              </a:rPr>
-              <a:t>  </a:t>
-            </a:r>
-            <a:r>
-              <a:rPr sz="1800" b="1">
-                <a:solidFill>
-                  <a:srgbClr val="007020"/>
-                </a:solidFill>
-                <a:latin typeface="Courier"/>
-              </a:rPr>
-              <a:t>geom_boxplot</a:t>
-            </a:r>
-            <a:r>
-              <a:rPr sz="1800">
-                <a:latin typeface="Courier"/>
-              </a:rPr>
-              <a:t>()</a:t>
+            <a:pPr lvl="1"/>
+            <a:r>
+              <a:rPr/>
+              <a:t>You may want to calculate the mean and standard deviation of all temperatures, and don’t care about the source.</a:t>
+            </a:r>
+          </a:p>
+          <a:p>
+            <a:pPr lvl="1"/>
+            <a:r>
+              <a:rPr/>
+              <a:t>You may want to plot all temperatures on a graph.</a:t>
+            </a:r>
+          </a:p>
+          <a:p>
+            <a:pPr lvl="1"/>
+            <a:r>
+              <a:rPr/>
+              <a:t>Instead of temperature area, you may have temperature on day 1, 2 etc.</a:t>
             </a:r>
           </a:p>
         </p:txBody>
@@ -10607,63 +10325,23 @@
             </a:pPr>
             <a:r>
               <a:rPr/>
-              <a:t>What</a:t>
-            </a:r>
-            <a:r>
-              <a:rPr/>
-              <a:t> </a:t>
-            </a:r>
-            <a:r>
-              <a:rPr/>
-              <a:t>if</a:t>
-            </a:r>
-            <a:r>
-              <a:rPr/>
-              <a:t> </a:t>
-            </a:r>
-            <a:r>
-              <a:rPr/>
-              <a:t>we</a:t>
-            </a:r>
-            <a:r>
-              <a:rPr/>
-              <a:t> </a:t>
-            </a:r>
-            <a:r>
-              <a:rPr/>
-              <a:t>want</a:t>
-            </a:r>
-            <a:r>
-              <a:rPr/>
-              <a:t> </a:t>
-            </a:r>
-            <a:r>
-              <a:rPr/>
-              <a:t>to</a:t>
-            </a:r>
-            <a:r>
-              <a:rPr/>
-              <a:t> </a:t>
-            </a:r>
-            <a:r>
-              <a:rPr/>
-              <a:t>convert</a:t>
-            </a:r>
-            <a:r>
-              <a:rPr/>
-              <a:t> </a:t>
-            </a:r>
-            <a:r>
-              <a:rPr/>
-              <a:t>it</a:t>
-            </a:r>
-            <a:r>
-              <a:rPr/>
-              <a:t> </a:t>
-            </a:r>
-            <a:r>
-              <a:rPr/>
-              <a:t>back?</a:t>
+              <a:t>Converting</a:t>
+            </a:r>
+            <a:r>
+              <a:rPr/>
+              <a:t> </a:t>
+            </a:r>
+            <a:r>
+              <a:rPr/>
+              <a:t>the</a:t>
+            </a:r>
+            <a:r>
+              <a:rPr/>
+              <a:t> </a:t>
+            </a:r>
+            <a:r>
+              <a:rPr/>
+              <a:t>data</a:t>
             </a:r>
           </a:p>
         </p:txBody>
@@ -10693,8 +10371,53 @@
               <a:buNone/>
             </a:pPr>
             <a:r>
-              <a:rPr/>
-              <a:t>We can use the </a:t>
+              <a:rPr b="1"/>
+              <a:t>Try this.</a:t>
+            </a:r>
+          </a:p>
+          <a:p>
+            <a:pPr lvl="0" marL="1270000" indent="0">
+              <a:buNone/>
+            </a:pPr>
+            <a:r>
+              <a:rPr sz="1800">
+                <a:latin typeface="Courier"/>
+              </a:rPr>
+              <a:t>cchic_long &lt;-</a:t>
+            </a:r>
+            <a:r>
+              <a:rPr sz="1800">
+                <a:solidFill>
+                  <a:srgbClr val="4070A0"/>
+                </a:solidFill>
+                <a:latin typeface="Courier"/>
+              </a:rPr>
+              <a:t> </a:t>
+            </a:r>
+            <a:r>
+              <a:rPr sz="1800">
+                <a:latin typeface="Courier"/>
+              </a:rPr>
+              <a:t>cchic </a:t>
+            </a:r>
+            <a:r>
+              <a:rPr sz="1800">
+                <a:solidFill>
+                  <a:srgbClr val="666666"/>
+                </a:solidFill>
+                <a:latin typeface="Courier"/>
+              </a:rPr>
+              <a:t>%&gt;%</a:t>
+            </a:r>
+            <a:br/>
+            <a:r>
+              <a:rPr sz="1800">
+                <a:solidFill>
+                  <a:srgbClr val="4070A0"/>
+                </a:solidFill>
+                <a:latin typeface="Courier"/>
+              </a:rPr>
+              <a:t>  </a:t>
             </a:r>
             <a:r>
               <a:rPr sz="1800">
@@ -10703,29 +10426,43 @@
               <a:t>tidyr</a:t>
             </a:r>
             <a:r>
-              <a:rPr/>
-              <a:t> function, </a:t>
-            </a:r>
-            <a:r>
-              <a:rPr sz="1800">
-                <a:latin typeface="Courier"/>
-              </a:rPr>
-              <a:t>spread()</a:t>
-            </a:r>
-            <a:r>
-              <a:rPr/>
-              <a:t>.</a:t>
-            </a:r>
-          </a:p>
-          <a:p>
-            <a:pPr lvl="0" marL="1270000" indent="0">
-              <a:buNone/>
-            </a:pPr>
-            <a:r>
-              <a:rPr sz="1800">
-                <a:latin typeface="Courier"/>
-              </a:rPr>
-              <a:t>cchic_reverted &lt;-</a:t>
+              <a:rPr sz="1800">
+                <a:solidFill>
+                  <a:srgbClr val="666666"/>
+                </a:solidFill>
+                <a:latin typeface="Courier"/>
+              </a:rPr>
+              <a:t>::</a:t>
+            </a:r>
+            <a:r>
+              <a:rPr sz="1800" b="1">
+                <a:solidFill>
+                  <a:srgbClr val="007020"/>
+                </a:solidFill>
+                <a:latin typeface="Courier"/>
+              </a:rPr>
+              <a:t>gather</a:t>
+            </a:r>
+            <a:r>
+              <a:rPr sz="1800">
+                <a:latin typeface="Courier"/>
+              </a:rPr>
+              <a:t>(</a:t>
+            </a:r>
+            <a:r>
+              <a:rPr sz="1800">
+                <a:solidFill>
+                  <a:srgbClr val="902000"/>
+                </a:solidFill>
+                <a:latin typeface="Courier"/>
+              </a:rPr>
+              <a:t>key =</a:t>
+            </a:r>
+            <a:r>
+              <a:rPr sz="1800">
+                <a:latin typeface="Courier"/>
+              </a:rPr>
+              <a:t> </a:t>
             </a:r>
             <a:r>
               <a:rPr sz="1800">
@@ -10734,13 +10471,57 @@
                 </a:solidFill>
                 <a:latin typeface="Courier"/>
               </a:rPr>
-              <a:t> </a:t>
-            </a:r>
-            <a:r>
-              <a:rPr sz="1800">
-                <a:latin typeface="Courier"/>
-              </a:rPr>
-              <a:t>cchic_long </a:t>
+              <a:t>"temp_point"</a:t>
+            </a:r>
+            <a:r>
+              <a:rPr sz="1800">
+                <a:latin typeface="Courier"/>
+              </a:rPr>
+              <a:t>, </a:t>
+            </a:r>
+            <a:br/>
+            <a:r>
+              <a:rPr sz="1800">
+                <a:latin typeface="Courier"/>
+              </a:rPr>
+              <a:t>                </a:t>
+            </a:r>
+            <a:r>
+              <a:rPr sz="1800">
+                <a:solidFill>
+                  <a:srgbClr val="902000"/>
+                </a:solidFill>
+                <a:latin typeface="Courier"/>
+              </a:rPr>
+              <a:t>value =</a:t>
+            </a:r>
+            <a:r>
+              <a:rPr sz="1800">
+                <a:latin typeface="Courier"/>
+              </a:rPr>
+              <a:t> </a:t>
+            </a:r>
+            <a:r>
+              <a:rPr sz="1800">
+                <a:solidFill>
+                  <a:srgbClr val="4070A0"/>
+                </a:solidFill>
+                <a:latin typeface="Courier"/>
+              </a:rPr>
+              <a:t>"temperature"</a:t>
+            </a:r>
+            <a:r>
+              <a:rPr sz="1800">
+                <a:latin typeface="Courier"/>
+              </a:rPr>
+              <a:t>, </a:t>
+            </a:r>
+            <a:br/>
+            <a:r>
+              <a:rPr sz="1800">
+                <a:latin typeface="Courier"/>
+              </a:rPr>
+              <a:t>                temp_c</a:t>
             </a:r>
             <a:r>
               <a:rPr sz="1800">
@@ -10749,114 +10530,13 @@
                 </a:solidFill>
                 <a:latin typeface="Courier"/>
               </a:rPr>
-              <a:t>%&gt;%</a:t>
-            </a:r>
-            <a:br/>
-            <a:r>
-              <a:rPr sz="1800">
-                <a:solidFill>
-                  <a:srgbClr val="4070A0"/>
-                </a:solidFill>
-                <a:latin typeface="Courier"/>
-              </a:rPr>
-              <a:t>  </a:t>
-            </a:r>
-            <a:r>
-              <a:rPr sz="1800">
-                <a:latin typeface="Courier"/>
-              </a:rPr>
-              <a:t>tidyr</a:t>
-            </a:r>
-            <a:r>
-              <a:rPr sz="1800">
-                <a:solidFill>
-                  <a:srgbClr val="666666"/>
-                </a:solidFill>
-                <a:latin typeface="Courier"/>
-              </a:rPr>
-              <a:t>::</a:t>
-            </a:r>
-            <a:r>
-              <a:rPr sz="1800" b="1">
-                <a:solidFill>
-                  <a:srgbClr val="007020"/>
-                </a:solidFill>
-                <a:latin typeface="Courier"/>
-              </a:rPr>
-              <a:t>spread</a:t>
-            </a:r>
-            <a:r>
-              <a:rPr sz="1800">
-                <a:latin typeface="Courier"/>
-              </a:rPr>
-              <a:t>(</a:t>
-            </a:r>
-            <a:r>
-              <a:rPr sz="1800">
-                <a:solidFill>
-                  <a:srgbClr val="902000"/>
-                </a:solidFill>
-                <a:latin typeface="Courier"/>
-              </a:rPr>
-              <a:t>key =</a:t>
-            </a:r>
-            <a:r>
-              <a:rPr sz="1800">
-                <a:latin typeface="Courier"/>
-              </a:rPr>
-              <a:t> </a:t>
-            </a:r>
-            <a:r>
-              <a:rPr sz="1800">
-                <a:solidFill>
-                  <a:srgbClr val="4070A0"/>
-                </a:solidFill>
-                <a:latin typeface="Courier"/>
-              </a:rPr>
-              <a:t>"temp_point"</a:t>
-            </a:r>
-            <a:r>
-              <a:rPr sz="1800">
-                <a:latin typeface="Courier"/>
-              </a:rPr>
-              <a:t>, </a:t>
-            </a:r>
-            <a:br/>
-            <a:r>
-              <a:rPr sz="1800">
-                <a:latin typeface="Courier"/>
-              </a:rPr>
-              <a:t>                </a:t>
-            </a:r>
-            <a:r>
-              <a:rPr sz="1800">
-                <a:solidFill>
-                  <a:srgbClr val="902000"/>
-                </a:solidFill>
-                <a:latin typeface="Courier"/>
-              </a:rPr>
-              <a:t>value =</a:t>
-            </a:r>
-            <a:r>
-              <a:rPr sz="1800">
-                <a:latin typeface="Courier"/>
-              </a:rPr>
-              <a:t> </a:t>
-            </a:r>
-            <a:r>
-              <a:rPr sz="1800">
-                <a:solidFill>
-                  <a:srgbClr val="4070A0"/>
-                </a:solidFill>
-                <a:latin typeface="Courier"/>
-              </a:rPr>
-              <a:t>"temperature"</a:t>
-            </a:r>
-            <a:r>
-              <a:rPr sz="1800">
-                <a:latin typeface="Courier"/>
-              </a:rPr>
-              <a:t>)</a:t>
+              <a:t>:</a:t>
+            </a:r>
+            <a:r>
+              <a:rPr sz="1800">
+                <a:latin typeface="Courier"/>
+              </a:rPr>
+              <a:t>temp_nc)</a:t>
             </a:r>
             <a:br/>
             <a:br/>
@@ -10873,16 +10553,7 @@
               <a:rPr sz="1800">
                 <a:latin typeface="Courier"/>
               </a:rPr>
-              <a:t>(cchic_reverted)</a:t>
-            </a:r>
-          </a:p>
-          <a:p>
-            <a:pPr lvl="0" marL="0" indent="0">
-              <a:buNone/>
-            </a:pPr>
-            <a:r>
-              <a:rPr/>
-              <a:t>Notice that the variables “temp_c” and “temp_nc” are seperate again.</a:t>
+              <a:t>(cchic_long)</a:t>
             </a:r>
           </a:p>
         </p:txBody>
@@ -10935,23 +10606,31 @@
             </a:pPr>
             <a:r>
               <a:rPr/>
-              <a:t>7.</a:t>
-            </a:r>
-            <a:r>
-              <a:rPr/>
-              <a:t> </a:t>
-            </a:r>
-            <a:r>
-              <a:rPr/>
-              <a:t>Deleting</a:t>
-            </a:r>
-            <a:r>
-              <a:rPr/>
-              <a:t> </a:t>
-            </a:r>
-            <a:r>
-              <a:rPr/>
-              <a:t>columns</a:t>
+              <a:t>Plotting</a:t>
+            </a:r>
+            <a:r>
+              <a:rPr/>
+              <a:t> </a:t>
+            </a:r>
+            <a:r>
+              <a:rPr/>
+              <a:t>the</a:t>
+            </a:r>
+            <a:r>
+              <a:rPr/>
+              <a:t> </a:t>
+            </a:r>
+            <a:r>
+              <a:rPr/>
+              <a:t>gathered</a:t>
+            </a:r>
+            <a:r>
+              <a:rPr/>
+              <a:t> </a:t>
+            </a:r>
+            <a:r>
+              <a:rPr/>
+              <a:t>data</a:t>
             </a:r>
           </a:p>
         </p:txBody>
@@ -10977,33 +10656,14 @@
           <a:bodyPr/>
           <a:lstStyle/>
           <a:p>
-            <a:pPr lvl="0" marL="0" indent="0">
+            <a:pPr lvl="0" marL="1270000" indent="0">
               <a:buNone/>
             </a:pPr>
             <a:r>
-              <a:rPr/>
-              <a:t>What if we wanted to remove the </a:t>
-            </a:r>
-            <a:r>
-              <a:rPr sz="1800">
-                <a:latin typeface="Courier"/>
-              </a:rPr>
-              <a:t>temp_nc</a:t>
-            </a:r>
-            <a:r>
-              <a:rPr/>
-              <a:t> variable?</a:t>
-            </a:r>
-          </a:p>
-          <a:p>
-            <a:pPr lvl="0" marL="1270000" indent="0">
-              <a:buNone/>
-            </a:pPr>
-            <a:r>
-              <a:rPr sz="1800">
-                <a:latin typeface="Courier"/>
-              </a:rPr>
-              <a:t>cchic </a:t>
+              <a:rPr sz="1800">
+                <a:latin typeface="Courier"/>
+              </a:rPr>
+              <a:t>cchic_long </a:t>
             </a:r>
             <a:r>
               <a:rPr sz="1800">
@@ -11025,10 +10685,94 @@
               <a:t>  </a:t>
             </a:r>
             <a:r>
-              <a:rPr sz="1800">
-                <a:latin typeface="Courier"/>
-              </a:rPr>
-              <a:t>dplyr</a:t>
+              <a:rPr sz="1800" b="1">
+                <a:solidFill>
+                  <a:srgbClr val="007020"/>
+                </a:solidFill>
+                <a:latin typeface="Courier"/>
+              </a:rPr>
+              <a:t>ggplot</a:t>
+            </a:r>
+            <a:r>
+              <a:rPr sz="1800">
+                <a:latin typeface="Courier"/>
+              </a:rPr>
+              <a:t>(</a:t>
+            </a:r>
+            <a:r>
+              <a:rPr sz="1800" b="1">
+                <a:solidFill>
+                  <a:srgbClr val="007020"/>
+                </a:solidFill>
+                <a:latin typeface="Courier"/>
+              </a:rPr>
+              <a:t>aes</a:t>
+            </a:r>
+            <a:r>
+              <a:rPr sz="1800">
+                <a:latin typeface="Courier"/>
+              </a:rPr>
+              <a:t>(</a:t>
+            </a:r>
+            <a:br/>
+            <a:r>
+              <a:rPr sz="1800">
+                <a:latin typeface="Courier"/>
+              </a:rPr>
+              <a:t>    </a:t>
+            </a:r>
+            <a:r>
+              <a:rPr sz="1800">
+                <a:solidFill>
+                  <a:srgbClr val="902000"/>
+                </a:solidFill>
+                <a:latin typeface="Courier"/>
+              </a:rPr>
+              <a:t>x =</a:t>
+            </a:r>
+            <a:r>
+              <a:rPr sz="1800">
+                <a:latin typeface="Courier"/>
+              </a:rPr>
+              <a:t> temp_point, </a:t>
+            </a:r>
+            <a:r>
+              <a:rPr sz="1800">
+                <a:solidFill>
+                  <a:srgbClr val="902000"/>
+                </a:solidFill>
+                <a:latin typeface="Courier"/>
+              </a:rPr>
+              <a:t>y =</a:t>
+            </a:r>
+            <a:br/>
+            <a:r>
+              <a:rPr sz="1800">
+                <a:latin typeface="Courier"/>
+              </a:rPr>
+              <a:t>      </a:t>
+            </a:r>
+            <a:r>
+              <a:rPr sz="1800" b="1">
+                <a:solidFill>
+                  <a:srgbClr val="007020"/>
+                </a:solidFill>
+                <a:latin typeface="Courier"/>
+              </a:rPr>
+              <a:t>as.numeric</a:t>
+            </a:r>
+            <a:r>
+              <a:rPr sz="1800">
+                <a:latin typeface="Courier"/>
+              </a:rPr>
+              <a:t>(temperature)</a:t>
+            </a:r>
+            <a:br/>
+            <a:r>
+              <a:rPr sz="1800">
+                <a:latin typeface="Courier"/>
+              </a:rPr>
+              <a:t>  )) </a:t>
             </a:r>
             <a:r>
               <a:rPr sz="1800">
@@ -11037,7 +10781,17 @@
                 </a:solidFill>
                 <a:latin typeface="Courier"/>
               </a:rPr>
-              <a:t>::</a:t>
+              <a:t>+</a:t>
+            </a:r>
+            <a:br/>
+            <a:r>
+              <a:rPr sz="1800">
+                <a:solidFill>
+                  <a:srgbClr val="4070A0"/>
+                </a:solidFill>
+                <a:latin typeface="Courier"/>
+              </a:rPr>
+              <a:t>  </a:t>
             </a:r>
             <a:r>
               <a:rPr sz="1800" b="1">
@@ -11046,56 +10800,13 @@
                 </a:solidFill>
                 <a:latin typeface="Courier"/>
               </a:rPr>
-              <a:t>select</a:t>
-            </a:r>
-            <a:r>
-              <a:rPr sz="1800">
-                <a:latin typeface="Courier"/>
-              </a:rPr>
-              <a:t>(</a:t>
-            </a:r>
-            <a:r>
-              <a:rPr sz="1800">
-                <a:solidFill>
-                  <a:srgbClr val="666666"/>
-                </a:solidFill>
-                <a:latin typeface="Courier"/>
-              </a:rPr>
-              <a:t>-</a:t>
-            </a:r>
-            <a:r>
-              <a:rPr sz="1800">
-                <a:latin typeface="Courier"/>
-              </a:rPr>
-              <a:t>temp_nc)</a:t>
-            </a:r>
-          </a:p>
-          <a:p>
-            <a:pPr lvl="0" marL="0" indent="0">
-              <a:buNone/>
-            </a:pPr>
-            <a:r>
-              <a:rPr/>
-              <a:t>The </a:t>
-            </a:r>
-            <a:r>
-              <a:rPr sz="1800">
-                <a:latin typeface="Courier"/>
-              </a:rPr>
-              <a:t>-</a:t>
-            </a:r>
-            <a:r>
-              <a:rPr/>
-              <a:t> sign means deselect here.</a:t>
-            </a:r>
-          </a:p>
-          <a:p>
-            <a:pPr lvl="0" marL="0" indent="0">
-              <a:buNone/>
-            </a:pPr>
-            <a:r>
-              <a:rPr/>
-              <a:t>Don’t forget to assign the above code to something, otherwise the output won’t be saved.</a:t>
+              <a:t>geom_boxplot</a:t>
+            </a:r>
+            <a:r>
+              <a:rPr sz="1800">
+                <a:latin typeface="Courier"/>
+              </a:rPr>
+              <a:t>()</a:t>
             </a:r>
           </a:p>
         </p:txBody>
@@ -11148,7 +10859,63 @@
             </a:pPr>
             <a:r>
               <a:rPr/>
-              <a:t>Excercise</a:t>
+              <a:t>What</a:t>
+            </a:r>
+            <a:r>
+              <a:rPr/>
+              <a:t> </a:t>
+            </a:r>
+            <a:r>
+              <a:rPr/>
+              <a:t>if</a:t>
+            </a:r>
+            <a:r>
+              <a:rPr/>
+              <a:t> </a:t>
+            </a:r>
+            <a:r>
+              <a:rPr/>
+              <a:t>we</a:t>
+            </a:r>
+            <a:r>
+              <a:rPr/>
+              <a:t> </a:t>
+            </a:r>
+            <a:r>
+              <a:rPr/>
+              <a:t>want</a:t>
+            </a:r>
+            <a:r>
+              <a:rPr/>
+              <a:t> </a:t>
+            </a:r>
+            <a:r>
+              <a:rPr/>
+              <a:t>to</a:t>
+            </a:r>
+            <a:r>
+              <a:rPr/>
+              <a:t> </a:t>
+            </a:r>
+            <a:r>
+              <a:rPr/>
+              <a:t>convert</a:t>
+            </a:r>
+            <a:r>
+              <a:rPr/>
+              <a:t> </a:t>
+            </a:r>
+            <a:r>
+              <a:rPr/>
+              <a:t>it</a:t>
+            </a:r>
+            <a:r>
+              <a:rPr/>
+              <a:t> </a:t>
+            </a:r>
+            <a:r>
+              <a:rPr/>
+              <a:t>back?</a:t>
             </a:r>
           </a:p>
         </p:txBody>
@@ -11174,69 +10941,200 @@
           <a:bodyPr/>
           <a:lstStyle/>
           <a:p>
-            <a:pPr lvl="1">
-              <a:buAutoNum type="arabicPeriod"/>
+            <a:pPr lvl="0" marL="0" indent="0">
+              <a:buNone/>
             </a:pPr>
             <a:r>
               <a:rPr/>
-              <a:t>How many patients weigh more than 70kg?</a:t>
-            </a:r>
-          </a:p>
-          <a:p>
-            <a:pPr lvl="2"/>
-            <a:r>
-              <a:rPr/>
-              <a:t>Hint - look at the </a:t>
-            </a:r>
-            <a:r>
-              <a:rPr sz="1800">
-                <a:latin typeface="Courier"/>
-              </a:rPr>
-              <a:t>n()</a:t>
-            </a:r>
-            <a:r>
-              <a:rPr/>
-              <a:t> function.</a:t>
-            </a:r>
-          </a:p>
-          <a:p>
-            <a:pPr lvl="1">
-              <a:buAutoNum type="arabicPeriod"/>
+              <a:t>We can use the </a:t>
+            </a:r>
+            <a:r>
+              <a:rPr sz="1800">
+                <a:latin typeface="Courier"/>
+              </a:rPr>
+              <a:t>tidyr</a:t>
+            </a:r>
+            <a:r>
+              <a:rPr/>
+              <a:t> function, </a:t>
+            </a:r>
+            <a:r>
+              <a:rPr sz="1800">
+                <a:latin typeface="Courier"/>
+              </a:rPr>
+              <a:t>spread()</a:t>
+            </a:r>
+            <a:r>
+              <a:rPr/>
+              <a:t>.</a:t>
+            </a:r>
+          </a:p>
+          <a:p>
+            <a:pPr lvl="0" marL="1270000" indent="0">
+              <a:buNone/>
             </a:pPr>
             <a:r>
-              <a:rPr/>
-              <a:t>Outcome of patients who were 60 years or older?</a:t>
-            </a:r>
-          </a:p>
-          <a:p>
-            <a:pPr lvl="2"/>
-            <a:r>
-              <a:rPr/>
-              <a:t>What is the mean length of stay of patients who are 60 years or older?</a:t>
-            </a:r>
-          </a:p>
-          <a:p>
-            <a:pPr lvl="2"/>
-            <a:r>
-              <a:rPr/>
-              <a:t>How many of these patients were discharged alive?</a:t>
-            </a:r>
-          </a:p>
-          <a:p>
-            <a:pPr lvl="2"/>
-            <a:r>
-              <a:rPr/>
-              <a:t>Hint - the variable </a:t>
-            </a:r>
-            <a:r>
-              <a:rPr sz="1800">
-                <a:latin typeface="Courier"/>
-              </a:rPr>
-              <a:t>vital_status</a:t>
-            </a:r>
-            <a:r>
-              <a:rPr/>
-              <a:t> indicates if the patient was alive or dead on discharge.</a:t>
+              <a:rPr sz="1800">
+                <a:latin typeface="Courier"/>
+              </a:rPr>
+              <a:t>cchic_reverted &lt;-</a:t>
+            </a:r>
+            <a:r>
+              <a:rPr sz="1800">
+                <a:solidFill>
+                  <a:srgbClr val="4070A0"/>
+                </a:solidFill>
+                <a:latin typeface="Courier"/>
+              </a:rPr>
+              <a:t> </a:t>
+            </a:r>
+            <a:r>
+              <a:rPr sz="1800">
+                <a:latin typeface="Courier"/>
+              </a:rPr>
+              <a:t>cchic_long </a:t>
+            </a:r>
+            <a:r>
+              <a:rPr sz="1800">
+                <a:solidFill>
+                  <a:srgbClr val="666666"/>
+                </a:solidFill>
+                <a:latin typeface="Courier"/>
+              </a:rPr>
+              <a:t>%&gt;%</a:t>
+            </a:r>
+            <a:br/>
+            <a:r>
+              <a:rPr sz="1800">
+                <a:solidFill>
+                  <a:srgbClr val="4070A0"/>
+                </a:solidFill>
+                <a:latin typeface="Courier"/>
+              </a:rPr>
+              <a:t>  </a:t>
+            </a:r>
+            <a:r>
+              <a:rPr sz="1800">
+                <a:latin typeface="Courier"/>
+              </a:rPr>
+              <a:t>tidyr</a:t>
+            </a:r>
+            <a:r>
+              <a:rPr sz="1800">
+                <a:solidFill>
+                  <a:srgbClr val="666666"/>
+                </a:solidFill>
+                <a:latin typeface="Courier"/>
+              </a:rPr>
+              <a:t>::</a:t>
+            </a:r>
+            <a:r>
+              <a:rPr sz="1800" b="1">
+                <a:solidFill>
+                  <a:srgbClr val="007020"/>
+                </a:solidFill>
+                <a:latin typeface="Courier"/>
+              </a:rPr>
+              <a:t>spread</a:t>
+            </a:r>
+            <a:r>
+              <a:rPr sz="1800">
+                <a:latin typeface="Courier"/>
+              </a:rPr>
+              <a:t>(</a:t>
+            </a:r>
+            <a:r>
+              <a:rPr sz="1800">
+                <a:solidFill>
+                  <a:srgbClr val="902000"/>
+                </a:solidFill>
+                <a:latin typeface="Courier"/>
+              </a:rPr>
+              <a:t>key =</a:t>
+            </a:r>
+            <a:r>
+              <a:rPr sz="1800">
+                <a:latin typeface="Courier"/>
+              </a:rPr>
+              <a:t> </a:t>
+            </a:r>
+            <a:r>
+              <a:rPr sz="1800">
+                <a:solidFill>
+                  <a:srgbClr val="4070A0"/>
+                </a:solidFill>
+                <a:latin typeface="Courier"/>
+              </a:rPr>
+              <a:t>"temp_point"</a:t>
+            </a:r>
+            <a:r>
+              <a:rPr sz="1800">
+                <a:latin typeface="Courier"/>
+              </a:rPr>
+              <a:t>, </a:t>
+            </a:r>
+            <a:br/>
+            <a:r>
+              <a:rPr sz="1800">
+                <a:latin typeface="Courier"/>
+              </a:rPr>
+              <a:t>                </a:t>
+            </a:r>
+            <a:r>
+              <a:rPr sz="1800">
+                <a:solidFill>
+                  <a:srgbClr val="902000"/>
+                </a:solidFill>
+                <a:latin typeface="Courier"/>
+              </a:rPr>
+              <a:t>value =</a:t>
+            </a:r>
+            <a:r>
+              <a:rPr sz="1800">
+                <a:latin typeface="Courier"/>
+              </a:rPr>
+              <a:t> </a:t>
+            </a:r>
+            <a:r>
+              <a:rPr sz="1800">
+                <a:solidFill>
+                  <a:srgbClr val="4070A0"/>
+                </a:solidFill>
+                <a:latin typeface="Courier"/>
+              </a:rPr>
+              <a:t>"temperature"</a:t>
+            </a:r>
+            <a:r>
+              <a:rPr sz="1800">
+                <a:latin typeface="Courier"/>
+              </a:rPr>
+              <a:t>)</a:t>
+            </a:r>
+            <a:br/>
+            <a:br/>
+            <a:r>
+              <a:rPr sz="1800" b="1">
+                <a:solidFill>
+                  <a:srgbClr val="007020"/>
+                </a:solidFill>
+                <a:latin typeface="Courier"/>
+              </a:rPr>
+              <a:t>names</a:t>
+            </a:r>
+            <a:r>
+              <a:rPr sz="1800">
+                <a:latin typeface="Courier"/>
+              </a:rPr>
+              <a:t>(cchic_reverted)</a:t>
+            </a:r>
+          </a:p>
+          <a:p>
+            <a:pPr lvl="0" marL="0" indent="0">
+              <a:buNone/>
+            </a:pPr>
+            <a:r>
+              <a:rPr/>
+              <a:t>Notice that the variables “temp_c” and “temp_nc” are seperate again.</a:t>
             </a:r>
           </a:p>
         </p:txBody>
@@ -11289,55 +11187,23 @@
             </a:pPr>
             <a:r>
               <a:rPr/>
-              <a:t>How</a:t>
-            </a:r>
-            <a:r>
-              <a:rPr/>
-              <a:t> </a:t>
-            </a:r>
-            <a:r>
-              <a:rPr/>
-              <a:t>many</a:t>
-            </a:r>
-            <a:r>
-              <a:rPr/>
-              <a:t> </a:t>
-            </a:r>
-            <a:r>
-              <a:rPr/>
-              <a:t>patients</a:t>
-            </a:r>
-            <a:r>
-              <a:rPr/>
-              <a:t> </a:t>
-            </a:r>
-            <a:r>
-              <a:rPr/>
-              <a:t>weigh</a:t>
-            </a:r>
-            <a:r>
-              <a:rPr/>
-              <a:t> </a:t>
-            </a:r>
-            <a:r>
-              <a:rPr/>
-              <a:t>more</a:t>
-            </a:r>
-            <a:r>
-              <a:rPr/>
-              <a:t> </a:t>
-            </a:r>
-            <a:r>
-              <a:rPr/>
-              <a:t>than</a:t>
-            </a:r>
-            <a:r>
-              <a:rPr/>
-              <a:t> </a:t>
-            </a:r>
-            <a:r>
-              <a:rPr/>
-              <a:t>70kg?</a:t>
+              <a:t>7.</a:t>
+            </a:r>
+            <a:r>
+              <a:rPr/>
+              <a:t> </a:t>
+            </a:r>
+            <a:r>
+              <a:rPr/>
+              <a:t>Deleting</a:t>
+            </a:r>
+            <a:r>
+              <a:rPr/>
+              <a:t> </a:t>
+            </a:r>
+            <a:r>
+              <a:rPr/>
+              <a:t>columns</a:t>
             </a:r>
           </a:p>
         </p:txBody>
@@ -11363,6 +11229,25 @@
           <a:bodyPr/>
           <a:lstStyle/>
           <a:p>
+            <a:pPr lvl="0" marL="0" indent="0">
+              <a:buNone/>
+            </a:pPr>
+            <a:r>
+              <a:rPr/>
+              <a:t>What if we wanted to remove the </a:t>
+            </a:r>
+            <a:r>
+              <a:rPr sz="1800">
+                <a:latin typeface="Courier"/>
+              </a:rPr>
+              <a:t>temp_nc</a:t>
+            </a:r>
+            <a:r>
+              <a:rPr/>
+              <a:t> variable?</a:t>
+            </a:r>
+          </a:p>
+          <a:p>
             <a:pPr lvl="0" marL="1270000" indent="0">
               <a:buNone/>
             </a:pPr>
@@ -11413,13 +11298,13 @@
                 </a:solidFill>
                 <a:latin typeface="Courier"/>
               </a:rPr>
-              <a:t>filter</a:t>
-            </a:r>
-            <a:r>
-              <a:rPr sz="1800">
-                <a:latin typeface="Courier"/>
-              </a:rPr>
-              <a:t>(weight </a:t>
+              <a:t>select</a:t>
+            </a:r>
+            <a:r>
+              <a:rPr sz="1800">
+                <a:latin typeface="Courier"/>
+              </a:rPr>
+              <a:t>(</a:t>
             </a:r>
             <a:r>
               <a:rPr sz="1800">
@@ -11428,124 +11313,41 @@
                 </a:solidFill>
                 <a:latin typeface="Courier"/>
               </a:rPr>
-              <a:t>&gt;</a:t>
-            </a:r>
-            <a:r>
-              <a:rPr sz="1800">
-                <a:solidFill>
-                  <a:srgbClr val="4070A0"/>
-                </a:solidFill>
-                <a:latin typeface="Courier"/>
-              </a:rPr>
-              <a:t> </a:t>
-            </a:r>
-            <a:r>
-              <a:rPr sz="1800">
-                <a:solidFill>
-                  <a:srgbClr val="40A070"/>
-                </a:solidFill>
-                <a:latin typeface="Courier"/>
-              </a:rPr>
-              <a:t>70</a:t>
-            </a:r>
-            <a:r>
-              <a:rPr sz="1800">
-                <a:latin typeface="Courier"/>
-              </a:rPr>
-              <a:t>) </a:t>
-            </a:r>
-            <a:r>
-              <a:rPr sz="1800">
-                <a:solidFill>
-                  <a:srgbClr val="666666"/>
-                </a:solidFill>
-                <a:latin typeface="Courier"/>
-              </a:rPr>
-              <a:t>%&gt;%</a:t>
-            </a:r>
-            <a:br/>
-            <a:r>
-              <a:rPr sz="1800">
-                <a:solidFill>
-                  <a:srgbClr val="4070A0"/>
-                </a:solidFill>
-                <a:latin typeface="Courier"/>
-              </a:rPr>
-              <a:t>  </a:t>
-            </a:r>
-            <a:r>
-              <a:rPr sz="1800">
-                <a:latin typeface="Courier"/>
-              </a:rPr>
-              <a:t>dplyr</a:t>
-            </a:r>
-            <a:r>
-              <a:rPr sz="1800">
-                <a:solidFill>
-                  <a:srgbClr val="666666"/>
-                </a:solidFill>
-                <a:latin typeface="Courier"/>
-              </a:rPr>
-              <a:t>::</a:t>
-            </a:r>
-            <a:r>
-              <a:rPr sz="1800" b="1">
-                <a:solidFill>
-                  <a:srgbClr val="007020"/>
-                </a:solidFill>
-                <a:latin typeface="Courier"/>
-              </a:rPr>
-              <a:t>summarise</a:t>
-            </a:r>
-            <a:r>
-              <a:rPr sz="1800">
-                <a:latin typeface="Courier"/>
-              </a:rPr>
-              <a:t>(</a:t>
-            </a:r>
-            <a:r>
-              <a:rPr sz="1800">
-                <a:solidFill>
-                  <a:srgbClr val="902000"/>
-                </a:solidFill>
-                <a:latin typeface="Courier"/>
-              </a:rPr>
-              <a:t>number =</a:t>
-            </a:r>
-            <a:r>
-              <a:rPr sz="1800">
-                <a:latin typeface="Courier"/>
-              </a:rPr>
-              <a:t> </a:t>
-            </a:r>
-            <a:r>
-              <a:rPr sz="1800" b="1">
-                <a:solidFill>
-                  <a:srgbClr val="007020"/>
-                </a:solidFill>
-                <a:latin typeface="Courier"/>
-              </a:rPr>
-              <a:t>n</a:t>
-            </a:r>
-            <a:r>
-              <a:rPr sz="1800">
-                <a:latin typeface="Courier"/>
-              </a:rPr>
-              <a:t>())</a:t>
-            </a:r>
-          </a:p>
-          <a:p>
-            <a:pPr lvl="0" marL="1270000" indent="0">
+              <a:t>-</a:t>
+            </a:r>
+            <a:r>
+              <a:rPr sz="1800">
+                <a:latin typeface="Courier"/>
+              </a:rPr>
+              <a:t>temp_nc)</a:t>
+            </a:r>
+          </a:p>
+          <a:p>
+            <a:pPr lvl="0" marL="0" indent="0">
               <a:buNone/>
             </a:pPr>
             <a:r>
-              <a:rPr sz="1800">
-                <a:latin typeface="Courier"/>
-              </a:rPr>
-              <a:t>## # A tibble: 1 x 1
-##   number
-##    &lt;int&gt;
-## 1   2508</a:t>
+              <a:rPr/>
+              <a:t>The </a:t>
+            </a:r>
+            <a:r>
+              <a:rPr sz="1800">
+                <a:latin typeface="Courier"/>
+              </a:rPr>
+              <a:t>-</a:t>
+            </a:r>
+            <a:r>
+              <a:rPr/>
+              <a:t> sign means deselect here.</a:t>
+            </a:r>
+          </a:p>
+          <a:p>
+            <a:pPr lvl="0" marL="0" indent="0">
+              <a:buNone/>
+            </a:pPr>
+            <a:r>
+              <a:rPr/>
+              <a:t>Don’t forget to assign the above code to something, otherwise the output won’t be saved.</a:t>
             </a:r>
           </a:p>
         </p:txBody>
@@ -11556,6 +11358,456 @@
 </file>
 
 <file path=ppt/slides/slide35.xml><?xml version="1.0" encoding="utf-8"?>
+<p:sld xmlns:a="http://schemas.openxmlformats.org/drawingml/2006/main" xmlns:r="http://schemas.openxmlformats.org/officeDocument/2006/relationships" xmlns:p="http://schemas.openxmlformats.org/presentationml/2006/main">
+  <p:cSld>
+    <p:spTree>
+      <p:nvGrpSpPr>
+        <p:cNvPr id="1" name=""/>
+        <p:cNvGrpSpPr/>
+        <p:nvPr/>
+      </p:nvGrpSpPr>
+      <p:grpSpPr>
+        <a:xfrm>
+          <a:off x="0" y="0"/>
+          <a:ext cx="0" cy="0"/>
+          <a:chOff x="0" y="0"/>
+          <a:chExt cx="0" cy="0"/>
+        </a:xfrm>
+      </p:grpSpPr>
+      <p:sp>
+        <p:nvSpPr>
+          <p:cNvPr id="2" name="Title 1">
+            <a:extLst>
+              <a:ext uri="{FF2B5EF4-FFF2-40B4-BE49-F238E27FC236}">
+                <a16:creationId xmlns:a16="http://schemas.microsoft.com/office/drawing/2014/main" id="{5567D468-EE70-CD4E-A3AC-039CC11EF1FB}"/>
+              </a:ext>
+            </a:extLst>
+          </p:cNvPr>
+          <p:cNvSpPr>
+            <a:spLocks noGrp="1"/>
+          </p:cNvSpPr>
+          <p:nvPr>
+            <p:ph type="title"/>
+          </p:nvPr>
+        </p:nvSpPr>
+        <p:spPr/>
+        <p:txBody>
+          <a:bodyPr/>
+          <a:lstStyle/>
+          <a:p>
+            <a:pPr lvl="0" marL="0" indent="0">
+              <a:buNone/>
+            </a:pPr>
+            <a:r>
+              <a:rPr/>
+              <a:t>Excercise</a:t>
+            </a:r>
+          </a:p>
+        </p:txBody>
+      </p:sp>
+      <p:sp>
+        <p:nvSpPr>
+          <p:cNvPr id="3" name="Content Placeholder 2">
+            <a:extLst>
+              <a:ext uri="{FF2B5EF4-FFF2-40B4-BE49-F238E27FC236}">
+                <a16:creationId xmlns:a16="http://schemas.microsoft.com/office/drawing/2014/main" id="{D10DDA37-E46B-B641-BC9F-636CB92A2C08}"/>
+              </a:ext>
+            </a:extLst>
+          </p:cNvPr>
+          <p:cNvSpPr>
+            <a:spLocks noGrp="1"/>
+          </p:cNvSpPr>
+          <p:nvPr>
+            <p:ph idx="1"/>
+          </p:nvPr>
+        </p:nvSpPr>
+        <p:spPr/>
+        <p:txBody>
+          <a:bodyPr/>
+          <a:lstStyle/>
+          <a:p>
+            <a:pPr lvl="1">
+              <a:buAutoNum type="arabicPeriod"/>
+            </a:pPr>
+            <a:r>
+              <a:rPr/>
+              <a:t>How many patients weigh more than 70kg?</a:t>
+            </a:r>
+          </a:p>
+          <a:p>
+            <a:pPr lvl="2"/>
+            <a:r>
+              <a:rPr/>
+              <a:t>Hint - look at the </a:t>
+            </a:r>
+            <a:r>
+              <a:rPr sz="1800">
+                <a:latin typeface="Courier"/>
+              </a:rPr>
+              <a:t>n()</a:t>
+            </a:r>
+            <a:r>
+              <a:rPr/>
+              <a:t> function.</a:t>
+            </a:r>
+          </a:p>
+          <a:p>
+            <a:pPr lvl="1">
+              <a:buAutoNum type="arabicPeriod"/>
+            </a:pPr>
+            <a:r>
+              <a:rPr/>
+              <a:t>Outcome of patients who were 60 years or older?</a:t>
+            </a:r>
+          </a:p>
+          <a:p>
+            <a:pPr lvl="2"/>
+            <a:r>
+              <a:rPr/>
+              <a:t>What is the mean length of stay of patients who are 60 years or older?</a:t>
+            </a:r>
+          </a:p>
+          <a:p>
+            <a:pPr lvl="2"/>
+            <a:r>
+              <a:rPr/>
+              <a:t>How many of these patients were discharged alive?</a:t>
+            </a:r>
+          </a:p>
+          <a:p>
+            <a:pPr lvl="2"/>
+            <a:r>
+              <a:rPr/>
+              <a:t>Hint - the variable </a:t>
+            </a:r>
+            <a:r>
+              <a:rPr sz="1800">
+                <a:latin typeface="Courier"/>
+              </a:rPr>
+              <a:t>vital_status</a:t>
+            </a:r>
+            <a:r>
+              <a:rPr/>
+              <a:t> indicates if the patient was alive or dead on discharge.</a:t>
+            </a:r>
+          </a:p>
+        </p:txBody>
+      </p:sp>
+    </p:spTree>
+  </p:cSld>
+</p:sld>
+</file>
+
+<file path=ppt/slides/slide36.xml><?xml version="1.0" encoding="utf-8"?>
+<p:sld xmlns:a="http://schemas.openxmlformats.org/drawingml/2006/main" xmlns:r="http://schemas.openxmlformats.org/officeDocument/2006/relationships" xmlns:p="http://schemas.openxmlformats.org/presentationml/2006/main">
+  <p:cSld>
+    <p:spTree>
+      <p:nvGrpSpPr>
+        <p:cNvPr id="1" name=""/>
+        <p:cNvGrpSpPr/>
+        <p:nvPr/>
+      </p:nvGrpSpPr>
+      <p:grpSpPr>
+        <a:xfrm>
+          <a:off x="0" y="0"/>
+          <a:ext cx="0" cy="0"/>
+          <a:chOff x="0" y="0"/>
+          <a:chExt cx="0" cy="0"/>
+        </a:xfrm>
+      </p:grpSpPr>
+      <p:sp>
+        <p:nvSpPr>
+          <p:cNvPr id="2" name="Title 1">
+            <a:extLst>
+              <a:ext uri="{FF2B5EF4-FFF2-40B4-BE49-F238E27FC236}">
+                <a16:creationId xmlns:a16="http://schemas.microsoft.com/office/drawing/2014/main" id="{5567D468-EE70-CD4E-A3AC-039CC11EF1FB}"/>
+              </a:ext>
+            </a:extLst>
+          </p:cNvPr>
+          <p:cNvSpPr>
+            <a:spLocks noGrp="1"/>
+          </p:cNvSpPr>
+          <p:nvPr>
+            <p:ph type="title"/>
+          </p:nvPr>
+        </p:nvSpPr>
+        <p:spPr/>
+        <p:txBody>
+          <a:bodyPr/>
+          <a:lstStyle/>
+          <a:p>
+            <a:pPr lvl="0" marL="0" indent="0">
+              <a:buNone/>
+            </a:pPr>
+            <a:r>
+              <a:rPr/>
+              <a:t>How</a:t>
+            </a:r>
+            <a:r>
+              <a:rPr/>
+              <a:t> </a:t>
+            </a:r>
+            <a:r>
+              <a:rPr/>
+              <a:t>many</a:t>
+            </a:r>
+            <a:r>
+              <a:rPr/>
+              <a:t> </a:t>
+            </a:r>
+            <a:r>
+              <a:rPr/>
+              <a:t>patients</a:t>
+            </a:r>
+            <a:r>
+              <a:rPr/>
+              <a:t> </a:t>
+            </a:r>
+            <a:r>
+              <a:rPr/>
+              <a:t>weigh</a:t>
+            </a:r>
+            <a:r>
+              <a:rPr/>
+              <a:t> </a:t>
+            </a:r>
+            <a:r>
+              <a:rPr/>
+              <a:t>more</a:t>
+            </a:r>
+            <a:r>
+              <a:rPr/>
+              <a:t> </a:t>
+            </a:r>
+            <a:r>
+              <a:rPr/>
+              <a:t>than</a:t>
+            </a:r>
+            <a:r>
+              <a:rPr/>
+              <a:t> </a:t>
+            </a:r>
+            <a:r>
+              <a:rPr/>
+              <a:t>70kg?</a:t>
+            </a:r>
+          </a:p>
+        </p:txBody>
+      </p:sp>
+      <p:sp>
+        <p:nvSpPr>
+          <p:cNvPr id="3" name="Content Placeholder 2">
+            <a:extLst>
+              <a:ext uri="{FF2B5EF4-FFF2-40B4-BE49-F238E27FC236}">
+                <a16:creationId xmlns:a16="http://schemas.microsoft.com/office/drawing/2014/main" id="{D10DDA37-E46B-B641-BC9F-636CB92A2C08}"/>
+              </a:ext>
+            </a:extLst>
+          </p:cNvPr>
+          <p:cNvSpPr>
+            <a:spLocks noGrp="1"/>
+          </p:cNvSpPr>
+          <p:nvPr>
+            <p:ph idx="1"/>
+          </p:nvPr>
+        </p:nvSpPr>
+        <p:spPr/>
+        <p:txBody>
+          <a:bodyPr/>
+          <a:lstStyle/>
+          <a:p>
+            <a:pPr lvl="0" marL="1270000" indent="0">
+              <a:buNone/>
+            </a:pPr>
+            <a:r>
+              <a:rPr sz="1800">
+                <a:latin typeface="Courier"/>
+              </a:rPr>
+              <a:t>cchic </a:t>
+            </a:r>
+            <a:r>
+              <a:rPr sz="1800">
+                <a:solidFill>
+                  <a:srgbClr val="666666"/>
+                </a:solidFill>
+                <a:latin typeface="Courier"/>
+              </a:rPr>
+              <a:t>%&gt;%</a:t>
+            </a:r>
+            <a:br/>
+            <a:r>
+              <a:rPr sz="1800">
+                <a:solidFill>
+                  <a:srgbClr val="4070A0"/>
+                </a:solidFill>
+                <a:latin typeface="Courier"/>
+              </a:rPr>
+              <a:t>  </a:t>
+            </a:r>
+            <a:r>
+              <a:rPr sz="1800">
+                <a:latin typeface="Courier"/>
+              </a:rPr>
+              <a:t>dplyr</a:t>
+            </a:r>
+            <a:r>
+              <a:rPr sz="1800">
+                <a:solidFill>
+                  <a:srgbClr val="666666"/>
+                </a:solidFill>
+                <a:latin typeface="Courier"/>
+              </a:rPr>
+              <a:t>::</a:t>
+            </a:r>
+            <a:r>
+              <a:rPr sz="1800" b="1">
+                <a:solidFill>
+                  <a:srgbClr val="007020"/>
+                </a:solidFill>
+                <a:latin typeface="Courier"/>
+              </a:rPr>
+              <a:t>filter</a:t>
+            </a:r>
+            <a:r>
+              <a:rPr sz="1800">
+                <a:latin typeface="Courier"/>
+              </a:rPr>
+              <a:t>(weight </a:t>
+            </a:r>
+            <a:r>
+              <a:rPr sz="1800">
+                <a:solidFill>
+                  <a:srgbClr val="666666"/>
+                </a:solidFill>
+                <a:latin typeface="Courier"/>
+              </a:rPr>
+              <a:t>&gt;</a:t>
+            </a:r>
+            <a:r>
+              <a:rPr sz="1800">
+                <a:solidFill>
+                  <a:srgbClr val="4070A0"/>
+                </a:solidFill>
+                <a:latin typeface="Courier"/>
+              </a:rPr>
+              <a:t> </a:t>
+            </a:r>
+            <a:r>
+              <a:rPr sz="1800">
+                <a:solidFill>
+                  <a:srgbClr val="40A070"/>
+                </a:solidFill>
+                <a:latin typeface="Courier"/>
+              </a:rPr>
+              <a:t>70</a:t>
+            </a:r>
+            <a:r>
+              <a:rPr sz="1800">
+                <a:latin typeface="Courier"/>
+              </a:rPr>
+              <a:t>) </a:t>
+            </a:r>
+            <a:r>
+              <a:rPr sz="1800">
+                <a:solidFill>
+                  <a:srgbClr val="666666"/>
+                </a:solidFill>
+                <a:latin typeface="Courier"/>
+              </a:rPr>
+              <a:t>%&gt;%</a:t>
+            </a:r>
+            <a:br/>
+            <a:r>
+              <a:rPr sz="1800">
+                <a:solidFill>
+                  <a:srgbClr val="4070A0"/>
+                </a:solidFill>
+                <a:latin typeface="Courier"/>
+              </a:rPr>
+              <a:t>  </a:t>
+            </a:r>
+            <a:r>
+              <a:rPr sz="1800">
+                <a:latin typeface="Courier"/>
+              </a:rPr>
+              <a:t>dplyr</a:t>
+            </a:r>
+            <a:r>
+              <a:rPr sz="1800">
+                <a:solidFill>
+                  <a:srgbClr val="666666"/>
+                </a:solidFill>
+                <a:latin typeface="Courier"/>
+              </a:rPr>
+              <a:t>::</a:t>
+            </a:r>
+            <a:r>
+              <a:rPr sz="1800" b="1">
+                <a:solidFill>
+                  <a:srgbClr val="007020"/>
+                </a:solidFill>
+                <a:latin typeface="Courier"/>
+              </a:rPr>
+              <a:t>summarise</a:t>
+            </a:r>
+            <a:r>
+              <a:rPr sz="1800">
+                <a:latin typeface="Courier"/>
+              </a:rPr>
+              <a:t>(</a:t>
+            </a:r>
+            <a:r>
+              <a:rPr sz="1800">
+                <a:solidFill>
+                  <a:srgbClr val="902000"/>
+                </a:solidFill>
+                <a:latin typeface="Courier"/>
+              </a:rPr>
+              <a:t>number =</a:t>
+            </a:r>
+            <a:r>
+              <a:rPr sz="1800">
+                <a:latin typeface="Courier"/>
+              </a:rPr>
+              <a:t> </a:t>
+            </a:r>
+            <a:r>
+              <a:rPr sz="1800" b="1">
+                <a:solidFill>
+                  <a:srgbClr val="007020"/>
+                </a:solidFill>
+                <a:latin typeface="Courier"/>
+              </a:rPr>
+              <a:t>n</a:t>
+            </a:r>
+            <a:r>
+              <a:rPr sz="1800">
+                <a:latin typeface="Courier"/>
+              </a:rPr>
+              <a:t>())</a:t>
+            </a:r>
+          </a:p>
+          <a:p>
+            <a:pPr lvl="0" marL="1270000" indent="0">
+              <a:buNone/>
+            </a:pPr>
+            <a:r>
+              <a:rPr sz="1800">
+                <a:latin typeface="Courier"/>
+              </a:rPr>
+              <a:t>## # A tibble: 1 x 1
+##   number
+##    &lt;int&gt;
+## 1   2508</a:t>
+            </a:r>
+          </a:p>
+        </p:txBody>
+      </p:sp>
+    </p:spTree>
+  </p:cSld>
+</p:sld>
+</file>
+
+<file path=ppt/slides/slide37.xml><?xml version="1.0" encoding="utf-8"?>
 <p:sld xmlns:a="http://schemas.openxmlformats.org/drawingml/2006/main" xmlns:r="http://schemas.openxmlformats.org/officeDocument/2006/relationships" xmlns:p="http://schemas.openxmlformats.org/presentationml/2006/main">
   <p:cSld>
     <p:spTree>
@@ -12489,6 +12741,54 @@
           <a:bodyPr/>
           <a:lstStyle/>
           <a:p>
+            <a:pPr lvl="1"/>
+            <a:r>
+              <a:rPr sz="1800">
+                <a:latin typeface="Courier"/>
+              </a:rPr>
+              <a:t>dplyr</a:t>
+            </a:r>
+            <a:r>
+              <a:rPr/>
+              <a:t> is a package containing functions to help manipulate data.</a:t>
+            </a:r>
+            <a:br/>
+          </a:p>
+          <a:p>
+            <a:pPr lvl="1"/>
+            <a:r>
+              <a:rPr/>
+              <a:t>It is automatically installed with </a:t>
+            </a:r>
+            <a:r>
+              <a:rPr sz="1800">
+                <a:latin typeface="Courier"/>
+              </a:rPr>
+              <a:t>tidyverse</a:t>
+            </a:r>
+            <a:r>
+              <a:rPr/>
+              <a:t>.</a:t>
+            </a:r>
+          </a:p>
+          <a:p>
+            <a:pPr lvl="1"/>
+            <a:r>
+              <a:rPr/>
+              <a:t>As we have already installed </a:t>
+            </a:r>
+            <a:r>
+              <a:rPr sz="1800">
+                <a:latin typeface="Courier"/>
+              </a:rPr>
+              <a:t>tidyverse</a:t>
+            </a:r>
+            <a:r>
+              <a:rPr/>
+              <a:t>, we simply need to load the package.</a:t>
+            </a:r>
+          </a:p>
+          <a:p>
             <a:pPr lvl="0" marL="1270000" indent="0">
               <a:buNone/>
             </a:pPr>
@@ -12499,7 +12799,7 @@
                 </a:solidFill>
                 <a:latin typeface="Courier"/>
               </a:rPr>
-              <a:t># You only need to install the package once.</a:t>
+              <a:t># You need to load the package each time you open R.</a:t>
             </a:r>
             <a:br/>
             <a:r>
@@ -12509,55 +12809,13 @@
                 </a:solidFill>
                 <a:latin typeface="Courier"/>
               </a:rPr>
-              <a:t>install.packages</a:t>
-            </a:r>
-            <a:r>
-              <a:rPr sz="1800">
-                <a:latin typeface="Courier"/>
-              </a:rPr>
-              <a:t>(</a:t>
-            </a:r>
-            <a:r>
-              <a:rPr sz="1800">
-                <a:solidFill>
-                  <a:srgbClr val="4070A0"/>
-                </a:solidFill>
-                <a:latin typeface="Courier"/>
-              </a:rPr>
-              <a:t>"dplyr"</a:t>
-            </a:r>
-            <a:r>
-              <a:rPr sz="1800">
-                <a:latin typeface="Courier"/>
-              </a:rPr>
-              <a:t>)</a:t>
-            </a:r>
-            <a:br/>
-            <a:br/>
-            <a:r>
-              <a:rPr sz="1800" i="1">
-                <a:solidFill>
-                  <a:srgbClr val="60A0B0"/>
-                </a:solidFill>
-                <a:latin typeface="Courier"/>
-              </a:rPr>
-              <a:t># You need to load the package each time you open R.</a:t>
-            </a:r>
-            <a:br/>
-            <a:r>
-              <a:rPr sz="1800" b="1">
-                <a:solidFill>
-                  <a:srgbClr val="007020"/>
-                </a:solidFill>
-                <a:latin typeface="Courier"/>
-              </a:rPr>
               <a:t>library</a:t>
             </a:r>
             <a:r>
               <a:rPr sz="1800">
                 <a:latin typeface="Courier"/>
               </a:rPr>
-              <a:t>(dplyr)</a:t>
+              <a:t>(tidyverse)</a:t>
             </a:r>
           </a:p>
         </p:txBody>
@@ -12649,13 +12907,17 @@
             </a:pPr>
             <a:r>
               <a:rPr/>
-              <a:t>Load data from the file you created earlier. The data frame should be called </a:t>
+              <a:t>From the previous workshop, you should still have a data frame named </a:t>
             </a:r>
             <a:r>
               <a:rPr sz="1800">
                 <a:latin typeface="Courier"/>
               </a:rPr>
               <a:t>cchic</a:t>
+            </a:r>
+            <a:r>
+              <a:rPr/>
+              <a:t> in your environment. If not, please load it again.</a:t>
             </a:r>
           </a:p>
         </p:txBody>
@@ -12666,6 +12928,159 @@
 </file>
 
 <file path=ppt/slides/slide8.xml><?xml version="1.0" encoding="utf-8"?>
+<p:sld xmlns:a="http://schemas.openxmlformats.org/drawingml/2006/main" xmlns:r="http://schemas.openxmlformats.org/officeDocument/2006/relationships" xmlns:p="http://schemas.openxmlformats.org/presentationml/2006/main">
+  <p:cSld>
+    <p:spTree>
+      <p:nvGrpSpPr>
+        <p:cNvPr id="1" name=""/>
+        <p:cNvGrpSpPr/>
+        <p:nvPr/>
+      </p:nvGrpSpPr>
+      <p:grpSpPr>
+        <a:xfrm>
+          <a:off x="0" y="0"/>
+          <a:ext cx="0" cy="0"/>
+          <a:chOff x="0" y="0"/>
+          <a:chExt cx="0" cy="0"/>
+        </a:xfrm>
+      </p:grpSpPr>
+      <p:sp>
+        <p:nvSpPr>
+          <p:cNvPr id="2" name="Title 1">
+            <a:extLst>
+              <a:ext uri="{FF2B5EF4-FFF2-40B4-BE49-F238E27FC236}">
+                <a16:creationId xmlns:a16="http://schemas.microsoft.com/office/drawing/2014/main" id="{5567D468-EE70-CD4E-A3AC-039CC11EF1FB}"/>
+              </a:ext>
+            </a:extLst>
+          </p:cNvPr>
+          <p:cNvSpPr>
+            <a:spLocks noGrp="1"/>
+          </p:cNvSpPr>
+          <p:nvPr>
+            <p:ph type="title"/>
+          </p:nvPr>
+        </p:nvSpPr>
+        <p:spPr/>
+        <p:txBody>
+          <a:bodyPr/>
+          <a:lstStyle/>
+          <a:p>
+            <a:pPr lvl="0" marL="0" indent="0">
+              <a:buNone/>
+            </a:pPr>
+            <a:r>
+              <a:rPr/>
+              <a:t>Two</a:t>
+            </a:r>
+            <a:r>
+              <a:rPr/>
+              <a:t> </a:t>
+            </a:r>
+            <a:r>
+              <a:rPr/>
+              <a:t>concepts</a:t>
+            </a:r>
+            <a:r>
+              <a:rPr/>
+              <a:t> </a:t>
+            </a:r>
+            <a:r>
+              <a:rPr/>
+              <a:t>you</a:t>
+            </a:r>
+            <a:r>
+              <a:rPr/>
+              <a:t> </a:t>
+            </a:r>
+            <a:r>
+              <a:rPr/>
+              <a:t>need</a:t>
+            </a:r>
+            <a:r>
+              <a:rPr/>
+              <a:t> </a:t>
+            </a:r>
+            <a:r>
+              <a:rPr/>
+              <a:t>to</a:t>
+            </a:r>
+            <a:r>
+              <a:rPr/>
+              <a:t> </a:t>
+            </a:r>
+            <a:r>
+              <a:rPr/>
+              <a:t>know</a:t>
+            </a:r>
+            <a:r>
+              <a:rPr/>
+              <a:t> </a:t>
+            </a:r>
+            <a:r>
+              <a:rPr/>
+              <a:t>before</a:t>
+            </a:r>
+            <a:r>
+              <a:rPr/>
+              <a:t> </a:t>
+            </a:r>
+            <a:r>
+              <a:rPr/>
+              <a:t>using</a:t>
+            </a:r>
+            <a:r>
+              <a:rPr/>
+              <a:t> </a:t>
+            </a:r>
+            <a:r>
+              <a:rPr/>
+              <a:t>dplyr</a:t>
+            </a:r>
+          </a:p>
+        </p:txBody>
+      </p:sp>
+      <p:sp>
+        <p:nvSpPr>
+          <p:cNvPr id="3" name="Content Placeholder 2">
+            <a:extLst>
+              <a:ext uri="{FF2B5EF4-FFF2-40B4-BE49-F238E27FC236}">
+                <a16:creationId xmlns:a16="http://schemas.microsoft.com/office/drawing/2014/main" id="{D10DDA37-E46B-B641-BC9F-636CB92A2C08}"/>
+              </a:ext>
+            </a:extLst>
+          </p:cNvPr>
+          <p:cNvSpPr>
+            <a:spLocks noGrp="1"/>
+          </p:cNvSpPr>
+          <p:nvPr>
+            <p:ph idx="1"/>
+          </p:nvPr>
+        </p:nvSpPr>
+        <p:spPr/>
+        <p:txBody>
+          <a:bodyPr/>
+          <a:lstStyle/>
+          <a:p>
+            <a:pPr lvl="1"/>
+            <a:r>
+              <a:rPr/>
+              <a:t>The pipe</a:t>
+            </a:r>
+          </a:p>
+          <a:p>
+            <a:pPr lvl="1"/>
+            <a:r>
+              <a:rPr/>
+              <a:t>Logical operators</a:t>
+            </a:r>
+          </a:p>
+        </p:txBody>
+      </p:sp>
+    </p:spTree>
+  </p:cSld>
+</p:sld>
+</file>
+
+<file path=ppt/slides/slide9.xml><?xml version="1.0" encoding="utf-8"?>
 <p:sld xmlns:a="http://schemas.openxmlformats.org/drawingml/2006/main" xmlns:r="http://schemas.openxmlformats.org/officeDocument/2006/relationships" xmlns:p="http://schemas.openxmlformats.org/presentationml/2006/main">
   <p:cSld>
     <p:spTree>
@@ -12926,220 +13341,6 @@
           </a:ln>
         </p:spPr>
       </p:pic>
-    </p:spTree>
-  </p:cSld>
-</p:sld>
-</file>
-
-<file path=ppt/slides/slide9.xml><?xml version="1.0" encoding="utf-8"?>
-<p:sld xmlns:a="http://schemas.openxmlformats.org/drawingml/2006/main" xmlns:r="http://schemas.openxmlformats.org/officeDocument/2006/relationships" xmlns:p="http://schemas.openxmlformats.org/presentationml/2006/main">
-  <p:cSld>
-    <p:spTree>
-      <p:nvGrpSpPr>
-        <p:cNvPr id="1" name=""/>
-        <p:cNvGrpSpPr/>
-        <p:nvPr/>
-      </p:nvGrpSpPr>
-      <p:grpSpPr>
-        <a:xfrm>
-          <a:off x="0" y="0"/>
-          <a:ext cx="0" cy="0"/>
-          <a:chOff x="0" y="0"/>
-          <a:chExt cx="0" cy="0"/>
-        </a:xfrm>
-      </p:grpSpPr>
-      <p:sp>
-        <p:nvSpPr>
-          <p:cNvPr id="2" name="Title 1">
-            <a:extLst>
-              <a:ext uri="{FF2B5EF4-FFF2-40B4-BE49-F238E27FC236}">
-                <a16:creationId xmlns:a16="http://schemas.microsoft.com/office/drawing/2014/main" id="{5567D468-EE70-CD4E-A3AC-039CC11EF1FB}"/>
-              </a:ext>
-            </a:extLst>
-          </p:cNvPr>
-          <p:cNvSpPr>
-            <a:spLocks noGrp="1"/>
-          </p:cNvSpPr>
-          <p:nvPr>
-            <p:ph type="title"/>
-          </p:nvPr>
-        </p:nvSpPr>
-        <p:spPr/>
-        <p:txBody>
-          <a:bodyPr/>
-          <a:lstStyle/>
-          <a:p>
-            <a:pPr lvl="0" marL="0" indent="0">
-              <a:buNone/>
-            </a:pPr>
-            <a:r>
-              <a:rPr/>
-              <a:t>Logical</a:t>
-            </a:r>
-            <a:r>
-              <a:rPr/>
-              <a:t> </a:t>
-            </a:r>
-            <a:r>
-              <a:rPr/>
-              <a:t>operators</a:t>
-            </a:r>
-          </a:p>
-        </p:txBody>
-      </p:sp>
-      <p:sp>
-        <p:nvSpPr>
-          <p:cNvPr id="3" name="Content Placeholder 2">
-            <a:extLst>
-              <a:ext uri="{FF2B5EF4-FFF2-40B4-BE49-F238E27FC236}">
-                <a16:creationId xmlns:a16="http://schemas.microsoft.com/office/drawing/2014/main" id="{D10DDA37-E46B-B641-BC9F-636CB92A2C08}"/>
-              </a:ext>
-            </a:extLst>
-          </p:cNvPr>
-          <p:cNvSpPr>
-            <a:spLocks noGrp="1"/>
-          </p:cNvSpPr>
-          <p:nvPr>
-            <p:ph idx="1"/>
-          </p:nvPr>
-        </p:nvSpPr>
-        <p:spPr/>
-        <p:txBody>
-          <a:bodyPr/>
-          <a:lstStyle/>
-          <a:p>
-            <a:pPr lvl="1"/>
-            <a:r>
-              <a:rPr/>
-              <a:t>You use them to compare values</a:t>
-            </a:r>
-          </a:p>
-          <a:p>
-            <a:pPr lvl="2"/>
-            <a:r>
-              <a:rPr sz="1800">
-                <a:latin typeface="Courier"/>
-              </a:rPr>
-              <a:t>==</a:t>
-            </a:r>
-            <a:r>
-              <a:rPr/>
-              <a:t> (equal to)</a:t>
-            </a:r>
-          </a:p>
-          <a:p>
-            <a:pPr lvl="2"/>
-            <a:r>
-              <a:rPr sz="1800">
-                <a:latin typeface="Courier"/>
-              </a:rPr>
-              <a:t>!=</a:t>
-            </a:r>
-            <a:r>
-              <a:rPr/>
-              <a:t> (not equal to)</a:t>
-            </a:r>
-          </a:p>
-          <a:p>
-            <a:pPr lvl="2"/>
-            <a:r>
-              <a:rPr sz="1800">
-                <a:latin typeface="Courier"/>
-              </a:rPr>
-              <a:t>&gt;</a:t>
-            </a:r>
-            <a:r>
-              <a:rPr/>
-              <a:t> (greater than)</a:t>
-            </a:r>
-          </a:p>
-          <a:p>
-            <a:pPr lvl="2"/>
-            <a:r>
-              <a:rPr sz="1800">
-                <a:latin typeface="Courier"/>
-              </a:rPr>
-              <a:t>&lt;</a:t>
-            </a:r>
-            <a:r>
-              <a:rPr/>
-              <a:t> (less than)</a:t>
-            </a:r>
-          </a:p>
-          <a:p>
-            <a:pPr lvl="2"/>
-            <a:r>
-              <a:rPr sz="1800">
-                <a:latin typeface="Courier"/>
-              </a:rPr>
-              <a:t>&gt;=</a:t>
-            </a:r>
-            <a:r>
-              <a:rPr/>
-              <a:t> (greater than or equal to)</a:t>
-            </a:r>
-          </a:p>
-          <a:p>
-            <a:pPr lvl="2"/>
-            <a:r>
-              <a:rPr sz="1800">
-                <a:latin typeface="Courier"/>
-              </a:rPr>
-              <a:t>&lt;=</a:t>
-            </a:r>
-            <a:r>
-              <a:rPr/>
-              <a:t> (less than or equal to)</a:t>
-            </a:r>
-          </a:p>
-          <a:p>
-            <a:pPr lvl="2"/>
-            <a:r>
-              <a:rPr sz="1800">
-                <a:latin typeface="Courier"/>
-              </a:rPr>
-              <a:t>is.na()</a:t>
-            </a:r>
-            <a:r>
-              <a:rPr/>
-              <a:t> (is the value missing)</a:t>
-            </a:r>
-          </a:p>
-          <a:p>
-            <a:pPr lvl="1"/>
-            <a:r>
-              <a:rPr/>
-              <a:t>More than one condition?</a:t>
-            </a:r>
-          </a:p>
-          <a:p>
-            <a:pPr lvl="2"/>
-            <a:r>
-              <a:rPr sz="1800">
-                <a:latin typeface="Courier"/>
-              </a:rPr>
-              <a:t>&amp;</a:t>
-            </a:r>
-            <a:r>
-              <a:rPr/>
-              <a:t> (and)</a:t>
-            </a:r>
-          </a:p>
-          <a:p>
-            <a:pPr lvl="2"/>
-            <a:r>
-              <a:rPr sz="1800">
-                <a:latin typeface="Courier"/>
-              </a:rPr>
-              <a:t>|</a:t>
-            </a:r>
-            <a:r>
-              <a:rPr/>
-              <a:t> (or)</a:t>
-            </a:r>
-          </a:p>
-        </p:txBody>
-      </p:sp>
     </p:spTree>
   </p:cSld>
 </p:sld>

--- a/Workshops/Workshop4.pptx
+++ b/Workshops/Workshop4.pptx
@@ -1385,6 +1385,154 @@
             <a:r>
               <a:rPr/>
               <a:t>grasp.</a:t>
+            </a:r>
+            <a:r>
+              <a:rPr/>
+              <a:t> </a:t>
+            </a:r>
+            <a:r>
+              <a:rPr/>
+              <a:t>Also</a:t>
+            </a:r>
+            <a:r>
+              <a:rPr/>
+              <a:t> </a:t>
+            </a:r>
+            <a:r>
+              <a:rPr/>
+              <a:t>warn</a:t>
+            </a:r>
+            <a:r>
+              <a:rPr/>
+              <a:t> </a:t>
+            </a:r>
+            <a:r>
+              <a:rPr/>
+              <a:t>them</a:t>
+            </a:r>
+            <a:r>
+              <a:rPr/>
+              <a:t> </a:t>
+            </a:r>
+            <a:r>
+              <a:rPr/>
+              <a:t>that</a:t>
+            </a:r>
+            <a:r>
+              <a:rPr/>
+              <a:t> </a:t>
+            </a:r>
+            <a:r>
+              <a:rPr/>
+              <a:t>in</a:t>
+            </a:r>
+            <a:r>
+              <a:rPr/>
+              <a:t> </a:t>
+            </a:r>
+            <a:r>
+              <a:rPr/>
+              <a:t>the</a:t>
+            </a:r>
+            <a:r>
+              <a:rPr/>
+              <a:t> </a:t>
+            </a:r>
+            <a:r>
+              <a:rPr/>
+              <a:t>temp_point</a:t>
+            </a:r>
+            <a:r>
+              <a:rPr/>
+              <a:t> </a:t>
+            </a:r>
+            <a:r>
+              <a:rPr/>
+              <a:t>column,</a:t>
+            </a:r>
+            <a:r>
+              <a:rPr/>
+              <a:t> </a:t>
+            </a:r>
+            <a:r>
+              <a:rPr/>
+              <a:t>it</a:t>
+            </a:r>
+            <a:r>
+              <a:rPr/>
+              <a:t> </a:t>
+            </a:r>
+            <a:r>
+              <a:rPr/>
+              <a:t>should</a:t>
+            </a:r>
+            <a:r>
+              <a:rPr/>
+              <a:t> </a:t>
+            </a:r>
+            <a:r>
+              <a:rPr/>
+              <a:t>in</a:t>
+            </a:r>
+            <a:r>
+              <a:rPr/>
+              <a:t> </a:t>
+            </a:r>
+            <a:r>
+              <a:rPr/>
+              <a:t>fact</a:t>
+            </a:r>
+            <a:r>
+              <a:rPr/>
+              <a:t> </a:t>
+            </a:r>
+            <a:r>
+              <a:rPr/>
+              <a:t>say</a:t>
+            </a:r>
+            <a:r>
+              <a:rPr/>
+              <a:t> </a:t>
+            </a:r>
+            <a:r>
+              <a:rPr/>
+              <a:t>“</a:t>
+            </a:r>
+            <a:r>
+              <a:rPr/>
+              <a:t>temp_c</a:t>
+            </a:r>
+            <a:r>
+              <a:rPr/>
+              <a:t>”</a:t>
+            </a:r>
+            <a:r>
+              <a:rPr/>
+              <a:t> </a:t>
+            </a:r>
+            <a:r>
+              <a:rPr/>
+              <a:t>and</a:t>
+            </a:r>
+            <a:r>
+              <a:rPr/>
+              <a:t> </a:t>
+            </a:r>
+            <a:r>
+              <a:rPr/>
+              <a:t>“</a:t>
+            </a:r>
+            <a:r>
+              <a:rPr/>
+              <a:t>temp_nc</a:t>
+            </a:r>
+            <a:r>
+              <a:rPr/>
+              <a:t>”</a:t>
+            </a:r>
+            <a:r>
+              <a:rPr/>
+              <a:t>.</a:t>
             </a:r>
           </a:p>
         </p:txBody>
@@ -8030,7 +8178,7 @@
               <a:rPr sz="1800">
                 <a:latin typeface="Courier"/>
               </a:rPr>
-              <a:t>(height </a:t>
+              <a:t>(height</a:t>
             </a:r>
             <a:r>
               <a:rPr sz="1800">
@@ -8039,16 +8187,7 @@
                 </a:solidFill>
                 <a:latin typeface="Courier"/>
               </a:rPr>
-              <a:t>/</a:t>
-            </a:r>
-            <a:r>
-              <a:rPr sz="1800">
-                <a:solidFill>
-                  <a:srgbClr val="4070A0"/>
-                </a:solidFill>
-                <a:latin typeface="Courier"/>
-              </a:rPr>
-              <a:t> </a:t>
+              <a:t>^</a:t>
             </a:r>
             <a:r>
               <a:rPr sz="1800">
@@ -8057,37 +8196,13 @@
                 </a:solidFill>
                 <a:latin typeface="Courier"/>
               </a:rPr>
-              <a:t>100</a:t>
-            </a:r>
-            <a:r>
-              <a:rPr sz="1800">
-                <a:latin typeface="Courier"/>
-              </a:rPr>
-              <a:t>)</a:t>
-            </a:r>
-            <a:r>
-              <a:rPr sz="1800">
-                <a:solidFill>
-                  <a:srgbClr val="666666"/>
-                </a:solidFill>
-                <a:latin typeface="Courier"/>
-              </a:rPr>
-              <a:t>^</a:t>
-            </a:r>
-            <a:r>
-              <a:rPr sz="1800">
-                <a:solidFill>
-                  <a:srgbClr val="40A070"/>
-                </a:solidFill>
-                <a:latin typeface="Courier"/>
-              </a:rPr>
               <a:t>2</a:t>
             </a:r>
             <a:r>
               <a:rPr sz="1800">
                 <a:latin typeface="Courier"/>
               </a:rPr>
-              <a:t>))</a:t>
+              <a:t>)))</a:t>
             </a:r>
           </a:p>
         </p:txBody>
@@ -9449,22 +9564,7 @@
               <a:rPr sz="1800">
                 <a:latin typeface="Courier"/>
               </a:rPr>
-              <a:t>(cchic</a:t>
-            </a:r>
-            <a:r>
-              <a:rPr sz="1800">
-                <a:solidFill>
-                  <a:srgbClr val="666666"/>
-                </a:solidFill>
-                <a:latin typeface="Courier"/>
-              </a:rPr>
-              <a:t>$</a:t>
-            </a:r>
-            <a:r>
-              <a:rPr sz="1800">
-                <a:latin typeface="Courier"/>
-              </a:rPr>
-              <a:t>discharge_dttm)))</a:t>
+              <a:t>(discharge_dttm)))</a:t>
             </a:r>
             <a:br/>
             <a:br/>

--- a/Workshops/Workshop4.pptx
+++ b/Workshops/Workshop4.pptx
@@ -5,7 +5,7 @@
     <p:sldMasterId id="2147483648" r:id="rId1"/>
   </p:sldMasterIdLst>
   <p:notesMasterIdLst>
-    <p:NotesMasterId r:id="rId39"/>
+    <p:NotesMasterId r:id="rId40"/>
   </p:notesMasterIdLst>
   <p:sldIdLst>
     <p:sldId id="256" r:id="rId2"/>
@@ -45,6 +45,7 @@
     <p:sldId id="290" r:id="rId36"/>
     <p:sldId id="291" r:id="rId37"/>
     <p:sldId id="292" r:id="rId38"/>
+    <p:sldId id="293" r:id="rId39"/>
   </p:sldIdLst>
   <p:sldSz cx="12192000" cy="6858000"/>
   <p:notesSz cx="6858000" cy="9144000"/>
@@ -1392,7 +1393,7 @@
             </a:r>
             <a:r>
               <a:rPr/>
-              <a:t>Also</a:t>
+              <a:t>Also,</a:t>
             </a:r>
             <a:r>
               <a:rPr/>
@@ -1408,7 +1409,7 @@
             </a:r>
             <a:r>
               <a:rPr/>
-              <a:t>them</a:t>
+              <a:t>participants</a:t>
             </a:r>
             <a:r>
               <a:rPr/>
@@ -1424,115 +1425,47 @@
             </a:r>
             <a:r>
               <a:rPr/>
-              <a:t>in</a:t>
-            </a:r>
-            <a:r>
-              <a:rPr/>
-              <a:t> </a:t>
-            </a:r>
-            <a:r>
-              <a:rPr/>
-              <a:t>the</a:t>
-            </a:r>
-            <a:r>
-              <a:rPr/>
-              <a:t> </a:t>
-            </a:r>
-            <a:r>
-              <a:rPr/>
-              <a:t>temp_point</a:t>
-            </a:r>
-            <a:r>
-              <a:rPr/>
-              <a:t> </a:t>
-            </a:r>
-            <a:r>
-              <a:rPr/>
-              <a:t>column,</a:t>
-            </a:r>
-            <a:r>
-              <a:rPr/>
-              <a:t> </a:t>
-            </a:r>
-            <a:r>
-              <a:rPr/>
-              <a:t>it</a:t>
-            </a:r>
-            <a:r>
-              <a:rPr/>
-              <a:t> </a:t>
-            </a:r>
-            <a:r>
-              <a:rPr/>
-              <a:t>should</a:t>
-            </a:r>
-            <a:r>
-              <a:rPr/>
-              <a:t> </a:t>
-            </a:r>
-            <a:r>
-              <a:rPr/>
-              <a:t>in</a:t>
-            </a:r>
-            <a:r>
-              <a:rPr/>
-              <a:t> </a:t>
-            </a:r>
-            <a:r>
-              <a:rPr/>
-              <a:t>fact</a:t>
-            </a:r>
-            <a:r>
-              <a:rPr/>
-              <a:t> </a:t>
-            </a:r>
-            <a:r>
-              <a:rPr/>
-              <a:t>say</a:t>
-            </a:r>
-            <a:r>
-              <a:rPr/>
-              <a:t> </a:t>
-            </a:r>
-            <a:r>
-              <a:rPr/>
-              <a:t>“</a:t>
-            </a:r>
-            <a:r>
-              <a:rPr/>
-              <a:t>temp_c</a:t>
-            </a:r>
-            <a:r>
-              <a:rPr/>
-              <a:t>”</a:t>
-            </a:r>
-            <a:r>
-              <a:rPr/>
-              <a:t> </a:t>
-            </a:r>
-            <a:r>
-              <a:rPr/>
-              <a:t>and</a:t>
-            </a:r>
-            <a:r>
-              <a:rPr/>
-              <a:t> </a:t>
-            </a:r>
-            <a:r>
-              <a:rPr/>
-              <a:t>“</a:t>
-            </a:r>
-            <a:r>
-              <a:rPr/>
-              <a:t>temp_nc</a:t>
-            </a:r>
-            <a:r>
-              <a:rPr/>
-              <a:t>”</a:t>
-            </a:r>
-            <a:r>
-              <a:rPr/>
-              <a:t>.</a:t>
+              <a:t>gather/spread</a:t>
+            </a:r>
+            <a:r>
+              <a:rPr/>
+              <a:t> </a:t>
+            </a:r>
+            <a:r>
+              <a:rPr/>
+              <a:t>have</a:t>
+            </a:r>
+            <a:r>
+              <a:rPr/>
+              <a:t> </a:t>
+            </a:r>
+            <a:r>
+              <a:rPr/>
+              <a:t>been</a:t>
+            </a:r>
+            <a:r>
+              <a:rPr/>
+              <a:t> </a:t>
+            </a:r>
+            <a:r>
+              <a:rPr/>
+              <a:t>superseded</a:t>
+            </a:r>
+            <a:r>
+              <a:rPr/>
+              <a:t> </a:t>
+            </a:r>
+            <a:r>
+              <a:rPr/>
+              <a:t>by</a:t>
+            </a:r>
+            <a:r>
+              <a:rPr/>
+              <a:t> </a:t>
+            </a:r>
+            <a:r>
+              <a:rPr/>
+              <a:t>pivot_longer/pivot_wider.</a:t>
             </a:r>
           </a:p>
         </p:txBody>
@@ -1555,120 +1488,6 @@
             <a:fld id="{18BDFEC3-8487-43E8-A154-7C12CBC1FFF2}" type="slidenum">
               <a:rPr lang="en-US"/>
               <a:t>29</a:t>
-            </a:fld>
-            <a:endParaRPr lang="en-US"/>
-          </a:p>
-        </p:txBody>
-      </p:sp>
-    </p:spTree>
-  </p:cSld>
-</p:notes>
-</file>
-
-<file path=ppt/notesSlides/notesSlide6.xml><?xml version="1.0" encoding="utf-8"?>
-<p:notes xmlns:a="http://schemas.openxmlformats.org/drawingml/2006/main" xmlns:r="http://schemas.openxmlformats.org/officeDocument/2006/relationships" xmlns:p="http://schemas.openxmlformats.org/presentationml/2006/main">
-  <p:cSld>
-    <p:spTree>
-      <p:nvGrpSpPr>
-        <p:cNvPr id="1" name=""/>
-        <p:cNvGrpSpPr/>
-        <p:nvPr/>
-      </p:nvGrpSpPr>
-      <p:grpSpPr>
-        <a:xfrm>
-          <a:off x="0" y="0"/>
-          <a:ext cx="0" cy="0"/>
-          <a:chOff x="0" y="0"/>
-          <a:chExt cx="0" cy="0"/>
-        </a:xfrm>
-      </p:grpSpPr>
-      <p:sp>
-        <p:nvSpPr>
-          <p:cNvPr id="2" name="Slide Image Placeholder 1"/>
-          <p:cNvSpPr>
-            <a:spLocks noGrp="1" noRot="1" noChangeAspect="1"/>
-          </p:cNvSpPr>
-          <p:nvPr>
-            <p:ph type="sldImg"/>
-          </p:nvPr>
-        </p:nvSpPr>
-        <p:spPr/>
-      </p:sp>
-      <p:sp>
-        <p:nvSpPr>
-          <p:cNvPr id="3" name="Notes Placeholder 2"/>
-          <p:cNvSpPr>
-            <a:spLocks noGrp="1"/>
-          </p:cNvSpPr>
-          <p:nvPr>
-            <p:ph type="body" idx="1"/>
-          </p:nvPr>
-        </p:nvSpPr>
-        <p:spPr/>
-        <p:txBody>
-          <a:bodyPr/>
-          <a:lstStyle/>
-          <a:p>
-            <a:pPr lvl="0" marL="0" indent="0">
-              <a:buNone/>
-            </a:pPr>
-            <a:r>
-              <a:rPr/>
-              <a:t>Get</a:t>
-            </a:r>
-            <a:r>
-              <a:rPr/>
-              <a:t> </a:t>
-            </a:r>
-            <a:r>
-              <a:rPr/>
-              <a:t>them</a:t>
-            </a:r>
-            <a:r>
-              <a:rPr/>
-              <a:t> </a:t>
-            </a:r>
-            <a:r>
-              <a:rPr/>
-              <a:t>to</a:t>
-            </a:r>
-            <a:r>
-              <a:rPr/>
-              <a:t> </a:t>
-            </a:r>
-            <a:r>
-              <a:rPr/>
-              <a:t>do</a:t>
-            </a:r>
-            <a:r>
-              <a:rPr/>
-              <a:t> </a:t>
-            </a:r>
-            <a:r>
-              <a:rPr/>
-              <a:t>this.</a:t>
-            </a:r>
-          </a:p>
-        </p:txBody>
-      </p:sp>
-      <p:sp>
-        <p:nvSpPr>
-          <p:cNvPr id="4" name="Slide Number Placeholder 3"/>
-          <p:cNvSpPr>
-            <a:spLocks noGrp="1"/>
-          </p:cNvSpPr>
-          <p:nvPr>
-            <p:ph type="sldNum" sz="quarter" idx="10"/>
-          </p:nvPr>
-        </p:nvSpPr>
-        <p:spPr/>
-        <p:txBody>
-          <a:bodyPr/>
-          <a:lstStyle/>
-          <a:p>
-            <a:fld id="{18BDFEC3-8487-43E8-A154-7C12CBC1FFF2}" type="slidenum">
-              <a:rPr lang="en-US"/>
-              <a:t>32</a:t>
             </a:fld>
             <a:endParaRPr lang="en-US"/>
           </a:p>
@@ -10061,79 +9880,79 @@
             </a:pPr>
             <a:r>
               <a:rPr/>
-              <a:t>Convert</a:t>
-            </a:r>
-            <a:r>
-              <a:rPr/>
-              <a:t> </a:t>
-            </a:r>
-            <a:r>
-              <a:rPr/>
-              <a:t>data</a:t>
-            </a:r>
-            <a:r>
-              <a:rPr/>
-              <a:t> </a:t>
-            </a:r>
-            <a:r>
-              <a:rPr/>
-              <a:t>spread</a:t>
-            </a:r>
-            <a:r>
-              <a:rPr/>
-              <a:t> </a:t>
-            </a:r>
-            <a:r>
-              <a:rPr/>
-              <a:t>over</a:t>
-            </a:r>
-            <a:r>
-              <a:rPr/>
-              <a:t> </a:t>
-            </a:r>
-            <a:r>
-              <a:rPr/>
-              <a:t>several</a:t>
-            </a:r>
-            <a:r>
-              <a:rPr/>
-              <a:t> </a:t>
-            </a:r>
-            <a:r>
-              <a:rPr/>
-              <a:t>variables</a:t>
-            </a:r>
-            <a:r>
-              <a:rPr/>
-              <a:t> </a:t>
-            </a:r>
-            <a:r>
-              <a:rPr/>
-              <a:t>into</a:t>
-            </a:r>
-            <a:r>
-              <a:rPr/>
-              <a:t> </a:t>
-            </a:r>
-            <a:r>
-              <a:rPr/>
-              <a:t>a</a:t>
-            </a:r>
-            <a:r>
-              <a:rPr/>
-              <a:t> </a:t>
-            </a:r>
-            <a:r>
-              <a:rPr/>
-              <a:t>single</a:t>
-            </a:r>
-            <a:r>
-              <a:rPr/>
-              <a:t> </a:t>
-            </a:r>
-            <a:r>
-              <a:rPr/>
-              <a:t>one</a:t>
+              <a:t>A</a:t>
+            </a:r>
+            <a:r>
+              <a:rPr/>
+              <a:t> </a:t>
+            </a:r>
+            <a:r>
+              <a:rPr/>
+              <a:t>dataframe</a:t>
+            </a:r>
+            <a:r>
+              <a:rPr/>
+              <a:t> </a:t>
+            </a:r>
+            <a:r>
+              <a:rPr/>
+              <a:t>can</a:t>
+            </a:r>
+            <a:r>
+              <a:rPr/>
+              <a:t> </a:t>
+            </a:r>
+            <a:r>
+              <a:rPr/>
+              <a:t>pivoted</a:t>
+            </a:r>
+            <a:r>
+              <a:rPr/>
+              <a:t> </a:t>
+            </a:r>
+            <a:r>
+              <a:rPr/>
+              <a:t>in</a:t>
+            </a:r>
+            <a:r>
+              <a:rPr/>
+              <a:t> </a:t>
+            </a:r>
+            <a:r>
+              <a:rPr/>
+              <a:t>two</a:t>
+            </a:r>
+            <a:r>
+              <a:rPr/>
+              <a:t> </a:t>
+            </a:r>
+            <a:r>
+              <a:rPr/>
+              <a:t>ways:</a:t>
+            </a:r>
+            <a:r>
+              <a:rPr/>
+              <a:t> </a:t>
+            </a:r>
+            <a:r>
+              <a:rPr/>
+              <a:t>longer</a:t>
+            </a:r>
+            <a:r>
+              <a:rPr/>
+              <a:t> </a:t>
+            </a:r>
+            <a:r>
+              <a:rPr/>
+              <a:t>or</a:t>
+            </a:r>
+            <a:r>
+              <a:rPr/>
+              <a:t> </a:t>
+            </a:r>
+            <a:r>
+              <a:rPr/>
+              <a:t>wider.</a:t>
             </a:r>
           </a:p>
         </p:txBody>
@@ -10541,7 +10360,7 @@
                 </a:solidFill>
                 <a:latin typeface="Courier"/>
               </a:rPr>
-              <a:t>gather</a:t>
+              <a:t>pivot_longer</a:t>
             </a:r>
             <a:r>
               <a:rPr sz="1800">
@@ -10549,6 +10368,13 @@
               </a:rPr>
               <a:t>(</a:t>
             </a:r>
+            <a:br/>
+            <a:r>
+              <a:rPr sz="1800">
+                <a:latin typeface="Courier"/>
+              </a:rPr>
+              <a:t>    </a:t>
+            </a:r>
             <a:r>
               <a:rPr sz="1800">
                 <a:solidFill>
@@ -10556,7 +10382,44 @@
                 </a:solidFill>
                 <a:latin typeface="Courier"/>
               </a:rPr>
-              <a:t>key =</a:t>
+              <a:t>cols =</a:t>
+            </a:r>
+            <a:r>
+              <a:rPr sz="1800">
+                <a:latin typeface="Courier"/>
+              </a:rPr>
+              <a:t> temp_c</a:t>
+            </a:r>
+            <a:r>
+              <a:rPr sz="1800">
+                <a:solidFill>
+                  <a:srgbClr val="666666"/>
+                </a:solidFill>
+                <a:latin typeface="Courier"/>
+              </a:rPr>
+              <a:t>:</a:t>
+            </a:r>
+            <a:r>
+              <a:rPr sz="1800">
+                <a:latin typeface="Courier"/>
+              </a:rPr>
+              <a:t>temp_nc, </a:t>
+            </a:r>
+            <a:br/>
+            <a:r>
+              <a:rPr sz="1800">
+                <a:latin typeface="Courier"/>
+              </a:rPr>
+              <a:t>    </a:t>
+            </a:r>
+            <a:r>
+              <a:rPr sz="1800">
+                <a:solidFill>
+                  <a:srgbClr val="902000"/>
+                </a:solidFill>
+                <a:latin typeface="Courier"/>
+              </a:rPr>
+              <a:t>names_to =</a:t>
             </a:r>
             <a:r>
               <a:rPr sz="1800">
@@ -10577,14 +10440,14 @@
               <a:rPr sz="1800">
                 <a:latin typeface="Courier"/>
               </a:rPr>
-              <a:t>, </a:t>
+              <a:t>,</a:t>
             </a:r>
             <a:br/>
             <a:r>
               <a:rPr sz="1800">
                 <a:latin typeface="Courier"/>
               </a:rPr>
-              <a:t>                </a:t>
+              <a:t>    </a:t>
             </a:r>
             <a:r>
               <a:rPr sz="1800">
@@ -10593,7 +10456,7 @@
                 </a:solidFill>
                 <a:latin typeface="Courier"/>
               </a:rPr>
-              <a:t>value =</a:t>
+              <a:t>values_to =</a:t>
             </a:r>
             <a:r>
               <a:rPr sz="1800">
@@ -10610,18 +10473,12 @@
               </a:rPr>
               <a:t>"temperature"</a:t>
             </a:r>
-            <a:r>
-              <a:rPr sz="1800">
-                <a:latin typeface="Courier"/>
-              </a:rPr>
-              <a:t>, </a:t>
-            </a:r>
             <a:br/>
             <a:r>
               <a:rPr sz="1800">
                 <a:latin typeface="Courier"/>
               </a:rPr>
-              <a:t>                temp_c</a:t>
+              <a:t>  ) </a:t>
             </a:r>
             <a:r>
               <a:rPr sz="1800">
@@ -10630,13 +10487,86 @@
                 </a:solidFill>
                 <a:latin typeface="Courier"/>
               </a:rPr>
-              <a:t>:</a:t>
-            </a:r>
-            <a:r>
-              <a:rPr sz="1800">
-                <a:latin typeface="Courier"/>
-              </a:rPr>
-              <a:t>temp_nc)</a:t>
+              <a:t>%&gt;%</a:t>
+            </a:r>
+            <a:r>
+              <a:rPr sz="1800">
+                <a:solidFill>
+                  <a:srgbClr val="4070A0"/>
+                </a:solidFill>
+                <a:latin typeface="Courier"/>
+              </a:rPr>
+              <a:t> </a:t>
+            </a:r>
+            <a:br/>
+            <a:r>
+              <a:rPr sz="1800">
+                <a:solidFill>
+                  <a:srgbClr val="4070A0"/>
+                </a:solidFill>
+                <a:latin typeface="Courier"/>
+              </a:rPr>
+              <a:t>  </a:t>
+            </a:r>
+            <a:r>
+              <a:rPr sz="1800">
+                <a:latin typeface="Courier"/>
+              </a:rPr>
+              <a:t>dplyr</a:t>
+            </a:r>
+            <a:r>
+              <a:rPr sz="1800">
+                <a:solidFill>
+                  <a:srgbClr val="666666"/>
+                </a:solidFill>
+                <a:latin typeface="Courier"/>
+              </a:rPr>
+              <a:t>::</a:t>
+            </a:r>
+            <a:r>
+              <a:rPr sz="1800" b="1">
+                <a:solidFill>
+                  <a:srgbClr val="007020"/>
+                </a:solidFill>
+                <a:latin typeface="Courier"/>
+              </a:rPr>
+              <a:t>select</a:t>
+            </a:r>
+            <a:r>
+              <a:rPr sz="1800">
+                <a:latin typeface="Courier"/>
+              </a:rPr>
+              <a:t>(nhs_number, </a:t>
+            </a:r>
+            <a:r>
+              <a:rPr sz="1800" b="1">
+                <a:solidFill>
+                  <a:srgbClr val="007020"/>
+                </a:solidFill>
+                <a:latin typeface="Courier"/>
+              </a:rPr>
+              <a:t>contains</a:t>
+            </a:r>
+            <a:r>
+              <a:rPr sz="1800">
+                <a:latin typeface="Courier"/>
+              </a:rPr>
+              <a:t>(</a:t>
+            </a:r>
+            <a:r>
+              <a:rPr sz="1800">
+                <a:solidFill>
+                  <a:srgbClr val="4070A0"/>
+                </a:solidFill>
+                <a:latin typeface="Courier"/>
+              </a:rPr>
+              <a:t>"temp"</a:t>
+            </a:r>
+            <a:r>
+              <a:rPr sz="1800">
+                <a:latin typeface="Courier"/>
+              </a:rPr>
+              <a:t>))</a:t>
             </a:r>
             <a:br/>
             <a:br/>
@@ -10654,6 +10584,17 @@
                 <a:latin typeface="Courier"/>
               </a:rPr>
               <a:t>(cchic_long)</a:t>
+            </a:r>
+          </a:p>
+          <a:p>
+            <a:pPr lvl="0" marL="1270000" indent="0">
+              <a:buNone/>
+            </a:pPr>
+            <a:r>
+              <a:rPr sz="1800">
+                <a:latin typeface="Courier"/>
+              </a:rPr>
+              <a:t>## [1] "nhs_number"  "temp_point"  "temperature"</a:t>
             </a:r>
           </a:p>
         </p:txBody>
@@ -10722,7 +10663,15 @@
             </a:r>
             <a:r>
               <a:rPr/>
-              <a:t>gathered</a:t>
+              <a:t>“</a:t>
+            </a:r>
+            <a:r>
+              <a:rPr/>
+              <a:t>longer</a:t>
+            </a:r>
+            <a:r>
+              <a:rPr/>
+              <a:t>”</a:t>
             </a:r>
             <a:r>
               <a:rPr/>
@@ -10933,312 +10882,36 @@
           <a:chExt cx="0" cy="0"/>
         </a:xfrm>
       </p:grpSpPr>
-      <p:sp>
-        <p:nvSpPr>
-          <p:cNvPr id="2" name="Title 1">
-            <a:extLst>
-              <a:ext uri="{FF2B5EF4-FFF2-40B4-BE49-F238E27FC236}">
-                <a16:creationId xmlns:a16="http://schemas.microsoft.com/office/drawing/2014/main" id="{5567D468-EE70-CD4E-A3AC-039CC11EF1FB}"/>
-              </a:ext>
-            </a:extLst>
-          </p:cNvPr>
-          <p:cNvSpPr>
-            <a:spLocks noGrp="1"/>
-          </p:cNvSpPr>
-          <p:nvPr>
-            <p:ph type="title"/>
-          </p:nvPr>
-        </p:nvSpPr>
-        <p:spPr/>
-        <p:txBody>
-          <a:bodyPr/>
-          <a:lstStyle/>
-          <a:p>
-            <a:pPr lvl="0" marL="0" indent="0">
-              <a:buNone/>
-            </a:pPr>
-            <a:r>
-              <a:rPr/>
-              <a:t>What</a:t>
-            </a:r>
-            <a:r>
-              <a:rPr/>
-              <a:t> </a:t>
-            </a:r>
-            <a:r>
-              <a:rPr/>
-              <a:t>if</a:t>
-            </a:r>
-            <a:r>
-              <a:rPr/>
-              <a:t> </a:t>
-            </a:r>
-            <a:r>
-              <a:rPr/>
-              <a:t>we</a:t>
-            </a:r>
-            <a:r>
-              <a:rPr/>
-              <a:t> </a:t>
-            </a:r>
-            <a:r>
-              <a:rPr/>
-              <a:t>want</a:t>
-            </a:r>
-            <a:r>
-              <a:rPr/>
-              <a:t> </a:t>
-            </a:r>
-            <a:r>
-              <a:rPr/>
-              <a:t>to</a:t>
-            </a:r>
-            <a:r>
-              <a:rPr/>
-              <a:t> </a:t>
-            </a:r>
-            <a:r>
-              <a:rPr/>
-              <a:t>convert</a:t>
-            </a:r>
-            <a:r>
-              <a:rPr/>
-              <a:t> </a:t>
-            </a:r>
-            <a:r>
-              <a:rPr/>
-              <a:t>it</a:t>
-            </a:r>
-            <a:r>
-              <a:rPr/>
-              <a:t> </a:t>
-            </a:r>
-            <a:r>
-              <a:rPr/>
-              <a:t>back?</a:t>
-            </a:r>
-          </a:p>
-        </p:txBody>
-      </p:sp>
-      <p:sp>
-        <p:nvSpPr>
-          <p:cNvPr id="3" name="Content Placeholder 2">
-            <a:extLst>
-              <a:ext uri="{FF2B5EF4-FFF2-40B4-BE49-F238E27FC236}">
-                <a16:creationId xmlns:a16="http://schemas.microsoft.com/office/drawing/2014/main" id="{D10DDA37-E46B-B641-BC9F-636CB92A2C08}"/>
-              </a:ext>
-            </a:extLst>
-          </p:cNvPr>
-          <p:cNvSpPr>
-            <a:spLocks noGrp="1"/>
-          </p:cNvSpPr>
-          <p:nvPr>
-            <p:ph idx="1"/>
-          </p:nvPr>
-        </p:nvSpPr>
-        <p:spPr/>
-        <p:txBody>
-          <a:bodyPr/>
-          <a:lstStyle/>
-          <a:p>
-            <a:pPr lvl="0" marL="0" indent="0">
-              <a:buNone/>
-            </a:pPr>
-            <a:r>
-              <a:rPr/>
-              <a:t>We can use the </a:t>
-            </a:r>
-            <a:r>
-              <a:rPr sz="1800">
-                <a:latin typeface="Courier"/>
-              </a:rPr>
-              <a:t>tidyr</a:t>
-            </a:r>
-            <a:r>
-              <a:rPr/>
-              <a:t> function, </a:t>
-            </a:r>
-            <a:r>
-              <a:rPr sz="1800">
-                <a:latin typeface="Courier"/>
-              </a:rPr>
-              <a:t>spread()</a:t>
-            </a:r>
-            <a:r>
-              <a:rPr/>
-              <a:t>.</a:t>
-            </a:r>
-          </a:p>
-          <a:p>
-            <a:pPr lvl="0" marL="1270000" indent="0">
-              <a:buNone/>
-            </a:pPr>
-            <a:r>
-              <a:rPr sz="1800">
-                <a:latin typeface="Courier"/>
-              </a:rPr>
-              <a:t>cchic_reverted &lt;-</a:t>
-            </a:r>
-            <a:r>
-              <a:rPr sz="1800">
-                <a:solidFill>
-                  <a:srgbClr val="4070A0"/>
-                </a:solidFill>
-                <a:latin typeface="Courier"/>
-              </a:rPr>
-              <a:t> </a:t>
-            </a:r>
-            <a:r>
-              <a:rPr sz="1800">
-                <a:latin typeface="Courier"/>
-              </a:rPr>
-              <a:t>cchic_long </a:t>
-            </a:r>
-            <a:r>
-              <a:rPr sz="1800">
-                <a:solidFill>
-                  <a:srgbClr val="666666"/>
-                </a:solidFill>
-                <a:latin typeface="Courier"/>
-              </a:rPr>
-              <a:t>%&gt;%</a:t>
-            </a:r>
-            <a:br/>
-            <a:r>
-              <a:rPr sz="1800">
-                <a:solidFill>
-                  <a:srgbClr val="4070A0"/>
-                </a:solidFill>
-                <a:latin typeface="Courier"/>
-              </a:rPr>
-              <a:t>  </a:t>
-            </a:r>
-            <a:r>
-              <a:rPr sz="1800">
-                <a:latin typeface="Courier"/>
-              </a:rPr>
-              <a:t>tidyr</a:t>
-            </a:r>
-            <a:r>
-              <a:rPr sz="1800">
-                <a:solidFill>
-                  <a:srgbClr val="666666"/>
-                </a:solidFill>
-                <a:latin typeface="Courier"/>
-              </a:rPr>
-              <a:t>::</a:t>
-            </a:r>
-            <a:r>
-              <a:rPr sz="1800" b="1">
-                <a:solidFill>
-                  <a:srgbClr val="007020"/>
-                </a:solidFill>
-                <a:latin typeface="Courier"/>
-              </a:rPr>
-              <a:t>spread</a:t>
-            </a:r>
-            <a:r>
-              <a:rPr sz="1800">
-                <a:latin typeface="Courier"/>
-              </a:rPr>
-              <a:t>(</a:t>
-            </a:r>
-            <a:r>
-              <a:rPr sz="1800">
-                <a:solidFill>
-                  <a:srgbClr val="902000"/>
-                </a:solidFill>
-                <a:latin typeface="Courier"/>
-              </a:rPr>
-              <a:t>key =</a:t>
-            </a:r>
-            <a:r>
-              <a:rPr sz="1800">
-                <a:latin typeface="Courier"/>
-              </a:rPr>
-              <a:t> </a:t>
-            </a:r>
-            <a:r>
-              <a:rPr sz="1800">
-                <a:solidFill>
-                  <a:srgbClr val="4070A0"/>
-                </a:solidFill>
-                <a:latin typeface="Courier"/>
-              </a:rPr>
-              <a:t>"temp_point"</a:t>
-            </a:r>
-            <a:r>
-              <a:rPr sz="1800">
-                <a:latin typeface="Courier"/>
-              </a:rPr>
-              <a:t>, </a:t>
-            </a:r>
-            <a:br/>
-            <a:r>
-              <a:rPr sz="1800">
-                <a:latin typeface="Courier"/>
-              </a:rPr>
-              <a:t>                </a:t>
-            </a:r>
-            <a:r>
-              <a:rPr sz="1800">
-                <a:solidFill>
-                  <a:srgbClr val="902000"/>
-                </a:solidFill>
-                <a:latin typeface="Courier"/>
-              </a:rPr>
-              <a:t>value =</a:t>
-            </a:r>
-            <a:r>
-              <a:rPr sz="1800">
-                <a:latin typeface="Courier"/>
-              </a:rPr>
-              <a:t> </a:t>
-            </a:r>
-            <a:r>
-              <a:rPr sz="1800">
-                <a:solidFill>
-                  <a:srgbClr val="4070A0"/>
-                </a:solidFill>
-                <a:latin typeface="Courier"/>
-              </a:rPr>
-              <a:t>"temperature"</a:t>
-            </a:r>
-            <a:r>
-              <a:rPr sz="1800">
-                <a:latin typeface="Courier"/>
-              </a:rPr>
-              <a:t>)</a:t>
-            </a:r>
-            <a:br/>
-            <a:br/>
-            <a:r>
-              <a:rPr sz="1800" b="1">
-                <a:solidFill>
-                  <a:srgbClr val="007020"/>
-                </a:solidFill>
-                <a:latin typeface="Courier"/>
-              </a:rPr>
-              <a:t>names</a:t>
-            </a:r>
-            <a:r>
-              <a:rPr sz="1800">
-                <a:latin typeface="Courier"/>
-              </a:rPr>
-              <a:t>(cchic_reverted)</a:t>
-            </a:r>
-          </a:p>
-          <a:p>
-            <a:pPr lvl="0" marL="0" indent="0">
-              <a:buNone/>
-            </a:pPr>
-            <a:r>
-              <a:rPr/>
-              <a:t>Notice that the variables “temp_c” and “temp_nc” are seperate again.</a:t>
-            </a:r>
-          </a:p>
-        </p:txBody>
-      </p:sp>
+      <p:pic>
+        <p:nvPicPr>
+          <p:cNvPr descr="Workshop4_files/figure-pptx/unnamed-chunk-25-1.png" id="0" name="Picture 1"/>
+          <p:cNvPicPr>
+            <a:picLocks noGrp="1" noChangeAspect="1"/>
+          </p:cNvPicPr>
+          <p:nvPr/>
+        </p:nvPicPr>
+        <p:blipFill>
+          <a:blip r:embed="rId2"/>
+          <a:stretch>
+            <a:fillRect/>
+          </a:stretch>
+        </p:blipFill>
+        <p:spPr bwMode="auto">
+          <a:xfrm>
+            <a:off x="3378200" y="1816100"/>
+            <a:ext cx="5435600" cy="4343400"/>
+          </a:xfrm>
+          <a:prstGeom prst="rect">
+            <a:avLst/>
+          </a:prstGeom>
+          <a:noFill/>
+          <a:ln w="9525">
+            <a:noFill/>
+            <a:headEnd/>
+            <a:tailEnd/>
+          </a:ln>
+        </p:spPr>
+      </p:pic>
     </p:spTree>
   </p:cSld>
 </p:sld>
@@ -11287,23 +10960,63 @@
             </a:pPr>
             <a:r>
               <a:rPr/>
-              <a:t>7.</a:t>
-            </a:r>
-            <a:r>
-              <a:rPr/>
-              <a:t> </a:t>
-            </a:r>
-            <a:r>
-              <a:rPr/>
-              <a:t>Deleting</a:t>
-            </a:r>
-            <a:r>
-              <a:rPr/>
-              <a:t> </a:t>
-            </a:r>
-            <a:r>
-              <a:rPr/>
-              <a:t>columns</a:t>
+              <a:t>What</a:t>
+            </a:r>
+            <a:r>
+              <a:rPr/>
+              <a:t> </a:t>
+            </a:r>
+            <a:r>
+              <a:rPr/>
+              <a:t>if</a:t>
+            </a:r>
+            <a:r>
+              <a:rPr/>
+              <a:t> </a:t>
+            </a:r>
+            <a:r>
+              <a:rPr/>
+              <a:t>we</a:t>
+            </a:r>
+            <a:r>
+              <a:rPr/>
+              <a:t> </a:t>
+            </a:r>
+            <a:r>
+              <a:rPr/>
+              <a:t>want</a:t>
+            </a:r>
+            <a:r>
+              <a:rPr/>
+              <a:t> </a:t>
+            </a:r>
+            <a:r>
+              <a:rPr/>
+              <a:t>to</a:t>
+            </a:r>
+            <a:r>
+              <a:rPr/>
+              <a:t> </a:t>
+            </a:r>
+            <a:r>
+              <a:rPr/>
+              <a:t>convert</a:t>
+            </a:r>
+            <a:r>
+              <a:rPr/>
+              <a:t> </a:t>
+            </a:r>
+            <a:r>
+              <a:rPr/>
+              <a:t>it</a:t>
+            </a:r>
+            <a:r>
+              <a:rPr/>
+              <a:t> </a:t>
+            </a:r>
+            <a:r>
+              <a:rPr/>
+              <a:t>back?</a:t>
             </a:r>
           </a:p>
         </p:txBody>
@@ -11334,17 +11047,27 @@
             </a:pPr>
             <a:r>
               <a:rPr/>
-              <a:t>What if we wanted to remove the </a:t>
-            </a:r>
-            <a:r>
-              <a:rPr sz="1800">
-                <a:latin typeface="Courier"/>
-              </a:rPr>
-              <a:t>temp_nc</a:t>
-            </a:r>
-            <a:r>
-              <a:rPr/>
-              <a:t> variable?</a:t>
+              <a:t>We can use the </a:t>
+            </a:r>
+            <a:r>
+              <a:rPr sz="1800">
+                <a:latin typeface="Courier"/>
+              </a:rPr>
+              <a:t>tidyr</a:t>
+            </a:r>
+            <a:r>
+              <a:rPr/>
+              <a:t> function, </a:t>
+            </a:r>
+            <a:r>
+              <a:rPr sz="1800">
+                <a:latin typeface="Courier"/>
+              </a:rPr>
+              <a:t>pivot_wider()</a:t>
+            </a:r>
+            <a:r>
+              <a:rPr/>
+              <a:t>.</a:t>
             </a:r>
           </a:p>
           <a:p>
@@ -11355,7 +11078,32 @@
               <a:rPr sz="1800">
                 <a:latin typeface="Courier"/>
               </a:rPr>
-              <a:t>cchic </a:t>
+              <a:t>cchic_reverted &lt;-</a:t>
+            </a:r>
+            <a:r>
+              <a:rPr sz="1800">
+                <a:solidFill>
+                  <a:srgbClr val="4070A0"/>
+                </a:solidFill>
+                <a:latin typeface="Courier"/>
+              </a:rPr>
+              <a:t> </a:t>
+            </a:r>
+            <a:br/>
+            <a:r>
+              <a:rPr sz="1800">
+                <a:solidFill>
+                  <a:srgbClr val="4070A0"/>
+                </a:solidFill>
+                <a:latin typeface="Courier"/>
+              </a:rPr>
+              <a:t>  </a:t>
+            </a:r>
+            <a:r>
+              <a:rPr sz="1800">
+                <a:latin typeface="Courier"/>
+              </a:rPr>
+              <a:t>cchic_long </a:t>
             </a:r>
             <a:r>
               <a:rPr sz="1800">
@@ -11380,7 +11128,7 @@
               <a:rPr sz="1800">
                 <a:latin typeface="Courier"/>
               </a:rPr>
-              <a:t>dplyr</a:t>
+              <a:t>tidyr</a:t>
             </a:r>
             <a:r>
               <a:rPr sz="1800">
@@ -11398,7 +11146,7 @@
                 </a:solidFill>
                 <a:latin typeface="Courier"/>
               </a:rPr>
-              <a:t>select</a:t>
+              <a:t>pivot_wider</a:t>
             </a:r>
             <a:r>
               <a:rPr sz="1800">
@@ -11406,20 +11154,84 @@
               </a:rPr>
               <a:t>(</a:t>
             </a:r>
-            <a:r>
-              <a:rPr sz="1800">
-                <a:solidFill>
-                  <a:srgbClr val="666666"/>
-                </a:solidFill>
-                <a:latin typeface="Courier"/>
-              </a:rPr>
-              <a:t>-</a:t>
-            </a:r>
-            <a:r>
-              <a:rPr sz="1800">
-                <a:latin typeface="Courier"/>
-              </a:rPr>
-              <a:t>temp_nc)</a:t>
+            <a:br/>
+            <a:r>
+              <a:rPr sz="1800">
+                <a:latin typeface="Courier"/>
+              </a:rPr>
+              <a:t>    </a:t>
+            </a:r>
+            <a:r>
+              <a:rPr sz="1800">
+                <a:solidFill>
+                  <a:srgbClr val="902000"/>
+                </a:solidFill>
+                <a:latin typeface="Courier"/>
+              </a:rPr>
+              <a:t>names_from =</a:t>
+            </a:r>
+            <a:r>
+              <a:rPr sz="1800">
+                <a:latin typeface="Courier"/>
+              </a:rPr>
+              <a:t> temp_point,</a:t>
+            </a:r>
+            <a:br/>
+            <a:r>
+              <a:rPr sz="1800">
+                <a:latin typeface="Courier"/>
+              </a:rPr>
+              <a:t>    </a:t>
+            </a:r>
+            <a:r>
+              <a:rPr sz="1800">
+                <a:solidFill>
+                  <a:srgbClr val="902000"/>
+                </a:solidFill>
+                <a:latin typeface="Courier"/>
+              </a:rPr>
+              <a:t>values_from =</a:t>
+            </a:r>
+            <a:r>
+              <a:rPr sz="1800">
+                <a:latin typeface="Courier"/>
+              </a:rPr>
+              <a:t> temperature</a:t>
+            </a:r>
+            <a:br/>
+            <a:r>
+              <a:rPr sz="1800">
+                <a:latin typeface="Courier"/>
+              </a:rPr>
+              <a:t>  )</a:t>
+            </a:r>
+            <a:br/>
+            <a:br/>
+            <a:r>
+              <a:rPr sz="1800" b="1">
+                <a:solidFill>
+                  <a:srgbClr val="007020"/>
+                </a:solidFill>
+                <a:latin typeface="Courier"/>
+              </a:rPr>
+              <a:t>names</a:t>
+            </a:r>
+            <a:r>
+              <a:rPr sz="1800">
+                <a:latin typeface="Courier"/>
+              </a:rPr>
+              <a:t>(cchic_reverted)</a:t>
+            </a:r>
+          </a:p>
+          <a:p>
+            <a:pPr lvl="0" marL="1270000" indent="0">
+              <a:buNone/>
+            </a:pPr>
+            <a:r>
+              <a:rPr sz="1800">
+                <a:latin typeface="Courier"/>
+              </a:rPr>
+              <a:t>## [1] "nhs_number" "temp_c"     "temp_nc"</a:t>
             </a:r>
           </a:p>
           <a:p>
@@ -11428,26 +11240,7 @@
             </a:pPr>
             <a:r>
               <a:rPr/>
-              <a:t>The </a:t>
-            </a:r>
-            <a:r>
-              <a:rPr sz="1800">
-                <a:latin typeface="Courier"/>
-              </a:rPr>
-              <a:t>-</a:t>
-            </a:r>
-            <a:r>
-              <a:rPr/>
-              <a:t> sign means deselect here.</a:t>
-            </a:r>
-          </a:p>
-          <a:p>
-            <a:pPr lvl="0" marL="0" indent="0">
-              <a:buNone/>
-            </a:pPr>
-            <a:r>
-              <a:rPr/>
-              <a:t>Don’t forget to assign the above code to something, otherwise the output won’t be saved.</a:t>
+              <a:t>Notice that the variables “temp_c” and “temp_nc” are seperate again.</a:t>
             </a:r>
           </a:p>
         </p:txBody>
@@ -11500,7 +11293,23 @@
             </a:pPr>
             <a:r>
               <a:rPr/>
-              <a:t>Excercise</a:t>
+              <a:t>7.</a:t>
+            </a:r>
+            <a:r>
+              <a:rPr/>
+              <a:t> </a:t>
+            </a:r>
+            <a:r>
+              <a:rPr/>
+              <a:t>Deleting</a:t>
+            </a:r>
+            <a:r>
+              <a:rPr/>
+              <a:t> </a:t>
+            </a:r>
+            <a:r>
+              <a:rPr/>
+              <a:t>columns</a:t>
             </a:r>
           </a:p>
         </p:txBody>
@@ -11526,69 +11335,125 @@
           <a:bodyPr/>
           <a:lstStyle/>
           <a:p>
-            <a:pPr lvl="1">
-              <a:buAutoNum type="arabicPeriod"/>
+            <a:pPr lvl="0" marL="0" indent="0">
+              <a:buNone/>
             </a:pPr>
             <a:r>
               <a:rPr/>
-              <a:t>How many patients weigh more than 70kg?</a:t>
-            </a:r>
-          </a:p>
-          <a:p>
-            <a:pPr lvl="2"/>
-            <a:r>
-              <a:rPr/>
-              <a:t>Hint - look at the </a:t>
-            </a:r>
-            <a:r>
-              <a:rPr sz="1800">
-                <a:latin typeface="Courier"/>
-              </a:rPr>
-              <a:t>n()</a:t>
-            </a:r>
-            <a:r>
-              <a:rPr/>
-              <a:t> function.</a:t>
-            </a:r>
-          </a:p>
-          <a:p>
-            <a:pPr lvl="1">
-              <a:buAutoNum type="arabicPeriod"/>
+              <a:t>What if we wanted to remove the </a:t>
+            </a:r>
+            <a:r>
+              <a:rPr sz="1800">
+                <a:latin typeface="Courier"/>
+              </a:rPr>
+              <a:t>temp_nc</a:t>
+            </a:r>
+            <a:r>
+              <a:rPr/>
+              <a:t> variable?</a:t>
+            </a:r>
+          </a:p>
+          <a:p>
+            <a:pPr lvl="0" marL="1270000" indent="0">
+              <a:buNone/>
             </a:pPr>
             <a:r>
-              <a:rPr/>
-              <a:t>Outcome of patients who were 60 years or older?</a:t>
-            </a:r>
-          </a:p>
-          <a:p>
-            <a:pPr lvl="2"/>
-            <a:r>
-              <a:rPr/>
-              <a:t>What is the mean length of stay of patients who are 60 years or older?</a:t>
-            </a:r>
-          </a:p>
-          <a:p>
-            <a:pPr lvl="2"/>
-            <a:r>
-              <a:rPr/>
-              <a:t>How many of these patients were discharged alive?</a:t>
-            </a:r>
-          </a:p>
-          <a:p>
-            <a:pPr lvl="2"/>
-            <a:r>
-              <a:rPr/>
-              <a:t>Hint - the variable </a:t>
-            </a:r>
-            <a:r>
-              <a:rPr sz="1800">
-                <a:latin typeface="Courier"/>
-              </a:rPr>
-              <a:t>vital_status</a:t>
-            </a:r>
-            <a:r>
-              <a:rPr/>
-              <a:t> indicates if the patient was alive or dead on discharge.</a:t>
+              <a:rPr sz="1800">
+                <a:latin typeface="Courier"/>
+              </a:rPr>
+              <a:t>cchic </a:t>
+            </a:r>
+            <a:r>
+              <a:rPr sz="1800">
+                <a:solidFill>
+                  <a:srgbClr val="666666"/>
+                </a:solidFill>
+                <a:latin typeface="Courier"/>
+              </a:rPr>
+              <a:t>%&gt;%</a:t>
+            </a:r>
+            <a:br/>
+            <a:r>
+              <a:rPr sz="1800">
+                <a:solidFill>
+                  <a:srgbClr val="4070A0"/>
+                </a:solidFill>
+                <a:latin typeface="Courier"/>
+              </a:rPr>
+              <a:t>  </a:t>
+            </a:r>
+            <a:r>
+              <a:rPr sz="1800">
+                <a:latin typeface="Courier"/>
+              </a:rPr>
+              <a:t>dplyr</a:t>
+            </a:r>
+            <a:r>
+              <a:rPr sz="1800">
+                <a:solidFill>
+                  <a:srgbClr val="666666"/>
+                </a:solidFill>
+                <a:latin typeface="Courier"/>
+              </a:rPr>
+              <a:t>::</a:t>
+            </a:r>
+            <a:r>
+              <a:rPr sz="1800" b="1">
+                <a:solidFill>
+                  <a:srgbClr val="007020"/>
+                </a:solidFill>
+                <a:latin typeface="Courier"/>
+              </a:rPr>
+              <a:t>select</a:t>
+            </a:r>
+            <a:r>
+              <a:rPr sz="1800">
+                <a:latin typeface="Courier"/>
+              </a:rPr>
+              <a:t>(</a:t>
+            </a:r>
+            <a:r>
+              <a:rPr sz="1800">
+                <a:solidFill>
+                  <a:srgbClr val="666666"/>
+                </a:solidFill>
+                <a:latin typeface="Courier"/>
+              </a:rPr>
+              <a:t>-</a:t>
+            </a:r>
+            <a:r>
+              <a:rPr sz="1800">
+                <a:latin typeface="Courier"/>
+              </a:rPr>
+              <a:t>temp_nc)</a:t>
+            </a:r>
+          </a:p>
+          <a:p>
+            <a:pPr lvl="0" marL="0" indent="0">
+              <a:buNone/>
+            </a:pPr>
+            <a:r>
+              <a:rPr/>
+              <a:t>The </a:t>
+            </a:r>
+            <a:r>
+              <a:rPr sz="1800">
+                <a:latin typeface="Courier"/>
+              </a:rPr>
+              <a:t>-</a:t>
+            </a:r>
+            <a:r>
+              <a:rPr/>
+              <a:t> sign means deselect here.</a:t>
+            </a:r>
+          </a:p>
+          <a:p>
+            <a:pPr lvl="0" marL="0" indent="0">
+              <a:buNone/>
+            </a:pPr>
+            <a:r>
+              <a:rPr/>
+              <a:t>Don’t forget to assign the above code to something, otherwise the output won’t be saved.</a:t>
             </a:r>
           </a:p>
         </p:txBody>
@@ -11641,55 +11506,7 @@
             </a:pPr>
             <a:r>
               <a:rPr/>
-              <a:t>How</a:t>
-            </a:r>
-            <a:r>
-              <a:rPr/>
-              <a:t> </a:t>
-            </a:r>
-            <a:r>
-              <a:rPr/>
-              <a:t>many</a:t>
-            </a:r>
-            <a:r>
-              <a:rPr/>
-              <a:t> </a:t>
-            </a:r>
-            <a:r>
-              <a:rPr/>
-              <a:t>patients</a:t>
-            </a:r>
-            <a:r>
-              <a:rPr/>
-              <a:t> </a:t>
-            </a:r>
-            <a:r>
-              <a:rPr/>
-              <a:t>weigh</a:t>
-            </a:r>
-            <a:r>
-              <a:rPr/>
-              <a:t> </a:t>
-            </a:r>
-            <a:r>
-              <a:rPr/>
-              <a:t>more</a:t>
-            </a:r>
-            <a:r>
-              <a:rPr/>
-              <a:t> </a:t>
-            </a:r>
-            <a:r>
-              <a:rPr/>
-              <a:t>than</a:t>
-            </a:r>
-            <a:r>
-              <a:rPr/>
-              <a:t> </a:t>
-            </a:r>
-            <a:r>
-              <a:rPr/>
-              <a:t>70kg?</a:t>
+              <a:t>Excercise</a:t>
             </a:r>
           </a:p>
         </p:txBody>
@@ -11715,189 +11532,69 @@
           <a:bodyPr/>
           <a:lstStyle/>
           <a:p>
-            <a:pPr lvl="0" marL="1270000" indent="0">
-              <a:buNone/>
+            <a:pPr lvl="1">
+              <a:buAutoNum type="arabicPeriod"/>
             </a:pPr>
             <a:r>
-              <a:rPr sz="1800">
-                <a:latin typeface="Courier"/>
-              </a:rPr>
-              <a:t>cchic </a:t>
-            </a:r>
-            <a:r>
-              <a:rPr sz="1800">
-                <a:solidFill>
-                  <a:srgbClr val="666666"/>
-                </a:solidFill>
-                <a:latin typeface="Courier"/>
-              </a:rPr>
-              <a:t>%&gt;%</a:t>
-            </a:r>
-            <a:br/>
-            <a:r>
-              <a:rPr sz="1800">
-                <a:solidFill>
-                  <a:srgbClr val="4070A0"/>
-                </a:solidFill>
-                <a:latin typeface="Courier"/>
-              </a:rPr>
-              <a:t>  </a:t>
-            </a:r>
-            <a:r>
-              <a:rPr sz="1800">
-                <a:latin typeface="Courier"/>
-              </a:rPr>
-              <a:t>dplyr</a:t>
-            </a:r>
-            <a:r>
-              <a:rPr sz="1800">
-                <a:solidFill>
-                  <a:srgbClr val="666666"/>
-                </a:solidFill>
-                <a:latin typeface="Courier"/>
-              </a:rPr>
-              <a:t>::</a:t>
-            </a:r>
-            <a:r>
-              <a:rPr sz="1800" b="1">
-                <a:solidFill>
-                  <a:srgbClr val="007020"/>
-                </a:solidFill>
-                <a:latin typeface="Courier"/>
-              </a:rPr>
-              <a:t>filter</a:t>
-            </a:r>
-            <a:r>
-              <a:rPr sz="1800">
-                <a:latin typeface="Courier"/>
-              </a:rPr>
-              <a:t>(weight </a:t>
-            </a:r>
-            <a:r>
-              <a:rPr sz="1800">
-                <a:solidFill>
-                  <a:srgbClr val="666666"/>
-                </a:solidFill>
-                <a:latin typeface="Courier"/>
-              </a:rPr>
-              <a:t>&gt;</a:t>
-            </a:r>
-            <a:r>
-              <a:rPr sz="1800">
-                <a:solidFill>
-                  <a:srgbClr val="4070A0"/>
-                </a:solidFill>
-                <a:latin typeface="Courier"/>
-              </a:rPr>
-              <a:t> </a:t>
-            </a:r>
-            <a:r>
-              <a:rPr sz="1800">
-                <a:solidFill>
-                  <a:srgbClr val="40A070"/>
-                </a:solidFill>
-                <a:latin typeface="Courier"/>
-              </a:rPr>
-              <a:t>70</a:t>
-            </a:r>
-            <a:r>
-              <a:rPr sz="1800">
-                <a:latin typeface="Courier"/>
-              </a:rPr>
-              <a:t>) </a:t>
-            </a:r>
-            <a:r>
-              <a:rPr sz="1800">
-                <a:solidFill>
-                  <a:srgbClr val="666666"/>
-                </a:solidFill>
-                <a:latin typeface="Courier"/>
-              </a:rPr>
-              <a:t>%&gt;%</a:t>
-            </a:r>
-            <a:br/>
-            <a:r>
-              <a:rPr sz="1800">
-                <a:solidFill>
-                  <a:srgbClr val="4070A0"/>
-                </a:solidFill>
-                <a:latin typeface="Courier"/>
-              </a:rPr>
-              <a:t>  </a:t>
-            </a:r>
-            <a:r>
-              <a:rPr sz="1800">
-                <a:latin typeface="Courier"/>
-              </a:rPr>
-              <a:t>dplyr</a:t>
-            </a:r>
-            <a:r>
-              <a:rPr sz="1800">
-                <a:solidFill>
-                  <a:srgbClr val="666666"/>
-                </a:solidFill>
-                <a:latin typeface="Courier"/>
-              </a:rPr>
-              <a:t>::</a:t>
-            </a:r>
-            <a:r>
-              <a:rPr sz="1800" b="1">
-                <a:solidFill>
-                  <a:srgbClr val="007020"/>
-                </a:solidFill>
-                <a:latin typeface="Courier"/>
-              </a:rPr>
-              <a:t>summarise</a:t>
-            </a:r>
-            <a:r>
-              <a:rPr sz="1800">
-                <a:latin typeface="Courier"/>
-              </a:rPr>
-              <a:t>(</a:t>
-            </a:r>
-            <a:r>
-              <a:rPr sz="1800">
-                <a:solidFill>
-                  <a:srgbClr val="902000"/>
-                </a:solidFill>
-                <a:latin typeface="Courier"/>
-              </a:rPr>
-              <a:t>number =</a:t>
-            </a:r>
-            <a:r>
-              <a:rPr sz="1800">
-                <a:latin typeface="Courier"/>
-              </a:rPr>
-              <a:t> </a:t>
-            </a:r>
-            <a:r>
-              <a:rPr sz="1800" b="1">
-                <a:solidFill>
-                  <a:srgbClr val="007020"/>
-                </a:solidFill>
-                <a:latin typeface="Courier"/>
-              </a:rPr>
-              <a:t>n</a:t>
-            </a:r>
-            <a:r>
-              <a:rPr sz="1800">
-                <a:latin typeface="Courier"/>
-              </a:rPr>
-              <a:t>())</a:t>
-            </a:r>
-          </a:p>
-          <a:p>
-            <a:pPr lvl="0" marL="1270000" indent="0">
-              <a:buNone/>
+              <a:rPr/>
+              <a:t>How many patients weigh more than 70kg?</a:t>
+            </a:r>
+          </a:p>
+          <a:p>
+            <a:pPr lvl="2"/>
+            <a:r>
+              <a:rPr/>
+              <a:t>Hint - look at the </a:t>
+            </a:r>
+            <a:r>
+              <a:rPr sz="1800">
+                <a:latin typeface="Courier"/>
+              </a:rPr>
+              <a:t>n()</a:t>
+            </a:r>
+            <a:r>
+              <a:rPr/>
+              <a:t> function.</a:t>
+            </a:r>
+          </a:p>
+          <a:p>
+            <a:pPr lvl="1">
+              <a:buAutoNum type="arabicPeriod"/>
             </a:pPr>
             <a:r>
-              <a:rPr sz="1800">
-                <a:latin typeface="Courier"/>
-              </a:rPr>
-              <a:t>## # A tibble: 1 x 1
-##   number
-##    &lt;int&gt;
-## 1   2508</a:t>
+              <a:rPr/>
+              <a:t>Outcome of patients who were 60 years or older?</a:t>
+            </a:r>
+          </a:p>
+          <a:p>
+            <a:pPr lvl="2"/>
+            <a:r>
+              <a:rPr/>
+              <a:t>What is the mean length of stay of patients who are 60 years or older?</a:t>
+            </a:r>
+          </a:p>
+          <a:p>
+            <a:pPr lvl="2"/>
+            <a:r>
+              <a:rPr/>
+              <a:t>How many of these patients were discharged alive?</a:t>
+            </a:r>
+          </a:p>
+          <a:p>
+            <a:pPr lvl="2"/>
+            <a:r>
+              <a:rPr/>
+              <a:t>Hint - the variable </a:t>
+            </a:r>
+            <a:r>
+              <a:rPr sz="1800">
+                <a:latin typeface="Courier"/>
+              </a:rPr>
+              <a:t>vital_status</a:t>
+            </a:r>
+            <a:r>
+              <a:rPr/>
+              <a:t> indicates if the patient was alive or dead on discharge.</a:t>
             </a:r>
           </a:p>
         </p:txBody>
@@ -11908,6 +11605,315 @@
 </file>
 
 <file path=ppt/slides/slide37.xml><?xml version="1.0" encoding="utf-8"?>
+<p:sld xmlns:a="http://schemas.openxmlformats.org/drawingml/2006/main" xmlns:r="http://schemas.openxmlformats.org/officeDocument/2006/relationships" xmlns:p="http://schemas.openxmlformats.org/presentationml/2006/main">
+  <p:cSld>
+    <p:spTree>
+      <p:nvGrpSpPr>
+        <p:cNvPr id="1" name=""/>
+        <p:cNvGrpSpPr/>
+        <p:nvPr/>
+      </p:nvGrpSpPr>
+      <p:grpSpPr>
+        <a:xfrm>
+          <a:off x="0" y="0"/>
+          <a:ext cx="0" cy="0"/>
+          <a:chOff x="0" y="0"/>
+          <a:chExt cx="0" cy="0"/>
+        </a:xfrm>
+      </p:grpSpPr>
+      <p:sp>
+        <p:nvSpPr>
+          <p:cNvPr id="2" name="Title 1">
+            <a:extLst>
+              <a:ext uri="{FF2B5EF4-FFF2-40B4-BE49-F238E27FC236}">
+                <a16:creationId xmlns:a16="http://schemas.microsoft.com/office/drawing/2014/main" id="{5567D468-EE70-CD4E-A3AC-039CC11EF1FB}"/>
+              </a:ext>
+            </a:extLst>
+          </p:cNvPr>
+          <p:cNvSpPr>
+            <a:spLocks noGrp="1"/>
+          </p:cNvSpPr>
+          <p:nvPr>
+            <p:ph type="title"/>
+          </p:nvPr>
+        </p:nvSpPr>
+        <p:spPr/>
+        <p:txBody>
+          <a:bodyPr/>
+          <a:lstStyle/>
+          <a:p>
+            <a:pPr lvl="0" marL="0" indent="0">
+              <a:buNone/>
+            </a:pPr>
+            <a:r>
+              <a:rPr/>
+              <a:t>How</a:t>
+            </a:r>
+            <a:r>
+              <a:rPr/>
+              <a:t> </a:t>
+            </a:r>
+            <a:r>
+              <a:rPr/>
+              <a:t>many</a:t>
+            </a:r>
+            <a:r>
+              <a:rPr/>
+              <a:t> </a:t>
+            </a:r>
+            <a:r>
+              <a:rPr/>
+              <a:t>patients</a:t>
+            </a:r>
+            <a:r>
+              <a:rPr/>
+              <a:t> </a:t>
+            </a:r>
+            <a:r>
+              <a:rPr/>
+              <a:t>weigh</a:t>
+            </a:r>
+            <a:r>
+              <a:rPr/>
+              <a:t> </a:t>
+            </a:r>
+            <a:r>
+              <a:rPr/>
+              <a:t>more</a:t>
+            </a:r>
+            <a:r>
+              <a:rPr/>
+              <a:t> </a:t>
+            </a:r>
+            <a:r>
+              <a:rPr/>
+              <a:t>than</a:t>
+            </a:r>
+            <a:r>
+              <a:rPr/>
+              <a:t> </a:t>
+            </a:r>
+            <a:r>
+              <a:rPr/>
+              <a:t>70kg?</a:t>
+            </a:r>
+          </a:p>
+        </p:txBody>
+      </p:sp>
+      <p:sp>
+        <p:nvSpPr>
+          <p:cNvPr id="3" name="Content Placeholder 2">
+            <a:extLst>
+              <a:ext uri="{FF2B5EF4-FFF2-40B4-BE49-F238E27FC236}">
+                <a16:creationId xmlns:a16="http://schemas.microsoft.com/office/drawing/2014/main" id="{D10DDA37-E46B-B641-BC9F-636CB92A2C08}"/>
+              </a:ext>
+            </a:extLst>
+          </p:cNvPr>
+          <p:cNvSpPr>
+            <a:spLocks noGrp="1"/>
+          </p:cNvSpPr>
+          <p:nvPr>
+            <p:ph idx="1"/>
+          </p:nvPr>
+        </p:nvSpPr>
+        <p:spPr/>
+        <p:txBody>
+          <a:bodyPr/>
+          <a:lstStyle/>
+          <a:p>
+            <a:pPr lvl="0" marL="1270000" indent="0">
+              <a:buNone/>
+            </a:pPr>
+            <a:r>
+              <a:rPr sz="1800">
+                <a:latin typeface="Courier"/>
+              </a:rPr>
+              <a:t>cchic </a:t>
+            </a:r>
+            <a:r>
+              <a:rPr sz="1800">
+                <a:solidFill>
+                  <a:srgbClr val="666666"/>
+                </a:solidFill>
+                <a:latin typeface="Courier"/>
+              </a:rPr>
+              <a:t>%&gt;%</a:t>
+            </a:r>
+            <a:br/>
+            <a:r>
+              <a:rPr sz="1800">
+                <a:solidFill>
+                  <a:srgbClr val="4070A0"/>
+                </a:solidFill>
+                <a:latin typeface="Courier"/>
+              </a:rPr>
+              <a:t>  </a:t>
+            </a:r>
+            <a:r>
+              <a:rPr sz="1800">
+                <a:latin typeface="Courier"/>
+              </a:rPr>
+              <a:t>dplyr</a:t>
+            </a:r>
+            <a:r>
+              <a:rPr sz="1800">
+                <a:solidFill>
+                  <a:srgbClr val="666666"/>
+                </a:solidFill>
+                <a:latin typeface="Courier"/>
+              </a:rPr>
+              <a:t>::</a:t>
+            </a:r>
+            <a:r>
+              <a:rPr sz="1800" b="1">
+                <a:solidFill>
+                  <a:srgbClr val="007020"/>
+                </a:solidFill>
+                <a:latin typeface="Courier"/>
+              </a:rPr>
+              <a:t>filter</a:t>
+            </a:r>
+            <a:r>
+              <a:rPr sz="1800">
+                <a:latin typeface="Courier"/>
+              </a:rPr>
+              <a:t>(weight </a:t>
+            </a:r>
+            <a:r>
+              <a:rPr sz="1800">
+                <a:solidFill>
+                  <a:srgbClr val="666666"/>
+                </a:solidFill>
+                <a:latin typeface="Courier"/>
+              </a:rPr>
+              <a:t>&gt;</a:t>
+            </a:r>
+            <a:r>
+              <a:rPr sz="1800">
+                <a:solidFill>
+                  <a:srgbClr val="4070A0"/>
+                </a:solidFill>
+                <a:latin typeface="Courier"/>
+              </a:rPr>
+              <a:t> </a:t>
+            </a:r>
+            <a:r>
+              <a:rPr sz="1800">
+                <a:solidFill>
+                  <a:srgbClr val="40A070"/>
+                </a:solidFill>
+                <a:latin typeface="Courier"/>
+              </a:rPr>
+              <a:t>70</a:t>
+            </a:r>
+            <a:r>
+              <a:rPr sz="1800">
+                <a:latin typeface="Courier"/>
+              </a:rPr>
+              <a:t>) </a:t>
+            </a:r>
+            <a:r>
+              <a:rPr sz="1800">
+                <a:solidFill>
+                  <a:srgbClr val="666666"/>
+                </a:solidFill>
+                <a:latin typeface="Courier"/>
+              </a:rPr>
+              <a:t>%&gt;%</a:t>
+            </a:r>
+            <a:br/>
+            <a:r>
+              <a:rPr sz="1800">
+                <a:solidFill>
+                  <a:srgbClr val="4070A0"/>
+                </a:solidFill>
+                <a:latin typeface="Courier"/>
+              </a:rPr>
+              <a:t>  </a:t>
+            </a:r>
+            <a:r>
+              <a:rPr sz="1800">
+                <a:latin typeface="Courier"/>
+              </a:rPr>
+              <a:t>dplyr</a:t>
+            </a:r>
+            <a:r>
+              <a:rPr sz="1800">
+                <a:solidFill>
+                  <a:srgbClr val="666666"/>
+                </a:solidFill>
+                <a:latin typeface="Courier"/>
+              </a:rPr>
+              <a:t>::</a:t>
+            </a:r>
+            <a:r>
+              <a:rPr sz="1800" b="1">
+                <a:solidFill>
+                  <a:srgbClr val="007020"/>
+                </a:solidFill>
+                <a:latin typeface="Courier"/>
+              </a:rPr>
+              <a:t>summarise</a:t>
+            </a:r>
+            <a:r>
+              <a:rPr sz="1800">
+                <a:latin typeface="Courier"/>
+              </a:rPr>
+              <a:t>(</a:t>
+            </a:r>
+            <a:r>
+              <a:rPr sz="1800">
+                <a:solidFill>
+                  <a:srgbClr val="902000"/>
+                </a:solidFill>
+                <a:latin typeface="Courier"/>
+              </a:rPr>
+              <a:t>number =</a:t>
+            </a:r>
+            <a:r>
+              <a:rPr sz="1800">
+                <a:latin typeface="Courier"/>
+              </a:rPr>
+              <a:t> </a:t>
+            </a:r>
+            <a:r>
+              <a:rPr sz="1800" b="1">
+                <a:solidFill>
+                  <a:srgbClr val="007020"/>
+                </a:solidFill>
+                <a:latin typeface="Courier"/>
+              </a:rPr>
+              <a:t>n</a:t>
+            </a:r>
+            <a:r>
+              <a:rPr sz="1800">
+                <a:latin typeface="Courier"/>
+              </a:rPr>
+              <a:t>())</a:t>
+            </a:r>
+          </a:p>
+          <a:p>
+            <a:pPr lvl="0" marL="1270000" indent="0">
+              <a:buNone/>
+            </a:pPr>
+            <a:r>
+              <a:rPr sz="1800">
+                <a:latin typeface="Courier"/>
+              </a:rPr>
+              <a:t>## # A tibble: 1 x 1
+##   number
+##    &lt;int&gt;
+## 1   2508</a:t>
+            </a:r>
+          </a:p>
+        </p:txBody>
+      </p:sp>
+    </p:spTree>
+  </p:cSld>
+</p:sld>
+</file>
+
+<file path=ppt/slides/slide38.xml><?xml version="1.0" encoding="utf-8"?>
 <p:sld xmlns:a="http://schemas.openxmlformats.org/drawingml/2006/main" xmlns:r="http://schemas.openxmlformats.org/officeDocument/2006/relationships" xmlns:p="http://schemas.openxmlformats.org/presentationml/2006/main">
   <p:cSld>
     <p:spTree>

--- a/Workshops/Workshop4.pptx
+++ b/Workshops/Workshop4.pptx
@@ -1110,7 +1110,7 @@
               <a:t> </a:t>
             </a:r>
             <a:r>
-              <a:rPr sz="1800">
+              <a:rPr>
                 <a:latin typeface="Courier"/>
               </a:rPr>
               <a:t>filter</a:t>
@@ -1645,7 +1645,7 @@
           <a:p>
             <a:fld id="{937E6D32-4C03-264D-8FDB-034DA7582E3B}" type="datetimeFigureOut">
               <a:rPr lang="en-US" smtClean="0"/>
-              <a:t>8/27/19</a:t>
+              <a:t>9/21/2021</a:t>
             </a:fld>
             <a:endParaRPr lang="en-US"/>
           </a:p>
@@ -1843,7 +1843,7 @@
           <a:p>
             <a:fld id="{937E6D32-4C03-264D-8FDB-034DA7582E3B}" type="datetimeFigureOut">
               <a:rPr lang="en-US" smtClean="0"/>
-              <a:t>8/27/19</a:t>
+              <a:t>9/21/2021</a:t>
             </a:fld>
             <a:endParaRPr lang="en-US"/>
           </a:p>
@@ -2051,7 +2051,7 @@
           <a:p>
             <a:fld id="{937E6D32-4C03-264D-8FDB-034DA7582E3B}" type="datetimeFigureOut">
               <a:rPr lang="en-US" smtClean="0"/>
-              <a:t>8/27/19</a:t>
+              <a:t>9/21/2021</a:t>
             </a:fld>
             <a:endParaRPr lang="en-US"/>
           </a:p>
@@ -2249,7 +2249,7 @@
           <a:p>
             <a:fld id="{937E6D32-4C03-264D-8FDB-034DA7582E3B}" type="datetimeFigureOut">
               <a:rPr lang="en-US" smtClean="0"/>
-              <a:t>8/27/19</a:t>
+              <a:t>9/21/2021</a:t>
             </a:fld>
             <a:endParaRPr lang="en-US"/>
           </a:p>
@@ -2524,7 +2524,7 @@
           <a:p>
             <a:fld id="{937E6D32-4C03-264D-8FDB-034DA7582E3B}" type="datetimeFigureOut">
               <a:rPr lang="en-US" smtClean="0"/>
-              <a:t>8/27/19</a:t>
+              <a:t>9/21/2021</a:t>
             </a:fld>
             <a:endParaRPr lang="en-US"/>
           </a:p>
@@ -2789,7 +2789,7 @@
           <a:p>
             <a:fld id="{937E6D32-4C03-264D-8FDB-034DA7582E3B}" type="datetimeFigureOut">
               <a:rPr lang="en-US" smtClean="0"/>
-              <a:t>8/27/19</a:t>
+              <a:t>9/21/2021</a:t>
             </a:fld>
             <a:endParaRPr lang="en-US"/>
           </a:p>
@@ -3201,7 +3201,7 @@
           <a:p>
             <a:fld id="{937E6D32-4C03-264D-8FDB-034DA7582E3B}" type="datetimeFigureOut">
               <a:rPr lang="en-US" smtClean="0"/>
-              <a:t>8/27/19</a:t>
+              <a:t>9/21/2021</a:t>
             </a:fld>
             <a:endParaRPr lang="en-US"/>
           </a:p>
@@ -3342,7 +3342,7 @@
           <a:p>
             <a:fld id="{937E6D32-4C03-264D-8FDB-034DA7582E3B}" type="datetimeFigureOut">
               <a:rPr lang="en-US" smtClean="0"/>
-              <a:t>8/27/19</a:t>
+              <a:t>9/21/2021</a:t>
             </a:fld>
             <a:endParaRPr lang="en-US"/>
           </a:p>
@@ -3455,7 +3455,7 @@
           <a:p>
             <a:fld id="{937E6D32-4C03-264D-8FDB-034DA7582E3B}" type="datetimeFigureOut">
               <a:rPr lang="en-US" smtClean="0"/>
-              <a:t>8/27/19</a:t>
+              <a:t>9/21/2021</a:t>
             </a:fld>
             <a:endParaRPr lang="en-US"/>
           </a:p>
@@ -3766,7 +3766,7 @@
           <a:p>
             <a:fld id="{937E6D32-4C03-264D-8FDB-034DA7582E3B}" type="datetimeFigureOut">
               <a:rPr lang="en-US" smtClean="0"/>
-              <a:t>8/27/19</a:t>
+              <a:t>9/21/2021</a:t>
             </a:fld>
             <a:endParaRPr lang="en-US"/>
           </a:p>
@@ -4054,7 +4054,7 @@
           <a:p>
             <a:fld id="{937E6D32-4C03-264D-8FDB-034DA7582E3B}" type="datetimeFigureOut">
               <a:rPr lang="en-US" smtClean="0"/>
-              <a:t>8/27/19</a:t>
+              <a:t>9/21/2021</a:t>
             </a:fld>
             <a:endParaRPr lang="en-US"/>
           </a:p>
@@ -4220,35 +4220,35 @@
           <a:p>
             <a:pPr lvl="0"/>
             <a:r>
-              <a:rPr lang="en-US"/>
+              <a:rPr lang="en-US" dirty="0"/>
               <a:t>Click to edit Master text styles</a:t>
             </a:r>
           </a:p>
           <a:p>
             <a:pPr lvl="1"/>
             <a:r>
-              <a:rPr lang="en-US"/>
+              <a:rPr lang="en-US" dirty="0"/>
               <a:t>Second level</a:t>
             </a:r>
           </a:p>
           <a:p>
             <a:pPr lvl="2"/>
             <a:r>
-              <a:rPr lang="en-US"/>
+              <a:rPr lang="en-US" dirty="0"/>
               <a:t>Third level</a:t>
             </a:r>
           </a:p>
           <a:p>
             <a:pPr lvl="3"/>
             <a:r>
-              <a:rPr lang="en-US"/>
+              <a:rPr lang="en-US" dirty="0"/>
               <a:t>Fourth level</a:t>
             </a:r>
           </a:p>
           <a:p>
             <a:pPr lvl="4"/>
             <a:r>
-              <a:rPr lang="en-US"/>
+              <a:rPr lang="en-US" dirty="0"/>
               <a:t>Fifth level</a:t>
             </a:r>
           </a:p>
@@ -4295,7 +4295,7 @@
           <a:p>
             <a:fld id="{937E6D32-4C03-264D-8FDB-034DA7582E3B}" type="datetimeFigureOut">
               <a:rPr lang="en-US" smtClean="0"/>
-              <a:t>8/27/19</a:t>
+              <a:t>9/21/2021</a:t>
             </a:fld>
             <a:endParaRPr lang="en-US"/>
           </a:p>
@@ -4433,7 +4433,7 @@
       </a:lvl1pPr>
     </p:titleStyle>
     <p:bodyStyle>
-      <a:lvl1pPr marL="228600" indent="-228600" algn="l" defTabSz="914400" rtl="0" eaLnBrk="1" latinLnBrk="0" hangingPunct="1">
+      <a:lvl1pPr marL="1144800" indent="-228600" algn="l" defTabSz="914400" rtl="0" eaLnBrk="1" latinLnBrk="0" hangingPunct="1">
         <a:lnSpc>
           <a:spcPct val="90000"/>
         </a:lnSpc>
@@ -4442,7 +4442,7 @@
         </a:spcBef>
         <a:buFont typeface="Arial" panose="020B0604020202020204" pitchFamily="34" charset="0"/>
         <a:buChar char="•"/>
-        <a:defRPr sz="2800" kern="1200">
+        <a:defRPr sz="1800" kern="1200">
           <a:solidFill>
             <a:schemeClr val="tx1"/>
           </a:solidFill>
@@ -4460,7 +4460,7 @@
         </a:spcBef>
         <a:buFont typeface="Arial" panose="020B0604020202020204" pitchFamily="34" charset="0"/>
         <a:buChar char="•"/>
-        <a:defRPr sz="2400" kern="1200">
+        <a:defRPr sz="2300" kern="1200">
           <a:solidFill>
             <a:schemeClr val="tx1"/>
           </a:solidFill>
@@ -4881,7 +4881,7 @@
           <a:p>
             <a:pPr lvl="2"/>
             <a:r>
-              <a:rPr sz="1800">
+              <a:rPr>
                 <a:latin typeface="Courier"/>
               </a:rPr>
               <a:t>==</a:t>
@@ -4894,7 +4894,7 @@
           <a:p>
             <a:pPr lvl="2"/>
             <a:r>
-              <a:rPr sz="1800">
+              <a:rPr>
                 <a:latin typeface="Courier"/>
               </a:rPr>
               <a:t>!=</a:t>
@@ -4907,7 +4907,7 @@
           <a:p>
             <a:pPr lvl="2"/>
             <a:r>
-              <a:rPr sz="1800">
+              <a:rPr>
                 <a:latin typeface="Courier"/>
               </a:rPr>
               <a:t>&gt;</a:t>
@@ -4920,7 +4920,7 @@
           <a:p>
             <a:pPr lvl="2"/>
             <a:r>
-              <a:rPr sz="1800">
+              <a:rPr>
                 <a:latin typeface="Courier"/>
               </a:rPr>
               <a:t>&lt;</a:t>
@@ -4933,7 +4933,7 @@
           <a:p>
             <a:pPr lvl="2"/>
             <a:r>
-              <a:rPr sz="1800">
+              <a:rPr>
                 <a:latin typeface="Courier"/>
               </a:rPr>
               <a:t>&gt;=</a:t>
@@ -4946,7 +4946,7 @@
           <a:p>
             <a:pPr lvl="2"/>
             <a:r>
-              <a:rPr sz="1800">
+              <a:rPr>
                 <a:latin typeface="Courier"/>
               </a:rPr>
               <a:t>&lt;=</a:t>
@@ -4959,7 +4959,7 @@
           <a:p>
             <a:pPr lvl="2"/>
             <a:r>
-              <a:rPr sz="1800">
+              <a:rPr>
                 <a:latin typeface="Courier"/>
               </a:rPr>
               <a:t>is.na()</a:t>
@@ -4979,7 +4979,7 @@
           <a:p>
             <a:pPr lvl="2"/>
             <a:r>
-              <a:rPr sz="1800">
+              <a:rPr>
                 <a:latin typeface="Courier"/>
               </a:rPr>
               <a:t>&amp;</a:t>
@@ -4992,7 +4992,7 @@
           <a:p>
             <a:pPr lvl="2"/>
             <a:r>
-              <a:rPr sz="1800">
+              <a:rPr>
                 <a:latin typeface="Courier"/>
               </a:rPr>
               <a:t>|</a:t>
@@ -5110,50 +5110,54 @@
           <a:bodyPr/>
           <a:lstStyle/>
           <a:p>
-            <a:pPr lvl="0" marL="0" indent="0">
+            <a:pPr lvl="1"/>
+            <a:r>
+              <a:rPr/>
+              <a:t>Try running:</a:t>
+            </a:r>
+          </a:p>
+          <a:p>
+            <a:pPr lvl="0" indent="0">
               <a:buNone/>
             </a:pPr>
             <a:r>
-              <a:rPr/>
-              <a:t>Try running:</a:t>
-            </a:r>
-          </a:p>
-          <a:p>
-            <a:pPr lvl="0" marL="1270000" indent="0">
-              <a:buNone/>
-            </a:pPr>
-            <a:r>
-              <a:rPr sz="1800">
-                <a:latin typeface="Courier"/>
-              </a:rPr>
-              <a:t>test_age &lt;-</a:t>
-            </a:r>
-            <a:r>
-              <a:rPr sz="1800">
-                <a:solidFill>
-                  <a:srgbClr val="4070A0"/>
-                </a:solidFill>
-                <a:latin typeface="Courier"/>
-              </a:rPr>
-              <a:t> </a:t>
-            </a:r>
-            <a:r>
-              <a:rPr sz="1800" b="1">
+              <a:rPr>
+                <a:latin typeface="Courier"/>
+              </a:rPr>
+              <a:t>test_age </a:t>
+            </a:r>
+            <a:r>
+              <a:rPr>
                 <a:solidFill>
                   <a:srgbClr val="007020"/>
                 </a:solidFill>
                 <a:latin typeface="Courier"/>
               </a:rPr>
+              <a:t>&lt;-</a:t>
+            </a:r>
+            <a:r>
+              <a:rPr>
+                <a:latin typeface="Courier"/>
+              </a:rPr>
+              <a:t> </a:t>
+            </a:r>
+            <a:r>
+              <a:rPr>
+                <a:solidFill>
+                  <a:srgbClr val="06287E"/>
+                </a:solidFill>
+                <a:latin typeface="Courier"/>
+              </a:rPr>
               <a:t>c</a:t>
             </a:r>
             <a:r>
-              <a:rPr sz="1800">
+              <a:rPr>
                 <a:latin typeface="Courier"/>
               </a:rPr>
               <a:t>(</a:t>
             </a:r>
             <a:r>
-              <a:rPr sz="1800">
+              <a:rPr>
                 <a:solidFill>
                   <a:srgbClr val="40A070"/>
                 </a:solidFill>
@@ -5162,13 +5166,13 @@
               <a:t>50</a:t>
             </a:r>
             <a:r>
-              <a:rPr sz="1800">
+              <a:rPr>
                 <a:latin typeface="Courier"/>
               </a:rPr>
               <a:t>, </a:t>
             </a:r>
             <a:r>
-              <a:rPr sz="1800">
+              <a:rPr>
                 <a:solidFill>
                   <a:srgbClr val="40A070"/>
                 </a:solidFill>
@@ -5177,13 +5181,13 @@
               <a:t>25</a:t>
             </a:r>
             <a:r>
-              <a:rPr sz="1800">
+              <a:rPr>
                 <a:latin typeface="Courier"/>
               </a:rPr>
               <a:t>, </a:t>
             </a:r>
             <a:r>
-              <a:rPr sz="1800">
+              <a:rPr>
                 <a:solidFill>
                   <a:srgbClr val="40A070"/>
                 </a:solidFill>
@@ -5192,13 +5196,13 @@
               <a:t>32</a:t>
             </a:r>
             <a:r>
-              <a:rPr sz="1800">
+              <a:rPr>
                 <a:latin typeface="Courier"/>
               </a:rPr>
               <a:t>, </a:t>
             </a:r>
             <a:r>
-              <a:rPr sz="1800">
+              <a:rPr>
                 <a:solidFill>
                   <a:srgbClr val="40A070"/>
                 </a:solidFill>
@@ -5207,13 +5211,13 @@
               <a:t>67</a:t>
             </a:r>
             <a:r>
-              <a:rPr sz="1800">
+              <a:rPr>
                 <a:latin typeface="Courier"/>
               </a:rPr>
               <a:t>, </a:t>
             </a:r>
             <a:r>
-              <a:rPr sz="1800">
+              <a:rPr>
                 <a:solidFill>
                   <a:srgbClr val="40A070"/>
                 </a:solidFill>
@@ -5222,13 +5226,13 @@
               <a:t>46</a:t>
             </a:r>
             <a:r>
-              <a:rPr sz="1800">
+              <a:rPr>
                 <a:latin typeface="Courier"/>
               </a:rPr>
               <a:t>, </a:t>
             </a:r>
             <a:r>
-              <a:rPr sz="1800">
+              <a:rPr>
                 <a:solidFill>
                   <a:srgbClr val="40A070"/>
                 </a:solidFill>
@@ -5237,7 +5241,7 @@
               <a:t>19</a:t>
             </a:r>
             <a:r>
-              <a:rPr sz="1800">
+              <a:rPr>
                 <a:latin typeface="Courier"/>
               </a:rPr>
               <a:t>)</a:t>
@@ -5245,7 +5249,7 @@
             <a:br/>
             <a:br/>
             <a:r>
-              <a:rPr sz="1800" i="1">
+              <a:rPr i="1">
                 <a:solidFill>
                   <a:srgbClr val="60A0B0"/>
                 </a:solidFill>
@@ -5255,31 +5259,91 @@
             </a:r>
             <a:br/>
             <a:r>
-              <a:rPr sz="1800">
+              <a:rPr>
                 <a:latin typeface="Courier"/>
               </a:rPr>
               <a:t>test_age </a:t>
             </a:r>
             <a:r>
-              <a:rPr sz="1800">
-                <a:solidFill>
-                  <a:srgbClr val="666666"/>
+              <a:rPr>
+                <a:solidFill>
+                  <a:srgbClr val="4070A0"/>
                 </a:solidFill>
                 <a:latin typeface="Courier"/>
               </a:rPr>
               <a:t>&gt;=</a:t>
             </a:r>
             <a:r>
-              <a:rPr sz="1800">
+              <a:rPr>
+                <a:latin typeface="Courier"/>
+              </a:rPr>
+              <a:t> </a:t>
+            </a:r>
+            <a:r>
+              <a:rPr>
+                <a:solidFill>
+                  <a:srgbClr val="40A070"/>
+                </a:solidFill>
+                <a:latin typeface="Courier"/>
+              </a:rPr>
+              <a:t>65</a:t>
+            </a:r>
+          </a:p>
+          <a:p>
+            <a:pPr lvl="0" indent="0">
+              <a:buNone/>
+            </a:pPr>
+            <a:r>
+              <a:rPr>
+                <a:latin typeface="Courier"/>
+              </a:rPr>
+              <a:t>## [1] FALSE FALSE FALSE  TRUE FALSE FALSE</a:t>
+            </a:r>
+          </a:p>
+          <a:p>
+            <a:pPr lvl="1"/>
+            <a:r>
+              <a:rPr/>
+              <a:t>It should return a logical vector. This can then be used to filter your vector.</a:t>
+            </a:r>
+          </a:p>
+          <a:p>
+            <a:pPr lvl="0" indent="0">
+              <a:buNone/>
+            </a:pPr>
+            <a:r>
+              <a:rPr i="1">
+                <a:solidFill>
+                  <a:srgbClr val="60A0B0"/>
+                </a:solidFill>
+                <a:latin typeface="Courier"/>
+              </a:rPr>
+              <a:t># Extract elements of vector which are &gt;= 65</a:t>
+            </a:r>
+            <a:br/>
+            <a:r>
+              <a:rPr>
+                <a:latin typeface="Courier"/>
+              </a:rPr>
+              <a:t>test_age[test_age </a:t>
+            </a:r>
+            <a:r>
+              <a:rPr>
                 <a:solidFill>
                   <a:srgbClr val="4070A0"/>
                 </a:solidFill>
                 <a:latin typeface="Courier"/>
               </a:rPr>
-              <a:t> </a:t>
-            </a:r>
-            <a:r>
-              <a:rPr sz="1800">
+              <a:t>&gt;=</a:t>
+            </a:r>
+            <a:r>
+              <a:rPr>
+                <a:latin typeface="Courier"/>
+              </a:rPr>
+              <a:t> </a:t>
+            </a:r>
+            <a:r>
+              <a:rPr>
                 <a:solidFill>
                   <a:srgbClr val="40A070"/>
                 </a:solidFill>
@@ -5287,87 +5351,19 @@
               </a:rPr>
               <a:t>65</a:t>
             </a:r>
-          </a:p>
-          <a:p>
-            <a:pPr lvl="0" marL="1270000" indent="0">
+            <a:r>
+              <a:rPr>
+                <a:latin typeface="Courier"/>
+              </a:rPr>
+              <a:t>]</a:t>
+            </a:r>
+          </a:p>
+          <a:p>
+            <a:pPr lvl="0" indent="0">
               <a:buNone/>
             </a:pPr>
             <a:r>
-              <a:rPr sz="1800">
-                <a:latin typeface="Courier"/>
-              </a:rPr>
-              <a:t>## [1] FALSE FALSE FALSE  TRUE FALSE FALSE</a:t>
-            </a:r>
-          </a:p>
-          <a:p>
-            <a:pPr lvl="0" marL="0" indent="0">
-              <a:buNone/>
-            </a:pPr>
-            <a:r>
-              <a:rPr/>
-              <a:t>It should return a logical vector. This can then be used to filter your vector.</a:t>
-            </a:r>
-          </a:p>
-          <a:p>
-            <a:pPr lvl="0" marL="1270000" indent="0">
-              <a:buNone/>
-            </a:pPr>
-            <a:r>
-              <a:rPr sz="1800" i="1">
-                <a:solidFill>
-                  <a:srgbClr val="60A0B0"/>
-                </a:solidFill>
-                <a:latin typeface="Courier"/>
-              </a:rPr>
-              <a:t># Extract elements of vector which are &gt;= 65</a:t>
-            </a:r>
-            <a:br/>
-            <a:r>
-              <a:rPr sz="1800">
-                <a:latin typeface="Courier"/>
-              </a:rPr>
-              <a:t>test_age[test_age </a:t>
-            </a:r>
-            <a:r>
-              <a:rPr sz="1800">
-                <a:solidFill>
-                  <a:srgbClr val="666666"/>
-                </a:solidFill>
-                <a:latin typeface="Courier"/>
-              </a:rPr>
-              <a:t>&gt;=</a:t>
-            </a:r>
-            <a:r>
-              <a:rPr sz="1800">
-                <a:solidFill>
-                  <a:srgbClr val="4070A0"/>
-                </a:solidFill>
-                <a:latin typeface="Courier"/>
-              </a:rPr>
-              <a:t> </a:t>
-            </a:r>
-            <a:r>
-              <a:rPr sz="1800">
-                <a:solidFill>
-                  <a:srgbClr val="40A070"/>
-                </a:solidFill>
-                <a:latin typeface="Courier"/>
-              </a:rPr>
-              <a:t>65</a:t>
-            </a:r>
-            <a:r>
-              <a:rPr sz="1800">
-                <a:latin typeface="Courier"/>
-              </a:rPr>
-              <a:t>]</a:t>
-            </a:r>
-          </a:p>
-          <a:p>
-            <a:pPr lvl="0" marL="1270000" indent="0">
-              <a:buNone/>
-            </a:pPr>
-            <a:r>
-              <a:rPr sz="1800">
+              <a:rPr>
                 <a:latin typeface="Courier"/>
               </a:rPr>
               <a:t>## [1] 67</a:t>
@@ -5449,28 +5445,26 @@
           <a:bodyPr/>
           <a:lstStyle/>
           <a:p>
-            <a:pPr lvl="0" marL="0" indent="0">
+            <a:pPr lvl="1"/>
+            <a:r>
+              <a:rPr/>
+              <a:t>Choose rows based on the conditions you specify.</a:t>
+            </a:r>
+          </a:p>
+          <a:p>
+            <a:pPr lvl="0" indent="0">
               <a:buNone/>
             </a:pPr>
             <a:r>
-              <a:rPr/>
-              <a:t>Choose rows based on the conditions you specify.</a:t>
-            </a:r>
-          </a:p>
-          <a:p>
-            <a:pPr lvl="0" marL="1270000" indent="0">
-              <a:buNone/>
-            </a:pPr>
-            <a:r>
-              <a:rPr sz="1800">
+              <a:rPr>
                 <a:latin typeface="Courier"/>
               </a:rPr>
               <a:t>cchic </a:t>
             </a:r>
             <a:r>
-              <a:rPr sz="1800">
-                <a:solidFill>
-                  <a:srgbClr val="666666"/>
+              <a:rPr>
+                <a:solidFill>
+                  <a:srgbClr val="4070A0"/>
                 </a:solidFill>
                 <a:latin typeface="Courier"/>
               </a:rPr>
@@ -5478,64 +5472,52 @@
             </a:r>
             <a:br/>
             <a:r>
-              <a:rPr sz="1800">
+              <a:rPr>
+                <a:latin typeface="Courier"/>
+              </a:rPr>
+              <a:t>  dplyr</a:t>
+            </a:r>
+            <a:r>
+              <a:rPr>
                 <a:solidFill>
                   <a:srgbClr val="4070A0"/>
                 </a:solidFill>
                 <a:latin typeface="Courier"/>
               </a:rPr>
-              <a:t>  </a:t>
-            </a:r>
-            <a:r>
-              <a:rPr sz="1800">
-                <a:latin typeface="Courier"/>
-              </a:rPr>
-              <a:t>dplyr</a:t>
-            </a:r>
-            <a:r>
-              <a:rPr sz="1800">
-                <a:solidFill>
-                  <a:srgbClr val="666666"/>
-                </a:solidFill>
-                <a:latin typeface="Courier"/>
-              </a:rPr>
               <a:t>::</a:t>
             </a:r>
             <a:r>
-              <a:rPr sz="1800" b="1">
-                <a:solidFill>
-                  <a:srgbClr val="007020"/>
+              <a:rPr>
+                <a:solidFill>
+                  <a:srgbClr val="06287E"/>
                 </a:solidFill>
                 <a:latin typeface="Courier"/>
               </a:rPr>
               <a:t>filter</a:t>
             </a:r>
             <a:r>
-              <a:rPr sz="1800">
+              <a:rPr>
                 <a:latin typeface="Courier"/>
               </a:rPr>
               <a:t>(age_years </a:t>
             </a:r>
             <a:r>
-              <a:rPr sz="1800">
-                <a:solidFill>
-                  <a:srgbClr val="666666"/>
+              <a:rPr>
+                <a:solidFill>
+                  <a:srgbClr val="4070A0"/>
                 </a:solidFill>
                 <a:latin typeface="Courier"/>
               </a:rPr>
               <a:t>&gt;=</a:t>
             </a:r>
             <a:r>
-              <a:rPr sz="1800">
-                <a:solidFill>
-                  <a:srgbClr val="4070A0"/>
-                </a:solidFill>
-                <a:latin typeface="Courier"/>
-              </a:rPr>
-              <a:t> </a:t>
-            </a:r>
-            <a:r>
-              <a:rPr sz="1800">
+              <a:rPr>
+                <a:latin typeface="Courier"/>
+              </a:rPr>
+              <a:t> </a:t>
+            </a:r>
+            <a:r>
+              <a:rPr>
                 <a:solidFill>
                   <a:srgbClr val="40A070"/>
                 </a:solidFill>
@@ -5544,16 +5526,14 @@
               <a:t>65</a:t>
             </a:r>
             <a:r>
-              <a:rPr sz="1800">
+              <a:rPr>
                 <a:latin typeface="Courier"/>
               </a:rPr>
               <a:t>)</a:t>
             </a:r>
           </a:p>
           <a:p>
-            <a:pPr lvl="0" marL="0" indent="0">
-              <a:buNone/>
-            </a:pPr>
+            <a:pPr lvl="1"/>
             <a:r>
               <a:rPr/>
               <a:t>The output is a data frame where all patients are 65 years or older.</a:t>
@@ -5635,28 +5615,26 @@
           <a:bodyPr/>
           <a:lstStyle/>
           <a:p>
-            <a:pPr lvl="0" marL="0" indent="0">
+            <a:pPr lvl="1"/>
+            <a:r>
+              <a:rPr/>
+              <a:t>Allows you to choose specific variables from your dataset.</a:t>
+            </a:r>
+          </a:p>
+          <a:p>
+            <a:pPr lvl="0" indent="0">
               <a:buNone/>
             </a:pPr>
             <a:r>
-              <a:rPr/>
-              <a:t>Allows you to choose specific variables from your dataset.</a:t>
-            </a:r>
-          </a:p>
-          <a:p>
-            <a:pPr lvl="0" marL="1270000" indent="0">
-              <a:buNone/>
-            </a:pPr>
-            <a:r>
-              <a:rPr sz="1800">
+              <a:rPr>
                 <a:latin typeface="Courier"/>
               </a:rPr>
               <a:t>cchic </a:t>
             </a:r>
             <a:r>
-              <a:rPr sz="1800">
-                <a:solidFill>
-                  <a:srgbClr val="666666"/>
+              <a:rPr>
+                <a:solidFill>
+                  <a:srgbClr val="4070A0"/>
                 </a:solidFill>
                 <a:latin typeface="Courier"/>
               </a:rPr>
@@ -5664,49 +5642,38 @@
             </a:r>
             <a:br/>
             <a:r>
-              <a:rPr sz="1800">
+              <a:rPr>
+                <a:latin typeface="Courier"/>
+              </a:rPr>
+              <a:t>  dplyr</a:t>
+            </a:r>
+            <a:r>
+              <a:rPr>
                 <a:solidFill>
                   <a:srgbClr val="4070A0"/>
                 </a:solidFill>
                 <a:latin typeface="Courier"/>
               </a:rPr>
-              <a:t>  </a:t>
-            </a:r>
-            <a:r>
-              <a:rPr sz="1800">
-                <a:latin typeface="Courier"/>
-              </a:rPr>
-              <a:t>dplyr</a:t>
-            </a:r>
-            <a:r>
-              <a:rPr sz="1800">
-                <a:solidFill>
-                  <a:srgbClr val="666666"/>
-                </a:solidFill>
-                <a:latin typeface="Courier"/>
-              </a:rPr>
               <a:t>::</a:t>
             </a:r>
             <a:r>
-              <a:rPr sz="1800" b="1">
-                <a:solidFill>
-                  <a:srgbClr val="007020"/>
+              <a:rPr>
+                <a:solidFill>
+                  <a:srgbClr val="06287E"/>
                 </a:solidFill>
                 <a:latin typeface="Courier"/>
               </a:rPr>
               <a:t>select</a:t>
             </a:r>
             <a:r>
-              <a:rPr sz="1800">
+              <a:rPr>
                 <a:latin typeface="Courier"/>
               </a:rPr>
               <a:t>(sex)</a:t>
             </a:r>
           </a:p>
           <a:p>
-            <a:pPr lvl="0" marL="0" indent="0">
-              <a:buNone/>
-            </a:pPr>
+            <a:pPr lvl="1"/>
             <a:r>
               <a:rPr/>
               <a:t>Output is a data frame with the gender of all patients.</a:t>
@@ -5820,19 +5787,19 @@
           <a:bodyPr/>
           <a:lstStyle/>
           <a:p>
-            <a:pPr lvl="0" marL="1270000" indent="0">
+            <a:pPr lvl="0" indent="0">
               <a:buNone/>
             </a:pPr>
             <a:r>
-              <a:rPr sz="1800">
+              <a:rPr>
                 <a:latin typeface="Courier"/>
               </a:rPr>
               <a:t>cchic </a:t>
             </a:r>
             <a:r>
-              <a:rPr sz="1800">
-                <a:solidFill>
-                  <a:srgbClr val="666666"/>
+              <a:rPr>
+                <a:solidFill>
+                  <a:srgbClr val="4070A0"/>
                 </a:solidFill>
                 <a:latin typeface="Courier"/>
               </a:rPr>
@@ -5840,140 +5807,115 @@
             </a:r>
             <a:br/>
             <a:r>
-              <a:rPr sz="1800">
+              <a:rPr>
+                <a:latin typeface="Courier"/>
+              </a:rPr>
+              <a:t>  dplyr</a:t>
+            </a:r>
+            <a:r>
+              <a:rPr>
                 <a:solidFill>
                   <a:srgbClr val="4070A0"/>
                 </a:solidFill>
                 <a:latin typeface="Courier"/>
               </a:rPr>
-              <a:t>  </a:t>
-            </a:r>
-            <a:r>
-              <a:rPr sz="1800">
-                <a:latin typeface="Courier"/>
-              </a:rPr>
-              <a:t>dplyr</a:t>
-            </a:r>
-            <a:r>
-              <a:rPr sz="1800">
-                <a:solidFill>
-                  <a:srgbClr val="666666"/>
-                </a:solidFill>
-                <a:latin typeface="Courier"/>
-              </a:rPr>
               <a:t>::</a:t>
             </a:r>
             <a:r>
-              <a:rPr sz="1800" b="1">
-                <a:solidFill>
-                  <a:srgbClr val="007020"/>
+              <a:rPr>
+                <a:solidFill>
+                  <a:srgbClr val="06287E"/>
                 </a:solidFill>
                 <a:latin typeface="Courier"/>
               </a:rPr>
               <a:t>filter</a:t>
             </a:r>
             <a:r>
-              <a:rPr sz="1800">
+              <a:rPr>
                 <a:latin typeface="Courier"/>
               </a:rPr>
               <a:t>(age_years </a:t>
             </a:r>
             <a:r>
-              <a:rPr sz="1800">
-                <a:solidFill>
-                  <a:srgbClr val="666666"/>
+              <a:rPr>
+                <a:solidFill>
+                  <a:srgbClr val="4070A0"/>
                 </a:solidFill>
                 <a:latin typeface="Courier"/>
               </a:rPr>
               <a:t>&gt;=</a:t>
             </a:r>
             <a:r>
-              <a:rPr sz="1800">
+              <a:rPr>
+                <a:latin typeface="Courier"/>
+              </a:rPr>
+              <a:t> </a:t>
+            </a:r>
+            <a:r>
+              <a:rPr>
+                <a:solidFill>
+                  <a:srgbClr val="40A070"/>
+                </a:solidFill>
+                <a:latin typeface="Courier"/>
+              </a:rPr>
+              <a:t>65</a:t>
+            </a:r>
+            <a:r>
+              <a:rPr>
+                <a:latin typeface="Courier"/>
+              </a:rPr>
+              <a:t>) </a:t>
+            </a:r>
+            <a:r>
+              <a:rPr>
                 <a:solidFill>
                   <a:srgbClr val="4070A0"/>
                 </a:solidFill>
                 <a:latin typeface="Courier"/>
               </a:rPr>
-              <a:t> </a:t>
-            </a:r>
-            <a:r>
-              <a:rPr sz="1800">
-                <a:solidFill>
-                  <a:srgbClr val="40A070"/>
-                </a:solidFill>
-                <a:latin typeface="Courier"/>
-              </a:rPr>
-              <a:t>65</a:t>
-            </a:r>
-            <a:r>
-              <a:rPr sz="1800">
-                <a:latin typeface="Courier"/>
-              </a:rPr>
-              <a:t>) </a:t>
-            </a:r>
-            <a:r>
-              <a:rPr sz="1800">
-                <a:solidFill>
-                  <a:srgbClr val="666666"/>
-                </a:solidFill>
-                <a:latin typeface="Courier"/>
-              </a:rPr>
               <a:t>%&gt;%</a:t>
             </a:r>
             <a:br/>
             <a:r>
-              <a:rPr sz="1800">
+              <a:rPr>
+                <a:latin typeface="Courier"/>
+              </a:rPr>
+              <a:t>  dplyr</a:t>
+            </a:r>
+            <a:r>
+              <a:rPr>
                 <a:solidFill>
                   <a:srgbClr val="4070A0"/>
                 </a:solidFill>
                 <a:latin typeface="Courier"/>
               </a:rPr>
-              <a:t>  </a:t>
-            </a:r>
-            <a:r>
-              <a:rPr sz="1800">
-                <a:latin typeface="Courier"/>
-              </a:rPr>
-              <a:t>dplyr</a:t>
-            </a:r>
-            <a:r>
-              <a:rPr sz="1800">
-                <a:solidFill>
-                  <a:srgbClr val="666666"/>
-                </a:solidFill>
-                <a:latin typeface="Courier"/>
-              </a:rPr>
               <a:t>::</a:t>
             </a:r>
             <a:r>
-              <a:rPr sz="1800" b="1">
-                <a:solidFill>
-                  <a:srgbClr val="007020"/>
+              <a:rPr>
+                <a:solidFill>
+                  <a:srgbClr val="06287E"/>
                 </a:solidFill>
                 <a:latin typeface="Courier"/>
               </a:rPr>
               <a:t>select</a:t>
             </a:r>
             <a:r>
-              <a:rPr sz="1800">
+              <a:rPr>
                 <a:latin typeface="Courier"/>
               </a:rPr>
               <a:t>(sex)</a:t>
             </a:r>
           </a:p>
           <a:p>
-            <a:pPr lvl="0" marL="0" indent="0">
-              <a:buNone/>
-            </a:pPr>
+            <a:pPr lvl="1"/>
             <a:r>
               <a:rPr/>
               <a:t>Output is the gender of patients who are 65 years or older.</a:t>
             </a:r>
           </a:p>
           <a:p>
-            <a:pPr lvl="0" marL="0" indent="0">
-              <a:buNone/>
-            </a:pPr>
+            <a:pPr lvl="1"/>
             <a:r>
               <a:rPr b="1"/>
               <a:t>Question</a:t>
@@ -5983,7 +5925,7 @@
               <a:t>:What happens if you do </a:t>
             </a:r>
             <a:r>
-              <a:rPr sz="1800">
+              <a:rPr>
                 <a:latin typeface="Courier"/>
               </a:rPr>
               <a:t>select()</a:t>
@@ -5993,7 +5935,7 @@
               <a:t> and then </a:t>
             </a:r>
             <a:r>
-              <a:rPr sz="1800">
+              <a:rPr>
                 <a:latin typeface="Courier"/>
               </a:rPr>
               <a:t>filter()</a:t>
@@ -6111,9 +6053,7 @@
           <a:bodyPr/>
           <a:lstStyle/>
           <a:p>
-            <a:pPr lvl="0" marL="0" indent="0">
-              <a:buNone/>
-            </a:pPr>
+            <a:pPr lvl="1"/>
             <a:r>
               <a:rPr b="1"/>
               <a:t>Question</a:t>
@@ -6123,7 +6063,7 @@
               <a:t>:What happens if you do </a:t>
             </a:r>
             <a:r>
-              <a:rPr sz="1800">
+              <a:rPr>
                 <a:latin typeface="Courier"/>
               </a:rPr>
               <a:t>select()</a:t>
@@ -6133,7 +6073,7 @@
               <a:t> and then </a:t>
             </a:r>
             <a:r>
-              <a:rPr sz="1800">
+              <a:rPr>
                 <a:latin typeface="Courier"/>
               </a:rPr>
               <a:t>filter()</a:t>
@@ -6144,9 +6084,7 @@
             </a:r>
           </a:p>
           <a:p>
-            <a:pPr lvl="0" marL="0" indent="0">
-              <a:buNone/>
-            </a:pPr>
+            <a:pPr lvl="1"/>
             <a:r>
               <a:rPr i="1"/>
               <a:t>You have removed the age variable from the dataset, so you can’t filter based on age.</a:t>
@@ -6252,28 +6190,26 @@
           <a:bodyPr/>
           <a:lstStyle/>
           <a:p>
-            <a:pPr lvl="0" marL="0" indent="0">
+            <a:pPr lvl="1"/>
+            <a:r>
+              <a:rPr/>
+              <a:t>Piped data can be passed on to almost any function in R</a:t>
+            </a:r>
+          </a:p>
+          <a:p>
+            <a:pPr lvl="0" indent="0">
               <a:buNone/>
             </a:pPr>
             <a:r>
-              <a:rPr/>
-              <a:t>Piped data can be passed on to almost any function in R</a:t>
-            </a:r>
-          </a:p>
-          <a:p>
-            <a:pPr lvl="0" marL="1270000" indent="0">
-              <a:buNone/>
-            </a:pPr>
-            <a:r>
-              <a:rPr sz="1800">
+              <a:rPr>
                 <a:latin typeface="Courier"/>
               </a:rPr>
               <a:t>cchic </a:t>
             </a:r>
             <a:r>
-              <a:rPr sz="1800">
-                <a:solidFill>
-                  <a:srgbClr val="666666"/>
+              <a:rPr>
+                <a:solidFill>
+                  <a:srgbClr val="4070A0"/>
                 </a:solidFill>
                 <a:latin typeface="Courier"/>
               </a:rPr>
@@ -6281,165 +6217,139 @@
             </a:r>
             <a:br/>
             <a:r>
-              <a:rPr sz="1800">
+              <a:rPr>
+                <a:latin typeface="Courier"/>
+              </a:rPr>
+              <a:t>  dplyr</a:t>
+            </a:r>
+            <a:r>
+              <a:rPr>
                 <a:solidFill>
                   <a:srgbClr val="4070A0"/>
                 </a:solidFill>
                 <a:latin typeface="Courier"/>
               </a:rPr>
+              <a:t>::</a:t>
+            </a:r>
+            <a:r>
+              <a:rPr>
+                <a:solidFill>
+                  <a:srgbClr val="06287E"/>
+                </a:solidFill>
+                <a:latin typeface="Courier"/>
+              </a:rPr>
+              <a:t>filter</a:t>
+            </a:r>
+            <a:r>
+              <a:rPr>
+                <a:latin typeface="Courier"/>
+              </a:rPr>
+              <a:t>(age_years </a:t>
+            </a:r>
+            <a:r>
+              <a:rPr>
+                <a:solidFill>
+                  <a:srgbClr val="4070A0"/>
+                </a:solidFill>
+                <a:latin typeface="Courier"/>
+              </a:rPr>
+              <a:t>&gt;=</a:t>
+            </a:r>
+            <a:r>
+              <a:rPr>
+                <a:latin typeface="Courier"/>
+              </a:rPr>
+              <a:t> </a:t>
+            </a:r>
+            <a:r>
+              <a:rPr>
+                <a:solidFill>
+                  <a:srgbClr val="40A070"/>
+                </a:solidFill>
+                <a:latin typeface="Courier"/>
+              </a:rPr>
+              <a:t>65</a:t>
+            </a:r>
+            <a:r>
+              <a:rPr>
+                <a:latin typeface="Courier"/>
+              </a:rPr>
+              <a:t>) </a:t>
+            </a:r>
+            <a:r>
+              <a:rPr>
+                <a:solidFill>
+                  <a:srgbClr val="4070A0"/>
+                </a:solidFill>
+                <a:latin typeface="Courier"/>
+              </a:rPr>
+              <a:t>%&gt;%</a:t>
+            </a:r>
+            <a:br/>
+            <a:r>
+              <a:rPr>
+                <a:latin typeface="Courier"/>
+              </a:rPr>
+              <a:t>  dplyr</a:t>
+            </a:r>
+            <a:r>
+              <a:rPr>
+                <a:solidFill>
+                  <a:srgbClr val="4070A0"/>
+                </a:solidFill>
+                <a:latin typeface="Courier"/>
+              </a:rPr>
+              <a:t>::</a:t>
+            </a:r>
+            <a:r>
+              <a:rPr>
+                <a:solidFill>
+                  <a:srgbClr val="06287E"/>
+                </a:solidFill>
+                <a:latin typeface="Courier"/>
+              </a:rPr>
+              <a:t>select</a:t>
+            </a:r>
+            <a:r>
+              <a:rPr>
+                <a:latin typeface="Courier"/>
+              </a:rPr>
+              <a:t>(sex) </a:t>
+            </a:r>
+            <a:r>
+              <a:rPr>
+                <a:solidFill>
+                  <a:srgbClr val="4070A0"/>
+                </a:solidFill>
+                <a:latin typeface="Courier"/>
+              </a:rPr>
+              <a:t>%&gt;%</a:t>
+            </a:r>
+            <a:br/>
+            <a:r>
+              <a:rPr>
+                <a:latin typeface="Courier"/>
+              </a:rPr>
               <a:t>  </a:t>
             </a:r>
             <a:r>
-              <a:rPr sz="1800">
-                <a:latin typeface="Courier"/>
-              </a:rPr>
-              <a:t>dplyr</a:t>
-            </a:r>
-            <a:r>
-              <a:rPr sz="1800">
-                <a:solidFill>
-                  <a:srgbClr val="666666"/>
-                </a:solidFill>
-                <a:latin typeface="Courier"/>
-              </a:rPr>
-              <a:t>::</a:t>
-            </a:r>
-            <a:r>
-              <a:rPr sz="1800" b="1">
-                <a:solidFill>
-                  <a:srgbClr val="007020"/>
-                </a:solidFill>
-                <a:latin typeface="Courier"/>
-              </a:rPr>
-              <a:t>filter</a:t>
-            </a:r>
-            <a:r>
-              <a:rPr sz="1800">
-                <a:latin typeface="Courier"/>
-              </a:rPr>
-              <a:t>(age_years </a:t>
-            </a:r>
-            <a:r>
-              <a:rPr sz="1800">
-                <a:solidFill>
-                  <a:srgbClr val="666666"/>
-                </a:solidFill>
-                <a:latin typeface="Courier"/>
-              </a:rPr>
-              <a:t>&gt;=</a:t>
-            </a:r>
-            <a:r>
-              <a:rPr sz="1800">
-                <a:solidFill>
-                  <a:srgbClr val="4070A0"/>
-                </a:solidFill>
-                <a:latin typeface="Courier"/>
-              </a:rPr>
-              <a:t> </a:t>
-            </a:r>
-            <a:r>
-              <a:rPr sz="1800">
-                <a:solidFill>
-                  <a:srgbClr val="40A070"/>
-                </a:solidFill>
-                <a:latin typeface="Courier"/>
-              </a:rPr>
-              <a:t>65</a:t>
-            </a:r>
-            <a:r>
-              <a:rPr sz="1800">
-                <a:latin typeface="Courier"/>
-              </a:rPr>
-              <a:t>) </a:t>
-            </a:r>
-            <a:r>
-              <a:rPr sz="1800">
-                <a:solidFill>
-                  <a:srgbClr val="666666"/>
-                </a:solidFill>
-                <a:latin typeface="Courier"/>
-              </a:rPr>
-              <a:t>%&gt;%</a:t>
-            </a:r>
-            <a:br/>
-            <a:r>
-              <a:rPr sz="1800">
-                <a:solidFill>
-                  <a:srgbClr val="4070A0"/>
-                </a:solidFill>
-                <a:latin typeface="Courier"/>
-              </a:rPr>
-              <a:t>  </a:t>
-            </a:r>
-            <a:r>
-              <a:rPr sz="1800">
-                <a:latin typeface="Courier"/>
-              </a:rPr>
-              <a:t>dplyr</a:t>
-            </a:r>
-            <a:r>
-              <a:rPr sz="1800">
-                <a:solidFill>
-                  <a:srgbClr val="666666"/>
-                </a:solidFill>
-                <a:latin typeface="Courier"/>
-              </a:rPr>
-              <a:t>::</a:t>
-            </a:r>
-            <a:r>
-              <a:rPr sz="1800" b="1">
-                <a:solidFill>
-                  <a:srgbClr val="007020"/>
-                </a:solidFill>
-                <a:latin typeface="Courier"/>
-              </a:rPr>
-              <a:t>select</a:t>
-            </a:r>
-            <a:r>
-              <a:rPr sz="1800">
-                <a:latin typeface="Courier"/>
-              </a:rPr>
-              <a:t>(sex) </a:t>
-            </a:r>
-            <a:r>
-              <a:rPr sz="1800">
-                <a:solidFill>
-                  <a:srgbClr val="666666"/>
-                </a:solidFill>
-                <a:latin typeface="Courier"/>
-              </a:rPr>
-              <a:t>%&gt;%</a:t>
-            </a:r>
-            <a:br/>
-            <a:r>
-              <a:rPr sz="1800">
-                <a:solidFill>
-                  <a:srgbClr val="4070A0"/>
-                </a:solidFill>
-                <a:latin typeface="Courier"/>
-              </a:rPr>
-              <a:t>  </a:t>
-            </a:r>
-            <a:r>
-              <a:rPr sz="1800" b="1">
-                <a:solidFill>
-                  <a:srgbClr val="007020"/>
+              <a:rPr>
+                <a:solidFill>
+                  <a:srgbClr val="06287E"/>
                 </a:solidFill>
                 <a:latin typeface="Courier"/>
               </a:rPr>
               <a:t>summary</a:t>
             </a:r>
             <a:r>
-              <a:rPr sz="1800">
+              <a:rPr>
                 <a:latin typeface="Courier"/>
               </a:rPr>
               <a:t>()</a:t>
             </a:r>
           </a:p>
           <a:p>
-            <a:pPr lvl="0" marL="0" indent="0">
-              <a:buNone/>
-            </a:pPr>
+            <a:pPr lvl="1"/>
             <a:r>
               <a:rPr/>
               <a:t>Gives information on gender for patients older than 65.</a:t>
@@ -6547,7 +6457,7 @@
           <a:p>
             <a:pPr lvl="1"/>
             <a:r>
-              <a:rPr sz="1800">
+              <a:rPr>
                 <a:latin typeface="Courier"/>
               </a:rPr>
               <a:t>group_by()</a:t>
@@ -6556,7 +6466,7 @@
           <a:p>
             <a:pPr lvl="1"/>
             <a:r>
-              <a:rPr sz="1800">
+              <a:rPr>
                 <a:latin typeface="Courier"/>
               </a:rPr>
               <a:t>summarise()</a:t>
@@ -6670,28 +6580,26 @@
           <a:bodyPr/>
           <a:lstStyle/>
           <a:p>
-            <a:pPr lvl="0" marL="0" indent="0">
-              <a:buNone/>
-            </a:pPr>
+            <a:pPr lvl="1"/>
             <a:r>
               <a:rPr b="1"/>
               <a:t>Try this.</a:t>
             </a:r>
           </a:p>
           <a:p>
-            <a:pPr lvl="0" marL="1270000" indent="0">
+            <a:pPr lvl="0" indent="0">
               <a:buNone/>
             </a:pPr>
             <a:r>
-              <a:rPr sz="1800">
+              <a:rPr>
                 <a:latin typeface="Courier"/>
               </a:rPr>
               <a:t>cchic </a:t>
             </a:r>
             <a:r>
-              <a:rPr sz="1800">
-                <a:solidFill>
-                  <a:srgbClr val="666666"/>
+              <a:rPr>
+                <a:solidFill>
+                  <a:srgbClr val="4070A0"/>
                 </a:solidFill>
                 <a:latin typeface="Courier"/>
               </a:rPr>
@@ -6699,48 +6607,39 @@
             </a:r>
             <a:br/>
             <a:r>
-              <a:rPr sz="1800">
+              <a:rPr>
+                <a:latin typeface="Courier"/>
+              </a:rPr>
+              <a:t>  dplyr</a:t>
+            </a:r>
+            <a:r>
+              <a:rPr>
                 <a:solidFill>
                   <a:srgbClr val="4070A0"/>
                 </a:solidFill>
                 <a:latin typeface="Courier"/>
               </a:rPr>
-              <a:t>  </a:t>
-            </a:r>
-            <a:r>
-              <a:rPr sz="1800">
-                <a:latin typeface="Courier"/>
-              </a:rPr>
-              <a:t>dplyr</a:t>
-            </a:r>
-            <a:r>
-              <a:rPr sz="1800">
-                <a:solidFill>
-                  <a:srgbClr val="666666"/>
-                </a:solidFill>
-                <a:latin typeface="Courier"/>
-              </a:rPr>
               <a:t>::</a:t>
             </a:r>
             <a:r>
-              <a:rPr sz="1800" b="1">
-                <a:solidFill>
-                  <a:srgbClr val="007020"/>
+              <a:rPr>
+                <a:solidFill>
+                  <a:srgbClr val="06287E"/>
                 </a:solidFill>
                 <a:latin typeface="Courier"/>
               </a:rPr>
               <a:t>group_by</a:t>
             </a:r>
             <a:r>
-              <a:rPr sz="1800">
+              <a:rPr>
                 <a:latin typeface="Courier"/>
               </a:rPr>
               <a:t>(sex) </a:t>
             </a:r>
             <a:r>
-              <a:rPr sz="1800">
-                <a:solidFill>
-                  <a:srgbClr val="666666"/>
+              <a:rPr>
+                <a:solidFill>
+                  <a:srgbClr val="4070A0"/>
                 </a:solidFill>
                 <a:latin typeface="Courier"/>
               </a:rPr>
@@ -6748,70 +6647,61 @@
             </a:r>
             <a:br/>
             <a:r>
-              <a:rPr sz="1800">
+              <a:rPr>
+                <a:latin typeface="Courier"/>
+              </a:rPr>
+              <a:t>  dplyr</a:t>
+            </a:r>
+            <a:r>
+              <a:rPr>
                 <a:solidFill>
                   <a:srgbClr val="4070A0"/>
                 </a:solidFill>
                 <a:latin typeface="Courier"/>
               </a:rPr>
-              <a:t>  </a:t>
-            </a:r>
-            <a:r>
-              <a:rPr sz="1800">
-                <a:latin typeface="Courier"/>
-              </a:rPr>
-              <a:t>dplyr</a:t>
-            </a:r>
-            <a:r>
-              <a:rPr sz="1800">
-                <a:solidFill>
-                  <a:srgbClr val="666666"/>
-                </a:solidFill>
-                <a:latin typeface="Courier"/>
-              </a:rPr>
               <a:t>::</a:t>
             </a:r>
             <a:r>
-              <a:rPr sz="1800" b="1">
-                <a:solidFill>
-                  <a:srgbClr val="007020"/>
+              <a:rPr>
+                <a:solidFill>
+                  <a:srgbClr val="06287E"/>
                 </a:solidFill>
                 <a:latin typeface="Courier"/>
               </a:rPr>
               <a:t>summarise</a:t>
             </a:r>
             <a:r>
-              <a:rPr sz="1800">
+              <a:rPr>
                 <a:latin typeface="Courier"/>
               </a:rPr>
               <a:t>(</a:t>
             </a:r>
             <a:r>
-              <a:rPr sz="1800">
-                <a:solidFill>
-                  <a:srgbClr val="902000"/>
+              <a:rPr>
+                <a:solidFill>
+                  <a:srgbClr val="7D9029"/>
                 </a:solidFill>
                 <a:latin typeface="Courier"/>
               </a:rPr>
               <a:t>mean_urea =</a:t>
             </a:r>
             <a:r>
-              <a:rPr sz="1800">
-                <a:latin typeface="Courier"/>
-              </a:rPr>
-              <a:t> </a:t>
-            </a:r>
-            <a:r>
-              <a:rPr sz="1800" b="1">
-                <a:solidFill>
-                  <a:srgbClr val="007020"/>
+              <a:rPr>
+                <a:latin typeface="Courier"/>
+              </a:rPr>
+              <a:t> </a:t>
+            </a:r>
+            <a:r>
+              <a:rPr>
+                <a:solidFill>
+                  <a:srgbClr val="06287E"/>
                 </a:solidFill>
                 <a:latin typeface="Courier"/>
               </a:rPr>
               <a:t>mean</a:t>
             </a:r>
             <a:r>
-              <a:rPr sz="1800">
+              <a:rPr>
                 <a:latin typeface="Courier"/>
               </a:rPr>
               <a:t>(urea))</a:t>
@@ -6831,7 +6721,7 @@
               <a:t>Hint – check for missing values in </a:t>
             </a:r>
             <a:r>
-              <a:rPr sz="1800">
+              <a:rPr>
                 <a:latin typeface="Courier"/>
               </a:rPr>
               <a:t>cchic$urea</a:t>
@@ -6841,7 +6731,7 @@
               <a:t>. You made need to add an additional argument in the function </a:t>
             </a:r>
             <a:r>
-              <a:rPr sz="1800">
+              <a:rPr>
                 <a:latin typeface="Courier"/>
               </a:rPr>
               <a:t>mean</a:t>
@@ -6959,19 +6849,19 @@
           <a:bodyPr/>
           <a:lstStyle/>
           <a:p>
-            <a:pPr lvl="0" marL="1270000" indent="0">
+            <a:pPr lvl="0" indent="0">
               <a:buNone/>
             </a:pPr>
             <a:r>
-              <a:rPr sz="1800">
+              <a:rPr>
                 <a:latin typeface="Courier"/>
               </a:rPr>
               <a:t>cchic </a:t>
             </a:r>
             <a:r>
-              <a:rPr sz="1800">
-                <a:solidFill>
-                  <a:srgbClr val="666666"/>
+              <a:rPr>
+                <a:solidFill>
+                  <a:srgbClr val="4070A0"/>
                 </a:solidFill>
                 <a:latin typeface="Courier"/>
               </a:rPr>
@@ -6979,48 +6869,39 @@
             </a:r>
             <a:br/>
             <a:r>
-              <a:rPr sz="1800">
+              <a:rPr>
+                <a:latin typeface="Courier"/>
+              </a:rPr>
+              <a:t>  dplyr</a:t>
+            </a:r>
+            <a:r>
+              <a:rPr>
                 <a:solidFill>
                   <a:srgbClr val="4070A0"/>
                 </a:solidFill>
                 <a:latin typeface="Courier"/>
               </a:rPr>
-              <a:t>  </a:t>
-            </a:r>
-            <a:r>
-              <a:rPr sz="1800">
-                <a:latin typeface="Courier"/>
-              </a:rPr>
-              <a:t>dplyr</a:t>
-            </a:r>
-            <a:r>
-              <a:rPr sz="1800">
-                <a:solidFill>
-                  <a:srgbClr val="666666"/>
-                </a:solidFill>
-                <a:latin typeface="Courier"/>
-              </a:rPr>
               <a:t>::</a:t>
             </a:r>
             <a:r>
-              <a:rPr sz="1800" b="1">
-                <a:solidFill>
-                  <a:srgbClr val="007020"/>
+              <a:rPr>
+                <a:solidFill>
+                  <a:srgbClr val="06287E"/>
                 </a:solidFill>
                 <a:latin typeface="Courier"/>
               </a:rPr>
               <a:t>group_by</a:t>
             </a:r>
             <a:r>
-              <a:rPr sz="1800">
+              <a:rPr>
                 <a:latin typeface="Courier"/>
               </a:rPr>
               <a:t>(sex) </a:t>
             </a:r>
             <a:r>
-              <a:rPr sz="1800">
-                <a:solidFill>
-                  <a:srgbClr val="666666"/>
+              <a:rPr>
+                <a:solidFill>
+                  <a:srgbClr val="4070A0"/>
                 </a:solidFill>
                 <a:latin typeface="Courier"/>
               </a:rPr>
@@ -7028,121 +6909,112 @@
             </a:r>
             <a:br/>
             <a:r>
-              <a:rPr sz="1800">
+              <a:rPr>
+                <a:latin typeface="Courier"/>
+              </a:rPr>
+              <a:t>  dplyr</a:t>
+            </a:r>
+            <a:r>
+              <a:rPr>
                 <a:solidFill>
                   <a:srgbClr val="4070A0"/>
                 </a:solidFill>
                 <a:latin typeface="Courier"/>
               </a:rPr>
-              <a:t>  </a:t>
-            </a:r>
-            <a:r>
-              <a:rPr sz="1800">
-                <a:latin typeface="Courier"/>
-              </a:rPr>
-              <a:t>dplyr</a:t>
-            </a:r>
-            <a:r>
-              <a:rPr sz="1800">
-                <a:solidFill>
-                  <a:srgbClr val="666666"/>
-                </a:solidFill>
-                <a:latin typeface="Courier"/>
-              </a:rPr>
               <a:t>::</a:t>
             </a:r>
             <a:r>
-              <a:rPr sz="1800" b="1">
-                <a:solidFill>
-                  <a:srgbClr val="007020"/>
+              <a:rPr>
+                <a:solidFill>
+                  <a:srgbClr val="06287E"/>
                 </a:solidFill>
                 <a:latin typeface="Courier"/>
               </a:rPr>
               <a:t>summarise</a:t>
             </a:r>
             <a:r>
-              <a:rPr sz="1800">
+              <a:rPr>
                 <a:latin typeface="Courier"/>
               </a:rPr>
               <a:t>(</a:t>
             </a:r>
             <a:r>
-              <a:rPr sz="1800">
-                <a:solidFill>
-                  <a:srgbClr val="902000"/>
+              <a:rPr>
+                <a:solidFill>
+                  <a:srgbClr val="7D9029"/>
                 </a:solidFill>
                 <a:latin typeface="Courier"/>
               </a:rPr>
               <a:t>mean_urea =</a:t>
             </a:r>
             <a:r>
-              <a:rPr sz="1800">
-                <a:latin typeface="Courier"/>
-              </a:rPr>
-              <a:t> </a:t>
-            </a:r>
-            <a:r>
-              <a:rPr sz="1800" b="1">
-                <a:solidFill>
-                  <a:srgbClr val="007020"/>
+              <a:rPr>
+                <a:latin typeface="Courier"/>
+              </a:rPr>
+              <a:t> </a:t>
+            </a:r>
+            <a:r>
+              <a:rPr>
+                <a:solidFill>
+                  <a:srgbClr val="06287E"/>
                 </a:solidFill>
                 <a:latin typeface="Courier"/>
               </a:rPr>
               <a:t>mean</a:t>
             </a:r>
             <a:r>
-              <a:rPr sz="1800">
+              <a:rPr>
                 <a:latin typeface="Courier"/>
               </a:rPr>
               <a:t>(urea,</a:t>
             </a:r>
             <a:br/>
             <a:r>
-              <a:rPr sz="1800">
+              <a:rPr>
                 <a:latin typeface="Courier"/>
               </a:rPr>
               <a:t>                                    </a:t>
             </a:r>
             <a:r>
-              <a:rPr sz="1800">
-                <a:solidFill>
-                  <a:srgbClr val="902000"/>
+              <a:rPr>
+                <a:solidFill>
+                  <a:srgbClr val="7D9029"/>
                 </a:solidFill>
                 <a:latin typeface="Courier"/>
               </a:rPr>
               <a:t>na.rm =</a:t>
             </a:r>
             <a:r>
-              <a:rPr sz="1800">
-                <a:latin typeface="Courier"/>
-              </a:rPr>
-              <a:t> </a:t>
-            </a:r>
-            <a:r>
-              <a:rPr sz="1800">
-                <a:solidFill>
-                  <a:srgbClr val="007020"/>
+              <a:rPr>
+                <a:latin typeface="Courier"/>
+              </a:rPr>
+              <a:t> </a:t>
+            </a:r>
+            <a:r>
+              <a:rPr>
+                <a:solidFill>
+                  <a:srgbClr val="880000"/>
                 </a:solidFill>
                 <a:latin typeface="Courier"/>
               </a:rPr>
               <a:t>TRUE</a:t>
             </a:r>
             <a:r>
-              <a:rPr sz="1800">
+              <a:rPr>
                 <a:latin typeface="Courier"/>
               </a:rPr>
               <a:t>))</a:t>
             </a:r>
           </a:p>
           <a:p>
-            <a:pPr lvl="0" marL="1270000" indent="0">
+            <a:pPr lvl="0" indent="0">
               <a:buNone/>
             </a:pPr>
             <a:r>
-              <a:rPr sz="1800">
-                <a:latin typeface="Courier"/>
-              </a:rPr>
-              <a:t>## # A tibble: 2 x 2
+              <a:rPr>
+                <a:latin typeface="Courier"/>
+              </a:rPr>
+              <a:t>## # A tibble: 2 × 2
 ##   sex   mean_urea
 ##   &lt;chr&gt;     &lt;dbl&gt;
 ## 1 F          7.49
@@ -7150,9 +7022,7 @@
             </a:r>
           </a:p>
           <a:p>
-            <a:pPr lvl="0" marL="0" indent="0">
-              <a:buNone/>
-            </a:pPr>
+            <a:pPr lvl="1"/>
             <a:r>
               <a:rPr/>
               <a:t>An alternative is to filter out the missing values of urea.</a:t>
@@ -7318,45 +7188,43 @@
           <a:bodyPr/>
           <a:lstStyle/>
           <a:p>
-            <a:pPr lvl="0" marL="0" indent="0">
-              <a:buNone/>
-            </a:pPr>
+            <a:pPr lvl="1"/>
             <a:r>
               <a:rPr/>
               <a:t>Make sure you are happy running</a:t>
             </a:r>
           </a:p>
           <a:p>
-            <a:pPr lvl="1"/>
-            <a:r>
-              <a:rPr sz="1800">
+            <a:pPr lvl="2"/>
+            <a:r>
+              <a:rPr>
                 <a:latin typeface="Courier"/>
               </a:rPr>
               <a:t>filter()</a:t>
             </a:r>
           </a:p>
           <a:p>
-            <a:pPr lvl="1"/>
-            <a:r>
-              <a:rPr sz="1800">
+            <a:pPr lvl="2"/>
+            <a:r>
+              <a:rPr>
                 <a:latin typeface="Courier"/>
               </a:rPr>
               <a:t>select()</a:t>
             </a:r>
           </a:p>
           <a:p>
-            <a:pPr lvl="1"/>
-            <a:r>
-              <a:rPr sz="1800">
+            <a:pPr lvl="2"/>
+            <a:r>
+              <a:rPr>
                 <a:latin typeface="Courier"/>
               </a:rPr>
               <a:t>group_by()</a:t>
             </a:r>
           </a:p>
           <a:p>
-            <a:pPr lvl="1"/>
-            <a:r>
-              <a:rPr sz="1800">
+            <a:pPr lvl="2"/>
+            <a:r>
+              <a:rPr>
                 <a:latin typeface="Courier"/>
               </a:rPr>
               <a:t>summarise()</a:t>
@@ -7632,129 +7500,118 @@
           <a:bodyPr/>
           <a:lstStyle/>
           <a:p>
-            <a:pPr lvl="0" marL="1270000" indent="0">
+            <a:pPr lvl="0" indent="0">
               <a:buNone/>
             </a:pPr>
             <a:r>
-              <a:rPr sz="1800" b="1">
+              <a:rPr>
+                <a:solidFill>
+                  <a:srgbClr val="06287E"/>
+                </a:solidFill>
+                <a:latin typeface="Courier"/>
+              </a:rPr>
+              <a:t>names</a:t>
+            </a:r>
+            <a:r>
+              <a:rPr>
+                <a:latin typeface="Courier"/>
+              </a:rPr>
+              <a:t>(cchic)</a:t>
+            </a:r>
+          </a:p>
+          <a:p>
+            <a:pPr lvl="1"/>
+            <a:r>
+              <a:rPr/>
+              <a:t>The variable called </a:t>
+            </a:r>
+            <a:r>
+              <a:rPr>
+                <a:latin typeface="Courier"/>
+              </a:rPr>
+              <a:t>na</a:t>
+            </a:r>
+            <a:r>
+              <a:rPr/>
+              <a:t> is very confusing</a:t>
+            </a:r>
+          </a:p>
+          <a:p>
+            <a:pPr lvl="0" indent="0">
+              <a:buNone/>
+            </a:pPr>
+            <a:r>
+              <a:rPr>
+                <a:latin typeface="Courier"/>
+              </a:rPr>
+              <a:t>cchic </a:t>
+            </a:r>
+            <a:r>
+              <a:rPr>
                 <a:solidFill>
                   <a:srgbClr val="007020"/>
                 </a:solidFill>
                 <a:latin typeface="Courier"/>
               </a:rPr>
-              <a:t>names</a:t>
-            </a:r>
-            <a:r>
-              <a:rPr sz="1800">
-                <a:latin typeface="Courier"/>
-              </a:rPr>
-              <a:t>(cchic)</a:t>
-            </a:r>
-          </a:p>
-          <a:p>
-            <a:pPr lvl="0" marL="0" indent="0">
-              <a:buNone/>
-            </a:pPr>
-            <a:r>
-              <a:rPr/>
-              <a:t>The variable called </a:t>
-            </a:r>
-            <a:r>
-              <a:rPr sz="1800">
-                <a:latin typeface="Courier"/>
-              </a:rPr>
-              <a:t>na</a:t>
-            </a:r>
-            <a:r>
-              <a:rPr/>
-              <a:t> is very confusing</a:t>
-            </a:r>
-          </a:p>
-          <a:p>
-            <a:pPr lvl="0" marL="1270000" indent="0">
-              <a:buNone/>
-            </a:pPr>
-            <a:r>
-              <a:rPr sz="1800">
-                <a:latin typeface="Courier"/>
-              </a:rPr>
-              <a:t>cchic &lt;-</a:t>
-            </a:r>
-            <a:r>
-              <a:rPr sz="1800">
+              <a:t>&lt;-</a:t>
+            </a:r>
+            <a:r>
+              <a:rPr>
+                <a:latin typeface="Courier"/>
+              </a:rPr>
+              <a:t> cchic </a:t>
+            </a:r>
+            <a:r>
+              <a:rPr>
                 <a:solidFill>
                   <a:srgbClr val="4070A0"/>
                 </a:solidFill>
                 <a:latin typeface="Courier"/>
               </a:rPr>
-              <a:t> </a:t>
-            </a:r>
-            <a:r>
-              <a:rPr sz="1800">
-                <a:latin typeface="Courier"/>
-              </a:rPr>
-              <a:t>cchic </a:t>
-            </a:r>
-            <a:r>
-              <a:rPr sz="1800">
-                <a:solidFill>
-                  <a:srgbClr val="666666"/>
-                </a:solidFill>
-                <a:latin typeface="Courier"/>
-              </a:rPr>
               <a:t>%&gt;%</a:t>
             </a:r>
             <a:br/>
             <a:r>
-              <a:rPr sz="1800">
+              <a:rPr>
+                <a:latin typeface="Courier"/>
+              </a:rPr>
+              <a:t>  dplyr</a:t>
+            </a:r>
+            <a:r>
+              <a:rPr>
                 <a:solidFill>
                   <a:srgbClr val="4070A0"/>
                 </a:solidFill>
                 <a:latin typeface="Courier"/>
               </a:rPr>
-              <a:t>  </a:t>
-            </a:r>
-            <a:r>
-              <a:rPr sz="1800">
-                <a:latin typeface="Courier"/>
-              </a:rPr>
-              <a:t>dplyr</a:t>
-            </a:r>
-            <a:r>
-              <a:rPr sz="1800">
-                <a:solidFill>
-                  <a:srgbClr val="666666"/>
-                </a:solidFill>
-                <a:latin typeface="Courier"/>
-              </a:rPr>
               <a:t>::</a:t>
             </a:r>
             <a:r>
-              <a:rPr sz="1800" b="1">
-                <a:solidFill>
-                  <a:srgbClr val="007020"/>
+              <a:rPr>
+                <a:solidFill>
+                  <a:srgbClr val="06287E"/>
                 </a:solidFill>
                 <a:latin typeface="Courier"/>
               </a:rPr>
               <a:t>rename</a:t>
             </a:r>
             <a:r>
-              <a:rPr sz="1800">
+              <a:rPr>
                 <a:latin typeface="Courier"/>
               </a:rPr>
               <a:t>(</a:t>
             </a:r>
             <a:r>
-              <a:rPr sz="1800">
-                <a:solidFill>
-                  <a:srgbClr val="902000"/>
+              <a:rPr>
+                <a:solidFill>
+                  <a:srgbClr val="7D9029"/>
                 </a:solidFill>
                 <a:latin typeface="Courier"/>
               </a:rPr>
               <a:t>sodium =</a:t>
             </a:r>
             <a:r>
-              <a:rPr sz="1800">
+              <a:rPr>
                 <a:latin typeface="Courier"/>
               </a:rPr>
               <a:t> na)</a:t>
@@ -7868,148 +7725,128 @@
           <a:bodyPr/>
           <a:lstStyle/>
           <a:p>
-            <a:pPr lvl="0" marL="0" indent="0">
+            <a:pPr lvl="1"/>
+            <a:r>
+              <a:rPr/>
+              <a:t>Use the </a:t>
+            </a:r>
+            <a:r>
+              <a:rPr>
+                <a:latin typeface="Courier"/>
+              </a:rPr>
+              <a:t>mutate()</a:t>
+            </a:r>
+            <a:r>
+              <a:rPr/>
+              <a:t> function</a:t>
+            </a:r>
+          </a:p>
+          <a:p>
+            <a:pPr lvl="0" indent="0">
               <a:buNone/>
             </a:pPr>
             <a:r>
-              <a:rPr/>
-              <a:t>Use the </a:t>
-            </a:r>
-            <a:r>
-              <a:rPr sz="1800">
-                <a:latin typeface="Courier"/>
-              </a:rPr>
-              <a:t>mutate()</a:t>
-            </a:r>
-            <a:r>
-              <a:rPr/>
-              <a:t> function</a:t>
-            </a:r>
-          </a:p>
-          <a:p>
-            <a:pPr lvl="0" marL="1270000" indent="0">
-              <a:buNone/>
-            </a:pPr>
-            <a:r>
-              <a:rPr sz="1800">
-                <a:latin typeface="Courier"/>
-              </a:rPr>
-              <a:t>cchic &lt;-</a:t>
-            </a:r>
-            <a:r>
-              <a:rPr sz="1800">
+              <a:rPr>
+                <a:latin typeface="Courier"/>
+              </a:rPr>
+              <a:t>cchic </a:t>
+            </a:r>
+            <a:r>
+              <a:rPr>
+                <a:solidFill>
+                  <a:srgbClr val="007020"/>
+                </a:solidFill>
+                <a:latin typeface="Courier"/>
+              </a:rPr>
+              <a:t>&lt;-</a:t>
+            </a:r>
+            <a:r>
+              <a:rPr>
+                <a:latin typeface="Courier"/>
+              </a:rPr>
+              <a:t> cchic </a:t>
+            </a:r>
+            <a:r>
+              <a:rPr>
                 <a:solidFill>
                   <a:srgbClr val="4070A0"/>
                 </a:solidFill>
                 <a:latin typeface="Courier"/>
               </a:rPr>
-              <a:t> </a:t>
-            </a:r>
-            <a:r>
-              <a:rPr sz="1800">
-                <a:latin typeface="Courier"/>
-              </a:rPr>
-              <a:t>cchic </a:t>
-            </a:r>
-            <a:r>
-              <a:rPr sz="1800">
-                <a:solidFill>
-                  <a:srgbClr val="666666"/>
-                </a:solidFill>
-                <a:latin typeface="Courier"/>
-              </a:rPr>
               <a:t>%&gt;%</a:t>
             </a:r>
             <a:br/>
             <a:r>
-              <a:rPr sz="1800">
+              <a:rPr>
+                <a:latin typeface="Courier"/>
+              </a:rPr>
+              <a:t>  dplyr</a:t>
+            </a:r>
+            <a:r>
+              <a:rPr>
                 <a:solidFill>
                   <a:srgbClr val="4070A0"/>
                 </a:solidFill>
                 <a:latin typeface="Courier"/>
               </a:rPr>
-              <a:t>  </a:t>
-            </a:r>
-            <a:r>
-              <a:rPr sz="1800">
-                <a:latin typeface="Courier"/>
-              </a:rPr>
-              <a:t>dplyr</a:t>
-            </a:r>
-            <a:r>
-              <a:rPr sz="1800">
-                <a:solidFill>
-                  <a:srgbClr val="666666"/>
-                </a:solidFill>
-                <a:latin typeface="Courier"/>
-              </a:rPr>
               <a:t>::</a:t>
             </a:r>
             <a:r>
-              <a:rPr sz="1800" b="1">
-                <a:solidFill>
-                  <a:srgbClr val="007020"/>
+              <a:rPr>
+                <a:solidFill>
+                  <a:srgbClr val="06287E"/>
                 </a:solidFill>
                 <a:latin typeface="Courier"/>
               </a:rPr>
               <a:t>mutate</a:t>
             </a:r>
             <a:r>
-              <a:rPr sz="1800">
+              <a:rPr>
                 <a:latin typeface="Courier"/>
               </a:rPr>
               <a:t>(</a:t>
             </a:r>
             <a:r>
-              <a:rPr sz="1800">
-                <a:solidFill>
-                  <a:srgbClr val="902000"/>
+              <a:rPr>
+                <a:solidFill>
+                  <a:srgbClr val="7D9029"/>
                 </a:solidFill>
                 <a:latin typeface="Courier"/>
               </a:rPr>
               <a:t>bmi =</a:t>
             </a:r>
             <a:r>
-              <a:rPr sz="1800">
+              <a:rPr>
                 <a:latin typeface="Courier"/>
               </a:rPr>
               <a:t> (weight </a:t>
             </a:r>
             <a:r>
-              <a:rPr sz="1800">
-                <a:solidFill>
-                  <a:srgbClr val="666666"/>
+              <a:rPr>
+                <a:solidFill>
+                  <a:srgbClr val="4070A0"/>
                 </a:solidFill>
                 <a:latin typeface="Courier"/>
               </a:rPr>
               <a:t>/</a:t>
             </a:r>
             <a:r>
-              <a:rPr sz="1800">
+              <a:rPr>
+                <a:latin typeface="Courier"/>
+              </a:rPr>
+              <a:t> (height</a:t>
+            </a:r>
+            <a:r>
+              <a:rPr>
                 <a:solidFill>
                   <a:srgbClr val="4070A0"/>
                 </a:solidFill>
                 <a:latin typeface="Courier"/>
               </a:rPr>
-              <a:t> </a:t>
-            </a:r>
-            <a:r>
-              <a:rPr sz="1800">
-                <a:latin typeface="Courier"/>
-              </a:rPr>
-              <a:t>(height</a:t>
-            </a:r>
-            <a:r>
-              <a:rPr sz="1800">
-                <a:solidFill>
-                  <a:srgbClr val="666666"/>
-                </a:solidFill>
-                <a:latin typeface="Courier"/>
-              </a:rPr>
               <a:t>^</a:t>
             </a:r>
             <a:r>
-              <a:rPr sz="1800">
+              <a:rPr>
                 <a:solidFill>
                   <a:srgbClr val="40A070"/>
                 </a:solidFill>
@@ -8018,7 +7855,7 @@
               <a:t>2</a:t>
             </a:r>
             <a:r>
-              <a:rPr sz="1800">
+              <a:rPr>
                 <a:latin typeface="Courier"/>
               </a:rPr>
               <a:t>)))</a:t>
@@ -8116,158 +7953,160 @@
           <a:bodyPr/>
           <a:lstStyle/>
           <a:p>
-            <a:pPr lvl="0" marL="0" indent="0">
+            <a:pPr lvl="1"/>
+            <a:r>
+              <a:rPr/>
+              <a:t>Parse numbers from text using the </a:t>
+            </a:r>
+            <a:r>
+              <a:rPr>
+                <a:latin typeface="Courier"/>
+              </a:rPr>
+              <a:t>readr</a:t>
+            </a:r>
+            <a:r>
+              <a:rPr/>
+              <a:t> package.</a:t>
+            </a:r>
+          </a:p>
+          <a:p>
+            <a:pPr lvl="0" indent="0">
               <a:buNone/>
             </a:pPr>
             <a:r>
-              <a:rPr/>
-              <a:t>Parse numbers from text using the </a:t>
-            </a:r>
-            <a:r>
-              <a:rPr sz="1800">
-                <a:latin typeface="Courier"/>
-              </a:rPr>
-              <a:t>readr</a:t>
-            </a:r>
-            <a:r>
-              <a:rPr/>
-              <a:t> package.</a:t>
-            </a:r>
-          </a:p>
-          <a:p>
-            <a:pPr lvl="0" marL="1270000" indent="0">
+              <a:rPr>
+                <a:solidFill>
+                  <a:srgbClr val="06287E"/>
+                </a:solidFill>
+                <a:latin typeface="Courier"/>
+              </a:rPr>
+              <a:t>library</a:t>
+            </a:r>
+            <a:r>
+              <a:rPr>
+                <a:latin typeface="Courier"/>
+              </a:rPr>
+              <a:t>(readr)</a:t>
+            </a:r>
+          </a:p>
+          <a:p>
+            <a:pPr lvl="1"/>
+            <a:r>
+              <a:rPr/>
+              <a:t>Create a vector where the unit has been included as part of the value. You can’t do maths on this vector.</a:t>
+            </a:r>
+          </a:p>
+          <a:p>
+            <a:pPr lvl="0" indent="0">
               <a:buNone/>
             </a:pPr>
             <a:r>
-              <a:rPr sz="1800" b="1">
+              <a:rPr>
+                <a:latin typeface="Courier"/>
+              </a:rPr>
+              <a:t>weight </a:t>
+            </a:r>
+            <a:r>
+              <a:rPr>
                 <a:solidFill>
                   <a:srgbClr val="007020"/>
                 </a:solidFill>
                 <a:latin typeface="Courier"/>
               </a:rPr>
-              <a:t>library</a:t>
-            </a:r>
-            <a:r>
-              <a:rPr sz="1800">
-                <a:latin typeface="Courier"/>
-              </a:rPr>
-              <a:t>(readr)</a:t>
-            </a:r>
-          </a:p>
-          <a:p>
-            <a:pPr lvl="0" marL="0" indent="0">
-              <a:buNone/>
-            </a:pPr>
-            <a:r>
-              <a:rPr/>
-              <a:t>Create a vector where the unit has been included as part of the value. You can’t do maths on this vector.</a:t>
-            </a:r>
-          </a:p>
-          <a:p>
-            <a:pPr lvl="0" marL="1270000" indent="0">
-              <a:buNone/>
-            </a:pPr>
-            <a:r>
-              <a:rPr sz="1800">
-                <a:latin typeface="Courier"/>
-              </a:rPr>
-              <a:t>weight &lt;-</a:t>
-            </a:r>
-            <a:r>
-              <a:rPr sz="1800">
+              <a:t>&lt;-</a:t>
+            </a:r>
+            <a:r>
+              <a:rPr>
+                <a:latin typeface="Courier"/>
+              </a:rPr>
+              <a:t> </a:t>
+            </a:r>
+            <a:r>
+              <a:rPr>
+                <a:solidFill>
+                  <a:srgbClr val="06287E"/>
+                </a:solidFill>
+                <a:latin typeface="Courier"/>
+              </a:rPr>
+              <a:t>c</a:t>
+            </a:r>
+            <a:r>
+              <a:rPr>
+                <a:latin typeface="Courier"/>
+              </a:rPr>
+              <a:t>(</a:t>
+            </a:r>
+            <a:r>
+              <a:rPr>
                 <a:solidFill>
                   <a:srgbClr val="4070A0"/>
                 </a:solidFill>
                 <a:latin typeface="Courier"/>
               </a:rPr>
-              <a:t> </a:t>
-            </a:r>
-            <a:r>
-              <a:rPr sz="1800" b="1">
-                <a:solidFill>
-                  <a:srgbClr val="007020"/>
-                </a:solidFill>
-                <a:latin typeface="Courier"/>
-              </a:rPr>
-              <a:t>c</a:t>
-            </a:r>
-            <a:r>
-              <a:rPr sz="1800">
-                <a:latin typeface="Courier"/>
-              </a:rPr>
-              <a:t>(</a:t>
-            </a:r>
-            <a:r>
-              <a:rPr sz="1800">
+              <a:t>"70kg"</a:t>
+            </a:r>
+            <a:r>
+              <a:rPr>
+                <a:latin typeface="Courier"/>
+              </a:rPr>
+              <a:t>, </a:t>
+            </a:r>
+            <a:r>
+              <a:rPr>
                 <a:solidFill>
                   <a:srgbClr val="4070A0"/>
                 </a:solidFill>
                 <a:latin typeface="Courier"/>
               </a:rPr>
-              <a:t>"70kg"</a:t>
-            </a:r>
-            <a:r>
-              <a:rPr sz="1800">
+              <a:t>"80 kg"</a:t>
+            </a:r>
+            <a:r>
+              <a:rPr>
                 <a:latin typeface="Courier"/>
               </a:rPr>
               <a:t>, </a:t>
             </a:r>
             <a:r>
-              <a:rPr sz="1800">
+              <a:rPr>
                 <a:solidFill>
                   <a:srgbClr val="4070A0"/>
                 </a:solidFill>
                 <a:latin typeface="Courier"/>
               </a:rPr>
-              <a:t>"80 kg"</a:t>
-            </a:r>
-            <a:r>
-              <a:rPr sz="1800">
+              <a:t>"82 kg"</a:t>
+            </a:r>
+            <a:r>
+              <a:rPr>
                 <a:latin typeface="Courier"/>
               </a:rPr>
               <a:t>, </a:t>
             </a:r>
             <a:r>
-              <a:rPr sz="1800">
+              <a:rPr>
                 <a:solidFill>
                   <a:srgbClr val="4070A0"/>
                 </a:solidFill>
                 <a:latin typeface="Courier"/>
               </a:rPr>
-              <a:t>"82 kg"</a:t>
-            </a:r>
-            <a:r>
-              <a:rPr sz="1800">
+              <a:t>"74"</a:t>
+            </a:r>
+            <a:r>
+              <a:rPr>
                 <a:latin typeface="Courier"/>
               </a:rPr>
               <a:t>, </a:t>
             </a:r>
             <a:r>
-              <a:rPr sz="1800">
+              <a:rPr>
                 <a:solidFill>
                   <a:srgbClr val="4070A0"/>
                 </a:solidFill>
                 <a:latin typeface="Courier"/>
               </a:rPr>
-              <a:t>"74"</a:t>
-            </a:r>
-            <a:r>
-              <a:rPr sz="1800">
-                <a:latin typeface="Courier"/>
-              </a:rPr>
-              <a:t>, </a:t>
-            </a:r>
-            <a:r>
-              <a:rPr sz="1800">
-                <a:solidFill>
-                  <a:srgbClr val="4070A0"/>
-                </a:solidFill>
-                <a:latin typeface="Courier"/>
-              </a:rPr>
               <a:t>"39"</a:t>
             </a:r>
             <a:r>
-              <a:rPr sz="1800">
+              <a:rPr>
                 <a:latin typeface="Courier"/>
               </a:rPr>
               <a:t>)</a:t>
@@ -8275,73 +8114,73 @@
             <a:br/>
             <a:br/>
             <a:r>
-              <a:rPr sz="1800">
-                <a:latin typeface="Courier"/>
-              </a:rPr>
-              <a:t>weight &lt;-</a:t>
-            </a:r>
-            <a:r>
-              <a:rPr sz="1800">
+              <a:rPr>
+                <a:latin typeface="Courier"/>
+              </a:rPr>
+              <a:t>weight </a:t>
+            </a:r>
+            <a:r>
+              <a:rPr>
+                <a:solidFill>
+                  <a:srgbClr val="007020"/>
+                </a:solidFill>
+                <a:latin typeface="Courier"/>
+              </a:rPr>
+              <a:t>&lt;-</a:t>
+            </a:r>
+            <a:r>
+              <a:rPr>
+                <a:latin typeface="Courier"/>
+              </a:rPr>
+              <a:t> readr</a:t>
+            </a:r>
+            <a:r>
+              <a:rPr>
                 <a:solidFill>
                   <a:srgbClr val="4070A0"/>
                 </a:solidFill>
                 <a:latin typeface="Courier"/>
               </a:rPr>
-              <a:t> </a:t>
-            </a:r>
-            <a:r>
-              <a:rPr sz="1800">
-                <a:latin typeface="Courier"/>
-              </a:rPr>
-              <a:t>readr</a:t>
-            </a:r>
-            <a:r>
-              <a:rPr sz="1800">
-                <a:solidFill>
-                  <a:srgbClr val="666666"/>
-                </a:solidFill>
-                <a:latin typeface="Courier"/>
-              </a:rPr>
               <a:t>::</a:t>
             </a:r>
             <a:r>
-              <a:rPr sz="1800" b="1">
-                <a:solidFill>
-                  <a:srgbClr val="007020"/>
+              <a:rPr>
+                <a:solidFill>
+                  <a:srgbClr val="06287E"/>
                 </a:solidFill>
                 <a:latin typeface="Courier"/>
               </a:rPr>
               <a:t>parse_number</a:t>
             </a:r>
             <a:r>
-              <a:rPr sz="1800">
+              <a:rPr>
                 <a:latin typeface="Courier"/>
               </a:rPr>
               <a:t>(weight)</a:t>
             </a:r>
             <a:br/>
             <a:r>
-              <a:rPr sz="1800" b="1">
-                <a:solidFill>
-                  <a:srgbClr val="007020"/>
+              <a:rPr>
+                <a:solidFill>
+                  <a:srgbClr val="06287E"/>
                 </a:solidFill>
                 <a:latin typeface="Courier"/>
               </a:rPr>
               <a:t>str</a:t>
             </a:r>
             <a:r>
-              <a:rPr sz="1800">
+              <a:rPr>
                 <a:latin typeface="Courier"/>
               </a:rPr>
               <a:t>(weight)</a:t>
             </a:r>
           </a:p>
           <a:p>
-            <a:pPr lvl="0" marL="1270000" indent="0">
+            <a:pPr lvl="0" indent="0">
               <a:buNone/>
             </a:pPr>
             <a:r>
-              <a:rPr sz="1800">
+              <a:rPr>
                 <a:latin typeface="Courier"/>
               </a:rPr>
               <a:t>##  num [1:5] 70 80 82 74 39</a:t>
@@ -8439,216 +8278,216 @@
           <a:bodyPr/>
           <a:lstStyle/>
           <a:p>
-            <a:pPr lvl="0" marL="1270000" indent="0">
+            <a:pPr lvl="0" indent="0">
               <a:buNone/>
             </a:pPr>
             <a:r>
-              <a:rPr sz="1800" b="1">
+              <a:rPr>
+                <a:solidFill>
+                  <a:srgbClr val="06287E"/>
+                </a:solidFill>
+                <a:latin typeface="Courier"/>
+              </a:rPr>
+              <a:t>library</a:t>
+            </a:r>
+            <a:r>
+              <a:rPr>
+                <a:latin typeface="Courier"/>
+              </a:rPr>
+              <a:t>(stringr)</a:t>
+            </a:r>
+            <a:br/>
+            <a:r>
+              <a:rPr>
+                <a:latin typeface="Courier"/>
+              </a:rPr>
+              <a:t>test_gender </a:t>
+            </a:r>
+            <a:r>
+              <a:rPr>
                 <a:solidFill>
                   <a:srgbClr val="007020"/>
                 </a:solidFill>
                 <a:latin typeface="Courier"/>
               </a:rPr>
-              <a:t>library</a:t>
-            </a:r>
-            <a:r>
-              <a:rPr sz="1800">
-                <a:latin typeface="Courier"/>
-              </a:rPr>
-              <a:t>(stringr)</a:t>
+              <a:t>&lt;-</a:t>
+            </a:r>
+            <a:r>
+              <a:rPr>
+                <a:latin typeface="Courier"/>
+              </a:rPr>
+              <a:t> </a:t>
+            </a:r>
+            <a:r>
+              <a:rPr>
+                <a:solidFill>
+                  <a:srgbClr val="06287E"/>
+                </a:solidFill>
+                <a:latin typeface="Courier"/>
+              </a:rPr>
+              <a:t>c</a:t>
+            </a:r>
+            <a:r>
+              <a:rPr>
+                <a:latin typeface="Courier"/>
+              </a:rPr>
+              <a:t>(</a:t>
+            </a:r>
+            <a:r>
+              <a:rPr>
+                <a:solidFill>
+                  <a:srgbClr val="4070A0"/>
+                </a:solidFill>
+                <a:latin typeface="Courier"/>
+              </a:rPr>
+              <a:t>"f"</a:t>
+            </a:r>
+            <a:r>
+              <a:rPr>
+                <a:latin typeface="Courier"/>
+              </a:rPr>
+              <a:t>, </a:t>
+            </a:r>
+            <a:r>
+              <a:rPr>
+                <a:solidFill>
+                  <a:srgbClr val="4070A0"/>
+                </a:solidFill>
+                <a:latin typeface="Courier"/>
+              </a:rPr>
+              <a:t>"F"</a:t>
+            </a:r>
+            <a:r>
+              <a:rPr>
+                <a:latin typeface="Courier"/>
+              </a:rPr>
+              <a:t>, </a:t>
+            </a:r>
+            <a:r>
+              <a:rPr>
+                <a:solidFill>
+                  <a:srgbClr val="4070A0"/>
+                </a:solidFill>
+                <a:latin typeface="Courier"/>
+              </a:rPr>
+              <a:t>"M"</a:t>
+            </a:r>
+            <a:r>
+              <a:rPr>
+                <a:latin typeface="Courier"/>
+              </a:rPr>
+              <a:t>, </a:t>
+            </a:r>
+            <a:r>
+              <a:rPr>
+                <a:solidFill>
+                  <a:srgbClr val="4070A0"/>
+                </a:solidFill>
+                <a:latin typeface="Courier"/>
+              </a:rPr>
+              <a:t>"f"</a:t>
+            </a:r>
+            <a:r>
+              <a:rPr>
+                <a:latin typeface="Courier"/>
+              </a:rPr>
+              <a:t>)</a:t>
+            </a:r>
+          </a:p>
+          <a:p>
+            <a:pPr lvl="1"/>
+            <a:r>
+              <a:rPr/>
+              <a:t>Notice that </a:t>
+            </a:r>
+            <a:r>
+              <a:rPr>
+                <a:latin typeface="Courier"/>
+              </a:rPr>
+              <a:t>female</a:t>
+            </a:r>
+            <a:r>
+              <a:rPr/>
+              <a:t> is coded in 2 different ways</a:t>
+            </a:r>
+          </a:p>
+          <a:p>
+            <a:pPr lvl="1"/>
+            <a:r>
+              <a:rPr/>
+              <a:t>We can change all of the letters to uppercase.</a:t>
+            </a:r>
+          </a:p>
+          <a:p>
+            <a:pPr lvl="0" indent="0">
+              <a:buNone/>
+            </a:pPr>
+            <a:r>
+              <a:rPr>
+                <a:latin typeface="Courier"/>
+              </a:rPr>
+              <a:t>test_gender </a:t>
+            </a:r>
+            <a:r>
+              <a:rPr>
+                <a:solidFill>
+                  <a:srgbClr val="007020"/>
+                </a:solidFill>
+                <a:latin typeface="Courier"/>
+              </a:rPr>
+              <a:t>&lt;-</a:t>
+            </a:r>
+            <a:r>
+              <a:rPr>
+                <a:latin typeface="Courier"/>
+              </a:rPr>
+              <a:t> stringr</a:t>
+            </a:r>
+            <a:r>
+              <a:rPr>
+                <a:solidFill>
+                  <a:srgbClr val="4070A0"/>
+                </a:solidFill>
+                <a:latin typeface="Courier"/>
+              </a:rPr>
+              <a:t>::</a:t>
+            </a:r>
+            <a:r>
+              <a:rPr>
+                <a:solidFill>
+                  <a:srgbClr val="06287E"/>
+                </a:solidFill>
+                <a:latin typeface="Courier"/>
+              </a:rPr>
+              <a:t>str_to_upper</a:t>
+            </a:r>
+            <a:r>
+              <a:rPr>
+                <a:latin typeface="Courier"/>
+              </a:rPr>
+              <a:t>(test_gender)</a:t>
             </a:r>
             <a:br/>
             <a:r>
-              <a:rPr sz="1800">
-                <a:latin typeface="Courier"/>
-              </a:rPr>
-              <a:t>test_gender &lt;-</a:t>
-            </a:r>
-            <a:r>
-              <a:rPr sz="1800">
-                <a:solidFill>
-                  <a:srgbClr val="4070A0"/>
-                </a:solidFill>
-                <a:latin typeface="Courier"/>
-              </a:rPr>
-              <a:t> </a:t>
-            </a:r>
-            <a:r>
-              <a:rPr sz="1800" b="1">
-                <a:solidFill>
-                  <a:srgbClr val="007020"/>
-                </a:solidFill>
-                <a:latin typeface="Courier"/>
-              </a:rPr>
-              <a:t>c</a:t>
-            </a:r>
-            <a:r>
-              <a:rPr sz="1800">
-                <a:latin typeface="Courier"/>
-              </a:rPr>
-              <a:t>(</a:t>
-            </a:r>
-            <a:r>
-              <a:rPr sz="1800">
-                <a:solidFill>
-                  <a:srgbClr val="4070A0"/>
-                </a:solidFill>
-                <a:latin typeface="Courier"/>
-              </a:rPr>
-              <a:t>"f"</a:t>
-            </a:r>
-            <a:r>
-              <a:rPr sz="1800">
-                <a:latin typeface="Courier"/>
-              </a:rPr>
-              <a:t>, </a:t>
-            </a:r>
-            <a:r>
-              <a:rPr sz="1800">
-                <a:solidFill>
-                  <a:srgbClr val="4070A0"/>
-                </a:solidFill>
-                <a:latin typeface="Courier"/>
-              </a:rPr>
-              <a:t>"F"</a:t>
-            </a:r>
-            <a:r>
-              <a:rPr sz="1800">
-                <a:latin typeface="Courier"/>
-              </a:rPr>
-              <a:t>, </a:t>
-            </a:r>
-            <a:r>
-              <a:rPr sz="1800">
-                <a:solidFill>
-                  <a:srgbClr val="4070A0"/>
-                </a:solidFill>
-                <a:latin typeface="Courier"/>
-              </a:rPr>
-              <a:t>"M"</a:t>
-            </a:r>
-            <a:r>
-              <a:rPr sz="1800">
-                <a:latin typeface="Courier"/>
-              </a:rPr>
-              <a:t>, </a:t>
-            </a:r>
-            <a:r>
-              <a:rPr sz="1800">
-                <a:solidFill>
-                  <a:srgbClr val="4070A0"/>
-                </a:solidFill>
-                <a:latin typeface="Courier"/>
-              </a:rPr>
-              <a:t>"f"</a:t>
-            </a:r>
-            <a:r>
-              <a:rPr sz="1800">
-                <a:latin typeface="Courier"/>
-              </a:rPr>
-              <a:t>)</a:t>
-            </a:r>
-          </a:p>
-          <a:p>
-            <a:pPr lvl="0" marL="0" indent="0">
+              <a:rPr>
+                <a:latin typeface="Courier"/>
+              </a:rPr>
+              <a:t>test_gender</a:t>
+            </a:r>
+          </a:p>
+          <a:p>
+            <a:pPr lvl="0" indent="0">
               <a:buNone/>
             </a:pPr>
             <a:r>
-              <a:rPr/>
-              <a:t>Notice that </a:t>
-            </a:r>
-            <a:r>
-              <a:rPr sz="1800">
-                <a:latin typeface="Courier"/>
-              </a:rPr>
-              <a:t>female</a:t>
-            </a:r>
-            <a:r>
-              <a:rPr/>
-              <a:t> is coded in 2 different ways</a:t>
-            </a:r>
-          </a:p>
-          <a:p>
-            <a:pPr lvl="0" marL="0" indent="0">
-              <a:buNone/>
-            </a:pPr>
-            <a:r>
-              <a:rPr/>
-              <a:t>We can change all of the letters to uppercase.</a:t>
-            </a:r>
-          </a:p>
-          <a:p>
-            <a:pPr lvl="0" marL="1270000" indent="0">
-              <a:buNone/>
-            </a:pPr>
-            <a:r>
-              <a:rPr sz="1800">
-                <a:latin typeface="Courier"/>
-              </a:rPr>
-              <a:t>test_gender &lt;-</a:t>
-            </a:r>
-            <a:r>
-              <a:rPr sz="1800">
-                <a:solidFill>
-                  <a:srgbClr val="4070A0"/>
-                </a:solidFill>
-                <a:latin typeface="Courier"/>
-              </a:rPr>
-              <a:t> </a:t>
-            </a:r>
-            <a:r>
-              <a:rPr sz="1800">
-                <a:latin typeface="Courier"/>
-              </a:rPr>
-              <a:t>stringr</a:t>
-            </a:r>
-            <a:r>
-              <a:rPr sz="1800">
-                <a:solidFill>
-                  <a:srgbClr val="666666"/>
-                </a:solidFill>
-                <a:latin typeface="Courier"/>
-              </a:rPr>
-              <a:t>::</a:t>
-            </a:r>
-            <a:r>
-              <a:rPr sz="1800" b="1">
-                <a:solidFill>
-                  <a:srgbClr val="007020"/>
-                </a:solidFill>
-                <a:latin typeface="Courier"/>
-              </a:rPr>
-              <a:t>str_to_upper</a:t>
-            </a:r>
-            <a:r>
-              <a:rPr sz="1800">
-                <a:latin typeface="Courier"/>
-              </a:rPr>
-              <a:t>(test_gender)</a:t>
-            </a:r>
-            <a:br/>
-            <a:r>
-              <a:rPr sz="1800">
-                <a:latin typeface="Courier"/>
-              </a:rPr>
-              <a:t>test_gender</a:t>
-            </a:r>
-          </a:p>
-          <a:p>
-            <a:pPr lvl="0" marL="1270000" indent="0">
-              <a:buNone/>
-            </a:pPr>
-            <a:r>
-              <a:rPr sz="1800">
+              <a:rPr>
                 <a:latin typeface="Courier"/>
               </a:rPr>
               <a:t>## [1] "F" "F" "M" "F"</a:t>
             </a:r>
           </a:p>
           <a:p>
-            <a:pPr lvl="0" marL="0" indent="0">
-              <a:buNone/>
-            </a:pPr>
+            <a:pPr lvl="1"/>
             <a:r>
               <a:rPr/>
               <a:t>Look at the manipulate strings cheat sheet (</a:t>
@@ -8764,29 +8603,27 @@
           <a:bodyPr/>
           <a:lstStyle/>
           <a:p>
-            <a:pPr lvl="0" marL="0" indent="0">
+            <a:pPr lvl="1"/>
+            <a:r>
+              <a:rPr/>
+              <a:t>R treats dates as characters unless you tell it not to.</a:t>
+            </a:r>
+          </a:p>
+          <a:p>
+            <a:pPr lvl="0" indent="0">
               <a:buNone/>
             </a:pPr>
             <a:r>
-              <a:rPr/>
-              <a:t>R treats dates as characters unless you tell it not to.</a:t>
-            </a:r>
-          </a:p>
-          <a:p>
-            <a:pPr lvl="0" marL="1270000" indent="0">
-              <a:buNone/>
-            </a:pPr>
-            <a:r>
-              <a:rPr sz="1800" b="1">
-                <a:solidFill>
-                  <a:srgbClr val="007020"/>
+              <a:rPr>
+                <a:solidFill>
+                  <a:srgbClr val="06287E"/>
                 </a:solidFill>
                 <a:latin typeface="Courier"/>
               </a:rPr>
               <a:t>library</a:t>
             </a:r>
             <a:r>
-              <a:rPr sz="1800">
+              <a:rPr>
                 <a:latin typeface="Courier"/>
               </a:rPr>
               <a:t>(lubridate)</a:t>
@@ -8794,153 +8631,157 @@
             <a:br/>
             <a:br/>
             <a:r>
-              <a:rPr sz="1800">
-                <a:latin typeface="Courier"/>
-              </a:rPr>
-              <a:t>test_dates &lt;-</a:t>
-            </a:r>
-            <a:r>
-              <a:rPr sz="1800">
+              <a:rPr>
+                <a:latin typeface="Courier"/>
+              </a:rPr>
+              <a:t>test_dates </a:t>
+            </a:r>
+            <a:r>
+              <a:rPr>
+                <a:solidFill>
+                  <a:srgbClr val="007020"/>
+                </a:solidFill>
+                <a:latin typeface="Courier"/>
+              </a:rPr>
+              <a:t>&lt;-</a:t>
+            </a:r>
+            <a:r>
+              <a:rPr>
+                <a:latin typeface="Courier"/>
+              </a:rPr>
+              <a:t> </a:t>
+            </a:r>
+            <a:r>
+              <a:rPr>
+                <a:solidFill>
+                  <a:srgbClr val="06287E"/>
+                </a:solidFill>
+                <a:latin typeface="Courier"/>
+              </a:rPr>
+              <a:t>c</a:t>
+            </a:r>
+            <a:r>
+              <a:rPr>
+                <a:latin typeface="Courier"/>
+              </a:rPr>
+              <a:t>(</a:t>
+            </a:r>
+            <a:r>
+              <a:rPr>
                 <a:solidFill>
                   <a:srgbClr val="4070A0"/>
                 </a:solidFill>
                 <a:latin typeface="Courier"/>
               </a:rPr>
-              <a:t> </a:t>
-            </a:r>
-            <a:r>
-              <a:rPr sz="1800" b="1">
+              <a:t>"02-01-12"</a:t>
+            </a:r>
+            <a:r>
+              <a:rPr>
+                <a:latin typeface="Courier"/>
+              </a:rPr>
+              <a:t>, </a:t>
+            </a:r>
+            <a:r>
+              <a:rPr>
+                <a:solidFill>
+                  <a:srgbClr val="4070A0"/>
+                </a:solidFill>
+                <a:latin typeface="Courier"/>
+              </a:rPr>
+              <a:t>"03-04-15"</a:t>
+            </a:r>
+            <a:r>
+              <a:rPr>
+                <a:latin typeface="Courier"/>
+              </a:rPr>
+              <a:t>, </a:t>
+            </a:r>
+            <a:r>
+              <a:rPr>
+                <a:solidFill>
+                  <a:srgbClr val="4070A0"/>
+                </a:solidFill>
+                <a:latin typeface="Courier"/>
+              </a:rPr>
+              <a:t>"15-06-02"</a:t>
+            </a:r>
+            <a:r>
+              <a:rPr>
+                <a:latin typeface="Courier"/>
+              </a:rPr>
+              <a:t>)</a:t>
+            </a:r>
+          </a:p>
+          <a:p>
+            <a:pPr lvl="1"/>
+            <a:r>
+              <a:rPr/>
+              <a:t>Convert these characters to dates.</a:t>
+            </a:r>
+          </a:p>
+          <a:p>
+            <a:pPr lvl="0" indent="0">
+              <a:buNone/>
+            </a:pPr>
+            <a:r>
+              <a:rPr>
+                <a:latin typeface="Courier"/>
+              </a:rPr>
+              <a:t>test_dates </a:t>
+            </a:r>
+            <a:r>
+              <a:rPr>
                 <a:solidFill>
                   <a:srgbClr val="007020"/>
                 </a:solidFill>
                 <a:latin typeface="Courier"/>
               </a:rPr>
-              <a:t>c</a:t>
-            </a:r>
-            <a:r>
-              <a:rPr sz="1800">
-                <a:latin typeface="Courier"/>
-              </a:rPr>
-              <a:t>(</a:t>
-            </a:r>
-            <a:r>
-              <a:rPr sz="1800">
+              <a:t>&lt;-</a:t>
+            </a:r>
+            <a:r>
+              <a:rPr>
+                <a:latin typeface="Courier"/>
+              </a:rPr>
+              <a:t> lubridate</a:t>
+            </a:r>
+            <a:r>
+              <a:rPr>
                 <a:solidFill>
                   <a:srgbClr val="4070A0"/>
                 </a:solidFill>
                 <a:latin typeface="Courier"/>
               </a:rPr>
-              <a:t>"02-01-12"</a:t>
-            </a:r>
-            <a:r>
-              <a:rPr sz="1800">
-                <a:latin typeface="Courier"/>
-              </a:rPr>
-              <a:t>, </a:t>
-            </a:r>
-            <a:r>
-              <a:rPr sz="1800">
-                <a:solidFill>
-                  <a:srgbClr val="4070A0"/>
-                </a:solidFill>
-                <a:latin typeface="Courier"/>
-              </a:rPr>
-              <a:t>"03-04-15"</a:t>
-            </a:r>
-            <a:r>
-              <a:rPr sz="1800">
-                <a:latin typeface="Courier"/>
-              </a:rPr>
-              <a:t>, </a:t>
-            </a:r>
-            <a:r>
-              <a:rPr sz="1800">
-                <a:solidFill>
-                  <a:srgbClr val="4070A0"/>
-                </a:solidFill>
-                <a:latin typeface="Courier"/>
-              </a:rPr>
-              <a:t>"15-06-02"</a:t>
-            </a:r>
-            <a:r>
-              <a:rPr sz="1800">
-                <a:latin typeface="Courier"/>
-              </a:rPr>
-              <a:t>)</a:t>
-            </a:r>
-          </a:p>
-          <a:p>
-            <a:pPr lvl="0" marL="0" indent="0">
+              <a:t>::</a:t>
+            </a:r>
+            <a:r>
+              <a:rPr>
+                <a:solidFill>
+                  <a:srgbClr val="06287E"/>
+                </a:solidFill>
+                <a:latin typeface="Courier"/>
+              </a:rPr>
+              <a:t>dmy</a:t>
+            </a:r>
+            <a:r>
+              <a:rPr>
+                <a:latin typeface="Courier"/>
+              </a:rPr>
+              <a:t>(test_dates)</a:t>
+            </a:r>
+            <a:br/>
+            <a:r>
+              <a:rPr>
+                <a:latin typeface="Courier"/>
+              </a:rPr>
+              <a:t>test_dates</a:t>
+            </a:r>
+          </a:p>
+          <a:p>
+            <a:pPr lvl="0" indent="0">
               <a:buNone/>
             </a:pPr>
             <a:r>
-              <a:rPr/>
-              <a:t>Convert these characters to dates.</a:t>
-            </a:r>
-          </a:p>
-          <a:p>
-            <a:pPr lvl="0" marL="1270000" indent="0">
-              <a:buNone/>
-            </a:pPr>
-            <a:r>
-              <a:rPr sz="1800">
-                <a:latin typeface="Courier"/>
-              </a:rPr>
-              <a:t>test_dates &lt;-</a:t>
-            </a:r>
-            <a:r>
-              <a:rPr sz="1800">
-                <a:solidFill>
-                  <a:srgbClr val="4070A0"/>
-                </a:solidFill>
-                <a:latin typeface="Courier"/>
-              </a:rPr>
-              <a:t> </a:t>
-            </a:r>
-            <a:r>
-              <a:rPr sz="1800">
-                <a:latin typeface="Courier"/>
-              </a:rPr>
-              <a:t>lubridate</a:t>
-            </a:r>
-            <a:r>
-              <a:rPr sz="1800">
-                <a:solidFill>
-                  <a:srgbClr val="666666"/>
-                </a:solidFill>
-                <a:latin typeface="Courier"/>
-              </a:rPr>
-              <a:t>::</a:t>
-            </a:r>
-            <a:r>
-              <a:rPr sz="1800" b="1">
-                <a:solidFill>
-                  <a:srgbClr val="007020"/>
-                </a:solidFill>
-                <a:latin typeface="Courier"/>
-              </a:rPr>
-              <a:t>dmy</a:t>
-            </a:r>
-            <a:r>
-              <a:rPr sz="1800">
-                <a:latin typeface="Courier"/>
-              </a:rPr>
-              <a:t>(test_dates)</a:t>
-            </a:r>
-            <a:br/>
-            <a:r>
-              <a:rPr sz="1800">
-                <a:latin typeface="Courier"/>
-              </a:rPr>
-              <a:t>test_dates</a:t>
-            </a:r>
-          </a:p>
-          <a:p>
-            <a:pPr lvl="0" marL="1270000" indent="0">
-              <a:buNone/>
-            </a:pPr>
-            <a:r>
-              <a:rPr sz="1800">
+              <a:rPr>
                 <a:latin typeface="Courier"/>
               </a:rPr>
               <a:t>## [1] "2012-01-02" "2015-04-03" "2002-06-15"</a:t>
@@ -9070,147 +8911,131 @@
           <a:bodyPr/>
           <a:lstStyle/>
           <a:p>
-            <a:pPr lvl="0" marL="0" indent="0">
+            <a:pPr lvl="1"/>
+            <a:r>
+              <a:rPr/>
+              <a:t>We can extract components of dates.</a:t>
+            </a:r>
+          </a:p>
+          <a:p>
+            <a:pPr lvl="1"/>
+            <a:r>
+              <a:rPr/>
+              <a:t>Extracting years</a:t>
+            </a:r>
+          </a:p>
+          <a:p>
+            <a:pPr lvl="0" indent="0">
               <a:buNone/>
             </a:pPr>
             <a:r>
-              <a:rPr/>
-              <a:t>We can extract components of dates.</a:t>
-            </a:r>
-          </a:p>
-          <a:p>
-            <a:pPr lvl="0" marL="0" indent="0">
-              <a:buNone/>
-            </a:pPr>
-            <a:r>
-              <a:rPr/>
-              <a:t>Extracting years</a:t>
-            </a:r>
-          </a:p>
-          <a:p>
-            <a:pPr lvl="0" marL="1270000" indent="0">
-              <a:buNone/>
-            </a:pPr>
-            <a:r>
-              <a:rPr sz="1800">
-                <a:latin typeface="Courier"/>
-              </a:rPr>
-              <a:t>cchic &lt;-</a:t>
-            </a:r>
-            <a:r>
-              <a:rPr sz="1800">
+              <a:rPr>
+                <a:latin typeface="Courier"/>
+              </a:rPr>
+              <a:t>cchic </a:t>
+            </a:r>
+            <a:r>
+              <a:rPr>
+                <a:solidFill>
+                  <a:srgbClr val="007020"/>
+                </a:solidFill>
+                <a:latin typeface="Courier"/>
+              </a:rPr>
+              <a:t>&lt;-</a:t>
+            </a:r>
+            <a:r>
+              <a:rPr>
+                <a:latin typeface="Courier"/>
+              </a:rPr>
+              <a:t> cchic </a:t>
+            </a:r>
+            <a:r>
+              <a:rPr>
                 <a:solidFill>
                   <a:srgbClr val="4070A0"/>
                 </a:solidFill>
                 <a:latin typeface="Courier"/>
               </a:rPr>
-              <a:t> </a:t>
-            </a:r>
-            <a:r>
-              <a:rPr sz="1800">
-                <a:latin typeface="Courier"/>
-              </a:rPr>
-              <a:t>cchic </a:t>
-            </a:r>
-            <a:r>
-              <a:rPr sz="1800">
-                <a:solidFill>
-                  <a:srgbClr val="666666"/>
-                </a:solidFill>
-                <a:latin typeface="Courier"/>
-              </a:rPr>
               <a:t>%&gt;%</a:t>
             </a:r>
             <a:r>
-              <a:rPr sz="1800">
+              <a:rPr>
+                <a:latin typeface="Courier"/>
+              </a:rPr>
+              <a:t> </a:t>
+            </a:r>
+            <a:br/>
+            <a:r>
+              <a:rPr>
+                <a:latin typeface="Courier"/>
+              </a:rPr>
+              <a:t>  dplyr</a:t>
+            </a:r>
+            <a:r>
+              <a:rPr>
                 <a:solidFill>
                   <a:srgbClr val="4070A0"/>
                 </a:solidFill>
                 <a:latin typeface="Courier"/>
               </a:rPr>
-              <a:t> </a:t>
-            </a:r>
-            <a:br/>
-            <a:r>
-              <a:rPr sz="1800">
-                <a:solidFill>
-                  <a:srgbClr val="4070A0"/>
-                </a:solidFill>
-                <a:latin typeface="Courier"/>
-              </a:rPr>
-              <a:t>  </a:t>
-            </a:r>
-            <a:r>
-              <a:rPr sz="1800">
-                <a:latin typeface="Courier"/>
-              </a:rPr>
-              <a:t>dplyr</a:t>
-            </a:r>
-            <a:r>
-              <a:rPr sz="1800">
-                <a:solidFill>
-                  <a:srgbClr val="666666"/>
-                </a:solidFill>
-                <a:latin typeface="Courier"/>
-              </a:rPr>
               <a:t>::</a:t>
             </a:r>
             <a:r>
-              <a:rPr sz="1800" b="1">
-                <a:solidFill>
-                  <a:srgbClr val="007020"/>
+              <a:rPr>
+                <a:solidFill>
+                  <a:srgbClr val="06287E"/>
                 </a:solidFill>
                 <a:latin typeface="Courier"/>
               </a:rPr>
               <a:t>mutate</a:t>
             </a:r>
             <a:r>
-              <a:rPr sz="1800">
+              <a:rPr>
                 <a:latin typeface="Courier"/>
               </a:rPr>
               <a:t>(</a:t>
             </a:r>
             <a:r>
-              <a:rPr sz="1800">
-                <a:solidFill>
-                  <a:srgbClr val="902000"/>
+              <a:rPr>
+                <a:solidFill>
+                  <a:srgbClr val="7D9029"/>
                 </a:solidFill>
                 <a:latin typeface="Courier"/>
               </a:rPr>
               <a:t>year_born =</a:t>
             </a:r>
             <a:r>
-              <a:rPr sz="1800">
-                <a:latin typeface="Courier"/>
-              </a:rPr>
-              <a:t> </a:t>
-            </a:r>
-            <a:r>
-              <a:rPr sz="1800" b="1">
-                <a:solidFill>
-                  <a:srgbClr val="007020"/>
+              <a:rPr>
+                <a:latin typeface="Courier"/>
+              </a:rPr>
+              <a:t> </a:t>
+            </a:r>
+            <a:r>
+              <a:rPr>
+                <a:solidFill>
+                  <a:srgbClr val="06287E"/>
                 </a:solidFill>
                 <a:latin typeface="Courier"/>
               </a:rPr>
               <a:t>year</a:t>
             </a:r>
             <a:r>
-              <a:rPr sz="1800">
+              <a:rPr>
                 <a:latin typeface="Courier"/>
               </a:rPr>
               <a:t>(</a:t>
             </a:r>
             <a:r>
-              <a:rPr sz="1800" b="1">
-                <a:solidFill>
-                  <a:srgbClr val="007020"/>
+              <a:rPr>
+                <a:solidFill>
+                  <a:srgbClr val="06287E"/>
                 </a:solidFill>
                 <a:latin typeface="Courier"/>
               </a:rPr>
               <a:t>ymd</a:t>
             </a:r>
             <a:r>
-              <a:rPr sz="1800">
+              <a:rPr>
                 <a:latin typeface="Courier"/>
               </a:rPr>
               <a:t>(dob)))</a:t>
@@ -9218,169 +9043,155 @@
             <a:br/>
             <a:br/>
             <a:r>
-              <a:rPr sz="1800" b="1">
+              <a:rPr>
+                <a:solidFill>
+                  <a:srgbClr val="06287E"/>
+                </a:solidFill>
+                <a:latin typeface="Courier"/>
+              </a:rPr>
+              <a:t>str</a:t>
+            </a:r>
+            <a:r>
+              <a:rPr>
+                <a:latin typeface="Courier"/>
+              </a:rPr>
+              <a:t>(cchic</a:t>
+            </a:r>
+            <a:r>
+              <a:rPr>
+                <a:solidFill>
+                  <a:srgbClr val="4070A0"/>
+                </a:solidFill>
+                <a:latin typeface="Courier"/>
+              </a:rPr>
+              <a:t>$</a:t>
+            </a:r>
+            <a:r>
+              <a:rPr>
+                <a:latin typeface="Courier"/>
+              </a:rPr>
+              <a:t>year_born)</a:t>
+            </a:r>
+          </a:p>
+          <a:p>
+            <a:pPr lvl="1"/>
+            <a:r>
+              <a:rPr/>
+              <a:t>Extracting days</a:t>
+            </a:r>
+          </a:p>
+          <a:p>
+            <a:pPr lvl="0" indent="0">
+              <a:buNone/>
+            </a:pPr>
+            <a:r>
+              <a:rPr>
+                <a:latin typeface="Courier"/>
+              </a:rPr>
+              <a:t>cchic </a:t>
+            </a:r>
+            <a:r>
+              <a:rPr>
                 <a:solidFill>
                   <a:srgbClr val="007020"/>
                 </a:solidFill>
                 <a:latin typeface="Courier"/>
               </a:rPr>
-              <a:t>str</a:t>
-            </a:r>
-            <a:r>
-              <a:rPr sz="1800">
-                <a:latin typeface="Courier"/>
-              </a:rPr>
-              <a:t>(cchic</a:t>
-            </a:r>
-            <a:r>
-              <a:rPr sz="1800">
-                <a:solidFill>
-                  <a:srgbClr val="666666"/>
-                </a:solidFill>
-                <a:latin typeface="Courier"/>
-              </a:rPr>
-              <a:t>$</a:t>
-            </a:r>
-            <a:r>
-              <a:rPr sz="1800">
-                <a:latin typeface="Courier"/>
-              </a:rPr>
-              <a:t>year_born)</a:t>
-            </a:r>
-          </a:p>
-          <a:p>
-            <a:pPr lvl="0" marL="0" indent="0">
-              <a:buNone/>
-            </a:pPr>
-            <a:r>
-              <a:rPr/>
-              <a:t>Extracting days</a:t>
-            </a:r>
-          </a:p>
-          <a:p>
-            <a:pPr lvl="0" marL="1270000" indent="0">
-              <a:buNone/>
-            </a:pPr>
-            <a:r>
-              <a:rPr sz="1800">
-                <a:latin typeface="Courier"/>
-              </a:rPr>
-              <a:t>cchic &lt;-</a:t>
-            </a:r>
-            <a:r>
-              <a:rPr sz="1800">
+              <a:t>&lt;-</a:t>
+            </a:r>
+            <a:r>
+              <a:rPr>
+                <a:latin typeface="Courier"/>
+              </a:rPr>
+              <a:t> cchic </a:t>
+            </a:r>
+            <a:r>
+              <a:rPr>
                 <a:solidFill>
                   <a:srgbClr val="4070A0"/>
                 </a:solidFill>
                 <a:latin typeface="Courier"/>
               </a:rPr>
-              <a:t> </a:t>
-            </a:r>
-            <a:r>
-              <a:rPr sz="1800">
-                <a:latin typeface="Courier"/>
-              </a:rPr>
-              <a:t>cchic </a:t>
-            </a:r>
-            <a:r>
-              <a:rPr sz="1800">
-                <a:solidFill>
-                  <a:srgbClr val="666666"/>
-                </a:solidFill>
-                <a:latin typeface="Courier"/>
-              </a:rPr>
               <a:t>%&gt;%</a:t>
             </a:r>
             <a:r>
-              <a:rPr sz="1800">
+              <a:rPr>
+                <a:latin typeface="Courier"/>
+              </a:rPr>
+              <a:t> </a:t>
+            </a:r>
+            <a:br/>
+            <a:r>
+              <a:rPr>
+                <a:latin typeface="Courier"/>
+              </a:rPr>
+              <a:t>  dplyr</a:t>
+            </a:r>
+            <a:r>
+              <a:rPr>
                 <a:solidFill>
                   <a:srgbClr val="4070A0"/>
                 </a:solidFill>
                 <a:latin typeface="Courier"/>
               </a:rPr>
-              <a:t> </a:t>
-            </a:r>
-            <a:br/>
-            <a:r>
-              <a:rPr sz="1800">
-                <a:solidFill>
-                  <a:srgbClr val="4070A0"/>
-                </a:solidFill>
-                <a:latin typeface="Courier"/>
-              </a:rPr>
-              <a:t>  </a:t>
-            </a:r>
-            <a:r>
-              <a:rPr sz="1800">
-                <a:latin typeface="Courier"/>
-              </a:rPr>
-              <a:t>dplyr</a:t>
-            </a:r>
-            <a:r>
-              <a:rPr sz="1800">
-                <a:solidFill>
-                  <a:srgbClr val="666666"/>
-                </a:solidFill>
-                <a:latin typeface="Courier"/>
-              </a:rPr>
               <a:t>::</a:t>
             </a:r>
             <a:r>
-              <a:rPr sz="1800" b="1">
-                <a:solidFill>
-                  <a:srgbClr val="007020"/>
+              <a:rPr>
+                <a:solidFill>
+                  <a:srgbClr val="06287E"/>
                 </a:solidFill>
                 <a:latin typeface="Courier"/>
               </a:rPr>
               <a:t>mutate</a:t>
             </a:r>
             <a:r>
-              <a:rPr sz="1800">
+              <a:rPr>
                 <a:latin typeface="Courier"/>
               </a:rPr>
               <a:t>(</a:t>
             </a:r>
             <a:r>
-              <a:rPr sz="1800">
-                <a:solidFill>
-                  <a:srgbClr val="902000"/>
+              <a:rPr>
+                <a:solidFill>
+                  <a:srgbClr val="7D9029"/>
                 </a:solidFill>
                 <a:latin typeface="Courier"/>
               </a:rPr>
               <a:t>discharge_day =</a:t>
             </a:r>
             <a:r>
-              <a:rPr sz="1800">
-                <a:latin typeface="Courier"/>
-              </a:rPr>
-              <a:t> </a:t>
-            </a:r>
-            <a:r>
-              <a:rPr sz="1800" b="1">
-                <a:solidFill>
-                  <a:srgbClr val="007020"/>
+              <a:rPr>
+                <a:latin typeface="Courier"/>
+              </a:rPr>
+              <a:t> </a:t>
+            </a:r>
+            <a:r>
+              <a:rPr>
+                <a:solidFill>
+                  <a:srgbClr val="06287E"/>
                 </a:solidFill>
                 <a:latin typeface="Courier"/>
               </a:rPr>
               <a:t>day</a:t>
             </a:r>
             <a:r>
-              <a:rPr sz="1800">
+              <a:rPr>
                 <a:latin typeface="Courier"/>
               </a:rPr>
               <a:t>(</a:t>
             </a:r>
             <a:r>
-              <a:rPr sz="1800" b="1">
-                <a:solidFill>
-                  <a:srgbClr val="007020"/>
+              <a:rPr>
+                <a:solidFill>
+                  <a:srgbClr val="06287E"/>
                 </a:solidFill>
                 <a:latin typeface="Courier"/>
               </a:rPr>
               <a:t>ymd_hms</a:t>
             </a:r>
             <a:r>
-              <a:rPr sz="1800">
+              <a:rPr>
                 <a:latin typeface="Courier"/>
               </a:rPr>
               <a:t>(discharge_dttm)))</a:t>
@@ -9388,31 +9199,31 @@
             <a:br/>
             <a:br/>
             <a:r>
-              <a:rPr sz="1800" b="1">
-                <a:solidFill>
-                  <a:srgbClr val="007020"/>
+              <a:rPr>
+                <a:solidFill>
+                  <a:srgbClr val="06287E"/>
                 </a:solidFill>
                 <a:latin typeface="Courier"/>
               </a:rPr>
               <a:t>str</a:t>
             </a:r>
             <a:r>
-              <a:rPr sz="1800">
+              <a:rPr>
                 <a:latin typeface="Courier"/>
               </a:rPr>
               <a:t>(cchic</a:t>
             </a:r>
             <a:r>
-              <a:rPr sz="1800">
-                <a:solidFill>
-                  <a:srgbClr val="666666"/>
+              <a:rPr>
+                <a:solidFill>
+                  <a:srgbClr val="4070A0"/>
                 </a:solidFill>
                 <a:latin typeface="Courier"/>
               </a:rPr>
               <a:t>$</a:t>
             </a:r>
             <a:r>
-              <a:rPr sz="1800">
+              <a:rPr>
                 <a:latin typeface="Courier"/>
               </a:rPr>
               <a:t>discharge_day)</a:t>
@@ -9542,172 +9353,161 @@
           <a:bodyPr/>
           <a:lstStyle/>
           <a:p>
-            <a:pPr lvl="0" marL="0" indent="0">
+            <a:pPr lvl="1"/>
+            <a:r>
+              <a:rPr/>
+              <a:t>We often want to calculate the difference between two dates or times. Let’s calculate the length of stay of patients admitted to the ICU.</a:t>
+            </a:r>
+          </a:p>
+          <a:p>
+            <a:pPr lvl="0" indent="0">
               <a:buNone/>
             </a:pPr>
             <a:r>
-              <a:rPr/>
-              <a:t>We often want to calculate the difference between two dates or times. Let’s calculate the length of stay of patients admitted to the ICU.</a:t>
-            </a:r>
-          </a:p>
-          <a:p>
-            <a:pPr lvl="0" marL="1270000" indent="0">
-              <a:buNone/>
-            </a:pPr>
-            <a:r>
-              <a:rPr sz="1800">
-                <a:latin typeface="Courier"/>
-              </a:rPr>
-              <a:t>cchic &lt;-</a:t>
-            </a:r>
-            <a:r>
-              <a:rPr sz="1800">
+              <a:rPr>
+                <a:latin typeface="Courier"/>
+              </a:rPr>
+              <a:t>cchic </a:t>
+            </a:r>
+            <a:r>
+              <a:rPr>
+                <a:solidFill>
+                  <a:srgbClr val="007020"/>
+                </a:solidFill>
+                <a:latin typeface="Courier"/>
+              </a:rPr>
+              <a:t>&lt;-</a:t>
+            </a:r>
+            <a:r>
+              <a:rPr>
+                <a:latin typeface="Courier"/>
+              </a:rPr>
+              <a:t> cchic </a:t>
+            </a:r>
+            <a:r>
+              <a:rPr>
                 <a:solidFill>
                   <a:srgbClr val="4070A0"/>
                 </a:solidFill>
                 <a:latin typeface="Courier"/>
               </a:rPr>
-              <a:t> </a:t>
-            </a:r>
-            <a:r>
-              <a:rPr sz="1800">
-                <a:latin typeface="Courier"/>
-              </a:rPr>
-              <a:t>cchic </a:t>
-            </a:r>
-            <a:r>
-              <a:rPr sz="1800">
-                <a:solidFill>
-                  <a:srgbClr val="666666"/>
-                </a:solidFill>
-                <a:latin typeface="Courier"/>
-              </a:rPr>
               <a:t>%&gt;%</a:t>
             </a:r>
             <a:br/>
             <a:r>
-              <a:rPr sz="1800">
+              <a:rPr>
+                <a:latin typeface="Courier"/>
+              </a:rPr>
+              <a:t>  dplyr</a:t>
+            </a:r>
+            <a:r>
+              <a:rPr>
                 <a:solidFill>
                   <a:srgbClr val="4070A0"/>
                 </a:solidFill>
                 <a:latin typeface="Courier"/>
               </a:rPr>
-              <a:t>  </a:t>
-            </a:r>
-            <a:r>
-              <a:rPr sz="1800">
-                <a:latin typeface="Courier"/>
-              </a:rPr>
-              <a:t>dplyr</a:t>
-            </a:r>
-            <a:r>
-              <a:rPr sz="1800">
-                <a:solidFill>
-                  <a:srgbClr val="666666"/>
-                </a:solidFill>
-                <a:latin typeface="Courier"/>
-              </a:rPr>
               <a:t>::</a:t>
             </a:r>
             <a:r>
-              <a:rPr sz="1800" b="1">
-                <a:solidFill>
-                  <a:srgbClr val="007020"/>
+              <a:rPr>
+                <a:solidFill>
+                  <a:srgbClr val="06287E"/>
                 </a:solidFill>
                 <a:latin typeface="Courier"/>
               </a:rPr>
               <a:t>mutate</a:t>
             </a:r>
             <a:r>
-              <a:rPr sz="1800">
+              <a:rPr>
                 <a:latin typeface="Courier"/>
               </a:rPr>
               <a:t>(</a:t>
             </a:r>
             <a:r>
-              <a:rPr sz="1800">
-                <a:solidFill>
-                  <a:srgbClr val="902000"/>
+              <a:rPr>
+                <a:solidFill>
+                  <a:srgbClr val="7D9029"/>
                 </a:solidFill>
                 <a:latin typeface="Courier"/>
               </a:rPr>
               <a:t>los =</a:t>
             </a:r>
             <a:r>
-              <a:rPr sz="1800">
-                <a:latin typeface="Courier"/>
-              </a:rPr>
-              <a:t> </a:t>
-            </a:r>
-            <a:r>
-              <a:rPr sz="1800" b="1">
-                <a:solidFill>
-                  <a:srgbClr val="007020"/>
+              <a:rPr>
+                <a:latin typeface="Courier"/>
+              </a:rPr>
+              <a:t> </a:t>
+            </a:r>
+            <a:r>
+              <a:rPr>
+                <a:solidFill>
+                  <a:srgbClr val="06287E"/>
                 </a:solidFill>
                 <a:latin typeface="Courier"/>
               </a:rPr>
               <a:t>difftime</a:t>
             </a:r>
             <a:r>
-              <a:rPr sz="1800">
+              <a:rPr>
                 <a:latin typeface="Courier"/>
               </a:rPr>
               <a:t>(</a:t>
             </a:r>
             <a:r>
-              <a:rPr sz="1800" b="1">
-                <a:solidFill>
-                  <a:srgbClr val="007020"/>
+              <a:rPr>
+                <a:solidFill>
+                  <a:srgbClr val="06287E"/>
                 </a:solidFill>
                 <a:latin typeface="Courier"/>
               </a:rPr>
               <a:t>ymd_hms</a:t>
             </a:r>
             <a:r>
-              <a:rPr sz="1800">
+              <a:rPr>
                 <a:latin typeface="Courier"/>
               </a:rPr>
               <a:t>(discharge_dttm),</a:t>
             </a:r>
             <a:br/>
             <a:r>
-              <a:rPr sz="1800">
+              <a:rPr>
                 <a:latin typeface="Courier"/>
               </a:rPr>
               <a:t>                        </a:t>
             </a:r>
             <a:r>
-              <a:rPr sz="1800" b="1">
-                <a:solidFill>
-                  <a:srgbClr val="007020"/>
+              <a:rPr>
+                <a:solidFill>
+                  <a:srgbClr val="06287E"/>
                 </a:solidFill>
                 <a:latin typeface="Courier"/>
               </a:rPr>
               <a:t>ymd_hms</a:t>
             </a:r>
             <a:r>
-              <a:rPr sz="1800">
+              <a:rPr>
                 <a:latin typeface="Courier"/>
               </a:rPr>
               <a:t>(arrival_dttm), </a:t>
             </a:r>
             <a:r>
-              <a:rPr sz="1800">
-                <a:solidFill>
-                  <a:srgbClr val="902000"/>
+              <a:rPr>
+                <a:solidFill>
+                  <a:srgbClr val="7D9029"/>
                 </a:solidFill>
                 <a:latin typeface="Courier"/>
               </a:rPr>
               <a:t>units =</a:t>
             </a:r>
             <a:r>
-              <a:rPr sz="1800">
-                <a:latin typeface="Courier"/>
-              </a:rPr>
-              <a:t> </a:t>
-            </a:r>
-            <a:r>
-              <a:rPr sz="1800">
+              <a:rPr>
+                <a:latin typeface="Courier"/>
+              </a:rPr>
+              <a:t> </a:t>
+            </a:r>
+            <a:r>
+              <a:rPr>
                 <a:solidFill>
                   <a:srgbClr val="4070A0"/>
                 </a:solidFill>
@@ -9716,7 +9516,7 @@
               <a:t>"days"</a:t>
             </a:r>
             <a:r>
-              <a:rPr sz="1800">
+              <a:rPr>
                 <a:latin typeface="Courier"/>
               </a:rPr>
               <a:t>))</a:t>
@@ -10037,7 +9837,7 @@
               <a:t>Using the </a:t>
             </a:r>
             <a:r>
-              <a:rPr sz="1800">
+              <a:rPr>
                 <a:latin typeface="Courier"/>
               </a:rPr>
               <a:t>dplyr</a:t>
@@ -10286,149 +10086,138 @@
           <a:bodyPr/>
           <a:lstStyle/>
           <a:p>
-            <a:pPr lvl="0" marL="0" indent="0">
-              <a:buNone/>
-            </a:pPr>
+            <a:pPr lvl="1"/>
             <a:r>
               <a:rPr b="1"/>
               <a:t>Try this.</a:t>
             </a:r>
           </a:p>
           <a:p>
-            <a:pPr lvl="0" marL="1270000" indent="0">
+            <a:pPr lvl="0" indent="0">
               <a:buNone/>
             </a:pPr>
             <a:r>
-              <a:rPr sz="1800">
-                <a:latin typeface="Courier"/>
-              </a:rPr>
-              <a:t>cchic_long &lt;-</a:t>
-            </a:r>
-            <a:r>
-              <a:rPr sz="1800">
+              <a:rPr>
+                <a:latin typeface="Courier"/>
+              </a:rPr>
+              <a:t>cchic_long </a:t>
+            </a:r>
+            <a:r>
+              <a:rPr>
+                <a:solidFill>
+                  <a:srgbClr val="007020"/>
+                </a:solidFill>
+                <a:latin typeface="Courier"/>
+              </a:rPr>
+              <a:t>&lt;-</a:t>
+            </a:r>
+            <a:r>
+              <a:rPr>
+                <a:latin typeface="Courier"/>
+              </a:rPr>
+              <a:t> cchic </a:t>
+            </a:r>
+            <a:r>
+              <a:rPr>
                 <a:solidFill>
                   <a:srgbClr val="4070A0"/>
                 </a:solidFill>
                 <a:latin typeface="Courier"/>
               </a:rPr>
-              <a:t> </a:t>
-            </a:r>
-            <a:r>
-              <a:rPr sz="1800">
-                <a:latin typeface="Courier"/>
-              </a:rPr>
-              <a:t>cchic </a:t>
-            </a:r>
-            <a:r>
-              <a:rPr sz="1800">
-                <a:solidFill>
-                  <a:srgbClr val="666666"/>
-                </a:solidFill>
-                <a:latin typeface="Courier"/>
-              </a:rPr>
               <a:t>%&gt;%</a:t>
             </a:r>
             <a:br/>
             <a:r>
-              <a:rPr sz="1800">
+              <a:rPr>
+                <a:latin typeface="Courier"/>
+              </a:rPr>
+              <a:t>  tidyr</a:t>
+            </a:r>
+            <a:r>
+              <a:rPr>
                 <a:solidFill>
                   <a:srgbClr val="4070A0"/>
                 </a:solidFill>
                 <a:latin typeface="Courier"/>
               </a:rPr>
-              <a:t>  </a:t>
-            </a:r>
-            <a:r>
-              <a:rPr sz="1800">
-                <a:latin typeface="Courier"/>
-              </a:rPr>
-              <a:t>tidyr</a:t>
-            </a:r>
-            <a:r>
-              <a:rPr sz="1800">
-                <a:solidFill>
-                  <a:srgbClr val="666666"/>
-                </a:solidFill>
-                <a:latin typeface="Courier"/>
-              </a:rPr>
               <a:t>::</a:t>
             </a:r>
             <a:r>
-              <a:rPr sz="1800" b="1">
-                <a:solidFill>
-                  <a:srgbClr val="007020"/>
+              <a:rPr>
+                <a:solidFill>
+                  <a:srgbClr val="06287E"/>
                 </a:solidFill>
                 <a:latin typeface="Courier"/>
               </a:rPr>
               <a:t>pivot_longer</a:t>
             </a:r>
             <a:r>
-              <a:rPr sz="1800">
+              <a:rPr>
                 <a:latin typeface="Courier"/>
               </a:rPr>
               <a:t>(</a:t>
             </a:r>
             <a:br/>
             <a:r>
-              <a:rPr sz="1800">
+              <a:rPr>
                 <a:latin typeface="Courier"/>
               </a:rPr>
               <a:t>    </a:t>
             </a:r>
             <a:r>
-              <a:rPr sz="1800">
-                <a:solidFill>
-                  <a:srgbClr val="902000"/>
+              <a:rPr>
+                <a:solidFill>
+                  <a:srgbClr val="7D9029"/>
                 </a:solidFill>
                 <a:latin typeface="Courier"/>
               </a:rPr>
               <a:t>cols =</a:t>
             </a:r>
             <a:r>
-              <a:rPr sz="1800">
+              <a:rPr>
                 <a:latin typeface="Courier"/>
               </a:rPr>
               <a:t> temp_c</a:t>
             </a:r>
             <a:r>
-              <a:rPr sz="1800">
-                <a:solidFill>
-                  <a:srgbClr val="666666"/>
+              <a:rPr>
+                <a:solidFill>
+                  <a:srgbClr val="4070A0"/>
                 </a:solidFill>
                 <a:latin typeface="Courier"/>
               </a:rPr>
               <a:t>:</a:t>
             </a:r>
             <a:r>
-              <a:rPr sz="1800">
+              <a:rPr>
                 <a:latin typeface="Courier"/>
               </a:rPr>
               <a:t>temp_nc, </a:t>
             </a:r>
             <a:br/>
             <a:r>
-              <a:rPr sz="1800">
+              <a:rPr>
                 <a:latin typeface="Courier"/>
               </a:rPr>
               <a:t>    </a:t>
             </a:r>
             <a:r>
-              <a:rPr sz="1800">
-                <a:solidFill>
-                  <a:srgbClr val="902000"/>
+              <a:rPr>
+                <a:solidFill>
+                  <a:srgbClr val="7D9029"/>
                 </a:solidFill>
                 <a:latin typeface="Courier"/>
               </a:rPr>
               <a:t>names_to =</a:t>
             </a:r>
             <a:r>
-              <a:rPr sz="1800">
-                <a:latin typeface="Courier"/>
-              </a:rPr>
-              <a:t> </a:t>
-            </a:r>
-            <a:r>
-              <a:rPr sz="1800">
+              <a:rPr>
+                <a:latin typeface="Courier"/>
+              </a:rPr>
+              <a:t> </a:t>
+            </a:r>
+            <a:r>
+              <a:rPr>
                 <a:solidFill>
                   <a:srgbClr val="4070A0"/>
                 </a:solidFill>
@@ -10437,35 +10226,35 @@
               <a:t>"temp_point"</a:t>
             </a:r>
             <a:r>
-              <a:rPr sz="1800">
+              <a:rPr>
                 <a:latin typeface="Courier"/>
               </a:rPr>
               <a:t>,</a:t>
             </a:r>
             <a:br/>
             <a:r>
-              <a:rPr sz="1800">
+              <a:rPr>
                 <a:latin typeface="Courier"/>
               </a:rPr>
               <a:t>    </a:t>
             </a:r>
             <a:r>
-              <a:rPr sz="1800">
-                <a:solidFill>
-                  <a:srgbClr val="902000"/>
+              <a:rPr>
+                <a:solidFill>
+                  <a:srgbClr val="7D9029"/>
                 </a:solidFill>
                 <a:latin typeface="Courier"/>
               </a:rPr>
               <a:t>values_to =</a:t>
             </a:r>
             <a:r>
-              <a:rPr sz="1800">
-                <a:latin typeface="Courier"/>
-              </a:rPr>
-              <a:t> </a:t>
-            </a:r>
-            <a:r>
-              <a:rPr sz="1800">
+              <a:rPr>
+                <a:latin typeface="Courier"/>
+              </a:rPr>
+              <a:t> </a:t>
+            </a:r>
+            <a:r>
+              <a:rPr>
                 <a:solidFill>
                   <a:srgbClr val="4070A0"/>
                 </a:solidFill>
@@ -10475,95 +10264,83 @@
             </a:r>
             <a:br/>
             <a:r>
-              <a:rPr sz="1800">
+              <a:rPr>
                 <a:latin typeface="Courier"/>
               </a:rPr>
               <a:t>  ) </a:t>
             </a:r>
             <a:r>
-              <a:rPr sz="1800">
-                <a:solidFill>
-                  <a:srgbClr val="666666"/>
+              <a:rPr>
+                <a:solidFill>
+                  <a:srgbClr val="4070A0"/>
                 </a:solidFill>
                 <a:latin typeface="Courier"/>
               </a:rPr>
               <a:t>%&gt;%</a:t>
             </a:r>
             <a:r>
-              <a:rPr sz="1800">
+              <a:rPr>
+                <a:latin typeface="Courier"/>
+              </a:rPr>
+              <a:t> </a:t>
+            </a:r>
+            <a:br/>
+            <a:r>
+              <a:rPr>
+                <a:latin typeface="Courier"/>
+              </a:rPr>
+              <a:t>  dplyr</a:t>
+            </a:r>
+            <a:r>
+              <a:rPr>
                 <a:solidFill>
                   <a:srgbClr val="4070A0"/>
                 </a:solidFill>
                 <a:latin typeface="Courier"/>
               </a:rPr>
-              <a:t> </a:t>
-            </a:r>
-            <a:br/>
-            <a:r>
-              <a:rPr sz="1800">
+              <a:t>::</a:t>
+            </a:r>
+            <a:r>
+              <a:rPr>
+                <a:solidFill>
+                  <a:srgbClr val="06287E"/>
+                </a:solidFill>
+                <a:latin typeface="Courier"/>
+              </a:rPr>
+              <a:t>select</a:t>
+            </a:r>
+            <a:r>
+              <a:rPr>
+                <a:latin typeface="Courier"/>
+              </a:rPr>
+              <a:t>(nhs_number, </a:t>
+            </a:r>
+            <a:r>
+              <a:rPr>
+                <a:solidFill>
+                  <a:srgbClr val="06287E"/>
+                </a:solidFill>
+                <a:latin typeface="Courier"/>
+              </a:rPr>
+              <a:t>contains</a:t>
+            </a:r>
+            <a:r>
+              <a:rPr>
+                <a:latin typeface="Courier"/>
+              </a:rPr>
+              <a:t>(</a:t>
+            </a:r>
+            <a:r>
+              <a:rPr>
                 <a:solidFill>
                   <a:srgbClr val="4070A0"/>
                 </a:solidFill>
                 <a:latin typeface="Courier"/>
               </a:rPr>
-              <a:t>  </a:t>
-            </a:r>
-            <a:r>
-              <a:rPr sz="1800">
-                <a:latin typeface="Courier"/>
-              </a:rPr>
-              <a:t>dplyr</a:t>
-            </a:r>
-            <a:r>
-              <a:rPr sz="1800">
-                <a:solidFill>
-                  <a:srgbClr val="666666"/>
-                </a:solidFill>
-                <a:latin typeface="Courier"/>
-              </a:rPr>
-              <a:t>::</a:t>
-            </a:r>
-            <a:r>
-              <a:rPr sz="1800" b="1">
-                <a:solidFill>
-                  <a:srgbClr val="007020"/>
-                </a:solidFill>
-                <a:latin typeface="Courier"/>
-              </a:rPr>
-              <a:t>select</a:t>
-            </a:r>
-            <a:r>
-              <a:rPr sz="1800">
-                <a:latin typeface="Courier"/>
-              </a:rPr>
-              <a:t>(nhs_number, </a:t>
-            </a:r>
-            <a:r>
-              <a:rPr sz="1800" b="1">
-                <a:solidFill>
-                  <a:srgbClr val="007020"/>
-                </a:solidFill>
-                <a:latin typeface="Courier"/>
-              </a:rPr>
-              <a:t>contains</a:t>
-            </a:r>
-            <a:r>
-              <a:rPr sz="1800">
-                <a:latin typeface="Courier"/>
-              </a:rPr>
-              <a:t>(</a:t>
-            </a:r>
-            <a:r>
-              <a:rPr sz="1800">
-                <a:solidFill>
-                  <a:srgbClr val="4070A0"/>
-                </a:solidFill>
-                <a:latin typeface="Courier"/>
-              </a:rPr>
               <a:t>"temp"</a:t>
             </a:r>
             <a:r>
-              <a:rPr sz="1800">
+              <a:rPr>
                 <a:latin typeface="Courier"/>
               </a:rPr>
               <a:t>))</a:t>
@@ -10571,27 +10348,27 @@
             <a:br/>
             <a:br/>
             <a:r>
-              <a:rPr sz="1800" b="1">
-                <a:solidFill>
-                  <a:srgbClr val="007020"/>
+              <a:rPr>
+                <a:solidFill>
+                  <a:srgbClr val="06287E"/>
                 </a:solidFill>
                 <a:latin typeface="Courier"/>
               </a:rPr>
               <a:t>names</a:t>
             </a:r>
             <a:r>
-              <a:rPr sz="1800">
+              <a:rPr>
                 <a:latin typeface="Courier"/>
               </a:rPr>
               <a:t>(cchic_long)</a:t>
             </a:r>
           </a:p>
           <a:p>
-            <a:pPr lvl="0" marL="1270000" indent="0">
+            <a:pPr lvl="0" indent="0">
               <a:buNone/>
             </a:pPr>
             <a:r>
-              <a:rPr sz="1800">
+              <a:rPr>
                 <a:latin typeface="Courier"/>
               </a:rPr>
               <a:t>## [1] "nhs_number"  "temp_point"  "temperature"</a:t>
@@ -10705,19 +10482,19 @@
           <a:bodyPr/>
           <a:lstStyle/>
           <a:p>
-            <a:pPr lvl="0" marL="1270000" indent="0">
+            <a:pPr lvl="0" indent="0">
               <a:buNone/>
             </a:pPr>
             <a:r>
-              <a:rPr sz="1800">
+              <a:rPr>
                 <a:latin typeface="Courier"/>
               </a:rPr>
               <a:t>cchic_long </a:t>
             </a:r>
             <a:r>
-              <a:rPr sz="1800">
-                <a:solidFill>
-                  <a:srgbClr val="666666"/>
+              <a:rPr>
+                <a:solidFill>
+                  <a:srgbClr val="4070A0"/>
                 </a:solidFill>
                 <a:latin typeface="Courier"/>
               </a:rPr>
@@ -10725,134 +10502,128 @@
             </a:r>
             <a:br/>
             <a:r>
-              <a:rPr sz="1800">
+              <a:rPr>
+                <a:latin typeface="Courier"/>
+              </a:rPr>
+              <a:t>  </a:t>
+            </a:r>
+            <a:r>
+              <a:rPr>
+                <a:solidFill>
+                  <a:srgbClr val="06287E"/>
+                </a:solidFill>
+                <a:latin typeface="Courier"/>
+              </a:rPr>
+              <a:t>ggplot</a:t>
+            </a:r>
+            <a:r>
+              <a:rPr>
+                <a:latin typeface="Courier"/>
+              </a:rPr>
+              <a:t>(</a:t>
+            </a:r>
+            <a:r>
+              <a:rPr>
+                <a:solidFill>
+                  <a:srgbClr val="06287E"/>
+                </a:solidFill>
+                <a:latin typeface="Courier"/>
+              </a:rPr>
+              <a:t>aes</a:t>
+            </a:r>
+            <a:r>
+              <a:rPr>
+                <a:latin typeface="Courier"/>
+              </a:rPr>
+              <a:t>(</a:t>
+            </a:r>
+            <a:br/>
+            <a:r>
+              <a:rPr>
+                <a:latin typeface="Courier"/>
+              </a:rPr>
+              <a:t>    </a:t>
+            </a:r>
+            <a:r>
+              <a:rPr>
+                <a:solidFill>
+                  <a:srgbClr val="7D9029"/>
+                </a:solidFill>
+                <a:latin typeface="Courier"/>
+              </a:rPr>
+              <a:t>x =</a:t>
+            </a:r>
+            <a:r>
+              <a:rPr>
+                <a:latin typeface="Courier"/>
+              </a:rPr>
+              <a:t> temp_point, </a:t>
+            </a:r>
+            <a:r>
+              <a:rPr>
+                <a:solidFill>
+                  <a:srgbClr val="7D9029"/>
+                </a:solidFill>
+                <a:latin typeface="Courier"/>
+              </a:rPr>
+              <a:t>y =</a:t>
+            </a:r>
+            <a:br/>
+            <a:r>
+              <a:rPr>
+                <a:latin typeface="Courier"/>
+              </a:rPr>
+              <a:t>      </a:t>
+            </a:r>
+            <a:r>
+              <a:rPr>
+                <a:solidFill>
+                  <a:srgbClr val="06287E"/>
+                </a:solidFill>
+                <a:latin typeface="Courier"/>
+              </a:rPr>
+              <a:t>as.numeric</a:t>
+            </a:r>
+            <a:r>
+              <a:rPr>
+                <a:latin typeface="Courier"/>
+              </a:rPr>
+              <a:t>(temperature)</a:t>
+            </a:r>
+            <a:br/>
+            <a:r>
+              <a:rPr>
+                <a:latin typeface="Courier"/>
+              </a:rPr>
+              <a:t>  )) </a:t>
+            </a:r>
+            <a:r>
+              <a:rPr>
                 <a:solidFill>
                   <a:srgbClr val="4070A0"/>
                 </a:solidFill>
                 <a:latin typeface="Courier"/>
               </a:rPr>
+              <a:t>+</a:t>
+            </a:r>
+            <a:br/>
+            <a:r>
+              <a:rPr>
+                <a:latin typeface="Courier"/>
+              </a:rPr>
               <a:t>  </a:t>
             </a:r>
             <a:r>
-              <a:rPr sz="1800" b="1">
-                <a:solidFill>
-                  <a:srgbClr val="007020"/>
-                </a:solidFill>
-                <a:latin typeface="Courier"/>
-              </a:rPr>
-              <a:t>ggplot</a:t>
-            </a:r>
-            <a:r>
-              <a:rPr sz="1800">
-                <a:latin typeface="Courier"/>
-              </a:rPr>
-              <a:t>(</a:t>
-            </a:r>
-            <a:r>
-              <a:rPr sz="1800" b="1">
-                <a:solidFill>
-                  <a:srgbClr val="007020"/>
-                </a:solidFill>
-                <a:latin typeface="Courier"/>
-              </a:rPr>
-              <a:t>aes</a:t>
-            </a:r>
-            <a:r>
-              <a:rPr sz="1800">
-                <a:latin typeface="Courier"/>
-              </a:rPr>
-              <a:t>(</a:t>
-            </a:r>
-            <a:br/>
-            <a:r>
-              <a:rPr sz="1800">
-                <a:latin typeface="Courier"/>
-              </a:rPr>
-              <a:t>    </a:t>
-            </a:r>
-            <a:r>
-              <a:rPr sz="1800">
-                <a:solidFill>
-                  <a:srgbClr val="902000"/>
-                </a:solidFill>
-                <a:latin typeface="Courier"/>
-              </a:rPr>
-              <a:t>x =</a:t>
-            </a:r>
-            <a:r>
-              <a:rPr sz="1800">
-                <a:latin typeface="Courier"/>
-              </a:rPr>
-              <a:t> temp_point, </a:t>
-            </a:r>
-            <a:r>
-              <a:rPr sz="1800">
-                <a:solidFill>
-                  <a:srgbClr val="902000"/>
-                </a:solidFill>
-                <a:latin typeface="Courier"/>
-              </a:rPr>
-              <a:t>y =</a:t>
-            </a:r>
-            <a:br/>
-            <a:r>
-              <a:rPr sz="1800">
-                <a:latin typeface="Courier"/>
-              </a:rPr>
-              <a:t>      </a:t>
-            </a:r>
-            <a:r>
-              <a:rPr sz="1800" b="1">
-                <a:solidFill>
-                  <a:srgbClr val="007020"/>
-                </a:solidFill>
-                <a:latin typeface="Courier"/>
-              </a:rPr>
-              <a:t>as.numeric</a:t>
-            </a:r>
-            <a:r>
-              <a:rPr sz="1800">
-                <a:latin typeface="Courier"/>
-              </a:rPr>
-              <a:t>(temperature)</a:t>
-            </a:r>
-            <a:br/>
-            <a:r>
-              <a:rPr sz="1800">
-                <a:latin typeface="Courier"/>
-              </a:rPr>
-              <a:t>  )) </a:t>
-            </a:r>
-            <a:r>
-              <a:rPr sz="1800">
-                <a:solidFill>
-                  <a:srgbClr val="666666"/>
-                </a:solidFill>
-                <a:latin typeface="Courier"/>
-              </a:rPr>
-              <a:t>+</a:t>
-            </a:r>
-            <a:br/>
-            <a:r>
-              <a:rPr sz="1800">
-                <a:solidFill>
-                  <a:srgbClr val="4070A0"/>
-                </a:solidFill>
-                <a:latin typeface="Courier"/>
-              </a:rPr>
-              <a:t>  </a:t>
-            </a:r>
-            <a:r>
-              <a:rPr sz="1800" b="1">
-                <a:solidFill>
-                  <a:srgbClr val="007020"/>
+              <a:rPr>
+                <a:solidFill>
+                  <a:srgbClr val="06287E"/>
                 </a:solidFill>
                 <a:latin typeface="Courier"/>
               </a:rPr>
               <a:t>geom_boxplot</a:t>
             </a:r>
             <a:r>
-              <a:rPr sz="1800">
+              <a:rPr>
                 <a:latin typeface="Courier"/>
               </a:rPr>
               <a:t>()</a:t>
@@ -11042,165 +10813,151 @@
           <a:bodyPr/>
           <a:lstStyle/>
           <a:p>
-            <a:pPr lvl="0" marL="0" indent="0">
+            <a:pPr lvl="1"/>
+            <a:r>
+              <a:rPr/>
+              <a:t>We can use the </a:t>
+            </a:r>
+            <a:r>
+              <a:rPr>
+                <a:latin typeface="Courier"/>
+              </a:rPr>
+              <a:t>tidyr</a:t>
+            </a:r>
+            <a:r>
+              <a:rPr/>
+              <a:t> function, </a:t>
+            </a:r>
+            <a:r>
+              <a:rPr>
+                <a:latin typeface="Courier"/>
+              </a:rPr>
+              <a:t>pivot_wider()</a:t>
+            </a:r>
+            <a:r>
+              <a:rPr/>
+              <a:t>.</a:t>
+            </a:r>
+          </a:p>
+          <a:p>
+            <a:pPr lvl="0" indent="0">
               <a:buNone/>
             </a:pPr>
             <a:r>
-              <a:rPr/>
-              <a:t>We can use the </a:t>
-            </a:r>
-            <a:r>
-              <a:rPr sz="1800">
-                <a:latin typeface="Courier"/>
-              </a:rPr>
-              <a:t>tidyr</a:t>
-            </a:r>
-            <a:r>
-              <a:rPr/>
-              <a:t> function, </a:t>
-            </a:r>
-            <a:r>
-              <a:rPr sz="1800">
-                <a:latin typeface="Courier"/>
-              </a:rPr>
-              <a:t>pivot_wider()</a:t>
-            </a:r>
-            <a:r>
-              <a:rPr/>
-              <a:t>.</a:t>
-            </a:r>
-          </a:p>
-          <a:p>
-            <a:pPr lvl="0" marL="1270000" indent="0">
-              <a:buNone/>
-            </a:pPr>
-            <a:r>
-              <a:rPr sz="1800">
-                <a:latin typeface="Courier"/>
-              </a:rPr>
-              <a:t>cchic_reverted &lt;-</a:t>
-            </a:r>
-            <a:r>
-              <a:rPr sz="1800">
+              <a:rPr>
+                <a:latin typeface="Courier"/>
+              </a:rPr>
+              <a:t>cchic_reverted </a:t>
+            </a:r>
+            <a:r>
+              <a:rPr>
+                <a:solidFill>
+                  <a:srgbClr val="007020"/>
+                </a:solidFill>
+                <a:latin typeface="Courier"/>
+              </a:rPr>
+              <a:t>&lt;-</a:t>
+            </a:r>
+            <a:r>
+              <a:rPr>
+                <a:latin typeface="Courier"/>
+              </a:rPr>
+              <a:t> </a:t>
+            </a:r>
+            <a:br/>
+            <a:r>
+              <a:rPr>
+                <a:latin typeface="Courier"/>
+              </a:rPr>
+              <a:t>  cchic_long </a:t>
+            </a:r>
+            <a:r>
+              <a:rPr>
                 <a:solidFill>
                   <a:srgbClr val="4070A0"/>
                 </a:solidFill>
                 <a:latin typeface="Courier"/>
               </a:rPr>
-              <a:t> </a:t>
+              <a:t>%&gt;%</a:t>
             </a:r>
             <a:br/>
             <a:r>
-              <a:rPr sz="1800">
+              <a:rPr>
+                <a:latin typeface="Courier"/>
+              </a:rPr>
+              <a:t>  tidyr</a:t>
+            </a:r>
+            <a:r>
+              <a:rPr>
                 <a:solidFill>
                   <a:srgbClr val="4070A0"/>
                 </a:solidFill>
                 <a:latin typeface="Courier"/>
               </a:rPr>
-              <a:t>  </a:t>
-            </a:r>
-            <a:r>
-              <a:rPr sz="1800">
-                <a:latin typeface="Courier"/>
-              </a:rPr>
-              <a:t>cchic_long </a:t>
-            </a:r>
-            <a:r>
-              <a:rPr sz="1800">
-                <a:solidFill>
-                  <a:srgbClr val="666666"/>
-                </a:solidFill>
-                <a:latin typeface="Courier"/>
-              </a:rPr>
-              <a:t>%&gt;%</a:t>
+              <a:t>::</a:t>
+            </a:r>
+            <a:r>
+              <a:rPr>
+                <a:solidFill>
+                  <a:srgbClr val="06287E"/>
+                </a:solidFill>
+                <a:latin typeface="Courier"/>
+              </a:rPr>
+              <a:t>pivot_wider</a:t>
+            </a:r>
+            <a:r>
+              <a:rPr>
+                <a:latin typeface="Courier"/>
+              </a:rPr>
+              <a:t>(</a:t>
             </a:r>
             <a:br/>
             <a:r>
-              <a:rPr sz="1800">
-                <a:solidFill>
-                  <a:srgbClr val="4070A0"/>
-                </a:solidFill>
-                <a:latin typeface="Courier"/>
-              </a:rPr>
-              <a:t>  </a:t>
-            </a:r>
-            <a:r>
-              <a:rPr sz="1800">
-                <a:latin typeface="Courier"/>
-              </a:rPr>
-              <a:t>tidyr</a:t>
-            </a:r>
-            <a:r>
-              <a:rPr sz="1800">
-                <a:solidFill>
-                  <a:srgbClr val="666666"/>
-                </a:solidFill>
-                <a:latin typeface="Courier"/>
-              </a:rPr>
-              <a:t>::</a:t>
-            </a:r>
-            <a:r>
-              <a:rPr sz="1800" b="1">
-                <a:solidFill>
-                  <a:srgbClr val="007020"/>
-                </a:solidFill>
-                <a:latin typeface="Courier"/>
-              </a:rPr>
-              <a:t>pivot_wider</a:t>
-            </a:r>
-            <a:r>
-              <a:rPr sz="1800">
-                <a:latin typeface="Courier"/>
-              </a:rPr>
-              <a:t>(</a:t>
+              <a:rPr>
+                <a:latin typeface="Courier"/>
+              </a:rPr>
+              <a:t>    </a:t>
+            </a:r>
+            <a:r>
+              <a:rPr>
+                <a:solidFill>
+                  <a:srgbClr val="7D9029"/>
+                </a:solidFill>
+                <a:latin typeface="Courier"/>
+              </a:rPr>
+              <a:t>names_from =</a:t>
+            </a:r>
+            <a:r>
+              <a:rPr>
+                <a:latin typeface="Courier"/>
+              </a:rPr>
+              <a:t> temp_point,</a:t>
             </a:r>
             <a:br/>
             <a:r>
-              <a:rPr sz="1800">
+              <a:rPr>
                 <a:latin typeface="Courier"/>
               </a:rPr>
               <a:t>    </a:t>
             </a:r>
             <a:r>
-              <a:rPr sz="1800">
-                <a:solidFill>
-                  <a:srgbClr val="902000"/>
-                </a:solidFill>
-                <a:latin typeface="Courier"/>
-              </a:rPr>
-              <a:t>names_from =</a:t>
-            </a:r>
-            <a:r>
-              <a:rPr sz="1800">
-                <a:latin typeface="Courier"/>
-              </a:rPr>
-              <a:t> temp_point,</a:t>
+              <a:rPr>
+                <a:solidFill>
+                  <a:srgbClr val="7D9029"/>
+                </a:solidFill>
+                <a:latin typeface="Courier"/>
+              </a:rPr>
+              <a:t>values_from =</a:t>
+            </a:r>
+            <a:r>
+              <a:rPr>
+                <a:latin typeface="Courier"/>
+              </a:rPr>
+              <a:t> temperature</a:t>
             </a:r>
             <a:br/>
             <a:r>
-              <a:rPr sz="1800">
-                <a:latin typeface="Courier"/>
-              </a:rPr>
-              <a:t>    </a:t>
-            </a:r>
-            <a:r>
-              <a:rPr sz="1800">
-                <a:solidFill>
-                  <a:srgbClr val="902000"/>
-                </a:solidFill>
-                <a:latin typeface="Courier"/>
-              </a:rPr>
-              <a:t>values_from =</a:t>
-            </a:r>
-            <a:r>
-              <a:rPr sz="1800">
-                <a:latin typeface="Courier"/>
-              </a:rPr>
-              <a:t> temperature</a:t>
-            </a:r>
-            <a:br/>
-            <a:r>
-              <a:rPr sz="1800">
+              <a:rPr>
                 <a:latin typeface="Courier"/>
               </a:rPr>
               <a:t>  )</a:t>
@@ -11208,36 +10965,34 @@
             <a:br/>
             <a:br/>
             <a:r>
-              <a:rPr sz="1800" b="1">
-                <a:solidFill>
-                  <a:srgbClr val="007020"/>
+              <a:rPr>
+                <a:solidFill>
+                  <a:srgbClr val="06287E"/>
                 </a:solidFill>
                 <a:latin typeface="Courier"/>
               </a:rPr>
               <a:t>names</a:t>
             </a:r>
             <a:r>
-              <a:rPr sz="1800">
+              <a:rPr>
                 <a:latin typeface="Courier"/>
               </a:rPr>
               <a:t>(cchic_reverted)</a:t>
             </a:r>
           </a:p>
           <a:p>
-            <a:pPr lvl="0" marL="1270000" indent="0">
+            <a:pPr lvl="0" indent="0">
               <a:buNone/>
             </a:pPr>
             <a:r>
-              <a:rPr sz="1800">
+              <a:rPr>
                 <a:latin typeface="Courier"/>
               </a:rPr>
               <a:t>## [1] "nhs_number" "temp_c"     "temp_nc"</a:t>
             </a:r>
           </a:p>
           <a:p>
-            <a:pPr lvl="0" marL="0" indent="0">
-              <a:buNone/>
-            </a:pPr>
+            <a:pPr lvl="1"/>
             <a:r>
               <a:rPr/>
               <a:t>Notice that the variables “temp_c” and “temp_nc” are seperate again.</a:t>
@@ -11335,38 +11090,36 @@
           <a:bodyPr/>
           <a:lstStyle/>
           <a:p>
-            <a:pPr lvl="0" marL="0" indent="0">
+            <a:pPr lvl="1"/>
+            <a:r>
+              <a:rPr/>
+              <a:t>What if we wanted to remove the </a:t>
+            </a:r>
+            <a:r>
+              <a:rPr>
+                <a:latin typeface="Courier"/>
+              </a:rPr>
+              <a:t>temp_nc</a:t>
+            </a:r>
+            <a:r>
+              <a:rPr/>
+              <a:t> variable?</a:t>
+            </a:r>
+          </a:p>
+          <a:p>
+            <a:pPr lvl="0" indent="0">
               <a:buNone/>
             </a:pPr>
             <a:r>
-              <a:rPr/>
-              <a:t>What if we wanted to remove the </a:t>
-            </a:r>
-            <a:r>
-              <a:rPr sz="1800">
-                <a:latin typeface="Courier"/>
-              </a:rPr>
-              <a:t>temp_nc</a:t>
-            </a:r>
-            <a:r>
-              <a:rPr/>
-              <a:t> variable?</a:t>
-            </a:r>
-          </a:p>
-          <a:p>
-            <a:pPr lvl="0" marL="1270000" indent="0">
-              <a:buNone/>
-            </a:pPr>
-            <a:r>
-              <a:rPr sz="1800">
+              <a:rPr>
                 <a:latin typeface="Courier"/>
               </a:rPr>
               <a:t>cchic </a:t>
             </a:r>
             <a:r>
-              <a:rPr sz="1800">
-                <a:solidFill>
-                  <a:srgbClr val="666666"/>
+              <a:rPr>
+                <a:solidFill>
+                  <a:srgbClr val="4070A0"/>
                 </a:solidFill>
                 <a:latin typeface="Courier"/>
               </a:rPr>
@@ -11374,70 +11127,59 @@
             </a:r>
             <a:br/>
             <a:r>
-              <a:rPr sz="1800">
+              <a:rPr>
+                <a:latin typeface="Courier"/>
+              </a:rPr>
+              <a:t>  dplyr</a:t>
+            </a:r>
+            <a:r>
+              <a:rPr>
                 <a:solidFill>
                   <a:srgbClr val="4070A0"/>
                 </a:solidFill>
                 <a:latin typeface="Courier"/>
               </a:rPr>
-              <a:t>  </a:t>
-            </a:r>
-            <a:r>
-              <a:rPr sz="1800">
-                <a:latin typeface="Courier"/>
-              </a:rPr>
-              <a:t>dplyr</a:t>
-            </a:r>
-            <a:r>
-              <a:rPr sz="1800">
-                <a:solidFill>
-                  <a:srgbClr val="666666"/>
-                </a:solidFill>
-                <a:latin typeface="Courier"/>
-              </a:rPr>
               <a:t>::</a:t>
             </a:r>
             <a:r>
-              <a:rPr sz="1800" b="1">
-                <a:solidFill>
-                  <a:srgbClr val="007020"/>
+              <a:rPr>
+                <a:solidFill>
+                  <a:srgbClr val="06287E"/>
                 </a:solidFill>
                 <a:latin typeface="Courier"/>
               </a:rPr>
               <a:t>select</a:t>
             </a:r>
             <a:r>
-              <a:rPr sz="1800">
+              <a:rPr>
                 <a:latin typeface="Courier"/>
               </a:rPr>
               <a:t>(</a:t>
             </a:r>
             <a:r>
-              <a:rPr sz="1800">
-                <a:solidFill>
-                  <a:srgbClr val="666666"/>
+              <a:rPr>
+                <a:solidFill>
+                  <a:srgbClr val="4070A0"/>
                 </a:solidFill>
                 <a:latin typeface="Courier"/>
               </a:rPr>
               <a:t>-</a:t>
             </a:r>
             <a:r>
-              <a:rPr sz="1800">
+              <a:rPr>
                 <a:latin typeface="Courier"/>
               </a:rPr>
               <a:t>temp_nc)</a:t>
             </a:r>
           </a:p>
           <a:p>
-            <a:pPr lvl="0" marL="0" indent="0">
-              <a:buNone/>
-            </a:pPr>
+            <a:pPr lvl="1"/>
             <a:r>
               <a:rPr/>
               <a:t>The </a:t>
             </a:r>
             <a:r>
-              <a:rPr sz="1800">
+              <a:rPr>
                 <a:latin typeface="Courier"/>
               </a:rPr>
               <a:t>-</a:t>
@@ -11448,9 +11190,7 @@
             </a:r>
           </a:p>
           <a:p>
-            <a:pPr lvl="0" marL="0" indent="0">
-              <a:buNone/>
-            </a:pPr>
+            <a:pPr lvl="1"/>
             <a:r>
               <a:rPr/>
               <a:t>Don’t forget to assign the above code to something, otherwise the output won’t be saved.</a:t>
@@ -11547,7 +11287,7 @@
               <a:t>Hint - look at the </a:t>
             </a:r>
             <a:r>
-              <a:rPr sz="1800">
+              <a:rPr>
                 <a:latin typeface="Courier"/>
               </a:rPr>
               <a:t>n()</a:t>
@@ -11587,7 +11327,7 @@
               <a:t>Hint - the variable </a:t>
             </a:r>
             <a:r>
-              <a:rPr sz="1800">
+              <a:rPr>
                 <a:latin typeface="Courier"/>
               </a:rPr>
               <a:t>vital_status</a:t>
@@ -11721,19 +11461,19 @@
           <a:bodyPr/>
           <a:lstStyle/>
           <a:p>
-            <a:pPr lvl="0" marL="1270000" indent="0">
+            <a:pPr lvl="0" indent="0">
               <a:buNone/>
             </a:pPr>
             <a:r>
-              <a:rPr sz="1800">
+              <a:rPr>
                 <a:latin typeface="Courier"/>
               </a:rPr>
               <a:t>cchic </a:t>
             </a:r>
             <a:r>
-              <a:rPr sz="1800">
-                <a:solidFill>
-                  <a:srgbClr val="666666"/>
+              <a:rPr>
+                <a:solidFill>
+                  <a:srgbClr val="4070A0"/>
                 </a:solidFill>
                 <a:latin typeface="Courier"/>
               </a:rPr>
@@ -11741,166 +11481,145 @@
             </a:r>
             <a:br/>
             <a:r>
-              <a:rPr sz="1800">
+              <a:rPr>
+                <a:latin typeface="Courier"/>
+              </a:rPr>
+              <a:t>  dplyr</a:t>
+            </a:r>
+            <a:r>
+              <a:rPr>
                 <a:solidFill>
                   <a:srgbClr val="4070A0"/>
                 </a:solidFill>
                 <a:latin typeface="Courier"/>
               </a:rPr>
-              <a:t>  </a:t>
-            </a:r>
-            <a:r>
-              <a:rPr sz="1800">
-                <a:latin typeface="Courier"/>
-              </a:rPr>
-              <a:t>dplyr</a:t>
-            </a:r>
-            <a:r>
-              <a:rPr sz="1800">
-                <a:solidFill>
-                  <a:srgbClr val="666666"/>
-                </a:solidFill>
-                <a:latin typeface="Courier"/>
-              </a:rPr>
               <a:t>::</a:t>
             </a:r>
             <a:r>
-              <a:rPr sz="1800" b="1">
-                <a:solidFill>
-                  <a:srgbClr val="007020"/>
+              <a:rPr>
+                <a:solidFill>
+                  <a:srgbClr val="06287E"/>
                 </a:solidFill>
                 <a:latin typeface="Courier"/>
               </a:rPr>
               <a:t>filter</a:t>
             </a:r>
             <a:r>
-              <a:rPr sz="1800">
+              <a:rPr>
                 <a:latin typeface="Courier"/>
               </a:rPr>
               <a:t>(weight </a:t>
             </a:r>
             <a:r>
-              <a:rPr sz="1800">
-                <a:solidFill>
-                  <a:srgbClr val="666666"/>
+              <a:rPr>
+                <a:solidFill>
+                  <a:srgbClr val="4070A0"/>
                 </a:solidFill>
                 <a:latin typeface="Courier"/>
               </a:rPr>
               <a:t>&gt;</a:t>
             </a:r>
             <a:r>
-              <a:rPr sz="1800">
+              <a:rPr>
+                <a:latin typeface="Courier"/>
+              </a:rPr>
+              <a:t> </a:t>
+            </a:r>
+            <a:r>
+              <a:rPr>
+                <a:solidFill>
+                  <a:srgbClr val="40A070"/>
+                </a:solidFill>
+                <a:latin typeface="Courier"/>
+              </a:rPr>
+              <a:t>70</a:t>
+            </a:r>
+            <a:r>
+              <a:rPr>
+                <a:latin typeface="Courier"/>
+              </a:rPr>
+              <a:t>) </a:t>
+            </a:r>
+            <a:r>
+              <a:rPr>
                 <a:solidFill>
                   <a:srgbClr val="4070A0"/>
                 </a:solidFill>
                 <a:latin typeface="Courier"/>
               </a:rPr>
-              <a:t> </a:t>
-            </a:r>
-            <a:r>
-              <a:rPr sz="1800">
-                <a:solidFill>
-                  <a:srgbClr val="40A070"/>
-                </a:solidFill>
-                <a:latin typeface="Courier"/>
-              </a:rPr>
-              <a:t>70</a:t>
-            </a:r>
-            <a:r>
-              <a:rPr sz="1800">
-                <a:latin typeface="Courier"/>
-              </a:rPr>
-              <a:t>) </a:t>
-            </a:r>
-            <a:r>
-              <a:rPr sz="1800">
-                <a:solidFill>
-                  <a:srgbClr val="666666"/>
-                </a:solidFill>
-                <a:latin typeface="Courier"/>
-              </a:rPr>
               <a:t>%&gt;%</a:t>
             </a:r>
             <a:br/>
             <a:r>
-              <a:rPr sz="1800">
+              <a:rPr>
+                <a:latin typeface="Courier"/>
+              </a:rPr>
+              <a:t>  dplyr</a:t>
+            </a:r>
+            <a:r>
+              <a:rPr>
                 <a:solidFill>
                   <a:srgbClr val="4070A0"/>
                 </a:solidFill>
                 <a:latin typeface="Courier"/>
               </a:rPr>
-              <a:t>  </a:t>
-            </a:r>
-            <a:r>
-              <a:rPr sz="1800">
-                <a:latin typeface="Courier"/>
-              </a:rPr>
-              <a:t>dplyr</a:t>
-            </a:r>
-            <a:r>
-              <a:rPr sz="1800">
-                <a:solidFill>
-                  <a:srgbClr val="666666"/>
-                </a:solidFill>
-                <a:latin typeface="Courier"/>
-              </a:rPr>
               <a:t>::</a:t>
             </a:r>
             <a:r>
-              <a:rPr sz="1800" b="1">
-                <a:solidFill>
-                  <a:srgbClr val="007020"/>
+              <a:rPr>
+                <a:solidFill>
+                  <a:srgbClr val="06287E"/>
                 </a:solidFill>
                 <a:latin typeface="Courier"/>
               </a:rPr>
               <a:t>summarise</a:t>
             </a:r>
             <a:r>
-              <a:rPr sz="1800">
+              <a:rPr>
                 <a:latin typeface="Courier"/>
               </a:rPr>
               <a:t>(</a:t>
             </a:r>
             <a:r>
-              <a:rPr sz="1800">
-                <a:solidFill>
-                  <a:srgbClr val="902000"/>
+              <a:rPr>
+                <a:solidFill>
+                  <a:srgbClr val="7D9029"/>
                 </a:solidFill>
                 <a:latin typeface="Courier"/>
               </a:rPr>
               <a:t>number =</a:t>
             </a:r>
             <a:r>
-              <a:rPr sz="1800">
-                <a:latin typeface="Courier"/>
-              </a:rPr>
-              <a:t> </a:t>
-            </a:r>
-            <a:r>
-              <a:rPr sz="1800" b="1">
-                <a:solidFill>
-                  <a:srgbClr val="007020"/>
+              <a:rPr>
+                <a:latin typeface="Courier"/>
+              </a:rPr>
+              <a:t> </a:t>
+            </a:r>
+            <a:r>
+              <a:rPr>
+                <a:solidFill>
+                  <a:srgbClr val="06287E"/>
                 </a:solidFill>
                 <a:latin typeface="Courier"/>
               </a:rPr>
               <a:t>n</a:t>
             </a:r>
             <a:r>
-              <a:rPr sz="1800">
+              <a:rPr>
                 <a:latin typeface="Courier"/>
               </a:rPr>
               <a:t>())</a:t>
             </a:r>
           </a:p>
           <a:p>
-            <a:pPr lvl="0" marL="1270000" indent="0">
+            <a:pPr lvl="0" indent="0">
               <a:buNone/>
             </a:pPr>
             <a:r>
-              <a:rPr sz="1800">
-                <a:latin typeface="Courier"/>
-              </a:rPr>
-              <a:t>## # A tibble: 1 x 1
+              <a:rPr>
+                <a:latin typeface="Courier"/>
+              </a:rPr>
+              <a:t>## # A tibble: 1 × 1
 ##   number
 ##    &lt;int&gt;
 ## 1   2508</a:t>
@@ -12046,11 +11765,11 @@
           <a:bodyPr/>
           <a:lstStyle/>
           <a:p>
-            <a:pPr lvl="0" marL="1270000" indent="0">
+            <a:pPr lvl="0" indent="0">
               <a:buNone/>
             </a:pPr>
             <a:r>
-              <a:rPr sz="1800" i="1">
+              <a:rPr i="1">
                 <a:solidFill>
                   <a:srgbClr val="60A0B0"/>
                 </a:solidFill>
@@ -12060,15 +11779,15 @@
             </a:r>
             <a:br/>
             <a:r>
-              <a:rPr sz="1800">
+              <a:rPr>
                 <a:latin typeface="Courier"/>
               </a:rPr>
               <a:t>cchic </a:t>
             </a:r>
             <a:r>
-              <a:rPr sz="1800">
-                <a:solidFill>
-                  <a:srgbClr val="666666"/>
+              <a:rPr>
+                <a:solidFill>
+                  <a:srgbClr val="4070A0"/>
                 </a:solidFill>
                 <a:latin typeface="Courier"/>
               </a:rPr>
@@ -12076,379 +11795,334 @@
             </a:r>
             <a:br/>
             <a:r>
-              <a:rPr sz="1800">
+              <a:rPr>
+                <a:latin typeface="Courier"/>
+              </a:rPr>
+              <a:t>  dplyr</a:t>
+            </a:r>
+            <a:r>
+              <a:rPr>
                 <a:solidFill>
                   <a:srgbClr val="4070A0"/>
                 </a:solidFill>
                 <a:latin typeface="Courier"/>
               </a:rPr>
+              <a:t>::</a:t>
+            </a:r>
+            <a:r>
+              <a:rPr>
+                <a:solidFill>
+                  <a:srgbClr val="06287E"/>
+                </a:solidFill>
+                <a:latin typeface="Courier"/>
+              </a:rPr>
+              <a:t>filter</a:t>
+            </a:r>
+            <a:r>
+              <a:rPr>
+                <a:latin typeface="Courier"/>
+              </a:rPr>
+              <a:t>(age_years </a:t>
+            </a:r>
+            <a:r>
+              <a:rPr>
+                <a:solidFill>
+                  <a:srgbClr val="4070A0"/>
+                </a:solidFill>
+                <a:latin typeface="Courier"/>
+              </a:rPr>
+              <a:t>&gt;=</a:t>
+            </a:r>
+            <a:r>
+              <a:rPr>
+                <a:latin typeface="Courier"/>
+              </a:rPr>
+              <a:t> </a:t>
+            </a:r>
+            <a:r>
+              <a:rPr>
+                <a:solidFill>
+                  <a:srgbClr val="40A070"/>
+                </a:solidFill>
+                <a:latin typeface="Courier"/>
+              </a:rPr>
+              <a:t>60</a:t>
+            </a:r>
+            <a:r>
+              <a:rPr>
+                <a:latin typeface="Courier"/>
+              </a:rPr>
+              <a:t>) </a:t>
+            </a:r>
+            <a:r>
+              <a:rPr>
+                <a:solidFill>
+                  <a:srgbClr val="4070A0"/>
+                </a:solidFill>
+                <a:latin typeface="Courier"/>
+              </a:rPr>
+              <a:t>%&gt;%</a:t>
+            </a:r>
+            <a:br/>
+            <a:r>
+              <a:rPr>
+                <a:latin typeface="Courier"/>
+              </a:rPr>
+              <a:t>  dplyr</a:t>
+            </a:r>
+            <a:r>
+              <a:rPr>
+                <a:solidFill>
+                  <a:srgbClr val="4070A0"/>
+                </a:solidFill>
+                <a:latin typeface="Courier"/>
+              </a:rPr>
+              <a:t>::</a:t>
+            </a:r>
+            <a:r>
+              <a:rPr>
+                <a:solidFill>
+                  <a:srgbClr val="06287E"/>
+                </a:solidFill>
+                <a:latin typeface="Courier"/>
+              </a:rPr>
+              <a:t>summarise</a:t>
+            </a:r>
+            <a:r>
+              <a:rPr>
+                <a:latin typeface="Courier"/>
+              </a:rPr>
+              <a:t>(</a:t>
+            </a:r>
+            <a:r>
+              <a:rPr>
+                <a:solidFill>
+                  <a:srgbClr val="7D9029"/>
+                </a:solidFill>
+                <a:latin typeface="Courier"/>
+              </a:rPr>
+              <a:t>los =</a:t>
+            </a:r>
+            <a:r>
+              <a:rPr>
+                <a:latin typeface="Courier"/>
+              </a:rPr>
+              <a:t> </a:t>
+            </a:r>
+            <a:r>
+              <a:rPr>
+                <a:solidFill>
+                  <a:srgbClr val="06287E"/>
+                </a:solidFill>
+                <a:latin typeface="Courier"/>
+              </a:rPr>
+              <a:t>mean</a:t>
+            </a:r>
+            <a:r>
+              <a:rPr>
+                <a:latin typeface="Courier"/>
+              </a:rPr>
+              <a:t>(los, </a:t>
+            </a:r>
+            <a:r>
+              <a:rPr>
+                <a:solidFill>
+                  <a:srgbClr val="7D9029"/>
+                </a:solidFill>
+                <a:latin typeface="Courier"/>
+              </a:rPr>
+              <a:t>na.rm =</a:t>
+            </a:r>
+            <a:r>
+              <a:rPr>
+                <a:latin typeface="Courier"/>
+              </a:rPr>
+              <a:t> </a:t>
+            </a:r>
+            <a:r>
+              <a:rPr>
+                <a:solidFill>
+                  <a:srgbClr val="880000"/>
+                </a:solidFill>
+                <a:latin typeface="Courier"/>
+              </a:rPr>
+              <a:t>TRUE</a:t>
+            </a:r>
+            <a:r>
+              <a:rPr>
+                <a:latin typeface="Courier"/>
+              </a:rPr>
+              <a:t>))</a:t>
+            </a:r>
+          </a:p>
+          <a:p>
+            <a:pPr lvl="0" indent="0">
+              <a:buNone/>
+            </a:pPr>
+            <a:r>
+              <a:rPr i="1">
+                <a:solidFill>
+                  <a:srgbClr val="60A0B0"/>
+                </a:solidFill>
+                <a:latin typeface="Courier"/>
+              </a:rPr>
+              <a:t># Number of people alive at discharge.</a:t>
+            </a:r>
+            <a:br/>
+            <a:r>
+              <a:rPr>
+                <a:latin typeface="Courier"/>
+              </a:rPr>
+              <a:t>cchic </a:t>
+            </a:r>
+            <a:r>
+              <a:rPr>
+                <a:solidFill>
+                  <a:srgbClr val="4070A0"/>
+                </a:solidFill>
+                <a:latin typeface="Courier"/>
+              </a:rPr>
+              <a:t>%&gt;%</a:t>
+            </a:r>
+            <a:br/>
+            <a:r>
+              <a:rPr>
+                <a:latin typeface="Courier"/>
+              </a:rPr>
+              <a:t>  dplyr</a:t>
+            </a:r>
+            <a:r>
+              <a:rPr>
+                <a:solidFill>
+                  <a:srgbClr val="4070A0"/>
+                </a:solidFill>
+                <a:latin typeface="Courier"/>
+              </a:rPr>
+              <a:t>::</a:t>
+            </a:r>
+            <a:r>
+              <a:rPr>
+                <a:solidFill>
+                  <a:srgbClr val="06287E"/>
+                </a:solidFill>
+                <a:latin typeface="Courier"/>
+              </a:rPr>
+              <a:t>filter</a:t>
+            </a:r>
+            <a:r>
+              <a:rPr>
+                <a:latin typeface="Courier"/>
+              </a:rPr>
+              <a:t>(age_years </a:t>
+            </a:r>
+            <a:r>
+              <a:rPr>
+                <a:solidFill>
+                  <a:srgbClr val="4070A0"/>
+                </a:solidFill>
+                <a:latin typeface="Courier"/>
+              </a:rPr>
+              <a:t>&gt;=</a:t>
+            </a:r>
+            <a:r>
+              <a:rPr>
+                <a:latin typeface="Courier"/>
+              </a:rPr>
+              <a:t> </a:t>
+            </a:r>
+            <a:r>
+              <a:rPr>
+                <a:solidFill>
+                  <a:srgbClr val="40A070"/>
+                </a:solidFill>
+                <a:latin typeface="Courier"/>
+              </a:rPr>
+              <a:t>60</a:t>
+            </a:r>
+            <a:r>
+              <a:rPr>
+                <a:latin typeface="Courier"/>
+              </a:rPr>
+              <a:t>) </a:t>
+            </a:r>
+            <a:r>
+              <a:rPr>
+                <a:solidFill>
+                  <a:srgbClr val="4070A0"/>
+                </a:solidFill>
+                <a:latin typeface="Courier"/>
+              </a:rPr>
+              <a:t>%&gt;%</a:t>
+            </a:r>
+            <a:br/>
+            <a:r>
+              <a:rPr>
+                <a:latin typeface="Courier"/>
+              </a:rPr>
+              <a:t>  dplyr</a:t>
+            </a:r>
+            <a:r>
+              <a:rPr>
+                <a:solidFill>
+                  <a:srgbClr val="4070A0"/>
+                </a:solidFill>
+                <a:latin typeface="Courier"/>
+              </a:rPr>
+              <a:t>::</a:t>
+            </a:r>
+            <a:r>
+              <a:rPr>
+                <a:solidFill>
+                  <a:srgbClr val="06287E"/>
+                </a:solidFill>
+                <a:latin typeface="Courier"/>
+              </a:rPr>
+              <a:t>select</a:t>
+            </a:r>
+            <a:r>
+              <a:rPr>
+                <a:latin typeface="Courier"/>
+              </a:rPr>
+              <a:t>(vital_status) </a:t>
+            </a:r>
+            <a:r>
+              <a:rPr>
+                <a:solidFill>
+                  <a:srgbClr val="4070A0"/>
+                </a:solidFill>
+                <a:latin typeface="Courier"/>
+              </a:rPr>
+              <a:t>%&gt;%</a:t>
+            </a:r>
+            <a:br/>
+            <a:r>
+              <a:rPr>
+                <a:latin typeface="Courier"/>
+              </a:rPr>
               <a:t>  </a:t>
             </a:r>
             <a:r>
-              <a:rPr sz="1800">
-                <a:latin typeface="Courier"/>
-              </a:rPr>
-              <a:t>dplyr</a:t>
-            </a:r>
-            <a:r>
-              <a:rPr sz="1800">
-                <a:solidFill>
-                  <a:srgbClr val="666666"/>
-                </a:solidFill>
-                <a:latin typeface="Courier"/>
-              </a:rPr>
-              <a:t>::</a:t>
-            </a:r>
-            <a:r>
-              <a:rPr sz="1800" b="1">
-                <a:solidFill>
-                  <a:srgbClr val="007020"/>
-                </a:solidFill>
-                <a:latin typeface="Courier"/>
-              </a:rPr>
-              <a:t>filter</a:t>
-            </a:r>
-            <a:r>
-              <a:rPr sz="1800">
-                <a:latin typeface="Courier"/>
-              </a:rPr>
-              <a:t>(age_years </a:t>
-            </a:r>
-            <a:r>
-              <a:rPr sz="1800">
-                <a:solidFill>
-                  <a:srgbClr val="666666"/>
-                </a:solidFill>
-                <a:latin typeface="Courier"/>
-              </a:rPr>
-              <a:t>&gt;=</a:t>
-            </a:r>
-            <a:r>
-              <a:rPr sz="1800">
-                <a:solidFill>
-                  <a:srgbClr val="4070A0"/>
-                </a:solidFill>
-                <a:latin typeface="Courier"/>
-              </a:rPr>
-              <a:t> </a:t>
-            </a:r>
-            <a:r>
-              <a:rPr sz="1800">
-                <a:solidFill>
-                  <a:srgbClr val="40A070"/>
-                </a:solidFill>
-                <a:latin typeface="Courier"/>
-              </a:rPr>
-              <a:t>60</a:t>
-            </a:r>
-            <a:r>
-              <a:rPr sz="1800">
-                <a:latin typeface="Courier"/>
-              </a:rPr>
-              <a:t>) </a:t>
-            </a:r>
-            <a:r>
-              <a:rPr sz="1800">
-                <a:solidFill>
-                  <a:srgbClr val="666666"/>
-                </a:solidFill>
-                <a:latin typeface="Courier"/>
-              </a:rPr>
-              <a:t>%&gt;%</a:t>
-            </a:r>
-            <a:br/>
-            <a:r>
-              <a:rPr sz="1800">
-                <a:solidFill>
-                  <a:srgbClr val="4070A0"/>
-                </a:solidFill>
-                <a:latin typeface="Courier"/>
-              </a:rPr>
-              <a:t>  </a:t>
-            </a:r>
-            <a:r>
-              <a:rPr sz="1800">
-                <a:latin typeface="Courier"/>
-              </a:rPr>
-              <a:t>dplyr</a:t>
-            </a:r>
-            <a:r>
-              <a:rPr sz="1800">
-                <a:solidFill>
-                  <a:srgbClr val="666666"/>
-                </a:solidFill>
-                <a:latin typeface="Courier"/>
-              </a:rPr>
-              <a:t>::</a:t>
-            </a:r>
-            <a:r>
-              <a:rPr sz="1800" b="1">
-                <a:solidFill>
-                  <a:srgbClr val="007020"/>
-                </a:solidFill>
-                <a:latin typeface="Courier"/>
-              </a:rPr>
-              <a:t>summarise</a:t>
-            </a:r>
-            <a:r>
-              <a:rPr sz="1800">
-                <a:latin typeface="Courier"/>
-              </a:rPr>
-              <a:t>(</a:t>
-            </a:r>
-            <a:r>
-              <a:rPr sz="1800">
-                <a:solidFill>
-                  <a:srgbClr val="902000"/>
-                </a:solidFill>
-                <a:latin typeface="Courier"/>
-              </a:rPr>
-              <a:t>los =</a:t>
-            </a:r>
-            <a:r>
-              <a:rPr sz="1800">
-                <a:latin typeface="Courier"/>
-              </a:rPr>
-              <a:t> </a:t>
-            </a:r>
-            <a:r>
-              <a:rPr sz="1800" b="1">
-                <a:solidFill>
-                  <a:srgbClr val="007020"/>
-                </a:solidFill>
-                <a:latin typeface="Courier"/>
-              </a:rPr>
-              <a:t>mean</a:t>
-            </a:r>
-            <a:r>
-              <a:rPr sz="1800">
-                <a:latin typeface="Courier"/>
-              </a:rPr>
-              <a:t>(los, </a:t>
-            </a:r>
-            <a:r>
-              <a:rPr sz="1800">
-                <a:solidFill>
-                  <a:srgbClr val="902000"/>
-                </a:solidFill>
-                <a:latin typeface="Courier"/>
-              </a:rPr>
-              <a:t>na.rm =</a:t>
-            </a:r>
-            <a:r>
-              <a:rPr sz="1800">
-                <a:latin typeface="Courier"/>
-              </a:rPr>
-              <a:t> </a:t>
-            </a:r>
-            <a:r>
-              <a:rPr sz="1800">
-                <a:solidFill>
-                  <a:srgbClr val="007020"/>
-                </a:solidFill>
-                <a:latin typeface="Courier"/>
-              </a:rPr>
-              <a:t>TRUE</a:t>
-            </a:r>
-            <a:r>
-              <a:rPr sz="1800">
-                <a:latin typeface="Courier"/>
-              </a:rPr>
-              <a:t>))</a:t>
-            </a:r>
-          </a:p>
-          <a:p>
-            <a:pPr lvl="0" marL="1270000" indent="0">
+              <a:rPr>
+                <a:solidFill>
+                  <a:srgbClr val="06287E"/>
+                </a:solidFill>
+                <a:latin typeface="Courier"/>
+              </a:rPr>
+              <a:t>table</a:t>
+            </a:r>
+            <a:r>
+              <a:rPr>
+                <a:latin typeface="Courier"/>
+              </a:rPr>
+              <a:t>()</a:t>
+            </a:r>
+          </a:p>
+          <a:p>
+            <a:pPr lvl="0" indent="0">
               <a:buNone/>
             </a:pPr>
             <a:r>
-              <a:rPr sz="1800" i="1">
-                <a:solidFill>
-                  <a:srgbClr val="60A0B0"/>
-                </a:solidFill>
-                <a:latin typeface="Courier"/>
-              </a:rPr>
-              <a:t># Number of people alive at discharge.</a:t>
-            </a:r>
-            <a:br/>
-            <a:r>
-              <a:rPr sz="1800">
-                <a:latin typeface="Courier"/>
-              </a:rPr>
-              <a:t>cchic </a:t>
-            </a:r>
-            <a:r>
-              <a:rPr sz="1800">
-                <a:solidFill>
-                  <a:srgbClr val="666666"/>
-                </a:solidFill>
-                <a:latin typeface="Courier"/>
-              </a:rPr>
-              <a:t>%&gt;%</a:t>
-            </a:r>
-            <a:br/>
-            <a:r>
-              <a:rPr sz="1800">
-                <a:solidFill>
-                  <a:srgbClr val="4070A0"/>
-                </a:solidFill>
-                <a:latin typeface="Courier"/>
-              </a:rPr>
-              <a:t>  </a:t>
-            </a:r>
-            <a:r>
-              <a:rPr sz="1800">
-                <a:latin typeface="Courier"/>
-              </a:rPr>
-              <a:t>dplyr</a:t>
-            </a:r>
-            <a:r>
-              <a:rPr sz="1800">
-                <a:solidFill>
-                  <a:srgbClr val="666666"/>
-                </a:solidFill>
-                <a:latin typeface="Courier"/>
-              </a:rPr>
-              <a:t>::</a:t>
-            </a:r>
-            <a:r>
-              <a:rPr sz="1800" b="1">
-                <a:solidFill>
-                  <a:srgbClr val="007020"/>
-                </a:solidFill>
-                <a:latin typeface="Courier"/>
-              </a:rPr>
-              <a:t>filter</a:t>
-            </a:r>
-            <a:r>
-              <a:rPr sz="1800">
-                <a:latin typeface="Courier"/>
-              </a:rPr>
-              <a:t>(age_years </a:t>
-            </a:r>
-            <a:r>
-              <a:rPr sz="1800">
-                <a:solidFill>
-                  <a:srgbClr val="666666"/>
-                </a:solidFill>
-                <a:latin typeface="Courier"/>
-              </a:rPr>
-              <a:t>&gt;=</a:t>
-            </a:r>
-            <a:r>
-              <a:rPr sz="1800">
-                <a:solidFill>
-                  <a:srgbClr val="4070A0"/>
-                </a:solidFill>
-                <a:latin typeface="Courier"/>
-              </a:rPr>
-              <a:t> </a:t>
-            </a:r>
-            <a:r>
-              <a:rPr sz="1800">
-                <a:solidFill>
-                  <a:srgbClr val="40A070"/>
-                </a:solidFill>
-                <a:latin typeface="Courier"/>
-              </a:rPr>
-              <a:t>60</a:t>
-            </a:r>
-            <a:r>
-              <a:rPr sz="1800">
-                <a:latin typeface="Courier"/>
-              </a:rPr>
-              <a:t>) </a:t>
-            </a:r>
-            <a:r>
-              <a:rPr sz="1800">
-                <a:solidFill>
-                  <a:srgbClr val="666666"/>
-                </a:solidFill>
-                <a:latin typeface="Courier"/>
-              </a:rPr>
-              <a:t>%&gt;%</a:t>
-            </a:r>
-            <a:br/>
-            <a:r>
-              <a:rPr sz="1800">
-                <a:solidFill>
-                  <a:srgbClr val="4070A0"/>
-                </a:solidFill>
-                <a:latin typeface="Courier"/>
-              </a:rPr>
-              <a:t>  </a:t>
-            </a:r>
-            <a:r>
-              <a:rPr sz="1800">
-                <a:latin typeface="Courier"/>
-              </a:rPr>
-              <a:t>dplyr</a:t>
-            </a:r>
-            <a:r>
-              <a:rPr sz="1800">
-                <a:solidFill>
-                  <a:srgbClr val="666666"/>
-                </a:solidFill>
-                <a:latin typeface="Courier"/>
-              </a:rPr>
-              <a:t>::</a:t>
-            </a:r>
-            <a:r>
-              <a:rPr sz="1800" b="1">
-                <a:solidFill>
-                  <a:srgbClr val="007020"/>
-                </a:solidFill>
-                <a:latin typeface="Courier"/>
-              </a:rPr>
-              <a:t>select</a:t>
-            </a:r>
-            <a:r>
-              <a:rPr sz="1800">
-                <a:latin typeface="Courier"/>
-              </a:rPr>
-              <a:t>(vital_status) </a:t>
-            </a:r>
-            <a:r>
-              <a:rPr sz="1800">
-                <a:solidFill>
-                  <a:srgbClr val="666666"/>
-                </a:solidFill>
-                <a:latin typeface="Courier"/>
-              </a:rPr>
-              <a:t>%&gt;%</a:t>
-            </a:r>
-            <a:br/>
-            <a:r>
-              <a:rPr sz="1800">
-                <a:solidFill>
-                  <a:srgbClr val="4070A0"/>
-                </a:solidFill>
-                <a:latin typeface="Courier"/>
-              </a:rPr>
-              <a:t>  </a:t>
-            </a:r>
-            <a:r>
-              <a:rPr sz="1800" b="1">
-                <a:solidFill>
-                  <a:srgbClr val="007020"/>
-                </a:solidFill>
-                <a:latin typeface="Courier"/>
-              </a:rPr>
-              <a:t>table</a:t>
-            </a:r>
-            <a:r>
-              <a:rPr sz="1800">
-                <a:latin typeface="Courier"/>
-              </a:rPr>
-              <a:t>()</a:t>
-            </a:r>
-          </a:p>
-          <a:p>
-            <a:pPr lvl="0" marL="1270000" indent="0">
-              <a:buNone/>
-            </a:pPr>
-            <a:r>
-              <a:rPr sz="1800">
+              <a:rPr>
                 <a:latin typeface="Courier"/>
               </a:rPr>
               <a:t>## .
@@ -12849,7 +12523,7 @@
           <a:p>
             <a:pPr lvl="1"/>
             <a:r>
-              <a:rPr sz="1800">
+              <a:rPr>
                 <a:latin typeface="Courier"/>
               </a:rPr>
               <a:t>dplyr</a:t>
@@ -12867,7 +12541,7 @@
               <a:t>It is automatically installed with </a:t>
             </a:r>
             <a:r>
-              <a:rPr sz="1800">
+              <a:rPr>
                 <a:latin typeface="Courier"/>
               </a:rPr>
               <a:t>tidyverse</a:t>
@@ -12884,7 +12558,7 @@
               <a:t>As we have already installed </a:t>
             </a:r>
             <a:r>
-              <a:rPr sz="1800">
+              <a:rPr>
                 <a:latin typeface="Courier"/>
               </a:rPr>
               <a:t>tidyverse</a:t>
@@ -12895,11 +12569,11 @@
             </a:r>
           </a:p>
           <a:p>
-            <a:pPr lvl="0" marL="1270000" indent="0">
+            <a:pPr lvl="0" indent="0">
               <a:buNone/>
             </a:pPr>
             <a:r>
-              <a:rPr sz="1800" i="1">
+              <a:rPr i="1">
                 <a:solidFill>
                   <a:srgbClr val="60A0B0"/>
                 </a:solidFill>
@@ -12909,16 +12583,16 @@
             </a:r>
             <a:br/>
             <a:r>
-              <a:rPr sz="1800" b="1">
-                <a:solidFill>
-                  <a:srgbClr val="007020"/>
+              <a:rPr>
+                <a:solidFill>
+                  <a:srgbClr val="06287E"/>
                 </a:solidFill>
                 <a:latin typeface="Courier"/>
               </a:rPr>
               <a:t>library</a:t>
             </a:r>
             <a:r>
-              <a:rPr sz="1800">
+              <a:rPr>
                 <a:latin typeface="Courier"/>
               </a:rPr>
               <a:t>(tidyverse)</a:t>
@@ -13008,15 +12682,13 @@
           <a:bodyPr/>
           <a:lstStyle/>
           <a:p>
-            <a:pPr lvl="0" marL="0" indent="0">
-              <a:buNone/>
-            </a:pPr>
+            <a:pPr lvl="1"/>
             <a:r>
               <a:rPr/>
               <a:t>From the previous workshop, you should still have a data frame named </a:t>
             </a:r>
             <a:r>
-              <a:rPr sz="1800">
+              <a:rPr>
                 <a:latin typeface="Courier"/>
               </a:rPr>
               <a:t>cchic</a:t>
@@ -13277,112 +12949,94 @@
             </a:r>
           </a:p>
           <a:p>
-            <a:pPr lvl="0" marL="1270000" indent="0">
+            <a:pPr lvl="0" indent="0">
               <a:buNone/>
             </a:pPr>
             <a:r>
-              <a:rPr sz="1800">
+              <a:rPr>
                 <a:latin typeface="Courier"/>
               </a:rPr>
               <a:t>data_frame_name </a:t>
             </a:r>
             <a:r>
-              <a:rPr sz="1800">
-                <a:solidFill>
-                  <a:srgbClr val="666666"/>
+              <a:rPr>
+                <a:solidFill>
+                  <a:srgbClr val="4070A0"/>
                 </a:solidFill>
                 <a:latin typeface="Courier"/>
               </a:rPr>
               <a:t>%&gt;%</a:t>
             </a:r>
             <a:r>
-              <a:rPr sz="1800">
+              <a:rPr>
+                <a:latin typeface="Courier"/>
+              </a:rPr>
+              <a:t> </a:t>
+            </a:r>
+            <a:br/>
+            <a:r>
+              <a:rPr>
+                <a:latin typeface="Courier"/>
+              </a:rPr>
+              <a:t>  dplyr</a:t>
+            </a:r>
+            <a:r>
+              <a:rPr>
                 <a:solidFill>
                   <a:srgbClr val="4070A0"/>
                 </a:solidFill>
                 <a:latin typeface="Courier"/>
               </a:rPr>
+              <a:t>::</a:t>
+            </a:r>
+            <a:r>
+              <a:rPr>
+                <a:solidFill>
+                  <a:srgbClr val="06287E"/>
+                </a:solidFill>
+                <a:latin typeface="Courier"/>
+              </a:rPr>
+              <a:t>select</a:t>
+            </a:r>
+            <a:r>
+              <a:rPr>
+                <a:latin typeface="Courier"/>
+              </a:rPr>
+              <a:t>(column_name) </a:t>
+            </a:r>
+            <a:r>
+              <a:rPr>
+                <a:solidFill>
+                  <a:srgbClr val="4070A0"/>
+                </a:solidFill>
+                <a:latin typeface="Courier"/>
+              </a:rPr>
+              <a:t>%&gt;%</a:t>
+            </a:r>
+            <a:r>
+              <a:rPr>
+                <a:latin typeface="Courier"/>
+              </a:rPr>
               <a:t> </a:t>
             </a:r>
             <a:br/>
             <a:r>
-              <a:rPr sz="1800">
-                <a:solidFill>
-                  <a:srgbClr val="4070A0"/>
-                </a:solidFill>
+              <a:rPr>
                 <a:latin typeface="Courier"/>
               </a:rPr>
               <a:t>  </a:t>
             </a:r>
             <a:r>
-              <a:rPr sz="1800">
-                <a:latin typeface="Courier"/>
-              </a:rPr>
-              <a:t>dplyr</a:t>
-            </a:r>
-            <a:r>
-              <a:rPr sz="1800">
-                <a:solidFill>
-                  <a:srgbClr val="666666"/>
-                </a:solidFill>
-                <a:latin typeface="Courier"/>
-              </a:rPr>
-              <a:t>::</a:t>
-            </a:r>
-            <a:r>
-              <a:rPr sz="1800" b="1">
-                <a:solidFill>
-                  <a:srgbClr val="007020"/>
-                </a:solidFill>
-                <a:latin typeface="Courier"/>
-              </a:rPr>
-              <a:t>select</a:t>
-            </a:r>
-            <a:r>
-              <a:rPr sz="1800">
-                <a:latin typeface="Courier"/>
-              </a:rPr>
-              <a:t>(column_name) </a:t>
-            </a:r>
-            <a:r>
-              <a:rPr sz="1800">
-                <a:solidFill>
-                  <a:srgbClr val="666666"/>
-                </a:solidFill>
-                <a:latin typeface="Courier"/>
-              </a:rPr>
-              <a:t>%&gt;%</a:t>
-            </a:r>
-            <a:r>
-              <a:rPr sz="1800">
-                <a:solidFill>
-                  <a:srgbClr val="4070A0"/>
-                </a:solidFill>
-                <a:latin typeface="Courier"/>
-              </a:rPr>
-              <a:t> </a:t>
-            </a:r>
-            <a:br/>
-            <a:r>
-              <a:rPr sz="1800">
-                <a:solidFill>
-                  <a:srgbClr val="4070A0"/>
-                </a:solidFill>
-                <a:latin typeface="Courier"/>
-              </a:rPr>
-              <a:t>  </a:t>
-            </a:r>
-            <a:r>
-              <a:rPr sz="1800" b="1">
-                <a:solidFill>
-                  <a:srgbClr val="007020"/>
+              <a:rPr>
+                <a:solidFill>
+                  <a:srgbClr val="06287E"/>
                 </a:solidFill>
                 <a:latin typeface="Courier"/>
               </a:rPr>
               <a:t>mean</a:t>
             </a:r>
             <a:r>
-              <a:rPr sz="1800">
+              <a:rPr>
                 <a:latin typeface="Courier"/>
               </a:rPr>
               <a:t>()</a:t>
@@ -13395,7 +13049,7 @@
               <a:t>Shortcut - </a:t>
             </a:r>
             <a:r>
-              <a:rPr sz="1800">
+              <a:rPr>
                 <a:latin typeface="Courier"/>
               </a:rPr>
               <a:t>Cmd + Shift + M</a:t>
@@ -13405,7 +13059,7 @@
               <a:t> (Mac) </a:t>
             </a:r>
             <a:r>
-              <a:rPr sz="1800">
+              <a:rPr>
                 <a:latin typeface="Courier"/>
               </a:rPr>
               <a:t>Ctrl + Shift + M</a:t>

--- a/Workshops/Workshop4.pptx
+++ b/Workshops/Workshop4.pptx
@@ -1,11 +1,11 @@
 
 <file path=ppt/presentation.xml><?xml version="1.0" encoding="utf-8"?>
-<p:presentation xmlns:a="http://schemas.openxmlformats.org/drawingml/2006/main" xmlns:r="http://schemas.openxmlformats.org/officeDocument/2006/relationships" xmlns:p="http://schemas.openxmlformats.org/presentationml/2006/main" saveSubsetFonts="1" autoCompressPictures="0">
+<p:presentation xmlns:a="http://schemas.openxmlformats.org/drawingml/2006/main" xmlns:p="http://schemas.openxmlformats.org/presentationml/2006/main" xmlns:r="http://schemas.openxmlformats.org/officeDocument/2006/relationships" autoCompressPictures="0" saveSubsetFonts="1">
   <p:sldMasterIdLst>
     <p:sldMasterId id="2147483648" r:id="rId1"/>
   </p:sldMasterIdLst>
   <p:notesMasterIdLst>
-    <p:NotesMasterId r:id="rId40"/>
+    <p:notesMasterId r:id="rId39"/>
   </p:notesMasterIdLst>
   <p:sldIdLst>
     <p:sldId id="256" r:id="rId2"/>
@@ -45,7 +45,6 @@
     <p:sldId id="290" r:id="rId36"/>
     <p:sldId id="291" r:id="rId37"/>
     <p:sldId id="292" r:id="rId38"/>
-    <p:sldId id="293" r:id="rId39"/>
   </p:sldIdLst>
   <p:sldSz cx="12192000" cy="6858000"/>
   <p:notesSz cx="6858000" cy="9144000"/>
@@ -53,8 +52,8 @@
     <a:defPPr>
       <a:defRPr lang="en-US"/>
     </a:defPPr>
-    <a:lvl1pPr marL="0" algn="l" defTabSz="914400" rtl="0" eaLnBrk="1" latinLnBrk="0" hangingPunct="1">
-      <a:defRPr sz="1800" kern="1200">
+    <a:lvl1pPr algn="l" defTabSz="914400" eaLnBrk="1" hangingPunct="1" latinLnBrk="0" marL="0" rtl="0">
+      <a:defRPr kern="1200" sz="1800">
         <a:solidFill>
           <a:schemeClr val="tx1"/>
         </a:solidFill>
@@ -63,8 +62,8 @@
         <a:cs typeface="+mn-cs"/>
       </a:defRPr>
     </a:lvl1pPr>
-    <a:lvl2pPr marL="457200" algn="l" defTabSz="914400" rtl="0" eaLnBrk="1" latinLnBrk="0" hangingPunct="1">
-      <a:defRPr sz="1800" kern="1200">
+    <a:lvl2pPr algn="l" defTabSz="914400" eaLnBrk="1" hangingPunct="1" latinLnBrk="0" marL="457200" rtl="0">
+      <a:defRPr kern="1200" sz="1800">
         <a:solidFill>
           <a:schemeClr val="tx1"/>
         </a:solidFill>
@@ -73,8 +72,8 @@
         <a:cs typeface="+mn-cs"/>
       </a:defRPr>
     </a:lvl2pPr>
-    <a:lvl3pPr marL="914400" algn="l" defTabSz="914400" rtl="0" eaLnBrk="1" latinLnBrk="0" hangingPunct="1">
-      <a:defRPr sz="1800" kern="1200">
+    <a:lvl3pPr algn="l" defTabSz="914400" eaLnBrk="1" hangingPunct="1" latinLnBrk="0" marL="914400" rtl="0">
+      <a:defRPr kern="1200" sz="1800">
         <a:solidFill>
           <a:schemeClr val="tx1"/>
         </a:solidFill>
@@ -83,8 +82,8 @@
         <a:cs typeface="+mn-cs"/>
       </a:defRPr>
     </a:lvl3pPr>
-    <a:lvl4pPr marL="1371600" algn="l" defTabSz="914400" rtl="0" eaLnBrk="1" latinLnBrk="0" hangingPunct="1">
-      <a:defRPr sz="1800" kern="1200">
+    <a:lvl4pPr algn="l" defTabSz="914400" eaLnBrk="1" hangingPunct="1" latinLnBrk="0" marL="1371600" rtl="0">
+      <a:defRPr kern="1200" sz="1800">
         <a:solidFill>
           <a:schemeClr val="tx1"/>
         </a:solidFill>
@@ -93,8 +92,8 @@
         <a:cs typeface="+mn-cs"/>
       </a:defRPr>
     </a:lvl4pPr>
-    <a:lvl5pPr marL="1828800" algn="l" defTabSz="914400" rtl="0" eaLnBrk="1" latinLnBrk="0" hangingPunct="1">
-      <a:defRPr sz="1800" kern="1200">
+    <a:lvl5pPr algn="l" defTabSz="914400" eaLnBrk="1" hangingPunct="1" latinLnBrk="0" marL="1828800" rtl="0">
+      <a:defRPr kern="1200" sz="1800">
         <a:solidFill>
           <a:schemeClr val="tx1"/>
         </a:solidFill>
@@ -103,8 +102,8 @@
         <a:cs typeface="+mn-cs"/>
       </a:defRPr>
     </a:lvl5pPr>
-    <a:lvl6pPr marL="2286000" algn="l" defTabSz="914400" rtl="0" eaLnBrk="1" latinLnBrk="0" hangingPunct="1">
-      <a:defRPr sz="1800" kern="1200">
+    <a:lvl6pPr algn="l" defTabSz="914400" eaLnBrk="1" hangingPunct="1" latinLnBrk="0" marL="2286000" rtl="0">
+      <a:defRPr kern="1200" sz="1800">
         <a:solidFill>
           <a:schemeClr val="tx1"/>
         </a:solidFill>
@@ -113,8 +112,8 @@
         <a:cs typeface="+mn-cs"/>
       </a:defRPr>
     </a:lvl6pPr>
-    <a:lvl7pPr marL="2743200" algn="l" defTabSz="914400" rtl="0" eaLnBrk="1" latinLnBrk="0" hangingPunct="1">
-      <a:defRPr sz="1800" kern="1200">
+    <a:lvl7pPr algn="l" defTabSz="914400" eaLnBrk="1" hangingPunct="1" latinLnBrk="0" marL="2743200" rtl="0">
+      <a:defRPr kern="1200" sz="1800">
         <a:solidFill>
           <a:schemeClr val="tx1"/>
         </a:solidFill>
@@ -123,8 +122,8 @@
         <a:cs typeface="+mn-cs"/>
       </a:defRPr>
     </a:lvl7pPr>
-    <a:lvl8pPr marL="3200400" algn="l" defTabSz="914400" rtl="0" eaLnBrk="1" latinLnBrk="0" hangingPunct="1">
-      <a:defRPr sz="1800" kern="1200">
+    <a:lvl8pPr algn="l" defTabSz="914400" eaLnBrk="1" hangingPunct="1" latinLnBrk="0" marL="3200400" rtl="0">
+      <a:defRPr kern="1200" sz="1800">
         <a:solidFill>
           <a:schemeClr val="tx1"/>
         </a:solidFill>
@@ -133,8 +132,8 @@
         <a:cs typeface="+mn-cs"/>
       </a:defRPr>
     </a:lvl8pPr>
-    <a:lvl9pPr marL="3657600" algn="l" defTabSz="914400" rtl="0" eaLnBrk="1" latinLnBrk="0" hangingPunct="1">
-      <a:defRPr sz="1800" kern="1200">
+    <a:lvl9pPr algn="l" defTabSz="914400" eaLnBrk="1" hangingPunct="1" latinLnBrk="0" marL="3657600" rtl="0">
+      <a:defRPr kern="1200" sz="1800">
         <a:solidFill>
           <a:schemeClr val="tx1"/>
         </a:solidFill>
@@ -234,7 +233,7 @@
           <a:p>
             <a:fld id="{0F9C1CCF-B725-44A7-AA57-5E433BD85C9F}" type="datetimeFigureOut">
               <a:rPr lang="en-US" smtClean="0"/>
-              <a:t>4/5/2019</a:t>
+              <a:t>1/2/22</a:t>
             </a:fld>
             <a:endParaRPr lang="en-US"/>
           </a:p>
@@ -252,8 +251,8 @@
         </p:nvSpPr>
         <p:spPr>
           <a:xfrm>
-            <a:off x="1371600" y="1143000"/>
-            <a:ext cx="4114800" cy="3086100"/>
+            <a:off x="685800" y="1143000"/>
+            <a:ext cx="5486400" cy="3086100"/>
           </a:xfrm>
           <a:prstGeom prst="rect">
             <a:avLst/>
@@ -298,38 +297,37 @@
           <a:p>
             <a:pPr lvl="0"/>
             <a:r>
-              <a:rPr lang="en-US" smtClean="0"/>
+              <a:rPr lang="en-US"/>
               <a:t>Click to edit Master text styles</a:t>
             </a:r>
           </a:p>
           <a:p>
             <a:pPr lvl="1"/>
             <a:r>
-              <a:rPr lang="en-US" smtClean="0"/>
+              <a:rPr lang="en-US"/>
               <a:t>Second level</a:t>
             </a:r>
           </a:p>
           <a:p>
             <a:pPr lvl="2"/>
             <a:r>
-              <a:rPr lang="en-US" smtClean="0"/>
+              <a:rPr lang="en-US"/>
               <a:t>Third level</a:t>
             </a:r>
           </a:p>
           <a:p>
             <a:pPr lvl="3"/>
             <a:r>
-              <a:rPr lang="en-US" smtClean="0"/>
+              <a:rPr lang="en-US"/>
               <a:t>Fourth level</a:t>
             </a:r>
           </a:p>
           <a:p>
             <a:pPr lvl="4"/>
             <a:r>
-              <a:rPr lang="en-US" smtClean="0"/>
+              <a:rPr lang="en-US"/>
               <a:t>Fifth level</a:t>
             </a:r>
-            <a:endParaRPr lang="en-US"/>
           </a:p>
         </p:txBody>
       </p:sp>
@@ -546,212 +544,12 @@
           <a:bodyPr/>
           <a:lstStyle/>
           <a:p>
-            <a:pPr lvl="0" marL="0" indent="0">
+            <a:pPr lvl="0" indent="0" marL="0">
               <a:buNone/>
             </a:pPr>
             <a:r>
               <a:rPr/>
-              <a:t>Tell</a:t>
-            </a:r>
-            <a:r>
-              <a:rPr/>
-              <a:t> </a:t>
-            </a:r>
-            <a:r>
-              <a:rPr/>
-              <a:t>them</a:t>
-            </a:r>
-            <a:r>
-              <a:rPr/>
-              <a:t> </a:t>
-            </a:r>
-            <a:r>
-              <a:rPr/>
-              <a:t>that</a:t>
-            </a:r>
-            <a:r>
-              <a:rPr/>
-              <a:t> </a:t>
-            </a:r>
-            <a:r>
-              <a:rPr/>
-              <a:t>there</a:t>
-            </a:r>
-            <a:r>
-              <a:rPr/>
-              <a:t> </a:t>
-            </a:r>
-            <a:r>
-              <a:rPr/>
-              <a:t>are</a:t>
-            </a:r>
-            <a:r>
-              <a:rPr/>
-              <a:t> </a:t>
-            </a:r>
-            <a:r>
-              <a:rPr/>
-              <a:t>a</a:t>
-            </a:r>
-            <a:r>
-              <a:rPr/>
-              <a:t> </a:t>
-            </a:r>
-            <a:r>
-              <a:rPr/>
-              <a:t>couple</a:t>
-            </a:r>
-            <a:r>
-              <a:rPr/>
-              <a:t> </a:t>
-            </a:r>
-            <a:r>
-              <a:rPr/>
-              <a:t>of</a:t>
-            </a:r>
-            <a:r>
-              <a:rPr/>
-              <a:t> </a:t>
-            </a:r>
-            <a:r>
-              <a:rPr/>
-              <a:t>things</a:t>
-            </a:r>
-            <a:r>
-              <a:rPr/>
-              <a:t> </a:t>
-            </a:r>
-            <a:r>
-              <a:rPr/>
-              <a:t>we</a:t>
-            </a:r>
-            <a:r>
-              <a:rPr/>
-              <a:t> </a:t>
-            </a:r>
-            <a:r>
-              <a:rPr/>
-              <a:t>need</a:t>
-            </a:r>
-            <a:r>
-              <a:rPr/>
-              <a:t> </a:t>
-            </a:r>
-            <a:r>
-              <a:rPr/>
-              <a:t>to</a:t>
-            </a:r>
-            <a:r>
-              <a:rPr/>
-              <a:t> </a:t>
-            </a:r>
-            <a:r>
-              <a:rPr/>
-              <a:t>cover</a:t>
-            </a:r>
-            <a:r>
-              <a:rPr/>
-              <a:t> </a:t>
-            </a:r>
-            <a:r>
-              <a:rPr/>
-              <a:t>about</a:t>
-            </a:r>
-            <a:r>
-              <a:rPr/>
-              <a:t> </a:t>
-            </a:r>
-            <a:r>
-              <a:rPr/>
-              <a:t>dplyr</a:t>
-            </a:r>
-            <a:r>
-              <a:rPr/>
-              <a:t> </a:t>
-            </a:r>
-            <a:r>
-              <a:rPr/>
-              <a:t>before</a:t>
-            </a:r>
-            <a:r>
-              <a:rPr/>
-              <a:t> </a:t>
-            </a:r>
-            <a:r>
-              <a:rPr/>
-              <a:t>we</a:t>
-            </a:r>
-            <a:r>
-              <a:rPr/>
-              <a:t> </a:t>
-            </a:r>
-            <a:r>
-              <a:rPr/>
-              <a:t>start</a:t>
-            </a:r>
-            <a:r>
-              <a:rPr/>
-              <a:t> </a:t>
-            </a:r>
-            <a:r>
-              <a:rPr/>
-              <a:t>working</a:t>
-            </a:r>
-            <a:r>
-              <a:rPr/>
-              <a:t> </a:t>
-            </a:r>
-            <a:r>
-              <a:rPr/>
-              <a:t>with</a:t>
-            </a:r>
-            <a:r>
-              <a:rPr/>
-              <a:t> </a:t>
-            </a:r>
-            <a:r>
-              <a:rPr/>
-              <a:t>it.</a:t>
-            </a:r>
-            <a:r>
-              <a:rPr/>
-              <a:t> </a:t>
-            </a:r>
-            <a:r>
-              <a:rPr/>
-              <a:t>This</a:t>
-            </a:r>
-            <a:r>
-              <a:rPr/>
-              <a:t> </a:t>
-            </a:r>
-            <a:r>
-              <a:rPr/>
-              <a:t>is</a:t>
-            </a:r>
-            <a:r>
-              <a:rPr/>
-              <a:t> </a:t>
-            </a:r>
-            <a:r>
-              <a:rPr/>
-              <a:t>the</a:t>
-            </a:r>
-            <a:r>
-              <a:rPr/>
-              <a:t> </a:t>
-            </a:r>
-            <a:r>
-              <a:rPr/>
-              <a:t>first</a:t>
-            </a:r>
-            <a:r>
-              <a:rPr/>
-              <a:t> </a:t>
-            </a:r>
-            <a:r>
-              <a:rPr/>
-              <a:t>one.</a:t>
+              <a:t>Tell them that there are a couple of things we need to cover about dplyr before we start working with it. This is the first one.</a:t>
             </a:r>
           </a:p>
         </p:txBody>
@@ -828,132 +626,12 @@
           <a:bodyPr/>
           <a:lstStyle/>
           <a:p>
-            <a:pPr lvl="0" marL="0" indent="0">
+            <a:pPr lvl="0" indent="0" marL="0">
               <a:buNone/>
             </a:pPr>
             <a:r>
               <a:rPr/>
-              <a:t>This</a:t>
-            </a:r>
-            <a:r>
-              <a:rPr/>
-              <a:t> </a:t>
-            </a:r>
-            <a:r>
-              <a:rPr/>
-              <a:t>is</a:t>
-            </a:r>
-            <a:r>
-              <a:rPr/>
-              <a:t> </a:t>
-            </a:r>
-            <a:r>
-              <a:rPr/>
-              <a:t>the</a:t>
-            </a:r>
-            <a:r>
-              <a:rPr/>
-              <a:t> </a:t>
-            </a:r>
-            <a:r>
-              <a:rPr/>
-              <a:t>second</a:t>
-            </a:r>
-            <a:r>
-              <a:rPr/>
-              <a:t> </a:t>
-            </a:r>
-            <a:r>
-              <a:rPr/>
-              <a:t>thing</a:t>
-            </a:r>
-            <a:r>
-              <a:rPr/>
-              <a:t> </a:t>
-            </a:r>
-            <a:r>
-              <a:rPr/>
-              <a:t>we</a:t>
-            </a:r>
-            <a:r>
-              <a:rPr/>
-              <a:t> </a:t>
-            </a:r>
-            <a:r>
-              <a:rPr/>
-              <a:t>need</a:t>
-            </a:r>
-            <a:r>
-              <a:rPr/>
-              <a:t> </a:t>
-            </a:r>
-            <a:r>
-              <a:rPr/>
-              <a:t>to</a:t>
-            </a:r>
-            <a:r>
-              <a:rPr/>
-              <a:t> </a:t>
-            </a:r>
-            <a:r>
-              <a:rPr/>
-              <a:t>learn.</a:t>
-            </a:r>
-            <a:r>
-              <a:rPr/>
-              <a:t> </a:t>
-            </a:r>
-            <a:r>
-              <a:rPr/>
-              <a:t>It</a:t>
-            </a:r>
-            <a:r>
-              <a:rPr/>
-              <a:t> </a:t>
-            </a:r>
-            <a:r>
-              <a:rPr/>
-              <a:t>applies</a:t>
-            </a:r>
-            <a:r>
-              <a:rPr/>
-              <a:t> </a:t>
-            </a:r>
-            <a:r>
-              <a:rPr/>
-              <a:t>to</a:t>
-            </a:r>
-            <a:r>
-              <a:rPr/>
-              <a:t> </a:t>
-            </a:r>
-            <a:r>
-              <a:rPr/>
-              <a:t>most</a:t>
-            </a:r>
-            <a:r>
-              <a:rPr/>
-              <a:t> </a:t>
-            </a:r>
-            <a:r>
-              <a:rPr/>
-              <a:t>parts</a:t>
-            </a:r>
-            <a:r>
-              <a:rPr/>
-              <a:t> </a:t>
-            </a:r>
-            <a:r>
-              <a:rPr/>
-              <a:t>of</a:t>
-            </a:r>
-            <a:r>
-              <a:rPr/>
-              <a:t> </a:t>
-            </a:r>
-            <a:r>
-              <a:rPr/>
-              <a:t>R.</a:t>
+              <a:t>This is the second thing we need to learn. It applies to most parts of R.</a:t>
             </a:r>
           </a:p>
         </p:txBody>
@@ -1030,84 +708,12 @@
           <a:bodyPr/>
           <a:lstStyle/>
           <a:p>
-            <a:pPr lvl="0" marL="0" indent="0">
+            <a:pPr lvl="0" indent="0" marL="0">
               <a:buNone/>
             </a:pPr>
             <a:r>
               <a:rPr/>
-              <a:t>Dplyr</a:t>
-            </a:r>
-            <a:r>
-              <a:rPr/>
-              <a:t> </a:t>
-            </a:r>
-            <a:r>
-              <a:rPr/>
-              <a:t>works</a:t>
-            </a:r>
-            <a:r>
-              <a:rPr/>
-              <a:t> </a:t>
-            </a:r>
-            <a:r>
-              <a:rPr/>
-              <a:t>using</a:t>
-            </a:r>
-            <a:r>
-              <a:rPr/>
-              <a:t> </a:t>
-            </a:r>
-            <a:r>
-              <a:rPr/>
-              <a:t>‘</a:t>
-            </a:r>
-            <a:r>
-              <a:rPr/>
-              <a:t>verbs</a:t>
-            </a:r>
-            <a:r>
-              <a:rPr/>
-              <a:t>’</a:t>
-            </a:r>
-            <a:r>
-              <a:rPr/>
-              <a:t>.</a:t>
-            </a:r>
-            <a:r>
-              <a:rPr/>
-              <a:t> </a:t>
-            </a:r>
-            <a:r>
-              <a:rPr/>
-              <a:t>The</a:t>
-            </a:r>
-            <a:r>
-              <a:rPr/>
-              <a:t> </a:t>
-            </a:r>
-            <a:r>
-              <a:rPr/>
-              <a:t>first</a:t>
-            </a:r>
-            <a:r>
-              <a:rPr/>
-              <a:t> </a:t>
-            </a:r>
-            <a:r>
-              <a:rPr/>
-              <a:t>one</a:t>
-            </a:r>
-            <a:r>
-              <a:rPr/>
-              <a:t> </a:t>
-            </a:r>
-            <a:r>
-              <a:rPr/>
-              <a:t>is</a:t>
-            </a:r>
-            <a:r>
-              <a:rPr/>
-              <a:t> </a:t>
+              <a:t>Dplyr works using ‘verbs’. The first one is </a:t>
             </a:r>
             <a:r>
               <a:rPr>
@@ -1194,44 +800,12 @@
           <a:bodyPr/>
           <a:lstStyle/>
           <a:p>
-            <a:pPr lvl="0" marL="0" indent="0">
+            <a:pPr lvl="0" indent="0" marL="0">
               <a:buNone/>
             </a:pPr>
             <a:r>
               <a:rPr/>
-              <a:t>The</a:t>
-            </a:r>
-            <a:r>
-              <a:rPr/>
-              <a:t> </a:t>
-            </a:r>
-            <a:r>
-              <a:rPr/>
-              <a:t>second</a:t>
-            </a:r>
-            <a:r>
-              <a:rPr/>
-              <a:t> </a:t>
-            </a:r>
-            <a:r>
-              <a:rPr/>
-              <a:t>verb</a:t>
-            </a:r>
-            <a:r>
-              <a:rPr/>
-              <a:t> </a:t>
-            </a:r>
-            <a:r>
-              <a:rPr/>
-              <a:t>is</a:t>
-            </a:r>
-            <a:r>
-              <a:rPr/>
-              <a:t> </a:t>
-            </a:r>
-            <a:r>
-              <a:rPr/>
-              <a:t>select.</a:t>
+              <a:t>The second verb is select.</a:t>
             </a:r>
           </a:p>
         </p:txBody>
@@ -1308,164 +882,12 @@
           <a:bodyPr/>
           <a:lstStyle/>
           <a:p>
-            <a:pPr lvl="0" marL="0" indent="0">
+            <a:pPr lvl="0" indent="0" marL="0">
               <a:buNone/>
             </a:pPr>
             <a:r>
               <a:rPr/>
-              <a:t>Warn</a:t>
-            </a:r>
-            <a:r>
-              <a:rPr/>
-              <a:t> </a:t>
-            </a:r>
-            <a:r>
-              <a:rPr/>
-              <a:t>them</a:t>
-            </a:r>
-            <a:r>
-              <a:rPr/>
-              <a:t> </a:t>
-            </a:r>
-            <a:r>
-              <a:rPr/>
-              <a:t>that</a:t>
-            </a:r>
-            <a:r>
-              <a:rPr/>
-              <a:t> </a:t>
-            </a:r>
-            <a:r>
-              <a:rPr/>
-              <a:t>this</a:t>
-            </a:r>
-            <a:r>
-              <a:rPr/>
-              <a:t> </a:t>
-            </a:r>
-            <a:r>
-              <a:rPr/>
-              <a:t>concept</a:t>
-            </a:r>
-            <a:r>
-              <a:rPr/>
-              <a:t> </a:t>
-            </a:r>
-            <a:r>
-              <a:rPr/>
-              <a:t>takes</a:t>
-            </a:r>
-            <a:r>
-              <a:rPr/>
-              <a:t> </a:t>
-            </a:r>
-            <a:r>
-              <a:rPr/>
-              <a:t>a</a:t>
-            </a:r>
-            <a:r>
-              <a:rPr/>
-              <a:t> </a:t>
-            </a:r>
-            <a:r>
-              <a:rPr/>
-              <a:t>while</a:t>
-            </a:r>
-            <a:r>
-              <a:rPr/>
-              <a:t> </a:t>
-            </a:r>
-            <a:r>
-              <a:rPr/>
-              <a:t>to</a:t>
-            </a:r>
-            <a:r>
-              <a:rPr/>
-              <a:t> </a:t>
-            </a:r>
-            <a:r>
-              <a:rPr/>
-              <a:t>grasp.</a:t>
-            </a:r>
-            <a:r>
-              <a:rPr/>
-              <a:t> </a:t>
-            </a:r>
-            <a:r>
-              <a:rPr/>
-              <a:t>Also,</a:t>
-            </a:r>
-            <a:r>
-              <a:rPr/>
-              <a:t> </a:t>
-            </a:r>
-            <a:r>
-              <a:rPr/>
-              <a:t>warn</a:t>
-            </a:r>
-            <a:r>
-              <a:rPr/>
-              <a:t> </a:t>
-            </a:r>
-            <a:r>
-              <a:rPr/>
-              <a:t>participants</a:t>
-            </a:r>
-            <a:r>
-              <a:rPr/>
-              <a:t> </a:t>
-            </a:r>
-            <a:r>
-              <a:rPr/>
-              <a:t>that</a:t>
-            </a:r>
-            <a:r>
-              <a:rPr/>
-              <a:t> </a:t>
-            </a:r>
-            <a:r>
-              <a:rPr/>
-              <a:t>gather/spread</a:t>
-            </a:r>
-            <a:r>
-              <a:rPr/>
-              <a:t> </a:t>
-            </a:r>
-            <a:r>
-              <a:rPr/>
-              <a:t>have</a:t>
-            </a:r>
-            <a:r>
-              <a:rPr/>
-              <a:t> </a:t>
-            </a:r>
-            <a:r>
-              <a:rPr/>
-              <a:t>been</a:t>
-            </a:r>
-            <a:r>
-              <a:rPr/>
-              <a:t> </a:t>
-            </a:r>
-            <a:r>
-              <a:rPr/>
-              <a:t>superseded</a:t>
-            </a:r>
-            <a:r>
-              <a:rPr/>
-              <a:t> </a:t>
-            </a:r>
-            <a:r>
-              <a:rPr/>
-              <a:t>by</a:t>
-            </a:r>
-            <a:r>
-              <a:rPr/>
-              <a:t> </a:t>
-            </a:r>
-            <a:r>
-              <a:rPr/>
-              <a:t>pivot_longer/pivot_wider.</a:t>
+              <a:t>Warn them that this concept takes a while to grasp. Also, warn participants that gather/spread have been superseded by pivot_longer/pivot_wider.</a:t>
             </a:r>
           </a:p>
         </p:txBody>
@@ -1645,7 +1067,7 @@
           <a:p>
             <a:fld id="{937E6D32-4C03-264D-8FDB-034DA7582E3B}" type="datetimeFigureOut">
               <a:rPr lang="en-US" smtClean="0"/>
-              <a:t>9/21/2021</a:t>
+              <a:t>10/9/2022</a:t>
             </a:fld>
             <a:endParaRPr lang="en-US"/>
           </a:p>
@@ -1843,7 +1265,7 @@
           <a:p>
             <a:fld id="{937E6D32-4C03-264D-8FDB-034DA7582E3B}" type="datetimeFigureOut">
               <a:rPr lang="en-US" smtClean="0"/>
-              <a:t>9/21/2021</a:t>
+              <a:t>10/9/2022</a:t>
             </a:fld>
             <a:endParaRPr lang="en-US"/>
           </a:p>
@@ -2051,7 +1473,7 @@
           <a:p>
             <a:fld id="{937E6D32-4C03-264D-8FDB-034DA7582E3B}" type="datetimeFigureOut">
               <a:rPr lang="en-US" smtClean="0"/>
-              <a:t>9/21/2021</a:t>
+              <a:t>10/9/2022</a:t>
             </a:fld>
             <a:endParaRPr lang="en-US"/>
           </a:p>
@@ -2249,7 +1671,7 @@
           <a:p>
             <a:fld id="{937E6D32-4C03-264D-8FDB-034DA7582E3B}" type="datetimeFigureOut">
               <a:rPr lang="en-US" smtClean="0"/>
-              <a:t>9/21/2021</a:t>
+              <a:t>10/9/2022</a:t>
             </a:fld>
             <a:endParaRPr lang="en-US"/>
           </a:p>
@@ -2524,7 +1946,7 @@
           <a:p>
             <a:fld id="{937E6D32-4C03-264D-8FDB-034DA7582E3B}" type="datetimeFigureOut">
               <a:rPr lang="en-US" smtClean="0"/>
-              <a:t>9/21/2021</a:t>
+              <a:t>10/9/2022</a:t>
             </a:fld>
             <a:endParaRPr lang="en-US"/>
           </a:p>
@@ -2789,7 +2211,7 @@
           <a:p>
             <a:fld id="{937E6D32-4C03-264D-8FDB-034DA7582E3B}" type="datetimeFigureOut">
               <a:rPr lang="en-US" smtClean="0"/>
-              <a:t>9/21/2021</a:t>
+              <a:t>10/9/2022</a:t>
             </a:fld>
             <a:endParaRPr lang="en-US"/>
           </a:p>
@@ -3201,7 +2623,7 @@
           <a:p>
             <a:fld id="{937E6D32-4C03-264D-8FDB-034DA7582E3B}" type="datetimeFigureOut">
               <a:rPr lang="en-US" smtClean="0"/>
-              <a:t>9/21/2021</a:t>
+              <a:t>10/9/2022</a:t>
             </a:fld>
             <a:endParaRPr lang="en-US"/>
           </a:p>
@@ -3342,7 +2764,7 @@
           <a:p>
             <a:fld id="{937E6D32-4C03-264D-8FDB-034DA7582E3B}" type="datetimeFigureOut">
               <a:rPr lang="en-US" smtClean="0"/>
-              <a:t>9/21/2021</a:t>
+              <a:t>10/9/2022</a:t>
             </a:fld>
             <a:endParaRPr lang="en-US"/>
           </a:p>
@@ -3455,7 +2877,7 @@
           <a:p>
             <a:fld id="{937E6D32-4C03-264D-8FDB-034DA7582E3B}" type="datetimeFigureOut">
               <a:rPr lang="en-US" smtClean="0"/>
-              <a:t>9/21/2021</a:t>
+              <a:t>10/9/2022</a:t>
             </a:fld>
             <a:endParaRPr lang="en-US"/>
           </a:p>
@@ -3766,7 +3188,7 @@
           <a:p>
             <a:fld id="{937E6D32-4C03-264D-8FDB-034DA7582E3B}" type="datetimeFigureOut">
               <a:rPr lang="en-US" smtClean="0"/>
-              <a:t>9/21/2021</a:t>
+              <a:t>10/9/2022</a:t>
             </a:fld>
             <a:endParaRPr lang="en-US"/>
           </a:p>
@@ -4054,7 +3476,7 @@
           <a:p>
             <a:fld id="{937E6D32-4C03-264D-8FDB-034DA7582E3B}" type="datetimeFigureOut">
               <a:rPr lang="en-US" smtClean="0"/>
-              <a:t>9/21/2021</a:t>
+              <a:t>10/9/2022</a:t>
             </a:fld>
             <a:endParaRPr lang="en-US"/>
           </a:p>
@@ -4128,7 +3550,7 @@
 </file>
 
 <file path=ppt/slideMasters/slideMaster1.xml><?xml version="1.0" encoding="utf-8"?>
-<p:sldMaster xmlns:a="http://schemas.openxmlformats.org/drawingml/2006/main" xmlns:r="http://schemas.openxmlformats.org/officeDocument/2006/relationships" xmlns:p="http://schemas.openxmlformats.org/presentationml/2006/main">
+<p:sldMaster xmlns:a="http://schemas.openxmlformats.org/drawingml/2006/main" xmlns:p="http://schemas.openxmlformats.org/presentationml/2006/main" xmlns:r="http://schemas.openxmlformats.org/officeDocument/2006/relationships">
   <p:cSld>
     <p:bg>
       <p:bgRef idx="1001">
@@ -4175,7 +3597,7 @@
           </a:prstGeom>
         </p:spPr>
         <p:txBody>
-          <a:bodyPr vert="horz" lIns="91440" tIns="45720" rIns="91440" bIns="45720" rtlCol="0" anchor="ctr">
+          <a:bodyPr anchor="ctr" bIns="45720" lIns="91440" rIns="91440" rtlCol="0" tIns="45720" vert="horz">
             <a:normAutofit/>
           </a:bodyPr>
           <a:lstStyle/>
@@ -4200,7 +3622,7 @@
             <a:spLocks noGrp="1"/>
           </p:cNvSpPr>
           <p:nvPr>
-            <p:ph type="body" idx="1"/>
+            <p:ph idx="1" type="body"/>
           </p:nvPr>
         </p:nvSpPr>
         <p:spPr>
@@ -4213,42 +3635,42 @@
           </a:prstGeom>
         </p:spPr>
         <p:txBody>
-          <a:bodyPr vert="horz" lIns="91440" tIns="45720" rIns="91440" bIns="45720" rtlCol="0">
+          <a:bodyPr bIns="45720" lIns="91440" rIns="91440" rtlCol="0" tIns="45720" vert="horz">
             <a:normAutofit/>
           </a:bodyPr>
           <a:lstStyle/>
           <a:p>
             <a:pPr lvl="0"/>
             <a:r>
-              <a:rPr lang="en-US" dirty="0"/>
+              <a:rPr dirty="0" lang="en-US"/>
               <a:t>Click to edit Master text styles</a:t>
             </a:r>
           </a:p>
           <a:p>
             <a:pPr lvl="1"/>
             <a:r>
-              <a:rPr lang="en-US" dirty="0"/>
+              <a:rPr dirty="0" lang="en-US"/>
               <a:t>Second level</a:t>
             </a:r>
           </a:p>
           <a:p>
             <a:pPr lvl="2"/>
             <a:r>
-              <a:rPr lang="en-US" dirty="0"/>
+              <a:rPr dirty="0" lang="en-US"/>
               <a:t>Third level</a:t>
             </a:r>
           </a:p>
           <a:p>
             <a:pPr lvl="3"/>
             <a:r>
-              <a:rPr lang="en-US" dirty="0"/>
+              <a:rPr dirty="0" lang="en-US"/>
               <a:t>Fourth level</a:t>
             </a:r>
           </a:p>
           <a:p>
             <a:pPr lvl="4"/>
             <a:r>
-              <a:rPr lang="en-US" dirty="0"/>
+              <a:rPr dirty="0" lang="en-US"/>
               <a:t>Fifth level</a:t>
             </a:r>
           </a:p>
@@ -4267,7 +3689,7 @@
             <a:spLocks noGrp="1"/>
           </p:cNvSpPr>
           <p:nvPr>
-            <p:ph type="dt" sz="half" idx="2"/>
+            <p:ph idx="2" sz="half" type="dt"/>
           </p:nvPr>
         </p:nvSpPr>
         <p:spPr>
@@ -4280,7 +3702,7 @@
           </a:prstGeom>
         </p:spPr>
         <p:txBody>
-          <a:bodyPr vert="horz" lIns="91440" tIns="45720" rIns="91440" bIns="45720" rtlCol="0" anchor="ctr"/>
+          <a:bodyPr anchor="ctr" bIns="45720" lIns="91440" rIns="91440" rtlCol="0" tIns="45720" vert="horz"/>
           <a:lstStyle>
             <a:lvl1pPr algn="l">
               <a:defRPr sz="1200">
@@ -4295,7 +3717,7 @@
           <a:p>
             <a:fld id="{937E6D32-4C03-264D-8FDB-034DA7582E3B}" type="datetimeFigureOut">
               <a:rPr lang="en-US" smtClean="0"/>
-              <a:t>9/21/2021</a:t>
+              <a:t>10/9/2022</a:t>
             </a:fld>
             <a:endParaRPr lang="en-US"/>
           </a:p>
@@ -4314,7 +3736,7 @@
             <a:spLocks noGrp="1"/>
           </p:cNvSpPr>
           <p:nvPr>
-            <p:ph type="ftr" sz="quarter" idx="3"/>
+            <p:ph idx="3" sz="quarter" type="ftr"/>
           </p:nvPr>
         </p:nvSpPr>
         <p:spPr>
@@ -4327,7 +3749,7 @@
           </a:prstGeom>
         </p:spPr>
         <p:txBody>
-          <a:bodyPr vert="horz" lIns="91440" tIns="45720" rIns="91440" bIns="45720" rtlCol="0" anchor="ctr"/>
+          <a:bodyPr anchor="ctr" bIns="45720" lIns="91440" rIns="91440" rtlCol="0" tIns="45720" vert="horz"/>
           <a:lstStyle>
             <a:lvl1pPr algn="ctr">
               <a:defRPr sz="1200">
@@ -4357,7 +3779,7 @@
             <a:spLocks noGrp="1"/>
           </p:cNvSpPr>
           <p:nvPr>
-            <p:ph type="sldNum" sz="quarter" idx="4"/>
+            <p:ph idx="4" sz="quarter" type="sldNum"/>
           </p:nvPr>
         </p:nvSpPr>
         <p:spPr>
@@ -4370,7 +3792,7 @@
           </a:prstGeom>
         </p:spPr>
         <p:txBody>
-          <a:bodyPr vert="horz" lIns="91440" tIns="45720" rIns="91440" bIns="45720" rtlCol="0" anchor="ctr"/>
+          <a:bodyPr anchor="ctr" bIns="45720" lIns="91440" rIns="91440" rtlCol="0" tIns="45720" vert="horz"/>
           <a:lstStyle>
             <a:lvl1pPr algn="r">
               <a:defRPr sz="1200">
@@ -4398,7 +3820,7 @@
       </p:ext>
     </p:extLst>
   </p:cSld>
-  <p:clrMap bg1="lt1" tx1="dk1" bg2="lt2" tx2="dk2" accent1="accent1" accent2="accent2" accent3="accent3" accent4="accent4" accent5="accent5" accent6="accent6" hlink="hlink" folHlink="folHlink"/>
+  <p:clrMap accent1="accent1" accent2="accent2" accent3="accent3" accent4="accent4" accent5="accent5" accent6="accent6" bg1="lt1" bg2="lt2" folHlink="folHlink" hlink="hlink" tx1="dk1" tx2="dk2"/>
   <p:sldLayoutIdLst>
     <p:sldLayoutId id="2147483649" r:id="rId1"/>
     <p:sldLayoutId id="2147483650" r:id="rId2"/>
@@ -4414,7 +3836,7 @@
   </p:sldLayoutIdLst>
   <p:txStyles>
     <p:titleStyle>
-      <a:lvl1pPr algn="l" defTabSz="914400" rtl="0" eaLnBrk="1" latinLnBrk="0" hangingPunct="1">
+      <a:lvl1pPr algn="l" defTabSz="914400" eaLnBrk="1" hangingPunct="1" latinLnBrk="0" rtl="0">
         <a:lnSpc>
           <a:spcPct val="90000"/>
         </a:lnSpc>
@@ -4422,7 +3844,7 @@
           <a:spcPct val="0"/>
         </a:spcBef>
         <a:buNone/>
-        <a:defRPr sz="4400" kern="1200">
+        <a:defRPr kern="1200" sz="4400">
           <a:solidFill>
             <a:schemeClr val="tx1"/>
           </a:solidFill>
@@ -4433,16 +3855,16 @@
       </a:lvl1pPr>
     </p:titleStyle>
     <p:bodyStyle>
-      <a:lvl1pPr marL="1144800" indent="-228600" algn="l" defTabSz="914400" rtl="0" eaLnBrk="1" latinLnBrk="0" hangingPunct="1">
+      <a:lvl1pPr algn="l" defTabSz="914400" eaLnBrk="1" hangingPunct="1" indent="-228600" latinLnBrk="0" marL="230400" rtl="0">
         <a:lnSpc>
           <a:spcPct val="90000"/>
         </a:lnSpc>
         <a:spcBef>
-          <a:spcPts val="1000"/>
+          <a:spcPts val="500"/>
         </a:spcBef>
-        <a:buFont typeface="Arial" panose="020B0604020202020204" pitchFamily="34" charset="0"/>
+        <a:buFont charset="0" panose="020B0604020202020204" pitchFamily="34" typeface="Arial"/>
         <a:buChar char="•"/>
-        <a:defRPr sz="1800" kern="1200">
+        <a:defRPr kern="1200" sz="2000">
           <a:solidFill>
             <a:schemeClr val="tx1"/>
           </a:solidFill>
@@ -4451,16 +3873,16 @@
           <a:cs typeface="+mn-cs"/>
         </a:defRPr>
       </a:lvl1pPr>
-      <a:lvl2pPr marL="685800" indent="-228600" algn="l" defTabSz="914400" rtl="0" eaLnBrk="1" latinLnBrk="0" hangingPunct="1">
+      <a:lvl2pPr algn="l" defTabSz="914400" eaLnBrk="1" hangingPunct="1" indent="-228600" latinLnBrk="0" marL="685800" rtl="0">
         <a:lnSpc>
           <a:spcPct val="90000"/>
         </a:lnSpc>
         <a:spcBef>
           <a:spcPts val="500"/>
         </a:spcBef>
-        <a:buFont typeface="Arial" panose="020B0604020202020204" pitchFamily="34" charset="0"/>
+        <a:buFont charset="0" panose="020B0604020202020204" pitchFamily="34" typeface="Arial"/>
         <a:buChar char="•"/>
-        <a:defRPr sz="2300" kern="1200">
+        <a:defRPr kern="1200" sz="1800">
           <a:solidFill>
             <a:schemeClr val="tx1"/>
           </a:solidFill>
@@ -4469,16 +3891,16 @@
           <a:cs typeface="+mn-cs"/>
         </a:defRPr>
       </a:lvl2pPr>
-      <a:lvl3pPr marL="1143000" indent="-228600" algn="l" defTabSz="914400" rtl="0" eaLnBrk="1" latinLnBrk="0" hangingPunct="1">
+      <a:lvl3pPr algn="l" defTabSz="914400" eaLnBrk="1" hangingPunct="1" indent="-228600" latinLnBrk="0" marL="1143000" rtl="0">
         <a:lnSpc>
           <a:spcPct val="90000"/>
         </a:lnSpc>
         <a:spcBef>
           <a:spcPts val="500"/>
         </a:spcBef>
-        <a:buFont typeface="Arial" panose="020B0604020202020204" pitchFamily="34" charset="0"/>
+        <a:buFont charset="0" panose="020B0604020202020204" pitchFamily="34" typeface="Arial"/>
         <a:buChar char="•"/>
-        <a:defRPr sz="2000" kern="1200">
+        <a:defRPr kern="1200" sz="1800">
           <a:solidFill>
             <a:schemeClr val="tx1"/>
           </a:solidFill>
@@ -4487,16 +3909,16 @@
           <a:cs typeface="+mn-cs"/>
         </a:defRPr>
       </a:lvl3pPr>
-      <a:lvl4pPr marL="1600200" indent="-228600" algn="l" defTabSz="914400" rtl="0" eaLnBrk="1" latinLnBrk="0" hangingPunct="1">
+      <a:lvl4pPr algn="l" defTabSz="914400" eaLnBrk="1" hangingPunct="1" indent="-228600" latinLnBrk="0" marL="1600200" rtl="0">
         <a:lnSpc>
           <a:spcPct val="90000"/>
         </a:lnSpc>
         <a:spcBef>
           <a:spcPts val="500"/>
         </a:spcBef>
-        <a:buFont typeface="Arial" panose="020B0604020202020204" pitchFamily="34" charset="0"/>
+        <a:buFont charset="0" panose="020B0604020202020204" pitchFamily="34" typeface="Arial"/>
         <a:buChar char="•"/>
-        <a:defRPr sz="1800" kern="1200">
+        <a:defRPr kern="1200" sz="1600">
           <a:solidFill>
             <a:schemeClr val="tx1"/>
           </a:solidFill>
@@ -4505,16 +3927,16 @@
           <a:cs typeface="+mn-cs"/>
         </a:defRPr>
       </a:lvl4pPr>
-      <a:lvl5pPr marL="2057400" indent="-228600" algn="l" defTabSz="914400" rtl="0" eaLnBrk="1" latinLnBrk="0" hangingPunct="1">
+      <a:lvl5pPr algn="l" defTabSz="914400" eaLnBrk="1" hangingPunct="1" indent="-228600" latinLnBrk="0" marL="2057400" rtl="0">
         <a:lnSpc>
           <a:spcPct val="90000"/>
         </a:lnSpc>
         <a:spcBef>
           <a:spcPts val="500"/>
         </a:spcBef>
-        <a:buFont typeface="Arial" panose="020B0604020202020204" pitchFamily="34" charset="0"/>
+        <a:buFont charset="0" panose="020B0604020202020204" pitchFamily="34" typeface="Arial"/>
         <a:buChar char="•"/>
-        <a:defRPr sz="1800" kern="1200">
+        <a:defRPr kern="1200" sz="1600">
           <a:solidFill>
             <a:schemeClr val="tx1"/>
           </a:solidFill>
@@ -4523,16 +3945,16 @@
           <a:cs typeface="+mn-cs"/>
         </a:defRPr>
       </a:lvl5pPr>
-      <a:lvl6pPr marL="2514600" indent="-228600" algn="l" defTabSz="914400" rtl="0" eaLnBrk="1" latinLnBrk="0" hangingPunct="1">
+      <a:lvl6pPr algn="l" defTabSz="914400" eaLnBrk="1" hangingPunct="1" indent="-228600" latinLnBrk="0" marL="2514600" rtl="0">
         <a:lnSpc>
           <a:spcPct val="90000"/>
         </a:lnSpc>
         <a:spcBef>
           <a:spcPts val="500"/>
         </a:spcBef>
-        <a:buFont typeface="Arial" panose="020B0604020202020204" pitchFamily="34" charset="0"/>
+        <a:buFont charset="0" panose="020B0604020202020204" pitchFamily="34" typeface="Arial"/>
         <a:buChar char="•"/>
-        <a:defRPr sz="1800" kern="1200">
+        <a:defRPr kern="1200" sz="1800">
           <a:solidFill>
             <a:schemeClr val="tx1"/>
           </a:solidFill>
@@ -4541,16 +3963,16 @@
           <a:cs typeface="+mn-cs"/>
         </a:defRPr>
       </a:lvl6pPr>
-      <a:lvl7pPr marL="2971800" indent="-228600" algn="l" defTabSz="914400" rtl="0" eaLnBrk="1" latinLnBrk="0" hangingPunct="1">
+      <a:lvl7pPr algn="l" defTabSz="914400" eaLnBrk="1" hangingPunct="1" indent="-228600" latinLnBrk="0" marL="2971800" rtl="0">
         <a:lnSpc>
           <a:spcPct val="90000"/>
         </a:lnSpc>
         <a:spcBef>
           <a:spcPts val="500"/>
         </a:spcBef>
-        <a:buFont typeface="Arial" panose="020B0604020202020204" pitchFamily="34" charset="0"/>
+        <a:buFont charset="0" panose="020B0604020202020204" pitchFamily="34" typeface="Arial"/>
         <a:buChar char="•"/>
-        <a:defRPr sz="1800" kern="1200">
+        <a:defRPr kern="1200" sz="1800">
           <a:solidFill>
             <a:schemeClr val="tx1"/>
           </a:solidFill>
@@ -4559,16 +3981,16 @@
           <a:cs typeface="+mn-cs"/>
         </a:defRPr>
       </a:lvl7pPr>
-      <a:lvl8pPr marL="3429000" indent="-228600" algn="l" defTabSz="914400" rtl="0" eaLnBrk="1" latinLnBrk="0" hangingPunct="1">
+      <a:lvl8pPr algn="l" defTabSz="914400" eaLnBrk="1" hangingPunct="1" indent="-228600" latinLnBrk="0" marL="3429000" rtl="0">
         <a:lnSpc>
           <a:spcPct val="90000"/>
         </a:lnSpc>
         <a:spcBef>
           <a:spcPts val="500"/>
         </a:spcBef>
-        <a:buFont typeface="Arial" panose="020B0604020202020204" pitchFamily="34" charset="0"/>
+        <a:buFont charset="0" panose="020B0604020202020204" pitchFamily="34" typeface="Arial"/>
         <a:buChar char="•"/>
-        <a:defRPr sz="1800" kern="1200">
+        <a:defRPr kern="1200" sz="1800">
           <a:solidFill>
             <a:schemeClr val="tx1"/>
           </a:solidFill>
@@ -4577,16 +3999,16 @@
           <a:cs typeface="+mn-cs"/>
         </a:defRPr>
       </a:lvl8pPr>
-      <a:lvl9pPr marL="3886200" indent="-228600" algn="l" defTabSz="914400" rtl="0" eaLnBrk="1" latinLnBrk="0" hangingPunct="1">
+      <a:lvl9pPr algn="l" defTabSz="914400" eaLnBrk="1" hangingPunct="1" indent="-228600" latinLnBrk="0" marL="3886200" rtl="0">
         <a:lnSpc>
           <a:spcPct val="90000"/>
         </a:lnSpc>
         <a:spcBef>
           <a:spcPts val="500"/>
         </a:spcBef>
-        <a:buFont typeface="Arial" panose="020B0604020202020204" pitchFamily="34" charset="0"/>
+        <a:buFont charset="0" panose="020B0604020202020204" pitchFamily="34" typeface="Arial"/>
         <a:buChar char="•"/>
-        <a:defRPr sz="1800" kern="1200">
+        <a:defRPr kern="1200" sz="1800">
           <a:solidFill>
             <a:schemeClr val="tx1"/>
           </a:solidFill>
@@ -4600,8 +4022,8 @@
       <a:defPPr>
         <a:defRPr lang="en-US"/>
       </a:defPPr>
-      <a:lvl1pPr marL="0" algn="l" defTabSz="914400" rtl="0" eaLnBrk="1" latinLnBrk="0" hangingPunct="1">
-        <a:defRPr sz="1800" kern="1200">
+      <a:lvl1pPr algn="l" defTabSz="914400" eaLnBrk="1" hangingPunct="1" latinLnBrk="0" marL="0" rtl="0">
+        <a:defRPr kern="1200" sz="1800">
           <a:solidFill>
             <a:schemeClr val="tx1"/>
           </a:solidFill>
@@ -4610,8 +4032,8 @@
           <a:cs typeface="+mn-cs"/>
         </a:defRPr>
       </a:lvl1pPr>
-      <a:lvl2pPr marL="457200" algn="l" defTabSz="914400" rtl="0" eaLnBrk="1" latinLnBrk="0" hangingPunct="1">
-        <a:defRPr sz="1800" kern="1200">
+      <a:lvl2pPr algn="l" defTabSz="914400" eaLnBrk="1" hangingPunct="1" latinLnBrk="0" marL="457200" rtl="0">
+        <a:defRPr kern="1200" sz="1800">
           <a:solidFill>
             <a:schemeClr val="tx1"/>
           </a:solidFill>
@@ -4620,8 +4042,8 @@
           <a:cs typeface="+mn-cs"/>
         </a:defRPr>
       </a:lvl2pPr>
-      <a:lvl3pPr marL="914400" algn="l" defTabSz="914400" rtl="0" eaLnBrk="1" latinLnBrk="0" hangingPunct="1">
-        <a:defRPr sz="1800" kern="1200">
+      <a:lvl3pPr algn="l" defTabSz="914400" eaLnBrk="1" hangingPunct="1" latinLnBrk="0" marL="914400" rtl="0">
+        <a:defRPr kern="1200" sz="1800">
           <a:solidFill>
             <a:schemeClr val="tx1"/>
           </a:solidFill>
@@ -4630,8 +4052,8 @@
           <a:cs typeface="+mn-cs"/>
         </a:defRPr>
       </a:lvl3pPr>
-      <a:lvl4pPr marL="1371600" algn="l" defTabSz="914400" rtl="0" eaLnBrk="1" latinLnBrk="0" hangingPunct="1">
-        <a:defRPr sz="1800" kern="1200">
+      <a:lvl4pPr algn="l" defTabSz="914400" eaLnBrk="1" hangingPunct="1" latinLnBrk="0" marL="1371600" rtl="0">
+        <a:defRPr kern="1200" sz="1800">
           <a:solidFill>
             <a:schemeClr val="tx1"/>
           </a:solidFill>
@@ -4640,8 +4062,8 @@
           <a:cs typeface="+mn-cs"/>
         </a:defRPr>
       </a:lvl4pPr>
-      <a:lvl5pPr marL="1828800" algn="l" defTabSz="914400" rtl="0" eaLnBrk="1" latinLnBrk="0" hangingPunct="1">
-        <a:defRPr sz="1800" kern="1200">
+      <a:lvl5pPr algn="l" defTabSz="914400" eaLnBrk="1" hangingPunct="1" latinLnBrk="0" marL="1828800" rtl="0">
+        <a:defRPr kern="1200" sz="1800">
           <a:solidFill>
             <a:schemeClr val="tx1"/>
           </a:solidFill>
@@ -4650,8 +4072,8 @@
           <a:cs typeface="+mn-cs"/>
         </a:defRPr>
       </a:lvl5pPr>
-      <a:lvl6pPr marL="2286000" algn="l" defTabSz="914400" rtl="0" eaLnBrk="1" latinLnBrk="0" hangingPunct="1">
-        <a:defRPr sz="1800" kern="1200">
+      <a:lvl6pPr algn="l" defTabSz="914400" eaLnBrk="1" hangingPunct="1" latinLnBrk="0" marL="2286000" rtl="0">
+        <a:defRPr kern="1200" sz="1800">
           <a:solidFill>
             <a:schemeClr val="tx1"/>
           </a:solidFill>
@@ -4660,8 +4082,8 @@
           <a:cs typeface="+mn-cs"/>
         </a:defRPr>
       </a:lvl6pPr>
-      <a:lvl7pPr marL="2743200" algn="l" defTabSz="914400" rtl="0" eaLnBrk="1" latinLnBrk="0" hangingPunct="1">
-        <a:defRPr sz="1800" kern="1200">
+      <a:lvl7pPr algn="l" defTabSz="914400" eaLnBrk="1" hangingPunct="1" latinLnBrk="0" marL="2743200" rtl="0">
+        <a:defRPr kern="1200" sz="1800">
           <a:solidFill>
             <a:schemeClr val="tx1"/>
           </a:solidFill>
@@ -4670,8 +4092,8 @@
           <a:cs typeface="+mn-cs"/>
         </a:defRPr>
       </a:lvl7pPr>
-      <a:lvl8pPr marL="3200400" algn="l" defTabSz="914400" rtl="0" eaLnBrk="1" latinLnBrk="0" hangingPunct="1">
-        <a:defRPr sz="1800" kern="1200">
+      <a:lvl8pPr algn="l" defTabSz="914400" eaLnBrk="1" hangingPunct="1" latinLnBrk="0" marL="3200400" rtl="0">
+        <a:defRPr kern="1200" sz="1800">
           <a:solidFill>
             <a:schemeClr val="tx1"/>
           </a:solidFill>
@@ -4680,8 +4102,8 @@
           <a:cs typeface="+mn-cs"/>
         </a:defRPr>
       </a:lvl8pPr>
-      <a:lvl9pPr marL="3657600" algn="l" defTabSz="914400" rtl="0" eaLnBrk="1" latinLnBrk="0" hangingPunct="1">
-        <a:defRPr sz="1800" kern="1200">
+      <a:lvl9pPr algn="l" defTabSz="914400" eaLnBrk="1" hangingPunct="1" latinLnBrk="0" marL="3657600" rtl="0">
+        <a:defRPr kern="1200" sz="1800">
           <a:solidFill>
             <a:schemeClr val="tx1"/>
           </a:solidFill>
@@ -4738,20 +4160,12 @@
           <a:bodyPr/>
           <a:lstStyle/>
           <a:p>
-            <a:pPr lvl="0" marL="0" indent="0">
+            <a:pPr lvl="0" indent="0" marL="0">
               <a:buNone/>
             </a:pPr>
             <a:r>
               <a:rPr/>
-              <a:t>Data</a:t>
-            </a:r>
-            <a:r>
-              <a:rPr/>
-              <a:t> </a:t>
-            </a:r>
-            <a:r>
-              <a:rPr/>
-              <a:t>wrangling</a:t>
+              <a:t>Data wrangling</a:t>
             </a:r>
           </a:p>
         </p:txBody>
@@ -4769,7 +4183,7 @@
             <a:spLocks noGrp="1"/>
           </p:cNvSpPr>
           <p:nvPr>
-            <p:ph type="subTitle" idx="1"/>
+            <p:ph idx="1" type="subTitle"/>
           </p:nvPr>
         </p:nvSpPr>
         <p:spPr>
@@ -4782,7 +4196,7 @@
           <a:bodyPr/>
           <a:lstStyle/>
           <a:p>
-            <a:pPr lvl="0" marL="0" indent="0">
+            <a:pPr lvl="0" indent="0" marL="0">
               <a:buNone/>
             </a:pPr>
             <a:br/>
@@ -4833,20 +4247,12 @@
           <a:bodyPr/>
           <a:lstStyle/>
           <a:p>
-            <a:pPr lvl="0" marL="0" indent="0">
+            <a:pPr lvl="0" indent="0" marL="0">
               <a:buNone/>
             </a:pPr>
             <a:r>
               <a:rPr/>
-              <a:t>Logical</a:t>
-            </a:r>
-            <a:r>
-              <a:rPr/>
-              <a:t> </a:t>
-            </a:r>
-            <a:r>
-              <a:rPr/>
-              <a:t>operators</a:t>
+              <a:t>Logical operators</a:t>
             </a:r>
           </a:p>
         </p:txBody>
@@ -4872,15 +4278,15 @@
           <a:bodyPr/>
           <a:lstStyle/>
           <a:p>
+            <a:pPr lvl="0"/>
+            <a:r>
+              <a:rPr/>
+              <a:t>You use them to compare values</a:t>
+            </a:r>
+          </a:p>
+          <a:p>
             <a:pPr lvl="1"/>
             <a:r>
-              <a:rPr/>
-              <a:t>You use them to compare values</a:t>
-            </a:r>
-          </a:p>
-          <a:p>
-            <a:pPr lvl="2"/>
-            <a:r>
               <a:rPr>
                 <a:latin typeface="Courier"/>
               </a:rPr>
@@ -4892,7 +4298,7 @@
             </a:r>
           </a:p>
           <a:p>
-            <a:pPr lvl="2"/>
+            <a:pPr lvl="1"/>
             <a:r>
               <a:rPr>
                 <a:latin typeface="Courier"/>
@@ -4905,7 +4311,7 @@
             </a:r>
           </a:p>
           <a:p>
-            <a:pPr lvl="2"/>
+            <a:pPr lvl="1"/>
             <a:r>
               <a:rPr>
                 <a:latin typeface="Courier"/>
@@ -4918,7 +4324,7 @@
             </a:r>
           </a:p>
           <a:p>
-            <a:pPr lvl="2"/>
+            <a:pPr lvl="1"/>
             <a:r>
               <a:rPr>
                 <a:latin typeface="Courier"/>
@@ -4931,7 +4337,7 @@
             </a:r>
           </a:p>
           <a:p>
-            <a:pPr lvl="2"/>
+            <a:pPr lvl="1"/>
             <a:r>
               <a:rPr>
                 <a:latin typeface="Courier"/>
@@ -4944,7 +4350,7 @@
             </a:r>
           </a:p>
           <a:p>
-            <a:pPr lvl="2"/>
+            <a:pPr lvl="1"/>
             <a:r>
               <a:rPr>
                 <a:latin typeface="Courier"/>
@@ -4957,7 +4363,7 @@
             </a:r>
           </a:p>
           <a:p>
-            <a:pPr lvl="2"/>
+            <a:pPr lvl="1"/>
             <a:r>
               <a:rPr>
                 <a:latin typeface="Courier"/>
@@ -4970,15 +4376,15 @@
             </a:r>
           </a:p>
           <a:p>
+            <a:pPr lvl="0"/>
+            <a:r>
+              <a:rPr/>
+              <a:t>More than one condition?</a:t>
+            </a:r>
+          </a:p>
+          <a:p>
             <a:pPr lvl="1"/>
             <a:r>
-              <a:rPr/>
-              <a:t>More than one condition?</a:t>
-            </a:r>
-          </a:p>
-          <a:p>
-            <a:pPr lvl="2"/>
-            <a:r>
               <a:rPr>
                 <a:latin typeface="Courier"/>
               </a:rPr>
@@ -4990,7 +4396,7 @@
             </a:r>
           </a:p>
           <a:p>
-            <a:pPr lvl="2"/>
+            <a:pPr lvl="1"/>
             <a:r>
               <a:rPr>
                 <a:latin typeface="Courier"/>
@@ -5047,44 +4453,12 @@
           <a:bodyPr/>
           <a:lstStyle/>
           <a:p>
-            <a:pPr lvl="0" marL="0" indent="0">
+            <a:pPr lvl="0" indent="0" marL="0">
               <a:buNone/>
             </a:pPr>
             <a:r>
               <a:rPr/>
-              <a:t>Example</a:t>
-            </a:r>
-            <a:r>
-              <a:rPr/>
-              <a:t> </a:t>
-            </a:r>
-            <a:r>
-              <a:rPr/>
-              <a:t>of</a:t>
-            </a:r>
-            <a:r>
-              <a:rPr/>
-              <a:t> </a:t>
-            </a:r>
-            <a:r>
-              <a:rPr/>
-              <a:t>using</a:t>
-            </a:r>
-            <a:r>
-              <a:rPr/>
-              <a:t> </a:t>
-            </a:r>
-            <a:r>
-              <a:rPr/>
-              <a:t>logical</a:t>
-            </a:r>
-            <a:r>
-              <a:rPr/>
-              <a:t> </a:t>
-            </a:r>
-            <a:r>
-              <a:rPr/>
-              <a:t>operators</a:t>
+              <a:t>Example of using logical operators</a:t>
             </a:r>
           </a:p>
         </p:txBody>
@@ -5110,7 +4484,7 @@
           <a:bodyPr/>
           <a:lstStyle/>
           <a:p>
-            <a:pPr lvl="1"/>
+            <a:pPr lvl="0"/>
             <a:r>
               <a:rPr/>
               <a:t>Try running:</a:t>
@@ -5301,7 +4675,7 @@
             </a:r>
           </a:p>
           <a:p>
-            <a:pPr lvl="1"/>
+            <a:pPr lvl="0"/>
             <a:r>
               <a:rPr/>
               <a:t>It should return a logical vector. This can then be used to filter your vector.</a:t>
@@ -5414,7 +4788,7 @@
           <a:bodyPr/>
           <a:lstStyle/>
           <a:p>
-            <a:pPr lvl="0" marL="0" indent="0">
+            <a:pPr lvl="0" indent="0" marL="0">
               <a:buNone/>
             </a:pPr>
             <a:r>
@@ -5445,7 +4819,7 @@
           <a:bodyPr/>
           <a:lstStyle/>
           <a:p>
-            <a:pPr lvl="1"/>
+            <a:pPr lvl="0"/>
             <a:r>
               <a:rPr/>
               <a:t>Choose rows based on the conditions you specify.</a:t>
@@ -5533,7 +4907,7 @@
             </a:r>
           </a:p>
           <a:p>
-            <a:pPr lvl="1"/>
+            <a:pPr lvl="0"/>
             <a:r>
               <a:rPr/>
               <a:t>The output is a data frame where all patients are 65 years or older.</a:t>
@@ -5584,7 +4958,7 @@
           <a:bodyPr/>
           <a:lstStyle/>
           <a:p>
-            <a:pPr lvl="0" marL="0" indent="0">
+            <a:pPr lvl="0" indent="0" marL="0">
               <a:buNone/>
             </a:pPr>
             <a:r>
@@ -5615,7 +4989,7 @@
           <a:bodyPr/>
           <a:lstStyle/>
           <a:p>
-            <a:pPr lvl="1"/>
+            <a:pPr lvl="0"/>
             <a:r>
               <a:rPr/>
               <a:t>Allows you to choose specific variables from your dataset.</a:t>
@@ -5673,7 +5047,7 @@
             </a:r>
           </a:p>
           <a:p>
-            <a:pPr lvl="1"/>
+            <a:pPr lvl="0"/>
             <a:r>
               <a:rPr/>
               <a:t>Output is a data frame with the gender of all patients.</a:t>
@@ -5724,77 +5098,115 @@
           <a:bodyPr/>
           <a:lstStyle/>
           <a:p>
-            <a:pPr lvl="0" marL="0" indent="0">
+            <a:pPr lvl="0" indent="0" marL="0">
               <a:buNone/>
             </a:pPr>
             <a:r>
               <a:rPr/>
-              <a:t>Using</a:t>
-            </a:r>
-            <a:r>
-              <a:rPr/>
+              <a:t>Using filter() and select() together</a:t>
+            </a:r>
+          </a:p>
+        </p:txBody>
+      </p:sp>
+      <p:sp>
+        <p:nvSpPr>
+          <p:cNvPr id="3" name="Content Placeholder 2">
+            <a:extLst>
+              <a:ext uri="{FF2B5EF4-FFF2-40B4-BE49-F238E27FC236}">
+                <a16:creationId xmlns:a16="http://schemas.microsoft.com/office/drawing/2014/main" id="{D10DDA37-E46B-B641-BC9F-636CB92A2C08}"/>
+              </a:ext>
+            </a:extLst>
+          </p:cNvPr>
+          <p:cNvSpPr>
+            <a:spLocks noGrp="1"/>
+          </p:cNvSpPr>
+          <p:nvPr>
+            <p:ph idx="1"/>
+          </p:nvPr>
+        </p:nvSpPr>
+        <p:spPr/>
+        <p:txBody>
+          <a:bodyPr/>
+          <a:lstStyle/>
+          <a:p>
+            <a:pPr lvl="0" indent="0">
+              <a:buNone/>
+            </a:pPr>
+            <a:r>
+              <a:rPr>
+                <a:latin typeface="Courier"/>
+              </a:rPr>
+              <a:t>cchic </a:t>
+            </a:r>
+            <a:r>
+              <a:rPr>
+                <a:solidFill>
+                  <a:srgbClr val="4070A0"/>
+                </a:solidFill>
+                <a:latin typeface="Courier"/>
+              </a:rPr>
+              <a:t>%&gt;%</a:t>
+            </a:r>
+            <a:br/>
+            <a:r>
+              <a:rPr>
+                <a:latin typeface="Courier"/>
+              </a:rPr>
+              <a:t>  dplyr</a:t>
+            </a:r>
+            <a:r>
+              <a:rPr>
+                <a:solidFill>
+                  <a:srgbClr val="4070A0"/>
+                </a:solidFill>
+                <a:latin typeface="Courier"/>
+              </a:rPr>
+              <a:t>::</a:t>
+            </a:r>
+            <a:r>
+              <a:rPr>
+                <a:solidFill>
+                  <a:srgbClr val="06287E"/>
+                </a:solidFill>
+                <a:latin typeface="Courier"/>
+              </a:rPr>
+              <a:t>filter</a:t>
+            </a:r>
+            <a:r>
+              <a:rPr>
+                <a:latin typeface="Courier"/>
+              </a:rPr>
+              <a:t>(age_years </a:t>
+            </a:r>
+            <a:r>
+              <a:rPr>
+                <a:solidFill>
+                  <a:srgbClr val="4070A0"/>
+                </a:solidFill>
+                <a:latin typeface="Courier"/>
+              </a:rPr>
+              <a:t>&gt;=</a:t>
+            </a:r>
+            <a:r>
+              <a:rPr>
+                <a:latin typeface="Courier"/>
+              </a:rPr>
               <a:t> </a:t>
             </a:r>
             <a:r>
-              <a:rPr/>
-              <a:t>filter()</a:t>
-            </a:r>
-            <a:r>
-              <a:rPr/>
-              <a:t> </a:t>
-            </a:r>
-            <a:r>
-              <a:rPr/>
-              <a:t>and</a:t>
-            </a:r>
-            <a:r>
-              <a:rPr/>
-              <a:t> </a:t>
-            </a:r>
-            <a:r>
-              <a:rPr/>
-              <a:t>select()</a:t>
-            </a:r>
-            <a:r>
-              <a:rPr/>
-              <a:t> </a:t>
-            </a:r>
-            <a:r>
-              <a:rPr/>
-              <a:t>together</a:t>
-            </a:r>
-          </a:p>
-        </p:txBody>
-      </p:sp>
-      <p:sp>
-        <p:nvSpPr>
-          <p:cNvPr id="3" name="Content Placeholder 2">
-            <a:extLst>
-              <a:ext uri="{FF2B5EF4-FFF2-40B4-BE49-F238E27FC236}">
-                <a16:creationId xmlns:a16="http://schemas.microsoft.com/office/drawing/2014/main" id="{D10DDA37-E46B-B641-BC9F-636CB92A2C08}"/>
-              </a:ext>
-            </a:extLst>
-          </p:cNvPr>
-          <p:cNvSpPr>
-            <a:spLocks noGrp="1"/>
-          </p:cNvSpPr>
-          <p:nvPr>
-            <p:ph idx="1"/>
-          </p:nvPr>
-        </p:nvSpPr>
-        <p:spPr/>
-        <p:txBody>
-          <a:bodyPr/>
-          <a:lstStyle/>
-          <a:p>
-            <a:pPr lvl="0" indent="0">
-              <a:buNone/>
-            </a:pPr>
-            <a:r>
-              <a:rPr>
-                <a:latin typeface="Courier"/>
-              </a:rPr>
-              <a:t>cchic </a:t>
+              <a:rPr>
+                <a:solidFill>
+                  <a:srgbClr val="40A070"/>
+                </a:solidFill>
+                <a:latin typeface="Courier"/>
+              </a:rPr>
+              <a:t>65</a:t>
+            </a:r>
+            <a:r>
+              <a:rPr>
+                <a:latin typeface="Courier"/>
+              </a:rPr>
+              <a:t>) </a:t>
             </a:r>
             <a:r>
               <a:rPr>
@@ -5828,76 +5240,6 @@
                 </a:solidFill>
                 <a:latin typeface="Courier"/>
               </a:rPr>
-              <a:t>filter</a:t>
-            </a:r>
-            <a:r>
-              <a:rPr>
-                <a:latin typeface="Courier"/>
-              </a:rPr>
-              <a:t>(age_years </a:t>
-            </a:r>
-            <a:r>
-              <a:rPr>
-                <a:solidFill>
-                  <a:srgbClr val="4070A0"/>
-                </a:solidFill>
-                <a:latin typeface="Courier"/>
-              </a:rPr>
-              <a:t>&gt;=</a:t>
-            </a:r>
-            <a:r>
-              <a:rPr>
-                <a:latin typeface="Courier"/>
-              </a:rPr>
-              <a:t> </a:t>
-            </a:r>
-            <a:r>
-              <a:rPr>
-                <a:solidFill>
-                  <a:srgbClr val="40A070"/>
-                </a:solidFill>
-                <a:latin typeface="Courier"/>
-              </a:rPr>
-              <a:t>65</a:t>
-            </a:r>
-            <a:r>
-              <a:rPr>
-                <a:latin typeface="Courier"/>
-              </a:rPr>
-              <a:t>) </a:t>
-            </a:r>
-            <a:r>
-              <a:rPr>
-                <a:solidFill>
-                  <a:srgbClr val="4070A0"/>
-                </a:solidFill>
-                <a:latin typeface="Courier"/>
-              </a:rPr>
-              <a:t>%&gt;%</a:t>
-            </a:r>
-            <a:br/>
-            <a:r>
-              <a:rPr>
-                <a:latin typeface="Courier"/>
-              </a:rPr>
-              <a:t>  dplyr</a:t>
-            </a:r>
-            <a:r>
-              <a:rPr>
-                <a:solidFill>
-                  <a:srgbClr val="4070A0"/>
-                </a:solidFill>
-                <a:latin typeface="Courier"/>
-              </a:rPr>
-              <a:t>::</a:t>
-            </a:r>
-            <a:r>
-              <a:rPr>
-                <a:solidFill>
-                  <a:srgbClr val="06287E"/>
-                </a:solidFill>
-                <a:latin typeface="Courier"/>
-              </a:rPr>
               <a:t>select</a:t>
             </a:r>
             <a:r>
@@ -5908,14 +5250,14 @@
             </a:r>
           </a:p>
           <a:p>
-            <a:pPr lvl="1"/>
+            <a:pPr lvl="0"/>
             <a:r>
               <a:rPr/>
               <a:t>Output is the gender of patients who are 65 years or older.</a:t>
             </a:r>
           </a:p>
           <a:p>
-            <a:pPr lvl="1"/>
+            <a:pPr lvl="0"/>
             <a:r>
               <a:rPr b="1"/>
               <a:t>Question</a:t>
@@ -5990,44 +5332,12 @@
           <a:bodyPr/>
           <a:lstStyle/>
           <a:p>
-            <a:pPr lvl="0" marL="0" indent="0">
+            <a:pPr lvl="0" indent="0" marL="0">
               <a:buNone/>
             </a:pPr>
             <a:r>
               <a:rPr/>
-              <a:t>Using</a:t>
-            </a:r>
-            <a:r>
-              <a:rPr/>
-              <a:t> </a:t>
-            </a:r>
-            <a:r>
-              <a:rPr/>
-              <a:t>filter()</a:t>
-            </a:r>
-            <a:r>
-              <a:rPr/>
-              <a:t> </a:t>
-            </a:r>
-            <a:r>
-              <a:rPr/>
-              <a:t>and</a:t>
-            </a:r>
-            <a:r>
-              <a:rPr/>
-              <a:t> </a:t>
-            </a:r>
-            <a:r>
-              <a:rPr/>
-              <a:t>select()</a:t>
-            </a:r>
-            <a:r>
-              <a:rPr/>
-              <a:t> </a:t>
-            </a:r>
-            <a:r>
-              <a:rPr/>
-              <a:t>together</a:t>
+              <a:t>Using filter() and select() together</a:t>
             </a:r>
           </a:p>
         </p:txBody>
@@ -6053,7 +5363,7 @@
           <a:bodyPr/>
           <a:lstStyle/>
           <a:p>
-            <a:pPr lvl="1"/>
+            <a:pPr lvl="0"/>
             <a:r>
               <a:rPr b="1"/>
               <a:t>Question</a:t>
@@ -6084,7 +5394,7 @@
             </a:r>
           </a:p>
           <a:p>
-            <a:pPr lvl="1"/>
+            <a:pPr lvl="0"/>
             <a:r>
               <a:rPr i="1"/>
               <a:t>You have removed the age variable from the dataset, so you can’t filter based on age.</a:t>
@@ -6135,76 +5445,122 @@
           <a:bodyPr/>
           <a:lstStyle/>
           <a:p>
-            <a:pPr lvl="0" marL="0" indent="0">
+            <a:pPr lvl="0" indent="0" marL="0">
               <a:buNone/>
             </a:pPr>
             <a:r>
               <a:rPr/>
-              <a:t>Piped</a:t>
-            </a:r>
-            <a:r>
-              <a:rPr/>
+              <a:t>Piped data with functions</a:t>
+            </a:r>
+          </a:p>
+        </p:txBody>
+      </p:sp>
+      <p:sp>
+        <p:nvSpPr>
+          <p:cNvPr id="3" name="Content Placeholder 2">
+            <a:extLst>
+              <a:ext uri="{FF2B5EF4-FFF2-40B4-BE49-F238E27FC236}">
+                <a16:creationId xmlns:a16="http://schemas.microsoft.com/office/drawing/2014/main" id="{D10DDA37-E46B-B641-BC9F-636CB92A2C08}"/>
+              </a:ext>
+            </a:extLst>
+          </p:cNvPr>
+          <p:cNvSpPr>
+            <a:spLocks noGrp="1"/>
+          </p:cNvSpPr>
+          <p:nvPr>
+            <p:ph idx="1"/>
+          </p:nvPr>
+        </p:nvSpPr>
+        <p:spPr/>
+        <p:txBody>
+          <a:bodyPr/>
+          <a:lstStyle/>
+          <a:p>
+            <a:pPr lvl="0"/>
+            <a:r>
+              <a:rPr/>
+              <a:t>Piped data can be passed on to almost any function in R</a:t>
+            </a:r>
+          </a:p>
+          <a:p>
+            <a:pPr lvl="0" indent="0">
+              <a:buNone/>
+            </a:pPr>
+            <a:r>
+              <a:rPr>
+                <a:latin typeface="Courier"/>
+              </a:rPr>
+              <a:t>cchic </a:t>
+            </a:r>
+            <a:r>
+              <a:rPr>
+                <a:solidFill>
+                  <a:srgbClr val="4070A0"/>
+                </a:solidFill>
+                <a:latin typeface="Courier"/>
+              </a:rPr>
+              <a:t>%&gt;%</a:t>
+            </a:r>
+            <a:br/>
+            <a:r>
+              <a:rPr>
+                <a:latin typeface="Courier"/>
+              </a:rPr>
+              <a:t>  dplyr</a:t>
+            </a:r>
+            <a:r>
+              <a:rPr>
+                <a:solidFill>
+                  <a:srgbClr val="4070A0"/>
+                </a:solidFill>
+                <a:latin typeface="Courier"/>
+              </a:rPr>
+              <a:t>::</a:t>
+            </a:r>
+            <a:r>
+              <a:rPr>
+                <a:solidFill>
+                  <a:srgbClr val="06287E"/>
+                </a:solidFill>
+                <a:latin typeface="Courier"/>
+              </a:rPr>
+              <a:t>filter</a:t>
+            </a:r>
+            <a:r>
+              <a:rPr>
+                <a:latin typeface="Courier"/>
+              </a:rPr>
+              <a:t>(age_years </a:t>
+            </a:r>
+            <a:r>
+              <a:rPr>
+                <a:solidFill>
+                  <a:srgbClr val="4070A0"/>
+                </a:solidFill>
+                <a:latin typeface="Courier"/>
+              </a:rPr>
+              <a:t>&gt;=</a:t>
+            </a:r>
+            <a:r>
+              <a:rPr>
+                <a:latin typeface="Courier"/>
+              </a:rPr>
               <a:t> </a:t>
             </a:r>
             <a:r>
-              <a:rPr/>
-              <a:t>data</a:t>
-            </a:r>
-            <a:r>
-              <a:rPr/>
-              <a:t> </a:t>
-            </a:r>
-            <a:r>
-              <a:rPr/>
-              <a:t>with</a:t>
-            </a:r>
-            <a:r>
-              <a:rPr/>
-              <a:t> </a:t>
-            </a:r>
-            <a:r>
-              <a:rPr/>
-              <a:t>functions</a:t>
-            </a:r>
-          </a:p>
-        </p:txBody>
-      </p:sp>
-      <p:sp>
-        <p:nvSpPr>
-          <p:cNvPr id="3" name="Content Placeholder 2">
-            <a:extLst>
-              <a:ext uri="{FF2B5EF4-FFF2-40B4-BE49-F238E27FC236}">
-                <a16:creationId xmlns:a16="http://schemas.microsoft.com/office/drawing/2014/main" id="{D10DDA37-E46B-B641-BC9F-636CB92A2C08}"/>
-              </a:ext>
-            </a:extLst>
-          </p:cNvPr>
-          <p:cNvSpPr>
-            <a:spLocks noGrp="1"/>
-          </p:cNvSpPr>
-          <p:nvPr>
-            <p:ph idx="1"/>
-          </p:nvPr>
-        </p:nvSpPr>
-        <p:spPr/>
-        <p:txBody>
-          <a:bodyPr/>
-          <a:lstStyle/>
-          <a:p>
-            <a:pPr lvl="1"/>
-            <a:r>
-              <a:rPr/>
-              <a:t>Piped data can be passed on to almost any function in R</a:t>
-            </a:r>
-          </a:p>
-          <a:p>
-            <a:pPr lvl="0" indent="0">
-              <a:buNone/>
-            </a:pPr>
-            <a:r>
-              <a:rPr>
-                <a:latin typeface="Courier"/>
-              </a:rPr>
-              <a:t>cchic </a:t>
+              <a:rPr>
+                <a:solidFill>
+                  <a:srgbClr val="40A070"/>
+                </a:solidFill>
+                <a:latin typeface="Courier"/>
+              </a:rPr>
+              <a:t>65</a:t>
+            </a:r>
+            <a:r>
+              <a:rPr>
+                <a:latin typeface="Courier"/>
+              </a:rPr>
+              <a:t>) </a:t>
             </a:r>
             <a:r>
               <a:rPr>
@@ -6238,13 +5594,13 @@
                 </a:solidFill>
                 <a:latin typeface="Courier"/>
               </a:rPr>
-              <a:t>filter</a:t>
-            </a:r>
-            <a:r>
-              <a:rPr>
-                <a:latin typeface="Courier"/>
-              </a:rPr>
-              <a:t>(age_years </a:t>
+              <a:t>select</a:t>
+            </a:r>
+            <a:r>
+              <a:rPr>
+                <a:latin typeface="Courier"/>
+              </a:rPr>
+              <a:t>(sex) </a:t>
             </a:r>
             <a:r>
               <a:rPr>
@@ -6253,36 +5609,6 @@
                 </a:solidFill>
                 <a:latin typeface="Courier"/>
               </a:rPr>
-              <a:t>&gt;=</a:t>
-            </a:r>
-            <a:r>
-              <a:rPr>
-                <a:latin typeface="Courier"/>
-              </a:rPr>
-              <a:t> </a:t>
-            </a:r>
-            <a:r>
-              <a:rPr>
-                <a:solidFill>
-                  <a:srgbClr val="40A070"/>
-                </a:solidFill>
-                <a:latin typeface="Courier"/>
-              </a:rPr>
-              <a:t>65</a:t>
-            </a:r>
-            <a:r>
-              <a:rPr>
-                <a:latin typeface="Courier"/>
-              </a:rPr>
-              <a:t>) </a:t>
-            </a:r>
-            <a:r>
-              <a:rPr>
-                <a:solidFill>
-                  <a:srgbClr val="4070A0"/>
-                </a:solidFill>
-                <a:latin typeface="Courier"/>
-              </a:rPr>
               <a:t>%&gt;%</a:t>
             </a:r>
             <a:br/>
@@ -6290,16 +5616,7 @@
               <a:rPr>
                 <a:latin typeface="Courier"/>
               </a:rPr>
-              <a:t>  dplyr</a:t>
-            </a:r>
-            <a:r>
-              <a:rPr>
-                <a:solidFill>
-                  <a:srgbClr val="4070A0"/>
-                </a:solidFill>
-                <a:latin typeface="Courier"/>
-              </a:rPr>
-              <a:t>::</a:t>
+              <a:t>  </a:t>
             </a:r>
             <a:r>
               <a:rPr>
@@ -6308,37 +5625,6 @@
                 </a:solidFill>
                 <a:latin typeface="Courier"/>
               </a:rPr>
-              <a:t>select</a:t>
-            </a:r>
-            <a:r>
-              <a:rPr>
-                <a:latin typeface="Courier"/>
-              </a:rPr>
-              <a:t>(sex) </a:t>
-            </a:r>
-            <a:r>
-              <a:rPr>
-                <a:solidFill>
-                  <a:srgbClr val="4070A0"/>
-                </a:solidFill>
-                <a:latin typeface="Courier"/>
-              </a:rPr>
-              <a:t>%&gt;%</a:t>
-            </a:r>
-            <a:br/>
-            <a:r>
-              <a:rPr>
-                <a:latin typeface="Courier"/>
-              </a:rPr>
-              <a:t>  </a:t>
-            </a:r>
-            <a:r>
-              <a:rPr>
-                <a:solidFill>
-                  <a:srgbClr val="06287E"/>
-                </a:solidFill>
-                <a:latin typeface="Courier"/>
-              </a:rPr>
               <a:t>summary</a:t>
             </a:r>
             <a:r>
@@ -6349,7 +5635,7 @@
             </a:r>
           </a:p>
           <a:p>
-            <a:pPr lvl="1"/>
+            <a:pPr lvl="0"/>
             <a:r>
               <a:rPr/>
               <a:t>Gives information on gender for patients older than 65.</a:t>
@@ -6400,36 +5686,12 @@
           <a:bodyPr/>
           <a:lstStyle/>
           <a:p>
-            <a:pPr lvl="0" marL="0" indent="0">
+            <a:pPr lvl="0" indent="0" marL="0">
               <a:buNone/>
             </a:pPr>
             <a:r>
               <a:rPr/>
-              <a:t>Other</a:t>
-            </a:r>
-            <a:r>
-              <a:rPr/>
-              <a:t> </a:t>
-            </a:r>
-            <a:r>
-              <a:rPr/>
-              <a:t>dplyr</a:t>
-            </a:r>
-            <a:r>
-              <a:rPr/>
-              <a:t> </a:t>
-            </a:r>
-            <a:r>
-              <a:rPr/>
-              <a:t>wrangling</a:t>
-            </a:r>
-            <a:r>
-              <a:rPr/>
-              <a:t> </a:t>
-            </a:r>
-            <a:r>
-              <a:rPr/>
-              <a:t>verbs</a:t>
+              <a:t>Other dplyr wrangling verbs</a:t>
             </a:r>
           </a:p>
         </p:txBody>
@@ -6455,7 +5717,7 @@
           <a:bodyPr/>
           <a:lstStyle/>
           <a:p>
-            <a:pPr lvl="1"/>
+            <a:pPr lvl="0"/>
             <a:r>
               <a:rPr>
                 <a:latin typeface="Courier"/>
@@ -6464,7 +5726,7 @@
             </a:r>
           </a:p>
           <a:p>
-            <a:pPr lvl="1"/>
+            <a:pPr lvl="0"/>
             <a:r>
               <a:rPr>
                 <a:latin typeface="Courier"/>
@@ -6517,44 +5779,12 @@
           <a:bodyPr/>
           <a:lstStyle/>
           <a:p>
-            <a:pPr lvl="0" marL="0" indent="0">
+            <a:pPr lvl="0" indent="0" marL="0">
               <a:buNone/>
             </a:pPr>
             <a:r>
               <a:rPr/>
-              <a:t>Exercise:</a:t>
-            </a:r>
-            <a:r>
-              <a:rPr/>
-              <a:t> </a:t>
-            </a:r>
-            <a:r>
-              <a:rPr/>
-              <a:t>Using</a:t>
-            </a:r>
-            <a:r>
-              <a:rPr/>
-              <a:t> </a:t>
-            </a:r>
-            <a:r>
-              <a:rPr/>
-              <a:t>group_by()</a:t>
-            </a:r>
-            <a:r>
-              <a:rPr/>
-              <a:t> </a:t>
-            </a:r>
-            <a:r>
-              <a:rPr/>
-              <a:t>and</a:t>
-            </a:r>
-            <a:r>
-              <a:rPr/>
-              <a:t> </a:t>
-            </a:r>
-            <a:r>
-              <a:rPr/>
-              <a:t>summarise()</a:t>
+              <a:t>Exercise: Using group_by() and summarise()</a:t>
             </a:r>
           </a:p>
         </p:txBody>
@@ -6580,7 +5810,7 @@
           <a:bodyPr/>
           <a:lstStyle/>
           <a:p>
-            <a:pPr lvl="1"/>
+            <a:pPr lvl="0"/>
             <a:r>
               <a:rPr b="1"/>
               <a:t>Try this.</a:t>
@@ -6708,14 +5938,14 @@
             </a:r>
           </a:p>
           <a:p>
-            <a:pPr lvl="1"/>
+            <a:pPr lvl="0"/>
             <a:r>
               <a:rPr/>
               <a:t>What is the output?</a:t>
             </a:r>
           </a:p>
           <a:p>
-            <a:pPr lvl="1"/>
+            <a:pPr lvl="0"/>
             <a:r>
               <a:rPr/>
               <a:t>Hint – check for missing values in </a:t>
@@ -6786,44 +6016,12 @@
           <a:bodyPr/>
           <a:lstStyle/>
           <a:p>
-            <a:pPr lvl="0" marL="0" indent="0">
+            <a:pPr lvl="0" indent="0" marL="0">
               <a:buNone/>
             </a:pPr>
             <a:r>
               <a:rPr/>
-              <a:t>Solution:</a:t>
-            </a:r>
-            <a:r>
-              <a:rPr/>
-              <a:t> </a:t>
-            </a:r>
-            <a:r>
-              <a:rPr/>
-              <a:t>Using</a:t>
-            </a:r>
-            <a:r>
-              <a:rPr/>
-              <a:t> </a:t>
-            </a:r>
-            <a:r>
-              <a:rPr/>
-              <a:t>group_by()</a:t>
-            </a:r>
-            <a:r>
-              <a:rPr/>
-              <a:t> </a:t>
-            </a:r>
-            <a:r>
-              <a:rPr/>
-              <a:t>and</a:t>
-            </a:r>
-            <a:r>
-              <a:rPr/>
-              <a:t> </a:t>
-            </a:r>
-            <a:r>
-              <a:rPr/>
-              <a:t>summarise()</a:t>
+              <a:t>Solution: Using group_by() and summarise()</a:t>
             </a:r>
           </a:p>
         </p:txBody>
@@ -7022,7 +6220,7 @@
             </a:r>
           </a:p>
           <a:p>
-            <a:pPr lvl="1"/>
+            <a:pPr lvl="0"/>
             <a:r>
               <a:rPr/>
               <a:t>An alternative is to filter out the missing values of urea.</a:t>
@@ -7125,44 +6323,12 @@
           <a:bodyPr/>
           <a:lstStyle/>
           <a:p>
-            <a:pPr lvl="0" marL="0" indent="0">
+            <a:pPr lvl="0" indent="0" marL="0">
               <a:buNone/>
             </a:pPr>
             <a:r>
               <a:rPr/>
-              <a:t>Take</a:t>
-            </a:r>
-            <a:r>
-              <a:rPr/>
-              <a:t> </a:t>
-            </a:r>
-            <a:r>
-              <a:rPr/>
-              <a:t>a</a:t>
-            </a:r>
-            <a:r>
-              <a:rPr/>
-              <a:t> </a:t>
-            </a:r>
-            <a:r>
-              <a:rPr/>
-              <a:t>break.</a:t>
-            </a:r>
-            <a:r>
-              <a:rPr/>
-              <a:t> </a:t>
-            </a:r>
-            <a:r>
-              <a:rPr/>
-              <a:t>Any</a:t>
-            </a:r>
-            <a:r>
-              <a:rPr/>
-              <a:t> </a:t>
-            </a:r>
-            <a:r>
-              <a:rPr/>
-              <a:t>questions?</a:t>
+              <a:t>Take a break. Any questions?</a:t>
             </a:r>
           </a:p>
         </p:txBody>
@@ -7188,15 +6354,15 @@
           <a:bodyPr/>
           <a:lstStyle/>
           <a:p>
+            <a:pPr lvl="0"/>
+            <a:r>
+              <a:rPr/>
+              <a:t>Make sure you are happy running</a:t>
+            </a:r>
+          </a:p>
+          <a:p>
             <a:pPr lvl="1"/>
             <a:r>
-              <a:rPr/>
-              <a:t>Make sure you are happy running</a:t>
-            </a:r>
-          </a:p>
-          <a:p>
-            <a:pPr lvl="2"/>
-            <a:r>
               <a:rPr>
                 <a:latin typeface="Courier"/>
               </a:rPr>
@@ -7204,7 +6370,7 @@
             </a:r>
           </a:p>
           <a:p>
-            <a:pPr lvl="2"/>
+            <a:pPr lvl="1"/>
             <a:r>
               <a:rPr>
                 <a:latin typeface="Courier"/>
@@ -7213,7 +6379,7 @@
             </a:r>
           </a:p>
           <a:p>
-            <a:pPr lvl="2"/>
+            <a:pPr lvl="1"/>
             <a:r>
               <a:rPr>
                 <a:latin typeface="Courier"/>
@@ -7222,7 +6388,7 @@
             </a:r>
           </a:p>
           <a:p>
-            <a:pPr lvl="2"/>
+            <a:pPr lvl="1"/>
             <a:r>
               <a:rPr>
                 <a:latin typeface="Courier"/>
@@ -7275,44 +6441,12 @@
           <a:bodyPr/>
           <a:lstStyle/>
           <a:p>
-            <a:pPr lvl="0" marL="0" indent="0">
+            <a:pPr lvl="0" indent="0" marL="0">
               <a:buNone/>
             </a:pPr>
             <a:r>
               <a:rPr/>
-              <a:t>Favourite</a:t>
-            </a:r>
-            <a:r>
-              <a:rPr/>
-              <a:t> </a:t>
-            </a:r>
-            <a:r>
-              <a:rPr/>
-              <a:t>data</a:t>
-            </a:r>
-            <a:r>
-              <a:rPr/>
-              <a:t> </a:t>
-            </a:r>
-            <a:r>
-              <a:rPr/>
-              <a:t>tidying</a:t>
-            </a:r>
-            <a:r>
-              <a:rPr/>
-              <a:t> </a:t>
-            </a:r>
-            <a:r>
-              <a:rPr/>
-              <a:t>‘</a:t>
-            </a:r>
-            <a:r>
-              <a:rPr/>
-              <a:t>recipes</a:t>
-            </a:r>
-            <a:r>
-              <a:rPr/>
-              <a:t>’</a:t>
+              <a:t>Favourite data tidying ‘recipes’</a:t>
             </a:r>
           </a:p>
         </p:txBody>
@@ -7338,7 +6472,7 @@
           <a:bodyPr/>
           <a:lstStyle/>
           <a:p>
-            <a:pPr lvl="1">
+            <a:pPr lvl="0" indent="-457200" marL="457200">
               <a:buAutoNum type="arabicPeriod"/>
             </a:pPr>
             <a:r>
@@ -7347,7 +6481,7 @@
             </a:r>
           </a:p>
           <a:p>
-            <a:pPr lvl="1">
+            <a:pPr lvl="0" indent="-457200" marL="457200">
               <a:buAutoNum type="arabicPeriod"/>
             </a:pPr>
             <a:r>
@@ -7356,7 +6490,7 @@
             </a:r>
           </a:p>
           <a:p>
-            <a:pPr lvl="1">
+            <a:pPr lvl="0" indent="-457200" marL="457200">
               <a:buAutoNum type="arabicPeriod"/>
             </a:pPr>
             <a:r>
@@ -7365,7 +6499,7 @@
             </a:r>
           </a:p>
           <a:p>
-            <a:pPr lvl="1">
+            <a:pPr lvl="0" indent="-457200" marL="457200">
               <a:buAutoNum type="arabicPeriod"/>
             </a:pPr>
             <a:r>
@@ -7374,7 +6508,7 @@
             </a:r>
           </a:p>
           <a:p>
-            <a:pPr lvl="1">
+            <a:pPr lvl="0" indent="-457200" marL="457200">
               <a:buAutoNum type="arabicPeriod"/>
             </a:pPr>
             <a:r>
@@ -7383,7 +6517,7 @@
             </a:r>
           </a:p>
           <a:p>
-            <a:pPr lvl="1">
+            <a:pPr lvl="0" indent="-457200" marL="457200">
               <a:buAutoNum type="arabicPeriod"/>
             </a:pPr>
             <a:r>
@@ -7392,7 +6526,7 @@
             </a:r>
           </a:p>
           <a:p>
-            <a:pPr lvl="1">
+            <a:pPr lvl="0" indent="-457200" marL="457200">
               <a:buAutoNum type="arabicPeriod"/>
             </a:pPr>
             <a:r>
@@ -7445,36 +6579,12 @@
           <a:bodyPr/>
           <a:lstStyle/>
           <a:p>
-            <a:pPr lvl="0" marL="0" indent="0">
+            <a:pPr lvl="0" indent="0" marL="0">
               <a:buNone/>
             </a:pPr>
             <a:r>
               <a:rPr/>
-              <a:t>1.</a:t>
-            </a:r>
-            <a:r>
-              <a:rPr/>
-              <a:t> </a:t>
-            </a:r>
-            <a:r>
-              <a:rPr/>
-              <a:t>Rename</a:t>
-            </a:r>
-            <a:r>
-              <a:rPr/>
-              <a:t> </a:t>
-            </a:r>
-            <a:r>
-              <a:rPr/>
-              <a:t>a</a:t>
-            </a:r>
-            <a:r>
-              <a:rPr/>
-              <a:t> </a:t>
-            </a:r>
-            <a:r>
-              <a:rPr/>
-              <a:t>variable</a:t>
+              <a:t>1. Rename a variable</a:t>
             </a:r>
           </a:p>
         </p:txBody>
@@ -7520,7 +6630,7 @@
             </a:r>
           </a:p>
           <a:p>
-            <a:pPr lvl="1"/>
+            <a:pPr lvl="0"/>
             <a:r>
               <a:rPr/>
               <a:t>The variable called </a:t>
@@ -7662,44 +6772,12 @@
           <a:bodyPr/>
           <a:lstStyle/>
           <a:p>
-            <a:pPr lvl="0" marL="0" indent="0">
+            <a:pPr lvl="0" indent="0" marL="0">
               <a:buNone/>
             </a:pPr>
             <a:r>
               <a:rPr/>
-              <a:t>2.</a:t>
-            </a:r>
-            <a:r>
-              <a:rPr/>
-              <a:t> </a:t>
-            </a:r>
-            <a:r>
-              <a:rPr/>
-              <a:t>Create</a:t>
-            </a:r>
-            <a:r>
-              <a:rPr/>
-              <a:t> </a:t>
-            </a:r>
-            <a:r>
-              <a:rPr/>
-              <a:t>a</a:t>
-            </a:r>
-            <a:r>
-              <a:rPr/>
-              <a:t> </a:t>
-            </a:r>
-            <a:r>
-              <a:rPr/>
-              <a:t>new</a:t>
-            </a:r>
-            <a:r>
-              <a:rPr/>
-              <a:t> </a:t>
-            </a:r>
-            <a:r>
-              <a:rPr/>
-              <a:t>variable</a:t>
+              <a:t>2. Create a new variable</a:t>
             </a:r>
           </a:p>
         </p:txBody>
@@ -7725,7 +6803,7 @@
           <a:bodyPr/>
           <a:lstStyle/>
           <a:p>
-            <a:pPr lvl="1"/>
+            <a:pPr lvl="0"/>
             <a:r>
               <a:rPr/>
               <a:t>Use the </a:t>
@@ -7906,28 +6984,12 @@
           <a:bodyPr/>
           <a:lstStyle/>
           <a:p>
-            <a:pPr lvl="0" marL="0" indent="0">
+            <a:pPr lvl="0" indent="0" marL="0">
               <a:buNone/>
             </a:pPr>
             <a:r>
               <a:rPr/>
-              <a:t>3.</a:t>
-            </a:r>
-            <a:r>
-              <a:rPr/>
-              <a:t> </a:t>
-            </a:r>
-            <a:r>
-              <a:rPr/>
-              <a:t>Extract</a:t>
-            </a:r>
-            <a:r>
-              <a:rPr/>
-              <a:t> </a:t>
-            </a:r>
-            <a:r>
-              <a:rPr/>
-              <a:t>numbers</a:t>
+              <a:t>3. Extract numbers</a:t>
             </a:r>
           </a:p>
         </p:txBody>
@@ -7953,7 +7015,7 @@
           <a:bodyPr/>
           <a:lstStyle/>
           <a:p>
-            <a:pPr lvl="1"/>
+            <a:pPr lvl="0"/>
             <a:r>
               <a:rPr/>
               <a:t>Parse numbers from text using the </a:t>
@@ -7990,7 +7052,7 @@
             </a:r>
           </a:p>
           <a:p>
-            <a:pPr lvl="1"/>
+            <a:pPr lvl="0"/>
             <a:r>
               <a:rPr/>
               <a:t>Create a vector where the unit has been included as part of the value. You can’t do maths on this vector.</a:t>
@@ -8231,191 +7293,232 @@
           <a:bodyPr/>
           <a:lstStyle/>
           <a:p>
-            <a:pPr lvl="0" marL="0" indent="0">
+            <a:pPr lvl="0" indent="0" marL="0">
               <a:buNone/>
             </a:pPr>
             <a:r>
               <a:rPr/>
-              <a:t>4.</a:t>
-            </a:r>
-            <a:r>
-              <a:rPr/>
+              <a:t>4. Manipulate strings</a:t>
+            </a:r>
+          </a:p>
+        </p:txBody>
+      </p:sp>
+      <p:sp>
+        <p:nvSpPr>
+          <p:cNvPr id="3" name="Content Placeholder 2">
+            <a:extLst>
+              <a:ext uri="{FF2B5EF4-FFF2-40B4-BE49-F238E27FC236}">
+                <a16:creationId xmlns:a16="http://schemas.microsoft.com/office/drawing/2014/main" id="{D10DDA37-E46B-B641-BC9F-636CB92A2C08}"/>
+              </a:ext>
+            </a:extLst>
+          </p:cNvPr>
+          <p:cNvSpPr>
+            <a:spLocks noGrp="1"/>
+          </p:cNvSpPr>
+          <p:nvPr>
+            <p:ph idx="1"/>
+          </p:nvPr>
+        </p:nvSpPr>
+        <p:spPr/>
+        <p:txBody>
+          <a:bodyPr/>
+          <a:lstStyle/>
+          <a:p>
+            <a:pPr lvl="0" indent="0">
+              <a:buNone/>
+            </a:pPr>
+            <a:r>
+              <a:rPr>
+                <a:solidFill>
+                  <a:srgbClr val="06287E"/>
+                </a:solidFill>
+                <a:latin typeface="Courier"/>
+              </a:rPr>
+              <a:t>library</a:t>
+            </a:r>
+            <a:r>
+              <a:rPr>
+                <a:latin typeface="Courier"/>
+              </a:rPr>
+              <a:t>(stringr)</a:t>
+            </a:r>
+            <a:br/>
+            <a:r>
+              <a:rPr>
+                <a:latin typeface="Courier"/>
+              </a:rPr>
+              <a:t>test_gender </a:t>
+            </a:r>
+            <a:r>
+              <a:rPr>
+                <a:solidFill>
+                  <a:srgbClr val="007020"/>
+                </a:solidFill>
+                <a:latin typeface="Courier"/>
+              </a:rPr>
+              <a:t>&lt;-</a:t>
+            </a:r>
+            <a:r>
+              <a:rPr>
+                <a:latin typeface="Courier"/>
+              </a:rPr>
               <a:t> </a:t>
             </a:r>
             <a:r>
-              <a:rPr/>
-              <a:t>Manipulate</a:t>
-            </a:r>
-            <a:r>
-              <a:rPr/>
-              <a:t> </a:t>
-            </a:r>
-            <a:r>
-              <a:rPr/>
-              <a:t>strings</a:t>
-            </a:r>
-          </a:p>
-        </p:txBody>
-      </p:sp>
-      <p:sp>
-        <p:nvSpPr>
-          <p:cNvPr id="3" name="Content Placeholder 2">
-            <a:extLst>
-              <a:ext uri="{FF2B5EF4-FFF2-40B4-BE49-F238E27FC236}">
-                <a16:creationId xmlns:a16="http://schemas.microsoft.com/office/drawing/2014/main" id="{D10DDA37-E46B-B641-BC9F-636CB92A2C08}"/>
-              </a:ext>
-            </a:extLst>
-          </p:cNvPr>
-          <p:cNvSpPr>
-            <a:spLocks noGrp="1"/>
-          </p:cNvSpPr>
-          <p:nvPr>
-            <p:ph idx="1"/>
-          </p:nvPr>
-        </p:nvSpPr>
-        <p:spPr/>
-        <p:txBody>
-          <a:bodyPr/>
-          <a:lstStyle/>
+              <a:rPr>
+                <a:solidFill>
+                  <a:srgbClr val="06287E"/>
+                </a:solidFill>
+                <a:latin typeface="Courier"/>
+              </a:rPr>
+              <a:t>c</a:t>
+            </a:r>
+            <a:r>
+              <a:rPr>
+                <a:latin typeface="Courier"/>
+              </a:rPr>
+              <a:t>(</a:t>
+            </a:r>
+            <a:r>
+              <a:rPr>
+                <a:solidFill>
+                  <a:srgbClr val="4070A0"/>
+                </a:solidFill>
+                <a:latin typeface="Courier"/>
+              </a:rPr>
+              <a:t>"f"</a:t>
+            </a:r>
+            <a:r>
+              <a:rPr>
+                <a:latin typeface="Courier"/>
+              </a:rPr>
+              <a:t>, </a:t>
+            </a:r>
+            <a:r>
+              <a:rPr>
+                <a:solidFill>
+                  <a:srgbClr val="4070A0"/>
+                </a:solidFill>
+                <a:latin typeface="Courier"/>
+              </a:rPr>
+              <a:t>"F"</a:t>
+            </a:r>
+            <a:r>
+              <a:rPr>
+                <a:latin typeface="Courier"/>
+              </a:rPr>
+              <a:t>, </a:t>
+            </a:r>
+            <a:r>
+              <a:rPr>
+                <a:solidFill>
+                  <a:srgbClr val="4070A0"/>
+                </a:solidFill>
+                <a:latin typeface="Courier"/>
+              </a:rPr>
+              <a:t>"M"</a:t>
+            </a:r>
+            <a:r>
+              <a:rPr>
+                <a:latin typeface="Courier"/>
+              </a:rPr>
+              <a:t>, </a:t>
+            </a:r>
+            <a:r>
+              <a:rPr>
+                <a:solidFill>
+                  <a:srgbClr val="4070A0"/>
+                </a:solidFill>
+                <a:latin typeface="Courier"/>
+              </a:rPr>
+              <a:t>"f"</a:t>
+            </a:r>
+            <a:r>
+              <a:rPr>
+                <a:latin typeface="Courier"/>
+              </a:rPr>
+              <a:t>)</a:t>
+            </a:r>
+          </a:p>
+          <a:p>
+            <a:pPr lvl="0"/>
+            <a:r>
+              <a:rPr/>
+              <a:t>Notice that </a:t>
+            </a:r>
+            <a:r>
+              <a:rPr>
+                <a:latin typeface="Courier"/>
+              </a:rPr>
+              <a:t>female</a:t>
+            </a:r>
+            <a:r>
+              <a:rPr/>
+              <a:t> is coded in 2 different ways</a:t>
+            </a:r>
+          </a:p>
+          <a:p>
+            <a:pPr lvl="0"/>
+            <a:r>
+              <a:rPr/>
+              <a:t>We can change all of the letters to uppercase.</a:t>
+            </a:r>
+          </a:p>
           <a:p>
             <a:pPr lvl="0" indent="0">
               <a:buNone/>
             </a:pPr>
             <a:r>
               <a:rPr>
+                <a:latin typeface="Courier"/>
+              </a:rPr>
+              <a:t>test_gender </a:t>
+            </a:r>
+            <a:r>
+              <a:rPr>
+                <a:solidFill>
+                  <a:srgbClr val="007020"/>
+                </a:solidFill>
+                <a:latin typeface="Courier"/>
+              </a:rPr>
+              <a:t>&lt;-</a:t>
+            </a:r>
+            <a:r>
+              <a:rPr>
+                <a:latin typeface="Courier"/>
+              </a:rPr>
+              <a:t> stringr</a:t>
+            </a:r>
+            <a:r>
+              <a:rPr>
+                <a:solidFill>
+                  <a:srgbClr val="4070A0"/>
+                </a:solidFill>
+                <a:latin typeface="Courier"/>
+              </a:rPr>
+              <a:t>::</a:t>
+            </a:r>
+            <a:r>
+              <a:rPr>
                 <a:solidFill>
                   <a:srgbClr val="06287E"/>
                 </a:solidFill>
                 <a:latin typeface="Courier"/>
               </a:rPr>
-              <a:t>library</a:t>
-            </a:r>
-            <a:r>
-              <a:rPr>
-                <a:latin typeface="Courier"/>
-              </a:rPr>
-              <a:t>(stringr)</a:t>
+              <a:t>str_to_upper</a:t>
+            </a:r>
+            <a:r>
+              <a:rPr>
+                <a:latin typeface="Courier"/>
+              </a:rPr>
+              <a:t>(test_gender)</a:t>
             </a:r>
             <a:br/>
             <a:r>
               <a:rPr>
                 <a:latin typeface="Courier"/>
               </a:rPr>
-              <a:t>test_gender </a:t>
-            </a:r>
-            <a:r>
-              <a:rPr>
-                <a:solidFill>
-                  <a:srgbClr val="007020"/>
-                </a:solidFill>
-                <a:latin typeface="Courier"/>
-              </a:rPr>
-              <a:t>&lt;-</a:t>
-            </a:r>
-            <a:r>
-              <a:rPr>
-                <a:latin typeface="Courier"/>
-              </a:rPr>
-              <a:t> </a:t>
-            </a:r>
-            <a:r>
-              <a:rPr>
-                <a:solidFill>
-                  <a:srgbClr val="06287E"/>
-                </a:solidFill>
-                <a:latin typeface="Courier"/>
-              </a:rPr>
-              <a:t>c</a:t>
-            </a:r>
-            <a:r>
-              <a:rPr>
-                <a:latin typeface="Courier"/>
-              </a:rPr>
-              <a:t>(</a:t>
-            </a:r>
-            <a:r>
-              <a:rPr>
-                <a:solidFill>
-                  <a:srgbClr val="4070A0"/>
-                </a:solidFill>
-                <a:latin typeface="Courier"/>
-              </a:rPr>
-              <a:t>"f"</a:t>
-            </a:r>
-            <a:r>
-              <a:rPr>
-                <a:latin typeface="Courier"/>
-              </a:rPr>
-              <a:t>, </a:t>
-            </a:r>
-            <a:r>
-              <a:rPr>
-                <a:solidFill>
-                  <a:srgbClr val="4070A0"/>
-                </a:solidFill>
-                <a:latin typeface="Courier"/>
-              </a:rPr>
-              <a:t>"F"</a:t>
-            </a:r>
-            <a:r>
-              <a:rPr>
-                <a:latin typeface="Courier"/>
-              </a:rPr>
-              <a:t>, </a:t>
-            </a:r>
-            <a:r>
-              <a:rPr>
-                <a:solidFill>
-                  <a:srgbClr val="4070A0"/>
-                </a:solidFill>
-                <a:latin typeface="Courier"/>
-              </a:rPr>
-              <a:t>"M"</a:t>
-            </a:r>
-            <a:r>
-              <a:rPr>
-                <a:latin typeface="Courier"/>
-              </a:rPr>
-              <a:t>, </a:t>
-            </a:r>
-            <a:r>
-              <a:rPr>
-                <a:solidFill>
-                  <a:srgbClr val="4070A0"/>
-                </a:solidFill>
-                <a:latin typeface="Courier"/>
-              </a:rPr>
-              <a:t>"f"</a:t>
-            </a:r>
-            <a:r>
-              <a:rPr>
-                <a:latin typeface="Courier"/>
-              </a:rPr>
-              <a:t>)</a:t>
-            </a:r>
-          </a:p>
-          <a:p>
-            <a:pPr lvl="1"/>
-            <a:r>
-              <a:rPr/>
-              <a:t>Notice that </a:t>
-            </a:r>
-            <a:r>
-              <a:rPr>
-                <a:latin typeface="Courier"/>
-              </a:rPr>
-              <a:t>female</a:t>
-            </a:r>
-            <a:r>
-              <a:rPr/>
-              <a:t> is coded in 2 different ways</a:t>
-            </a:r>
-          </a:p>
-          <a:p>
-            <a:pPr lvl="1"/>
-            <a:r>
-              <a:rPr/>
-              <a:t>We can change all of the letters to uppercase.</a:t>
+              <a:t>test_gender</a:t>
             </a:r>
           </a:p>
           <a:p>
@@ -8426,68 +7529,11 @@
               <a:rPr>
                 <a:latin typeface="Courier"/>
               </a:rPr>
-              <a:t>test_gender </a:t>
-            </a:r>
-            <a:r>
-              <a:rPr>
-                <a:solidFill>
-                  <a:srgbClr val="007020"/>
-                </a:solidFill>
-                <a:latin typeface="Courier"/>
-              </a:rPr>
-              <a:t>&lt;-</a:t>
-            </a:r>
-            <a:r>
-              <a:rPr>
-                <a:latin typeface="Courier"/>
-              </a:rPr>
-              <a:t> stringr</a:t>
-            </a:r>
-            <a:r>
-              <a:rPr>
-                <a:solidFill>
-                  <a:srgbClr val="4070A0"/>
-                </a:solidFill>
-                <a:latin typeface="Courier"/>
-              </a:rPr>
-              <a:t>::</a:t>
-            </a:r>
-            <a:r>
-              <a:rPr>
-                <a:solidFill>
-                  <a:srgbClr val="06287E"/>
-                </a:solidFill>
-                <a:latin typeface="Courier"/>
-              </a:rPr>
-              <a:t>str_to_upper</a:t>
-            </a:r>
-            <a:r>
-              <a:rPr>
-                <a:latin typeface="Courier"/>
-              </a:rPr>
-              <a:t>(test_gender)</a:t>
-            </a:r>
-            <a:br/>
-            <a:r>
-              <a:rPr>
-                <a:latin typeface="Courier"/>
-              </a:rPr>
-              <a:t>test_gender</a:t>
-            </a:r>
-          </a:p>
-          <a:p>
-            <a:pPr lvl="0" indent="0">
-              <a:buNone/>
-            </a:pPr>
-            <a:r>
-              <a:rPr>
-                <a:latin typeface="Courier"/>
-              </a:rPr>
               <a:t>## [1] "F" "F" "M" "F"</a:t>
             </a:r>
           </a:p>
           <a:p>
-            <a:pPr lvl="1"/>
+            <a:pPr lvl="0"/>
             <a:r>
               <a:rPr/>
               <a:t>Look at the manipulate strings cheat sheet (</a:t>
@@ -8548,36 +7594,12 @@
           <a:bodyPr/>
           <a:lstStyle/>
           <a:p>
-            <a:pPr lvl="0" marL="0" indent="0">
+            <a:pPr lvl="0" indent="0" marL="0">
               <a:buNone/>
             </a:pPr>
             <a:r>
               <a:rPr/>
-              <a:t>5.</a:t>
-            </a:r>
-            <a:r>
-              <a:rPr/>
-              <a:t> </a:t>
-            </a:r>
-            <a:r>
-              <a:rPr/>
-              <a:t>Working</a:t>
-            </a:r>
-            <a:r>
-              <a:rPr/>
-              <a:t> </a:t>
-            </a:r>
-            <a:r>
-              <a:rPr/>
-              <a:t>with</a:t>
-            </a:r>
-            <a:r>
-              <a:rPr/>
-              <a:t> </a:t>
-            </a:r>
-            <a:r>
-              <a:rPr/>
-              <a:t>dates</a:t>
+              <a:t>5. Working with dates</a:t>
             </a:r>
           </a:p>
         </p:txBody>
@@ -8603,7 +7625,7 @@
           <a:bodyPr/>
           <a:lstStyle/>
           <a:p>
-            <a:pPr lvl="1"/>
+            <a:pPr lvl="0"/>
             <a:r>
               <a:rPr/>
               <a:t>R treats dates as characters unless you tell it not to.</a:t>
@@ -8713,7 +7735,7 @@
             </a:r>
           </a:p>
           <a:p>
-            <a:pPr lvl="1"/>
+            <a:pPr lvl="0"/>
             <a:r>
               <a:rPr/>
               <a:t>Convert these characters to dates.</a:t>
@@ -8832,60 +7854,12 @@
           <a:bodyPr/>
           <a:lstStyle/>
           <a:p>
-            <a:pPr lvl="0" marL="0" indent="0">
+            <a:pPr lvl="0" indent="0" marL="0">
               <a:buNone/>
             </a:pPr>
             <a:r>
               <a:rPr/>
-              <a:t>5.</a:t>
-            </a:r>
-            <a:r>
-              <a:rPr/>
-              <a:t> </a:t>
-            </a:r>
-            <a:r>
-              <a:rPr/>
-              <a:t>Working</a:t>
-            </a:r>
-            <a:r>
-              <a:rPr/>
-              <a:t> </a:t>
-            </a:r>
-            <a:r>
-              <a:rPr/>
-              <a:t>with</a:t>
-            </a:r>
-            <a:r>
-              <a:rPr/>
-              <a:t> </a:t>
-            </a:r>
-            <a:r>
-              <a:rPr/>
-              <a:t>dates</a:t>
-            </a:r>
-            <a:r>
-              <a:rPr/>
-              <a:t> </a:t>
-            </a:r>
-            <a:r>
-              <a:rPr/>
-              <a:t>-</a:t>
-            </a:r>
-            <a:r>
-              <a:rPr/>
-              <a:t> </a:t>
-            </a:r>
-            <a:r>
-              <a:rPr/>
-              <a:t>parsing</a:t>
-            </a:r>
-            <a:r>
-              <a:rPr/>
-              <a:t> </a:t>
-            </a:r>
-            <a:r>
-              <a:rPr/>
-              <a:t>dates</a:t>
+              <a:t>5. Working with dates - parsing dates</a:t>
             </a:r>
           </a:p>
         </p:txBody>
@@ -8911,14 +7885,14 @@
           <a:bodyPr/>
           <a:lstStyle/>
           <a:p>
-            <a:pPr lvl="1"/>
+            <a:pPr lvl="0"/>
             <a:r>
               <a:rPr/>
               <a:t>We can extract components of dates.</a:t>
             </a:r>
           </a:p>
           <a:p>
-            <a:pPr lvl="1"/>
+            <a:pPr lvl="0"/>
             <a:r>
               <a:rPr/>
               <a:t>Extracting years</a:t>
@@ -9074,7 +8048,7 @@
             </a:r>
           </a:p>
           <a:p>
-            <a:pPr lvl="1"/>
+            <a:pPr lvl="0"/>
             <a:r>
               <a:rPr/>
               <a:t>Extracting days</a:t>
@@ -9274,60 +8248,12 @@
           <a:bodyPr/>
           <a:lstStyle/>
           <a:p>
-            <a:pPr lvl="0" marL="0" indent="0">
+            <a:pPr lvl="0" indent="0" marL="0">
               <a:buNone/>
             </a:pPr>
             <a:r>
               <a:rPr/>
-              <a:t>5.</a:t>
-            </a:r>
-            <a:r>
-              <a:rPr/>
-              <a:t> </a:t>
-            </a:r>
-            <a:r>
-              <a:rPr/>
-              <a:t>Working</a:t>
-            </a:r>
-            <a:r>
-              <a:rPr/>
-              <a:t> </a:t>
-            </a:r>
-            <a:r>
-              <a:rPr/>
-              <a:t>with</a:t>
-            </a:r>
-            <a:r>
-              <a:rPr/>
-              <a:t> </a:t>
-            </a:r>
-            <a:r>
-              <a:rPr/>
-              <a:t>dates</a:t>
-            </a:r>
-            <a:r>
-              <a:rPr/>
-              <a:t> </a:t>
-            </a:r>
-            <a:r>
-              <a:rPr/>
-              <a:t>-</a:t>
-            </a:r>
-            <a:r>
-              <a:rPr/>
-              <a:t> </a:t>
-            </a:r>
-            <a:r>
-              <a:rPr/>
-              <a:t>date</a:t>
-            </a:r>
-            <a:r>
-              <a:rPr/>
-              <a:t> </a:t>
-            </a:r>
-            <a:r>
-              <a:rPr/>
-              <a:t>intervals</a:t>
+              <a:t>5. Working with dates - date intervals</a:t>
             </a:r>
           </a:p>
         </p:txBody>
@@ -9353,7 +8279,7 @@
           <a:bodyPr/>
           <a:lstStyle/>
           <a:p>
-            <a:pPr lvl="1"/>
+            <a:pPr lvl="0"/>
             <a:r>
               <a:rPr/>
               <a:t>We often want to calculate the difference between two dates or times. Let’s calculate the length of stay of patients admitted to the ICU.</a:t>
@@ -9567,67 +8493,19 @@
           <a:bodyPr/>
           <a:lstStyle/>
           <a:p>
-            <a:pPr lvl="0" marL="0" indent="0">
+            <a:pPr lvl="0" indent="0" marL="0">
               <a:buNone/>
             </a:pPr>
             <a:r>
               <a:rPr/>
-              <a:t>6.</a:t>
-            </a:r>
-            <a:r>
-              <a:rPr/>
-              <a:t> </a:t>
-            </a:r>
-            <a:r>
-              <a:rPr/>
-              <a:t>Columns</a:t>
-            </a:r>
-            <a:r>
-              <a:rPr/>
-              <a:t> </a:t>
-            </a:r>
-            <a:r>
-              <a:rPr/>
-              <a:t>to</a:t>
-            </a:r>
-            <a:r>
-              <a:rPr/>
-              <a:t> </a:t>
-            </a:r>
-            <a:r>
-              <a:rPr/>
-              <a:t>rows</a:t>
-            </a:r>
-            <a:r>
-              <a:rPr/>
-              <a:t> </a:t>
-            </a:r>
-            <a:r>
-              <a:rPr/>
-              <a:t>and</a:t>
-            </a:r>
-            <a:r>
-              <a:rPr/>
-              <a:t> </a:t>
-            </a:r>
-            <a:r>
-              <a:rPr/>
-              <a:t>back</a:t>
-            </a:r>
-            <a:r>
-              <a:rPr/>
-              <a:t> </a:t>
-            </a:r>
-            <a:r>
-              <a:rPr/>
-              <a:t>again</a:t>
+              <a:t>6. Columns to rows and back again</a:t>
             </a:r>
           </a:p>
         </p:txBody>
       </p:sp>
       <p:pic>
         <p:nvPicPr>
-          <p:cNvPr descr="../Images/gatherspread.png" id="0" name="Picture 1"/>
+          <p:cNvPr descr="fig:  ../Images/gatherspread.png" id="0" name="Picture 1"/>
           <p:cNvPicPr>
             <a:picLocks noGrp="1" noChangeAspect="1"/>
           </p:cNvPicPr>
@@ -9675,84 +8553,12 @@
           <a:bodyPr/>
           <a:lstStyle/>
           <a:p>
-            <a:pPr lvl="0" marL="0" indent="0" algn="ctr">
+            <a:pPr lvl="0" indent="0" marL="0" algn="ctr">
               <a:buNone/>
             </a:pPr>
             <a:r>
               <a:rPr/>
-              <a:t>A</a:t>
-            </a:r>
-            <a:r>
-              <a:rPr/>
-              <a:t> </a:t>
-            </a:r>
-            <a:r>
-              <a:rPr/>
-              <a:t>dataframe</a:t>
-            </a:r>
-            <a:r>
-              <a:rPr/>
-              <a:t> </a:t>
-            </a:r>
-            <a:r>
-              <a:rPr/>
-              <a:t>can</a:t>
-            </a:r>
-            <a:r>
-              <a:rPr/>
-              <a:t> </a:t>
-            </a:r>
-            <a:r>
-              <a:rPr/>
-              <a:t>pivoted</a:t>
-            </a:r>
-            <a:r>
-              <a:rPr/>
-              <a:t> </a:t>
-            </a:r>
-            <a:r>
-              <a:rPr/>
-              <a:t>in</a:t>
-            </a:r>
-            <a:r>
-              <a:rPr/>
-              <a:t> </a:t>
-            </a:r>
-            <a:r>
-              <a:rPr/>
-              <a:t>two</a:t>
-            </a:r>
-            <a:r>
-              <a:rPr/>
-              <a:t> </a:t>
-            </a:r>
-            <a:r>
-              <a:rPr/>
-              <a:t>ways:</a:t>
-            </a:r>
-            <a:r>
-              <a:rPr/>
-              <a:t> </a:t>
-            </a:r>
-            <a:r>
-              <a:rPr/>
-              <a:t>longer</a:t>
-            </a:r>
-            <a:r>
-              <a:rPr/>
-              <a:t> </a:t>
-            </a:r>
-            <a:r>
-              <a:rPr/>
-              <a:t>or</a:t>
-            </a:r>
-            <a:r>
-              <a:rPr/>
-              <a:t> </a:t>
-            </a:r>
-            <a:r>
-              <a:rPr/>
-              <a:t>wider.</a:t>
+              <a:t>A dataframe can pivoted in two ways: longer or wider.</a:t>
             </a:r>
           </a:p>
         </p:txBody>
@@ -9800,7 +8606,7 @@
           <a:bodyPr/>
           <a:lstStyle/>
           <a:p>
-            <a:pPr lvl="0" marL="0" indent="0">
+            <a:pPr lvl="0" indent="0" marL="0">
               <a:buNone/>
             </a:pPr>
             <a:r>
@@ -9831,52 +8637,52 @@
           <a:bodyPr/>
           <a:lstStyle/>
           <a:p>
+            <a:pPr lvl="0"/>
+            <a:r>
+              <a:rPr/>
+              <a:t>Using the </a:t>
+            </a:r>
+            <a:r>
+              <a:rPr>
+                <a:latin typeface="Courier"/>
+              </a:rPr>
+              <a:t>dplyr</a:t>
+            </a:r>
+            <a:r>
+              <a:rPr/>
+              <a:t> package.</a:t>
+            </a:r>
+          </a:p>
+          <a:p>
+            <a:pPr lvl="0"/>
+            <a:r>
+              <a:rPr/>
+              <a:t>Standard methods for selecting data.</a:t>
+            </a:r>
+          </a:p>
+          <a:p>
+            <a:pPr lvl="0"/>
+            <a:r>
+              <a:rPr/>
+              <a:t>Recipes to perform common operations, such as:</a:t>
+            </a:r>
+          </a:p>
+          <a:p>
             <a:pPr lvl="1"/>
             <a:r>
               <a:rPr/>
-              <a:t>Using the </a:t>
-            </a:r>
-            <a:r>
-              <a:rPr>
-                <a:latin typeface="Courier"/>
-              </a:rPr>
-              <a:t>dplyr</a:t>
-            </a:r>
-            <a:r>
-              <a:rPr/>
-              <a:t> package.</a:t>
+              <a:t>Manipulating strings</a:t>
             </a:r>
           </a:p>
           <a:p>
             <a:pPr lvl="1"/>
             <a:r>
               <a:rPr/>
-              <a:t>Standard methods for selecting data.</a:t>
+              <a:t>Manipulating dates</a:t>
             </a:r>
           </a:p>
           <a:p>
             <a:pPr lvl="1"/>
-            <a:r>
-              <a:rPr/>
-              <a:t>Recipes to perform common operations, such as:</a:t>
-            </a:r>
-          </a:p>
-          <a:p>
-            <a:pPr lvl="2"/>
-            <a:r>
-              <a:rPr/>
-              <a:t>Manipulating strings</a:t>
-            </a:r>
-          </a:p>
-          <a:p>
-            <a:pPr lvl="2"/>
-            <a:r>
-              <a:rPr/>
-              <a:t>Manipulating dates</a:t>
-            </a:r>
-          </a:p>
-          <a:p>
-            <a:pPr lvl="2"/>
             <a:r>
               <a:rPr/>
               <a:t>Changing data structure</a:t>
@@ -9927,28 +8733,12 @@
           <a:bodyPr/>
           <a:lstStyle/>
           <a:p>
-            <a:pPr lvl="0" marL="0" indent="0">
+            <a:pPr lvl="0" indent="0" marL="0">
               <a:buNone/>
             </a:pPr>
             <a:r>
               <a:rPr/>
-              <a:t>Why</a:t>
-            </a:r>
-            <a:r>
-              <a:rPr/>
-              <a:t> </a:t>
-            </a:r>
-            <a:r>
-              <a:rPr/>
-              <a:t>do</a:t>
-            </a:r>
-            <a:r>
-              <a:rPr/>
-              <a:t> </a:t>
-            </a:r>
-            <a:r>
-              <a:rPr/>
-              <a:t>this?</a:t>
+              <a:t>Why do this?</a:t>
             </a:r>
           </a:p>
         </p:txBody>
@@ -9974,21 +8764,21 @@
           <a:bodyPr/>
           <a:lstStyle/>
           <a:p>
-            <a:pPr lvl="1"/>
+            <a:pPr lvl="0"/>
             <a:r>
               <a:rPr/>
               <a:t>You may want to calculate the mean and standard deviation of all temperatures, and don’t care about the source.</a:t>
             </a:r>
           </a:p>
           <a:p>
-            <a:pPr lvl="1"/>
+            <a:pPr lvl="0"/>
             <a:r>
               <a:rPr/>
               <a:t>You may want to plot all temperatures on a graph.</a:t>
             </a:r>
           </a:p>
           <a:p>
-            <a:pPr lvl="1"/>
+            <a:pPr lvl="0"/>
             <a:r>
               <a:rPr/>
               <a:t>Instead of temperature area, you may have temperature on day 1, 2 etc.</a:t>
@@ -10039,28 +8829,12 @@
           <a:bodyPr/>
           <a:lstStyle/>
           <a:p>
-            <a:pPr lvl="0" marL="0" indent="0">
+            <a:pPr lvl="0" indent="0" marL="0">
               <a:buNone/>
             </a:pPr>
             <a:r>
               <a:rPr/>
-              <a:t>Converting</a:t>
-            </a:r>
-            <a:r>
-              <a:rPr/>
-              <a:t> </a:t>
-            </a:r>
-            <a:r>
-              <a:rPr/>
-              <a:t>the</a:t>
-            </a:r>
-            <a:r>
-              <a:rPr/>
-              <a:t> </a:t>
-            </a:r>
-            <a:r>
-              <a:rPr/>
-              <a:t>data</a:t>
+              <a:t>Converting the data</a:t>
             </a:r>
           </a:p>
         </p:txBody>
@@ -10086,7 +8860,7 @@
           <a:bodyPr/>
           <a:lstStyle/>
           <a:p>
-            <a:pPr lvl="1"/>
+            <a:pPr lvl="0"/>
             <a:r>
               <a:rPr b="1"/>
               <a:t>Try this.</a:t>
@@ -10403,7 +9177,7 @@
           <p:cNvPr id="2" name="Title 1">
             <a:extLst>
               <a:ext uri="{FF2B5EF4-FFF2-40B4-BE49-F238E27FC236}">
-                <a16:creationId xmlns:a16="http://schemas.microsoft.com/office/drawing/2014/main" id="{5567D468-EE70-CD4E-A3AC-039CC11EF1FB}"/>
+                <a16:creationId xmlns:a16="http://schemas.microsoft.com/office/drawing/2014/main" id="{B7F4F591-01B8-0146-8E9C-D716C0C11E0F}"/>
               </a:ext>
             </a:extLst>
           </p:cNvPr>
@@ -10414,67 +9188,40 @@
             <p:ph type="title"/>
           </p:nvPr>
         </p:nvSpPr>
-        <p:spPr/>
-        <p:txBody>
-          <a:bodyPr/>
-          <a:lstStyle/>
-          <a:p>
-            <a:pPr lvl="0" marL="0" indent="0">
+        <p:spPr>
+          <a:xfrm>
+            <a:off x="839788" y="457200"/>
+            <a:ext cx="3932237" cy="1600200"/>
+          </a:xfrm>
+        </p:spPr>
+        <p:txBody>
+          <a:bodyPr/>
+          <a:lstStyle/>
+          <a:p>
+            <a:pPr lvl="0" indent="0" marL="0">
               <a:buNone/>
             </a:pPr>
             <a:r>
               <a:rPr/>
-              <a:t>Plotting</a:t>
-            </a:r>
-            <a:r>
-              <a:rPr/>
-              <a:t> </a:t>
-            </a:r>
-            <a:r>
-              <a:rPr/>
-              <a:t>the</a:t>
-            </a:r>
-            <a:r>
-              <a:rPr/>
-              <a:t> </a:t>
-            </a:r>
-            <a:r>
-              <a:rPr/>
-              <a:t>“</a:t>
-            </a:r>
-            <a:r>
-              <a:rPr/>
-              <a:t>longer</a:t>
-            </a:r>
-            <a:r>
-              <a:rPr/>
-              <a:t>”</a:t>
-            </a:r>
-            <a:r>
-              <a:rPr/>
-              <a:t> </a:t>
-            </a:r>
-            <a:r>
-              <a:rPr/>
-              <a:t>data</a:t>
-            </a:r>
-          </a:p>
-        </p:txBody>
-      </p:sp>
-      <p:sp>
-        <p:nvSpPr>
-          <p:cNvPr id="3" name="Content Placeholder 2">
-            <a:extLst>
-              <a:ext uri="{FF2B5EF4-FFF2-40B4-BE49-F238E27FC236}">
-                <a16:creationId xmlns:a16="http://schemas.microsoft.com/office/drawing/2014/main" id="{D10DDA37-E46B-B641-BC9F-636CB92A2C08}"/>
-              </a:ext>
-            </a:extLst>
-          </p:cNvPr>
-          <p:cNvSpPr>
-            <a:spLocks noGrp="1"/>
-          </p:cNvSpPr>
-          <p:nvPr>
-            <p:ph idx="1"/>
+              <a:t>Plotting the “longer” data</a:t>
+            </a:r>
+          </a:p>
+        </p:txBody>
+      </p:sp>
+      <p:sp>
+        <p:nvSpPr>
+          <p:cNvPr id="4" name="Text Placeholder 3">
+            <a:extLst>
+              <a:ext uri="{FF2B5EF4-FFF2-40B4-BE49-F238E27FC236}">
+                <a16:creationId xmlns:a16="http://schemas.microsoft.com/office/drawing/2014/main" id="{F3CB627E-8FEB-F94E-BF40-9FEE8A4DCB9E}"/>
+              </a:ext>
+            </a:extLst>
+          </p:cNvPr>
+          <p:cNvSpPr>
+            <a:spLocks noGrp="1"/>
+          </p:cNvSpPr>
+          <p:nvPr>
+            <p:ph idx="2" sz="half" type="body"/>
           </p:nvPr>
         </p:nvSpPr>
         <p:spPr/>
@@ -10631,6 +9378,36 @@
           </a:p>
         </p:txBody>
       </p:sp>
+      <p:pic>
+        <p:nvPicPr>
+          <p:cNvPr descr="Workshop4_files/figure-pptx/unnamed-chunk-25-1.png" id="0" name="Picture 1"/>
+          <p:cNvPicPr>
+            <a:picLocks noGrp="1" noChangeAspect="1"/>
+          </p:cNvPicPr>
+          <p:nvPr/>
+        </p:nvPicPr>
+        <p:blipFill>
+          <a:blip r:embed="rId2"/>
+          <a:stretch>
+            <a:fillRect/>
+          </a:stretch>
+        </p:blipFill>
+        <p:spPr bwMode="auto">
+          <a:xfrm>
+            <a:off x="5232400" y="977900"/>
+            <a:ext cx="6083300" cy="4864100"/>
+          </a:xfrm>
+          <a:prstGeom prst="rect">
+            <a:avLst/>
+          </a:prstGeom>
+          <a:noFill/>
+          <a:ln w="9525">
+            <a:noFill/>
+            <a:headEnd/>
+            <a:tailEnd/>
+          </a:ln>
+        </p:spPr>
+      </p:pic>
     </p:spTree>
   </p:cSld>
 </p:sld>
@@ -10653,36 +9430,245 @@
           <a:chExt cx="0" cy="0"/>
         </a:xfrm>
       </p:grpSpPr>
-      <p:pic>
-        <p:nvPicPr>
-          <p:cNvPr descr="Workshop4_files/figure-pptx/unnamed-chunk-25-1.png" id="0" name="Picture 1"/>
-          <p:cNvPicPr>
-            <a:picLocks noGrp="1" noChangeAspect="1"/>
-          </p:cNvPicPr>
-          <p:nvPr/>
-        </p:nvPicPr>
-        <p:blipFill>
-          <a:blip r:embed="rId2"/>
-          <a:stretch>
-            <a:fillRect/>
-          </a:stretch>
-        </p:blipFill>
-        <p:spPr bwMode="auto">
-          <a:xfrm>
-            <a:off x="3378200" y="1816100"/>
-            <a:ext cx="5435600" cy="4343400"/>
-          </a:xfrm>
-          <a:prstGeom prst="rect">
-            <a:avLst/>
-          </a:prstGeom>
-          <a:noFill/>
-          <a:ln w="9525">
-            <a:noFill/>
-            <a:headEnd/>
-            <a:tailEnd/>
-          </a:ln>
-        </p:spPr>
-      </p:pic>
+      <p:sp>
+        <p:nvSpPr>
+          <p:cNvPr id="2" name="Title 1">
+            <a:extLst>
+              <a:ext uri="{FF2B5EF4-FFF2-40B4-BE49-F238E27FC236}">
+                <a16:creationId xmlns:a16="http://schemas.microsoft.com/office/drawing/2014/main" id="{5567D468-EE70-CD4E-A3AC-039CC11EF1FB}"/>
+              </a:ext>
+            </a:extLst>
+          </p:cNvPr>
+          <p:cNvSpPr>
+            <a:spLocks noGrp="1"/>
+          </p:cNvSpPr>
+          <p:nvPr>
+            <p:ph type="title"/>
+          </p:nvPr>
+        </p:nvSpPr>
+        <p:spPr/>
+        <p:txBody>
+          <a:bodyPr/>
+          <a:lstStyle/>
+          <a:p>
+            <a:pPr lvl="0" indent="0" marL="0">
+              <a:buNone/>
+            </a:pPr>
+            <a:r>
+              <a:rPr/>
+              <a:t>What if we want to convert it back?</a:t>
+            </a:r>
+          </a:p>
+        </p:txBody>
+      </p:sp>
+      <p:sp>
+        <p:nvSpPr>
+          <p:cNvPr id="3" name="Content Placeholder 2">
+            <a:extLst>
+              <a:ext uri="{FF2B5EF4-FFF2-40B4-BE49-F238E27FC236}">
+                <a16:creationId xmlns:a16="http://schemas.microsoft.com/office/drawing/2014/main" id="{D10DDA37-E46B-B641-BC9F-636CB92A2C08}"/>
+              </a:ext>
+            </a:extLst>
+          </p:cNvPr>
+          <p:cNvSpPr>
+            <a:spLocks noGrp="1"/>
+          </p:cNvSpPr>
+          <p:nvPr>
+            <p:ph idx="1"/>
+          </p:nvPr>
+        </p:nvSpPr>
+        <p:spPr/>
+        <p:txBody>
+          <a:bodyPr/>
+          <a:lstStyle/>
+          <a:p>
+            <a:pPr lvl="0"/>
+            <a:r>
+              <a:rPr/>
+              <a:t>We can use the </a:t>
+            </a:r>
+            <a:r>
+              <a:rPr>
+                <a:latin typeface="Courier"/>
+              </a:rPr>
+              <a:t>tidyr</a:t>
+            </a:r>
+            <a:r>
+              <a:rPr/>
+              <a:t> function, </a:t>
+            </a:r>
+            <a:r>
+              <a:rPr>
+                <a:latin typeface="Courier"/>
+              </a:rPr>
+              <a:t>pivot_wider()</a:t>
+            </a:r>
+            <a:r>
+              <a:rPr/>
+              <a:t>.</a:t>
+            </a:r>
+          </a:p>
+          <a:p>
+            <a:pPr lvl="0" indent="0">
+              <a:buNone/>
+            </a:pPr>
+            <a:r>
+              <a:rPr>
+                <a:latin typeface="Courier"/>
+              </a:rPr>
+              <a:t>cchic_reverted </a:t>
+            </a:r>
+            <a:r>
+              <a:rPr>
+                <a:solidFill>
+                  <a:srgbClr val="007020"/>
+                </a:solidFill>
+                <a:latin typeface="Courier"/>
+              </a:rPr>
+              <a:t>&lt;-</a:t>
+            </a:r>
+            <a:r>
+              <a:rPr>
+                <a:latin typeface="Courier"/>
+              </a:rPr>
+              <a:t> </a:t>
+            </a:r>
+            <a:br/>
+            <a:r>
+              <a:rPr>
+                <a:latin typeface="Courier"/>
+              </a:rPr>
+              <a:t>  cchic_long </a:t>
+            </a:r>
+            <a:r>
+              <a:rPr>
+                <a:solidFill>
+                  <a:srgbClr val="4070A0"/>
+                </a:solidFill>
+                <a:latin typeface="Courier"/>
+              </a:rPr>
+              <a:t>%&gt;%</a:t>
+            </a:r>
+            <a:br/>
+            <a:r>
+              <a:rPr>
+                <a:latin typeface="Courier"/>
+              </a:rPr>
+              <a:t>  tidyr</a:t>
+            </a:r>
+            <a:r>
+              <a:rPr>
+                <a:solidFill>
+                  <a:srgbClr val="4070A0"/>
+                </a:solidFill>
+                <a:latin typeface="Courier"/>
+              </a:rPr>
+              <a:t>::</a:t>
+            </a:r>
+            <a:r>
+              <a:rPr>
+                <a:solidFill>
+                  <a:srgbClr val="06287E"/>
+                </a:solidFill>
+                <a:latin typeface="Courier"/>
+              </a:rPr>
+              <a:t>pivot_wider</a:t>
+            </a:r>
+            <a:r>
+              <a:rPr>
+                <a:latin typeface="Courier"/>
+              </a:rPr>
+              <a:t>(</a:t>
+            </a:r>
+            <a:br/>
+            <a:r>
+              <a:rPr>
+                <a:latin typeface="Courier"/>
+              </a:rPr>
+              <a:t>    </a:t>
+            </a:r>
+            <a:r>
+              <a:rPr>
+                <a:solidFill>
+                  <a:srgbClr val="7D9029"/>
+                </a:solidFill>
+                <a:latin typeface="Courier"/>
+              </a:rPr>
+              <a:t>names_from =</a:t>
+            </a:r>
+            <a:r>
+              <a:rPr>
+                <a:latin typeface="Courier"/>
+              </a:rPr>
+              <a:t> temp_point,</a:t>
+            </a:r>
+            <a:br/>
+            <a:r>
+              <a:rPr>
+                <a:latin typeface="Courier"/>
+              </a:rPr>
+              <a:t>    </a:t>
+            </a:r>
+            <a:r>
+              <a:rPr>
+                <a:solidFill>
+                  <a:srgbClr val="7D9029"/>
+                </a:solidFill>
+                <a:latin typeface="Courier"/>
+              </a:rPr>
+              <a:t>values_from =</a:t>
+            </a:r>
+            <a:r>
+              <a:rPr>
+                <a:latin typeface="Courier"/>
+              </a:rPr>
+              <a:t> temperature</a:t>
+            </a:r>
+            <a:br/>
+            <a:r>
+              <a:rPr>
+                <a:latin typeface="Courier"/>
+              </a:rPr>
+              <a:t>  )</a:t>
+            </a:r>
+            <a:br/>
+            <a:br/>
+            <a:r>
+              <a:rPr>
+                <a:solidFill>
+                  <a:srgbClr val="06287E"/>
+                </a:solidFill>
+                <a:latin typeface="Courier"/>
+              </a:rPr>
+              <a:t>names</a:t>
+            </a:r>
+            <a:r>
+              <a:rPr>
+                <a:latin typeface="Courier"/>
+              </a:rPr>
+              <a:t>(cchic_reverted)</a:t>
+            </a:r>
+          </a:p>
+          <a:p>
+            <a:pPr lvl="0" indent="0">
+              <a:buNone/>
+            </a:pPr>
+            <a:r>
+              <a:rPr>
+                <a:latin typeface="Courier"/>
+              </a:rPr>
+              <a:t>## [1] "nhs_number" "temp_c"     "temp_nc"</a:t>
+            </a:r>
+          </a:p>
+          <a:p>
+            <a:pPr lvl="0"/>
+            <a:r>
+              <a:rPr/>
+              <a:t>Notice that the variables “temp_c” and “temp_nc” are seperate again.</a:t>
+            </a:r>
+          </a:p>
+        </p:txBody>
+      </p:sp>
     </p:spTree>
   </p:cSld>
 </p:sld>
@@ -10726,68 +9712,12 @@
           <a:bodyPr/>
           <a:lstStyle/>
           <a:p>
-            <a:pPr lvl="0" marL="0" indent="0">
+            <a:pPr lvl="0" indent="0" marL="0">
               <a:buNone/>
             </a:pPr>
             <a:r>
               <a:rPr/>
-              <a:t>What</a:t>
-            </a:r>
-            <a:r>
-              <a:rPr/>
-              <a:t> </a:t>
-            </a:r>
-            <a:r>
-              <a:rPr/>
-              <a:t>if</a:t>
-            </a:r>
-            <a:r>
-              <a:rPr/>
-              <a:t> </a:t>
-            </a:r>
-            <a:r>
-              <a:rPr/>
-              <a:t>we</a:t>
-            </a:r>
-            <a:r>
-              <a:rPr/>
-              <a:t> </a:t>
-            </a:r>
-            <a:r>
-              <a:rPr/>
-              <a:t>want</a:t>
-            </a:r>
-            <a:r>
-              <a:rPr/>
-              <a:t> </a:t>
-            </a:r>
-            <a:r>
-              <a:rPr/>
-              <a:t>to</a:t>
-            </a:r>
-            <a:r>
-              <a:rPr/>
-              <a:t> </a:t>
-            </a:r>
-            <a:r>
-              <a:rPr/>
-              <a:t>convert</a:t>
-            </a:r>
-            <a:r>
-              <a:rPr/>
-              <a:t> </a:t>
-            </a:r>
-            <a:r>
-              <a:rPr/>
-              <a:t>it</a:t>
-            </a:r>
-            <a:r>
-              <a:rPr/>
-              <a:t> </a:t>
-            </a:r>
-            <a:r>
-              <a:rPr/>
-              <a:t>back?</a:t>
+              <a:t>7. Deleting columns</a:t>
             </a:r>
           </a:p>
         </p:txBody>
@@ -10813,30 +9743,20 @@
           <a:bodyPr/>
           <a:lstStyle/>
           <a:p>
-            <a:pPr lvl="1"/>
-            <a:r>
-              <a:rPr/>
-              <a:t>We can use the </a:t>
-            </a:r>
-            <a:r>
-              <a:rPr>
-                <a:latin typeface="Courier"/>
-              </a:rPr>
-              <a:t>tidyr</a:t>
-            </a:r>
-            <a:r>
-              <a:rPr/>
-              <a:t> function, </a:t>
-            </a:r>
-            <a:r>
-              <a:rPr>
-                <a:latin typeface="Courier"/>
-              </a:rPr>
-              <a:t>pivot_wider()</a:t>
-            </a:r>
-            <a:r>
-              <a:rPr/>
-              <a:t>.</a:t>
+            <a:pPr lvl="0"/>
+            <a:r>
+              <a:rPr/>
+              <a:t>What if we wanted to remove the </a:t>
+            </a:r>
+            <a:r>
+              <a:rPr>
+                <a:latin typeface="Courier"/>
+              </a:rPr>
+              <a:t>temp_nc</a:t>
+            </a:r>
+            <a:r>
+              <a:rPr/>
+              <a:t> variable?</a:t>
             </a:r>
           </a:p>
           <a:p>
@@ -10847,29 +9767,23 @@
               <a:rPr>
                 <a:latin typeface="Courier"/>
               </a:rPr>
-              <a:t>cchic_reverted </a:t>
-            </a:r>
-            <a:r>
-              <a:rPr>
-                <a:solidFill>
-                  <a:srgbClr val="007020"/>
-                </a:solidFill>
-                <a:latin typeface="Courier"/>
-              </a:rPr>
-              <a:t>&lt;-</a:t>
-            </a:r>
-            <a:r>
-              <a:rPr>
-                <a:latin typeface="Courier"/>
-              </a:rPr>
-              <a:t> </a:t>
+              <a:t>cchic </a:t>
+            </a:r>
+            <a:r>
+              <a:rPr>
+                <a:solidFill>
+                  <a:srgbClr val="4070A0"/>
+                </a:solidFill>
+                <a:latin typeface="Courier"/>
+              </a:rPr>
+              <a:t>%&gt;%</a:t>
             </a:r>
             <a:br/>
             <a:r>
               <a:rPr>
                 <a:latin typeface="Courier"/>
               </a:rPr>
-              <a:t>  cchic_long </a:t>
+              <a:t>  dplyr</a:t>
             </a:r>
             <a:r>
               <a:rPr>
@@ -10878,14 +9792,22 @@
                 </a:solidFill>
                 <a:latin typeface="Courier"/>
               </a:rPr>
-              <a:t>%&gt;%</a:t>
-            </a:r>
-            <a:br/>
-            <a:r>
-              <a:rPr>
-                <a:latin typeface="Courier"/>
-              </a:rPr>
-              <a:t>  tidyr</a:t>
+              <a:t>::</a:t>
+            </a:r>
+            <a:r>
+              <a:rPr>
+                <a:solidFill>
+                  <a:srgbClr val="06287E"/>
+                </a:solidFill>
+                <a:latin typeface="Courier"/>
+              </a:rPr>
+              <a:t>select</a:t>
+            </a:r>
+            <a:r>
+              <a:rPr>
+                <a:latin typeface="Courier"/>
+              </a:rPr>
+              <a:t>(</a:t>
             </a:r>
             <a:r>
               <a:rPr>
@@ -10894,108 +9816,37 @@
                 </a:solidFill>
                 <a:latin typeface="Courier"/>
               </a:rPr>
-              <a:t>::</a:t>
-            </a:r>
-            <a:r>
-              <a:rPr>
-                <a:solidFill>
-                  <a:srgbClr val="06287E"/>
-                </a:solidFill>
-                <a:latin typeface="Courier"/>
-              </a:rPr>
-              <a:t>pivot_wider</a:t>
-            </a:r>
-            <a:r>
-              <a:rPr>
-                <a:latin typeface="Courier"/>
-              </a:rPr>
-              <a:t>(</a:t>
-            </a:r>
-            <a:br/>
-            <a:r>
-              <a:rPr>
-                <a:latin typeface="Courier"/>
-              </a:rPr>
-              <a:t>    </a:t>
-            </a:r>
-            <a:r>
-              <a:rPr>
-                <a:solidFill>
-                  <a:srgbClr val="7D9029"/>
-                </a:solidFill>
-                <a:latin typeface="Courier"/>
-              </a:rPr>
-              <a:t>names_from =</a:t>
-            </a:r>
-            <a:r>
-              <a:rPr>
-                <a:latin typeface="Courier"/>
-              </a:rPr>
-              <a:t> temp_point,</a:t>
-            </a:r>
-            <a:br/>
-            <a:r>
-              <a:rPr>
-                <a:latin typeface="Courier"/>
-              </a:rPr>
-              <a:t>    </a:t>
-            </a:r>
-            <a:r>
-              <a:rPr>
-                <a:solidFill>
-                  <a:srgbClr val="7D9029"/>
-                </a:solidFill>
-                <a:latin typeface="Courier"/>
-              </a:rPr>
-              <a:t>values_from =</a:t>
-            </a:r>
-            <a:r>
-              <a:rPr>
-                <a:latin typeface="Courier"/>
-              </a:rPr>
-              <a:t> temperature</a:t>
-            </a:r>
-            <a:br/>
-            <a:r>
-              <a:rPr>
-                <a:latin typeface="Courier"/>
-              </a:rPr>
-              <a:t>  )</a:t>
-            </a:r>
-            <a:br/>
-            <a:br/>
-            <a:r>
-              <a:rPr>
-                <a:solidFill>
-                  <a:srgbClr val="06287E"/>
-                </a:solidFill>
-                <a:latin typeface="Courier"/>
-              </a:rPr>
-              <a:t>names</a:t>
-            </a:r>
-            <a:r>
-              <a:rPr>
-                <a:latin typeface="Courier"/>
-              </a:rPr>
-              <a:t>(cchic_reverted)</a:t>
-            </a:r>
-          </a:p>
-          <a:p>
-            <a:pPr lvl="0" indent="0">
-              <a:buNone/>
-            </a:pPr>
-            <a:r>
-              <a:rPr>
-                <a:latin typeface="Courier"/>
-              </a:rPr>
-              <a:t>## [1] "nhs_number" "temp_c"     "temp_nc"</a:t>
-            </a:r>
-          </a:p>
-          <a:p>
-            <a:pPr lvl="1"/>
-            <a:r>
-              <a:rPr/>
-              <a:t>Notice that the variables “temp_c” and “temp_nc” are seperate again.</a:t>
+              <a:t>-</a:t>
+            </a:r>
+            <a:r>
+              <a:rPr>
+                <a:latin typeface="Courier"/>
+              </a:rPr>
+              <a:t>temp_nc)</a:t>
+            </a:r>
+          </a:p>
+          <a:p>
+            <a:pPr lvl="0"/>
+            <a:r>
+              <a:rPr/>
+              <a:t>The </a:t>
+            </a:r>
+            <a:r>
+              <a:rPr>
+                <a:latin typeface="Courier"/>
+              </a:rPr>
+              <a:t>-</a:t>
+            </a:r>
+            <a:r>
+              <a:rPr/>
+              <a:t> sign means deselect here.</a:t>
+            </a:r>
+          </a:p>
+          <a:p>
+            <a:pPr lvl="0"/>
+            <a:r>
+              <a:rPr/>
+              <a:t>Don’t forget to assign the above code to something, otherwise the output won’t be saved.</a:t>
             </a:r>
           </a:p>
         </p:txBody>
@@ -11043,28 +9894,12 @@
           <a:bodyPr/>
           <a:lstStyle/>
           <a:p>
-            <a:pPr lvl="0" marL="0" indent="0">
+            <a:pPr lvl="0" indent="0" marL="0">
               <a:buNone/>
             </a:pPr>
             <a:r>
               <a:rPr/>
-              <a:t>7.</a:t>
-            </a:r>
-            <a:r>
-              <a:rPr/>
-              <a:t> </a:t>
-            </a:r>
-            <a:r>
-              <a:rPr/>
-              <a:t>Deleting</a:t>
-            </a:r>
-            <a:r>
-              <a:rPr/>
-              <a:t> </a:t>
-            </a:r>
-            <a:r>
-              <a:rPr/>
-              <a:t>columns</a:t>
+              <a:t>Excercise</a:t>
             </a:r>
           </a:p>
         </p:txBody>
@@ -11090,110 +9925,69 @@
           <a:bodyPr/>
           <a:lstStyle/>
           <a:p>
+            <a:pPr lvl="0" indent="-457200" marL="457200">
+              <a:buAutoNum type="arabicPeriod"/>
+            </a:pPr>
+            <a:r>
+              <a:rPr/>
+              <a:t>How many patients weigh more than 70kg?</a:t>
+            </a:r>
+          </a:p>
+          <a:p>
             <a:pPr lvl="1"/>
             <a:r>
               <a:rPr/>
-              <a:t>What if we wanted to remove the </a:t>
-            </a:r>
-            <a:r>
-              <a:rPr>
-                <a:latin typeface="Courier"/>
-              </a:rPr>
-              <a:t>temp_nc</a:t>
-            </a:r>
-            <a:r>
-              <a:rPr/>
-              <a:t> variable?</a:t>
-            </a:r>
-          </a:p>
-          <a:p>
-            <a:pPr lvl="0" indent="0">
-              <a:buNone/>
+              <a:t>Hint - look at the </a:t>
+            </a:r>
+            <a:r>
+              <a:rPr>
+                <a:latin typeface="Courier"/>
+              </a:rPr>
+              <a:t>n()</a:t>
+            </a:r>
+            <a:r>
+              <a:rPr/>
+              <a:t> function.</a:t>
+            </a:r>
+          </a:p>
+          <a:p>
+            <a:pPr lvl="0" indent="-457200" marL="457200">
+              <a:buAutoNum type="arabicPeriod"/>
             </a:pPr>
             <a:r>
-              <a:rPr>
-                <a:latin typeface="Courier"/>
-              </a:rPr>
-              <a:t>cchic </a:t>
-            </a:r>
-            <a:r>
-              <a:rPr>
-                <a:solidFill>
-                  <a:srgbClr val="4070A0"/>
-                </a:solidFill>
-                <a:latin typeface="Courier"/>
-              </a:rPr>
-              <a:t>%&gt;%</a:t>
-            </a:r>
-            <a:br/>
-            <a:r>
-              <a:rPr>
-                <a:latin typeface="Courier"/>
-              </a:rPr>
-              <a:t>  dplyr</a:t>
-            </a:r>
-            <a:r>
-              <a:rPr>
-                <a:solidFill>
-                  <a:srgbClr val="4070A0"/>
-                </a:solidFill>
-                <a:latin typeface="Courier"/>
-              </a:rPr>
-              <a:t>::</a:t>
-            </a:r>
-            <a:r>
-              <a:rPr>
-                <a:solidFill>
-                  <a:srgbClr val="06287E"/>
-                </a:solidFill>
-                <a:latin typeface="Courier"/>
-              </a:rPr>
-              <a:t>select</a:t>
-            </a:r>
-            <a:r>
-              <a:rPr>
-                <a:latin typeface="Courier"/>
-              </a:rPr>
-              <a:t>(</a:t>
-            </a:r>
-            <a:r>
-              <a:rPr>
-                <a:solidFill>
-                  <a:srgbClr val="4070A0"/>
-                </a:solidFill>
-                <a:latin typeface="Courier"/>
-              </a:rPr>
-              <a:t>-</a:t>
-            </a:r>
-            <a:r>
-              <a:rPr>
-                <a:latin typeface="Courier"/>
-              </a:rPr>
-              <a:t>temp_nc)</a:t>
+              <a:rPr/>
+              <a:t>Outcome of patients who were 60 years or older?</a:t>
             </a:r>
           </a:p>
           <a:p>
             <a:pPr lvl="1"/>
             <a:r>
               <a:rPr/>
-              <a:t>The </a:t>
-            </a:r>
-            <a:r>
-              <a:rPr>
-                <a:latin typeface="Courier"/>
-              </a:rPr>
-              <a:t>-</a:t>
-            </a:r>
-            <a:r>
-              <a:rPr/>
-              <a:t> sign means deselect here.</a:t>
+              <a:t>What is the mean length of stay of patients who are 60 years or older?</a:t>
             </a:r>
           </a:p>
           <a:p>
             <a:pPr lvl="1"/>
             <a:r>
               <a:rPr/>
-              <a:t>Don’t forget to assign the above code to something, otherwise the output won’t be saved.</a:t>
+              <a:t>How many of these patients were discharged alive?</a:t>
+            </a:r>
+          </a:p>
+          <a:p>
+            <a:pPr lvl="1"/>
+            <a:r>
+              <a:rPr/>
+              <a:t>Hint - the variable </a:t>
+            </a:r>
+            <a:r>
+              <a:rPr>
+                <a:latin typeface="Courier"/>
+              </a:rPr>
+              <a:t>vital_status</a:t>
+            </a:r>
+            <a:r>
+              <a:rPr/>
+              <a:t> indicates if the patient was alive or dead on discharge.</a:t>
             </a:r>
           </a:p>
         </p:txBody>
@@ -11241,12 +10035,12 @@
           <a:bodyPr/>
           <a:lstStyle/>
           <a:p>
-            <a:pPr lvl="0" marL="0" indent="0">
+            <a:pPr lvl="0" indent="0" marL="0">
               <a:buNone/>
             </a:pPr>
             <a:r>
               <a:rPr/>
-              <a:t>Excercise</a:t>
+              <a:t>How many patients weigh more than 70kg?</a:t>
             </a:r>
           </a:p>
         </p:txBody>
@@ -11272,69 +10066,168 @@
           <a:bodyPr/>
           <a:lstStyle/>
           <a:p>
-            <a:pPr lvl="1">
-              <a:buAutoNum type="arabicPeriod"/>
+            <a:pPr lvl="0" indent="0">
+              <a:buNone/>
             </a:pPr>
             <a:r>
-              <a:rPr/>
-              <a:t>How many patients weigh more than 70kg?</a:t>
-            </a:r>
-          </a:p>
-          <a:p>
-            <a:pPr lvl="2"/>
-            <a:r>
-              <a:rPr/>
-              <a:t>Hint - look at the </a:t>
-            </a:r>
-            <a:r>
-              <a:rPr>
-                <a:latin typeface="Courier"/>
-              </a:rPr>
-              <a:t>n()</a:t>
-            </a:r>
-            <a:r>
-              <a:rPr/>
-              <a:t> function.</a:t>
-            </a:r>
-          </a:p>
-          <a:p>
-            <a:pPr lvl="1">
-              <a:buAutoNum type="arabicPeriod"/>
+              <a:rPr>
+                <a:latin typeface="Courier"/>
+              </a:rPr>
+              <a:t>cchic </a:t>
+            </a:r>
+            <a:r>
+              <a:rPr>
+                <a:solidFill>
+                  <a:srgbClr val="4070A0"/>
+                </a:solidFill>
+                <a:latin typeface="Courier"/>
+              </a:rPr>
+              <a:t>%&gt;%</a:t>
+            </a:r>
+            <a:br/>
+            <a:r>
+              <a:rPr>
+                <a:latin typeface="Courier"/>
+              </a:rPr>
+              <a:t>  dplyr</a:t>
+            </a:r>
+            <a:r>
+              <a:rPr>
+                <a:solidFill>
+                  <a:srgbClr val="4070A0"/>
+                </a:solidFill>
+                <a:latin typeface="Courier"/>
+              </a:rPr>
+              <a:t>::</a:t>
+            </a:r>
+            <a:r>
+              <a:rPr>
+                <a:solidFill>
+                  <a:srgbClr val="06287E"/>
+                </a:solidFill>
+                <a:latin typeface="Courier"/>
+              </a:rPr>
+              <a:t>filter</a:t>
+            </a:r>
+            <a:r>
+              <a:rPr>
+                <a:latin typeface="Courier"/>
+              </a:rPr>
+              <a:t>(weight </a:t>
+            </a:r>
+            <a:r>
+              <a:rPr>
+                <a:solidFill>
+                  <a:srgbClr val="4070A0"/>
+                </a:solidFill>
+                <a:latin typeface="Courier"/>
+              </a:rPr>
+              <a:t>&gt;</a:t>
+            </a:r>
+            <a:r>
+              <a:rPr>
+                <a:latin typeface="Courier"/>
+              </a:rPr>
+              <a:t> </a:t>
+            </a:r>
+            <a:r>
+              <a:rPr>
+                <a:solidFill>
+                  <a:srgbClr val="40A070"/>
+                </a:solidFill>
+                <a:latin typeface="Courier"/>
+              </a:rPr>
+              <a:t>70</a:t>
+            </a:r>
+            <a:r>
+              <a:rPr>
+                <a:latin typeface="Courier"/>
+              </a:rPr>
+              <a:t>) </a:t>
+            </a:r>
+            <a:r>
+              <a:rPr>
+                <a:solidFill>
+                  <a:srgbClr val="4070A0"/>
+                </a:solidFill>
+                <a:latin typeface="Courier"/>
+              </a:rPr>
+              <a:t>%&gt;%</a:t>
+            </a:r>
+            <a:br/>
+            <a:r>
+              <a:rPr>
+                <a:latin typeface="Courier"/>
+              </a:rPr>
+              <a:t>  dplyr</a:t>
+            </a:r>
+            <a:r>
+              <a:rPr>
+                <a:solidFill>
+                  <a:srgbClr val="4070A0"/>
+                </a:solidFill>
+                <a:latin typeface="Courier"/>
+              </a:rPr>
+              <a:t>::</a:t>
+            </a:r>
+            <a:r>
+              <a:rPr>
+                <a:solidFill>
+                  <a:srgbClr val="06287E"/>
+                </a:solidFill>
+                <a:latin typeface="Courier"/>
+              </a:rPr>
+              <a:t>summarise</a:t>
+            </a:r>
+            <a:r>
+              <a:rPr>
+                <a:latin typeface="Courier"/>
+              </a:rPr>
+              <a:t>(</a:t>
+            </a:r>
+            <a:r>
+              <a:rPr>
+                <a:solidFill>
+                  <a:srgbClr val="7D9029"/>
+                </a:solidFill>
+                <a:latin typeface="Courier"/>
+              </a:rPr>
+              <a:t>number =</a:t>
+            </a:r>
+            <a:r>
+              <a:rPr>
+                <a:latin typeface="Courier"/>
+              </a:rPr>
+              <a:t> </a:t>
+            </a:r>
+            <a:r>
+              <a:rPr>
+                <a:solidFill>
+                  <a:srgbClr val="06287E"/>
+                </a:solidFill>
+                <a:latin typeface="Courier"/>
+              </a:rPr>
+              <a:t>n</a:t>
+            </a:r>
+            <a:r>
+              <a:rPr>
+                <a:latin typeface="Courier"/>
+              </a:rPr>
+              <a:t>())</a:t>
+            </a:r>
+          </a:p>
+          <a:p>
+            <a:pPr lvl="0" indent="0">
+              <a:buNone/>
             </a:pPr>
             <a:r>
-              <a:rPr/>
-              <a:t>Outcome of patients who were 60 years or older?</a:t>
-            </a:r>
-          </a:p>
-          <a:p>
-            <a:pPr lvl="2"/>
-            <a:r>
-              <a:rPr/>
-              <a:t>What is the mean length of stay of patients who are 60 years or older?</a:t>
-            </a:r>
-          </a:p>
-          <a:p>
-            <a:pPr lvl="2"/>
-            <a:r>
-              <a:rPr/>
-              <a:t>How many of these patients were discharged alive?</a:t>
-            </a:r>
-          </a:p>
-          <a:p>
-            <a:pPr lvl="2"/>
-            <a:r>
-              <a:rPr/>
-              <a:t>Hint - the variable </a:t>
-            </a:r>
-            <a:r>
-              <a:rPr>
-                <a:latin typeface="Courier"/>
-              </a:rPr>
-              <a:t>vital_status</a:t>
-            </a:r>
-            <a:r>
-              <a:rPr/>
-              <a:t> indicates if the patient was alive or dead on discharge.</a:t>
+              <a:rPr>
+                <a:latin typeface="Courier"/>
+              </a:rPr>
+              <a:t>## # A tibble: 1 × 1
+##   number
+##    &lt;int&gt;
+## 1   2508</a:t>
             </a:r>
           </a:p>
         </p:txBody>
@@ -11382,84 +10275,389 @@
           <a:bodyPr/>
           <a:lstStyle/>
           <a:p>
-            <a:pPr lvl="0" marL="0" indent="0">
+            <a:pPr lvl="0" indent="0" marL="0">
               <a:buNone/>
             </a:pPr>
             <a:r>
               <a:rPr/>
-              <a:t>How</a:t>
-            </a:r>
-            <a:r>
-              <a:rPr/>
+              <a:t>Outcome of patients who were 60 years or older.</a:t>
+            </a:r>
+          </a:p>
+        </p:txBody>
+      </p:sp>
+      <p:sp>
+        <p:nvSpPr>
+          <p:cNvPr id="3" name="Content Placeholder 2">
+            <a:extLst>
+              <a:ext uri="{FF2B5EF4-FFF2-40B4-BE49-F238E27FC236}">
+                <a16:creationId xmlns:a16="http://schemas.microsoft.com/office/drawing/2014/main" id="{D10DDA37-E46B-B641-BC9F-636CB92A2C08}"/>
+              </a:ext>
+            </a:extLst>
+          </p:cNvPr>
+          <p:cNvSpPr>
+            <a:spLocks noGrp="1"/>
+          </p:cNvSpPr>
+          <p:nvPr>
+            <p:ph idx="1"/>
+          </p:nvPr>
+        </p:nvSpPr>
+        <p:spPr/>
+        <p:txBody>
+          <a:bodyPr/>
+          <a:lstStyle/>
+          <a:p>
+            <a:pPr lvl="0" indent="0">
+              <a:buNone/>
+            </a:pPr>
+            <a:r>
+              <a:rPr i="1">
+                <a:solidFill>
+                  <a:srgbClr val="60A0B0"/>
+                </a:solidFill>
+                <a:latin typeface="Courier"/>
+              </a:rPr>
+              <a:t># Mean length of stay</a:t>
+            </a:r>
+            <a:br/>
+            <a:r>
+              <a:rPr>
+                <a:latin typeface="Courier"/>
+              </a:rPr>
+              <a:t>cchic </a:t>
+            </a:r>
+            <a:r>
+              <a:rPr>
+                <a:solidFill>
+                  <a:srgbClr val="4070A0"/>
+                </a:solidFill>
+                <a:latin typeface="Courier"/>
+              </a:rPr>
+              <a:t>%&gt;%</a:t>
+            </a:r>
+            <a:br/>
+            <a:r>
+              <a:rPr>
+                <a:latin typeface="Courier"/>
+              </a:rPr>
+              <a:t>  dplyr</a:t>
+            </a:r>
+            <a:r>
+              <a:rPr>
+                <a:solidFill>
+                  <a:srgbClr val="4070A0"/>
+                </a:solidFill>
+                <a:latin typeface="Courier"/>
+              </a:rPr>
+              <a:t>::</a:t>
+            </a:r>
+            <a:r>
+              <a:rPr>
+                <a:solidFill>
+                  <a:srgbClr val="06287E"/>
+                </a:solidFill>
+                <a:latin typeface="Courier"/>
+              </a:rPr>
+              <a:t>filter</a:t>
+            </a:r>
+            <a:r>
+              <a:rPr>
+                <a:latin typeface="Courier"/>
+              </a:rPr>
+              <a:t>(age_years </a:t>
+            </a:r>
+            <a:r>
+              <a:rPr>
+                <a:solidFill>
+                  <a:srgbClr val="4070A0"/>
+                </a:solidFill>
+                <a:latin typeface="Courier"/>
+              </a:rPr>
+              <a:t>&gt;=</a:t>
+            </a:r>
+            <a:r>
+              <a:rPr>
+                <a:latin typeface="Courier"/>
+              </a:rPr>
               <a:t> </a:t>
             </a:r>
             <a:r>
-              <a:rPr/>
-              <a:t>many</a:t>
-            </a:r>
-            <a:r>
-              <a:rPr/>
+              <a:rPr>
+                <a:solidFill>
+                  <a:srgbClr val="40A070"/>
+                </a:solidFill>
+                <a:latin typeface="Courier"/>
+              </a:rPr>
+              <a:t>60</a:t>
+            </a:r>
+            <a:r>
+              <a:rPr>
+                <a:latin typeface="Courier"/>
+              </a:rPr>
+              <a:t>) </a:t>
+            </a:r>
+            <a:r>
+              <a:rPr>
+                <a:solidFill>
+                  <a:srgbClr val="4070A0"/>
+                </a:solidFill>
+                <a:latin typeface="Courier"/>
+              </a:rPr>
+              <a:t>%&gt;%</a:t>
+            </a:r>
+            <a:br/>
+            <a:r>
+              <a:rPr>
+                <a:latin typeface="Courier"/>
+              </a:rPr>
+              <a:t>  dplyr</a:t>
+            </a:r>
+            <a:r>
+              <a:rPr>
+                <a:solidFill>
+                  <a:srgbClr val="4070A0"/>
+                </a:solidFill>
+                <a:latin typeface="Courier"/>
+              </a:rPr>
+              <a:t>::</a:t>
+            </a:r>
+            <a:r>
+              <a:rPr>
+                <a:solidFill>
+                  <a:srgbClr val="06287E"/>
+                </a:solidFill>
+                <a:latin typeface="Courier"/>
+              </a:rPr>
+              <a:t>summarise</a:t>
+            </a:r>
+            <a:r>
+              <a:rPr>
+                <a:latin typeface="Courier"/>
+              </a:rPr>
+              <a:t>(</a:t>
+            </a:r>
+            <a:r>
+              <a:rPr>
+                <a:solidFill>
+                  <a:srgbClr val="7D9029"/>
+                </a:solidFill>
+                <a:latin typeface="Courier"/>
+              </a:rPr>
+              <a:t>los =</a:t>
+            </a:r>
+            <a:r>
+              <a:rPr>
+                <a:latin typeface="Courier"/>
+              </a:rPr>
               <a:t> </a:t>
             </a:r>
             <a:r>
-              <a:rPr/>
-              <a:t>patients</a:t>
-            </a:r>
-            <a:r>
-              <a:rPr/>
+              <a:rPr>
+                <a:solidFill>
+                  <a:srgbClr val="06287E"/>
+                </a:solidFill>
+                <a:latin typeface="Courier"/>
+              </a:rPr>
+              <a:t>mean</a:t>
+            </a:r>
+            <a:r>
+              <a:rPr>
+                <a:latin typeface="Courier"/>
+              </a:rPr>
+              <a:t>(los, </a:t>
+            </a:r>
+            <a:r>
+              <a:rPr>
+                <a:solidFill>
+                  <a:srgbClr val="7D9029"/>
+                </a:solidFill>
+                <a:latin typeface="Courier"/>
+              </a:rPr>
+              <a:t>na.rm =</a:t>
+            </a:r>
+            <a:r>
+              <a:rPr>
+                <a:latin typeface="Courier"/>
+              </a:rPr>
               <a:t> </a:t>
             </a:r>
             <a:r>
-              <a:rPr/>
-              <a:t>weigh</a:t>
-            </a:r>
-            <a:r>
-              <a:rPr/>
+              <a:rPr>
+                <a:solidFill>
+                  <a:srgbClr val="880000"/>
+                </a:solidFill>
+                <a:latin typeface="Courier"/>
+              </a:rPr>
+              <a:t>TRUE</a:t>
+            </a:r>
+            <a:r>
+              <a:rPr>
+                <a:latin typeface="Courier"/>
+              </a:rPr>
+              <a:t>))</a:t>
+            </a:r>
+          </a:p>
+          <a:p>
+            <a:pPr lvl="0" indent="0">
+              <a:buNone/>
+            </a:pPr>
+            <a:r>
+              <a:rPr i="1">
+                <a:solidFill>
+                  <a:srgbClr val="60A0B0"/>
+                </a:solidFill>
+                <a:latin typeface="Courier"/>
+              </a:rPr>
+              <a:t># Number of people alive at discharge.</a:t>
+            </a:r>
+            <a:br/>
+            <a:r>
+              <a:rPr>
+                <a:latin typeface="Courier"/>
+              </a:rPr>
+              <a:t>cchic </a:t>
+            </a:r>
+            <a:r>
+              <a:rPr>
+                <a:solidFill>
+                  <a:srgbClr val="4070A0"/>
+                </a:solidFill>
+                <a:latin typeface="Courier"/>
+              </a:rPr>
+              <a:t>%&gt;%</a:t>
+            </a:r>
+            <a:br/>
+            <a:r>
+              <a:rPr>
+                <a:latin typeface="Courier"/>
+              </a:rPr>
+              <a:t>  dplyr</a:t>
+            </a:r>
+            <a:r>
+              <a:rPr>
+                <a:solidFill>
+                  <a:srgbClr val="4070A0"/>
+                </a:solidFill>
+                <a:latin typeface="Courier"/>
+              </a:rPr>
+              <a:t>::</a:t>
+            </a:r>
+            <a:r>
+              <a:rPr>
+                <a:solidFill>
+                  <a:srgbClr val="06287E"/>
+                </a:solidFill>
+                <a:latin typeface="Courier"/>
+              </a:rPr>
+              <a:t>filter</a:t>
+            </a:r>
+            <a:r>
+              <a:rPr>
+                <a:latin typeface="Courier"/>
+              </a:rPr>
+              <a:t>(age_years </a:t>
+            </a:r>
+            <a:r>
+              <a:rPr>
+                <a:solidFill>
+                  <a:srgbClr val="4070A0"/>
+                </a:solidFill>
+                <a:latin typeface="Courier"/>
+              </a:rPr>
+              <a:t>&gt;=</a:t>
+            </a:r>
+            <a:r>
+              <a:rPr>
+                <a:latin typeface="Courier"/>
+              </a:rPr>
               <a:t> </a:t>
             </a:r>
             <a:r>
-              <a:rPr/>
-              <a:t>more</a:t>
-            </a:r>
-            <a:r>
-              <a:rPr/>
-              <a:t> </a:t>
-            </a:r>
-            <a:r>
-              <a:rPr/>
-              <a:t>than</a:t>
-            </a:r>
-            <a:r>
-              <a:rPr/>
-              <a:t> </a:t>
-            </a:r>
-            <a:r>
-              <a:rPr/>
-              <a:t>70kg?</a:t>
-            </a:r>
-          </a:p>
-        </p:txBody>
-      </p:sp>
-      <p:sp>
-        <p:nvSpPr>
-          <p:cNvPr id="3" name="Content Placeholder 2">
-            <a:extLst>
-              <a:ext uri="{FF2B5EF4-FFF2-40B4-BE49-F238E27FC236}">
-                <a16:creationId xmlns:a16="http://schemas.microsoft.com/office/drawing/2014/main" id="{D10DDA37-E46B-B641-BC9F-636CB92A2C08}"/>
-              </a:ext>
-            </a:extLst>
-          </p:cNvPr>
-          <p:cNvSpPr>
-            <a:spLocks noGrp="1"/>
-          </p:cNvSpPr>
-          <p:nvPr>
-            <p:ph idx="1"/>
-          </p:nvPr>
-        </p:nvSpPr>
-        <p:spPr/>
-        <p:txBody>
-          <a:bodyPr/>
-          <a:lstStyle/>
+              <a:rPr>
+                <a:solidFill>
+                  <a:srgbClr val="40A070"/>
+                </a:solidFill>
+                <a:latin typeface="Courier"/>
+              </a:rPr>
+              <a:t>60</a:t>
+            </a:r>
+            <a:r>
+              <a:rPr>
+                <a:latin typeface="Courier"/>
+              </a:rPr>
+              <a:t>) </a:t>
+            </a:r>
+            <a:r>
+              <a:rPr>
+                <a:solidFill>
+                  <a:srgbClr val="4070A0"/>
+                </a:solidFill>
+                <a:latin typeface="Courier"/>
+              </a:rPr>
+              <a:t>%&gt;%</a:t>
+            </a:r>
+            <a:br/>
+            <a:r>
+              <a:rPr>
+                <a:latin typeface="Courier"/>
+              </a:rPr>
+              <a:t>  dplyr</a:t>
+            </a:r>
+            <a:r>
+              <a:rPr>
+                <a:solidFill>
+                  <a:srgbClr val="4070A0"/>
+                </a:solidFill>
+                <a:latin typeface="Courier"/>
+              </a:rPr>
+              <a:t>::</a:t>
+            </a:r>
+            <a:r>
+              <a:rPr>
+                <a:solidFill>
+                  <a:srgbClr val="06287E"/>
+                </a:solidFill>
+                <a:latin typeface="Courier"/>
+              </a:rPr>
+              <a:t>select</a:t>
+            </a:r>
+            <a:r>
+              <a:rPr>
+                <a:latin typeface="Courier"/>
+              </a:rPr>
+              <a:t>(vital_status) </a:t>
+            </a:r>
+            <a:r>
+              <a:rPr>
+                <a:solidFill>
+                  <a:srgbClr val="4070A0"/>
+                </a:solidFill>
+                <a:latin typeface="Courier"/>
+              </a:rPr>
+              <a:t>%&gt;%</a:t>
+            </a:r>
+            <a:br/>
+            <a:r>
+              <a:rPr>
+                <a:latin typeface="Courier"/>
+              </a:rPr>
+              <a:t>  </a:t>
+            </a:r>
+            <a:r>
+              <a:rPr>
+                <a:solidFill>
+                  <a:srgbClr val="06287E"/>
+                </a:solidFill>
+                <a:latin typeface="Courier"/>
+              </a:rPr>
+              <a:t>table</a:t>
+            </a:r>
+            <a:r>
+              <a:rPr>
+                <a:latin typeface="Courier"/>
+              </a:rPr>
+              <a:t>()</a:t>
+            </a:r>
+          </a:p>
           <a:p>
             <a:pPr lvl="0" indent="0">
               <a:buNone/>
@@ -11468,664 +10666,7 @@
               <a:rPr>
                 <a:latin typeface="Courier"/>
               </a:rPr>
-              <a:t>cchic </a:t>
-            </a:r>
-            <a:r>
-              <a:rPr>
-                <a:solidFill>
-                  <a:srgbClr val="4070A0"/>
-                </a:solidFill>
-                <a:latin typeface="Courier"/>
-              </a:rPr>
-              <a:t>%&gt;%</a:t>
-            </a:r>
-            <a:br/>
-            <a:r>
-              <a:rPr>
-                <a:latin typeface="Courier"/>
-              </a:rPr>
-              <a:t>  dplyr</a:t>
-            </a:r>
-            <a:r>
-              <a:rPr>
-                <a:solidFill>
-                  <a:srgbClr val="4070A0"/>
-                </a:solidFill>
-                <a:latin typeface="Courier"/>
-              </a:rPr>
-              <a:t>::</a:t>
-            </a:r>
-            <a:r>
-              <a:rPr>
-                <a:solidFill>
-                  <a:srgbClr val="06287E"/>
-                </a:solidFill>
-                <a:latin typeface="Courier"/>
-              </a:rPr>
-              <a:t>filter</a:t>
-            </a:r>
-            <a:r>
-              <a:rPr>
-                <a:latin typeface="Courier"/>
-              </a:rPr>
-              <a:t>(weight </a:t>
-            </a:r>
-            <a:r>
-              <a:rPr>
-                <a:solidFill>
-                  <a:srgbClr val="4070A0"/>
-                </a:solidFill>
-                <a:latin typeface="Courier"/>
-              </a:rPr>
-              <a:t>&gt;</a:t>
-            </a:r>
-            <a:r>
-              <a:rPr>
-                <a:latin typeface="Courier"/>
-              </a:rPr>
-              <a:t> </a:t>
-            </a:r>
-            <a:r>
-              <a:rPr>
-                <a:solidFill>
-                  <a:srgbClr val="40A070"/>
-                </a:solidFill>
-                <a:latin typeface="Courier"/>
-              </a:rPr>
-              <a:t>70</a:t>
-            </a:r>
-            <a:r>
-              <a:rPr>
-                <a:latin typeface="Courier"/>
-              </a:rPr>
-              <a:t>) </a:t>
-            </a:r>
-            <a:r>
-              <a:rPr>
-                <a:solidFill>
-                  <a:srgbClr val="4070A0"/>
-                </a:solidFill>
-                <a:latin typeface="Courier"/>
-              </a:rPr>
-              <a:t>%&gt;%</a:t>
-            </a:r>
-            <a:br/>
-            <a:r>
-              <a:rPr>
-                <a:latin typeface="Courier"/>
-              </a:rPr>
-              <a:t>  dplyr</a:t>
-            </a:r>
-            <a:r>
-              <a:rPr>
-                <a:solidFill>
-                  <a:srgbClr val="4070A0"/>
-                </a:solidFill>
-                <a:latin typeface="Courier"/>
-              </a:rPr>
-              <a:t>::</a:t>
-            </a:r>
-            <a:r>
-              <a:rPr>
-                <a:solidFill>
-                  <a:srgbClr val="06287E"/>
-                </a:solidFill>
-                <a:latin typeface="Courier"/>
-              </a:rPr>
-              <a:t>summarise</a:t>
-            </a:r>
-            <a:r>
-              <a:rPr>
-                <a:latin typeface="Courier"/>
-              </a:rPr>
-              <a:t>(</a:t>
-            </a:r>
-            <a:r>
-              <a:rPr>
-                <a:solidFill>
-                  <a:srgbClr val="7D9029"/>
-                </a:solidFill>
-                <a:latin typeface="Courier"/>
-              </a:rPr>
-              <a:t>number =</a:t>
-            </a:r>
-            <a:r>
-              <a:rPr>
-                <a:latin typeface="Courier"/>
-              </a:rPr>
-              <a:t> </a:t>
-            </a:r>
-            <a:r>
-              <a:rPr>
-                <a:solidFill>
-                  <a:srgbClr val="06287E"/>
-                </a:solidFill>
-                <a:latin typeface="Courier"/>
-              </a:rPr>
-              <a:t>n</a:t>
-            </a:r>
-            <a:r>
-              <a:rPr>
-                <a:latin typeface="Courier"/>
-              </a:rPr>
-              <a:t>())</a:t>
-            </a:r>
-          </a:p>
-          <a:p>
-            <a:pPr lvl="0" indent="0">
-              <a:buNone/>
-            </a:pPr>
-            <a:r>
-              <a:rPr>
-                <a:latin typeface="Courier"/>
-              </a:rPr>
-              <a:t>## # A tibble: 1 × 1
-##   number
-##    &lt;int&gt;
-## 1   2508</a:t>
-            </a:r>
-          </a:p>
-        </p:txBody>
-      </p:sp>
-    </p:spTree>
-  </p:cSld>
-</p:sld>
-</file>
-
-<file path=ppt/slides/slide38.xml><?xml version="1.0" encoding="utf-8"?>
-<p:sld xmlns:a="http://schemas.openxmlformats.org/drawingml/2006/main" xmlns:r="http://schemas.openxmlformats.org/officeDocument/2006/relationships" xmlns:p="http://schemas.openxmlformats.org/presentationml/2006/main">
-  <p:cSld>
-    <p:spTree>
-      <p:nvGrpSpPr>
-        <p:cNvPr id="1" name=""/>
-        <p:cNvGrpSpPr/>
-        <p:nvPr/>
-      </p:nvGrpSpPr>
-      <p:grpSpPr>
-        <a:xfrm>
-          <a:off x="0" y="0"/>
-          <a:ext cx="0" cy="0"/>
-          <a:chOff x="0" y="0"/>
-          <a:chExt cx="0" cy="0"/>
-        </a:xfrm>
-      </p:grpSpPr>
-      <p:sp>
-        <p:nvSpPr>
-          <p:cNvPr id="2" name="Title 1">
-            <a:extLst>
-              <a:ext uri="{FF2B5EF4-FFF2-40B4-BE49-F238E27FC236}">
-                <a16:creationId xmlns:a16="http://schemas.microsoft.com/office/drawing/2014/main" id="{5567D468-EE70-CD4E-A3AC-039CC11EF1FB}"/>
-              </a:ext>
-            </a:extLst>
-          </p:cNvPr>
-          <p:cNvSpPr>
-            <a:spLocks noGrp="1"/>
-          </p:cNvSpPr>
-          <p:nvPr>
-            <p:ph type="title"/>
-          </p:nvPr>
-        </p:nvSpPr>
-        <p:spPr/>
-        <p:txBody>
-          <a:bodyPr/>
-          <a:lstStyle/>
-          <a:p>
-            <a:pPr lvl="0" marL="0" indent="0">
-              <a:buNone/>
-            </a:pPr>
-            <a:r>
-              <a:rPr/>
-              <a:t>Outcome</a:t>
-            </a:r>
-            <a:r>
-              <a:rPr/>
-              <a:t> </a:t>
-            </a:r>
-            <a:r>
-              <a:rPr/>
-              <a:t>of</a:t>
-            </a:r>
-            <a:r>
-              <a:rPr/>
-              <a:t> </a:t>
-            </a:r>
-            <a:r>
-              <a:rPr/>
-              <a:t>patients</a:t>
-            </a:r>
-            <a:r>
-              <a:rPr/>
-              <a:t> </a:t>
-            </a:r>
-            <a:r>
-              <a:rPr/>
-              <a:t>who</a:t>
-            </a:r>
-            <a:r>
-              <a:rPr/>
-              <a:t> </a:t>
-            </a:r>
-            <a:r>
-              <a:rPr/>
-              <a:t>were</a:t>
-            </a:r>
-            <a:r>
-              <a:rPr/>
-              <a:t> </a:t>
-            </a:r>
-            <a:r>
-              <a:rPr/>
-              <a:t>60</a:t>
-            </a:r>
-            <a:r>
-              <a:rPr/>
-              <a:t> </a:t>
-            </a:r>
-            <a:r>
-              <a:rPr/>
-              <a:t>years</a:t>
-            </a:r>
-            <a:r>
-              <a:rPr/>
-              <a:t> </a:t>
-            </a:r>
-            <a:r>
-              <a:rPr/>
-              <a:t>or</a:t>
-            </a:r>
-            <a:r>
-              <a:rPr/>
-              <a:t> </a:t>
-            </a:r>
-            <a:r>
-              <a:rPr/>
-              <a:t>older.</a:t>
-            </a:r>
-          </a:p>
-        </p:txBody>
-      </p:sp>
-      <p:sp>
-        <p:nvSpPr>
-          <p:cNvPr id="3" name="Content Placeholder 2">
-            <a:extLst>
-              <a:ext uri="{FF2B5EF4-FFF2-40B4-BE49-F238E27FC236}">
-                <a16:creationId xmlns:a16="http://schemas.microsoft.com/office/drawing/2014/main" id="{D10DDA37-E46B-B641-BC9F-636CB92A2C08}"/>
-              </a:ext>
-            </a:extLst>
-          </p:cNvPr>
-          <p:cNvSpPr>
-            <a:spLocks noGrp="1"/>
-          </p:cNvSpPr>
-          <p:nvPr>
-            <p:ph idx="1"/>
-          </p:nvPr>
-        </p:nvSpPr>
-        <p:spPr/>
-        <p:txBody>
-          <a:bodyPr/>
-          <a:lstStyle/>
-          <a:p>
-            <a:pPr lvl="0" indent="0">
-              <a:buNone/>
-            </a:pPr>
-            <a:r>
-              <a:rPr i="1">
-                <a:solidFill>
-                  <a:srgbClr val="60A0B0"/>
-                </a:solidFill>
-                <a:latin typeface="Courier"/>
-              </a:rPr>
-              <a:t># Mean length of stay</a:t>
-            </a:r>
-            <a:br/>
-            <a:r>
-              <a:rPr>
-                <a:latin typeface="Courier"/>
-              </a:rPr>
-              <a:t>cchic </a:t>
-            </a:r>
-            <a:r>
-              <a:rPr>
-                <a:solidFill>
-                  <a:srgbClr val="4070A0"/>
-                </a:solidFill>
-                <a:latin typeface="Courier"/>
-              </a:rPr>
-              <a:t>%&gt;%</a:t>
-            </a:r>
-            <a:br/>
-            <a:r>
-              <a:rPr>
-                <a:latin typeface="Courier"/>
-              </a:rPr>
-              <a:t>  dplyr</a:t>
-            </a:r>
-            <a:r>
-              <a:rPr>
-                <a:solidFill>
-                  <a:srgbClr val="4070A0"/>
-                </a:solidFill>
-                <a:latin typeface="Courier"/>
-              </a:rPr>
-              <a:t>::</a:t>
-            </a:r>
-            <a:r>
-              <a:rPr>
-                <a:solidFill>
-                  <a:srgbClr val="06287E"/>
-                </a:solidFill>
-                <a:latin typeface="Courier"/>
-              </a:rPr>
-              <a:t>filter</a:t>
-            </a:r>
-            <a:r>
-              <a:rPr>
-                <a:latin typeface="Courier"/>
-              </a:rPr>
-              <a:t>(age_years </a:t>
-            </a:r>
-            <a:r>
-              <a:rPr>
-                <a:solidFill>
-                  <a:srgbClr val="4070A0"/>
-                </a:solidFill>
-                <a:latin typeface="Courier"/>
-              </a:rPr>
-              <a:t>&gt;=</a:t>
-            </a:r>
-            <a:r>
-              <a:rPr>
-                <a:latin typeface="Courier"/>
-              </a:rPr>
-              <a:t> </a:t>
-            </a:r>
-            <a:r>
-              <a:rPr>
-                <a:solidFill>
-                  <a:srgbClr val="40A070"/>
-                </a:solidFill>
-                <a:latin typeface="Courier"/>
-              </a:rPr>
-              <a:t>60</a:t>
-            </a:r>
-            <a:r>
-              <a:rPr>
-                <a:latin typeface="Courier"/>
-              </a:rPr>
-              <a:t>) </a:t>
-            </a:r>
-            <a:r>
-              <a:rPr>
-                <a:solidFill>
-                  <a:srgbClr val="4070A0"/>
-                </a:solidFill>
-                <a:latin typeface="Courier"/>
-              </a:rPr>
-              <a:t>%&gt;%</a:t>
-            </a:r>
-            <a:br/>
-            <a:r>
-              <a:rPr>
-                <a:latin typeface="Courier"/>
-              </a:rPr>
-              <a:t>  dplyr</a:t>
-            </a:r>
-            <a:r>
-              <a:rPr>
-                <a:solidFill>
-                  <a:srgbClr val="4070A0"/>
-                </a:solidFill>
-                <a:latin typeface="Courier"/>
-              </a:rPr>
-              <a:t>::</a:t>
-            </a:r>
-            <a:r>
-              <a:rPr>
-                <a:solidFill>
-                  <a:srgbClr val="06287E"/>
-                </a:solidFill>
-                <a:latin typeface="Courier"/>
-              </a:rPr>
-              <a:t>summarise</a:t>
-            </a:r>
-            <a:r>
-              <a:rPr>
-                <a:latin typeface="Courier"/>
-              </a:rPr>
-              <a:t>(</a:t>
-            </a:r>
-            <a:r>
-              <a:rPr>
-                <a:solidFill>
-                  <a:srgbClr val="7D9029"/>
-                </a:solidFill>
-                <a:latin typeface="Courier"/>
-              </a:rPr>
-              <a:t>los =</a:t>
-            </a:r>
-            <a:r>
-              <a:rPr>
-                <a:latin typeface="Courier"/>
-              </a:rPr>
-              <a:t> </a:t>
-            </a:r>
-            <a:r>
-              <a:rPr>
-                <a:solidFill>
-                  <a:srgbClr val="06287E"/>
-                </a:solidFill>
-                <a:latin typeface="Courier"/>
-              </a:rPr>
-              <a:t>mean</a:t>
-            </a:r>
-            <a:r>
-              <a:rPr>
-                <a:latin typeface="Courier"/>
-              </a:rPr>
-              <a:t>(los, </a:t>
-            </a:r>
-            <a:r>
-              <a:rPr>
-                <a:solidFill>
-                  <a:srgbClr val="7D9029"/>
-                </a:solidFill>
-                <a:latin typeface="Courier"/>
-              </a:rPr>
-              <a:t>na.rm =</a:t>
-            </a:r>
-            <a:r>
-              <a:rPr>
-                <a:latin typeface="Courier"/>
-              </a:rPr>
-              <a:t> </a:t>
-            </a:r>
-            <a:r>
-              <a:rPr>
-                <a:solidFill>
-                  <a:srgbClr val="880000"/>
-                </a:solidFill>
-                <a:latin typeface="Courier"/>
-              </a:rPr>
-              <a:t>TRUE</a:t>
-            </a:r>
-            <a:r>
-              <a:rPr>
-                <a:latin typeface="Courier"/>
-              </a:rPr>
-              <a:t>))</a:t>
-            </a:r>
-          </a:p>
-          <a:p>
-            <a:pPr lvl="0" indent="0">
-              <a:buNone/>
-            </a:pPr>
-            <a:r>
-              <a:rPr i="1">
-                <a:solidFill>
-                  <a:srgbClr val="60A0B0"/>
-                </a:solidFill>
-                <a:latin typeface="Courier"/>
-              </a:rPr>
-              <a:t># Number of people alive at discharge.</a:t>
-            </a:r>
-            <a:br/>
-            <a:r>
-              <a:rPr>
-                <a:latin typeface="Courier"/>
-              </a:rPr>
-              <a:t>cchic </a:t>
-            </a:r>
-            <a:r>
-              <a:rPr>
-                <a:solidFill>
-                  <a:srgbClr val="4070A0"/>
-                </a:solidFill>
-                <a:latin typeface="Courier"/>
-              </a:rPr>
-              <a:t>%&gt;%</a:t>
-            </a:r>
-            <a:br/>
-            <a:r>
-              <a:rPr>
-                <a:latin typeface="Courier"/>
-              </a:rPr>
-              <a:t>  dplyr</a:t>
-            </a:r>
-            <a:r>
-              <a:rPr>
-                <a:solidFill>
-                  <a:srgbClr val="4070A0"/>
-                </a:solidFill>
-                <a:latin typeface="Courier"/>
-              </a:rPr>
-              <a:t>::</a:t>
-            </a:r>
-            <a:r>
-              <a:rPr>
-                <a:solidFill>
-                  <a:srgbClr val="06287E"/>
-                </a:solidFill>
-                <a:latin typeface="Courier"/>
-              </a:rPr>
-              <a:t>filter</a:t>
-            </a:r>
-            <a:r>
-              <a:rPr>
-                <a:latin typeface="Courier"/>
-              </a:rPr>
-              <a:t>(age_years </a:t>
-            </a:r>
-            <a:r>
-              <a:rPr>
-                <a:solidFill>
-                  <a:srgbClr val="4070A0"/>
-                </a:solidFill>
-                <a:latin typeface="Courier"/>
-              </a:rPr>
-              <a:t>&gt;=</a:t>
-            </a:r>
-            <a:r>
-              <a:rPr>
-                <a:latin typeface="Courier"/>
-              </a:rPr>
-              <a:t> </a:t>
-            </a:r>
-            <a:r>
-              <a:rPr>
-                <a:solidFill>
-                  <a:srgbClr val="40A070"/>
-                </a:solidFill>
-                <a:latin typeface="Courier"/>
-              </a:rPr>
-              <a:t>60</a:t>
-            </a:r>
-            <a:r>
-              <a:rPr>
-                <a:latin typeface="Courier"/>
-              </a:rPr>
-              <a:t>) </a:t>
-            </a:r>
-            <a:r>
-              <a:rPr>
-                <a:solidFill>
-                  <a:srgbClr val="4070A0"/>
-                </a:solidFill>
-                <a:latin typeface="Courier"/>
-              </a:rPr>
-              <a:t>%&gt;%</a:t>
-            </a:r>
-            <a:br/>
-            <a:r>
-              <a:rPr>
-                <a:latin typeface="Courier"/>
-              </a:rPr>
-              <a:t>  dplyr</a:t>
-            </a:r>
-            <a:r>
-              <a:rPr>
-                <a:solidFill>
-                  <a:srgbClr val="4070A0"/>
-                </a:solidFill>
-                <a:latin typeface="Courier"/>
-              </a:rPr>
-              <a:t>::</a:t>
-            </a:r>
-            <a:r>
-              <a:rPr>
-                <a:solidFill>
-                  <a:srgbClr val="06287E"/>
-                </a:solidFill>
-                <a:latin typeface="Courier"/>
-              </a:rPr>
-              <a:t>select</a:t>
-            </a:r>
-            <a:r>
-              <a:rPr>
-                <a:latin typeface="Courier"/>
-              </a:rPr>
-              <a:t>(vital_status) </a:t>
-            </a:r>
-            <a:r>
-              <a:rPr>
-                <a:solidFill>
-                  <a:srgbClr val="4070A0"/>
-                </a:solidFill>
-                <a:latin typeface="Courier"/>
-              </a:rPr>
-              <a:t>%&gt;%</a:t>
-            </a:r>
-            <a:br/>
-            <a:r>
-              <a:rPr>
-                <a:latin typeface="Courier"/>
-              </a:rPr>
-              <a:t>  </a:t>
-            </a:r>
-            <a:r>
-              <a:rPr>
-                <a:solidFill>
-                  <a:srgbClr val="06287E"/>
-                </a:solidFill>
-                <a:latin typeface="Courier"/>
-              </a:rPr>
-              <a:t>table</a:t>
-            </a:r>
-            <a:r>
-              <a:rPr>
-                <a:latin typeface="Courier"/>
-              </a:rPr>
-              <a:t>()</a:t>
-            </a:r>
-          </a:p>
-          <a:p>
-            <a:pPr lvl="0" indent="0">
-              <a:buNone/>
-            </a:pPr>
-            <a:r>
-              <a:rPr>
-                <a:latin typeface="Courier"/>
-              </a:rPr>
-              <a:t>## .
+              <a:t>## vital_status
 ##    A    D 
 ## 2936  391</a:t>
             </a:r>
@@ -12175,36 +10716,12 @@
           <a:bodyPr/>
           <a:lstStyle/>
           <a:p>
-            <a:pPr lvl="0" marL="0" indent="0">
+            <a:pPr lvl="0" indent="0" marL="0">
               <a:buNone/>
             </a:pPr>
             <a:r>
               <a:rPr/>
-              <a:t>What</a:t>
-            </a:r>
-            <a:r>
-              <a:rPr/>
-              <a:t> </a:t>
-            </a:r>
-            <a:r>
-              <a:rPr/>
-              <a:t>is</a:t>
-            </a:r>
-            <a:r>
-              <a:rPr/>
-              <a:t> </a:t>
-            </a:r>
-            <a:r>
-              <a:rPr/>
-              <a:t>data</a:t>
-            </a:r>
-            <a:r>
-              <a:rPr/>
-              <a:t> </a:t>
-            </a:r>
-            <a:r>
-              <a:rPr/>
-              <a:t>wrangling?</a:t>
+              <a:t>What is data wrangling?</a:t>
             </a:r>
           </a:p>
         </p:txBody>
@@ -12230,42 +10747,42 @@
           <a:bodyPr/>
           <a:lstStyle/>
           <a:p>
+            <a:pPr lvl="0"/>
+            <a:r>
+              <a:rPr/>
+              <a:t>The process of transforming raw data into a form you can use for analysis.</a:t>
+            </a:r>
+          </a:p>
+          <a:p>
+            <a:pPr lvl="0"/>
+            <a:r>
+              <a:rPr/>
+              <a:t>Steps include:</a:t>
+            </a:r>
+          </a:p>
+          <a:p>
             <a:pPr lvl="1"/>
             <a:r>
               <a:rPr/>
-              <a:t>The process of transforming raw data into a form you can use for analysis.</a:t>
+              <a:t>Cleaning the data (Workshop 2) - as tempting as it might be to do this in Excel, for reproducibility, always try to do this in R.</a:t>
             </a:r>
           </a:p>
           <a:p>
             <a:pPr lvl="1"/>
             <a:r>
               <a:rPr/>
-              <a:t>Steps include:</a:t>
-            </a:r>
-          </a:p>
-          <a:p>
-            <a:pPr lvl="2"/>
-            <a:r>
-              <a:rPr/>
-              <a:t>Cleaning the data (Workshop 2) - as tempting as it might be to do this in Excel, for reproducibility, always try to do this in R.</a:t>
-            </a:r>
-          </a:p>
-          <a:p>
-            <a:pPr lvl="2"/>
-            <a:r>
-              <a:rPr/>
               <a:t>Organising it into a structure that allows you to analyse it.</a:t>
             </a:r>
           </a:p>
           <a:p>
-            <a:pPr lvl="2"/>
+            <a:pPr lvl="1"/>
             <a:r>
               <a:rPr/>
               <a:t>Creating derived variables from raw data.</a:t>
             </a:r>
           </a:p>
           <a:p>
-            <a:pPr lvl="2"/>
+            <a:pPr lvl="1"/>
             <a:r>
               <a:rPr/>
               <a:t>Validating the data.</a:t>
@@ -12316,52 +10833,12 @@
           <a:bodyPr/>
           <a:lstStyle/>
           <a:p>
-            <a:pPr lvl="0" marL="0" indent="0">
+            <a:pPr lvl="0" indent="0" marL="0">
               <a:buNone/>
             </a:pPr>
             <a:r>
               <a:rPr/>
-              <a:t>Another</a:t>
-            </a:r>
-            <a:r>
-              <a:rPr/>
-              <a:t> </a:t>
-            </a:r>
-            <a:r>
-              <a:rPr/>
-              <a:t>way</a:t>
-            </a:r>
-            <a:r>
-              <a:rPr/>
-              <a:t> </a:t>
-            </a:r>
-            <a:r>
-              <a:rPr/>
-              <a:t>to</a:t>
-            </a:r>
-            <a:r>
-              <a:rPr/>
-              <a:t> </a:t>
-            </a:r>
-            <a:r>
-              <a:rPr/>
-              <a:t>think</a:t>
-            </a:r>
-            <a:r>
-              <a:rPr/>
-              <a:t> </a:t>
-            </a:r>
-            <a:r>
-              <a:rPr/>
-              <a:t>of</a:t>
-            </a:r>
-            <a:r>
-              <a:rPr/>
-              <a:t> </a:t>
-            </a:r>
-            <a:r>
-              <a:rPr/>
-              <a:t>it…</a:t>
+              <a:t>Another way to think of it…</a:t>
             </a:r>
           </a:p>
         </p:txBody>
@@ -12379,29 +10856,29 @@
             <a:spLocks noGrp="1"/>
           </p:cNvSpPr>
           <p:nvPr>
-            <p:ph sz="half" idx="1"/>
-          </p:nvPr>
-        </p:nvSpPr>
-        <p:spPr/>
-        <p:txBody>
-          <a:bodyPr/>
-          <a:lstStyle/>
-          <a:p>
-            <a:pPr lvl="1"/>
+            <p:ph idx="1" sz="half"/>
+          </p:nvPr>
+        </p:nvSpPr>
+        <p:spPr/>
+        <p:txBody>
+          <a:bodyPr/>
+          <a:lstStyle/>
+          <a:p>
+            <a:pPr lvl="0"/>
             <a:r>
               <a:rPr/>
               <a:t>Taking raw data</a:t>
             </a:r>
           </a:p>
           <a:p>
-            <a:pPr lvl="1"/>
+            <a:pPr lvl="0"/>
             <a:r>
               <a:rPr/>
               <a:t>Subjecting it to processes along a data pipeline</a:t>
             </a:r>
           </a:p>
           <a:p>
-            <a:pPr lvl="1"/>
+            <a:pPr lvl="0"/>
             <a:r>
               <a:rPr/>
               <a:t>Using the processed data for analysis</a:t>
@@ -12482,52 +10959,44 @@
           <a:bodyPr/>
           <a:lstStyle/>
           <a:p>
-            <a:pPr lvl="0" marL="0" indent="0">
+            <a:pPr lvl="0" indent="0" marL="0">
               <a:buNone/>
             </a:pPr>
             <a:r>
               <a:rPr/>
-              <a:t>Load</a:t>
-            </a:r>
-            <a:r>
-              <a:rPr/>
-              <a:t> </a:t>
-            </a:r>
-            <a:r>
-              <a:rPr/>
+              <a:t>Load dplyr</a:t>
+            </a:r>
+          </a:p>
+        </p:txBody>
+      </p:sp>
+      <p:sp>
+        <p:nvSpPr>
+          <p:cNvPr id="3" name="Content Placeholder 2">
+            <a:extLst>
+              <a:ext uri="{FF2B5EF4-FFF2-40B4-BE49-F238E27FC236}">
+                <a16:creationId xmlns:a16="http://schemas.microsoft.com/office/drawing/2014/main" id="{D10DDA37-E46B-B641-BC9F-636CB92A2C08}"/>
+              </a:ext>
+            </a:extLst>
+          </p:cNvPr>
+          <p:cNvSpPr>
+            <a:spLocks noGrp="1"/>
+          </p:cNvSpPr>
+          <p:nvPr>
+            <p:ph idx="1"/>
+          </p:nvPr>
+        </p:nvSpPr>
+        <p:spPr/>
+        <p:txBody>
+          <a:bodyPr/>
+          <a:lstStyle/>
+          <a:p>
+            <a:pPr lvl="0"/>
+            <a:r>
+              <a:rPr>
+                <a:latin typeface="Courier"/>
+              </a:rPr>
               <a:t>dplyr</a:t>
             </a:r>
-          </a:p>
-        </p:txBody>
-      </p:sp>
-      <p:sp>
-        <p:nvSpPr>
-          <p:cNvPr id="3" name="Content Placeholder 2">
-            <a:extLst>
-              <a:ext uri="{FF2B5EF4-FFF2-40B4-BE49-F238E27FC236}">
-                <a16:creationId xmlns:a16="http://schemas.microsoft.com/office/drawing/2014/main" id="{D10DDA37-E46B-B641-BC9F-636CB92A2C08}"/>
-              </a:ext>
-            </a:extLst>
-          </p:cNvPr>
-          <p:cNvSpPr>
-            <a:spLocks noGrp="1"/>
-          </p:cNvSpPr>
-          <p:nvPr>
-            <p:ph idx="1"/>
-          </p:nvPr>
-        </p:nvSpPr>
-        <p:spPr/>
-        <p:txBody>
-          <a:bodyPr/>
-          <a:lstStyle/>
-          <a:p>
-            <a:pPr lvl="1"/>
-            <a:r>
-              <a:rPr>
-                <a:latin typeface="Courier"/>
-              </a:rPr>
-              <a:t>dplyr</a:t>
-            </a:r>
             <a:r>
               <a:rPr/>
               <a:t> is a package containing functions to help manipulate data.</a:t>
@@ -12535,7 +11004,7 @@
             <a:br/>
           </a:p>
           <a:p>
-            <a:pPr lvl="1"/>
+            <a:pPr lvl="0"/>
             <a:r>
               <a:rPr/>
               <a:t>It is automatically installed with </a:t>
@@ -12552,7 +11021,7 @@
             </a:r>
           </a:p>
           <a:p>
-            <a:pPr lvl="1"/>
+            <a:pPr lvl="0"/>
             <a:r>
               <a:rPr/>
               <a:t>As we have already installed </a:t>
@@ -12643,20 +11112,12 @@
           <a:bodyPr/>
           <a:lstStyle/>
           <a:p>
-            <a:pPr lvl="0" marL="0" indent="0">
+            <a:pPr lvl="0" indent="0" marL="0">
               <a:buNone/>
             </a:pPr>
             <a:r>
               <a:rPr/>
-              <a:t>Load</a:t>
-            </a:r>
-            <a:r>
-              <a:rPr/>
-              <a:t> </a:t>
-            </a:r>
-            <a:r>
-              <a:rPr/>
-              <a:t>data</a:t>
+              <a:t>Load data</a:t>
             </a:r>
           </a:p>
         </p:txBody>
@@ -12682,7 +11143,7 @@
           <a:bodyPr/>
           <a:lstStyle/>
           <a:p>
-            <a:pPr lvl="1"/>
+            <a:pPr lvl="0"/>
             <a:r>
               <a:rPr/>
               <a:t>From the previous workshop, you should still have a data frame named </a:t>
@@ -12743,76 +11204,12 @@
           <a:bodyPr/>
           <a:lstStyle/>
           <a:p>
-            <a:pPr lvl="0" marL="0" indent="0">
+            <a:pPr lvl="0" indent="0" marL="0">
               <a:buNone/>
             </a:pPr>
             <a:r>
               <a:rPr/>
-              <a:t>Two</a:t>
-            </a:r>
-            <a:r>
-              <a:rPr/>
-              <a:t> </a:t>
-            </a:r>
-            <a:r>
-              <a:rPr/>
-              <a:t>concepts</a:t>
-            </a:r>
-            <a:r>
-              <a:rPr/>
-              <a:t> </a:t>
-            </a:r>
-            <a:r>
-              <a:rPr/>
-              <a:t>you</a:t>
-            </a:r>
-            <a:r>
-              <a:rPr/>
-              <a:t> </a:t>
-            </a:r>
-            <a:r>
-              <a:rPr/>
-              <a:t>need</a:t>
-            </a:r>
-            <a:r>
-              <a:rPr/>
-              <a:t> </a:t>
-            </a:r>
-            <a:r>
-              <a:rPr/>
-              <a:t>to</a:t>
-            </a:r>
-            <a:r>
-              <a:rPr/>
-              <a:t> </a:t>
-            </a:r>
-            <a:r>
-              <a:rPr/>
-              <a:t>know</a:t>
-            </a:r>
-            <a:r>
-              <a:rPr/>
-              <a:t> </a:t>
-            </a:r>
-            <a:r>
-              <a:rPr/>
-              <a:t>before</a:t>
-            </a:r>
-            <a:r>
-              <a:rPr/>
-              <a:t> </a:t>
-            </a:r>
-            <a:r>
-              <a:rPr/>
-              <a:t>using</a:t>
-            </a:r>
-            <a:r>
-              <a:rPr/>
-              <a:t> </a:t>
-            </a:r>
-            <a:r>
-              <a:rPr/>
-              <a:t>dplyr</a:t>
+              <a:t>Two concepts you need to know before using dplyr</a:t>
             </a:r>
           </a:p>
         </p:txBody>
@@ -12838,14 +11235,14 @@
           <a:bodyPr/>
           <a:lstStyle/>
           <a:p>
-            <a:pPr lvl="1"/>
+            <a:pPr lvl="0"/>
             <a:r>
               <a:rPr/>
               <a:t>The pipe</a:t>
             </a:r>
           </a:p>
           <a:p>
-            <a:pPr lvl="1"/>
+            <a:pPr lvl="0"/>
             <a:r>
               <a:rPr/>
               <a:t>Logical operators</a:t>
@@ -12896,67 +11293,81 @@
           <a:bodyPr/>
           <a:lstStyle/>
           <a:p>
-            <a:pPr lvl="0" marL="0" indent="0">
+            <a:pPr lvl="0" indent="0" marL="0">
               <a:buNone/>
             </a:pPr>
             <a:r>
               <a:rPr/>
-              <a:t>The</a:t>
-            </a:r>
-            <a:r>
-              <a:rPr/>
+              <a:t>The pipe</a:t>
+            </a:r>
+          </a:p>
+        </p:txBody>
+      </p:sp>
+      <p:sp>
+        <p:nvSpPr>
+          <p:cNvPr id="3" name="Content Placeholder 2">
+            <a:extLst>
+              <a:ext uri="{FF2B5EF4-FFF2-40B4-BE49-F238E27FC236}">
+                <a16:creationId xmlns:a16="http://schemas.microsoft.com/office/drawing/2014/main" id="{C1CB83AA-6B3D-8243-8929-B2C82ECF02B5}"/>
+              </a:ext>
+            </a:extLst>
+          </p:cNvPr>
+          <p:cNvSpPr>
+            <a:spLocks noGrp="1"/>
+          </p:cNvSpPr>
+          <p:nvPr>
+            <p:ph idx="1" sz="half"/>
+          </p:nvPr>
+        </p:nvSpPr>
+        <p:spPr/>
+        <p:txBody>
+          <a:bodyPr/>
+          <a:lstStyle/>
+          <a:p>
+            <a:pPr lvl="0"/>
+            <a:r>
+              <a:rPr/>
+              <a:t>Takes whatever you did before, and passes it on to the next function.</a:t>
+            </a:r>
+          </a:p>
+          <a:p>
+            <a:pPr lvl="0"/>
+            <a:r>
+              <a:rPr/>
+              <a:t>Whenever you see it, think of the word ‘then’.</a:t>
+            </a:r>
+          </a:p>
+          <a:p>
+            <a:pPr lvl="0" indent="0">
+              <a:buNone/>
+            </a:pPr>
+            <a:r>
+              <a:rPr>
+                <a:latin typeface="Courier"/>
+              </a:rPr>
+              <a:t>data_frame_name </a:t>
+            </a:r>
+            <a:r>
+              <a:rPr>
+                <a:solidFill>
+                  <a:srgbClr val="4070A0"/>
+                </a:solidFill>
+                <a:latin typeface="Courier"/>
+              </a:rPr>
+              <a:t>%&gt;%</a:t>
+            </a:r>
+            <a:r>
+              <a:rPr>
+                <a:latin typeface="Courier"/>
+              </a:rPr>
               <a:t> </a:t>
             </a:r>
-            <a:r>
-              <a:rPr/>
-              <a:t>pipe</a:t>
-            </a:r>
-          </a:p>
-        </p:txBody>
-      </p:sp>
-      <p:sp>
-        <p:nvSpPr>
-          <p:cNvPr id="3" name="Content Placeholder 2">
-            <a:extLst>
-              <a:ext uri="{FF2B5EF4-FFF2-40B4-BE49-F238E27FC236}">
-                <a16:creationId xmlns:a16="http://schemas.microsoft.com/office/drawing/2014/main" id="{C1CB83AA-6B3D-8243-8929-B2C82ECF02B5}"/>
-              </a:ext>
-            </a:extLst>
-          </p:cNvPr>
-          <p:cNvSpPr>
-            <a:spLocks noGrp="1"/>
-          </p:cNvSpPr>
-          <p:nvPr>
-            <p:ph sz="half" idx="1"/>
-          </p:nvPr>
-        </p:nvSpPr>
-        <p:spPr/>
-        <p:txBody>
-          <a:bodyPr/>
-          <a:lstStyle/>
-          <a:p>
-            <a:pPr lvl="1"/>
-            <a:r>
-              <a:rPr/>
-              <a:t>Takes whatever you did before, and passes it on to the next function.</a:t>
-            </a:r>
-          </a:p>
-          <a:p>
-            <a:pPr lvl="1"/>
-            <a:r>
-              <a:rPr/>
-              <a:t>Whenever you see it, think of the word ‘then’.</a:t>
-            </a:r>
-          </a:p>
-          <a:p>
-            <a:pPr lvl="0" indent="0">
-              <a:buNone/>
-            </a:pPr>
-            <a:r>
-              <a:rPr>
-                <a:latin typeface="Courier"/>
-              </a:rPr>
-              <a:t>data_frame_name </a:t>
+            <a:br/>
+            <a:r>
+              <a:rPr>
+                <a:latin typeface="Courier"/>
+              </a:rPr>
+              <a:t>  dplyr</a:t>
             </a:r>
             <a:r>
               <a:rPr>
@@ -12965,6 +11376,30 @@
                 </a:solidFill>
                 <a:latin typeface="Courier"/>
               </a:rPr>
+              <a:t>::</a:t>
+            </a:r>
+            <a:r>
+              <a:rPr>
+                <a:solidFill>
+                  <a:srgbClr val="06287E"/>
+                </a:solidFill>
+                <a:latin typeface="Courier"/>
+              </a:rPr>
+              <a:t>pull</a:t>
+            </a:r>
+            <a:r>
+              <a:rPr>
+                <a:latin typeface="Courier"/>
+              </a:rPr>
+              <a:t>(column_name) </a:t>
+            </a:r>
+            <a:r>
+              <a:rPr>
+                <a:solidFill>
+                  <a:srgbClr val="4070A0"/>
+                </a:solidFill>
+                <a:latin typeface="Courier"/>
+              </a:rPr>
               <a:t>%&gt;%</a:t>
             </a:r>
             <a:r>
@@ -12978,16 +11413,7 @@
               <a:rPr>
                 <a:latin typeface="Courier"/>
               </a:rPr>
-              <a:t>  dplyr</a:t>
-            </a:r>
-            <a:r>
-              <a:rPr>
-                <a:solidFill>
-                  <a:srgbClr val="4070A0"/>
-                </a:solidFill>
-                <a:latin typeface="Courier"/>
-              </a:rPr>
-              <a:t>::</a:t>
+              <a:t>  </a:t>
             </a:r>
             <a:r>
               <a:rPr>
@@ -12996,43 +11422,6 @@
                 </a:solidFill>
                 <a:latin typeface="Courier"/>
               </a:rPr>
-              <a:t>select</a:t>
-            </a:r>
-            <a:r>
-              <a:rPr>
-                <a:latin typeface="Courier"/>
-              </a:rPr>
-              <a:t>(column_name) </a:t>
-            </a:r>
-            <a:r>
-              <a:rPr>
-                <a:solidFill>
-                  <a:srgbClr val="4070A0"/>
-                </a:solidFill>
-                <a:latin typeface="Courier"/>
-              </a:rPr>
-              <a:t>%&gt;%</a:t>
-            </a:r>
-            <a:r>
-              <a:rPr>
-                <a:latin typeface="Courier"/>
-              </a:rPr>
-              <a:t> </a:t>
-            </a:r>
-            <a:br/>
-            <a:r>
-              <a:rPr>
-                <a:latin typeface="Courier"/>
-              </a:rPr>
-              <a:t>  </a:t>
-            </a:r>
-            <a:r>
-              <a:rPr>
-                <a:solidFill>
-                  <a:srgbClr val="06287E"/>
-                </a:solidFill>
-                <a:latin typeface="Courier"/>
-              </a:rPr>
               <a:t>mean</a:t>
             </a:r>
             <a:r>
@@ -13043,7 +11432,7 @@
             </a:r>
           </a:p>
           <a:p>
-            <a:pPr lvl="1"/>
+            <a:pPr lvl="0"/>
             <a:r>
               <a:rPr/>
               <a:t>Shortcut - </a:t>
